--- a/Presentation1.pptx
+++ b/Presentation1.pptx
@@ -6,9 +6,12 @@
   </p:sldMasterIdLst>
   <p:sldIdLst>
     <p:sldId id="256" r:id="rId2"/>
-    <p:sldId id="257" r:id="rId3"/>
-    <p:sldId id="258" r:id="rId4"/>
-    <p:sldId id="259" r:id="rId5"/>
+    <p:sldId id="260" r:id="rId3"/>
+    <p:sldId id="262" r:id="rId4"/>
+    <p:sldId id="261" r:id="rId5"/>
+    <p:sldId id="257" r:id="rId6"/>
+    <p:sldId id="258" r:id="rId7"/>
+    <p:sldId id="259" r:id="rId8"/>
   </p:sldIdLst>
   <p:sldSz cx="12192000" cy="6858000"/>
   <p:notesSz cx="6858000" cy="9144000"/>
@@ -107,6 +110,11 @@
       </a:defRPr>
     </a:lvl9pPr>
   </p:defaultTextStyle>
+  <p:extLst>
+    <p:ext uri="{EFAFB233-063F-42B5-8137-9DF3F51BA10A}">
+      <p15:sldGuideLst xmlns:p15="http://schemas.microsoft.com/office/powerpoint/2012/main"/>
+    </p:ext>
+  </p:extLst>
 </p:presentation>
 </file>
 
@@ -259,7 +267,7 @@
           <a:p>
             <a:fld id="{A5358068-B55E-472E-8EF6-2EE20D143D55}" type="datetimeFigureOut">
               <a:rPr lang="en-ID" smtClean="0"/>
-              <a:t>04/08/2024</a:t>
+              <a:t>11/08/2024</a:t>
             </a:fld>
             <a:endParaRPr lang="en-ID"/>
           </a:p>
@@ -459,7 +467,7 @@
           <a:p>
             <a:fld id="{A5358068-B55E-472E-8EF6-2EE20D143D55}" type="datetimeFigureOut">
               <a:rPr lang="en-ID" smtClean="0"/>
-              <a:t>04/08/2024</a:t>
+              <a:t>11/08/2024</a:t>
             </a:fld>
             <a:endParaRPr lang="en-ID"/>
           </a:p>
@@ -669,7 +677,7 @@
           <a:p>
             <a:fld id="{A5358068-B55E-472E-8EF6-2EE20D143D55}" type="datetimeFigureOut">
               <a:rPr lang="en-ID" smtClean="0"/>
-              <a:t>04/08/2024</a:t>
+              <a:t>11/08/2024</a:t>
             </a:fld>
             <a:endParaRPr lang="en-ID"/>
           </a:p>
@@ -869,7 +877,7 @@
           <a:p>
             <a:fld id="{A5358068-B55E-472E-8EF6-2EE20D143D55}" type="datetimeFigureOut">
               <a:rPr lang="en-ID" smtClean="0"/>
-              <a:t>04/08/2024</a:t>
+              <a:t>11/08/2024</a:t>
             </a:fld>
             <a:endParaRPr lang="en-ID"/>
           </a:p>
@@ -1145,7 +1153,7 @@
           <a:p>
             <a:fld id="{A5358068-B55E-472E-8EF6-2EE20D143D55}" type="datetimeFigureOut">
               <a:rPr lang="en-ID" smtClean="0"/>
-              <a:t>04/08/2024</a:t>
+              <a:t>11/08/2024</a:t>
             </a:fld>
             <a:endParaRPr lang="en-ID"/>
           </a:p>
@@ -1413,7 +1421,7 @@
           <a:p>
             <a:fld id="{A5358068-B55E-472E-8EF6-2EE20D143D55}" type="datetimeFigureOut">
               <a:rPr lang="en-ID" smtClean="0"/>
-              <a:t>04/08/2024</a:t>
+              <a:t>11/08/2024</a:t>
             </a:fld>
             <a:endParaRPr lang="en-ID"/>
           </a:p>
@@ -1828,7 +1836,7 @@
           <a:p>
             <a:fld id="{A5358068-B55E-472E-8EF6-2EE20D143D55}" type="datetimeFigureOut">
               <a:rPr lang="en-ID" smtClean="0"/>
-              <a:t>04/08/2024</a:t>
+              <a:t>11/08/2024</a:t>
             </a:fld>
             <a:endParaRPr lang="en-ID"/>
           </a:p>
@@ -1970,7 +1978,7 @@
           <a:p>
             <a:fld id="{A5358068-B55E-472E-8EF6-2EE20D143D55}" type="datetimeFigureOut">
               <a:rPr lang="en-ID" smtClean="0"/>
-              <a:t>04/08/2024</a:t>
+              <a:t>11/08/2024</a:t>
             </a:fld>
             <a:endParaRPr lang="en-ID"/>
           </a:p>
@@ -2083,7 +2091,7 @@
           <a:p>
             <a:fld id="{A5358068-B55E-472E-8EF6-2EE20D143D55}" type="datetimeFigureOut">
               <a:rPr lang="en-ID" smtClean="0"/>
-              <a:t>04/08/2024</a:t>
+              <a:t>11/08/2024</a:t>
             </a:fld>
             <a:endParaRPr lang="en-ID"/>
           </a:p>
@@ -2396,7 +2404,7 @@
           <a:p>
             <a:fld id="{A5358068-B55E-472E-8EF6-2EE20D143D55}" type="datetimeFigureOut">
               <a:rPr lang="en-ID" smtClean="0"/>
-              <a:t>04/08/2024</a:t>
+              <a:t>11/08/2024</a:t>
             </a:fld>
             <a:endParaRPr lang="en-ID"/>
           </a:p>
@@ -2685,7 +2693,7 @@
           <a:p>
             <a:fld id="{A5358068-B55E-472E-8EF6-2EE20D143D55}" type="datetimeFigureOut">
               <a:rPr lang="en-ID" smtClean="0"/>
-              <a:t>04/08/2024</a:t>
+              <a:t>11/08/2024</a:t>
             </a:fld>
             <a:endParaRPr lang="en-ID"/>
           </a:p>
@@ -2928,7 +2936,7 @@
           <a:p>
             <a:fld id="{A5358068-B55E-472E-8EF6-2EE20D143D55}" type="datetimeFigureOut">
               <a:rPr lang="en-ID" smtClean="0"/>
-              <a:t>04/08/2024</a:t>
+              <a:t>11/08/2024</a:t>
             </a:fld>
             <a:endParaRPr lang="en-ID"/>
           </a:p>
@@ -3409,6 +3417,3085 @@
 </file>
 
 <file path=ppt/slides/slide2.xml><?xml version="1.0" encoding="utf-8"?>
+<p:sld xmlns:a="http://schemas.openxmlformats.org/drawingml/2006/main" xmlns:r="http://schemas.openxmlformats.org/officeDocument/2006/relationships" xmlns:p="http://schemas.openxmlformats.org/presentationml/2006/main">
+  <p:cSld>
+    <p:spTree>
+      <p:nvGrpSpPr>
+        <p:cNvPr id="1" name=""/>
+        <p:cNvGrpSpPr/>
+        <p:nvPr/>
+      </p:nvGrpSpPr>
+      <p:grpSpPr>
+        <a:xfrm>
+          <a:off x="0" y="0"/>
+          <a:ext cx="0" cy="0"/>
+          <a:chOff x="0" y="0"/>
+          <a:chExt cx="0" cy="0"/>
+        </a:xfrm>
+      </p:grpSpPr>
+      <p:grpSp>
+        <p:nvGrpSpPr>
+          <p:cNvPr id="2" name="Group 1">
+            <a:extLst>
+              <a:ext uri="{FF2B5EF4-FFF2-40B4-BE49-F238E27FC236}">
+                <a16:creationId xmlns:a16="http://schemas.microsoft.com/office/drawing/2014/main" id="{CB681B5C-C2AF-E68C-58D2-1A2BAB7EAFFD}"/>
+              </a:ext>
+            </a:extLst>
+          </p:cNvPr>
+          <p:cNvGrpSpPr/>
+          <p:nvPr/>
+        </p:nvGrpSpPr>
+        <p:grpSpPr>
+          <a:xfrm>
+            <a:off x="4843462" y="3049587"/>
+            <a:ext cx="5362575" cy="3097213"/>
+            <a:chOff x="3276600" y="3213100"/>
+            <a:chExt cx="5362575" cy="3097213"/>
+          </a:xfrm>
+        </p:grpSpPr>
+        <p:sp>
+          <p:nvSpPr>
+            <p:cNvPr id="3" name="Oval 13" descr="Dark upward diagonal">
+              <a:extLst>
+                <a:ext uri="{FF2B5EF4-FFF2-40B4-BE49-F238E27FC236}">
+                  <a16:creationId xmlns:a16="http://schemas.microsoft.com/office/drawing/2014/main" id="{D104BCAB-4EB3-11F8-6310-18D4564E0319}"/>
+                </a:ext>
+              </a:extLst>
+            </p:cNvPr>
+            <p:cNvSpPr>
+              <a:spLocks noChangeArrowheads="1"/>
+            </p:cNvSpPr>
+            <p:nvPr/>
+          </p:nvSpPr>
+          <p:spPr bwMode="auto">
+            <a:xfrm>
+              <a:off x="3276600" y="3213100"/>
+              <a:ext cx="3240088" cy="3097213"/>
+            </a:xfrm>
+            <a:prstGeom prst="ellipse">
+              <a:avLst/>
+            </a:prstGeom>
+            <a:pattFill prst="dkUpDiag">
+              <a:fgClr>
+                <a:schemeClr val="accent1"/>
+              </a:fgClr>
+              <a:bgClr>
+                <a:schemeClr val="bg1"/>
+              </a:bgClr>
+            </a:pattFill>
+            <a:ln w="9525">
+              <a:noFill/>
+              <a:round/>
+              <a:headEnd/>
+              <a:tailEnd/>
+            </a:ln>
+          </p:spPr>
+          <p:txBody>
+            <a:bodyPr wrap="none" anchor="ctr"/>
+            <a:lstStyle/>
+            <a:p>
+              <a:endParaRPr lang="id-ID" dirty="0"/>
+            </a:p>
+          </p:txBody>
+        </p:sp>
+        <p:grpSp>
+          <p:nvGrpSpPr>
+            <p:cNvPr id="4" name="Group 3">
+              <a:extLst>
+                <a:ext uri="{FF2B5EF4-FFF2-40B4-BE49-F238E27FC236}">
+                  <a16:creationId xmlns:a16="http://schemas.microsoft.com/office/drawing/2014/main" id="{F3215CCF-0DB4-EE9B-9769-B22266188F7E}"/>
+                </a:ext>
+              </a:extLst>
+            </p:cNvPr>
+            <p:cNvGrpSpPr/>
+            <p:nvPr/>
+          </p:nvGrpSpPr>
+          <p:grpSpPr>
+            <a:xfrm>
+              <a:off x="3419475" y="3357563"/>
+              <a:ext cx="5219700" cy="2809875"/>
+              <a:chOff x="3419475" y="3357563"/>
+              <a:chExt cx="5219700" cy="2809875"/>
+            </a:xfrm>
+          </p:grpSpPr>
+          <p:sp>
+            <p:nvSpPr>
+              <p:cNvPr id="5" name="Oval 14">
+                <a:extLst>
+                  <a:ext uri="{FF2B5EF4-FFF2-40B4-BE49-F238E27FC236}">
+                    <a16:creationId xmlns:a16="http://schemas.microsoft.com/office/drawing/2014/main" id="{A5E25769-BE25-8180-7FA9-63BAA1CCDE75}"/>
+                  </a:ext>
+                </a:extLst>
+              </p:cNvPr>
+              <p:cNvSpPr>
+                <a:spLocks noChangeArrowheads="1"/>
+              </p:cNvSpPr>
+              <p:nvPr/>
+            </p:nvSpPr>
+            <p:spPr bwMode="auto">
+              <a:xfrm>
+                <a:off x="3419475" y="3357563"/>
+                <a:ext cx="2952750" cy="2809875"/>
+              </a:xfrm>
+              <a:prstGeom prst="ellipse">
+                <a:avLst/>
+              </a:prstGeom>
+              <a:solidFill>
+                <a:schemeClr val="bg1"/>
+              </a:solidFill>
+              <a:ln w="9525">
+                <a:solidFill>
+                  <a:srgbClr val="660033"/>
+                </a:solidFill>
+                <a:round/>
+                <a:headEnd/>
+                <a:tailEnd/>
+              </a:ln>
+            </p:spPr>
+            <p:txBody>
+              <a:bodyPr wrap="none" anchor="ctr"/>
+              <a:lstStyle/>
+              <a:p>
+                <a:endParaRPr lang="id-ID"/>
+              </a:p>
+            </p:txBody>
+          </p:sp>
+          <p:sp>
+            <p:nvSpPr>
+              <p:cNvPr id="6" name="Oval 15">
+                <a:extLst>
+                  <a:ext uri="{FF2B5EF4-FFF2-40B4-BE49-F238E27FC236}">
+                    <a16:creationId xmlns:a16="http://schemas.microsoft.com/office/drawing/2014/main" id="{05D11EE7-6592-ECDE-2DE8-21E3866D6A26}"/>
+                  </a:ext>
+                </a:extLst>
+              </p:cNvPr>
+              <p:cNvSpPr>
+                <a:spLocks noChangeArrowheads="1"/>
+              </p:cNvSpPr>
+              <p:nvPr/>
+            </p:nvSpPr>
+            <p:spPr bwMode="auto">
+              <a:xfrm>
+                <a:off x="5940425" y="4221163"/>
+                <a:ext cx="792163" cy="792162"/>
+              </a:xfrm>
+              <a:prstGeom prst="ellipse">
+                <a:avLst/>
+              </a:prstGeom>
+              <a:solidFill>
+                <a:srgbClr val="BCE8F2">
+                  <a:alpha val="50980"/>
+                </a:srgbClr>
+              </a:solidFill>
+              <a:ln w="57150" cmpd="thinThick">
+                <a:solidFill>
+                  <a:schemeClr val="tx1"/>
+                </a:solidFill>
+                <a:round/>
+                <a:headEnd/>
+                <a:tailEnd/>
+              </a:ln>
+            </p:spPr>
+            <p:txBody>
+              <a:bodyPr wrap="none" anchor="ctr"/>
+              <a:lstStyle/>
+              <a:p>
+                <a:endParaRPr lang="id-ID"/>
+              </a:p>
+            </p:txBody>
+          </p:sp>
+          <p:grpSp>
+            <p:nvGrpSpPr>
+              <p:cNvPr id="7" name="Group 19">
+                <a:extLst>
+                  <a:ext uri="{FF2B5EF4-FFF2-40B4-BE49-F238E27FC236}">
+                    <a16:creationId xmlns:a16="http://schemas.microsoft.com/office/drawing/2014/main" id="{3B7DACAF-B545-D7BD-D47B-A1804E91DAAE}"/>
+                  </a:ext>
+                </a:extLst>
+              </p:cNvPr>
+              <p:cNvGrpSpPr>
+                <a:grpSpLocks/>
+              </p:cNvGrpSpPr>
+              <p:nvPr/>
+            </p:nvGrpSpPr>
+            <p:grpSpPr bwMode="auto">
+              <a:xfrm>
+                <a:off x="7956550" y="4292600"/>
+                <a:ext cx="682625" cy="936625"/>
+                <a:chOff x="2789" y="2704"/>
+                <a:chExt cx="430" cy="590"/>
+              </a:xfrm>
+            </p:grpSpPr>
+            <p:sp>
+              <p:nvSpPr>
+                <p:cNvPr id="10" name="Arc 17" descr="Dark downward diagonal">
+                  <a:extLst>
+                    <a:ext uri="{FF2B5EF4-FFF2-40B4-BE49-F238E27FC236}">
+                      <a16:creationId xmlns:a16="http://schemas.microsoft.com/office/drawing/2014/main" id="{E27AAAA2-CA5F-A7BA-58E5-4DCF21669836}"/>
+                    </a:ext>
+                  </a:extLst>
+                </p:cNvPr>
+                <p:cNvSpPr>
+                  <a:spLocks/>
+                </p:cNvSpPr>
+                <p:nvPr/>
+              </p:nvSpPr>
+              <p:spPr bwMode="auto">
+                <a:xfrm rot="2345067">
+                  <a:off x="2845" y="2704"/>
+                  <a:ext cx="374" cy="590"/>
+                </a:xfrm>
+                <a:custGeom>
+                  <a:avLst/>
+                  <a:gdLst>
+                    <a:gd name="T0" fmla="*/ 0 w 19744"/>
+                    <a:gd name="T1" fmla="*/ 0 h 21600"/>
+                    <a:gd name="T2" fmla="*/ 7 w 19744"/>
+                    <a:gd name="T3" fmla="*/ 10 h 21600"/>
+                    <a:gd name="T4" fmla="*/ 0 w 19744"/>
+                    <a:gd name="T5" fmla="*/ 16 h 21600"/>
+                    <a:gd name="T6" fmla="*/ 0 60000 65536"/>
+                    <a:gd name="T7" fmla="*/ 0 60000 65536"/>
+                    <a:gd name="T8" fmla="*/ 0 60000 65536"/>
+                    <a:gd name="T9" fmla="*/ 0 w 19744"/>
+                    <a:gd name="T10" fmla="*/ 0 h 21600"/>
+                    <a:gd name="T11" fmla="*/ 19744 w 19744"/>
+                    <a:gd name="T12" fmla="*/ 21600 h 21600"/>
+                  </a:gdLst>
+                  <a:ahLst/>
+                  <a:cxnLst>
+                    <a:cxn ang="T6">
+                      <a:pos x="T0" y="T1"/>
+                    </a:cxn>
+                    <a:cxn ang="T7">
+                      <a:pos x="T2" y="T3"/>
+                    </a:cxn>
+                    <a:cxn ang="T8">
+                      <a:pos x="T4" y="T5"/>
+                    </a:cxn>
+                  </a:cxnLst>
+                  <a:rect l="T9" t="T10" r="T11" b="T12"/>
+                  <a:pathLst>
+                    <a:path w="19744" h="21600" fill="none" extrusionOk="0">
+                      <a:moveTo>
+                        <a:pt x="-1" y="0"/>
+                      </a:moveTo>
+                      <a:cubicBezTo>
+                        <a:pt x="8541" y="0"/>
+                        <a:pt x="16280" y="5033"/>
+                        <a:pt x="19744" y="12840"/>
+                      </a:cubicBezTo>
+                    </a:path>
+                    <a:path w="19744" h="21600" stroke="0" extrusionOk="0">
+                      <a:moveTo>
+                        <a:pt x="-1" y="0"/>
+                      </a:moveTo>
+                      <a:cubicBezTo>
+                        <a:pt x="8541" y="0"/>
+                        <a:pt x="16280" y="5033"/>
+                        <a:pt x="19744" y="12840"/>
+                      </a:cubicBezTo>
+                      <a:lnTo>
+                        <a:pt x="0" y="21600"/>
+                      </a:lnTo>
+                      <a:close/>
+                    </a:path>
+                  </a:pathLst>
+                </a:custGeom>
+                <a:pattFill prst="dkDnDiag">
+                  <a:fgClr>
+                    <a:schemeClr val="accent1"/>
+                  </a:fgClr>
+                  <a:bgClr>
+                    <a:schemeClr val="bg1"/>
+                  </a:bgClr>
+                </a:pattFill>
+                <a:ln w="28575">
+                  <a:noFill/>
+                  <a:round/>
+                  <a:headEnd/>
+                  <a:tailEnd/>
+                </a:ln>
+              </p:spPr>
+              <p:txBody>
+                <a:bodyPr wrap="none" anchor="ctr"/>
+                <a:lstStyle/>
+                <a:p>
+                  <a:endParaRPr lang="id-ID" dirty="0"/>
+                </a:p>
+              </p:txBody>
+            </p:sp>
+            <p:sp>
+              <p:nvSpPr>
+                <p:cNvPr id="11" name="Arc 18">
+                  <a:extLst>
+                    <a:ext uri="{FF2B5EF4-FFF2-40B4-BE49-F238E27FC236}">
+                      <a16:creationId xmlns:a16="http://schemas.microsoft.com/office/drawing/2014/main" id="{A817D772-F44E-D0D8-BD81-6043138C619D}"/>
+                    </a:ext>
+                  </a:extLst>
+                </p:cNvPr>
+                <p:cNvSpPr>
+                  <a:spLocks/>
+                </p:cNvSpPr>
+                <p:nvPr/>
+              </p:nvSpPr>
+              <p:spPr bwMode="auto">
+                <a:xfrm rot="2345067">
+                  <a:off x="2789" y="2704"/>
+                  <a:ext cx="374" cy="590"/>
+                </a:xfrm>
+                <a:custGeom>
+                  <a:avLst/>
+                  <a:gdLst>
+                    <a:gd name="T0" fmla="*/ 0 w 19744"/>
+                    <a:gd name="T1" fmla="*/ 0 h 21600"/>
+                    <a:gd name="T2" fmla="*/ 7 w 19744"/>
+                    <a:gd name="T3" fmla="*/ 10 h 21600"/>
+                    <a:gd name="T4" fmla="*/ 0 w 19744"/>
+                    <a:gd name="T5" fmla="*/ 16 h 21600"/>
+                    <a:gd name="T6" fmla="*/ 0 60000 65536"/>
+                    <a:gd name="T7" fmla="*/ 0 60000 65536"/>
+                    <a:gd name="T8" fmla="*/ 0 60000 65536"/>
+                    <a:gd name="T9" fmla="*/ 0 w 19744"/>
+                    <a:gd name="T10" fmla="*/ 0 h 21600"/>
+                    <a:gd name="T11" fmla="*/ 19744 w 19744"/>
+                    <a:gd name="T12" fmla="*/ 21600 h 21600"/>
+                  </a:gdLst>
+                  <a:ahLst/>
+                  <a:cxnLst>
+                    <a:cxn ang="T6">
+                      <a:pos x="T0" y="T1"/>
+                    </a:cxn>
+                    <a:cxn ang="T7">
+                      <a:pos x="T2" y="T3"/>
+                    </a:cxn>
+                    <a:cxn ang="T8">
+                      <a:pos x="T4" y="T5"/>
+                    </a:cxn>
+                  </a:cxnLst>
+                  <a:rect l="T9" t="T10" r="T11" b="T12"/>
+                  <a:pathLst>
+                    <a:path w="19744" h="21600" fill="none" extrusionOk="0">
+                      <a:moveTo>
+                        <a:pt x="-1" y="0"/>
+                      </a:moveTo>
+                      <a:cubicBezTo>
+                        <a:pt x="8541" y="0"/>
+                        <a:pt x="16280" y="5033"/>
+                        <a:pt x="19744" y="12840"/>
+                      </a:cubicBezTo>
+                    </a:path>
+                    <a:path w="19744" h="21600" stroke="0" extrusionOk="0">
+                      <a:moveTo>
+                        <a:pt x="-1" y="0"/>
+                      </a:moveTo>
+                      <a:cubicBezTo>
+                        <a:pt x="8541" y="0"/>
+                        <a:pt x="16280" y="5033"/>
+                        <a:pt x="19744" y="12840"/>
+                      </a:cubicBezTo>
+                      <a:lnTo>
+                        <a:pt x="0" y="21600"/>
+                      </a:lnTo>
+                      <a:close/>
+                    </a:path>
+                  </a:pathLst>
+                </a:custGeom>
+                <a:solidFill>
+                  <a:schemeClr val="bg1"/>
+                </a:solidFill>
+                <a:ln w="28575">
+                  <a:solidFill>
+                    <a:schemeClr val="tx1"/>
+                  </a:solidFill>
+                  <a:round/>
+                  <a:headEnd/>
+                  <a:tailEnd/>
+                </a:ln>
+              </p:spPr>
+              <p:txBody>
+                <a:bodyPr wrap="none" anchor="ctr"/>
+                <a:lstStyle/>
+                <a:p>
+                  <a:endParaRPr lang="id-ID"/>
+                </a:p>
+              </p:txBody>
+            </p:sp>
+          </p:grpSp>
+          <p:sp>
+            <p:nvSpPr>
+              <p:cNvPr id="8" name="Line 23">
+                <a:extLst>
+                  <a:ext uri="{FF2B5EF4-FFF2-40B4-BE49-F238E27FC236}">
+                    <a16:creationId xmlns:a16="http://schemas.microsoft.com/office/drawing/2014/main" id="{A8343D38-3219-D3E9-63DA-C5C770FF22C4}"/>
+                  </a:ext>
+                </a:extLst>
+              </p:cNvPr>
+              <p:cNvSpPr>
+                <a:spLocks noChangeShapeType="1"/>
+              </p:cNvSpPr>
+              <p:nvPr/>
+            </p:nvSpPr>
+            <p:spPr bwMode="auto">
+              <a:xfrm>
+                <a:off x="6877050" y="4581525"/>
+                <a:ext cx="1511300" cy="0"/>
+              </a:xfrm>
+              <a:prstGeom prst="line">
+                <a:avLst/>
+              </a:prstGeom>
+              <a:noFill/>
+              <a:ln w="38100">
+                <a:solidFill>
+                  <a:srgbClr val="FF3300"/>
+                </a:solidFill>
+                <a:round/>
+                <a:headEnd/>
+                <a:tailEnd type="triangle" w="med" len="med"/>
+              </a:ln>
+            </p:spPr>
+            <p:txBody>
+              <a:bodyPr/>
+              <a:lstStyle/>
+              <a:p>
+                <a:endParaRPr lang="id-ID"/>
+              </a:p>
+            </p:txBody>
+          </p:sp>
+          <p:sp>
+            <p:nvSpPr>
+              <p:cNvPr id="9" name="Text Box 25">
+                <a:extLst>
+                  <a:ext uri="{FF2B5EF4-FFF2-40B4-BE49-F238E27FC236}">
+                    <a16:creationId xmlns:a16="http://schemas.microsoft.com/office/drawing/2014/main" id="{F230F033-6681-2629-7A91-AA1F4B8A4415}"/>
+                  </a:ext>
+                </a:extLst>
+              </p:cNvPr>
+              <p:cNvSpPr txBox="1">
+                <a:spLocks noChangeArrowheads="1"/>
+              </p:cNvSpPr>
+              <p:nvPr/>
+            </p:nvSpPr>
+            <p:spPr bwMode="auto">
+              <a:xfrm>
+                <a:off x="6804025" y="5157788"/>
+                <a:ext cx="1368425" cy="366712"/>
+              </a:xfrm>
+              <a:prstGeom prst="rect">
+                <a:avLst/>
+              </a:prstGeom>
+              <a:solidFill>
+                <a:srgbClr val="C6D8D2"/>
+              </a:solidFill>
+              <a:ln w="9525">
+                <a:noFill/>
+                <a:miter lim="800000"/>
+                <a:headEnd/>
+                <a:tailEnd/>
+              </a:ln>
+            </p:spPr>
+            <p:txBody>
+              <a:bodyPr>
+                <a:spAutoFit/>
+              </a:bodyPr>
+              <a:lstStyle/>
+              <a:p>
+                <a:pPr algn="ctr">
+                  <a:spcBef>
+                    <a:spcPct val="50000"/>
+                  </a:spcBef>
+                </a:pPr>
+                <a:r>
+                  <a:rPr lang="en-US" b="1"/>
+                  <a:t>Cekung </a:t>
+                </a:r>
+              </a:p>
+            </p:txBody>
+          </p:sp>
+        </p:grpSp>
+      </p:grpSp>
+      <p:grpSp>
+        <p:nvGrpSpPr>
+          <p:cNvPr id="12" name="Group 11">
+            <a:extLst>
+              <a:ext uri="{FF2B5EF4-FFF2-40B4-BE49-F238E27FC236}">
+                <a16:creationId xmlns:a16="http://schemas.microsoft.com/office/drawing/2014/main" id="{DB8B1D7D-22FC-2E24-11BA-DC5BD8AB29FF}"/>
+              </a:ext>
+            </a:extLst>
+          </p:cNvPr>
+          <p:cNvGrpSpPr/>
+          <p:nvPr/>
+        </p:nvGrpSpPr>
+        <p:grpSpPr>
+          <a:xfrm>
+            <a:off x="1478756" y="275430"/>
+            <a:ext cx="6820694" cy="3097213"/>
+            <a:chOff x="704056" y="256911"/>
+            <a:chExt cx="6820694" cy="3097213"/>
+          </a:xfrm>
+        </p:grpSpPr>
+        <p:grpSp>
+          <p:nvGrpSpPr>
+            <p:cNvPr id="13" name="Group 5">
+              <a:extLst>
+                <a:ext uri="{FF2B5EF4-FFF2-40B4-BE49-F238E27FC236}">
+                  <a16:creationId xmlns:a16="http://schemas.microsoft.com/office/drawing/2014/main" id="{70E153C3-44F8-CF05-504E-F8F22A13BA74}"/>
+                </a:ext>
+              </a:extLst>
+            </p:cNvPr>
+            <p:cNvGrpSpPr>
+              <a:grpSpLocks/>
+            </p:cNvGrpSpPr>
+            <p:nvPr/>
+          </p:nvGrpSpPr>
+          <p:grpSpPr bwMode="auto">
+            <a:xfrm>
+              <a:off x="704056" y="256911"/>
+              <a:ext cx="4570413" cy="3097213"/>
+              <a:chOff x="1837" y="2069"/>
+              <a:chExt cx="2879" cy="1951"/>
+            </a:xfrm>
+          </p:grpSpPr>
+          <p:sp>
+            <p:nvSpPr>
+              <p:cNvPr id="16" name="Oval 6" descr="Dark upward diagonal">
+                <a:extLst>
+                  <a:ext uri="{FF2B5EF4-FFF2-40B4-BE49-F238E27FC236}">
+                    <a16:creationId xmlns:a16="http://schemas.microsoft.com/office/drawing/2014/main" id="{4F2F06F0-33C6-EDCB-B115-A840A6F3B56F}"/>
+                  </a:ext>
+                </a:extLst>
+              </p:cNvPr>
+              <p:cNvSpPr>
+                <a:spLocks noChangeArrowheads="1"/>
+              </p:cNvSpPr>
+              <p:nvPr/>
+            </p:nvSpPr>
+            <p:spPr bwMode="auto">
+              <a:xfrm>
+                <a:off x="1837" y="2069"/>
+                <a:ext cx="2041" cy="1951"/>
+              </a:xfrm>
+              <a:prstGeom prst="ellipse">
+                <a:avLst/>
+              </a:prstGeom>
+              <a:pattFill prst="dkUpDiag">
+                <a:fgClr>
+                  <a:schemeClr val="accent1"/>
+                </a:fgClr>
+                <a:bgClr>
+                  <a:schemeClr val="bg1"/>
+                </a:bgClr>
+              </a:pattFill>
+              <a:ln w="9525">
+                <a:solidFill>
+                  <a:srgbClr val="885677"/>
+                </a:solidFill>
+                <a:round/>
+                <a:headEnd/>
+                <a:tailEnd/>
+              </a:ln>
+            </p:spPr>
+            <p:txBody>
+              <a:bodyPr wrap="none" anchor="ctr"/>
+              <a:lstStyle/>
+              <a:p>
+                <a:endParaRPr lang="id-ID"/>
+              </a:p>
+            </p:txBody>
+          </p:sp>
+          <p:sp>
+            <p:nvSpPr>
+              <p:cNvPr id="17" name="Oval 7">
+                <a:extLst>
+                  <a:ext uri="{FF2B5EF4-FFF2-40B4-BE49-F238E27FC236}">
+                    <a16:creationId xmlns:a16="http://schemas.microsoft.com/office/drawing/2014/main" id="{107DBBFD-60A8-3EA2-A0EE-581076AF769C}"/>
+                  </a:ext>
+                </a:extLst>
+              </p:cNvPr>
+              <p:cNvSpPr>
+                <a:spLocks noChangeArrowheads="1"/>
+              </p:cNvSpPr>
+              <p:nvPr/>
+            </p:nvSpPr>
+            <p:spPr bwMode="auto">
+              <a:xfrm>
+                <a:off x="1927" y="2160"/>
+                <a:ext cx="1860" cy="1770"/>
+              </a:xfrm>
+              <a:prstGeom prst="ellipse">
+                <a:avLst/>
+              </a:prstGeom>
+              <a:solidFill>
+                <a:schemeClr val="bg1"/>
+              </a:solidFill>
+              <a:ln w="9525">
+                <a:noFill/>
+                <a:round/>
+                <a:headEnd/>
+                <a:tailEnd/>
+              </a:ln>
+            </p:spPr>
+            <p:txBody>
+              <a:bodyPr wrap="none" anchor="ctr"/>
+              <a:lstStyle/>
+              <a:p>
+                <a:endParaRPr lang="id-ID"/>
+              </a:p>
+            </p:txBody>
+          </p:sp>
+          <p:sp>
+            <p:nvSpPr>
+              <p:cNvPr id="18" name="Oval 8">
+                <a:extLst>
+                  <a:ext uri="{FF2B5EF4-FFF2-40B4-BE49-F238E27FC236}">
+                    <a16:creationId xmlns:a16="http://schemas.microsoft.com/office/drawing/2014/main" id="{C5E5364A-1B68-447F-2877-F6B113E07AE8}"/>
+                  </a:ext>
+                </a:extLst>
+              </p:cNvPr>
+              <p:cNvSpPr>
+                <a:spLocks noChangeArrowheads="1"/>
+              </p:cNvSpPr>
+              <p:nvPr/>
+            </p:nvSpPr>
+            <p:spPr bwMode="auto">
+              <a:xfrm>
+                <a:off x="3515" y="2704"/>
+                <a:ext cx="499" cy="499"/>
+              </a:xfrm>
+              <a:prstGeom prst="ellipse">
+                <a:avLst/>
+              </a:prstGeom>
+              <a:solidFill>
+                <a:srgbClr val="BCE8F2">
+                  <a:alpha val="50980"/>
+                </a:srgbClr>
+              </a:solidFill>
+              <a:ln w="57150" cmpd="thinThick">
+                <a:solidFill>
+                  <a:schemeClr val="tx1"/>
+                </a:solidFill>
+                <a:round/>
+                <a:headEnd/>
+                <a:tailEnd/>
+              </a:ln>
+            </p:spPr>
+            <p:txBody>
+              <a:bodyPr wrap="none" anchor="ctr"/>
+              <a:lstStyle/>
+              <a:p>
+                <a:endParaRPr lang="id-ID"/>
+              </a:p>
+            </p:txBody>
+          </p:sp>
+          <p:grpSp>
+            <p:nvGrpSpPr>
+              <p:cNvPr id="19" name="Group 9">
+                <a:extLst>
+                  <a:ext uri="{FF2B5EF4-FFF2-40B4-BE49-F238E27FC236}">
+                    <a16:creationId xmlns:a16="http://schemas.microsoft.com/office/drawing/2014/main" id="{AD4EB55F-03CB-F624-02A0-B34D6494BE43}"/>
+                  </a:ext>
+                </a:extLst>
+              </p:cNvPr>
+              <p:cNvGrpSpPr>
+                <a:grpSpLocks/>
+              </p:cNvGrpSpPr>
+              <p:nvPr/>
+            </p:nvGrpSpPr>
+            <p:grpSpPr bwMode="auto">
+              <a:xfrm>
+                <a:off x="4286" y="2749"/>
+                <a:ext cx="430" cy="590"/>
+                <a:chOff x="4638" y="2432"/>
+                <a:chExt cx="430" cy="590"/>
+              </a:xfrm>
+            </p:grpSpPr>
+            <p:sp>
+              <p:nvSpPr>
+                <p:cNvPr id="20" name="Arc 10" descr="Dark downward diagonal">
+                  <a:extLst>
+                    <a:ext uri="{FF2B5EF4-FFF2-40B4-BE49-F238E27FC236}">
+                      <a16:creationId xmlns:a16="http://schemas.microsoft.com/office/drawing/2014/main" id="{74AA8B51-7DA9-E205-C733-52DC43915386}"/>
+                    </a:ext>
+                  </a:extLst>
+                </p:cNvPr>
+                <p:cNvSpPr>
+                  <a:spLocks/>
+                </p:cNvSpPr>
+                <p:nvPr/>
+              </p:nvSpPr>
+              <p:spPr bwMode="auto">
+                <a:xfrm rot="2345067">
+                  <a:off x="4694" y="2432"/>
+                  <a:ext cx="374" cy="590"/>
+                </a:xfrm>
+                <a:custGeom>
+                  <a:avLst/>
+                  <a:gdLst>
+                    <a:gd name="T0" fmla="*/ 0 w 19744"/>
+                    <a:gd name="T1" fmla="*/ 0 h 21600"/>
+                    <a:gd name="T2" fmla="*/ 7 w 19744"/>
+                    <a:gd name="T3" fmla="*/ 10 h 21600"/>
+                    <a:gd name="T4" fmla="*/ 0 w 19744"/>
+                    <a:gd name="T5" fmla="*/ 16 h 21600"/>
+                    <a:gd name="T6" fmla="*/ 0 60000 65536"/>
+                    <a:gd name="T7" fmla="*/ 0 60000 65536"/>
+                    <a:gd name="T8" fmla="*/ 0 60000 65536"/>
+                    <a:gd name="T9" fmla="*/ 0 w 19744"/>
+                    <a:gd name="T10" fmla="*/ 0 h 21600"/>
+                    <a:gd name="T11" fmla="*/ 19744 w 19744"/>
+                    <a:gd name="T12" fmla="*/ 21600 h 21600"/>
+                  </a:gdLst>
+                  <a:ahLst/>
+                  <a:cxnLst>
+                    <a:cxn ang="T6">
+                      <a:pos x="T0" y="T1"/>
+                    </a:cxn>
+                    <a:cxn ang="T7">
+                      <a:pos x="T2" y="T3"/>
+                    </a:cxn>
+                    <a:cxn ang="T8">
+                      <a:pos x="T4" y="T5"/>
+                    </a:cxn>
+                  </a:cxnLst>
+                  <a:rect l="T9" t="T10" r="T11" b="T12"/>
+                  <a:pathLst>
+                    <a:path w="19744" h="21600" fill="none" extrusionOk="0">
+                      <a:moveTo>
+                        <a:pt x="-1" y="0"/>
+                      </a:moveTo>
+                      <a:cubicBezTo>
+                        <a:pt x="8541" y="0"/>
+                        <a:pt x="16280" y="5033"/>
+                        <a:pt x="19744" y="12840"/>
+                      </a:cubicBezTo>
+                    </a:path>
+                    <a:path w="19744" h="21600" stroke="0" extrusionOk="0">
+                      <a:moveTo>
+                        <a:pt x="-1" y="0"/>
+                      </a:moveTo>
+                      <a:cubicBezTo>
+                        <a:pt x="8541" y="0"/>
+                        <a:pt x="16280" y="5033"/>
+                        <a:pt x="19744" y="12840"/>
+                      </a:cubicBezTo>
+                      <a:lnTo>
+                        <a:pt x="0" y="21600"/>
+                      </a:lnTo>
+                      <a:close/>
+                    </a:path>
+                  </a:pathLst>
+                </a:custGeom>
+                <a:pattFill prst="dkDnDiag">
+                  <a:fgClr>
+                    <a:srgbClr val="0070C0"/>
+                  </a:fgClr>
+                  <a:bgClr>
+                    <a:schemeClr val="bg1"/>
+                  </a:bgClr>
+                </a:pattFill>
+                <a:ln w="28575">
+                  <a:solidFill>
+                    <a:schemeClr val="tx1"/>
+                  </a:solidFill>
+                  <a:round/>
+                  <a:headEnd/>
+                  <a:tailEnd/>
+                </a:ln>
+              </p:spPr>
+              <p:txBody>
+                <a:bodyPr wrap="none" anchor="ctr"/>
+                <a:lstStyle/>
+                <a:p>
+                  <a:endParaRPr lang="id-ID"/>
+                </a:p>
+              </p:txBody>
+            </p:sp>
+            <p:sp>
+              <p:nvSpPr>
+                <p:cNvPr id="21" name="Arc 11">
+                  <a:extLst>
+                    <a:ext uri="{FF2B5EF4-FFF2-40B4-BE49-F238E27FC236}">
+                      <a16:creationId xmlns:a16="http://schemas.microsoft.com/office/drawing/2014/main" id="{5E1176D9-18A8-9874-112A-2423B25A43A6}"/>
+                    </a:ext>
+                  </a:extLst>
+                </p:cNvPr>
+                <p:cNvSpPr>
+                  <a:spLocks/>
+                </p:cNvSpPr>
+                <p:nvPr/>
+              </p:nvSpPr>
+              <p:spPr bwMode="auto">
+                <a:xfrm rot="2345067">
+                  <a:off x="4638" y="2432"/>
+                  <a:ext cx="374" cy="590"/>
+                </a:xfrm>
+                <a:custGeom>
+                  <a:avLst/>
+                  <a:gdLst>
+                    <a:gd name="T0" fmla="*/ 0 w 19744"/>
+                    <a:gd name="T1" fmla="*/ 0 h 21600"/>
+                    <a:gd name="T2" fmla="*/ 7 w 19744"/>
+                    <a:gd name="T3" fmla="*/ 10 h 21600"/>
+                    <a:gd name="T4" fmla="*/ 0 w 19744"/>
+                    <a:gd name="T5" fmla="*/ 16 h 21600"/>
+                    <a:gd name="T6" fmla="*/ 0 60000 65536"/>
+                    <a:gd name="T7" fmla="*/ 0 60000 65536"/>
+                    <a:gd name="T8" fmla="*/ 0 60000 65536"/>
+                    <a:gd name="T9" fmla="*/ 0 w 19744"/>
+                    <a:gd name="T10" fmla="*/ 0 h 21600"/>
+                    <a:gd name="T11" fmla="*/ 19744 w 19744"/>
+                    <a:gd name="T12" fmla="*/ 21600 h 21600"/>
+                  </a:gdLst>
+                  <a:ahLst/>
+                  <a:cxnLst>
+                    <a:cxn ang="T6">
+                      <a:pos x="T0" y="T1"/>
+                    </a:cxn>
+                    <a:cxn ang="T7">
+                      <a:pos x="T2" y="T3"/>
+                    </a:cxn>
+                    <a:cxn ang="T8">
+                      <a:pos x="T4" y="T5"/>
+                    </a:cxn>
+                  </a:cxnLst>
+                  <a:rect l="T9" t="T10" r="T11" b="T12"/>
+                  <a:pathLst>
+                    <a:path w="19744" h="21600" fill="none" extrusionOk="0">
+                      <a:moveTo>
+                        <a:pt x="-1" y="0"/>
+                      </a:moveTo>
+                      <a:cubicBezTo>
+                        <a:pt x="8541" y="0"/>
+                        <a:pt x="16280" y="5033"/>
+                        <a:pt x="19744" y="12840"/>
+                      </a:cubicBezTo>
+                    </a:path>
+                    <a:path w="19744" h="21600" stroke="0" extrusionOk="0">
+                      <a:moveTo>
+                        <a:pt x="-1" y="0"/>
+                      </a:moveTo>
+                      <a:cubicBezTo>
+                        <a:pt x="8541" y="0"/>
+                        <a:pt x="16280" y="5033"/>
+                        <a:pt x="19744" y="12840"/>
+                      </a:cubicBezTo>
+                      <a:lnTo>
+                        <a:pt x="0" y="21600"/>
+                      </a:lnTo>
+                      <a:close/>
+                    </a:path>
+                  </a:pathLst>
+                </a:custGeom>
+                <a:solidFill>
+                  <a:schemeClr val="bg1"/>
+                </a:solidFill>
+                <a:ln w="9525">
+                  <a:noFill/>
+                  <a:round/>
+                  <a:headEnd/>
+                  <a:tailEnd/>
+                </a:ln>
+              </p:spPr>
+              <p:txBody>
+                <a:bodyPr wrap="none" anchor="ctr"/>
+                <a:lstStyle/>
+                <a:p>
+                  <a:endParaRPr lang="id-ID"/>
+                </a:p>
+              </p:txBody>
+            </p:sp>
+          </p:grpSp>
+        </p:grpSp>
+        <p:sp>
+          <p:nvSpPr>
+            <p:cNvPr id="14" name="Line 21">
+              <a:extLst>
+                <a:ext uri="{FF2B5EF4-FFF2-40B4-BE49-F238E27FC236}">
+                  <a16:creationId xmlns:a16="http://schemas.microsoft.com/office/drawing/2014/main" id="{29DE157B-0534-CB93-9244-2F73572BBE9E}"/>
+                </a:ext>
+              </a:extLst>
+            </p:cNvPr>
+            <p:cNvSpPr>
+              <a:spLocks noChangeShapeType="1"/>
+            </p:cNvSpPr>
+            <p:nvPr/>
+          </p:nvSpPr>
+          <p:spPr bwMode="auto">
+            <a:xfrm flipH="1">
+              <a:off x="5651500" y="1628775"/>
+              <a:ext cx="1873250" cy="0"/>
+            </a:xfrm>
+            <a:prstGeom prst="line">
+              <a:avLst/>
+            </a:prstGeom>
+            <a:noFill/>
+            <a:ln w="38100">
+              <a:solidFill>
+                <a:srgbClr val="FF3300"/>
+              </a:solidFill>
+              <a:round/>
+              <a:headEnd/>
+              <a:tailEnd type="triangle" w="med" len="med"/>
+            </a:ln>
+          </p:spPr>
+          <p:txBody>
+            <a:bodyPr/>
+            <a:lstStyle/>
+            <a:p>
+              <a:endParaRPr lang="id-ID"/>
+            </a:p>
+          </p:txBody>
+        </p:sp>
+        <p:sp>
+          <p:nvSpPr>
+            <p:cNvPr id="15" name="Text Box 24">
+              <a:extLst>
+                <a:ext uri="{FF2B5EF4-FFF2-40B4-BE49-F238E27FC236}">
+                  <a16:creationId xmlns:a16="http://schemas.microsoft.com/office/drawing/2014/main" id="{84FBC1C8-CE48-97A7-ABEB-35B152DFF738}"/>
+                </a:ext>
+              </a:extLst>
+            </p:cNvPr>
+            <p:cNvSpPr txBox="1">
+              <a:spLocks noChangeArrowheads="1"/>
+            </p:cNvSpPr>
+            <p:nvPr/>
+          </p:nvSpPr>
+          <p:spPr bwMode="auto">
+            <a:xfrm>
+              <a:off x="5867400" y="1989138"/>
+              <a:ext cx="1368425" cy="366712"/>
+            </a:xfrm>
+            <a:prstGeom prst="rect">
+              <a:avLst/>
+            </a:prstGeom>
+            <a:solidFill>
+              <a:srgbClr val="C6D8D2"/>
+            </a:solidFill>
+            <a:ln w="9525">
+              <a:noFill/>
+              <a:miter lim="800000"/>
+              <a:headEnd/>
+              <a:tailEnd/>
+            </a:ln>
+          </p:spPr>
+          <p:txBody>
+            <a:bodyPr>
+              <a:spAutoFit/>
+            </a:bodyPr>
+            <a:lstStyle/>
+            <a:p>
+              <a:pPr algn="ctr">
+                <a:spcBef>
+                  <a:spcPct val="50000"/>
+                </a:spcBef>
+              </a:pPr>
+              <a:r>
+                <a:rPr lang="en-US" b="1"/>
+                <a:t>Cembung </a:t>
+              </a:r>
+            </a:p>
+          </p:txBody>
+        </p:sp>
+      </p:grpSp>
+    </p:spTree>
+    <p:extLst>
+      <p:ext uri="{BB962C8B-B14F-4D97-AF65-F5344CB8AC3E}">
+        <p14:creationId xmlns:p14="http://schemas.microsoft.com/office/powerpoint/2010/main" val="2612181318"/>
+      </p:ext>
+    </p:extLst>
+  </p:cSld>
+  <p:clrMapOvr>
+    <a:masterClrMapping/>
+  </p:clrMapOvr>
+</p:sld>
+</file>
+
+<file path=ppt/slides/slide3.xml><?xml version="1.0" encoding="utf-8"?>
+<p:sld xmlns:a="http://schemas.openxmlformats.org/drawingml/2006/main" xmlns:r="http://schemas.openxmlformats.org/officeDocument/2006/relationships" xmlns:p="http://schemas.openxmlformats.org/presentationml/2006/main">
+  <p:cSld>
+    <p:spTree>
+      <p:nvGrpSpPr>
+        <p:cNvPr id="1" name=""/>
+        <p:cNvGrpSpPr/>
+        <p:nvPr/>
+      </p:nvGrpSpPr>
+      <p:grpSpPr>
+        <a:xfrm>
+          <a:off x="0" y="0"/>
+          <a:ext cx="0" cy="0"/>
+          <a:chOff x="0" y="0"/>
+          <a:chExt cx="0" cy="0"/>
+        </a:xfrm>
+      </p:grpSpPr>
+      <p:grpSp>
+        <p:nvGrpSpPr>
+          <p:cNvPr id="29" name="Group 28">
+            <a:extLst>
+              <a:ext uri="{FF2B5EF4-FFF2-40B4-BE49-F238E27FC236}">
+                <a16:creationId xmlns:a16="http://schemas.microsoft.com/office/drawing/2014/main" id="{88E9A95A-2671-E761-628F-F96309D52E00}"/>
+              </a:ext>
+            </a:extLst>
+          </p:cNvPr>
+          <p:cNvGrpSpPr/>
+          <p:nvPr/>
+        </p:nvGrpSpPr>
+        <p:grpSpPr>
+          <a:xfrm>
+            <a:off x="1657431" y="1213711"/>
+            <a:ext cx="7531168" cy="3900062"/>
+            <a:chOff x="1657431" y="1213711"/>
+            <a:chExt cx="7531168" cy="3900062"/>
+          </a:xfrm>
+        </p:grpSpPr>
+        <p:grpSp>
+          <p:nvGrpSpPr>
+            <p:cNvPr id="26" name="Group 25">
+              <a:extLst>
+                <a:ext uri="{FF2B5EF4-FFF2-40B4-BE49-F238E27FC236}">
+                  <a16:creationId xmlns:a16="http://schemas.microsoft.com/office/drawing/2014/main" id="{6088C532-6EC5-595F-A717-A6353F7086D9}"/>
+                </a:ext>
+              </a:extLst>
+            </p:cNvPr>
+            <p:cNvGrpSpPr/>
+            <p:nvPr/>
+          </p:nvGrpSpPr>
+          <p:grpSpPr>
+            <a:xfrm>
+              <a:off x="1657431" y="1755227"/>
+              <a:ext cx="6664512" cy="3358546"/>
+              <a:chOff x="1657431" y="1755227"/>
+              <a:chExt cx="6664512" cy="3358546"/>
+            </a:xfrm>
+          </p:grpSpPr>
+          <p:grpSp>
+            <p:nvGrpSpPr>
+              <p:cNvPr id="7" name="Group 19">
+                <a:extLst>
+                  <a:ext uri="{FF2B5EF4-FFF2-40B4-BE49-F238E27FC236}">
+                    <a16:creationId xmlns:a16="http://schemas.microsoft.com/office/drawing/2014/main" id="{3B7DACAF-B545-D7BD-D47B-A1804E91DAAE}"/>
+                  </a:ext>
+                </a:extLst>
+              </p:cNvPr>
+              <p:cNvGrpSpPr>
+                <a:grpSpLocks/>
+              </p:cNvGrpSpPr>
+              <p:nvPr/>
+            </p:nvGrpSpPr>
+            <p:grpSpPr bwMode="auto">
+              <a:xfrm>
+                <a:off x="6092905" y="1986390"/>
+                <a:ext cx="631825" cy="944563"/>
+                <a:chOff x="2821" y="2704"/>
+                <a:chExt cx="398" cy="595"/>
+              </a:xfrm>
+            </p:grpSpPr>
+            <p:sp>
+              <p:nvSpPr>
+                <p:cNvPr id="10" name="Arc 17" descr="Dark downward diagonal">
+                  <a:extLst>
+                    <a:ext uri="{FF2B5EF4-FFF2-40B4-BE49-F238E27FC236}">
+                      <a16:creationId xmlns:a16="http://schemas.microsoft.com/office/drawing/2014/main" id="{E27AAAA2-CA5F-A7BA-58E5-4DCF21669836}"/>
+                    </a:ext>
+                  </a:extLst>
+                </p:cNvPr>
+                <p:cNvSpPr>
+                  <a:spLocks/>
+                </p:cNvSpPr>
+                <p:nvPr/>
+              </p:nvSpPr>
+              <p:spPr bwMode="auto">
+                <a:xfrm rot="2345067">
+                  <a:off x="2845" y="2704"/>
+                  <a:ext cx="374" cy="590"/>
+                </a:xfrm>
+                <a:custGeom>
+                  <a:avLst/>
+                  <a:gdLst>
+                    <a:gd name="T0" fmla="*/ 0 w 19744"/>
+                    <a:gd name="T1" fmla="*/ 0 h 21600"/>
+                    <a:gd name="T2" fmla="*/ 7 w 19744"/>
+                    <a:gd name="T3" fmla="*/ 10 h 21600"/>
+                    <a:gd name="T4" fmla="*/ 0 w 19744"/>
+                    <a:gd name="T5" fmla="*/ 16 h 21600"/>
+                    <a:gd name="T6" fmla="*/ 0 60000 65536"/>
+                    <a:gd name="T7" fmla="*/ 0 60000 65536"/>
+                    <a:gd name="T8" fmla="*/ 0 60000 65536"/>
+                    <a:gd name="T9" fmla="*/ 0 w 19744"/>
+                    <a:gd name="T10" fmla="*/ 0 h 21600"/>
+                    <a:gd name="T11" fmla="*/ 19744 w 19744"/>
+                    <a:gd name="T12" fmla="*/ 21600 h 21600"/>
+                  </a:gdLst>
+                  <a:ahLst/>
+                  <a:cxnLst>
+                    <a:cxn ang="T6">
+                      <a:pos x="T0" y="T1"/>
+                    </a:cxn>
+                    <a:cxn ang="T7">
+                      <a:pos x="T2" y="T3"/>
+                    </a:cxn>
+                    <a:cxn ang="T8">
+                      <a:pos x="T4" y="T5"/>
+                    </a:cxn>
+                  </a:cxnLst>
+                  <a:rect l="T9" t="T10" r="T11" b="T12"/>
+                  <a:pathLst>
+                    <a:path w="19744" h="21600" fill="none" extrusionOk="0">
+                      <a:moveTo>
+                        <a:pt x="-1" y="0"/>
+                      </a:moveTo>
+                      <a:cubicBezTo>
+                        <a:pt x="8541" y="0"/>
+                        <a:pt x="16280" y="5033"/>
+                        <a:pt x="19744" y="12840"/>
+                      </a:cubicBezTo>
+                    </a:path>
+                    <a:path w="19744" h="21600" stroke="0" extrusionOk="0">
+                      <a:moveTo>
+                        <a:pt x="-1" y="0"/>
+                      </a:moveTo>
+                      <a:cubicBezTo>
+                        <a:pt x="8541" y="0"/>
+                        <a:pt x="16280" y="5033"/>
+                        <a:pt x="19744" y="12840"/>
+                      </a:cubicBezTo>
+                      <a:lnTo>
+                        <a:pt x="0" y="21600"/>
+                      </a:lnTo>
+                      <a:close/>
+                    </a:path>
+                  </a:pathLst>
+                </a:custGeom>
+                <a:pattFill prst="dkUpDiag">
+                  <a:fgClr>
+                    <a:schemeClr val="accent1"/>
+                  </a:fgClr>
+                  <a:bgClr>
+                    <a:schemeClr val="bg1"/>
+                  </a:bgClr>
+                </a:pattFill>
+                <a:ln w="28575">
+                  <a:noFill/>
+                  <a:round/>
+                  <a:headEnd/>
+                  <a:tailEnd/>
+                </a:ln>
+              </p:spPr>
+              <p:txBody>
+                <a:bodyPr wrap="none" anchor="ctr"/>
+                <a:lstStyle/>
+                <a:p>
+                  <a:endParaRPr lang="id-ID" dirty="0"/>
+                </a:p>
+              </p:txBody>
+            </p:sp>
+            <p:sp>
+              <p:nvSpPr>
+                <p:cNvPr id="11" name="Arc 18">
+                  <a:extLst>
+                    <a:ext uri="{FF2B5EF4-FFF2-40B4-BE49-F238E27FC236}">
+                      <a16:creationId xmlns:a16="http://schemas.microsoft.com/office/drawing/2014/main" id="{A817D772-F44E-D0D8-BD81-6043138C619D}"/>
+                    </a:ext>
+                  </a:extLst>
+                </p:cNvPr>
+                <p:cNvSpPr>
+                  <a:spLocks/>
+                </p:cNvSpPr>
+                <p:nvPr/>
+              </p:nvSpPr>
+              <p:spPr bwMode="auto">
+                <a:xfrm rot="2345067">
+                  <a:off x="2821" y="2730"/>
+                  <a:ext cx="323" cy="569"/>
+                </a:xfrm>
+                <a:custGeom>
+                  <a:avLst/>
+                  <a:gdLst>
+                    <a:gd name="T0" fmla="*/ 0 w 19744"/>
+                    <a:gd name="T1" fmla="*/ 0 h 21600"/>
+                    <a:gd name="T2" fmla="*/ 7 w 19744"/>
+                    <a:gd name="T3" fmla="*/ 10 h 21600"/>
+                    <a:gd name="T4" fmla="*/ 0 w 19744"/>
+                    <a:gd name="T5" fmla="*/ 16 h 21600"/>
+                    <a:gd name="T6" fmla="*/ 0 60000 65536"/>
+                    <a:gd name="T7" fmla="*/ 0 60000 65536"/>
+                    <a:gd name="T8" fmla="*/ 0 60000 65536"/>
+                    <a:gd name="T9" fmla="*/ 0 w 19744"/>
+                    <a:gd name="T10" fmla="*/ 0 h 21600"/>
+                    <a:gd name="T11" fmla="*/ 19744 w 19744"/>
+                    <a:gd name="T12" fmla="*/ 21600 h 21600"/>
+                  </a:gdLst>
+                  <a:ahLst/>
+                  <a:cxnLst>
+                    <a:cxn ang="T6">
+                      <a:pos x="T0" y="T1"/>
+                    </a:cxn>
+                    <a:cxn ang="T7">
+                      <a:pos x="T2" y="T3"/>
+                    </a:cxn>
+                    <a:cxn ang="T8">
+                      <a:pos x="T4" y="T5"/>
+                    </a:cxn>
+                  </a:cxnLst>
+                  <a:rect l="T9" t="T10" r="T11" b="T12"/>
+                  <a:pathLst>
+                    <a:path w="19744" h="21600" fill="none" extrusionOk="0">
+                      <a:moveTo>
+                        <a:pt x="-1" y="0"/>
+                      </a:moveTo>
+                      <a:cubicBezTo>
+                        <a:pt x="8541" y="0"/>
+                        <a:pt x="16280" y="5033"/>
+                        <a:pt x="19744" y="12840"/>
+                      </a:cubicBezTo>
+                    </a:path>
+                    <a:path w="19744" h="21600" stroke="0" extrusionOk="0">
+                      <a:moveTo>
+                        <a:pt x="-1" y="0"/>
+                      </a:moveTo>
+                      <a:cubicBezTo>
+                        <a:pt x="8541" y="0"/>
+                        <a:pt x="16280" y="5033"/>
+                        <a:pt x="19744" y="12840"/>
+                      </a:cubicBezTo>
+                      <a:lnTo>
+                        <a:pt x="0" y="21600"/>
+                      </a:lnTo>
+                      <a:close/>
+                    </a:path>
+                  </a:pathLst>
+                </a:custGeom>
+                <a:solidFill>
+                  <a:schemeClr val="tx1"/>
+                </a:solidFill>
+                <a:ln w="53975">
+                  <a:gradFill>
+                    <a:gsLst>
+                      <a:gs pos="0">
+                        <a:schemeClr val="accent5">
+                          <a:lumMod val="20000"/>
+                          <a:lumOff val="80000"/>
+                        </a:schemeClr>
+                      </a:gs>
+                      <a:gs pos="41000">
+                        <a:schemeClr val="accent1">
+                          <a:lumMod val="45000"/>
+                          <a:lumOff val="55000"/>
+                        </a:schemeClr>
+                      </a:gs>
+                      <a:gs pos="76000">
+                        <a:schemeClr val="accent1">
+                          <a:lumMod val="30000"/>
+                          <a:lumOff val="70000"/>
+                        </a:schemeClr>
+                      </a:gs>
+                    </a:gsLst>
+                    <a:lin ang="5400000" scaled="1"/>
+                  </a:gradFill>
+                  <a:round/>
+                  <a:headEnd/>
+                  <a:tailEnd/>
+                </a:ln>
+              </p:spPr>
+              <p:txBody>
+                <a:bodyPr wrap="none" anchor="ctr"/>
+                <a:lstStyle/>
+                <a:p>
+                  <a:endParaRPr lang="id-ID" dirty="0"/>
+                </a:p>
+              </p:txBody>
+            </p:sp>
+          </p:grpSp>
+          <p:grpSp>
+            <p:nvGrpSpPr>
+              <p:cNvPr id="12" name="Group 11">
+                <a:extLst>
+                  <a:ext uri="{FF2B5EF4-FFF2-40B4-BE49-F238E27FC236}">
+                    <a16:creationId xmlns:a16="http://schemas.microsoft.com/office/drawing/2014/main" id="{DB8B1D7D-22FC-2E24-11BA-DC5BD8AB29FF}"/>
+                  </a:ext>
+                </a:extLst>
+              </p:cNvPr>
+              <p:cNvGrpSpPr/>
+              <p:nvPr/>
+            </p:nvGrpSpPr>
+            <p:grpSpPr>
+              <a:xfrm>
+                <a:off x="1657431" y="1755227"/>
+                <a:ext cx="6664512" cy="3358546"/>
+                <a:chOff x="704056" y="16217"/>
+                <a:chExt cx="6664512" cy="3358546"/>
+              </a:xfrm>
+            </p:grpSpPr>
+            <p:grpSp>
+              <p:nvGrpSpPr>
+                <p:cNvPr id="13" name="Group 5">
+                  <a:extLst>
+                    <a:ext uri="{FF2B5EF4-FFF2-40B4-BE49-F238E27FC236}">
+                      <a16:creationId xmlns:a16="http://schemas.microsoft.com/office/drawing/2014/main" id="{70E153C3-44F8-CF05-504E-F8F22A13BA74}"/>
+                    </a:ext>
+                  </a:extLst>
+                </p:cNvPr>
+                <p:cNvGrpSpPr>
+                  <a:grpSpLocks/>
+                </p:cNvGrpSpPr>
+                <p:nvPr/>
+              </p:nvGrpSpPr>
+              <p:grpSpPr bwMode="auto">
+                <a:xfrm>
+                  <a:off x="704056" y="256912"/>
+                  <a:ext cx="5022851" cy="3117851"/>
+                  <a:chOff x="1837" y="2069"/>
+                  <a:chExt cx="3164" cy="1964"/>
+                </a:xfrm>
+              </p:grpSpPr>
+              <p:sp>
+                <p:nvSpPr>
+                  <p:cNvPr id="16" name="Oval 6" descr="Dark upward diagonal">
+                    <a:extLst>
+                      <a:ext uri="{FF2B5EF4-FFF2-40B4-BE49-F238E27FC236}">
+                        <a16:creationId xmlns:a16="http://schemas.microsoft.com/office/drawing/2014/main" id="{4F2F06F0-33C6-EDCB-B115-A840A6F3B56F}"/>
+                      </a:ext>
+                    </a:extLst>
+                  </p:cNvPr>
+                  <p:cNvSpPr>
+                    <a:spLocks noChangeArrowheads="1"/>
+                  </p:cNvSpPr>
+                  <p:nvPr/>
+                </p:nvSpPr>
+                <p:spPr bwMode="auto">
+                  <a:xfrm>
+                    <a:off x="1837" y="2069"/>
+                    <a:ext cx="2041" cy="1951"/>
+                  </a:xfrm>
+                  <a:prstGeom prst="ellipse">
+                    <a:avLst/>
+                  </a:prstGeom>
+                  <a:pattFill prst="dkUpDiag">
+                    <a:fgClr>
+                      <a:schemeClr val="accent1"/>
+                    </a:fgClr>
+                    <a:bgClr>
+                      <a:schemeClr val="bg1"/>
+                    </a:bgClr>
+                  </a:pattFill>
+                  <a:ln w="9525">
+                    <a:solidFill>
+                      <a:srgbClr val="885677"/>
+                    </a:solidFill>
+                    <a:round/>
+                    <a:headEnd/>
+                    <a:tailEnd/>
+                  </a:ln>
+                </p:spPr>
+                <p:txBody>
+                  <a:bodyPr wrap="none" anchor="ctr"/>
+                  <a:lstStyle/>
+                  <a:p>
+                    <a:endParaRPr lang="id-ID" dirty="0"/>
+                  </a:p>
+                </p:txBody>
+              </p:sp>
+              <p:sp>
+                <p:nvSpPr>
+                  <p:cNvPr id="17" name="Oval 7">
+                    <a:extLst>
+                      <a:ext uri="{FF2B5EF4-FFF2-40B4-BE49-F238E27FC236}">
+                        <a16:creationId xmlns:a16="http://schemas.microsoft.com/office/drawing/2014/main" id="{107DBBFD-60A8-3EA2-A0EE-581076AF769C}"/>
+                      </a:ext>
+                    </a:extLst>
+                  </p:cNvPr>
+                  <p:cNvSpPr>
+                    <a:spLocks noChangeArrowheads="1"/>
+                  </p:cNvSpPr>
+                  <p:nvPr/>
+                </p:nvSpPr>
+                <p:spPr bwMode="auto">
+                  <a:xfrm>
+                    <a:off x="1927" y="2160"/>
+                    <a:ext cx="1860" cy="1770"/>
+                  </a:xfrm>
+                  <a:prstGeom prst="ellipse">
+                    <a:avLst/>
+                  </a:prstGeom>
+                  <a:solidFill>
+                    <a:schemeClr val="bg1"/>
+                  </a:solidFill>
+                  <a:ln w="9525">
+                    <a:noFill/>
+                    <a:round/>
+                    <a:headEnd/>
+                    <a:tailEnd/>
+                  </a:ln>
+                </p:spPr>
+                <p:txBody>
+                  <a:bodyPr wrap="none" anchor="ctr"/>
+                  <a:lstStyle/>
+                  <a:p>
+                    <a:endParaRPr lang="id-ID"/>
+                  </a:p>
+                </p:txBody>
+              </p:sp>
+              <p:sp>
+                <p:nvSpPr>
+                  <p:cNvPr id="18" name="Oval 8">
+                    <a:extLst>
+                      <a:ext uri="{FF2B5EF4-FFF2-40B4-BE49-F238E27FC236}">
+                        <a16:creationId xmlns:a16="http://schemas.microsoft.com/office/drawing/2014/main" id="{C5E5364A-1B68-447F-2877-F6B113E07AE8}"/>
+                      </a:ext>
+                    </a:extLst>
+                  </p:cNvPr>
+                  <p:cNvSpPr>
+                    <a:spLocks noChangeArrowheads="1"/>
+                  </p:cNvSpPr>
+                  <p:nvPr/>
+                </p:nvSpPr>
+                <p:spPr bwMode="auto">
+                  <a:xfrm>
+                    <a:off x="3515" y="2704"/>
+                    <a:ext cx="499" cy="499"/>
+                  </a:xfrm>
+                  <a:prstGeom prst="ellipse">
+                    <a:avLst/>
+                  </a:prstGeom>
+                  <a:solidFill>
+                    <a:srgbClr val="BCE8F2">
+                      <a:alpha val="50980"/>
+                    </a:srgbClr>
+                  </a:solidFill>
+                  <a:ln w="57150" cmpd="thinThick">
+                    <a:solidFill>
+                      <a:srgbClr val="0070C0"/>
+                    </a:solidFill>
+                    <a:round/>
+                    <a:headEnd/>
+                    <a:tailEnd/>
+                  </a:ln>
+                </p:spPr>
+                <p:txBody>
+                  <a:bodyPr wrap="none" anchor="ctr"/>
+                  <a:lstStyle/>
+                  <a:p>
+                    <a:endParaRPr lang="id-ID"/>
+                  </a:p>
+                </p:txBody>
+              </p:sp>
+              <p:grpSp>
+                <p:nvGrpSpPr>
+                  <p:cNvPr id="19" name="Group 9">
+                    <a:extLst>
+                      <a:ext uri="{FF2B5EF4-FFF2-40B4-BE49-F238E27FC236}">
+                        <a16:creationId xmlns:a16="http://schemas.microsoft.com/office/drawing/2014/main" id="{AD4EB55F-03CB-F624-02A0-B34D6494BE43}"/>
+                      </a:ext>
+                    </a:extLst>
+                  </p:cNvPr>
+                  <p:cNvGrpSpPr>
+                    <a:grpSpLocks/>
+                  </p:cNvGrpSpPr>
+                  <p:nvPr/>
+                </p:nvGrpSpPr>
+                <p:grpSpPr bwMode="auto">
+                  <a:xfrm>
+                    <a:off x="4571" y="3443"/>
+                    <a:ext cx="430" cy="590"/>
+                    <a:chOff x="4923" y="3126"/>
+                    <a:chExt cx="430" cy="590"/>
+                  </a:xfrm>
+                </p:grpSpPr>
+                <p:sp>
+                  <p:nvSpPr>
+                    <p:cNvPr id="20" name="Arc 10" descr="Dark downward diagonal">
+                      <a:extLst>
+                        <a:ext uri="{FF2B5EF4-FFF2-40B4-BE49-F238E27FC236}">
+                          <a16:creationId xmlns:a16="http://schemas.microsoft.com/office/drawing/2014/main" id="{74AA8B51-7DA9-E205-C733-52DC43915386}"/>
+                        </a:ext>
+                      </a:extLst>
+                    </p:cNvPr>
+                    <p:cNvSpPr>
+                      <a:spLocks/>
+                    </p:cNvSpPr>
+                    <p:nvPr/>
+                  </p:nvSpPr>
+                  <p:spPr bwMode="auto">
+                    <a:xfrm rot="2345067">
+                      <a:off x="4979" y="3126"/>
+                      <a:ext cx="374" cy="590"/>
+                    </a:xfrm>
+                    <a:custGeom>
+                      <a:avLst/>
+                      <a:gdLst>
+                        <a:gd name="T0" fmla="*/ 0 w 19744"/>
+                        <a:gd name="T1" fmla="*/ 0 h 21600"/>
+                        <a:gd name="T2" fmla="*/ 7 w 19744"/>
+                        <a:gd name="T3" fmla="*/ 10 h 21600"/>
+                        <a:gd name="T4" fmla="*/ 0 w 19744"/>
+                        <a:gd name="T5" fmla="*/ 16 h 21600"/>
+                        <a:gd name="T6" fmla="*/ 0 60000 65536"/>
+                        <a:gd name="T7" fmla="*/ 0 60000 65536"/>
+                        <a:gd name="T8" fmla="*/ 0 60000 65536"/>
+                        <a:gd name="T9" fmla="*/ 0 w 19744"/>
+                        <a:gd name="T10" fmla="*/ 0 h 21600"/>
+                        <a:gd name="T11" fmla="*/ 19744 w 19744"/>
+                        <a:gd name="T12" fmla="*/ 21600 h 21600"/>
+                      </a:gdLst>
+                      <a:ahLst/>
+                      <a:cxnLst>
+                        <a:cxn ang="T6">
+                          <a:pos x="T0" y="T1"/>
+                        </a:cxn>
+                        <a:cxn ang="T7">
+                          <a:pos x="T2" y="T3"/>
+                        </a:cxn>
+                        <a:cxn ang="T8">
+                          <a:pos x="T4" y="T5"/>
+                        </a:cxn>
+                      </a:cxnLst>
+                      <a:rect l="T9" t="T10" r="T11" b="T12"/>
+                      <a:pathLst>
+                        <a:path w="19744" h="21600" fill="none" extrusionOk="0">
+                          <a:moveTo>
+                            <a:pt x="-1" y="0"/>
+                          </a:moveTo>
+                          <a:cubicBezTo>
+                            <a:pt x="8541" y="0"/>
+                            <a:pt x="16280" y="5033"/>
+                            <a:pt x="19744" y="12840"/>
+                          </a:cubicBezTo>
+                        </a:path>
+                        <a:path w="19744" h="21600" stroke="0" extrusionOk="0">
+                          <a:moveTo>
+                            <a:pt x="-1" y="0"/>
+                          </a:moveTo>
+                          <a:cubicBezTo>
+                            <a:pt x="8541" y="0"/>
+                            <a:pt x="16280" y="5033"/>
+                            <a:pt x="19744" y="12840"/>
+                          </a:cubicBezTo>
+                          <a:lnTo>
+                            <a:pt x="0" y="21600"/>
+                          </a:lnTo>
+                          <a:close/>
+                        </a:path>
+                      </a:pathLst>
+                    </a:custGeom>
+                    <a:pattFill prst="dkUpDiag">
+                      <a:fgClr>
+                        <a:srgbClr val="0070C0"/>
+                      </a:fgClr>
+                      <a:bgClr>
+                        <a:schemeClr val="bg1"/>
+                      </a:bgClr>
+                    </a:pattFill>
+                    <a:ln w="44450">
+                      <a:gradFill>
+                        <a:gsLst>
+                          <a:gs pos="15000">
+                            <a:schemeClr val="accent5">
+                              <a:lumMod val="20000"/>
+                              <a:lumOff val="80000"/>
+                            </a:schemeClr>
+                          </a:gs>
+                          <a:gs pos="45000">
+                            <a:schemeClr val="accent1">
+                              <a:lumMod val="45000"/>
+                              <a:lumOff val="55000"/>
+                            </a:schemeClr>
+                          </a:gs>
+                          <a:gs pos="68000">
+                            <a:schemeClr val="accent1">
+                              <a:lumMod val="30000"/>
+                              <a:lumOff val="70000"/>
+                            </a:schemeClr>
+                          </a:gs>
+                        </a:gsLst>
+                        <a:lin ang="5400000" scaled="1"/>
+                      </a:gradFill>
+                      <a:round/>
+                      <a:headEnd/>
+                      <a:tailEnd/>
+                    </a:ln>
+                  </p:spPr>
+                  <p:txBody>
+                    <a:bodyPr wrap="none" anchor="ctr"/>
+                    <a:lstStyle/>
+                    <a:p>
+                      <a:endParaRPr lang="id-ID" dirty="0"/>
+                    </a:p>
+                  </p:txBody>
+                </p:sp>
+                <p:sp>
+                  <p:nvSpPr>
+                    <p:cNvPr id="21" name="Arc 11">
+                      <a:extLst>
+                        <a:ext uri="{FF2B5EF4-FFF2-40B4-BE49-F238E27FC236}">
+                          <a16:creationId xmlns:a16="http://schemas.microsoft.com/office/drawing/2014/main" id="{5E1176D9-18A8-9874-112A-2423B25A43A6}"/>
+                        </a:ext>
+                      </a:extLst>
+                    </p:cNvPr>
+                    <p:cNvSpPr>
+                      <a:spLocks/>
+                    </p:cNvSpPr>
+                    <p:nvPr/>
+                  </p:nvSpPr>
+                  <p:spPr bwMode="auto">
+                    <a:xfrm rot="2345067">
+                      <a:off x="4923" y="3126"/>
+                      <a:ext cx="374" cy="590"/>
+                    </a:xfrm>
+                    <a:custGeom>
+                      <a:avLst/>
+                      <a:gdLst>
+                        <a:gd name="T0" fmla="*/ 0 w 19744"/>
+                        <a:gd name="T1" fmla="*/ 0 h 21600"/>
+                        <a:gd name="T2" fmla="*/ 7 w 19744"/>
+                        <a:gd name="T3" fmla="*/ 10 h 21600"/>
+                        <a:gd name="T4" fmla="*/ 0 w 19744"/>
+                        <a:gd name="T5" fmla="*/ 16 h 21600"/>
+                        <a:gd name="T6" fmla="*/ 0 60000 65536"/>
+                        <a:gd name="T7" fmla="*/ 0 60000 65536"/>
+                        <a:gd name="T8" fmla="*/ 0 60000 65536"/>
+                        <a:gd name="T9" fmla="*/ 0 w 19744"/>
+                        <a:gd name="T10" fmla="*/ 0 h 21600"/>
+                        <a:gd name="T11" fmla="*/ 19744 w 19744"/>
+                        <a:gd name="T12" fmla="*/ 21600 h 21600"/>
+                      </a:gdLst>
+                      <a:ahLst/>
+                      <a:cxnLst>
+                        <a:cxn ang="T6">
+                          <a:pos x="T0" y="T1"/>
+                        </a:cxn>
+                        <a:cxn ang="T7">
+                          <a:pos x="T2" y="T3"/>
+                        </a:cxn>
+                        <a:cxn ang="T8">
+                          <a:pos x="T4" y="T5"/>
+                        </a:cxn>
+                      </a:cxnLst>
+                      <a:rect l="T9" t="T10" r="T11" b="T12"/>
+                      <a:pathLst>
+                        <a:path w="19744" h="21600" fill="none" extrusionOk="0">
+                          <a:moveTo>
+                            <a:pt x="-1" y="0"/>
+                          </a:moveTo>
+                          <a:cubicBezTo>
+                            <a:pt x="8541" y="0"/>
+                            <a:pt x="16280" y="5033"/>
+                            <a:pt x="19744" y="12840"/>
+                          </a:cubicBezTo>
+                        </a:path>
+                        <a:path w="19744" h="21600" stroke="0" extrusionOk="0">
+                          <a:moveTo>
+                            <a:pt x="-1" y="0"/>
+                          </a:moveTo>
+                          <a:cubicBezTo>
+                            <a:pt x="8541" y="0"/>
+                            <a:pt x="16280" y="5033"/>
+                            <a:pt x="19744" y="12840"/>
+                          </a:cubicBezTo>
+                          <a:lnTo>
+                            <a:pt x="0" y="21600"/>
+                          </a:lnTo>
+                          <a:close/>
+                        </a:path>
+                      </a:pathLst>
+                    </a:custGeom>
+                    <a:solidFill>
+                      <a:schemeClr val="tx1"/>
+                    </a:solidFill>
+                    <a:ln w="9525">
+                      <a:noFill/>
+                      <a:round/>
+                      <a:headEnd/>
+                      <a:tailEnd/>
+                    </a:ln>
+                  </p:spPr>
+                  <p:txBody>
+                    <a:bodyPr wrap="none" anchor="ctr"/>
+                    <a:lstStyle/>
+                    <a:p>
+                      <a:endParaRPr lang="id-ID" dirty="0"/>
+                    </a:p>
+                  </p:txBody>
+                </p:sp>
+              </p:grpSp>
+            </p:grpSp>
+            <p:sp>
+              <p:nvSpPr>
+                <p:cNvPr id="14" name="Line 21">
+                  <a:extLst>
+                    <a:ext uri="{FF2B5EF4-FFF2-40B4-BE49-F238E27FC236}">
+                      <a16:creationId xmlns:a16="http://schemas.microsoft.com/office/drawing/2014/main" id="{29DE157B-0534-CB93-9244-2F73572BBE9E}"/>
+                    </a:ext>
+                  </a:extLst>
+                </p:cNvPr>
+                <p:cNvSpPr>
+                  <a:spLocks noChangeShapeType="1"/>
+                </p:cNvSpPr>
+                <p:nvPr/>
+              </p:nvSpPr>
+              <p:spPr bwMode="auto">
+                <a:xfrm>
+                  <a:off x="3836332" y="1676136"/>
+                  <a:ext cx="1521766" cy="1163203"/>
+                </a:xfrm>
+                <a:prstGeom prst="line">
+                  <a:avLst/>
+                </a:prstGeom>
+                <a:noFill/>
+                <a:ln w="38100">
+                  <a:solidFill>
+                    <a:srgbClr val="FF3300"/>
+                  </a:solidFill>
+                  <a:round/>
+                  <a:headEnd/>
+                  <a:tailEnd type="triangle" w="med" len="med"/>
+                </a:ln>
+              </p:spPr>
+              <p:txBody>
+                <a:bodyPr/>
+                <a:lstStyle/>
+                <a:p>
+                  <a:endParaRPr lang="id-ID"/>
+                </a:p>
+              </p:txBody>
+            </p:sp>
+            <p:sp>
+              <p:nvSpPr>
+                <p:cNvPr id="15" name="Text Box 24">
+                  <a:extLst>
+                    <a:ext uri="{FF2B5EF4-FFF2-40B4-BE49-F238E27FC236}">
+                      <a16:creationId xmlns:a16="http://schemas.microsoft.com/office/drawing/2014/main" id="{84FBC1C8-CE48-97A7-ABEB-35B152DFF738}"/>
+                    </a:ext>
+                  </a:extLst>
+                </p:cNvPr>
+                <p:cNvSpPr txBox="1">
+                  <a:spLocks noChangeArrowheads="1"/>
+                </p:cNvSpPr>
+                <p:nvPr/>
+              </p:nvSpPr>
+              <p:spPr bwMode="auto">
+                <a:xfrm>
+                  <a:off x="5955730" y="2607982"/>
+                  <a:ext cx="1368425" cy="366712"/>
+                </a:xfrm>
+                <a:prstGeom prst="rect">
+                  <a:avLst/>
+                </a:prstGeom>
+                <a:solidFill>
+                  <a:srgbClr val="C6D8D2"/>
+                </a:solidFill>
+                <a:ln w="9525">
+                  <a:noFill/>
+                  <a:miter lim="800000"/>
+                  <a:headEnd/>
+                  <a:tailEnd/>
+                </a:ln>
+              </p:spPr>
+              <p:txBody>
+                <a:bodyPr>
+                  <a:spAutoFit/>
+                </a:bodyPr>
+                <a:lstStyle/>
+                <a:p>
+                  <a:pPr algn="ctr">
+                    <a:spcBef>
+                      <a:spcPct val="50000"/>
+                    </a:spcBef>
+                  </a:pPr>
+                  <a:r>
+                    <a:rPr lang="en-US" b="1" dirty="0" err="1">
+                      <a:latin typeface="Times New Roman" panose="02020603050405020304" pitchFamily="18" charset="0"/>
+                      <a:cs typeface="Times New Roman" panose="02020603050405020304" pitchFamily="18" charset="0"/>
+                    </a:rPr>
+                    <a:t>Cembung</a:t>
+                  </a:r>
+                  <a:r>
+                    <a:rPr lang="en-US" b="1" dirty="0">
+                      <a:latin typeface="Times New Roman" panose="02020603050405020304" pitchFamily="18" charset="0"/>
+                      <a:cs typeface="Times New Roman" panose="02020603050405020304" pitchFamily="18" charset="0"/>
+                    </a:rPr>
+                    <a:t> </a:t>
+                  </a:r>
+                </a:p>
+              </p:txBody>
+            </p:sp>
+            <p:sp>
+              <p:nvSpPr>
+                <p:cNvPr id="24" name="Line 21">
+                  <a:extLst>
+                    <a:ext uri="{FF2B5EF4-FFF2-40B4-BE49-F238E27FC236}">
+                      <a16:creationId xmlns:a16="http://schemas.microsoft.com/office/drawing/2014/main" id="{70716E79-8F5C-37C5-241E-D238EABA10F9}"/>
+                    </a:ext>
+                  </a:extLst>
+                </p:cNvPr>
+                <p:cNvSpPr>
+                  <a:spLocks noChangeShapeType="1"/>
+                </p:cNvSpPr>
+                <p:nvPr/>
+              </p:nvSpPr>
+              <p:spPr bwMode="auto">
+                <a:xfrm flipV="1">
+                  <a:off x="3836332" y="588638"/>
+                  <a:ext cx="1617443" cy="1087500"/>
+                </a:xfrm>
+                <a:prstGeom prst="line">
+                  <a:avLst/>
+                </a:prstGeom>
+                <a:noFill/>
+                <a:ln w="38100">
+                  <a:solidFill>
+                    <a:srgbClr val="FF3300"/>
+                  </a:solidFill>
+                  <a:round/>
+                  <a:headEnd/>
+                  <a:tailEnd type="triangle" w="med" len="med"/>
+                </a:ln>
+              </p:spPr>
+              <p:txBody>
+                <a:bodyPr/>
+                <a:lstStyle/>
+                <a:p>
+                  <a:endParaRPr lang="id-ID" dirty="0"/>
+                </a:p>
+              </p:txBody>
+            </p:sp>
+            <p:sp>
+              <p:nvSpPr>
+                <p:cNvPr id="25" name="Text Box 24">
+                  <a:extLst>
+                    <a:ext uri="{FF2B5EF4-FFF2-40B4-BE49-F238E27FC236}">
+                      <a16:creationId xmlns:a16="http://schemas.microsoft.com/office/drawing/2014/main" id="{9EC83C38-A390-6F0F-1AAD-727F497190FC}"/>
+                    </a:ext>
+                  </a:extLst>
+                </p:cNvPr>
+                <p:cNvSpPr txBox="1">
+                  <a:spLocks noChangeArrowheads="1"/>
+                </p:cNvSpPr>
+                <p:nvPr/>
+              </p:nvSpPr>
+              <p:spPr bwMode="auto">
+                <a:xfrm>
+                  <a:off x="6000143" y="347941"/>
+                  <a:ext cx="1368425" cy="366712"/>
+                </a:xfrm>
+                <a:prstGeom prst="rect">
+                  <a:avLst/>
+                </a:prstGeom>
+                <a:solidFill>
+                  <a:srgbClr val="C6D8D2"/>
+                </a:solidFill>
+                <a:ln w="9525">
+                  <a:noFill/>
+                  <a:miter lim="800000"/>
+                  <a:headEnd/>
+                  <a:tailEnd/>
+                </a:ln>
+              </p:spPr>
+              <p:txBody>
+                <a:bodyPr>
+                  <a:spAutoFit/>
+                </a:bodyPr>
+                <a:lstStyle/>
+                <a:p>
+                  <a:pPr algn="ctr">
+                    <a:spcBef>
+                      <a:spcPct val="50000"/>
+                    </a:spcBef>
+                  </a:pPr>
+                  <a:r>
+                    <a:rPr lang="en-US" b="1" dirty="0" err="1">
+                      <a:latin typeface="Times New Roman" panose="02020603050405020304" pitchFamily="18" charset="0"/>
+                      <a:cs typeface="Times New Roman" panose="02020603050405020304" pitchFamily="18" charset="0"/>
+                    </a:rPr>
+                    <a:t>Cekung</a:t>
+                  </a:r>
+                  <a:r>
+                    <a:rPr lang="en-US" b="1" dirty="0"/>
+                    <a:t> </a:t>
+                  </a:r>
+                </a:p>
+              </p:txBody>
+            </p:sp>
+            <p:sp>
+              <p:nvSpPr>
+                <p:cNvPr id="28" name="Line 21">
+                  <a:extLst>
+                    <a:ext uri="{FF2B5EF4-FFF2-40B4-BE49-F238E27FC236}">
+                      <a16:creationId xmlns:a16="http://schemas.microsoft.com/office/drawing/2014/main" id="{EA80A2FB-B061-0092-C285-E9297176A9EE}"/>
+                    </a:ext>
+                  </a:extLst>
+                </p:cNvPr>
+                <p:cNvSpPr>
+                  <a:spLocks noChangeShapeType="1"/>
+                </p:cNvSpPr>
+                <p:nvPr/>
+              </p:nvSpPr>
+              <p:spPr bwMode="auto">
+                <a:xfrm>
+                  <a:off x="4815459" y="16217"/>
+                  <a:ext cx="542639" cy="148797"/>
+                </a:xfrm>
+                <a:prstGeom prst="line">
+                  <a:avLst/>
+                </a:prstGeom>
+                <a:noFill/>
+                <a:ln w="38100">
+                  <a:solidFill>
+                    <a:schemeClr val="bg1"/>
+                  </a:solidFill>
+                  <a:round/>
+                  <a:headEnd/>
+                  <a:tailEnd type="triangle" w="med" len="med"/>
+                </a:ln>
+              </p:spPr>
+              <p:txBody>
+                <a:bodyPr/>
+                <a:lstStyle/>
+                <a:p>
+                  <a:endParaRPr lang="id-ID" dirty="0"/>
+                </a:p>
+              </p:txBody>
+            </p:sp>
+            <p:sp>
+              <p:nvSpPr>
+                <p:cNvPr id="31" name="Line 21">
+                  <a:extLst>
+                    <a:ext uri="{FF2B5EF4-FFF2-40B4-BE49-F238E27FC236}">
+                      <a16:creationId xmlns:a16="http://schemas.microsoft.com/office/drawing/2014/main" id="{7F592265-6F65-3A6E-0D8F-0E331D61AC9F}"/>
+                    </a:ext>
+                  </a:extLst>
+                </p:cNvPr>
+                <p:cNvSpPr>
+                  <a:spLocks noChangeShapeType="1"/>
+                </p:cNvSpPr>
+                <p:nvPr/>
+              </p:nvSpPr>
+              <p:spPr bwMode="auto">
+                <a:xfrm flipH="1">
+                  <a:off x="5684410" y="2206979"/>
+                  <a:ext cx="542639" cy="148797"/>
+                </a:xfrm>
+                <a:prstGeom prst="line">
+                  <a:avLst/>
+                </a:prstGeom>
+                <a:noFill/>
+                <a:ln w="38100">
+                  <a:solidFill>
+                    <a:schemeClr val="bg1"/>
+                  </a:solidFill>
+                  <a:round/>
+                  <a:headEnd/>
+                  <a:tailEnd type="triangle" w="med" len="med"/>
+                </a:ln>
+              </p:spPr>
+              <p:txBody>
+                <a:bodyPr/>
+                <a:lstStyle/>
+                <a:p>
+                  <a:endParaRPr lang="id-ID" dirty="0"/>
+                </a:p>
+              </p:txBody>
+            </p:sp>
+            <p:sp>
+              <p:nvSpPr>
+                <p:cNvPr id="34" name="Line 21">
+                  <a:extLst>
+                    <a:ext uri="{FF2B5EF4-FFF2-40B4-BE49-F238E27FC236}">
+                      <a16:creationId xmlns:a16="http://schemas.microsoft.com/office/drawing/2014/main" id="{EE67DA9B-1E54-1501-B902-8F9BA1B81585}"/>
+                    </a:ext>
+                  </a:extLst>
+                </p:cNvPr>
+                <p:cNvSpPr>
+                  <a:spLocks noChangeShapeType="1"/>
+                </p:cNvSpPr>
+                <p:nvPr/>
+              </p:nvSpPr>
+              <p:spPr bwMode="auto">
+                <a:xfrm>
+                  <a:off x="3110949" y="1208393"/>
+                  <a:ext cx="542639" cy="148797"/>
+                </a:xfrm>
+                <a:prstGeom prst="line">
+                  <a:avLst/>
+                </a:prstGeom>
+                <a:noFill/>
+                <a:ln w="38100">
+                  <a:solidFill>
+                    <a:schemeClr val="tx1"/>
+                  </a:solidFill>
+                  <a:round/>
+                  <a:headEnd/>
+                  <a:tailEnd type="triangle" w="med" len="med"/>
+                </a:ln>
+              </p:spPr>
+              <p:txBody>
+                <a:bodyPr/>
+                <a:lstStyle/>
+                <a:p>
+                  <a:endParaRPr lang="id-ID" dirty="0"/>
+                </a:p>
+              </p:txBody>
+            </p:sp>
+          </p:grpSp>
+        </p:grpSp>
+        <p:sp>
+          <p:nvSpPr>
+            <p:cNvPr id="27" name="TextBox 26">
+              <a:extLst>
+                <a:ext uri="{FF2B5EF4-FFF2-40B4-BE49-F238E27FC236}">
+                  <a16:creationId xmlns:a16="http://schemas.microsoft.com/office/drawing/2014/main" id="{3606BF32-76E1-0F97-B34F-5331DA172350}"/>
+                </a:ext>
+              </a:extLst>
+            </p:cNvPr>
+            <p:cNvSpPr txBox="1"/>
+            <p:nvPr/>
+          </p:nvSpPr>
+          <p:spPr>
+            <a:xfrm>
+              <a:off x="3675033" y="1213711"/>
+              <a:ext cx="2156048" cy="646331"/>
+            </a:xfrm>
+            <a:prstGeom prst="rect">
+              <a:avLst/>
+            </a:prstGeom>
+            <a:noFill/>
+          </p:spPr>
+          <p:txBody>
+            <a:bodyPr wrap="square" rtlCol="0">
+              <a:spAutoFit/>
+            </a:bodyPr>
+            <a:lstStyle/>
+            <a:p>
+              <a:pPr algn="ctr"/>
+              <a:r>
+                <a:rPr lang="en-US" dirty="0">
+                  <a:solidFill>
+                    <a:schemeClr val="bg1"/>
+                  </a:solidFill>
+                  <a:latin typeface="Times New Roman" panose="02020603050405020304" pitchFamily="18" charset="0"/>
+                  <a:cs typeface="Times New Roman" panose="02020603050405020304" pitchFamily="18" charset="0"/>
+                </a:rPr>
+                <a:t>Bagian yang </a:t>
+              </a:r>
+              <a:r>
+                <a:rPr lang="en-US" dirty="0" err="1">
+                  <a:solidFill>
+                    <a:schemeClr val="bg1"/>
+                  </a:solidFill>
+                  <a:latin typeface="Times New Roman" panose="02020603050405020304" pitchFamily="18" charset="0"/>
+                  <a:cs typeface="Times New Roman" panose="02020603050405020304" pitchFamily="18" charset="0"/>
+                </a:rPr>
+                <a:t>dikilapkan</a:t>
+              </a:r>
+              <a:r>
+                <a:rPr lang="en-US" dirty="0">
+                  <a:solidFill>
+                    <a:schemeClr val="bg1"/>
+                  </a:solidFill>
+                  <a:latin typeface="Times New Roman" panose="02020603050405020304" pitchFamily="18" charset="0"/>
+                  <a:cs typeface="Times New Roman" panose="02020603050405020304" pitchFamily="18" charset="0"/>
+                </a:rPr>
+                <a:t> (dipoles)</a:t>
+              </a:r>
+              <a:endParaRPr lang="en-ID" dirty="0">
+                <a:solidFill>
+                  <a:schemeClr val="bg1"/>
+                </a:solidFill>
+                <a:latin typeface="Times New Roman" panose="02020603050405020304" pitchFamily="18" charset="0"/>
+                <a:cs typeface="Times New Roman" panose="02020603050405020304" pitchFamily="18" charset="0"/>
+              </a:endParaRPr>
+            </a:p>
+          </p:txBody>
+        </p:sp>
+        <p:sp>
+          <p:nvSpPr>
+            <p:cNvPr id="30" name="TextBox 29">
+              <a:extLst>
+                <a:ext uri="{FF2B5EF4-FFF2-40B4-BE49-F238E27FC236}">
+                  <a16:creationId xmlns:a16="http://schemas.microsoft.com/office/drawing/2014/main" id="{B5051DBC-839B-DE7D-D69A-C96486554148}"/>
+                </a:ext>
+              </a:extLst>
+            </p:cNvPr>
+            <p:cNvSpPr txBox="1"/>
+            <p:nvPr/>
+          </p:nvSpPr>
+          <p:spPr>
+            <a:xfrm>
+              <a:off x="7032551" y="3249270"/>
+              <a:ext cx="2156048" cy="646331"/>
+            </a:xfrm>
+            <a:prstGeom prst="rect">
+              <a:avLst/>
+            </a:prstGeom>
+            <a:noFill/>
+          </p:spPr>
+          <p:txBody>
+            <a:bodyPr wrap="square" rtlCol="0">
+              <a:spAutoFit/>
+            </a:bodyPr>
+            <a:lstStyle/>
+            <a:p>
+              <a:pPr algn="ctr"/>
+              <a:r>
+                <a:rPr lang="en-US" dirty="0">
+                  <a:solidFill>
+                    <a:schemeClr val="bg1"/>
+                  </a:solidFill>
+                  <a:latin typeface="Times New Roman" panose="02020603050405020304" pitchFamily="18" charset="0"/>
+                  <a:cs typeface="Times New Roman" panose="02020603050405020304" pitchFamily="18" charset="0"/>
+                </a:rPr>
+                <a:t>Bagian yang </a:t>
+              </a:r>
+              <a:r>
+                <a:rPr lang="en-US" dirty="0" err="1">
+                  <a:solidFill>
+                    <a:schemeClr val="bg1"/>
+                  </a:solidFill>
+                  <a:latin typeface="Times New Roman" panose="02020603050405020304" pitchFamily="18" charset="0"/>
+                  <a:cs typeface="Times New Roman" panose="02020603050405020304" pitchFamily="18" charset="0"/>
+                </a:rPr>
+                <a:t>dikilapkan</a:t>
+              </a:r>
+              <a:r>
+                <a:rPr lang="en-US" dirty="0">
+                  <a:solidFill>
+                    <a:schemeClr val="bg1"/>
+                  </a:solidFill>
+                  <a:latin typeface="Times New Roman" panose="02020603050405020304" pitchFamily="18" charset="0"/>
+                  <a:cs typeface="Times New Roman" panose="02020603050405020304" pitchFamily="18" charset="0"/>
+                </a:rPr>
+                <a:t> (dipoles)</a:t>
+              </a:r>
+              <a:endParaRPr lang="en-ID" dirty="0">
+                <a:solidFill>
+                  <a:schemeClr val="bg1"/>
+                </a:solidFill>
+                <a:latin typeface="Times New Roman" panose="02020603050405020304" pitchFamily="18" charset="0"/>
+                <a:cs typeface="Times New Roman" panose="02020603050405020304" pitchFamily="18" charset="0"/>
+              </a:endParaRPr>
+            </a:p>
+          </p:txBody>
+        </p:sp>
+        <p:sp>
+          <p:nvSpPr>
+            <p:cNvPr id="32" name="TextBox 31">
+              <a:extLst>
+                <a:ext uri="{FF2B5EF4-FFF2-40B4-BE49-F238E27FC236}">
+                  <a16:creationId xmlns:a16="http://schemas.microsoft.com/office/drawing/2014/main" id="{E0164232-FD58-BB68-0E81-A3CE8EA8738B}"/>
+                </a:ext>
+              </a:extLst>
+            </p:cNvPr>
+            <p:cNvSpPr txBox="1"/>
+            <p:nvPr/>
+          </p:nvSpPr>
+          <p:spPr>
+            <a:xfrm>
+              <a:off x="2439475" y="3303912"/>
+              <a:ext cx="1624849" cy="369332"/>
+            </a:xfrm>
+            <a:prstGeom prst="rect">
+              <a:avLst/>
+            </a:prstGeom>
+            <a:noFill/>
+          </p:spPr>
+          <p:txBody>
+            <a:bodyPr wrap="square" rtlCol="0">
+              <a:spAutoFit/>
+            </a:bodyPr>
+            <a:lstStyle/>
+            <a:p>
+              <a:pPr algn="ctr"/>
+              <a:r>
+                <a:rPr lang="en-US" dirty="0" err="1">
+                  <a:latin typeface="Times New Roman" panose="02020603050405020304" pitchFamily="18" charset="0"/>
+                  <a:cs typeface="Times New Roman" panose="02020603050405020304" pitchFamily="18" charset="0"/>
+                </a:rPr>
+                <a:t>Cermin</a:t>
+              </a:r>
+              <a:r>
+                <a:rPr lang="en-US" dirty="0">
+                  <a:latin typeface="Times New Roman" panose="02020603050405020304" pitchFamily="18" charset="0"/>
+                  <a:cs typeface="Times New Roman" panose="02020603050405020304" pitchFamily="18" charset="0"/>
+                </a:rPr>
+                <a:t> </a:t>
+              </a:r>
+              <a:r>
+                <a:rPr lang="en-US" dirty="0" err="1">
+                  <a:latin typeface="Times New Roman" panose="02020603050405020304" pitchFamily="18" charset="0"/>
+                  <a:cs typeface="Times New Roman" panose="02020603050405020304" pitchFamily="18" charset="0"/>
+                </a:rPr>
+                <a:t>Sferis</a:t>
+              </a:r>
+              <a:endParaRPr lang="en-ID" dirty="0">
+                <a:latin typeface="Times New Roman" panose="02020603050405020304" pitchFamily="18" charset="0"/>
+                <a:cs typeface="Times New Roman" panose="02020603050405020304" pitchFamily="18" charset="0"/>
+              </a:endParaRPr>
+            </a:p>
+          </p:txBody>
+        </p:sp>
+        <p:sp>
+          <p:nvSpPr>
+            <p:cNvPr id="33" name="TextBox 32">
+              <a:extLst>
+                <a:ext uri="{FF2B5EF4-FFF2-40B4-BE49-F238E27FC236}">
+                  <a16:creationId xmlns:a16="http://schemas.microsoft.com/office/drawing/2014/main" id="{8D6F3140-32DC-757F-8722-81D597B91CA5}"/>
+                </a:ext>
+              </a:extLst>
+            </p:cNvPr>
+            <p:cNvSpPr txBox="1"/>
+            <p:nvPr/>
+          </p:nvSpPr>
+          <p:spPr>
+            <a:xfrm>
+              <a:off x="3500777" y="2506705"/>
+              <a:ext cx="936116" cy="430887"/>
+            </a:xfrm>
+            <a:prstGeom prst="rect">
+              <a:avLst/>
+            </a:prstGeom>
+            <a:noFill/>
+          </p:spPr>
+          <p:txBody>
+            <a:bodyPr wrap="square" rtlCol="0">
+              <a:spAutoFit/>
+            </a:bodyPr>
+            <a:lstStyle/>
+            <a:p>
+              <a:pPr algn="ctr"/>
+              <a:r>
+                <a:rPr lang="en-US" sz="1050" dirty="0">
+                  <a:latin typeface="Times New Roman" panose="02020603050405020304" pitchFamily="18" charset="0"/>
+                  <a:cs typeface="Times New Roman" panose="02020603050405020304" pitchFamily="18" charset="0"/>
+                </a:rPr>
+                <a:t>Bagian </a:t>
+              </a:r>
+              <a:r>
+                <a:rPr lang="en-US" sz="1050" dirty="0" err="1">
+                  <a:latin typeface="Times New Roman" panose="02020603050405020304" pitchFamily="18" charset="0"/>
+                  <a:cs typeface="Times New Roman" panose="02020603050405020304" pitchFamily="18" charset="0"/>
+                </a:rPr>
+                <a:t>cermin</a:t>
+              </a:r>
+              <a:r>
+                <a:rPr lang="en-US" sz="1050" dirty="0">
+                  <a:latin typeface="Times New Roman" panose="02020603050405020304" pitchFamily="18" charset="0"/>
+                  <a:cs typeface="Times New Roman" panose="02020603050405020304" pitchFamily="18" charset="0"/>
+                </a:rPr>
+                <a:t> </a:t>
+              </a:r>
+              <a:r>
+                <a:rPr lang="en-US" sz="1050" dirty="0" err="1">
+                  <a:latin typeface="Times New Roman" panose="02020603050405020304" pitchFamily="18" charset="0"/>
+                  <a:cs typeface="Times New Roman" panose="02020603050405020304" pitchFamily="18" charset="0"/>
+                </a:rPr>
+                <a:t>sferis</a:t>
+              </a:r>
+              <a:endParaRPr lang="en-ID" sz="1050" dirty="0">
+                <a:latin typeface="Times New Roman" panose="02020603050405020304" pitchFamily="18" charset="0"/>
+                <a:cs typeface="Times New Roman" panose="02020603050405020304" pitchFamily="18" charset="0"/>
+              </a:endParaRPr>
+            </a:p>
+          </p:txBody>
+        </p:sp>
+      </p:grpSp>
+    </p:spTree>
+    <p:extLst>
+      <p:ext uri="{BB962C8B-B14F-4D97-AF65-F5344CB8AC3E}">
+        <p14:creationId xmlns:p14="http://schemas.microsoft.com/office/powerpoint/2010/main" val="3729762784"/>
+      </p:ext>
+    </p:extLst>
+  </p:cSld>
+  <p:clrMapOvr>
+    <a:masterClrMapping/>
+  </p:clrMapOvr>
+</p:sld>
+</file>
+
+<file path=ppt/slides/slide4.xml><?xml version="1.0" encoding="utf-8"?>
+<p:sld xmlns:a="http://schemas.openxmlformats.org/drawingml/2006/main" xmlns:r="http://schemas.openxmlformats.org/officeDocument/2006/relationships" xmlns:p="http://schemas.openxmlformats.org/presentationml/2006/main">
+  <p:cSld>
+    <p:spTree>
+      <p:nvGrpSpPr>
+        <p:cNvPr id="1" name=""/>
+        <p:cNvGrpSpPr/>
+        <p:nvPr/>
+      </p:nvGrpSpPr>
+      <p:grpSpPr>
+        <a:xfrm>
+          <a:off x="0" y="0"/>
+          <a:ext cx="0" cy="0"/>
+          <a:chOff x="0" y="0"/>
+          <a:chExt cx="0" cy="0"/>
+        </a:xfrm>
+      </p:grpSpPr>
+      <p:grpSp>
+        <p:nvGrpSpPr>
+          <p:cNvPr id="2" name="Group 1">
+            <a:extLst>
+              <a:ext uri="{FF2B5EF4-FFF2-40B4-BE49-F238E27FC236}">
+                <a16:creationId xmlns:a16="http://schemas.microsoft.com/office/drawing/2014/main" id="{86A5D5CD-27DB-6F68-2CB1-84ADBC676088}"/>
+              </a:ext>
+            </a:extLst>
+          </p:cNvPr>
+          <p:cNvGrpSpPr/>
+          <p:nvPr/>
+        </p:nvGrpSpPr>
+        <p:grpSpPr>
+          <a:xfrm>
+            <a:off x="1791164" y="0"/>
+            <a:ext cx="8820150" cy="6858000"/>
+            <a:chOff x="144463" y="0"/>
+            <a:chExt cx="8820150" cy="6858000"/>
+          </a:xfrm>
+        </p:grpSpPr>
+        <p:sp>
+          <p:nvSpPr>
+            <p:cNvPr id="3" name="Arc 5" descr="Dark downward diagonal">
+              <a:extLst>
+                <a:ext uri="{FF2B5EF4-FFF2-40B4-BE49-F238E27FC236}">
+                  <a16:creationId xmlns:a16="http://schemas.microsoft.com/office/drawing/2014/main" id="{31425469-D3D8-0B5F-1B7D-A06CDFC0D208}"/>
+                </a:ext>
+              </a:extLst>
+            </p:cNvPr>
+            <p:cNvSpPr>
+              <a:spLocks/>
+            </p:cNvSpPr>
+            <p:nvPr/>
+          </p:nvSpPr>
+          <p:spPr bwMode="auto">
+            <a:xfrm rot="16200000">
+              <a:off x="3652838" y="1755775"/>
+              <a:ext cx="6408738" cy="3419475"/>
+            </a:xfrm>
+            <a:custGeom>
+              <a:avLst/>
+              <a:gdLst>
+                <a:gd name="T0" fmla="*/ 0 w 43142"/>
+                <a:gd name="T1" fmla="*/ 205 h 21600"/>
+                <a:gd name="T2" fmla="*/ 378 w 43142"/>
+                <a:gd name="T3" fmla="*/ 202 h 21600"/>
+                <a:gd name="T4" fmla="*/ 189 w 43142"/>
+                <a:gd name="T5" fmla="*/ 215 h 21600"/>
+                <a:gd name="T6" fmla="*/ 0 60000 65536"/>
+                <a:gd name="T7" fmla="*/ 0 60000 65536"/>
+                <a:gd name="T8" fmla="*/ 0 60000 65536"/>
+                <a:gd name="T9" fmla="*/ 0 w 43142"/>
+                <a:gd name="T10" fmla="*/ 0 h 21600"/>
+                <a:gd name="T11" fmla="*/ 43142 w 43142"/>
+                <a:gd name="T12" fmla="*/ 21600 h 21600"/>
+              </a:gdLst>
+              <a:ahLst/>
+              <a:cxnLst>
+                <a:cxn ang="T6">
+                  <a:pos x="T0" y="T1"/>
+                </a:cxn>
+                <a:cxn ang="T7">
+                  <a:pos x="T2" y="T3"/>
+                </a:cxn>
+                <a:cxn ang="T8">
+                  <a:pos x="T4" y="T5"/>
+                </a:cxn>
+              </a:cxnLst>
+              <a:rect l="T9" t="T10" r="T11" b="T12"/>
+              <a:pathLst>
+                <a:path w="43142" h="21600" fill="none" extrusionOk="0">
+                  <a:moveTo>
+                    <a:pt x="-1" y="20635"/>
+                  </a:moveTo>
+                  <a:cubicBezTo>
+                    <a:pt x="515" y="9093"/>
+                    <a:pt x="10023" y="-1"/>
+                    <a:pt x="21578" y="0"/>
+                  </a:cubicBezTo>
+                  <a:cubicBezTo>
+                    <a:pt x="33022" y="0"/>
+                    <a:pt x="42481" y="8927"/>
+                    <a:pt x="43141" y="20353"/>
+                  </a:cubicBezTo>
+                </a:path>
+                <a:path w="43142" h="21600" stroke="0" extrusionOk="0">
+                  <a:moveTo>
+                    <a:pt x="-1" y="20635"/>
+                  </a:moveTo>
+                  <a:cubicBezTo>
+                    <a:pt x="515" y="9093"/>
+                    <a:pt x="10023" y="-1"/>
+                    <a:pt x="21578" y="0"/>
+                  </a:cubicBezTo>
+                  <a:cubicBezTo>
+                    <a:pt x="33022" y="0"/>
+                    <a:pt x="42481" y="8927"/>
+                    <a:pt x="43141" y="20353"/>
+                  </a:cubicBezTo>
+                  <a:lnTo>
+                    <a:pt x="21578" y="21600"/>
+                  </a:lnTo>
+                  <a:close/>
+                </a:path>
+              </a:pathLst>
+            </a:custGeom>
+            <a:pattFill prst="dkDnDiag">
+              <a:fgClr>
+                <a:srgbClr val="9999FF"/>
+              </a:fgClr>
+              <a:bgClr>
+                <a:schemeClr val="bg1"/>
+              </a:bgClr>
+            </a:pattFill>
+            <a:ln w="9525">
+              <a:solidFill>
+                <a:schemeClr val="bg2"/>
+              </a:solidFill>
+              <a:round/>
+              <a:headEnd/>
+              <a:tailEnd/>
+            </a:ln>
+          </p:spPr>
+          <p:txBody>
+            <a:bodyPr wrap="none" anchor="ctr"/>
+            <a:lstStyle/>
+            <a:p>
+              <a:endParaRPr lang="id-ID" dirty="0"/>
+            </a:p>
+          </p:txBody>
+        </p:sp>
+        <p:sp>
+          <p:nvSpPr>
+            <p:cNvPr id="4" name="Arc 6">
+              <a:extLst>
+                <a:ext uri="{FF2B5EF4-FFF2-40B4-BE49-F238E27FC236}">
+                  <a16:creationId xmlns:a16="http://schemas.microsoft.com/office/drawing/2014/main" id="{F7053F89-CFF5-F727-C780-24464E1084A3}"/>
+                </a:ext>
+              </a:extLst>
+            </p:cNvPr>
+            <p:cNvSpPr>
+              <a:spLocks/>
+            </p:cNvSpPr>
+            <p:nvPr/>
+          </p:nvSpPr>
+          <p:spPr bwMode="auto">
+            <a:xfrm rot="16200000">
+              <a:off x="4103688" y="1808163"/>
+              <a:ext cx="5905500" cy="3240088"/>
+            </a:xfrm>
+            <a:custGeom>
+              <a:avLst/>
+              <a:gdLst>
+                <a:gd name="T0" fmla="*/ 0 w 43142"/>
+                <a:gd name="T1" fmla="*/ 184 h 21600"/>
+                <a:gd name="T2" fmla="*/ 321 w 43142"/>
+                <a:gd name="T3" fmla="*/ 182 h 21600"/>
+                <a:gd name="T4" fmla="*/ 160 w 43142"/>
+                <a:gd name="T5" fmla="*/ 193 h 21600"/>
+                <a:gd name="T6" fmla="*/ 0 60000 65536"/>
+                <a:gd name="T7" fmla="*/ 0 60000 65536"/>
+                <a:gd name="T8" fmla="*/ 0 60000 65536"/>
+                <a:gd name="T9" fmla="*/ 0 w 43142"/>
+                <a:gd name="T10" fmla="*/ 0 h 21600"/>
+                <a:gd name="T11" fmla="*/ 43142 w 43142"/>
+                <a:gd name="T12" fmla="*/ 21600 h 21600"/>
+              </a:gdLst>
+              <a:ahLst/>
+              <a:cxnLst>
+                <a:cxn ang="T6">
+                  <a:pos x="T0" y="T1"/>
+                </a:cxn>
+                <a:cxn ang="T7">
+                  <a:pos x="T2" y="T3"/>
+                </a:cxn>
+                <a:cxn ang="T8">
+                  <a:pos x="T4" y="T5"/>
+                </a:cxn>
+              </a:cxnLst>
+              <a:rect l="T9" t="T10" r="T11" b="T12"/>
+              <a:pathLst>
+                <a:path w="43142" h="21600" fill="none" extrusionOk="0">
+                  <a:moveTo>
+                    <a:pt x="-1" y="20635"/>
+                  </a:moveTo>
+                  <a:cubicBezTo>
+                    <a:pt x="515" y="9093"/>
+                    <a:pt x="10023" y="-1"/>
+                    <a:pt x="21578" y="0"/>
+                  </a:cubicBezTo>
+                  <a:cubicBezTo>
+                    <a:pt x="33022" y="0"/>
+                    <a:pt x="42481" y="8927"/>
+                    <a:pt x="43141" y="20353"/>
+                  </a:cubicBezTo>
+                </a:path>
+                <a:path w="43142" h="21600" stroke="0" extrusionOk="0">
+                  <a:moveTo>
+                    <a:pt x="-1" y="20635"/>
+                  </a:moveTo>
+                  <a:cubicBezTo>
+                    <a:pt x="515" y="9093"/>
+                    <a:pt x="10023" y="-1"/>
+                    <a:pt x="21578" y="0"/>
+                  </a:cubicBezTo>
+                  <a:cubicBezTo>
+                    <a:pt x="33022" y="0"/>
+                    <a:pt x="42481" y="8927"/>
+                    <a:pt x="43141" y="20353"/>
+                  </a:cubicBezTo>
+                  <a:lnTo>
+                    <a:pt x="21578" y="21600"/>
+                  </a:lnTo>
+                  <a:close/>
+                </a:path>
+              </a:pathLst>
+            </a:custGeom>
+            <a:solidFill>
+              <a:schemeClr val="bg1"/>
+            </a:solidFill>
+            <a:ln w="9525">
+              <a:noFill/>
+              <a:round/>
+              <a:headEnd/>
+              <a:tailEnd/>
+            </a:ln>
+          </p:spPr>
+          <p:txBody>
+            <a:bodyPr wrap="none" anchor="ctr"/>
+            <a:lstStyle/>
+            <a:p>
+              <a:endParaRPr lang="id-ID" dirty="0"/>
+            </a:p>
+          </p:txBody>
+        </p:sp>
+        <p:sp>
+          <p:nvSpPr>
+            <p:cNvPr id="5" name="Line 7">
+              <a:extLst>
+                <a:ext uri="{FF2B5EF4-FFF2-40B4-BE49-F238E27FC236}">
+                  <a16:creationId xmlns:a16="http://schemas.microsoft.com/office/drawing/2014/main" id="{BD8F62D7-1520-E2A1-A484-7C0F7F6543B5}"/>
+                </a:ext>
+              </a:extLst>
+            </p:cNvPr>
+            <p:cNvSpPr>
+              <a:spLocks noChangeShapeType="1"/>
+            </p:cNvSpPr>
+            <p:nvPr/>
+          </p:nvSpPr>
+          <p:spPr bwMode="auto">
+            <a:xfrm rot="5400000">
+              <a:off x="4554538" y="-1125538"/>
+              <a:ext cx="0" cy="8820150"/>
+            </a:xfrm>
+            <a:prstGeom prst="line">
+              <a:avLst/>
+            </a:prstGeom>
+            <a:noFill/>
+            <a:ln w="9525">
+              <a:solidFill>
+                <a:schemeClr val="tx1"/>
+              </a:solidFill>
+              <a:prstDash val="dash"/>
+              <a:round/>
+              <a:headEnd/>
+              <a:tailEnd/>
+            </a:ln>
+          </p:spPr>
+          <p:txBody>
+            <a:bodyPr/>
+            <a:lstStyle/>
+            <a:p>
+              <a:endParaRPr lang="id-ID"/>
+            </a:p>
+          </p:txBody>
+        </p:sp>
+        <p:sp>
+          <p:nvSpPr>
+            <p:cNvPr id="6" name="Line 8">
+              <a:extLst>
+                <a:ext uri="{FF2B5EF4-FFF2-40B4-BE49-F238E27FC236}">
+                  <a16:creationId xmlns:a16="http://schemas.microsoft.com/office/drawing/2014/main" id="{50DFAF2A-5BF8-1C47-54AB-EC7572A17D5E}"/>
+                </a:ext>
+              </a:extLst>
+            </p:cNvPr>
+            <p:cNvSpPr>
+              <a:spLocks noChangeShapeType="1"/>
+            </p:cNvSpPr>
+            <p:nvPr/>
+          </p:nvSpPr>
+          <p:spPr bwMode="auto">
+            <a:xfrm>
+              <a:off x="8532813" y="0"/>
+              <a:ext cx="0" cy="6858000"/>
+            </a:xfrm>
+            <a:prstGeom prst="line">
+              <a:avLst/>
+            </a:prstGeom>
+            <a:noFill/>
+            <a:ln w="9525">
+              <a:solidFill>
+                <a:schemeClr val="tx1"/>
+              </a:solidFill>
+              <a:prstDash val="dash"/>
+              <a:round/>
+              <a:headEnd/>
+              <a:tailEnd/>
+            </a:ln>
+          </p:spPr>
+          <p:txBody>
+            <a:bodyPr/>
+            <a:lstStyle/>
+            <a:p>
+              <a:endParaRPr lang="id-ID"/>
+            </a:p>
+          </p:txBody>
+        </p:sp>
+        <p:sp>
+          <p:nvSpPr>
+            <p:cNvPr id="7" name="Line 9">
+              <a:extLst>
+                <a:ext uri="{FF2B5EF4-FFF2-40B4-BE49-F238E27FC236}">
+                  <a16:creationId xmlns:a16="http://schemas.microsoft.com/office/drawing/2014/main" id="{E6737576-ABED-7503-3156-38211028951F}"/>
+                </a:ext>
+              </a:extLst>
+            </p:cNvPr>
+            <p:cNvSpPr>
+              <a:spLocks noChangeShapeType="1"/>
+            </p:cNvSpPr>
+            <p:nvPr/>
+          </p:nvSpPr>
+          <p:spPr bwMode="auto">
+            <a:xfrm>
+              <a:off x="7062788" y="3082925"/>
+              <a:ext cx="0" cy="431800"/>
+            </a:xfrm>
+            <a:prstGeom prst="line">
+              <a:avLst/>
+            </a:prstGeom>
+            <a:noFill/>
+            <a:ln w="9525">
+              <a:solidFill>
+                <a:schemeClr val="tx1"/>
+              </a:solidFill>
+              <a:round/>
+              <a:headEnd/>
+              <a:tailEnd/>
+            </a:ln>
+          </p:spPr>
+          <p:txBody>
+            <a:bodyPr/>
+            <a:lstStyle/>
+            <a:p>
+              <a:endParaRPr lang="id-ID"/>
+            </a:p>
+          </p:txBody>
+        </p:sp>
+        <p:sp>
+          <p:nvSpPr>
+            <p:cNvPr id="8" name="Line 10">
+              <a:extLst>
+                <a:ext uri="{FF2B5EF4-FFF2-40B4-BE49-F238E27FC236}">
+                  <a16:creationId xmlns:a16="http://schemas.microsoft.com/office/drawing/2014/main" id="{E4F34C85-A8A2-F000-45E7-A085A7B864C9}"/>
+                </a:ext>
+              </a:extLst>
+            </p:cNvPr>
+            <p:cNvSpPr>
+              <a:spLocks noChangeShapeType="1"/>
+            </p:cNvSpPr>
+            <p:nvPr/>
+          </p:nvSpPr>
+          <p:spPr bwMode="auto">
+            <a:xfrm>
+              <a:off x="2411413" y="2636838"/>
+              <a:ext cx="0" cy="647700"/>
+            </a:xfrm>
+            <a:prstGeom prst="line">
+              <a:avLst/>
+            </a:prstGeom>
+            <a:noFill/>
+            <a:ln w="57150">
+              <a:solidFill>
+                <a:srgbClr val="FF6600"/>
+              </a:solidFill>
+              <a:round/>
+              <a:headEnd type="triangle" w="med" len="med"/>
+              <a:tailEnd/>
+            </a:ln>
+          </p:spPr>
+          <p:txBody>
+            <a:bodyPr/>
+            <a:lstStyle/>
+            <a:p>
+              <a:endParaRPr lang="id-ID"/>
+            </a:p>
+          </p:txBody>
+        </p:sp>
+        <p:sp>
+          <p:nvSpPr>
+            <p:cNvPr id="9" name="Freeform 11">
+              <a:extLst>
+                <a:ext uri="{FF2B5EF4-FFF2-40B4-BE49-F238E27FC236}">
+                  <a16:creationId xmlns:a16="http://schemas.microsoft.com/office/drawing/2014/main" id="{C17272A0-ED11-C216-69FC-8F1CF1CCBEFD}"/>
+                </a:ext>
+              </a:extLst>
+            </p:cNvPr>
+            <p:cNvSpPr>
+              <a:spLocks/>
+            </p:cNvSpPr>
+            <p:nvPr/>
+          </p:nvSpPr>
+          <p:spPr bwMode="auto">
+            <a:xfrm>
+              <a:off x="395288" y="1916113"/>
+              <a:ext cx="4819650" cy="735013"/>
+            </a:xfrm>
+            <a:custGeom>
+              <a:avLst/>
+              <a:gdLst>
+                <a:gd name="T0" fmla="*/ 0 w 3036"/>
+                <a:gd name="T1" fmla="*/ 463 h 463"/>
+                <a:gd name="T2" fmla="*/ 3036 w 3036"/>
+                <a:gd name="T3" fmla="*/ 463 h 463"/>
+                <a:gd name="T4" fmla="*/ 1580 w 3036"/>
+                <a:gd name="T5" fmla="*/ 0 h 463"/>
+                <a:gd name="T6" fmla="*/ 0 60000 65536"/>
+                <a:gd name="T7" fmla="*/ 0 60000 65536"/>
+                <a:gd name="T8" fmla="*/ 0 60000 65536"/>
+                <a:gd name="T9" fmla="*/ 0 w 3036"/>
+                <a:gd name="T10" fmla="*/ 0 h 463"/>
+                <a:gd name="T11" fmla="*/ 3036 w 3036"/>
+                <a:gd name="T12" fmla="*/ 463 h 463"/>
+              </a:gdLst>
+              <a:ahLst/>
+              <a:cxnLst>
+                <a:cxn ang="T6">
+                  <a:pos x="T0" y="T1"/>
+                </a:cxn>
+                <a:cxn ang="T7">
+                  <a:pos x="T2" y="T3"/>
+                </a:cxn>
+                <a:cxn ang="T8">
+                  <a:pos x="T4" y="T5"/>
+                </a:cxn>
+              </a:cxnLst>
+              <a:rect l="T9" t="T10" r="T11" b="T12"/>
+              <a:pathLst>
+                <a:path w="3036" h="463">
+                  <a:moveTo>
+                    <a:pt x="0" y="463"/>
+                  </a:moveTo>
+                  <a:lnTo>
+                    <a:pt x="3036" y="463"/>
+                  </a:lnTo>
+                  <a:lnTo>
+                    <a:pt x="1580" y="0"/>
+                  </a:lnTo>
+                </a:path>
+              </a:pathLst>
+            </a:custGeom>
+            <a:noFill/>
+            <a:ln w="9525">
+              <a:solidFill>
+                <a:srgbClr val="FF6600"/>
+              </a:solidFill>
+              <a:round/>
+              <a:headEnd/>
+              <a:tailEnd type="triangle" w="med" len="med"/>
+            </a:ln>
+          </p:spPr>
+          <p:txBody>
+            <a:bodyPr/>
+            <a:lstStyle/>
+            <a:p>
+              <a:endParaRPr lang="id-ID"/>
+            </a:p>
+          </p:txBody>
+        </p:sp>
+        <p:sp>
+          <p:nvSpPr>
+            <p:cNvPr id="10" name="Line 12">
+              <a:extLst>
+                <a:ext uri="{FF2B5EF4-FFF2-40B4-BE49-F238E27FC236}">
+                  <a16:creationId xmlns:a16="http://schemas.microsoft.com/office/drawing/2014/main" id="{96C401A0-BF62-AF93-5FEE-496493E6AD63}"/>
+                </a:ext>
+              </a:extLst>
+            </p:cNvPr>
+            <p:cNvSpPr>
+              <a:spLocks noChangeShapeType="1"/>
+            </p:cNvSpPr>
+            <p:nvPr/>
+          </p:nvSpPr>
+          <p:spPr bwMode="auto">
+            <a:xfrm>
+              <a:off x="5219701" y="2636838"/>
+              <a:ext cx="3313113" cy="1152525"/>
+            </a:xfrm>
+            <a:prstGeom prst="line">
+              <a:avLst/>
+            </a:prstGeom>
+            <a:noFill/>
+            <a:ln w="9525">
+              <a:solidFill>
+                <a:srgbClr val="FF6600"/>
+              </a:solidFill>
+              <a:prstDash val="lgDash"/>
+              <a:round/>
+              <a:headEnd/>
+              <a:tailEnd/>
+            </a:ln>
+          </p:spPr>
+          <p:txBody>
+            <a:bodyPr/>
+            <a:lstStyle/>
+            <a:p>
+              <a:endParaRPr lang="id-ID"/>
+            </a:p>
+          </p:txBody>
+        </p:sp>
+        <p:sp>
+          <p:nvSpPr>
+            <p:cNvPr id="11" name="Freeform 13">
+              <a:extLst>
+                <a:ext uri="{FF2B5EF4-FFF2-40B4-BE49-F238E27FC236}">
+                  <a16:creationId xmlns:a16="http://schemas.microsoft.com/office/drawing/2014/main" id="{B57136A4-5A0D-B3CE-D6E7-3F39B7581D81}"/>
+                </a:ext>
+              </a:extLst>
+            </p:cNvPr>
+            <p:cNvSpPr>
+              <a:spLocks/>
+            </p:cNvSpPr>
+            <p:nvPr/>
+          </p:nvSpPr>
+          <p:spPr bwMode="auto">
+            <a:xfrm>
+              <a:off x="539751" y="2349500"/>
+              <a:ext cx="4600575" cy="654050"/>
+            </a:xfrm>
+            <a:custGeom>
+              <a:avLst/>
+              <a:gdLst>
+                <a:gd name="T0" fmla="*/ 0 w 2898"/>
+                <a:gd name="T1" fmla="*/ 0 h 412"/>
+                <a:gd name="T2" fmla="*/ 2898 w 2898"/>
+                <a:gd name="T3" fmla="*/ 412 h 412"/>
+                <a:gd name="T4" fmla="*/ 0 60000 65536"/>
+                <a:gd name="T5" fmla="*/ 0 60000 65536"/>
+                <a:gd name="T6" fmla="*/ 0 w 2898"/>
+                <a:gd name="T7" fmla="*/ 0 h 412"/>
+                <a:gd name="T8" fmla="*/ 2898 w 2898"/>
+                <a:gd name="T9" fmla="*/ 412 h 412"/>
+              </a:gdLst>
+              <a:ahLst/>
+              <a:cxnLst>
+                <a:cxn ang="T4">
+                  <a:pos x="T0" y="T1"/>
+                </a:cxn>
+                <a:cxn ang="T5">
+                  <a:pos x="T2" y="T3"/>
+                </a:cxn>
+              </a:cxnLst>
+              <a:rect l="T6" t="T7" r="T8" b="T9"/>
+              <a:pathLst>
+                <a:path w="2898" h="412">
+                  <a:moveTo>
+                    <a:pt x="0" y="0"/>
+                  </a:moveTo>
+                  <a:lnTo>
+                    <a:pt x="2898" y="412"/>
+                  </a:lnTo>
+                </a:path>
+              </a:pathLst>
+            </a:custGeom>
+            <a:noFill/>
+            <a:ln w="9525">
+              <a:solidFill>
+                <a:srgbClr val="FF6600"/>
+              </a:solidFill>
+              <a:round/>
+              <a:headEnd/>
+              <a:tailEnd/>
+            </a:ln>
+          </p:spPr>
+          <p:txBody>
+            <a:bodyPr/>
+            <a:lstStyle/>
+            <a:p>
+              <a:endParaRPr lang="id-ID"/>
+            </a:p>
+          </p:txBody>
+        </p:sp>
+        <p:sp>
+          <p:nvSpPr>
+            <p:cNvPr id="12" name="Line 14">
+              <a:extLst>
+                <a:ext uri="{FF2B5EF4-FFF2-40B4-BE49-F238E27FC236}">
+                  <a16:creationId xmlns:a16="http://schemas.microsoft.com/office/drawing/2014/main" id="{B085427F-26E9-CD1B-5F17-F45807677F5F}"/>
+                </a:ext>
+              </a:extLst>
+            </p:cNvPr>
+            <p:cNvSpPr>
+              <a:spLocks noChangeShapeType="1"/>
+            </p:cNvSpPr>
+            <p:nvPr/>
+          </p:nvSpPr>
+          <p:spPr bwMode="auto">
+            <a:xfrm>
+              <a:off x="5148263" y="2997200"/>
+              <a:ext cx="2736850" cy="0"/>
+            </a:xfrm>
+            <a:prstGeom prst="line">
+              <a:avLst/>
+            </a:prstGeom>
+            <a:noFill/>
+            <a:ln w="9525">
+              <a:solidFill>
+                <a:srgbClr val="FF6600"/>
+              </a:solidFill>
+              <a:prstDash val="lgDash"/>
+              <a:round/>
+              <a:headEnd/>
+              <a:tailEnd/>
+            </a:ln>
+          </p:spPr>
+          <p:txBody>
+            <a:bodyPr/>
+            <a:lstStyle/>
+            <a:p>
+              <a:endParaRPr lang="id-ID"/>
+            </a:p>
+          </p:txBody>
+        </p:sp>
+        <p:sp>
+          <p:nvSpPr>
+            <p:cNvPr id="13" name="Line 15">
+              <a:extLst>
+                <a:ext uri="{FF2B5EF4-FFF2-40B4-BE49-F238E27FC236}">
+                  <a16:creationId xmlns:a16="http://schemas.microsoft.com/office/drawing/2014/main" id="{57197452-5790-A55C-83AE-C327B58AF774}"/>
+                </a:ext>
+              </a:extLst>
+            </p:cNvPr>
+            <p:cNvSpPr>
+              <a:spLocks noChangeShapeType="1"/>
+            </p:cNvSpPr>
+            <p:nvPr/>
+          </p:nvSpPr>
+          <p:spPr bwMode="auto">
+            <a:xfrm flipV="1">
+              <a:off x="6227763" y="2997200"/>
+              <a:ext cx="0" cy="287338"/>
+            </a:xfrm>
+            <a:prstGeom prst="line">
+              <a:avLst/>
+            </a:prstGeom>
+            <a:noFill/>
+            <a:ln w="38100">
+              <a:solidFill>
+                <a:srgbClr val="FF6600"/>
+              </a:solidFill>
+              <a:round/>
+              <a:headEnd/>
+              <a:tailEnd type="triangle" w="med" len="med"/>
+            </a:ln>
+          </p:spPr>
+          <p:txBody>
+            <a:bodyPr/>
+            <a:lstStyle/>
+            <a:p>
+              <a:endParaRPr lang="id-ID"/>
+            </a:p>
+          </p:txBody>
+        </p:sp>
+      </p:grpSp>
+    </p:spTree>
+    <p:extLst>
+      <p:ext uri="{BB962C8B-B14F-4D97-AF65-F5344CB8AC3E}">
+        <p14:creationId xmlns:p14="http://schemas.microsoft.com/office/powerpoint/2010/main" val="1580378846"/>
+      </p:ext>
+    </p:extLst>
+  </p:cSld>
+  <p:clrMapOvr>
+    <a:masterClrMapping/>
+  </p:clrMapOvr>
+  <p:timing>
+    <p:tnLst>
+      <p:par>
+        <p:cTn id="1" dur="indefinite" restart="never" nodeType="tmRoot">
+          <p:childTnLst>
+            <p:seq concurrent="1" nextAc="seek">
+              <p:cTn id="2" dur="indefinite" nodeType="mainSeq">
+                <p:childTnLst>
+                  <p:par>
+                    <p:cTn id="3" fill="hold">
+                      <p:stCondLst>
+                        <p:cond delay="indefinite"/>
+                      </p:stCondLst>
+                      <p:childTnLst>
+                        <p:par>
+                          <p:cTn id="4" fill="hold">
+                            <p:stCondLst>
+                              <p:cond delay="0"/>
+                            </p:stCondLst>
+                            <p:childTnLst>
+                              <p:par>
+                                <p:cTn id="5" presetID="3" presetClass="entr" presetSubtype="10" fill="hold" nodeType="clickEffect">
+                                  <p:stCondLst>
+                                    <p:cond delay="0"/>
+                                  </p:stCondLst>
+                                  <p:childTnLst>
+                                    <p:set>
+                                      <p:cBhvr>
+                                        <p:cTn id="6" dur="1" fill="hold">
+                                          <p:stCondLst>
+                                            <p:cond delay="0"/>
+                                          </p:stCondLst>
+                                        </p:cTn>
+                                        <p:tgtEl>
+                                          <p:spTgt spid="2"/>
+                                        </p:tgtEl>
+                                        <p:attrNameLst>
+                                          <p:attrName>style.visibility</p:attrName>
+                                        </p:attrNameLst>
+                                      </p:cBhvr>
+                                      <p:to>
+                                        <p:strVal val="visible"/>
+                                      </p:to>
+                                    </p:set>
+                                    <p:animEffect transition="in" filter="blinds(horizontal)">
+                                      <p:cBhvr>
+                                        <p:cTn id="7" dur="500"/>
+                                        <p:tgtEl>
+                                          <p:spTgt spid="2"/>
+                                        </p:tgtEl>
+                                      </p:cBhvr>
+                                    </p:animEffect>
+                                  </p:childTnLst>
+                                </p:cTn>
+                              </p:par>
+                            </p:childTnLst>
+                          </p:cTn>
+                        </p:par>
+                      </p:childTnLst>
+                    </p:cTn>
+                  </p:par>
+                </p:childTnLst>
+              </p:cTn>
+              <p:prevCondLst>
+                <p:cond evt="onPrev" delay="0">
+                  <p:tgtEl>
+                    <p:sldTgt/>
+                  </p:tgtEl>
+                </p:cond>
+              </p:prevCondLst>
+              <p:nextCondLst>
+                <p:cond evt="onNext" delay="0">
+                  <p:tgtEl>
+                    <p:sldTgt/>
+                  </p:tgtEl>
+                </p:cond>
+              </p:nextCondLst>
+            </p:seq>
+          </p:childTnLst>
+        </p:cTn>
+      </p:par>
+    </p:tnLst>
+  </p:timing>
+</p:sld>
+</file>
+
+<file path=ppt/slides/slide5.xml><?xml version="1.0" encoding="utf-8"?>
 <p:sld xmlns:a="http://schemas.openxmlformats.org/drawingml/2006/main" xmlns:r="http://schemas.openxmlformats.org/officeDocument/2006/relationships" xmlns:p="http://schemas.openxmlformats.org/presentationml/2006/main">
   <p:cSld>
     <p:spTree>
@@ -5932,7 +9019,7 @@
 </p:sld>
 </file>
 
-<file path=ppt/slides/slide3.xml><?xml version="1.0" encoding="utf-8"?>
+<file path=ppt/slides/slide6.xml><?xml version="1.0" encoding="utf-8"?>
 <p:sld xmlns:a="http://schemas.openxmlformats.org/drawingml/2006/main" xmlns:r="http://schemas.openxmlformats.org/officeDocument/2006/relationships" xmlns:p="http://schemas.openxmlformats.org/presentationml/2006/main">
   <p:cSld>
     <p:spTree>
@@ -6855,8 +9942,8 @@
                   </a:p>
                 </p:txBody>
               </p:sp>
-              <mc:AlternateContent xmlns:mc="http://schemas.openxmlformats.org/markup-compatibility/2006">
-                <mc:Choice xmlns:a14="http://schemas.microsoft.com/office/drawing/2010/main" Requires="a14">
+              <mc:AlternateContent xmlns:mc="http://schemas.openxmlformats.org/markup-compatibility/2006" xmlns:a14="http://schemas.microsoft.com/office/drawing/2010/main">
+                <mc:Choice Requires="a14">
                   <p:sp>
                     <p:nvSpPr>
                       <p:cNvPr id="57" name="TextBox 56">
@@ -6912,7 +9999,7 @@
                     </p:txBody>
                   </p:sp>
                 </mc:Choice>
-                <mc:Fallback>
+                <mc:Fallback xmlns="">
                   <p:sp>
                     <p:nvSpPr>
                       <p:cNvPr id="57" name="TextBox 56">
@@ -6957,8 +10044,8 @@
                   </p:sp>
                 </mc:Fallback>
               </mc:AlternateContent>
-              <mc:AlternateContent xmlns:mc="http://schemas.openxmlformats.org/markup-compatibility/2006">
-                <mc:Choice xmlns:a14="http://schemas.microsoft.com/office/drawing/2010/main" Requires="a14">
+              <mc:AlternateContent xmlns:mc="http://schemas.openxmlformats.org/markup-compatibility/2006" xmlns:a14="http://schemas.microsoft.com/office/drawing/2010/main">
+                <mc:Choice Requires="a14">
                   <p:sp>
                     <p:nvSpPr>
                       <p:cNvPr id="61" name="TextBox 60">
@@ -7014,7 +10101,7 @@
                     </p:txBody>
                   </p:sp>
                 </mc:Choice>
-                <mc:Fallback>
+                <mc:Fallback xmlns="">
                   <p:sp>
                     <p:nvSpPr>
                       <p:cNvPr id="61" name="TextBox 60">
@@ -7416,7 +10503,7 @@
 </p:sld>
 </file>
 
-<file path=ppt/slides/slide4.xml><?xml version="1.0" encoding="utf-8"?>
+<file path=ppt/slides/slide7.xml><?xml version="1.0" encoding="utf-8"?>
 <p:sld xmlns:a="http://schemas.openxmlformats.org/drawingml/2006/main" xmlns:r="http://schemas.openxmlformats.org/officeDocument/2006/relationships" xmlns:p="http://schemas.openxmlformats.org/presentationml/2006/main">
   <p:cSld>
     <p:spTree>

--- a/Presentation1.pptx
+++ b/Presentation1.pptx
@@ -6,12 +6,14 @@
   </p:sldMasterIdLst>
   <p:sldIdLst>
     <p:sldId id="256" r:id="rId2"/>
-    <p:sldId id="260" r:id="rId3"/>
-    <p:sldId id="262" r:id="rId4"/>
-    <p:sldId id="261" r:id="rId5"/>
-    <p:sldId id="257" r:id="rId6"/>
-    <p:sldId id="258" r:id="rId7"/>
-    <p:sldId id="259" r:id="rId8"/>
+    <p:sldId id="263" r:id="rId3"/>
+    <p:sldId id="264" r:id="rId4"/>
+    <p:sldId id="260" r:id="rId5"/>
+    <p:sldId id="262" r:id="rId6"/>
+    <p:sldId id="261" r:id="rId7"/>
+    <p:sldId id="257" r:id="rId8"/>
+    <p:sldId id="258" r:id="rId9"/>
+    <p:sldId id="259" r:id="rId10"/>
   </p:sldIdLst>
   <p:sldSz cx="12192000" cy="6858000"/>
   <p:notesSz cx="6858000" cy="9144000"/>
@@ -267,7 +269,7 @@
           <a:p>
             <a:fld id="{A5358068-B55E-472E-8EF6-2EE20D143D55}" type="datetimeFigureOut">
               <a:rPr lang="en-ID" smtClean="0"/>
-              <a:t>11/08/2024</a:t>
+              <a:t>12/08/2024</a:t>
             </a:fld>
             <a:endParaRPr lang="en-ID"/>
           </a:p>
@@ -467,7 +469,7 @@
           <a:p>
             <a:fld id="{A5358068-B55E-472E-8EF6-2EE20D143D55}" type="datetimeFigureOut">
               <a:rPr lang="en-ID" smtClean="0"/>
-              <a:t>11/08/2024</a:t>
+              <a:t>12/08/2024</a:t>
             </a:fld>
             <a:endParaRPr lang="en-ID"/>
           </a:p>
@@ -677,7 +679,7 @@
           <a:p>
             <a:fld id="{A5358068-B55E-472E-8EF6-2EE20D143D55}" type="datetimeFigureOut">
               <a:rPr lang="en-ID" smtClean="0"/>
-              <a:t>11/08/2024</a:t>
+              <a:t>12/08/2024</a:t>
             </a:fld>
             <a:endParaRPr lang="en-ID"/>
           </a:p>
@@ -877,7 +879,7 @@
           <a:p>
             <a:fld id="{A5358068-B55E-472E-8EF6-2EE20D143D55}" type="datetimeFigureOut">
               <a:rPr lang="en-ID" smtClean="0"/>
-              <a:t>11/08/2024</a:t>
+              <a:t>12/08/2024</a:t>
             </a:fld>
             <a:endParaRPr lang="en-ID"/>
           </a:p>
@@ -1153,7 +1155,7 @@
           <a:p>
             <a:fld id="{A5358068-B55E-472E-8EF6-2EE20D143D55}" type="datetimeFigureOut">
               <a:rPr lang="en-ID" smtClean="0"/>
-              <a:t>11/08/2024</a:t>
+              <a:t>12/08/2024</a:t>
             </a:fld>
             <a:endParaRPr lang="en-ID"/>
           </a:p>
@@ -1421,7 +1423,7 @@
           <a:p>
             <a:fld id="{A5358068-B55E-472E-8EF6-2EE20D143D55}" type="datetimeFigureOut">
               <a:rPr lang="en-ID" smtClean="0"/>
-              <a:t>11/08/2024</a:t>
+              <a:t>12/08/2024</a:t>
             </a:fld>
             <a:endParaRPr lang="en-ID"/>
           </a:p>
@@ -1836,7 +1838,7 @@
           <a:p>
             <a:fld id="{A5358068-B55E-472E-8EF6-2EE20D143D55}" type="datetimeFigureOut">
               <a:rPr lang="en-ID" smtClean="0"/>
-              <a:t>11/08/2024</a:t>
+              <a:t>12/08/2024</a:t>
             </a:fld>
             <a:endParaRPr lang="en-ID"/>
           </a:p>
@@ -1978,7 +1980,7 @@
           <a:p>
             <a:fld id="{A5358068-B55E-472E-8EF6-2EE20D143D55}" type="datetimeFigureOut">
               <a:rPr lang="en-ID" smtClean="0"/>
-              <a:t>11/08/2024</a:t>
+              <a:t>12/08/2024</a:t>
             </a:fld>
             <a:endParaRPr lang="en-ID"/>
           </a:p>
@@ -2091,7 +2093,7 @@
           <a:p>
             <a:fld id="{A5358068-B55E-472E-8EF6-2EE20D143D55}" type="datetimeFigureOut">
               <a:rPr lang="en-ID" smtClean="0"/>
-              <a:t>11/08/2024</a:t>
+              <a:t>12/08/2024</a:t>
             </a:fld>
             <a:endParaRPr lang="en-ID"/>
           </a:p>
@@ -2404,7 +2406,7 @@
           <a:p>
             <a:fld id="{A5358068-B55E-472E-8EF6-2EE20D143D55}" type="datetimeFigureOut">
               <a:rPr lang="en-ID" smtClean="0"/>
-              <a:t>11/08/2024</a:t>
+              <a:t>12/08/2024</a:t>
             </a:fld>
             <a:endParaRPr lang="en-ID"/>
           </a:p>
@@ -2693,7 +2695,7 @@
           <a:p>
             <a:fld id="{A5358068-B55E-472E-8EF6-2EE20D143D55}" type="datetimeFigureOut">
               <a:rPr lang="en-ID" smtClean="0"/>
-              <a:t>11/08/2024</a:t>
+              <a:t>12/08/2024</a:t>
             </a:fld>
             <a:endParaRPr lang="en-ID"/>
           </a:p>
@@ -2936,7 +2938,7 @@
           <a:p>
             <a:fld id="{A5358068-B55E-472E-8EF6-2EE20D143D55}" type="datetimeFigureOut">
               <a:rPr lang="en-ID" smtClean="0"/>
-              <a:t>11/08/2024</a:t>
+              <a:t>12/08/2024</a:t>
             </a:fld>
             <a:endParaRPr lang="en-ID"/>
           </a:p>
@@ -3417,6 +3419,542 @@
 </file>
 
 <file path=ppt/slides/slide2.xml><?xml version="1.0" encoding="utf-8"?>
+<p:sld xmlns:a="http://schemas.openxmlformats.org/drawingml/2006/main" xmlns:r="http://schemas.openxmlformats.org/officeDocument/2006/relationships" xmlns:p="http://schemas.openxmlformats.org/presentationml/2006/main">
+  <p:cSld>
+    <p:spTree>
+      <p:nvGrpSpPr>
+        <p:cNvPr id="1" name=""/>
+        <p:cNvGrpSpPr/>
+        <p:nvPr/>
+      </p:nvGrpSpPr>
+      <p:grpSpPr>
+        <a:xfrm>
+          <a:off x="0" y="0"/>
+          <a:ext cx="0" cy="0"/>
+          <a:chOff x="0" y="0"/>
+          <a:chExt cx="0" cy="0"/>
+        </a:xfrm>
+      </p:grpSpPr>
+      <p:grpSp>
+        <p:nvGrpSpPr>
+          <p:cNvPr id="6" name="Group 5">
+            <a:extLst>
+              <a:ext uri="{FF2B5EF4-FFF2-40B4-BE49-F238E27FC236}">
+                <a16:creationId xmlns:a16="http://schemas.microsoft.com/office/drawing/2014/main" id="{83322A1E-1F09-EE44-D500-2A7BC3215508}"/>
+              </a:ext>
+            </a:extLst>
+          </p:cNvPr>
+          <p:cNvGrpSpPr/>
+          <p:nvPr/>
+        </p:nvGrpSpPr>
+        <p:grpSpPr>
+          <a:xfrm>
+            <a:off x="2667000" y="0"/>
+            <a:ext cx="6858000" cy="6858000"/>
+            <a:chOff x="2667000" y="0"/>
+            <a:chExt cx="6858000" cy="6858000"/>
+          </a:xfrm>
+        </p:grpSpPr>
+        <p:pic>
+          <p:nvPicPr>
+            <p:cNvPr id="3" name="Picture 2">
+              <a:extLst>
+                <a:ext uri="{FF2B5EF4-FFF2-40B4-BE49-F238E27FC236}">
+                  <a16:creationId xmlns:a16="http://schemas.microsoft.com/office/drawing/2014/main" id="{C485EB77-8C95-DB97-8861-6384D65F4845}"/>
+                </a:ext>
+              </a:extLst>
+            </p:cNvPr>
+            <p:cNvPicPr>
+              <a:picLocks noChangeAspect="1"/>
+            </p:cNvPicPr>
+            <p:nvPr/>
+          </p:nvPicPr>
+          <p:blipFill>
+            <a:blip r:embed="rId2">
+              <a:extLst>
+                <a:ext uri="{28A0092B-C50C-407E-A947-70E740481C1C}">
+                  <a14:useLocalDpi xmlns:a14="http://schemas.microsoft.com/office/drawing/2010/main" val="0"/>
+                </a:ext>
+              </a:extLst>
+            </a:blip>
+            <a:stretch>
+              <a:fillRect/>
+            </a:stretch>
+          </p:blipFill>
+          <p:spPr>
+            <a:xfrm>
+              <a:off x="2667000" y="0"/>
+              <a:ext cx="6858000" cy="6858000"/>
+            </a:xfrm>
+            <a:prstGeom prst="rect">
+              <a:avLst/>
+            </a:prstGeom>
+          </p:spPr>
+        </p:pic>
+        <p:sp>
+          <p:nvSpPr>
+            <p:cNvPr id="4" name="Rectangle 3">
+              <a:extLst>
+                <a:ext uri="{FF2B5EF4-FFF2-40B4-BE49-F238E27FC236}">
+                  <a16:creationId xmlns:a16="http://schemas.microsoft.com/office/drawing/2014/main" id="{E59EB618-9A18-AD95-4A7A-09E2B986AE2F}"/>
+                </a:ext>
+              </a:extLst>
+            </p:cNvPr>
+            <p:cNvSpPr/>
+            <p:nvPr/>
+          </p:nvSpPr>
+          <p:spPr>
+            <a:xfrm>
+              <a:off x="4567084" y="1258529"/>
+              <a:ext cx="3057832" cy="3057832"/>
+            </a:xfrm>
+            <a:prstGeom prst="rect">
+              <a:avLst/>
+            </a:prstGeom>
+            <a:noFill/>
+            <a:ln w="79375">
+              <a:solidFill>
+                <a:srgbClr val="FF0000"/>
+              </a:solidFill>
+              <a:prstDash val="sysDash"/>
+            </a:ln>
+          </p:spPr>
+          <p:style>
+            <a:lnRef idx="2">
+              <a:schemeClr val="accent1">
+                <a:shade val="15000"/>
+              </a:schemeClr>
+            </a:lnRef>
+            <a:fillRef idx="1">
+              <a:schemeClr val="accent1"/>
+            </a:fillRef>
+            <a:effectRef idx="0">
+              <a:schemeClr val="accent1"/>
+            </a:effectRef>
+            <a:fontRef idx="minor">
+              <a:schemeClr val="lt1"/>
+            </a:fontRef>
+          </p:style>
+          <p:txBody>
+            <a:bodyPr rtlCol="0" anchor="ctr"/>
+            <a:lstStyle/>
+            <a:p>
+              <a:pPr algn="ctr"/>
+              <a:endParaRPr lang="en-ID"/>
+            </a:p>
+          </p:txBody>
+        </p:sp>
+        <p:sp>
+          <p:nvSpPr>
+            <p:cNvPr id="5" name="TextBox 4">
+              <a:extLst>
+                <a:ext uri="{FF2B5EF4-FFF2-40B4-BE49-F238E27FC236}">
+                  <a16:creationId xmlns:a16="http://schemas.microsoft.com/office/drawing/2014/main" id="{7F800804-40CF-B866-18AA-F6E90238295D}"/>
+                </a:ext>
+              </a:extLst>
+            </p:cNvPr>
+            <p:cNvSpPr txBox="1"/>
+            <p:nvPr/>
+          </p:nvSpPr>
+          <p:spPr>
+            <a:xfrm>
+              <a:off x="4567084" y="647121"/>
+              <a:ext cx="3057832" cy="461665"/>
+            </a:xfrm>
+            <a:prstGeom prst="rect">
+              <a:avLst/>
+            </a:prstGeom>
+            <a:noFill/>
+          </p:spPr>
+          <p:txBody>
+            <a:bodyPr wrap="square" rtlCol="0">
+              <a:spAutoFit/>
+            </a:bodyPr>
+            <a:lstStyle/>
+            <a:p>
+              <a:pPr algn="ctr"/>
+              <a:r>
+                <a:rPr lang="en-US" sz="2400" dirty="0" err="1">
+                  <a:solidFill>
+                    <a:schemeClr val="bg1"/>
+                  </a:solidFill>
+                  <a:latin typeface="Times New Roman" panose="02020603050405020304" pitchFamily="18" charset="0"/>
+                  <a:cs typeface="Times New Roman" panose="02020603050405020304" pitchFamily="18" charset="0"/>
+                </a:rPr>
+                <a:t>Bayangan</a:t>
+              </a:r>
+              <a:r>
+                <a:rPr lang="en-US" sz="2400" dirty="0">
+                  <a:solidFill>
+                    <a:schemeClr val="bg1"/>
+                  </a:solidFill>
+                  <a:latin typeface="Times New Roman" panose="02020603050405020304" pitchFamily="18" charset="0"/>
+                  <a:cs typeface="Times New Roman" panose="02020603050405020304" pitchFamily="18" charset="0"/>
+                </a:rPr>
+                <a:t> Maya</a:t>
+              </a:r>
+              <a:endParaRPr lang="en-ID" sz="2400" dirty="0">
+                <a:solidFill>
+                  <a:schemeClr val="bg1"/>
+                </a:solidFill>
+                <a:latin typeface="Times New Roman" panose="02020603050405020304" pitchFamily="18" charset="0"/>
+                <a:cs typeface="Times New Roman" panose="02020603050405020304" pitchFamily="18" charset="0"/>
+              </a:endParaRPr>
+            </a:p>
+          </p:txBody>
+        </p:sp>
+      </p:grpSp>
+    </p:spTree>
+    <p:extLst>
+      <p:ext uri="{BB962C8B-B14F-4D97-AF65-F5344CB8AC3E}">
+        <p14:creationId xmlns:p14="http://schemas.microsoft.com/office/powerpoint/2010/main" val="1578011518"/>
+      </p:ext>
+    </p:extLst>
+  </p:cSld>
+  <p:clrMapOvr>
+    <a:masterClrMapping/>
+  </p:clrMapOvr>
+</p:sld>
+</file>
+
+<file path=ppt/slides/slide3.xml><?xml version="1.0" encoding="utf-8"?>
+<p:sld xmlns:a="http://schemas.openxmlformats.org/drawingml/2006/main" xmlns:r="http://schemas.openxmlformats.org/officeDocument/2006/relationships" xmlns:p="http://schemas.openxmlformats.org/presentationml/2006/main">
+  <p:cSld>
+    <p:spTree>
+      <p:nvGrpSpPr>
+        <p:cNvPr id="1" name=""/>
+        <p:cNvGrpSpPr/>
+        <p:nvPr/>
+      </p:nvGrpSpPr>
+      <p:grpSpPr>
+        <a:xfrm>
+          <a:off x="0" y="0"/>
+          <a:ext cx="0" cy="0"/>
+          <a:chOff x="0" y="0"/>
+          <a:chExt cx="0" cy="0"/>
+        </a:xfrm>
+      </p:grpSpPr>
+      <p:grpSp>
+        <p:nvGrpSpPr>
+          <p:cNvPr id="6" name="Group 5">
+            <a:extLst>
+              <a:ext uri="{FF2B5EF4-FFF2-40B4-BE49-F238E27FC236}">
+                <a16:creationId xmlns:a16="http://schemas.microsoft.com/office/drawing/2014/main" id="{A225F196-520A-6F5D-263A-328CB008D7D5}"/>
+              </a:ext>
+            </a:extLst>
+          </p:cNvPr>
+          <p:cNvGrpSpPr/>
+          <p:nvPr/>
+        </p:nvGrpSpPr>
+        <p:grpSpPr>
+          <a:xfrm>
+            <a:off x="3135367" y="0"/>
+            <a:ext cx="6858000" cy="6858000"/>
+            <a:chOff x="3135367" y="0"/>
+            <a:chExt cx="6858000" cy="6858000"/>
+          </a:xfrm>
+        </p:grpSpPr>
+        <p:pic>
+          <p:nvPicPr>
+            <p:cNvPr id="3" name="Picture 2">
+              <a:extLst>
+                <a:ext uri="{FF2B5EF4-FFF2-40B4-BE49-F238E27FC236}">
+                  <a16:creationId xmlns:a16="http://schemas.microsoft.com/office/drawing/2014/main" id="{9E923D3C-27B1-35BF-AF0A-42942B41148C}"/>
+                </a:ext>
+              </a:extLst>
+            </p:cNvPr>
+            <p:cNvPicPr>
+              <a:picLocks noChangeAspect="1"/>
+            </p:cNvPicPr>
+            <p:nvPr/>
+          </p:nvPicPr>
+          <p:blipFill rotWithShape="1">
+            <a:blip r:embed="rId2">
+              <a:extLst>
+                <a:ext uri="{28A0092B-C50C-407E-A947-70E740481C1C}">
+                  <a14:useLocalDpi xmlns:a14="http://schemas.microsoft.com/office/drawing/2010/main" val="0"/>
+                </a:ext>
+              </a:extLst>
+            </a:blip>
+            <a:srcRect l="305" r="355" b="23544"/>
+            <a:stretch/>
+          </p:blipFill>
+          <p:spPr>
+            <a:xfrm>
+              <a:off x="3135367" y="0"/>
+              <a:ext cx="6858000" cy="6858000"/>
+            </a:xfrm>
+            <a:prstGeom prst="rect">
+              <a:avLst/>
+            </a:prstGeom>
+          </p:spPr>
+        </p:pic>
+        <p:sp>
+          <p:nvSpPr>
+            <p:cNvPr id="4" name="Rectangle 3">
+              <a:extLst>
+                <a:ext uri="{FF2B5EF4-FFF2-40B4-BE49-F238E27FC236}">
+                  <a16:creationId xmlns:a16="http://schemas.microsoft.com/office/drawing/2014/main" id="{6A53FC7C-D66F-2E0A-8236-B272C4F978F9}"/>
+                </a:ext>
+              </a:extLst>
+            </p:cNvPr>
+            <p:cNvSpPr/>
+            <p:nvPr/>
+          </p:nvSpPr>
+          <p:spPr>
+            <a:xfrm>
+              <a:off x="4661677" y="1636902"/>
+              <a:ext cx="3057832" cy="3057832"/>
+            </a:xfrm>
+            <a:prstGeom prst="rect">
+              <a:avLst/>
+            </a:prstGeom>
+            <a:noFill/>
+            <a:ln w="79375">
+              <a:solidFill>
+                <a:srgbClr val="FF0000"/>
+              </a:solidFill>
+              <a:prstDash val="sysDash"/>
+            </a:ln>
+          </p:spPr>
+          <p:style>
+            <a:lnRef idx="2">
+              <a:schemeClr val="accent1">
+                <a:shade val="15000"/>
+              </a:schemeClr>
+            </a:lnRef>
+            <a:fillRef idx="1">
+              <a:schemeClr val="accent1"/>
+            </a:fillRef>
+            <a:effectRef idx="0">
+              <a:schemeClr val="accent1"/>
+            </a:effectRef>
+            <a:fontRef idx="minor">
+              <a:schemeClr val="lt1"/>
+            </a:fontRef>
+          </p:style>
+          <p:txBody>
+            <a:bodyPr rtlCol="0" anchor="ctr"/>
+            <a:lstStyle/>
+            <a:p>
+              <a:pPr algn="ctr"/>
+              <a:endParaRPr lang="en-ID"/>
+            </a:p>
+          </p:txBody>
+        </p:sp>
+        <p:sp>
+          <p:nvSpPr>
+            <p:cNvPr id="5" name="TextBox 4">
+              <a:extLst>
+                <a:ext uri="{FF2B5EF4-FFF2-40B4-BE49-F238E27FC236}">
+                  <a16:creationId xmlns:a16="http://schemas.microsoft.com/office/drawing/2014/main" id="{6D72D240-C05E-A3E3-6F52-9D96A3C4B387}"/>
+                </a:ext>
+              </a:extLst>
+            </p:cNvPr>
+            <p:cNvSpPr txBox="1"/>
+            <p:nvPr/>
+          </p:nvSpPr>
+          <p:spPr>
+            <a:xfrm>
+              <a:off x="4661677" y="1025494"/>
+              <a:ext cx="3057832" cy="461665"/>
+            </a:xfrm>
+            <a:prstGeom prst="rect">
+              <a:avLst/>
+            </a:prstGeom>
+            <a:noFill/>
+          </p:spPr>
+          <p:txBody>
+            <a:bodyPr wrap="square" rtlCol="0">
+              <a:spAutoFit/>
+            </a:bodyPr>
+            <a:lstStyle/>
+            <a:p>
+              <a:pPr algn="ctr"/>
+              <a:r>
+                <a:rPr lang="en-US" sz="2400" dirty="0" err="1">
+                  <a:solidFill>
+                    <a:schemeClr val="bg1"/>
+                  </a:solidFill>
+                  <a:latin typeface="Times New Roman" panose="02020603050405020304" pitchFamily="18" charset="0"/>
+                  <a:cs typeface="Times New Roman" panose="02020603050405020304" pitchFamily="18" charset="0"/>
+                </a:rPr>
+                <a:t>Bayangan</a:t>
+              </a:r>
+              <a:r>
+                <a:rPr lang="en-US" sz="2400" dirty="0">
+                  <a:solidFill>
+                    <a:schemeClr val="bg1"/>
+                  </a:solidFill>
+                  <a:latin typeface="Times New Roman" panose="02020603050405020304" pitchFamily="18" charset="0"/>
+                  <a:cs typeface="Times New Roman" panose="02020603050405020304" pitchFamily="18" charset="0"/>
+                </a:rPr>
+                <a:t> </a:t>
+              </a:r>
+              <a:r>
+                <a:rPr lang="en-US" sz="2400" dirty="0" err="1">
+                  <a:solidFill>
+                    <a:schemeClr val="bg1"/>
+                  </a:solidFill>
+                  <a:latin typeface="Times New Roman" panose="02020603050405020304" pitchFamily="18" charset="0"/>
+                  <a:cs typeface="Times New Roman" panose="02020603050405020304" pitchFamily="18" charset="0"/>
+                </a:rPr>
+                <a:t>Nyata</a:t>
+              </a:r>
+              <a:endParaRPr lang="en-ID" sz="2400" dirty="0">
+                <a:solidFill>
+                  <a:schemeClr val="bg1"/>
+                </a:solidFill>
+                <a:latin typeface="Times New Roman" panose="02020603050405020304" pitchFamily="18" charset="0"/>
+                <a:cs typeface="Times New Roman" panose="02020603050405020304" pitchFamily="18" charset="0"/>
+              </a:endParaRPr>
+            </a:p>
+          </p:txBody>
+        </p:sp>
+        <p:sp>
+          <p:nvSpPr>
+            <p:cNvPr id="7" name="TextBox 6">
+              <a:extLst>
+                <a:ext uri="{FF2B5EF4-FFF2-40B4-BE49-F238E27FC236}">
+                  <a16:creationId xmlns:a16="http://schemas.microsoft.com/office/drawing/2014/main" id="{AE5AB466-44CF-4418-E0AF-6856D6AD1679}"/>
+                </a:ext>
+              </a:extLst>
+            </p:cNvPr>
+            <p:cNvSpPr txBox="1"/>
+            <p:nvPr/>
+          </p:nvSpPr>
+          <p:spPr>
+            <a:xfrm>
+              <a:off x="7833830" y="2598003"/>
+              <a:ext cx="1884954" cy="923330"/>
+            </a:xfrm>
+            <a:prstGeom prst="rect">
+              <a:avLst/>
+            </a:prstGeom>
+            <a:noFill/>
+          </p:spPr>
+          <p:txBody>
+            <a:bodyPr wrap="square" rtlCol="0">
+              <a:spAutoFit/>
+            </a:bodyPr>
+            <a:lstStyle/>
+            <a:p>
+              <a:pPr algn="ctr"/>
+              <a:r>
+                <a:rPr lang="en-US" dirty="0" err="1">
+                  <a:solidFill>
+                    <a:schemeClr val="bg1"/>
+                  </a:solidFill>
+                  <a:latin typeface="Times New Roman" panose="02020603050405020304" pitchFamily="18" charset="0"/>
+                  <a:cs typeface="Times New Roman" panose="02020603050405020304" pitchFamily="18" charset="0"/>
+                </a:rPr>
+                <a:t>Bulan</a:t>
+              </a:r>
+              <a:r>
+                <a:rPr lang="en-US" dirty="0">
+                  <a:solidFill>
+                    <a:schemeClr val="bg1"/>
+                  </a:solidFill>
+                  <a:latin typeface="Times New Roman" panose="02020603050405020304" pitchFamily="18" charset="0"/>
+                  <a:cs typeface="Times New Roman" panose="02020603050405020304" pitchFamily="18" charset="0"/>
+                </a:rPr>
+                <a:t> dan </a:t>
+              </a:r>
+              <a:r>
+                <a:rPr lang="en-US" dirty="0" err="1">
+                  <a:solidFill>
+                    <a:schemeClr val="bg1"/>
+                  </a:solidFill>
+                  <a:latin typeface="Times New Roman" panose="02020603050405020304" pitchFamily="18" charset="0"/>
+                  <a:cs typeface="Times New Roman" panose="02020603050405020304" pitchFamily="18" charset="0"/>
+                </a:rPr>
+                <a:t>Matahari</a:t>
+              </a:r>
+              <a:r>
+                <a:rPr lang="en-US" dirty="0">
+                  <a:solidFill>
+                    <a:schemeClr val="bg1"/>
+                  </a:solidFill>
+                  <a:latin typeface="Times New Roman" panose="02020603050405020304" pitchFamily="18" charset="0"/>
+                  <a:cs typeface="Times New Roman" panose="02020603050405020304" pitchFamily="18" charset="0"/>
+                </a:rPr>
+                <a:t> </a:t>
+              </a:r>
+              <a:r>
+                <a:rPr lang="en-US" dirty="0" err="1">
+                  <a:solidFill>
+                    <a:schemeClr val="bg1"/>
+                  </a:solidFill>
+                  <a:latin typeface="Times New Roman" panose="02020603050405020304" pitchFamily="18" charset="0"/>
+                  <a:cs typeface="Times New Roman" panose="02020603050405020304" pitchFamily="18" charset="0"/>
+                </a:rPr>
+                <a:t>tampak</a:t>
+              </a:r>
+              <a:r>
+                <a:rPr lang="en-US" dirty="0">
+                  <a:solidFill>
+                    <a:schemeClr val="bg1"/>
+                  </a:solidFill>
+                  <a:latin typeface="Times New Roman" panose="02020603050405020304" pitchFamily="18" charset="0"/>
+                  <a:cs typeface="Times New Roman" panose="02020603050405020304" pitchFamily="18" charset="0"/>
+                </a:rPr>
+                <a:t> </a:t>
+              </a:r>
+              <a:r>
+                <a:rPr lang="en-US" dirty="0" err="1">
+                  <a:solidFill>
+                    <a:schemeClr val="bg1"/>
+                  </a:solidFill>
+                  <a:latin typeface="Times New Roman" panose="02020603050405020304" pitchFamily="18" charset="0"/>
+                  <a:cs typeface="Times New Roman" panose="02020603050405020304" pitchFamily="18" charset="0"/>
+                </a:rPr>
+                <a:t>lebih</a:t>
+              </a:r>
+              <a:r>
+                <a:rPr lang="en-US" dirty="0">
+                  <a:solidFill>
+                    <a:schemeClr val="bg1"/>
+                  </a:solidFill>
+                  <a:latin typeface="Times New Roman" panose="02020603050405020304" pitchFamily="18" charset="0"/>
+                  <a:cs typeface="Times New Roman" panose="02020603050405020304" pitchFamily="18" charset="0"/>
+                </a:rPr>
+                <a:t> </a:t>
+              </a:r>
+              <a:r>
+                <a:rPr lang="en-US" dirty="0" err="1">
+                  <a:solidFill>
+                    <a:schemeClr val="bg1"/>
+                  </a:solidFill>
+                  <a:latin typeface="Times New Roman" panose="02020603050405020304" pitchFamily="18" charset="0"/>
+                  <a:cs typeface="Times New Roman" panose="02020603050405020304" pitchFamily="18" charset="0"/>
+                </a:rPr>
+                <a:t>kecil</a:t>
+              </a:r>
+              <a:endParaRPr lang="en-ID" dirty="0">
+                <a:solidFill>
+                  <a:schemeClr val="bg1"/>
+                </a:solidFill>
+                <a:latin typeface="Times New Roman" panose="02020603050405020304" pitchFamily="18" charset="0"/>
+                <a:cs typeface="Times New Roman" panose="02020603050405020304" pitchFamily="18" charset="0"/>
+              </a:endParaRPr>
+            </a:p>
+          </p:txBody>
+        </p:sp>
+      </p:grpSp>
+    </p:spTree>
+    <p:extLst>
+      <p:ext uri="{BB962C8B-B14F-4D97-AF65-F5344CB8AC3E}">
+        <p14:creationId xmlns:p14="http://schemas.microsoft.com/office/powerpoint/2010/main" val="2325565469"/>
+      </p:ext>
+    </p:extLst>
+  </p:cSld>
+  <p:clrMapOvr>
+    <a:masterClrMapping/>
+  </p:clrMapOvr>
+</p:sld>
+</file>
+
+<file path=ppt/slides/slide4.xml><?xml version="1.0" encoding="utf-8"?>
 <p:sld xmlns:a="http://schemas.openxmlformats.org/drawingml/2006/main" xmlns:r="http://schemas.openxmlformats.org/officeDocument/2006/relationships" xmlns:p="http://schemas.openxmlformats.org/presentationml/2006/main">
   <p:cSld>
     <p:spTree>
@@ -4410,7 +4948,7 @@
 </p:sld>
 </file>
 
-<file path=ppt/slides/slide3.xml><?xml version="1.0" encoding="utf-8"?>
+<file path=ppt/slides/slide5.xml><?xml version="1.0" encoding="utf-8"?>
 <p:sld xmlns:a="http://schemas.openxmlformats.org/drawingml/2006/main" xmlns:r="http://schemas.openxmlformats.org/officeDocument/2006/relationships" xmlns:p="http://schemas.openxmlformats.org/presentationml/2006/main">
   <p:cSld>
     <p:spTree>
@@ -5709,7 +6247,7 @@
 </p:sld>
 </file>
 
-<file path=ppt/slides/slide4.xml><?xml version="1.0" encoding="utf-8"?>
+<file path=ppt/slides/slide6.xml><?xml version="1.0" encoding="utf-8"?>
 <p:sld xmlns:a="http://schemas.openxmlformats.org/drawingml/2006/main" xmlns:r="http://schemas.openxmlformats.org/officeDocument/2006/relationships" xmlns:p="http://schemas.openxmlformats.org/presentationml/2006/main">
   <p:cSld>
     <p:spTree>
@@ -6495,7 +7033,7 @@
 </p:sld>
 </file>
 
-<file path=ppt/slides/slide5.xml><?xml version="1.0" encoding="utf-8"?>
+<file path=ppt/slides/slide7.xml><?xml version="1.0" encoding="utf-8"?>
 <p:sld xmlns:a="http://schemas.openxmlformats.org/drawingml/2006/main" xmlns:r="http://schemas.openxmlformats.org/officeDocument/2006/relationships" xmlns:p="http://schemas.openxmlformats.org/presentationml/2006/main">
   <p:cSld>
     <p:spTree>
@@ -9019,7 +9557,7 @@
 </p:sld>
 </file>
 
-<file path=ppt/slides/slide6.xml><?xml version="1.0" encoding="utf-8"?>
+<file path=ppt/slides/slide8.xml><?xml version="1.0" encoding="utf-8"?>
 <p:sld xmlns:a="http://schemas.openxmlformats.org/drawingml/2006/main" xmlns:r="http://schemas.openxmlformats.org/officeDocument/2006/relationships" xmlns:p="http://schemas.openxmlformats.org/presentationml/2006/main">
   <p:cSld>
     <p:spTree>
@@ -10503,7 +11041,7 @@
 </p:sld>
 </file>
 
-<file path=ppt/slides/slide7.xml><?xml version="1.0" encoding="utf-8"?>
+<file path=ppt/slides/slide9.xml><?xml version="1.0" encoding="utf-8"?>
 <p:sld xmlns:a="http://schemas.openxmlformats.org/drawingml/2006/main" xmlns:r="http://schemas.openxmlformats.org/officeDocument/2006/relationships" xmlns:p="http://schemas.openxmlformats.org/presentationml/2006/main">
   <p:cSld>
     <p:spTree>

--- a/Presentation1.pptx
+++ b/Presentation1.pptx
@@ -11,9 +11,11 @@
     <p:sldId id="260" r:id="rId5"/>
     <p:sldId id="262" r:id="rId6"/>
     <p:sldId id="261" r:id="rId7"/>
-    <p:sldId id="257" r:id="rId8"/>
-    <p:sldId id="258" r:id="rId9"/>
-    <p:sldId id="259" r:id="rId10"/>
+    <p:sldId id="265" r:id="rId8"/>
+    <p:sldId id="266" r:id="rId9"/>
+    <p:sldId id="257" r:id="rId10"/>
+    <p:sldId id="258" r:id="rId11"/>
+    <p:sldId id="259" r:id="rId12"/>
   </p:sldIdLst>
   <p:sldSz cx="12192000" cy="6858000"/>
   <p:notesSz cx="6858000" cy="9144000"/>
@@ -3418,6 +3420,2480 @@
 </p:sld>
 </file>
 
+<file path=ppt/slides/slide10.xml><?xml version="1.0" encoding="utf-8"?>
+<p:sld xmlns:a="http://schemas.openxmlformats.org/drawingml/2006/main" xmlns:r="http://schemas.openxmlformats.org/officeDocument/2006/relationships" xmlns:p="http://schemas.openxmlformats.org/presentationml/2006/main">
+  <p:cSld>
+    <p:spTree>
+      <p:nvGrpSpPr>
+        <p:cNvPr id="1" name=""/>
+        <p:cNvGrpSpPr/>
+        <p:nvPr/>
+      </p:nvGrpSpPr>
+      <p:grpSpPr>
+        <a:xfrm>
+          <a:off x="0" y="0"/>
+          <a:ext cx="0" cy="0"/>
+          <a:chOff x="0" y="0"/>
+          <a:chExt cx="0" cy="0"/>
+        </a:xfrm>
+      </p:grpSpPr>
+      <p:grpSp>
+        <p:nvGrpSpPr>
+          <p:cNvPr id="69" name="Group 68">
+            <a:extLst>
+              <a:ext uri="{FF2B5EF4-FFF2-40B4-BE49-F238E27FC236}">
+                <a16:creationId xmlns:a16="http://schemas.microsoft.com/office/drawing/2014/main" id="{FA882F12-F9A1-85A0-5689-FC64952121C3}"/>
+              </a:ext>
+            </a:extLst>
+          </p:cNvPr>
+          <p:cNvGrpSpPr/>
+          <p:nvPr/>
+        </p:nvGrpSpPr>
+        <p:grpSpPr>
+          <a:xfrm>
+            <a:off x="2345095" y="910384"/>
+            <a:ext cx="7501810" cy="4559629"/>
+            <a:chOff x="2345095" y="910384"/>
+            <a:chExt cx="7501810" cy="4559629"/>
+          </a:xfrm>
+        </p:grpSpPr>
+        <p:grpSp>
+          <p:nvGrpSpPr>
+            <p:cNvPr id="65" name="Group 64">
+              <a:extLst>
+                <a:ext uri="{FF2B5EF4-FFF2-40B4-BE49-F238E27FC236}">
+                  <a16:creationId xmlns:a16="http://schemas.microsoft.com/office/drawing/2014/main" id="{41485AFC-20B3-F19A-237B-E115CE3DBAC9}"/>
+                </a:ext>
+              </a:extLst>
+            </p:cNvPr>
+            <p:cNvGrpSpPr/>
+            <p:nvPr/>
+          </p:nvGrpSpPr>
+          <p:grpSpPr>
+            <a:xfrm>
+              <a:off x="2345095" y="1060167"/>
+              <a:ext cx="7501810" cy="4409846"/>
+              <a:chOff x="2345095" y="1060167"/>
+              <a:chExt cx="7501810" cy="4409846"/>
+            </a:xfrm>
+          </p:grpSpPr>
+          <p:grpSp>
+            <p:nvGrpSpPr>
+              <p:cNvPr id="60" name="Group 59">
+                <a:extLst>
+                  <a:ext uri="{FF2B5EF4-FFF2-40B4-BE49-F238E27FC236}">
+                    <a16:creationId xmlns:a16="http://schemas.microsoft.com/office/drawing/2014/main" id="{DBC7F9DE-1E83-936B-6BA9-7C22B5D1DE5C}"/>
+                  </a:ext>
+                </a:extLst>
+              </p:cNvPr>
+              <p:cNvGrpSpPr/>
+              <p:nvPr/>
+            </p:nvGrpSpPr>
+            <p:grpSpPr>
+              <a:xfrm>
+                <a:off x="2345095" y="1476925"/>
+                <a:ext cx="7501810" cy="3993088"/>
+                <a:chOff x="2345095" y="1476925"/>
+                <a:chExt cx="7501810" cy="3993088"/>
+              </a:xfrm>
+            </p:grpSpPr>
+            <p:sp>
+              <p:nvSpPr>
+                <p:cNvPr id="56" name="Arc 55">
+                  <a:extLst>
+                    <a:ext uri="{FF2B5EF4-FFF2-40B4-BE49-F238E27FC236}">
+                      <a16:creationId xmlns:a16="http://schemas.microsoft.com/office/drawing/2014/main" id="{3FCB189C-F2E7-EC5C-BDB1-7D12863ACC48}"/>
+                    </a:ext>
+                  </a:extLst>
+                </p:cNvPr>
+                <p:cNvSpPr/>
+                <p:nvPr/>
+              </p:nvSpPr>
+              <p:spPr>
+                <a:xfrm rot="13638149">
+                  <a:off x="5387179" y="2380316"/>
+                  <a:ext cx="520087" cy="483992"/>
+                </a:xfrm>
+                <a:prstGeom prst="arc">
+                  <a:avLst>
+                    <a:gd name="adj1" fmla="val 16588782"/>
+                    <a:gd name="adj2" fmla="val 0"/>
+                  </a:avLst>
+                </a:prstGeom>
+                <a:ln w="22225"/>
+              </p:spPr>
+              <p:style>
+                <a:lnRef idx="1">
+                  <a:schemeClr val="accent1"/>
+                </a:lnRef>
+                <a:fillRef idx="0">
+                  <a:schemeClr val="accent1"/>
+                </a:fillRef>
+                <a:effectRef idx="0">
+                  <a:schemeClr val="accent1"/>
+                </a:effectRef>
+                <a:fontRef idx="minor">
+                  <a:schemeClr val="tx1"/>
+                </a:fontRef>
+              </p:style>
+              <p:txBody>
+                <a:bodyPr rtlCol="0" anchor="ctr"/>
+                <a:lstStyle/>
+                <a:p>
+                  <a:pPr algn="ctr"/>
+                  <a:endParaRPr lang="en-ID"/>
+                </a:p>
+              </p:txBody>
+            </p:sp>
+            <p:grpSp>
+              <p:nvGrpSpPr>
+                <p:cNvPr id="59" name="Group 58">
+                  <a:extLst>
+                    <a:ext uri="{FF2B5EF4-FFF2-40B4-BE49-F238E27FC236}">
+                      <a16:creationId xmlns:a16="http://schemas.microsoft.com/office/drawing/2014/main" id="{BB8C63C1-23C0-CD71-E148-DC61EDF47118}"/>
+                    </a:ext>
+                  </a:extLst>
+                </p:cNvPr>
+                <p:cNvGrpSpPr/>
+                <p:nvPr/>
+              </p:nvGrpSpPr>
+              <p:grpSpPr>
+                <a:xfrm>
+                  <a:off x="2345095" y="1476925"/>
+                  <a:ext cx="7501810" cy="3993088"/>
+                  <a:chOff x="2345095" y="1476925"/>
+                  <a:chExt cx="7501810" cy="3993088"/>
+                </a:xfrm>
+              </p:grpSpPr>
+              <p:sp>
+                <p:nvSpPr>
+                  <p:cNvPr id="5" name="Rectangle 4">
+                    <a:extLst>
+                      <a:ext uri="{FF2B5EF4-FFF2-40B4-BE49-F238E27FC236}">
+                        <a16:creationId xmlns:a16="http://schemas.microsoft.com/office/drawing/2014/main" id="{5F155CBC-7060-24C2-FE7F-1E9E7438E144}"/>
+                      </a:ext>
+                    </a:extLst>
+                  </p:cNvPr>
+                  <p:cNvSpPr/>
+                  <p:nvPr/>
+                </p:nvSpPr>
+                <p:spPr>
+                  <a:xfrm>
+                    <a:off x="2345095" y="4699818"/>
+                    <a:ext cx="7501810" cy="400817"/>
+                  </a:xfrm>
+                  <a:prstGeom prst="rect">
+                    <a:avLst/>
+                  </a:prstGeom>
+                  <a:solidFill>
+                    <a:schemeClr val="accent2">
+                      <a:lumMod val="60000"/>
+                      <a:lumOff val="40000"/>
+                    </a:schemeClr>
+                  </a:solidFill>
+                </p:spPr>
+                <p:style>
+                  <a:lnRef idx="2">
+                    <a:schemeClr val="accent1">
+                      <a:shade val="15000"/>
+                    </a:schemeClr>
+                  </a:lnRef>
+                  <a:fillRef idx="1">
+                    <a:schemeClr val="accent1"/>
+                  </a:fillRef>
+                  <a:effectRef idx="0">
+                    <a:schemeClr val="accent1"/>
+                  </a:effectRef>
+                  <a:fontRef idx="minor">
+                    <a:schemeClr val="lt1"/>
+                  </a:fontRef>
+                </p:style>
+                <p:txBody>
+                  <a:bodyPr rtlCol="0" anchor="ctr"/>
+                  <a:lstStyle/>
+                  <a:p>
+                    <a:pPr algn="ctr"/>
+                    <a:endParaRPr lang="en-ID"/>
+                  </a:p>
+                </p:txBody>
+              </p:sp>
+              <p:pic>
+                <p:nvPicPr>
+                  <p:cNvPr id="2" name="Picture 1">
+                    <a:extLst>
+                      <a:ext uri="{FF2B5EF4-FFF2-40B4-BE49-F238E27FC236}">
+                        <a16:creationId xmlns:a16="http://schemas.microsoft.com/office/drawing/2014/main" id="{5ACD489C-4125-F8FF-7598-B3152F20398D}"/>
+                      </a:ext>
+                    </a:extLst>
+                  </p:cNvPr>
+                  <p:cNvPicPr>
+                    <a:picLocks noChangeAspect="1"/>
+                  </p:cNvPicPr>
+                  <p:nvPr/>
+                </p:nvPicPr>
+                <p:blipFill rotWithShape="1">
+                  <a:blip r:embed="rId2">
+                    <a:extLst>
+                      <a:ext uri="{28A0092B-C50C-407E-A947-70E740481C1C}">
+                        <a14:useLocalDpi xmlns:a14="http://schemas.microsoft.com/office/drawing/2010/main" val="0"/>
+                      </a:ext>
+                    </a:extLst>
+                  </a:blip>
+                  <a:srcRect l="25333" t="21466" r="51467" b="3466"/>
+                  <a:stretch/>
+                </p:blipFill>
+                <p:spPr bwMode="auto">
+                  <a:xfrm>
+                    <a:off x="3783413" y="3081866"/>
+                    <a:ext cx="623918" cy="2018769"/>
+                  </a:xfrm>
+                  <a:prstGeom prst="rect">
+                    <a:avLst/>
+                  </a:prstGeom>
+                  <a:ln>
+                    <a:noFill/>
+                  </a:ln>
+                  <a:extLst>
+                    <a:ext uri="{53640926-AAD7-44D8-BBD7-CCE9431645EC}">
+                      <a14:shadowObscured xmlns:a14="http://schemas.microsoft.com/office/drawing/2010/main"/>
+                    </a:ext>
+                  </a:extLst>
+                </p:spPr>
+              </p:pic>
+              <p:sp>
+                <p:nvSpPr>
+                  <p:cNvPr id="6" name="Cube 5">
+                    <a:extLst>
+                      <a:ext uri="{FF2B5EF4-FFF2-40B4-BE49-F238E27FC236}">
+                        <a16:creationId xmlns:a16="http://schemas.microsoft.com/office/drawing/2014/main" id="{F0E7FD52-2B2F-E7F7-0AFF-9F537A1E3E9E}"/>
+                      </a:ext>
+                    </a:extLst>
+                  </p:cNvPr>
+                  <p:cNvSpPr/>
+                  <p:nvPr/>
+                </p:nvSpPr>
+                <p:spPr>
+                  <a:xfrm flipH="1">
+                    <a:off x="5948517" y="1632155"/>
+                    <a:ext cx="245806" cy="3352595"/>
+                  </a:xfrm>
+                  <a:prstGeom prst="cube">
+                    <a:avLst>
+                      <a:gd name="adj" fmla="val 80172"/>
+                    </a:avLst>
+                  </a:prstGeom>
+                  <a:solidFill>
+                    <a:schemeClr val="accent1">
+                      <a:lumMod val="40000"/>
+                      <a:lumOff val="60000"/>
+                    </a:schemeClr>
+                  </a:solidFill>
+                </p:spPr>
+                <p:style>
+                  <a:lnRef idx="2">
+                    <a:schemeClr val="accent1">
+                      <a:shade val="15000"/>
+                    </a:schemeClr>
+                  </a:lnRef>
+                  <a:fillRef idx="1">
+                    <a:schemeClr val="accent1"/>
+                  </a:fillRef>
+                  <a:effectRef idx="0">
+                    <a:schemeClr val="accent1"/>
+                  </a:effectRef>
+                  <a:fontRef idx="minor">
+                    <a:schemeClr val="lt1"/>
+                  </a:fontRef>
+                </p:style>
+                <p:txBody>
+                  <a:bodyPr rtlCol="0" anchor="ctr"/>
+                  <a:lstStyle/>
+                  <a:p>
+                    <a:pPr algn="ctr"/>
+                    <a:endParaRPr lang="en-ID"/>
+                  </a:p>
+                </p:txBody>
+              </p:sp>
+              <p:grpSp>
+                <p:nvGrpSpPr>
+                  <p:cNvPr id="34" name="Group 33">
+                    <a:extLst>
+                      <a:ext uri="{FF2B5EF4-FFF2-40B4-BE49-F238E27FC236}">
+                        <a16:creationId xmlns:a16="http://schemas.microsoft.com/office/drawing/2014/main" id="{74CC7D55-7111-636B-D648-C52BD42CA6E3}"/>
+                      </a:ext>
+                    </a:extLst>
+                  </p:cNvPr>
+                  <p:cNvGrpSpPr/>
+                  <p:nvPr/>
+                </p:nvGrpSpPr>
+                <p:grpSpPr>
+                  <a:xfrm>
+                    <a:off x="4407331" y="1476925"/>
+                    <a:ext cx="1688669" cy="1831527"/>
+                    <a:chOff x="4407331" y="2259724"/>
+                    <a:chExt cx="1688669" cy="1831527"/>
+                  </a:xfrm>
+                </p:grpSpPr>
+                <p:grpSp>
+                  <p:nvGrpSpPr>
+                    <p:cNvPr id="15" name="Group 14">
+                      <a:extLst>
+                        <a:ext uri="{FF2B5EF4-FFF2-40B4-BE49-F238E27FC236}">
+                          <a16:creationId xmlns:a16="http://schemas.microsoft.com/office/drawing/2014/main" id="{EAD00E99-B2D1-F528-7276-DEEC9A1066D0}"/>
+                        </a:ext>
+                      </a:extLst>
+                    </p:cNvPr>
+                    <p:cNvGrpSpPr/>
+                    <p:nvPr/>
+                  </p:nvGrpSpPr>
+                  <p:grpSpPr>
+                    <a:xfrm>
+                      <a:off x="4407331" y="3216166"/>
+                      <a:ext cx="1688669" cy="875085"/>
+                      <a:chOff x="4407331" y="3216166"/>
+                      <a:chExt cx="1688669" cy="875085"/>
+                    </a:xfrm>
+                  </p:grpSpPr>
+                  <p:cxnSp>
+                    <p:nvCxnSpPr>
+                      <p:cNvPr id="11" name="Straight Connector 10">
+                        <a:extLst>
+                          <a:ext uri="{FF2B5EF4-FFF2-40B4-BE49-F238E27FC236}">
+                            <a16:creationId xmlns:a16="http://schemas.microsoft.com/office/drawing/2014/main" id="{F5E2AC7A-8381-5164-1C56-1DAAE41F8942}"/>
+                          </a:ext>
+                        </a:extLst>
+                      </p:cNvPr>
+                      <p:cNvCxnSpPr>
+                        <a:cxnSpLocks/>
+                        <a:stCxn id="2" idx="3"/>
+                      </p:cNvCxnSpPr>
+                      <p:nvPr/>
+                    </p:nvCxnSpPr>
+                    <p:spPr>
+                      <a:xfrm flipV="1">
+                        <a:off x="4407331" y="3216166"/>
+                        <a:ext cx="1688669" cy="875085"/>
+                      </a:xfrm>
+                      <a:prstGeom prst="line">
+                        <a:avLst/>
+                      </a:prstGeom>
+                      <a:ln w="34925">
+                        <a:solidFill>
+                          <a:srgbClr val="FF0000"/>
+                        </a:solidFill>
+                      </a:ln>
+                    </p:spPr>
+                    <p:style>
+                      <a:lnRef idx="1">
+                        <a:schemeClr val="accent1"/>
+                      </a:lnRef>
+                      <a:fillRef idx="0">
+                        <a:schemeClr val="accent1"/>
+                      </a:fillRef>
+                      <a:effectRef idx="0">
+                        <a:schemeClr val="accent1"/>
+                      </a:effectRef>
+                      <a:fontRef idx="minor">
+                        <a:schemeClr val="tx1"/>
+                      </a:fontRef>
+                    </p:style>
+                  </p:cxnSp>
+                  <p:cxnSp>
+                    <p:nvCxnSpPr>
+                      <p:cNvPr id="14" name="Straight Arrow Connector 13">
+                        <a:extLst>
+                          <a:ext uri="{FF2B5EF4-FFF2-40B4-BE49-F238E27FC236}">
+                            <a16:creationId xmlns:a16="http://schemas.microsoft.com/office/drawing/2014/main" id="{E5EF4574-2EF4-D628-0A0C-65C6559715C1}"/>
+                          </a:ext>
+                        </a:extLst>
+                      </p:cNvPr>
+                      <p:cNvCxnSpPr>
+                        <a:stCxn id="2" idx="3"/>
+                      </p:cNvCxnSpPr>
+                      <p:nvPr/>
+                    </p:nvCxnSpPr>
+                    <p:spPr>
+                      <a:xfrm flipV="1">
+                        <a:off x="4407331" y="3653708"/>
+                        <a:ext cx="844334" cy="437543"/>
+                      </a:xfrm>
+                      <a:prstGeom prst="straightConnector1">
+                        <a:avLst/>
+                      </a:prstGeom>
+                      <a:ln w="31750">
+                        <a:solidFill>
+                          <a:srgbClr val="FF0000"/>
+                        </a:solidFill>
+                        <a:tailEnd type="triangle"/>
+                      </a:ln>
+                    </p:spPr>
+                    <p:style>
+                      <a:lnRef idx="1">
+                        <a:schemeClr val="accent1"/>
+                      </a:lnRef>
+                      <a:fillRef idx="0">
+                        <a:schemeClr val="accent1"/>
+                      </a:fillRef>
+                      <a:effectRef idx="0">
+                        <a:schemeClr val="accent1"/>
+                      </a:effectRef>
+                      <a:fontRef idx="minor">
+                        <a:schemeClr val="tx1"/>
+                      </a:fontRef>
+                    </p:style>
+                  </p:cxnSp>
+                </p:grpSp>
+                <p:grpSp>
+                  <p:nvGrpSpPr>
+                    <p:cNvPr id="33" name="Group 32">
+                      <a:extLst>
+                        <a:ext uri="{FF2B5EF4-FFF2-40B4-BE49-F238E27FC236}">
+                          <a16:creationId xmlns:a16="http://schemas.microsoft.com/office/drawing/2014/main" id="{E02EA701-54CE-1CB5-C557-8498F7B33C3E}"/>
+                        </a:ext>
+                      </a:extLst>
+                    </p:cNvPr>
+                    <p:cNvGrpSpPr/>
+                    <p:nvPr/>
+                  </p:nvGrpSpPr>
+                  <p:grpSpPr>
+                    <a:xfrm>
+                      <a:off x="4407331" y="2259724"/>
+                      <a:ext cx="1664089" cy="956442"/>
+                      <a:chOff x="4407331" y="2259724"/>
+                      <a:chExt cx="1664089" cy="956442"/>
+                    </a:xfrm>
+                  </p:grpSpPr>
+                  <p:cxnSp>
+                    <p:nvCxnSpPr>
+                      <p:cNvPr id="20" name="Straight Connector 19">
+                        <a:extLst>
+                          <a:ext uri="{FF2B5EF4-FFF2-40B4-BE49-F238E27FC236}">
+                            <a16:creationId xmlns:a16="http://schemas.microsoft.com/office/drawing/2014/main" id="{915B7BEE-6D8E-636D-E822-0DD2BDB023CB}"/>
+                          </a:ext>
+                        </a:extLst>
+                      </p:cNvPr>
+                      <p:cNvCxnSpPr>
+                        <a:cxnSpLocks/>
+                      </p:cNvCxnSpPr>
+                      <p:nvPr/>
+                    </p:nvCxnSpPr>
+                    <p:spPr>
+                      <a:xfrm flipH="1" flipV="1">
+                        <a:off x="4407331" y="2259724"/>
+                        <a:ext cx="1664089" cy="956442"/>
+                      </a:xfrm>
+                      <a:prstGeom prst="line">
+                        <a:avLst/>
+                      </a:prstGeom>
+                      <a:ln w="31750">
+                        <a:solidFill>
+                          <a:srgbClr val="FF0000"/>
+                        </a:solidFill>
+                      </a:ln>
+                    </p:spPr>
+                    <p:style>
+                      <a:lnRef idx="1">
+                        <a:schemeClr val="accent1"/>
+                      </a:lnRef>
+                      <a:fillRef idx="0">
+                        <a:schemeClr val="accent1"/>
+                      </a:fillRef>
+                      <a:effectRef idx="0">
+                        <a:schemeClr val="accent1"/>
+                      </a:effectRef>
+                      <a:fontRef idx="minor">
+                        <a:schemeClr val="tx1"/>
+                      </a:fontRef>
+                    </p:style>
+                  </p:cxnSp>
+                  <p:cxnSp>
+                    <p:nvCxnSpPr>
+                      <p:cNvPr id="31" name="Straight Arrow Connector 30">
+                        <a:extLst>
+                          <a:ext uri="{FF2B5EF4-FFF2-40B4-BE49-F238E27FC236}">
+                            <a16:creationId xmlns:a16="http://schemas.microsoft.com/office/drawing/2014/main" id="{EBF9D854-BBDA-EA34-A91F-DF79B69FE101}"/>
+                          </a:ext>
+                        </a:extLst>
+                      </p:cNvPr>
+                      <p:cNvCxnSpPr/>
+                      <p:nvPr/>
+                    </p:nvCxnSpPr>
+                    <p:spPr>
+                      <a:xfrm flipH="1" flipV="1">
+                        <a:off x="5104183" y="2672000"/>
+                        <a:ext cx="967237" cy="544166"/>
+                      </a:xfrm>
+                      <a:prstGeom prst="straightConnector1">
+                        <a:avLst/>
+                      </a:prstGeom>
+                      <a:ln w="31750">
+                        <a:solidFill>
+                          <a:srgbClr val="FF0000"/>
+                        </a:solidFill>
+                        <a:tailEnd type="triangle"/>
+                      </a:ln>
+                    </p:spPr>
+                    <p:style>
+                      <a:lnRef idx="1">
+                        <a:schemeClr val="accent1"/>
+                      </a:lnRef>
+                      <a:fillRef idx="0">
+                        <a:schemeClr val="accent1"/>
+                      </a:fillRef>
+                      <a:effectRef idx="0">
+                        <a:schemeClr val="accent1"/>
+                      </a:effectRef>
+                      <a:fontRef idx="minor">
+                        <a:schemeClr val="tx1"/>
+                      </a:fontRef>
+                    </p:style>
+                  </p:cxnSp>
+                </p:grpSp>
+              </p:grpSp>
+              <p:cxnSp>
+                <p:nvCxnSpPr>
+                  <p:cNvPr id="36" name="Straight Connector 35">
+                    <a:extLst>
+                      <a:ext uri="{FF2B5EF4-FFF2-40B4-BE49-F238E27FC236}">
+                        <a16:creationId xmlns:a16="http://schemas.microsoft.com/office/drawing/2014/main" id="{306E5A88-C383-8C96-C0E2-A58246E0C179}"/>
+                      </a:ext>
+                    </a:extLst>
+                  </p:cNvPr>
+                  <p:cNvCxnSpPr>
+                    <a:cxnSpLocks/>
+                  </p:cNvCxnSpPr>
+                  <p:nvPr/>
+                </p:nvCxnSpPr>
+                <p:spPr>
+                  <a:xfrm>
+                    <a:off x="6087777" y="2433367"/>
+                    <a:ext cx="1742430" cy="875085"/>
+                  </a:xfrm>
+                  <a:prstGeom prst="line">
+                    <a:avLst/>
+                  </a:prstGeom>
+                  <a:ln w="31750">
+                    <a:solidFill>
+                      <a:srgbClr val="00B050"/>
+                    </a:solidFill>
+                    <a:prstDash val="dash"/>
+                  </a:ln>
+                </p:spPr>
+                <p:style>
+                  <a:lnRef idx="1">
+                    <a:schemeClr val="accent1"/>
+                  </a:lnRef>
+                  <a:fillRef idx="0">
+                    <a:schemeClr val="accent1"/>
+                  </a:fillRef>
+                  <a:effectRef idx="0">
+                    <a:schemeClr val="accent1"/>
+                  </a:effectRef>
+                  <a:fontRef idx="minor">
+                    <a:schemeClr val="tx1"/>
+                  </a:fontRef>
+                </p:style>
+              </p:cxnSp>
+              <p:cxnSp>
+                <p:nvCxnSpPr>
+                  <p:cNvPr id="40" name="Straight Arrow Connector 39">
+                    <a:extLst>
+                      <a:ext uri="{FF2B5EF4-FFF2-40B4-BE49-F238E27FC236}">
+                        <a16:creationId xmlns:a16="http://schemas.microsoft.com/office/drawing/2014/main" id="{35A5810C-4402-8D28-4399-C3CCD2925C18}"/>
+                      </a:ext>
+                    </a:extLst>
+                  </p:cNvPr>
+                  <p:cNvCxnSpPr/>
+                  <p:nvPr/>
+                </p:nvCxnSpPr>
+                <p:spPr>
+                  <a:xfrm flipH="1" flipV="1">
+                    <a:off x="7094484" y="2941265"/>
+                    <a:ext cx="683173" cy="355045"/>
+                  </a:xfrm>
+                  <a:prstGeom prst="straightConnector1">
+                    <a:avLst/>
+                  </a:prstGeom>
+                  <a:ln w="31750">
+                    <a:solidFill>
+                      <a:srgbClr val="00B050"/>
+                    </a:solidFill>
+                    <a:prstDash val="dash"/>
+                    <a:tailEnd type="triangle"/>
+                  </a:ln>
+                </p:spPr>
+                <p:style>
+                  <a:lnRef idx="1">
+                    <a:schemeClr val="accent1"/>
+                  </a:lnRef>
+                  <a:fillRef idx="0">
+                    <a:schemeClr val="accent1"/>
+                  </a:fillRef>
+                  <a:effectRef idx="0">
+                    <a:schemeClr val="accent1"/>
+                  </a:effectRef>
+                  <a:fontRef idx="minor">
+                    <a:schemeClr val="tx1"/>
+                  </a:fontRef>
+                </p:style>
+              </p:cxnSp>
+              <p:sp>
+                <p:nvSpPr>
+                  <p:cNvPr id="43" name="TextBox 42">
+                    <a:extLst>
+                      <a:ext uri="{FF2B5EF4-FFF2-40B4-BE49-F238E27FC236}">
+                        <a16:creationId xmlns:a16="http://schemas.microsoft.com/office/drawing/2014/main" id="{1559001D-D919-3F09-E3C3-AB231FB43531}"/>
+                      </a:ext>
+                    </a:extLst>
+                  </p:cNvPr>
+                  <p:cNvSpPr txBox="1"/>
+                  <p:nvPr/>
+                </p:nvSpPr>
+                <p:spPr>
+                  <a:xfrm>
+                    <a:off x="3363310" y="5100681"/>
+                    <a:ext cx="1292773" cy="369332"/>
+                  </a:xfrm>
+                  <a:prstGeom prst="rect">
+                    <a:avLst/>
+                  </a:prstGeom>
+                  <a:noFill/>
+                </p:spPr>
+                <p:txBody>
+                  <a:bodyPr wrap="square" rtlCol="0">
+                    <a:spAutoFit/>
+                  </a:bodyPr>
+                  <a:lstStyle/>
+                  <a:p>
+                    <a:pPr algn="ctr"/>
+                    <a:r>
+                      <a:rPr lang="en-US" dirty="0" err="1">
+                        <a:solidFill>
+                          <a:schemeClr val="bg1"/>
+                        </a:solidFill>
+                        <a:latin typeface="Times New Roman" panose="02020603050405020304" pitchFamily="18" charset="0"/>
+                        <a:cs typeface="Times New Roman" panose="02020603050405020304" pitchFamily="18" charset="0"/>
+                      </a:rPr>
+                      <a:t>Objek</a:t>
+                    </a:r>
+                    <a:endParaRPr lang="en-ID" dirty="0">
+                      <a:solidFill>
+                        <a:schemeClr val="bg1"/>
+                      </a:solidFill>
+                      <a:latin typeface="Times New Roman" panose="02020603050405020304" pitchFamily="18" charset="0"/>
+                      <a:cs typeface="Times New Roman" panose="02020603050405020304" pitchFamily="18" charset="0"/>
+                    </a:endParaRPr>
+                  </a:p>
+                </p:txBody>
+              </p:sp>
+              <p:sp>
+                <p:nvSpPr>
+                  <p:cNvPr id="44" name="TextBox 43">
+                    <a:extLst>
+                      <a:ext uri="{FF2B5EF4-FFF2-40B4-BE49-F238E27FC236}">
+                        <a16:creationId xmlns:a16="http://schemas.microsoft.com/office/drawing/2014/main" id="{1133217A-E702-24B7-ADC5-32B2DF7215BE}"/>
+                      </a:ext>
+                    </a:extLst>
+                  </p:cNvPr>
+                  <p:cNvSpPr txBox="1"/>
+                  <p:nvPr/>
+                </p:nvSpPr>
+                <p:spPr>
+                  <a:xfrm>
+                    <a:off x="6887114" y="2007667"/>
+                    <a:ext cx="1981378" cy="646331"/>
+                  </a:xfrm>
+                  <a:prstGeom prst="rect">
+                    <a:avLst/>
+                  </a:prstGeom>
+                  <a:solidFill>
+                    <a:srgbClr val="00B050"/>
+                  </a:solidFill>
+                </p:spPr>
+                <p:txBody>
+                  <a:bodyPr wrap="square" rtlCol="0">
+                    <a:spAutoFit/>
+                  </a:bodyPr>
+                  <a:lstStyle/>
+                  <a:p>
+                    <a:pPr algn="ctr"/>
+                    <a:r>
+                      <a:rPr lang="en-US" dirty="0" err="1">
+                        <a:solidFill>
+                          <a:schemeClr val="bg1"/>
+                        </a:solidFill>
+                        <a:latin typeface="Times New Roman" panose="02020603050405020304" pitchFamily="18" charset="0"/>
+                        <a:cs typeface="Times New Roman" panose="02020603050405020304" pitchFamily="18" charset="0"/>
+                      </a:rPr>
+                      <a:t>Lintasan</a:t>
+                    </a:r>
+                    <a:r>
+                      <a:rPr lang="en-US" dirty="0">
+                        <a:solidFill>
+                          <a:schemeClr val="bg1"/>
+                        </a:solidFill>
+                        <a:latin typeface="Times New Roman" panose="02020603050405020304" pitchFamily="18" charset="0"/>
+                        <a:cs typeface="Times New Roman" panose="02020603050405020304" pitchFamily="18" charset="0"/>
+                      </a:rPr>
+                      <a:t> </a:t>
+                    </a:r>
+                    <a:r>
+                      <a:rPr lang="en-US" dirty="0" err="1">
+                        <a:solidFill>
+                          <a:schemeClr val="bg1"/>
+                        </a:solidFill>
+                        <a:latin typeface="Times New Roman" panose="02020603050405020304" pitchFamily="18" charset="0"/>
+                        <a:cs typeface="Times New Roman" panose="02020603050405020304" pitchFamily="18" charset="0"/>
+                      </a:rPr>
+                      <a:t>sinar</a:t>
+                    </a:r>
+                    <a:r>
+                      <a:rPr lang="en-US" dirty="0">
+                        <a:solidFill>
+                          <a:schemeClr val="bg1"/>
+                        </a:solidFill>
+                        <a:latin typeface="Times New Roman" panose="02020603050405020304" pitchFamily="18" charset="0"/>
+                        <a:cs typeface="Times New Roman" panose="02020603050405020304" pitchFamily="18" charset="0"/>
+                      </a:rPr>
+                      <a:t> yang </a:t>
+                    </a:r>
+                    <a:r>
+                      <a:rPr lang="en-US" dirty="0" err="1">
+                        <a:solidFill>
+                          <a:schemeClr val="bg1"/>
+                        </a:solidFill>
+                        <a:latin typeface="Times New Roman" panose="02020603050405020304" pitchFamily="18" charset="0"/>
+                        <a:cs typeface="Times New Roman" panose="02020603050405020304" pitchFamily="18" charset="0"/>
+                      </a:rPr>
+                      <a:t>tampak</a:t>
+                    </a:r>
+                    <a:r>
+                      <a:rPr lang="en-US" dirty="0">
+                        <a:solidFill>
+                          <a:schemeClr val="bg1"/>
+                        </a:solidFill>
+                        <a:latin typeface="Times New Roman" panose="02020603050405020304" pitchFamily="18" charset="0"/>
+                        <a:cs typeface="Times New Roman" panose="02020603050405020304" pitchFamily="18" charset="0"/>
+                      </a:rPr>
+                      <a:t> oleh </a:t>
+                    </a:r>
+                    <a:r>
+                      <a:rPr lang="en-US" dirty="0" err="1">
+                        <a:solidFill>
+                          <a:schemeClr val="bg1"/>
+                        </a:solidFill>
+                        <a:latin typeface="Times New Roman" panose="02020603050405020304" pitchFamily="18" charset="0"/>
+                        <a:cs typeface="Times New Roman" panose="02020603050405020304" pitchFamily="18" charset="0"/>
+                      </a:rPr>
+                      <a:t>mata</a:t>
+                    </a:r>
+                    <a:endParaRPr lang="en-ID" dirty="0">
+                      <a:solidFill>
+                        <a:schemeClr val="bg1"/>
+                      </a:solidFill>
+                      <a:latin typeface="Times New Roman" panose="02020603050405020304" pitchFamily="18" charset="0"/>
+                      <a:cs typeface="Times New Roman" panose="02020603050405020304" pitchFamily="18" charset="0"/>
+                    </a:endParaRPr>
+                  </a:p>
+                </p:txBody>
+              </p:sp>
+              <p:sp>
+                <p:nvSpPr>
+                  <p:cNvPr id="45" name="TextBox 44">
+                    <a:extLst>
+                      <a:ext uri="{FF2B5EF4-FFF2-40B4-BE49-F238E27FC236}">
+                        <a16:creationId xmlns:a16="http://schemas.microsoft.com/office/drawing/2014/main" id="{85181DDE-D00D-5698-D390-02B883686220}"/>
+                      </a:ext>
+                    </a:extLst>
+                  </p:cNvPr>
+                  <p:cNvSpPr txBox="1"/>
+                  <p:nvPr/>
+                </p:nvSpPr>
+                <p:spPr>
+                  <a:xfrm>
+                    <a:off x="5219426" y="4237059"/>
+                    <a:ext cx="1981378" cy="369332"/>
+                  </a:xfrm>
+                  <a:prstGeom prst="rect">
+                    <a:avLst/>
+                  </a:prstGeom>
+                  <a:solidFill>
+                    <a:schemeClr val="accent1">
+                      <a:lumMod val="40000"/>
+                      <a:lumOff val="60000"/>
+                    </a:schemeClr>
+                  </a:solidFill>
+                </p:spPr>
+                <p:txBody>
+                  <a:bodyPr wrap="square" rtlCol="0">
+                    <a:spAutoFit/>
+                  </a:bodyPr>
+                  <a:lstStyle/>
+                  <a:p>
+                    <a:pPr algn="ctr"/>
+                    <a:r>
+                      <a:rPr lang="en-US" dirty="0" err="1">
+                        <a:latin typeface="Times New Roman" panose="02020603050405020304" pitchFamily="18" charset="0"/>
+                        <a:cs typeface="Times New Roman" panose="02020603050405020304" pitchFamily="18" charset="0"/>
+                      </a:rPr>
+                      <a:t>Cermin</a:t>
+                    </a:r>
+                    <a:r>
+                      <a:rPr lang="en-US" dirty="0">
+                        <a:latin typeface="Times New Roman" panose="02020603050405020304" pitchFamily="18" charset="0"/>
+                        <a:cs typeface="Times New Roman" panose="02020603050405020304" pitchFamily="18" charset="0"/>
+                      </a:rPr>
+                      <a:t> Datar</a:t>
+                    </a:r>
+                    <a:endParaRPr lang="en-ID" dirty="0">
+                      <a:latin typeface="Times New Roman" panose="02020603050405020304" pitchFamily="18" charset="0"/>
+                      <a:cs typeface="Times New Roman" panose="02020603050405020304" pitchFamily="18" charset="0"/>
+                    </a:endParaRPr>
+                  </a:p>
+                </p:txBody>
+              </p:sp>
+              <p:cxnSp>
+                <p:nvCxnSpPr>
+                  <p:cNvPr id="54" name="Straight Connector 53">
+                    <a:extLst>
+                      <a:ext uri="{FF2B5EF4-FFF2-40B4-BE49-F238E27FC236}">
+                        <a16:creationId xmlns:a16="http://schemas.microsoft.com/office/drawing/2014/main" id="{24B0F1C7-D08A-4342-BCA1-86151B9F313A}"/>
+                      </a:ext>
+                    </a:extLst>
+                  </p:cNvPr>
+                  <p:cNvCxnSpPr/>
+                  <p:nvPr/>
+                </p:nvCxnSpPr>
+                <p:spPr>
+                  <a:xfrm flipH="1">
+                    <a:off x="4315759" y="2437036"/>
+                    <a:ext cx="1764000" cy="0"/>
+                  </a:xfrm>
+                  <a:prstGeom prst="line">
+                    <a:avLst/>
+                  </a:prstGeom>
+                  <a:ln w="25400">
+                    <a:solidFill>
+                      <a:srgbClr val="00B0F0"/>
+                    </a:solidFill>
+                    <a:prstDash val="dash"/>
+                  </a:ln>
+                </p:spPr>
+                <p:style>
+                  <a:lnRef idx="1">
+                    <a:schemeClr val="accent1"/>
+                  </a:lnRef>
+                  <a:fillRef idx="0">
+                    <a:schemeClr val="accent1"/>
+                  </a:fillRef>
+                  <a:effectRef idx="0">
+                    <a:schemeClr val="accent1"/>
+                  </a:effectRef>
+                  <a:fontRef idx="minor">
+                    <a:schemeClr val="tx1"/>
+                  </a:fontRef>
+                </p:style>
+              </p:cxnSp>
+              <p:sp>
+                <p:nvSpPr>
+                  <p:cNvPr id="55" name="Arc 54">
+                    <a:extLst>
+                      <a:ext uri="{FF2B5EF4-FFF2-40B4-BE49-F238E27FC236}">
+                        <a16:creationId xmlns:a16="http://schemas.microsoft.com/office/drawing/2014/main" id="{62CD0618-DCFF-51E8-4432-7F5DBE79907A}"/>
+                      </a:ext>
+                    </a:extLst>
+                  </p:cNvPr>
+                  <p:cNvSpPr/>
+                  <p:nvPr/>
+                </p:nvSpPr>
+                <p:spPr>
+                  <a:xfrm rot="13638149">
+                    <a:off x="5403850" y="2059183"/>
+                    <a:ext cx="520087" cy="483992"/>
+                  </a:xfrm>
+                  <a:prstGeom prst="arc">
+                    <a:avLst>
+                      <a:gd name="adj1" fmla="val 16650166"/>
+                      <a:gd name="adj2" fmla="val 0"/>
+                    </a:avLst>
+                  </a:prstGeom>
+                  <a:noFill/>
+                  <a:ln w="22225"/>
+                </p:spPr>
+                <p:style>
+                  <a:lnRef idx="1">
+                    <a:schemeClr val="accent1"/>
+                  </a:lnRef>
+                  <a:fillRef idx="0">
+                    <a:schemeClr val="accent1"/>
+                  </a:fillRef>
+                  <a:effectRef idx="0">
+                    <a:schemeClr val="accent1"/>
+                  </a:effectRef>
+                  <a:fontRef idx="minor">
+                    <a:schemeClr val="tx1"/>
+                  </a:fontRef>
+                </p:style>
+                <p:txBody>
+                  <a:bodyPr rtlCol="0" anchor="ctr"/>
+                  <a:lstStyle/>
+                  <a:p>
+                    <a:pPr algn="ctr"/>
+                    <a:endParaRPr lang="en-ID" dirty="0"/>
+                  </a:p>
+                </p:txBody>
+              </p:sp>
+              <mc:AlternateContent xmlns:mc="http://schemas.openxmlformats.org/markup-compatibility/2006" xmlns:a14="http://schemas.microsoft.com/office/drawing/2010/main">
+                <mc:Choice Requires="a14">
+                  <p:sp>
+                    <p:nvSpPr>
+                      <p:cNvPr id="57" name="TextBox 56">
+                        <a:extLst>
+                          <a:ext uri="{FF2B5EF4-FFF2-40B4-BE49-F238E27FC236}">
+                            <a16:creationId xmlns:a16="http://schemas.microsoft.com/office/drawing/2014/main" id="{F21EAC4A-9E0C-D20B-633F-2999472C225F}"/>
+                          </a:ext>
+                        </a:extLst>
+                      </p:cNvPr>
+                      <p:cNvSpPr txBox="1"/>
+                      <p:nvPr/>
+                    </p:nvSpPr>
+                    <p:spPr>
+                      <a:xfrm>
+                        <a:off x="4725200" y="2020662"/>
+                        <a:ext cx="494226" cy="369332"/>
+                      </a:xfrm>
+                      <a:prstGeom prst="rect">
+                        <a:avLst/>
+                      </a:prstGeom>
+                      <a:solidFill>
+                        <a:schemeClr val="accent1"/>
+                      </a:solidFill>
+                    </p:spPr>
+                    <p:txBody>
+                      <a:bodyPr wrap="square" rtlCol="0">
+                        <a:spAutoFit/>
+                      </a:bodyPr>
+                      <a:lstStyle/>
+                      <a:p>
+                        <a:pPr algn="ctr"/>
+                        <a14:m>
+                          <m:oMathPara xmlns:m="http://schemas.openxmlformats.org/officeDocument/2006/math">
+                            <m:oMathParaPr>
+                              <m:jc m:val="center"/>
+                            </m:oMathParaPr>
+                            <m:oMath xmlns:m="http://schemas.openxmlformats.org/officeDocument/2006/math">
+                              <m:r>
+                                <a:rPr lang="en-US" b="0" i="1" dirty="0" smtClean="0">
+                                  <a:latin typeface="Cambria Math" panose="02040503050406030204" pitchFamily="18" charset="0"/>
+                                  <a:cs typeface="Times New Roman" panose="02020603050405020304" pitchFamily="18" charset="0"/>
+                                </a:rPr>
+                                <m:t>𝜃</m:t>
+                              </m:r>
+                            </m:oMath>
+                          </m:oMathPara>
+                        </a14:m>
+                        <a:endParaRPr lang="en-ID" dirty="0">
+                          <a:latin typeface="Times New Roman" panose="02020603050405020304" pitchFamily="18" charset="0"/>
+                          <a:cs typeface="Times New Roman" panose="02020603050405020304" pitchFamily="18" charset="0"/>
+                        </a:endParaRPr>
+                      </a:p>
+                    </p:txBody>
+                  </p:sp>
+                </mc:Choice>
+                <mc:Fallback xmlns="">
+                  <p:sp>
+                    <p:nvSpPr>
+                      <p:cNvPr id="57" name="TextBox 56">
+                        <a:extLst>
+                          <a:ext uri="{FF2B5EF4-FFF2-40B4-BE49-F238E27FC236}">
+                            <a16:creationId xmlns:a16="http://schemas.microsoft.com/office/drawing/2014/main" id="{F21EAC4A-9E0C-D20B-633F-2999472C225F}"/>
+                          </a:ext>
+                        </a:extLst>
+                      </p:cNvPr>
+                      <p:cNvSpPr txBox="1">
+                        <a:spLocks noRot="1" noChangeAspect="1" noMove="1" noResize="1" noEditPoints="1" noAdjustHandles="1" noChangeArrowheads="1" noChangeShapeType="1" noTextEdit="1"/>
+                      </p:cNvSpPr>
+                      <p:nvPr/>
+                    </p:nvSpPr>
+                    <p:spPr>
+                      <a:xfrm>
+                        <a:off x="4725200" y="2020662"/>
+                        <a:ext cx="494226" cy="369332"/>
+                      </a:xfrm>
+                      <a:prstGeom prst="rect">
+                        <a:avLst/>
+                      </a:prstGeom>
+                      <a:blipFill>
+                        <a:blip r:embed="rId3"/>
+                        <a:stretch>
+                          <a:fillRect/>
+                        </a:stretch>
+                      </a:blipFill>
+                    </p:spPr>
+                    <p:txBody>
+                      <a:bodyPr/>
+                      <a:lstStyle/>
+                      <a:p>
+                        <a:r>
+                          <a:rPr lang="en-ID">
+                            <a:noFill/>
+                          </a:rPr>
+                          <a:t> </a:t>
+                        </a:r>
+                      </a:p>
+                    </p:txBody>
+                  </p:sp>
+                </mc:Fallback>
+              </mc:AlternateContent>
+              <mc:AlternateContent xmlns:mc="http://schemas.openxmlformats.org/markup-compatibility/2006" xmlns:a14="http://schemas.microsoft.com/office/drawing/2010/main">
+                <mc:Choice Requires="a14">
+                  <p:sp>
+                    <p:nvSpPr>
+                      <p:cNvPr id="61" name="TextBox 60">
+                        <a:extLst>
+                          <a:ext uri="{FF2B5EF4-FFF2-40B4-BE49-F238E27FC236}">
+                            <a16:creationId xmlns:a16="http://schemas.microsoft.com/office/drawing/2014/main" id="{E5D37149-7A45-4CA4-7232-47BF0A78A761}"/>
+                          </a:ext>
+                        </a:extLst>
+                      </p:cNvPr>
+                      <p:cNvSpPr txBox="1"/>
+                      <p:nvPr/>
+                    </p:nvSpPr>
+                    <p:spPr>
+                      <a:xfrm>
+                        <a:off x="4726503" y="2480410"/>
+                        <a:ext cx="494226" cy="369332"/>
+                      </a:xfrm>
+                      <a:prstGeom prst="rect">
+                        <a:avLst/>
+                      </a:prstGeom>
+                      <a:solidFill>
+                        <a:schemeClr val="accent1"/>
+                      </a:solidFill>
+                    </p:spPr>
+                    <p:txBody>
+                      <a:bodyPr wrap="square" rtlCol="0">
+                        <a:spAutoFit/>
+                      </a:bodyPr>
+                      <a:lstStyle/>
+                      <a:p>
+                        <a:pPr algn="ctr"/>
+                        <a14:m>
+                          <m:oMathPara xmlns:m="http://schemas.openxmlformats.org/officeDocument/2006/math">
+                            <m:oMathParaPr>
+                              <m:jc m:val="center"/>
+                            </m:oMathParaPr>
+                            <m:oMath xmlns:m="http://schemas.openxmlformats.org/officeDocument/2006/math">
+                              <m:r>
+                                <a:rPr lang="en-US" b="0" i="1" dirty="0" smtClean="0">
+                                  <a:latin typeface="Cambria Math" panose="02040503050406030204" pitchFamily="18" charset="0"/>
+                                  <a:cs typeface="Times New Roman" panose="02020603050405020304" pitchFamily="18" charset="0"/>
+                                </a:rPr>
+                                <m:t>𝜃</m:t>
+                              </m:r>
+                            </m:oMath>
+                          </m:oMathPara>
+                        </a14:m>
+                        <a:endParaRPr lang="en-ID" dirty="0">
+                          <a:latin typeface="Times New Roman" panose="02020603050405020304" pitchFamily="18" charset="0"/>
+                          <a:cs typeface="Times New Roman" panose="02020603050405020304" pitchFamily="18" charset="0"/>
+                        </a:endParaRPr>
+                      </a:p>
+                    </p:txBody>
+                  </p:sp>
+                </mc:Choice>
+                <mc:Fallback xmlns="">
+                  <p:sp>
+                    <p:nvSpPr>
+                      <p:cNvPr id="61" name="TextBox 60">
+                        <a:extLst>
+                          <a:ext uri="{FF2B5EF4-FFF2-40B4-BE49-F238E27FC236}">
+                            <a16:creationId xmlns:a16="http://schemas.microsoft.com/office/drawing/2014/main" id="{E5D37149-7A45-4CA4-7232-47BF0A78A761}"/>
+                          </a:ext>
+                        </a:extLst>
+                      </p:cNvPr>
+                      <p:cNvSpPr txBox="1">
+                        <a:spLocks noRot="1" noChangeAspect="1" noMove="1" noResize="1" noEditPoints="1" noAdjustHandles="1" noChangeArrowheads="1" noChangeShapeType="1" noTextEdit="1"/>
+                      </p:cNvSpPr>
+                      <p:nvPr/>
+                    </p:nvSpPr>
+                    <p:spPr>
+                      <a:xfrm>
+                        <a:off x="4726503" y="2480410"/>
+                        <a:ext cx="494226" cy="369332"/>
+                      </a:xfrm>
+                      <a:prstGeom prst="rect">
+                        <a:avLst/>
+                      </a:prstGeom>
+                      <a:blipFill>
+                        <a:blip r:embed="rId4"/>
+                        <a:stretch>
+                          <a:fillRect/>
+                        </a:stretch>
+                      </a:blipFill>
+                    </p:spPr>
+                    <p:txBody>
+                      <a:bodyPr/>
+                      <a:lstStyle/>
+                      <a:p>
+                        <a:r>
+                          <a:rPr lang="en-ID">
+                            <a:noFill/>
+                          </a:rPr>
+                          <a:t> </a:t>
+                        </a:r>
+                      </a:p>
+                    </p:txBody>
+                  </p:sp>
+                </mc:Fallback>
+              </mc:AlternateContent>
+            </p:grpSp>
+          </p:grpSp>
+          <p:sp>
+            <p:nvSpPr>
+              <p:cNvPr id="62" name="TextBox 61">
+                <a:extLst>
+                  <a:ext uri="{FF2B5EF4-FFF2-40B4-BE49-F238E27FC236}">
+                    <a16:creationId xmlns:a16="http://schemas.microsoft.com/office/drawing/2014/main" id="{A2D7B1AD-289F-32E5-6CB0-AF7F4603D70F}"/>
+                  </a:ext>
+                </a:extLst>
+              </p:cNvPr>
+              <p:cNvSpPr txBox="1"/>
+              <p:nvPr/>
+            </p:nvSpPr>
+            <p:spPr>
+              <a:xfrm>
+                <a:off x="4523236" y="3351718"/>
+                <a:ext cx="1351405" cy="369332"/>
+              </a:xfrm>
+              <a:prstGeom prst="rect">
+                <a:avLst/>
+              </a:prstGeom>
+              <a:solidFill>
+                <a:srgbClr val="FF0000"/>
+              </a:solidFill>
+            </p:spPr>
+            <p:txBody>
+              <a:bodyPr wrap="square" rtlCol="0">
+                <a:spAutoFit/>
+              </a:bodyPr>
+              <a:lstStyle/>
+              <a:p>
+                <a:pPr algn="ctr"/>
+                <a:r>
+                  <a:rPr lang="en-US" dirty="0" err="1">
+                    <a:latin typeface="Times New Roman" panose="02020603050405020304" pitchFamily="18" charset="0"/>
+                    <a:cs typeface="Times New Roman" panose="02020603050405020304" pitchFamily="18" charset="0"/>
+                  </a:rPr>
+                  <a:t>Sinar</a:t>
+                </a:r>
+                <a:r>
+                  <a:rPr lang="en-US" dirty="0">
+                    <a:latin typeface="Times New Roman" panose="02020603050405020304" pitchFamily="18" charset="0"/>
+                    <a:cs typeface="Times New Roman" panose="02020603050405020304" pitchFamily="18" charset="0"/>
+                  </a:rPr>
+                  <a:t> </a:t>
+                </a:r>
+                <a:r>
+                  <a:rPr lang="en-US" dirty="0" err="1">
+                    <a:latin typeface="Times New Roman" panose="02020603050405020304" pitchFamily="18" charset="0"/>
+                    <a:cs typeface="Times New Roman" panose="02020603050405020304" pitchFamily="18" charset="0"/>
+                  </a:rPr>
+                  <a:t>datang</a:t>
+                </a:r>
+                <a:endParaRPr lang="en-ID" dirty="0">
+                  <a:latin typeface="Times New Roman" panose="02020603050405020304" pitchFamily="18" charset="0"/>
+                  <a:cs typeface="Times New Roman" panose="02020603050405020304" pitchFamily="18" charset="0"/>
+                </a:endParaRPr>
+              </a:p>
+            </p:txBody>
+          </p:sp>
+          <p:sp>
+            <p:nvSpPr>
+              <p:cNvPr id="63" name="TextBox 62">
+                <a:extLst>
+                  <a:ext uri="{FF2B5EF4-FFF2-40B4-BE49-F238E27FC236}">
+                    <a16:creationId xmlns:a16="http://schemas.microsoft.com/office/drawing/2014/main" id="{C8B60C55-03C3-912E-3B54-720C8DA43521}"/>
+                  </a:ext>
+                </a:extLst>
+              </p:cNvPr>
+              <p:cNvSpPr txBox="1"/>
+              <p:nvPr/>
+            </p:nvSpPr>
+            <p:spPr>
+              <a:xfrm>
+                <a:off x="4597112" y="1060167"/>
+                <a:ext cx="1351405" cy="369332"/>
+              </a:xfrm>
+              <a:prstGeom prst="rect">
+                <a:avLst/>
+              </a:prstGeom>
+              <a:solidFill>
+                <a:srgbClr val="FF0000"/>
+              </a:solidFill>
+            </p:spPr>
+            <p:txBody>
+              <a:bodyPr wrap="square" rtlCol="0">
+                <a:spAutoFit/>
+              </a:bodyPr>
+              <a:lstStyle/>
+              <a:p>
+                <a:pPr algn="ctr"/>
+                <a:r>
+                  <a:rPr lang="en-US" dirty="0" err="1">
+                    <a:latin typeface="Times New Roman" panose="02020603050405020304" pitchFamily="18" charset="0"/>
+                    <a:cs typeface="Times New Roman" panose="02020603050405020304" pitchFamily="18" charset="0"/>
+                  </a:rPr>
+                  <a:t>Sinar</a:t>
+                </a:r>
+                <a:r>
+                  <a:rPr lang="en-US" dirty="0">
+                    <a:latin typeface="Times New Roman" panose="02020603050405020304" pitchFamily="18" charset="0"/>
+                    <a:cs typeface="Times New Roman" panose="02020603050405020304" pitchFamily="18" charset="0"/>
+                  </a:rPr>
+                  <a:t> </a:t>
+                </a:r>
+                <a:r>
+                  <a:rPr lang="en-US" dirty="0" err="1">
+                    <a:latin typeface="Times New Roman" panose="02020603050405020304" pitchFamily="18" charset="0"/>
+                    <a:cs typeface="Times New Roman" panose="02020603050405020304" pitchFamily="18" charset="0"/>
+                  </a:rPr>
+                  <a:t>pantul</a:t>
+                </a:r>
+                <a:endParaRPr lang="en-ID" dirty="0">
+                  <a:latin typeface="Times New Roman" panose="02020603050405020304" pitchFamily="18" charset="0"/>
+                  <a:cs typeface="Times New Roman" panose="02020603050405020304" pitchFamily="18" charset="0"/>
+                </a:endParaRPr>
+              </a:p>
+            </p:txBody>
+          </p:sp>
+          <p:sp>
+            <p:nvSpPr>
+              <p:cNvPr id="64" name="TextBox 63">
+                <a:extLst>
+                  <a:ext uri="{FF2B5EF4-FFF2-40B4-BE49-F238E27FC236}">
+                    <a16:creationId xmlns:a16="http://schemas.microsoft.com/office/drawing/2014/main" id="{45D9CFC7-3BE6-DA57-86DD-15F260F62BD8}"/>
+                  </a:ext>
+                </a:extLst>
+              </p:cNvPr>
+              <p:cNvSpPr txBox="1"/>
+              <p:nvPr/>
+            </p:nvSpPr>
+            <p:spPr>
+              <a:xfrm>
+                <a:off x="2862112" y="1944226"/>
+                <a:ext cx="1351405" cy="923330"/>
+              </a:xfrm>
+              <a:prstGeom prst="rect">
+                <a:avLst/>
+              </a:prstGeom>
+              <a:solidFill>
+                <a:schemeClr val="accent1"/>
+              </a:solidFill>
+            </p:spPr>
+            <p:txBody>
+              <a:bodyPr wrap="square" rtlCol="0">
+                <a:spAutoFit/>
+              </a:bodyPr>
+              <a:lstStyle/>
+              <a:p>
+                <a:pPr algn="ctr"/>
+                <a:r>
+                  <a:rPr lang="en-US" dirty="0" err="1">
+                    <a:solidFill>
+                      <a:schemeClr val="bg1"/>
+                    </a:solidFill>
+                    <a:latin typeface="Times New Roman" panose="02020603050405020304" pitchFamily="18" charset="0"/>
+                    <a:cs typeface="Times New Roman" panose="02020603050405020304" pitchFamily="18" charset="0"/>
+                  </a:rPr>
+                  <a:t>Sudut</a:t>
+                </a:r>
+                <a:r>
+                  <a:rPr lang="en-US" dirty="0">
+                    <a:solidFill>
+                      <a:schemeClr val="bg1"/>
+                    </a:solidFill>
+                    <a:latin typeface="Times New Roman" panose="02020603050405020304" pitchFamily="18" charset="0"/>
+                    <a:cs typeface="Times New Roman" panose="02020603050405020304" pitchFamily="18" charset="0"/>
+                  </a:rPr>
+                  <a:t> </a:t>
+                </a:r>
+                <a:r>
+                  <a:rPr lang="en-US" dirty="0" err="1">
+                    <a:solidFill>
+                      <a:schemeClr val="bg1"/>
+                    </a:solidFill>
+                    <a:latin typeface="Times New Roman" panose="02020603050405020304" pitchFamily="18" charset="0"/>
+                    <a:cs typeface="Times New Roman" panose="02020603050405020304" pitchFamily="18" charset="0"/>
+                  </a:rPr>
+                  <a:t>sinar</a:t>
+                </a:r>
+                <a:r>
+                  <a:rPr lang="en-US" dirty="0">
+                    <a:solidFill>
+                      <a:schemeClr val="bg1"/>
+                    </a:solidFill>
+                    <a:latin typeface="Times New Roman" panose="02020603050405020304" pitchFamily="18" charset="0"/>
+                    <a:cs typeface="Times New Roman" panose="02020603050405020304" pitchFamily="18" charset="0"/>
+                  </a:rPr>
+                  <a:t> </a:t>
+                </a:r>
+                <a:r>
+                  <a:rPr lang="en-US" dirty="0" err="1">
+                    <a:solidFill>
+                      <a:schemeClr val="bg1"/>
+                    </a:solidFill>
+                    <a:latin typeface="Times New Roman" panose="02020603050405020304" pitchFamily="18" charset="0"/>
+                    <a:cs typeface="Times New Roman" panose="02020603050405020304" pitchFamily="18" charset="0"/>
+                  </a:rPr>
+                  <a:t>datang</a:t>
+                </a:r>
+                <a:r>
+                  <a:rPr lang="en-US" dirty="0">
+                    <a:solidFill>
+                      <a:schemeClr val="bg1"/>
+                    </a:solidFill>
+                    <a:latin typeface="Times New Roman" panose="02020603050405020304" pitchFamily="18" charset="0"/>
+                    <a:cs typeface="Times New Roman" panose="02020603050405020304" pitchFamily="18" charset="0"/>
+                  </a:rPr>
+                  <a:t> dan </a:t>
+                </a:r>
+                <a:r>
+                  <a:rPr lang="en-US" dirty="0" err="1">
+                    <a:solidFill>
+                      <a:schemeClr val="bg1"/>
+                    </a:solidFill>
+                    <a:latin typeface="Times New Roman" panose="02020603050405020304" pitchFamily="18" charset="0"/>
+                    <a:cs typeface="Times New Roman" panose="02020603050405020304" pitchFamily="18" charset="0"/>
+                  </a:rPr>
+                  <a:t>pantul</a:t>
+                </a:r>
+                <a:endParaRPr lang="en-ID" dirty="0">
+                  <a:solidFill>
+                    <a:schemeClr val="bg1"/>
+                  </a:solidFill>
+                  <a:latin typeface="Times New Roman" panose="02020603050405020304" pitchFamily="18" charset="0"/>
+                  <a:cs typeface="Times New Roman" panose="02020603050405020304" pitchFamily="18" charset="0"/>
+                </a:endParaRPr>
+              </a:p>
+            </p:txBody>
+          </p:sp>
+        </p:grpSp>
+        <p:grpSp>
+          <p:nvGrpSpPr>
+            <p:cNvPr id="66" name="Group 65">
+              <a:extLst>
+                <a:ext uri="{FF2B5EF4-FFF2-40B4-BE49-F238E27FC236}">
+                  <a16:creationId xmlns:a16="http://schemas.microsoft.com/office/drawing/2014/main" id="{04F2DDE1-3FB1-2D0B-3EBC-1E8F4294EBFE}"/>
+                </a:ext>
+              </a:extLst>
+            </p:cNvPr>
+            <p:cNvGrpSpPr/>
+            <p:nvPr/>
+          </p:nvGrpSpPr>
+          <p:grpSpPr>
+            <a:xfrm>
+              <a:off x="3201383" y="910384"/>
+              <a:ext cx="1111250" cy="960516"/>
+              <a:chOff x="2813050" y="1040567"/>
+              <a:chExt cx="1111250" cy="960516"/>
+            </a:xfrm>
+          </p:grpSpPr>
+          <p:sp>
+            <p:nvSpPr>
+              <p:cNvPr id="67" name="Oval 66">
+                <a:extLst>
+                  <a:ext uri="{FF2B5EF4-FFF2-40B4-BE49-F238E27FC236}">
+                    <a16:creationId xmlns:a16="http://schemas.microsoft.com/office/drawing/2014/main" id="{A11275AD-97D2-653A-EC4E-2BDC75DCE20A}"/>
+                  </a:ext>
+                </a:extLst>
+              </p:cNvPr>
+              <p:cNvSpPr/>
+              <p:nvPr/>
+            </p:nvSpPr>
+            <p:spPr>
+              <a:xfrm>
+                <a:off x="2813050" y="1066800"/>
+                <a:ext cx="1111250" cy="908050"/>
+              </a:xfrm>
+              <a:prstGeom prst="ellipse">
+                <a:avLst/>
+              </a:prstGeom>
+              <a:solidFill>
+                <a:schemeClr val="bg1"/>
+              </a:solidFill>
+              <a:ln>
+                <a:solidFill>
+                  <a:schemeClr val="tx2"/>
+                </a:solidFill>
+              </a:ln>
+            </p:spPr>
+            <p:style>
+              <a:lnRef idx="2">
+                <a:schemeClr val="accent1">
+                  <a:shade val="15000"/>
+                </a:schemeClr>
+              </a:lnRef>
+              <a:fillRef idx="1">
+                <a:schemeClr val="accent1"/>
+              </a:fillRef>
+              <a:effectRef idx="0">
+                <a:schemeClr val="accent1"/>
+              </a:effectRef>
+              <a:fontRef idx="minor">
+                <a:schemeClr val="lt1"/>
+              </a:fontRef>
+            </p:style>
+            <p:txBody>
+              <a:bodyPr rtlCol="0" anchor="ctr"/>
+              <a:lstStyle/>
+              <a:p>
+                <a:pPr algn="ctr"/>
+                <a:endParaRPr lang="en-ID"/>
+              </a:p>
+            </p:txBody>
+          </p:sp>
+          <p:pic>
+            <p:nvPicPr>
+              <p:cNvPr id="68" name="Picture 67">
+                <a:extLst>
+                  <a:ext uri="{FF2B5EF4-FFF2-40B4-BE49-F238E27FC236}">
+                    <a16:creationId xmlns:a16="http://schemas.microsoft.com/office/drawing/2014/main" id="{A4F2148E-893F-FCDF-430B-4FC670468E4A}"/>
+                  </a:ext>
+                </a:extLst>
+              </p:cNvPr>
+              <p:cNvPicPr>
+                <a:picLocks noChangeAspect="1"/>
+              </p:cNvPicPr>
+              <p:nvPr/>
+            </p:nvPicPr>
+            <p:blipFill>
+              <a:blip r:embed="rId5">
+                <a:extLst>
+                  <a:ext uri="{28A0092B-C50C-407E-A947-70E740481C1C}">
+                    <a14:useLocalDpi xmlns:a14="http://schemas.microsoft.com/office/drawing/2010/main" val="0"/>
+                  </a:ext>
+                </a:extLst>
+              </a:blip>
+              <a:stretch>
+                <a:fillRect/>
+              </a:stretch>
+            </p:blipFill>
+            <p:spPr>
+              <a:xfrm>
+                <a:off x="2883052" y="1040567"/>
+                <a:ext cx="960516" cy="960516"/>
+              </a:xfrm>
+              <a:prstGeom prst="rect">
+                <a:avLst/>
+              </a:prstGeom>
+            </p:spPr>
+          </p:pic>
+        </p:grpSp>
+      </p:grpSp>
+    </p:spTree>
+    <p:extLst>
+      <p:ext uri="{BB962C8B-B14F-4D97-AF65-F5344CB8AC3E}">
+        <p14:creationId xmlns:p14="http://schemas.microsoft.com/office/powerpoint/2010/main" val="3890821318"/>
+      </p:ext>
+    </p:extLst>
+  </p:cSld>
+  <p:clrMapOvr>
+    <a:masterClrMapping/>
+  </p:clrMapOvr>
+</p:sld>
+</file>
+
+<file path=ppt/slides/slide11.xml><?xml version="1.0" encoding="utf-8"?>
+<p:sld xmlns:a="http://schemas.openxmlformats.org/drawingml/2006/main" xmlns:r="http://schemas.openxmlformats.org/officeDocument/2006/relationships" xmlns:p="http://schemas.openxmlformats.org/presentationml/2006/main">
+  <p:cSld>
+    <p:spTree>
+      <p:nvGrpSpPr>
+        <p:cNvPr id="1" name=""/>
+        <p:cNvGrpSpPr/>
+        <p:nvPr/>
+      </p:nvGrpSpPr>
+      <p:grpSpPr>
+        <a:xfrm>
+          <a:off x="0" y="0"/>
+          <a:ext cx="0" cy="0"/>
+          <a:chOff x="0" y="0"/>
+          <a:chExt cx="0" cy="0"/>
+        </a:xfrm>
+      </p:grpSpPr>
+      <p:grpSp>
+        <p:nvGrpSpPr>
+          <p:cNvPr id="51" name="Group 50">
+            <a:extLst>
+              <a:ext uri="{FF2B5EF4-FFF2-40B4-BE49-F238E27FC236}">
+                <a16:creationId xmlns:a16="http://schemas.microsoft.com/office/drawing/2014/main" id="{4AE13938-8F5B-6675-7D9A-74C6DD17C5D3}"/>
+              </a:ext>
+            </a:extLst>
+          </p:cNvPr>
+          <p:cNvGrpSpPr/>
+          <p:nvPr/>
+        </p:nvGrpSpPr>
+        <p:grpSpPr>
+          <a:xfrm>
+            <a:off x="2345095" y="928685"/>
+            <a:ext cx="7501810" cy="4541328"/>
+            <a:chOff x="2345095" y="928685"/>
+            <a:chExt cx="7501810" cy="4541328"/>
+          </a:xfrm>
+        </p:grpSpPr>
+        <p:grpSp>
+          <p:nvGrpSpPr>
+            <p:cNvPr id="46" name="Group 45">
+              <a:extLst>
+                <a:ext uri="{FF2B5EF4-FFF2-40B4-BE49-F238E27FC236}">
+                  <a16:creationId xmlns:a16="http://schemas.microsoft.com/office/drawing/2014/main" id="{7FDA977D-71A6-E24A-8430-2BA17A68FC14}"/>
+                </a:ext>
+              </a:extLst>
+            </p:cNvPr>
+            <p:cNvGrpSpPr/>
+            <p:nvPr/>
+          </p:nvGrpSpPr>
+          <p:grpSpPr>
+            <a:xfrm>
+              <a:off x="2345095" y="1476925"/>
+              <a:ext cx="7501810" cy="3993088"/>
+              <a:chOff x="2345095" y="1476925"/>
+              <a:chExt cx="7501810" cy="3993088"/>
+            </a:xfrm>
+          </p:grpSpPr>
+          <p:grpSp>
+            <p:nvGrpSpPr>
+              <p:cNvPr id="8" name="Group 7">
+                <a:extLst>
+                  <a:ext uri="{FF2B5EF4-FFF2-40B4-BE49-F238E27FC236}">
+                    <a16:creationId xmlns:a16="http://schemas.microsoft.com/office/drawing/2014/main" id="{EC5B5CDB-2C4D-7B07-099B-08B5358A42E5}"/>
+                  </a:ext>
+                </a:extLst>
+              </p:cNvPr>
+              <p:cNvGrpSpPr/>
+              <p:nvPr/>
+            </p:nvGrpSpPr>
+            <p:grpSpPr>
+              <a:xfrm>
+                <a:off x="2345095" y="1476925"/>
+                <a:ext cx="7501810" cy="3993088"/>
+                <a:chOff x="2345095" y="1476925"/>
+                <a:chExt cx="7501810" cy="3993088"/>
+              </a:xfrm>
+            </p:grpSpPr>
+            <p:sp>
+              <p:nvSpPr>
+                <p:cNvPr id="9" name="Rectangle 8">
+                  <a:extLst>
+                    <a:ext uri="{FF2B5EF4-FFF2-40B4-BE49-F238E27FC236}">
+                      <a16:creationId xmlns:a16="http://schemas.microsoft.com/office/drawing/2014/main" id="{28580B71-649E-5AFC-5089-C3B875DF0BA1}"/>
+                    </a:ext>
+                  </a:extLst>
+                </p:cNvPr>
+                <p:cNvSpPr/>
+                <p:nvPr/>
+              </p:nvSpPr>
+              <p:spPr>
+                <a:xfrm>
+                  <a:off x="2345095" y="4699818"/>
+                  <a:ext cx="7501810" cy="400817"/>
+                </a:xfrm>
+                <a:prstGeom prst="rect">
+                  <a:avLst/>
+                </a:prstGeom>
+                <a:solidFill>
+                  <a:schemeClr val="accent2">
+                    <a:lumMod val="60000"/>
+                    <a:lumOff val="40000"/>
+                  </a:schemeClr>
+                </a:solidFill>
+              </p:spPr>
+              <p:style>
+                <a:lnRef idx="2">
+                  <a:schemeClr val="accent1">
+                    <a:shade val="15000"/>
+                  </a:schemeClr>
+                </a:lnRef>
+                <a:fillRef idx="1">
+                  <a:schemeClr val="accent1"/>
+                </a:fillRef>
+                <a:effectRef idx="0">
+                  <a:schemeClr val="accent1"/>
+                </a:effectRef>
+                <a:fontRef idx="minor">
+                  <a:schemeClr val="lt1"/>
+                </a:fontRef>
+              </p:style>
+              <p:txBody>
+                <a:bodyPr rtlCol="0" anchor="ctr"/>
+                <a:lstStyle/>
+                <a:p>
+                  <a:pPr algn="ctr"/>
+                  <a:endParaRPr lang="en-ID"/>
+                </a:p>
+              </p:txBody>
+            </p:sp>
+            <p:pic>
+              <p:nvPicPr>
+                <p:cNvPr id="10" name="Picture 9">
+                  <a:extLst>
+                    <a:ext uri="{FF2B5EF4-FFF2-40B4-BE49-F238E27FC236}">
+                      <a16:creationId xmlns:a16="http://schemas.microsoft.com/office/drawing/2014/main" id="{9C696215-A09D-4663-7DE2-07A2F9171985}"/>
+                    </a:ext>
+                  </a:extLst>
+                </p:cNvPr>
+                <p:cNvPicPr>
+                  <a:picLocks noChangeAspect="1"/>
+                </p:cNvPicPr>
+                <p:nvPr/>
+              </p:nvPicPr>
+              <p:blipFill rotWithShape="1">
+                <a:blip r:embed="rId2">
+                  <a:extLst>
+                    <a:ext uri="{28A0092B-C50C-407E-A947-70E740481C1C}">
+                      <a14:useLocalDpi xmlns:a14="http://schemas.microsoft.com/office/drawing/2010/main" val="0"/>
+                    </a:ext>
+                  </a:extLst>
+                </a:blip>
+                <a:srcRect l="25333" t="21466" r="51467" b="3466"/>
+                <a:stretch/>
+              </p:blipFill>
+              <p:spPr bwMode="auto">
+                <a:xfrm>
+                  <a:off x="3783413" y="3081866"/>
+                  <a:ext cx="623918" cy="2018769"/>
+                </a:xfrm>
+                <a:prstGeom prst="rect">
+                  <a:avLst/>
+                </a:prstGeom>
+                <a:ln>
+                  <a:noFill/>
+                </a:ln>
+                <a:extLst>
+                  <a:ext uri="{53640926-AAD7-44D8-BBD7-CCE9431645EC}">
+                    <a14:shadowObscured xmlns:a14="http://schemas.microsoft.com/office/drawing/2010/main"/>
+                  </a:ext>
+                </a:extLst>
+              </p:spPr>
+            </p:pic>
+            <p:pic>
+              <p:nvPicPr>
+                <p:cNvPr id="11" name="Picture 10">
+                  <a:extLst>
+                    <a:ext uri="{FF2B5EF4-FFF2-40B4-BE49-F238E27FC236}">
+                      <a16:creationId xmlns:a16="http://schemas.microsoft.com/office/drawing/2014/main" id="{87DA5B5F-6A52-1FC1-F845-FA510A530E6C}"/>
+                    </a:ext>
+                  </a:extLst>
+                </p:cNvPr>
+                <p:cNvPicPr>
+                  <a:picLocks noChangeAspect="1"/>
+                </p:cNvPicPr>
+                <p:nvPr/>
+              </p:nvPicPr>
+              <p:blipFill rotWithShape="1">
+                <a:blip r:embed="rId2">
+                  <a:extLst>
+                    <a:ext uri="{28A0092B-C50C-407E-A947-70E740481C1C}">
+                      <a14:useLocalDpi xmlns:a14="http://schemas.microsoft.com/office/drawing/2010/main" val="0"/>
+                    </a:ext>
+                  </a:extLst>
+                </a:blip>
+                <a:srcRect l="53200" t="24266" r="26533" b="10400"/>
+                <a:stretch/>
+              </p:blipFill>
+              <p:spPr bwMode="auto">
+                <a:xfrm>
+                  <a:off x="7735509" y="3139808"/>
+                  <a:ext cx="590282" cy="1902883"/>
+                </a:xfrm>
+                <a:prstGeom prst="rect">
+                  <a:avLst/>
+                </a:prstGeom>
+                <a:ln>
+                  <a:noFill/>
+                </a:ln>
+                <a:extLst>
+                  <a:ext uri="{53640926-AAD7-44D8-BBD7-CCE9431645EC}">
+                    <a14:shadowObscured xmlns:a14="http://schemas.microsoft.com/office/drawing/2010/main"/>
+                  </a:ext>
+                </a:extLst>
+              </p:spPr>
+            </p:pic>
+            <p:sp>
+              <p:nvSpPr>
+                <p:cNvPr id="12" name="Cube 11">
+                  <a:extLst>
+                    <a:ext uri="{FF2B5EF4-FFF2-40B4-BE49-F238E27FC236}">
+                      <a16:creationId xmlns:a16="http://schemas.microsoft.com/office/drawing/2014/main" id="{C8AD58E8-26E5-397D-AB41-D88D846253C8}"/>
+                    </a:ext>
+                  </a:extLst>
+                </p:cNvPr>
+                <p:cNvSpPr/>
+                <p:nvPr/>
+              </p:nvSpPr>
+              <p:spPr>
+                <a:xfrm flipH="1">
+                  <a:off x="5948517" y="1632155"/>
+                  <a:ext cx="245806" cy="3352595"/>
+                </a:xfrm>
+                <a:prstGeom prst="cube">
+                  <a:avLst>
+                    <a:gd name="adj" fmla="val 80172"/>
+                  </a:avLst>
+                </a:prstGeom>
+                <a:solidFill>
+                  <a:schemeClr val="accent1">
+                    <a:lumMod val="40000"/>
+                    <a:lumOff val="60000"/>
+                  </a:schemeClr>
+                </a:solidFill>
+              </p:spPr>
+              <p:style>
+                <a:lnRef idx="2">
+                  <a:schemeClr val="accent1">
+                    <a:shade val="15000"/>
+                  </a:schemeClr>
+                </a:lnRef>
+                <a:fillRef idx="1">
+                  <a:schemeClr val="accent1"/>
+                </a:fillRef>
+                <a:effectRef idx="0">
+                  <a:schemeClr val="accent1"/>
+                </a:effectRef>
+                <a:fontRef idx="minor">
+                  <a:schemeClr val="lt1"/>
+                </a:fontRef>
+              </p:style>
+              <p:txBody>
+                <a:bodyPr rtlCol="0" anchor="ctr"/>
+                <a:lstStyle/>
+                <a:p>
+                  <a:pPr algn="ctr"/>
+                  <a:endParaRPr lang="en-ID"/>
+                </a:p>
+              </p:txBody>
+            </p:sp>
+            <p:grpSp>
+              <p:nvGrpSpPr>
+                <p:cNvPr id="13" name="Group 12">
+                  <a:extLst>
+                    <a:ext uri="{FF2B5EF4-FFF2-40B4-BE49-F238E27FC236}">
+                      <a16:creationId xmlns:a16="http://schemas.microsoft.com/office/drawing/2014/main" id="{569AED27-8081-1EAF-1FC3-075EFA036FEC}"/>
+                    </a:ext>
+                  </a:extLst>
+                </p:cNvPr>
+                <p:cNvGrpSpPr/>
+                <p:nvPr/>
+              </p:nvGrpSpPr>
+              <p:grpSpPr>
+                <a:xfrm>
+                  <a:off x="4407331" y="1476925"/>
+                  <a:ext cx="1688669" cy="1831527"/>
+                  <a:chOff x="4407331" y="2259724"/>
+                  <a:chExt cx="1688669" cy="1831527"/>
+                </a:xfrm>
+              </p:grpSpPr>
+              <p:grpSp>
+                <p:nvGrpSpPr>
+                  <p:cNvPr id="24" name="Group 23">
+                    <a:extLst>
+                      <a:ext uri="{FF2B5EF4-FFF2-40B4-BE49-F238E27FC236}">
+                        <a16:creationId xmlns:a16="http://schemas.microsoft.com/office/drawing/2014/main" id="{FD032897-1B6C-027D-955B-838EB948FA0B}"/>
+                      </a:ext>
+                    </a:extLst>
+                  </p:cNvPr>
+                  <p:cNvGrpSpPr/>
+                  <p:nvPr/>
+                </p:nvGrpSpPr>
+                <p:grpSpPr>
+                  <a:xfrm>
+                    <a:off x="4407331" y="3216166"/>
+                    <a:ext cx="1688669" cy="875085"/>
+                    <a:chOff x="4407331" y="3216166"/>
+                    <a:chExt cx="1688669" cy="875085"/>
+                  </a:xfrm>
+                </p:grpSpPr>
+                <p:cxnSp>
+                  <p:nvCxnSpPr>
+                    <p:cNvPr id="28" name="Straight Connector 27">
+                      <a:extLst>
+                        <a:ext uri="{FF2B5EF4-FFF2-40B4-BE49-F238E27FC236}">
+                          <a16:creationId xmlns:a16="http://schemas.microsoft.com/office/drawing/2014/main" id="{18609CA4-4654-8E25-1C69-B67BFA005239}"/>
+                        </a:ext>
+                      </a:extLst>
+                    </p:cNvPr>
+                    <p:cNvCxnSpPr>
+                      <a:cxnSpLocks/>
+                      <a:stCxn id="10" idx="3"/>
+                    </p:cNvCxnSpPr>
+                    <p:nvPr/>
+                  </p:nvCxnSpPr>
+                  <p:spPr>
+                    <a:xfrm flipV="1">
+                      <a:off x="4407331" y="3216166"/>
+                      <a:ext cx="1688669" cy="875085"/>
+                    </a:xfrm>
+                    <a:prstGeom prst="line">
+                      <a:avLst/>
+                    </a:prstGeom>
+                    <a:ln w="34925">
+                      <a:solidFill>
+                        <a:srgbClr val="FF0000"/>
+                      </a:solidFill>
+                    </a:ln>
+                  </p:spPr>
+                  <p:style>
+                    <a:lnRef idx="1">
+                      <a:schemeClr val="accent1"/>
+                    </a:lnRef>
+                    <a:fillRef idx="0">
+                      <a:schemeClr val="accent1"/>
+                    </a:fillRef>
+                    <a:effectRef idx="0">
+                      <a:schemeClr val="accent1"/>
+                    </a:effectRef>
+                    <a:fontRef idx="minor">
+                      <a:schemeClr val="tx1"/>
+                    </a:fontRef>
+                  </p:style>
+                </p:cxnSp>
+                <p:cxnSp>
+                  <p:nvCxnSpPr>
+                    <p:cNvPr id="29" name="Straight Arrow Connector 28">
+                      <a:extLst>
+                        <a:ext uri="{FF2B5EF4-FFF2-40B4-BE49-F238E27FC236}">
+                          <a16:creationId xmlns:a16="http://schemas.microsoft.com/office/drawing/2014/main" id="{3E3E7490-F566-44F4-CDBA-FBE54673546D}"/>
+                        </a:ext>
+                      </a:extLst>
+                    </p:cNvPr>
+                    <p:cNvCxnSpPr>
+                      <a:stCxn id="10" idx="3"/>
+                    </p:cNvCxnSpPr>
+                    <p:nvPr/>
+                  </p:nvCxnSpPr>
+                  <p:spPr>
+                    <a:xfrm flipV="1">
+                      <a:off x="4407331" y="3653708"/>
+                      <a:ext cx="844334" cy="437543"/>
+                    </a:xfrm>
+                    <a:prstGeom prst="straightConnector1">
+                      <a:avLst/>
+                    </a:prstGeom>
+                    <a:ln w="31750">
+                      <a:solidFill>
+                        <a:srgbClr val="FF0000"/>
+                      </a:solidFill>
+                      <a:tailEnd type="triangle"/>
+                    </a:ln>
+                  </p:spPr>
+                  <p:style>
+                    <a:lnRef idx="1">
+                      <a:schemeClr val="accent1"/>
+                    </a:lnRef>
+                    <a:fillRef idx="0">
+                      <a:schemeClr val="accent1"/>
+                    </a:fillRef>
+                    <a:effectRef idx="0">
+                      <a:schemeClr val="accent1"/>
+                    </a:effectRef>
+                    <a:fontRef idx="minor">
+                      <a:schemeClr val="tx1"/>
+                    </a:fontRef>
+                  </p:style>
+                </p:cxnSp>
+                <p:cxnSp>
+                  <p:nvCxnSpPr>
+                    <p:cNvPr id="31" name="Straight Arrow Connector 30">
+                      <a:extLst>
+                        <a:ext uri="{FF2B5EF4-FFF2-40B4-BE49-F238E27FC236}">
+                          <a16:creationId xmlns:a16="http://schemas.microsoft.com/office/drawing/2014/main" id="{932E3EE3-692E-E5FD-5143-2EE8D7A7AC03}"/>
+                        </a:ext>
+                      </a:extLst>
+                    </p:cNvPr>
+                    <p:cNvCxnSpPr>
+                      <a:cxnSpLocks/>
+                    </p:cNvCxnSpPr>
+                    <p:nvPr/>
+                  </p:nvCxnSpPr>
+                  <p:spPr>
+                    <a:xfrm flipV="1">
+                      <a:off x="4427403" y="3756135"/>
+                      <a:ext cx="851531" cy="335116"/>
+                    </a:xfrm>
+                    <a:prstGeom prst="straightConnector1">
+                      <a:avLst/>
+                    </a:prstGeom>
+                    <a:ln w="31750">
+                      <a:solidFill>
+                        <a:srgbClr val="FF0000"/>
+                      </a:solidFill>
+                      <a:tailEnd type="triangle"/>
+                    </a:ln>
+                  </p:spPr>
+                  <p:style>
+                    <a:lnRef idx="1">
+                      <a:schemeClr val="accent1"/>
+                    </a:lnRef>
+                    <a:fillRef idx="0">
+                      <a:schemeClr val="accent1"/>
+                    </a:fillRef>
+                    <a:effectRef idx="0">
+                      <a:schemeClr val="accent1"/>
+                    </a:effectRef>
+                    <a:fontRef idx="minor">
+                      <a:schemeClr val="tx1"/>
+                    </a:fontRef>
+                  </p:style>
+                </p:cxnSp>
+                <p:cxnSp>
+                  <p:nvCxnSpPr>
+                    <p:cNvPr id="34" name="Straight Connector 33">
+                      <a:extLst>
+                        <a:ext uri="{FF2B5EF4-FFF2-40B4-BE49-F238E27FC236}">
+                          <a16:creationId xmlns:a16="http://schemas.microsoft.com/office/drawing/2014/main" id="{9E9EA7A2-A6F3-AF85-0EDA-AB17D5FA1B20}"/>
+                        </a:ext>
+                      </a:extLst>
+                    </p:cNvPr>
+                    <p:cNvCxnSpPr>
+                      <a:cxnSpLocks/>
+                    </p:cNvCxnSpPr>
+                    <p:nvPr/>
+                  </p:nvCxnSpPr>
+                  <p:spPr>
+                    <a:xfrm flipV="1">
+                      <a:off x="4418401" y="3421020"/>
+                      <a:ext cx="1669376" cy="670231"/>
+                    </a:xfrm>
+                    <a:prstGeom prst="line">
+                      <a:avLst/>
+                    </a:prstGeom>
+                    <a:ln w="34925">
+                      <a:solidFill>
+                        <a:srgbClr val="FF0000"/>
+                      </a:solidFill>
+                    </a:ln>
+                  </p:spPr>
+                  <p:style>
+                    <a:lnRef idx="1">
+                      <a:schemeClr val="accent1"/>
+                    </a:lnRef>
+                    <a:fillRef idx="0">
+                      <a:schemeClr val="accent1"/>
+                    </a:fillRef>
+                    <a:effectRef idx="0">
+                      <a:schemeClr val="accent1"/>
+                    </a:effectRef>
+                    <a:fontRef idx="minor">
+                      <a:schemeClr val="tx1"/>
+                    </a:fontRef>
+                  </p:style>
+                </p:cxnSp>
+              </p:grpSp>
+              <p:grpSp>
+                <p:nvGrpSpPr>
+                  <p:cNvPr id="25" name="Group 24">
+                    <a:extLst>
+                      <a:ext uri="{FF2B5EF4-FFF2-40B4-BE49-F238E27FC236}">
+                        <a16:creationId xmlns:a16="http://schemas.microsoft.com/office/drawing/2014/main" id="{12402352-5AB4-11B0-6775-EFEDC3650A87}"/>
+                      </a:ext>
+                    </a:extLst>
+                  </p:cNvPr>
+                  <p:cNvGrpSpPr/>
+                  <p:nvPr/>
+                </p:nvGrpSpPr>
+                <p:grpSpPr>
+                  <a:xfrm>
+                    <a:off x="4407331" y="2259724"/>
+                    <a:ext cx="1669376" cy="1161250"/>
+                    <a:chOff x="4407331" y="2259724"/>
+                    <a:chExt cx="1669376" cy="1161250"/>
+                  </a:xfrm>
+                </p:grpSpPr>
+                <p:cxnSp>
+                  <p:nvCxnSpPr>
+                    <p:cNvPr id="26" name="Straight Connector 25">
+                      <a:extLst>
+                        <a:ext uri="{FF2B5EF4-FFF2-40B4-BE49-F238E27FC236}">
+                          <a16:creationId xmlns:a16="http://schemas.microsoft.com/office/drawing/2014/main" id="{E216A927-D0C2-0AC4-28B2-F02DEBD6CCB8}"/>
+                        </a:ext>
+                      </a:extLst>
+                    </p:cNvPr>
+                    <p:cNvCxnSpPr>
+                      <a:cxnSpLocks/>
+                    </p:cNvCxnSpPr>
+                    <p:nvPr/>
+                  </p:nvCxnSpPr>
+                  <p:spPr>
+                    <a:xfrm flipH="1" flipV="1">
+                      <a:off x="4407331" y="2259724"/>
+                      <a:ext cx="1664089" cy="956442"/>
+                    </a:xfrm>
+                    <a:prstGeom prst="line">
+                      <a:avLst/>
+                    </a:prstGeom>
+                    <a:ln w="31750">
+                      <a:solidFill>
+                        <a:srgbClr val="FF0000"/>
+                      </a:solidFill>
+                    </a:ln>
+                  </p:spPr>
+                  <p:style>
+                    <a:lnRef idx="1">
+                      <a:schemeClr val="accent1"/>
+                    </a:lnRef>
+                    <a:fillRef idx="0">
+                      <a:schemeClr val="accent1"/>
+                    </a:fillRef>
+                    <a:effectRef idx="0">
+                      <a:schemeClr val="accent1"/>
+                    </a:effectRef>
+                    <a:fontRef idx="minor">
+                      <a:schemeClr val="tx1"/>
+                    </a:fontRef>
+                  </p:style>
+                </p:cxnSp>
+                <p:cxnSp>
+                  <p:nvCxnSpPr>
+                    <p:cNvPr id="27" name="Straight Arrow Connector 26">
+                      <a:extLst>
+                        <a:ext uri="{FF2B5EF4-FFF2-40B4-BE49-F238E27FC236}">
+                          <a16:creationId xmlns:a16="http://schemas.microsoft.com/office/drawing/2014/main" id="{DD7403D3-48EC-DB63-FCF5-5A19CF42C4C9}"/>
+                        </a:ext>
+                      </a:extLst>
+                    </p:cNvPr>
+                    <p:cNvCxnSpPr/>
+                    <p:nvPr/>
+                  </p:nvCxnSpPr>
+                  <p:spPr>
+                    <a:xfrm flipH="1" flipV="1">
+                      <a:off x="5104183" y="2672000"/>
+                      <a:ext cx="967237" cy="544166"/>
+                    </a:xfrm>
+                    <a:prstGeom prst="straightConnector1">
+                      <a:avLst/>
+                    </a:prstGeom>
+                    <a:ln w="31750">
+                      <a:solidFill>
+                        <a:srgbClr val="FF0000"/>
+                      </a:solidFill>
+                      <a:tailEnd type="triangle"/>
+                    </a:ln>
+                  </p:spPr>
+                  <p:style>
+                    <a:lnRef idx="1">
+                      <a:schemeClr val="accent1"/>
+                    </a:lnRef>
+                    <a:fillRef idx="0">
+                      <a:schemeClr val="accent1"/>
+                    </a:fillRef>
+                    <a:effectRef idx="0">
+                      <a:schemeClr val="accent1"/>
+                    </a:effectRef>
+                    <a:fontRef idx="minor">
+                      <a:schemeClr val="tx1"/>
+                    </a:fontRef>
+                  </p:style>
+                </p:cxnSp>
+                <p:cxnSp>
+                  <p:nvCxnSpPr>
+                    <p:cNvPr id="37" name="Straight Connector 36">
+                      <a:extLst>
+                        <a:ext uri="{FF2B5EF4-FFF2-40B4-BE49-F238E27FC236}">
+                          <a16:creationId xmlns:a16="http://schemas.microsoft.com/office/drawing/2014/main" id="{83479E39-B034-FDBB-B5DB-18F55F502F43}"/>
+                        </a:ext>
+                      </a:extLst>
+                    </p:cNvPr>
+                    <p:cNvCxnSpPr>
+                      <a:cxnSpLocks/>
+                    </p:cNvCxnSpPr>
+                    <p:nvPr/>
+                  </p:nvCxnSpPr>
+                  <p:spPr>
+                    <a:xfrm flipH="1" flipV="1">
+                      <a:off x="4407331" y="2464532"/>
+                      <a:ext cx="1664089" cy="956442"/>
+                    </a:xfrm>
+                    <a:prstGeom prst="line">
+                      <a:avLst/>
+                    </a:prstGeom>
+                    <a:ln w="31750">
+                      <a:solidFill>
+                        <a:srgbClr val="FF0000"/>
+                      </a:solidFill>
+                    </a:ln>
+                  </p:spPr>
+                  <p:style>
+                    <a:lnRef idx="1">
+                      <a:schemeClr val="accent1"/>
+                    </a:lnRef>
+                    <a:fillRef idx="0">
+                      <a:schemeClr val="accent1"/>
+                    </a:fillRef>
+                    <a:effectRef idx="0">
+                      <a:schemeClr val="accent1"/>
+                    </a:effectRef>
+                    <a:fontRef idx="minor">
+                      <a:schemeClr val="tx1"/>
+                    </a:fontRef>
+                  </p:style>
+                </p:cxnSp>
+                <p:cxnSp>
+                  <p:nvCxnSpPr>
+                    <p:cNvPr id="38" name="Straight Arrow Connector 37">
+                      <a:extLst>
+                        <a:ext uri="{FF2B5EF4-FFF2-40B4-BE49-F238E27FC236}">
+                          <a16:creationId xmlns:a16="http://schemas.microsoft.com/office/drawing/2014/main" id="{DB382E50-D477-8373-39C2-8F4E0900DCFF}"/>
+                        </a:ext>
+                      </a:extLst>
+                    </p:cNvPr>
+                    <p:cNvCxnSpPr/>
+                    <p:nvPr/>
+                  </p:nvCxnSpPr>
+                  <p:spPr>
+                    <a:xfrm flipH="1" flipV="1">
+                      <a:off x="5109470" y="2876808"/>
+                      <a:ext cx="967237" cy="544166"/>
+                    </a:xfrm>
+                    <a:prstGeom prst="straightConnector1">
+                      <a:avLst/>
+                    </a:prstGeom>
+                    <a:ln w="31750">
+                      <a:solidFill>
+                        <a:srgbClr val="FF0000"/>
+                      </a:solidFill>
+                      <a:tailEnd type="triangle"/>
+                    </a:ln>
+                  </p:spPr>
+                  <p:style>
+                    <a:lnRef idx="1">
+                      <a:schemeClr val="accent1"/>
+                    </a:lnRef>
+                    <a:fillRef idx="0">
+                      <a:schemeClr val="accent1"/>
+                    </a:fillRef>
+                    <a:effectRef idx="0">
+                      <a:schemeClr val="accent1"/>
+                    </a:effectRef>
+                    <a:fontRef idx="minor">
+                      <a:schemeClr val="tx1"/>
+                    </a:fontRef>
+                  </p:style>
+                </p:cxnSp>
+              </p:grpSp>
+            </p:grpSp>
+            <p:cxnSp>
+              <p:nvCxnSpPr>
+                <p:cNvPr id="14" name="Straight Connector 13">
+                  <a:extLst>
+                    <a:ext uri="{FF2B5EF4-FFF2-40B4-BE49-F238E27FC236}">
+                      <a16:creationId xmlns:a16="http://schemas.microsoft.com/office/drawing/2014/main" id="{1669261D-ACAA-6DB2-4362-3F8591272EFD}"/>
+                    </a:ext>
+                  </a:extLst>
+                </p:cNvPr>
+                <p:cNvCxnSpPr>
+                  <a:cxnSpLocks/>
+                </p:cNvCxnSpPr>
+                <p:nvPr/>
+              </p:nvCxnSpPr>
+              <p:spPr>
+                <a:xfrm>
+                  <a:off x="6087777" y="2433367"/>
+                  <a:ext cx="1742430" cy="875085"/>
+                </a:xfrm>
+                <a:prstGeom prst="line">
+                  <a:avLst/>
+                </a:prstGeom>
+                <a:ln w="31750">
+                  <a:solidFill>
+                    <a:srgbClr val="00B050"/>
+                  </a:solidFill>
+                  <a:prstDash val="dash"/>
+                </a:ln>
+              </p:spPr>
+              <p:style>
+                <a:lnRef idx="1">
+                  <a:schemeClr val="accent1"/>
+                </a:lnRef>
+                <a:fillRef idx="0">
+                  <a:schemeClr val="accent1"/>
+                </a:fillRef>
+                <a:effectRef idx="0">
+                  <a:schemeClr val="accent1"/>
+                </a:effectRef>
+                <a:fontRef idx="minor">
+                  <a:schemeClr val="tx1"/>
+                </a:fontRef>
+              </p:style>
+            </p:cxnSp>
+            <p:sp>
+              <p:nvSpPr>
+                <p:cNvPr id="16" name="TextBox 15">
+                  <a:extLst>
+                    <a:ext uri="{FF2B5EF4-FFF2-40B4-BE49-F238E27FC236}">
+                      <a16:creationId xmlns:a16="http://schemas.microsoft.com/office/drawing/2014/main" id="{9E866B0E-CDE1-FFA8-6500-3ACB243BDAF6}"/>
+                    </a:ext>
+                  </a:extLst>
+                </p:cNvPr>
+                <p:cNvSpPr txBox="1"/>
+                <p:nvPr/>
+              </p:nvSpPr>
+              <p:spPr>
+                <a:xfrm>
+                  <a:off x="3363310" y="5100681"/>
+                  <a:ext cx="1292773" cy="369332"/>
+                </a:xfrm>
+                <a:prstGeom prst="rect">
+                  <a:avLst/>
+                </a:prstGeom>
+                <a:noFill/>
+              </p:spPr>
+              <p:txBody>
+                <a:bodyPr wrap="square" rtlCol="0">
+                  <a:spAutoFit/>
+                </a:bodyPr>
+                <a:lstStyle/>
+                <a:p>
+                  <a:pPr algn="ctr"/>
+                  <a:r>
+                    <a:rPr lang="en-US" dirty="0" err="1">
+                      <a:solidFill>
+                        <a:schemeClr val="bg1"/>
+                      </a:solidFill>
+                      <a:latin typeface="Times New Roman" panose="02020603050405020304" pitchFamily="18" charset="0"/>
+                      <a:cs typeface="Times New Roman" panose="02020603050405020304" pitchFamily="18" charset="0"/>
+                    </a:rPr>
+                    <a:t>Objek</a:t>
+                  </a:r>
+                  <a:endParaRPr lang="en-ID" dirty="0">
+                    <a:solidFill>
+                      <a:schemeClr val="bg1"/>
+                    </a:solidFill>
+                    <a:latin typeface="Times New Roman" panose="02020603050405020304" pitchFamily="18" charset="0"/>
+                    <a:cs typeface="Times New Roman" panose="02020603050405020304" pitchFamily="18" charset="0"/>
+                  </a:endParaRPr>
+                </a:p>
+              </p:txBody>
+            </p:sp>
+            <p:cxnSp>
+              <p:nvCxnSpPr>
+                <p:cNvPr id="39" name="Straight Connector 38">
+                  <a:extLst>
+                    <a:ext uri="{FF2B5EF4-FFF2-40B4-BE49-F238E27FC236}">
+                      <a16:creationId xmlns:a16="http://schemas.microsoft.com/office/drawing/2014/main" id="{0EF8722B-78B1-6CD9-3793-44F7D0EBC96A}"/>
+                    </a:ext>
+                  </a:extLst>
+                </p:cNvPr>
+                <p:cNvCxnSpPr>
+                  <a:cxnSpLocks/>
+                </p:cNvCxnSpPr>
+                <p:nvPr/>
+              </p:nvCxnSpPr>
+              <p:spPr>
+                <a:xfrm>
+                  <a:off x="6098847" y="2652137"/>
+                  <a:ext cx="1731360" cy="656315"/>
+                </a:xfrm>
+                <a:prstGeom prst="line">
+                  <a:avLst/>
+                </a:prstGeom>
+                <a:ln w="31750">
+                  <a:solidFill>
+                    <a:srgbClr val="00B050"/>
+                  </a:solidFill>
+                  <a:prstDash val="dash"/>
+                </a:ln>
+              </p:spPr>
+              <p:style>
+                <a:lnRef idx="1">
+                  <a:schemeClr val="accent1"/>
+                </a:lnRef>
+                <a:fillRef idx="0">
+                  <a:schemeClr val="accent1"/>
+                </a:fillRef>
+                <a:effectRef idx="0">
+                  <a:schemeClr val="accent1"/>
+                </a:effectRef>
+                <a:fontRef idx="minor">
+                  <a:schemeClr val="tx1"/>
+                </a:fontRef>
+              </p:style>
+            </p:cxnSp>
+          </p:grpSp>
+          <p:sp>
+            <p:nvSpPr>
+              <p:cNvPr id="30" name="TextBox 29">
+                <a:extLst>
+                  <a:ext uri="{FF2B5EF4-FFF2-40B4-BE49-F238E27FC236}">
+                    <a16:creationId xmlns:a16="http://schemas.microsoft.com/office/drawing/2014/main" id="{323BED08-E334-192B-4EA5-8360BD67687B}"/>
+                  </a:ext>
+                </a:extLst>
+              </p:cNvPr>
+              <p:cNvSpPr txBox="1"/>
+              <p:nvPr/>
+            </p:nvSpPr>
+            <p:spPr>
+              <a:xfrm>
+                <a:off x="7384263" y="5056568"/>
+                <a:ext cx="1292773" cy="369332"/>
+              </a:xfrm>
+              <a:prstGeom prst="rect">
+                <a:avLst/>
+              </a:prstGeom>
+              <a:noFill/>
+            </p:spPr>
+            <p:txBody>
+              <a:bodyPr wrap="square" rtlCol="0">
+                <a:spAutoFit/>
+              </a:bodyPr>
+              <a:lstStyle/>
+              <a:p>
+                <a:pPr algn="ctr"/>
+                <a:r>
+                  <a:rPr lang="en-US" dirty="0" err="1">
+                    <a:solidFill>
+                      <a:schemeClr val="bg1"/>
+                    </a:solidFill>
+                    <a:latin typeface="Times New Roman" panose="02020603050405020304" pitchFamily="18" charset="0"/>
+                    <a:cs typeface="Times New Roman" panose="02020603050405020304" pitchFamily="18" charset="0"/>
+                  </a:rPr>
+                  <a:t>Bayangan</a:t>
+                </a:r>
+                <a:endParaRPr lang="en-ID" dirty="0">
+                  <a:solidFill>
+                    <a:schemeClr val="bg1"/>
+                  </a:solidFill>
+                  <a:latin typeface="Times New Roman" panose="02020603050405020304" pitchFamily="18" charset="0"/>
+                  <a:cs typeface="Times New Roman" panose="02020603050405020304" pitchFamily="18" charset="0"/>
+                </a:endParaRPr>
+              </a:p>
+            </p:txBody>
+          </p:sp>
+        </p:grpSp>
+        <p:grpSp>
+          <p:nvGrpSpPr>
+            <p:cNvPr id="50" name="Group 49">
+              <a:extLst>
+                <a:ext uri="{FF2B5EF4-FFF2-40B4-BE49-F238E27FC236}">
+                  <a16:creationId xmlns:a16="http://schemas.microsoft.com/office/drawing/2014/main" id="{61666352-3901-F307-71FD-BA4DD50BF2A0}"/>
+                </a:ext>
+              </a:extLst>
+            </p:cNvPr>
+            <p:cNvGrpSpPr/>
+            <p:nvPr/>
+          </p:nvGrpSpPr>
+          <p:grpSpPr>
+            <a:xfrm>
+              <a:off x="3222340" y="928685"/>
+              <a:ext cx="1111250" cy="960516"/>
+              <a:chOff x="2813050" y="1040567"/>
+              <a:chExt cx="1111250" cy="960516"/>
+            </a:xfrm>
+          </p:grpSpPr>
+          <p:sp>
+            <p:nvSpPr>
+              <p:cNvPr id="47" name="Oval 46">
+                <a:extLst>
+                  <a:ext uri="{FF2B5EF4-FFF2-40B4-BE49-F238E27FC236}">
+                    <a16:creationId xmlns:a16="http://schemas.microsoft.com/office/drawing/2014/main" id="{26D34810-BC45-AF05-B46E-C3BB3E40FF6F}"/>
+                  </a:ext>
+                </a:extLst>
+              </p:cNvPr>
+              <p:cNvSpPr/>
+              <p:nvPr/>
+            </p:nvSpPr>
+            <p:spPr>
+              <a:xfrm>
+                <a:off x="2813050" y="1066800"/>
+                <a:ext cx="1111250" cy="908050"/>
+              </a:xfrm>
+              <a:prstGeom prst="ellipse">
+                <a:avLst/>
+              </a:prstGeom>
+              <a:solidFill>
+                <a:schemeClr val="bg1"/>
+              </a:solidFill>
+              <a:ln>
+                <a:solidFill>
+                  <a:schemeClr val="tx2"/>
+                </a:solidFill>
+              </a:ln>
+            </p:spPr>
+            <p:style>
+              <a:lnRef idx="2">
+                <a:schemeClr val="accent1">
+                  <a:shade val="15000"/>
+                </a:schemeClr>
+              </a:lnRef>
+              <a:fillRef idx="1">
+                <a:schemeClr val="accent1"/>
+              </a:fillRef>
+              <a:effectRef idx="0">
+                <a:schemeClr val="accent1"/>
+              </a:effectRef>
+              <a:fontRef idx="minor">
+                <a:schemeClr val="lt1"/>
+              </a:fontRef>
+            </p:style>
+            <p:txBody>
+              <a:bodyPr rtlCol="0" anchor="ctr"/>
+              <a:lstStyle/>
+              <a:p>
+                <a:pPr algn="ctr"/>
+                <a:endParaRPr lang="en-ID"/>
+              </a:p>
+            </p:txBody>
+          </p:sp>
+          <p:pic>
+            <p:nvPicPr>
+              <p:cNvPr id="49" name="Picture 48">
+                <a:extLst>
+                  <a:ext uri="{FF2B5EF4-FFF2-40B4-BE49-F238E27FC236}">
+                    <a16:creationId xmlns:a16="http://schemas.microsoft.com/office/drawing/2014/main" id="{66CC0048-2378-3238-F3C4-6AC76A570CA1}"/>
+                  </a:ext>
+                </a:extLst>
+              </p:cNvPr>
+              <p:cNvPicPr>
+                <a:picLocks noChangeAspect="1"/>
+              </p:cNvPicPr>
+              <p:nvPr/>
+            </p:nvPicPr>
+            <p:blipFill>
+              <a:blip r:embed="rId3">
+                <a:extLst>
+                  <a:ext uri="{28A0092B-C50C-407E-A947-70E740481C1C}">
+                    <a14:useLocalDpi xmlns:a14="http://schemas.microsoft.com/office/drawing/2010/main" val="0"/>
+                  </a:ext>
+                </a:extLst>
+              </a:blip>
+              <a:stretch>
+                <a:fillRect/>
+              </a:stretch>
+            </p:blipFill>
+            <p:spPr>
+              <a:xfrm>
+                <a:off x="2883052" y="1040567"/>
+                <a:ext cx="960516" cy="960516"/>
+              </a:xfrm>
+              <a:prstGeom prst="rect">
+                <a:avLst/>
+              </a:prstGeom>
+            </p:spPr>
+          </p:pic>
+        </p:grpSp>
+      </p:grpSp>
+    </p:spTree>
+    <p:extLst>
+      <p:ext uri="{BB962C8B-B14F-4D97-AF65-F5344CB8AC3E}">
+        <p14:creationId xmlns:p14="http://schemas.microsoft.com/office/powerpoint/2010/main" val="1626504035"/>
+      </p:ext>
+    </p:extLst>
+  </p:cSld>
+  <p:clrMapOvr>
+    <a:masterClrMapping/>
+  </p:clrMapOvr>
+</p:sld>
+</file>
+
 <file path=ppt/slides/slide2.xml><?xml version="1.0" encoding="utf-8"?>
 <p:sld xmlns:a="http://schemas.openxmlformats.org/drawingml/2006/main" xmlns:r="http://schemas.openxmlformats.org/officeDocument/2006/relationships" xmlns:p="http://schemas.openxmlformats.org/presentationml/2006/main">
   <p:cSld>
@@ -6278,7 +8754,7 @@
         </p:nvGrpSpPr>
         <p:grpSpPr>
           <a:xfrm>
-            <a:off x="1791164" y="0"/>
+            <a:off x="2243448" y="0"/>
             <a:ext cx="8820150" cy="6858000"/>
             <a:chOff x="144463" y="0"/>
             <a:chExt cx="8820150" cy="6858000"/>
@@ -7034,6 +9510,2927 @@
 </file>
 
 <file path=ppt/slides/slide7.xml><?xml version="1.0" encoding="utf-8"?>
+<p:sld xmlns:a="http://schemas.openxmlformats.org/drawingml/2006/main" xmlns:r="http://schemas.openxmlformats.org/officeDocument/2006/relationships" xmlns:p="http://schemas.openxmlformats.org/presentationml/2006/main">
+  <p:cSld>
+    <p:spTree>
+      <p:nvGrpSpPr>
+        <p:cNvPr id="1" name=""/>
+        <p:cNvGrpSpPr/>
+        <p:nvPr/>
+      </p:nvGrpSpPr>
+      <p:grpSpPr>
+        <a:xfrm>
+          <a:off x="0" y="0"/>
+          <a:ext cx="0" cy="0"/>
+          <a:chOff x="0" y="0"/>
+          <a:chExt cx="0" cy="0"/>
+        </a:xfrm>
+      </p:grpSpPr>
+      <p:grpSp>
+        <p:nvGrpSpPr>
+          <p:cNvPr id="36" name="Group 35">
+            <a:extLst>
+              <a:ext uri="{FF2B5EF4-FFF2-40B4-BE49-F238E27FC236}">
+                <a16:creationId xmlns:a16="http://schemas.microsoft.com/office/drawing/2014/main" id="{D89CB1A4-699B-67C6-B95E-A7B57B5314EA}"/>
+              </a:ext>
+            </a:extLst>
+          </p:cNvPr>
+          <p:cNvGrpSpPr/>
+          <p:nvPr/>
+        </p:nvGrpSpPr>
+        <p:grpSpPr>
+          <a:xfrm>
+            <a:off x="1142987" y="0"/>
+            <a:ext cx="9975486" cy="6858000"/>
+            <a:chOff x="2808158" y="0"/>
+            <a:chExt cx="9975486" cy="6858000"/>
+          </a:xfrm>
+        </p:grpSpPr>
+        <p:grpSp>
+          <p:nvGrpSpPr>
+            <p:cNvPr id="27" name="Group 26">
+              <a:extLst>
+                <a:ext uri="{FF2B5EF4-FFF2-40B4-BE49-F238E27FC236}">
+                  <a16:creationId xmlns:a16="http://schemas.microsoft.com/office/drawing/2014/main" id="{694FE933-B069-28CB-4A21-C4C372F48571}"/>
+                </a:ext>
+              </a:extLst>
+            </p:cNvPr>
+            <p:cNvGrpSpPr/>
+            <p:nvPr/>
+          </p:nvGrpSpPr>
+          <p:grpSpPr>
+            <a:xfrm>
+              <a:off x="2808158" y="0"/>
+              <a:ext cx="9975486" cy="6858000"/>
+              <a:chOff x="2808158" y="0"/>
+              <a:chExt cx="9975486" cy="6858000"/>
+            </a:xfrm>
+          </p:grpSpPr>
+          <p:grpSp>
+            <p:nvGrpSpPr>
+              <p:cNvPr id="2" name="Group 1">
+                <a:extLst>
+                  <a:ext uri="{FF2B5EF4-FFF2-40B4-BE49-F238E27FC236}">
+                    <a16:creationId xmlns:a16="http://schemas.microsoft.com/office/drawing/2014/main" id="{86A5D5CD-27DB-6F68-2CB1-84ADBC676088}"/>
+                  </a:ext>
+                </a:extLst>
+              </p:cNvPr>
+              <p:cNvGrpSpPr/>
+              <p:nvPr/>
+            </p:nvGrpSpPr>
+            <p:grpSpPr>
+              <a:xfrm>
+                <a:off x="2808158" y="0"/>
+                <a:ext cx="9754663" cy="6858000"/>
+                <a:chOff x="709173" y="0"/>
+                <a:chExt cx="9754663" cy="6858000"/>
+              </a:xfrm>
+            </p:grpSpPr>
+            <p:sp>
+              <p:nvSpPr>
+                <p:cNvPr id="3" name="Arc 5" descr="Dark downward diagonal">
+                  <a:extLst>
+                    <a:ext uri="{FF2B5EF4-FFF2-40B4-BE49-F238E27FC236}">
+                      <a16:creationId xmlns:a16="http://schemas.microsoft.com/office/drawing/2014/main" id="{31425469-D3D8-0B5F-1B7D-A06CDFC0D208}"/>
+                    </a:ext>
+                  </a:extLst>
+                </p:cNvPr>
+                <p:cNvSpPr>
+                  <a:spLocks/>
+                </p:cNvSpPr>
+                <p:nvPr/>
+              </p:nvSpPr>
+              <p:spPr bwMode="auto">
+                <a:xfrm rot="16200000">
+                  <a:off x="3830342" y="1578271"/>
+                  <a:ext cx="6408738" cy="3774479"/>
+                </a:xfrm>
+                <a:custGeom>
+                  <a:avLst/>
+                  <a:gdLst>
+                    <a:gd name="T0" fmla="*/ 0 w 43142"/>
+                    <a:gd name="T1" fmla="*/ 205 h 21600"/>
+                    <a:gd name="T2" fmla="*/ 378 w 43142"/>
+                    <a:gd name="T3" fmla="*/ 202 h 21600"/>
+                    <a:gd name="T4" fmla="*/ 189 w 43142"/>
+                    <a:gd name="T5" fmla="*/ 215 h 21600"/>
+                    <a:gd name="T6" fmla="*/ 0 60000 65536"/>
+                    <a:gd name="T7" fmla="*/ 0 60000 65536"/>
+                    <a:gd name="T8" fmla="*/ 0 60000 65536"/>
+                    <a:gd name="T9" fmla="*/ 0 w 43142"/>
+                    <a:gd name="T10" fmla="*/ 0 h 21600"/>
+                    <a:gd name="T11" fmla="*/ 43142 w 43142"/>
+                    <a:gd name="T12" fmla="*/ 21600 h 21600"/>
+                  </a:gdLst>
+                  <a:ahLst/>
+                  <a:cxnLst>
+                    <a:cxn ang="T6">
+                      <a:pos x="T0" y="T1"/>
+                    </a:cxn>
+                    <a:cxn ang="T7">
+                      <a:pos x="T2" y="T3"/>
+                    </a:cxn>
+                    <a:cxn ang="T8">
+                      <a:pos x="T4" y="T5"/>
+                    </a:cxn>
+                  </a:cxnLst>
+                  <a:rect l="T9" t="T10" r="T11" b="T12"/>
+                  <a:pathLst>
+                    <a:path w="43142" h="21600" fill="none" extrusionOk="0">
+                      <a:moveTo>
+                        <a:pt x="-1" y="20635"/>
+                      </a:moveTo>
+                      <a:cubicBezTo>
+                        <a:pt x="515" y="9093"/>
+                        <a:pt x="10023" y="-1"/>
+                        <a:pt x="21578" y="0"/>
+                      </a:cubicBezTo>
+                      <a:cubicBezTo>
+                        <a:pt x="33022" y="0"/>
+                        <a:pt x="42481" y="8927"/>
+                        <a:pt x="43141" y="20353"/>
+                      </a:cubicBezTo>
+                    </a:path>
+                    <a:path w="43142" h="21600" stroke="0" extrusionOk="0">
+                      <a:moveTo>
+                        <a:pt x="-1" y="20635"/>
+                      </a:moveTo>
+                      <a:cubicBezTo>
+                        <a:pt x="515" y="9093"/>
+                        <a:pt x="10023" y="-1"/>
+                        <a:pt x="21578" y="0"/>
+                      </a:cubicBezTo>
+                      <a:cubicBezTo>
+                        <a:pt x="33022" y="0"/>
+                        <a:pt x="42481" y="8927"/>
+                        <a:pt x="43141" y="20353"/>
+                      </a:cubicBezTo>
+                      <a:lnTo>
+                        <a:pt x="21578" y="21600"/>
+                      </a:lnTo>
+                      <a:close/>
+                    </a:path>
+                  </a:pathLst>
+                </a:custGeom>
+                <a:pattFill prst="dkDnDiag">
+                  <a:fgClr>
+                    <a:srgbClr val="9999FF"/>
+                  </a:fgClr>
+                  <a:bgClr>
+                    <a:schemeClr val="bg1"/>
+                  </a:bgClr>
+                </a:pattFill>
+                <a:ln w="50800">
+                  <a:gradFill>
+                    <a:gsLst>
+                      <a:gs pos="44000">
+                        <a:schemeClr val="accent1">
+                          <a:lumMod val="99000"/>
+                          <a:lumOff val="1000"/>
+                        </a:schemeClr>
+                      </a:gs>
+                      <a:gs pos="76000">
+                        <a:schemeClr val="accent1">
+                          <a:lumMod val="45000"/>
+                          <a:lumOff val="55000"/>
+                        </a:schemeClr>
+                      </a:gs>
+                      <a:gs pos="100000">
+                        <a:schemeClr val="accent1">
+                          <a:lumMod val="45000"/>
+                          <a:lumOff val="55000"/>
+                        </a:schemeClr>
+                      </a:gs>
+                    </a:gsLst>
+                    <a:lin ang="5400000" scaled="1"/>
+                  </a:gradFill>
+                  <a:round/>
+                  <a:headEnd/>
+                  <a:tailEnd/>
+                </a:ln>
+              </p:spPr>
+              <p:txBody>
+                <a:bodyPr wrap="none" anchor="ctr"/>
+                <a:lstStyle/>
+                <a:p>
+                  <a:endParaRPr lang="id-ID" dirty="0"/>
+                </a:p>
+              </p:txBody>
+            </p:sp>
+            <p:sp>
+              <p:nvSpPr>
+                <p:cNvPr id="4" name="Arc 6">
+                  <a:extLst>
+                    <a:ext uri="{FF2B5EF4-FFF2-40B4-BE49-F238E27FC236}">
+                      <a16:creationId xmlns:a16="http://schemas.microsoft.com/office/drawing/2014/main" id="{F7053F89-CFF5-F727-C780-24464E1084A3}"/>
+                    </a:ext>
+                  </a:extLst>
+                </p:cNvPr>
+                <p:cNvSpPr>
+                  <a:spLocks/>
+                </p:cNvSpPr>
+                <p:nvPr/>
+              </p:nvSpPr>
+              <p:spPr bwMode="auto">
+                <a:xfrm rot="16200000">
+                  <a:off x="4264921" y="1646929"/>
+                  <a:ext cx="5905500" cy="3562553"/>
+                </a:xfrm>
+                <a:custGeom>
+                  <a:avLst/>
+                  <a:gdLst>
+                    <a:gd name="T0" fmla="*/ 0 w 43142"/>
+                    <a:gd name="T1" fmla="*/ 184 h 21600"/>
+                    <a:gd name="T2" fmla="*/ 321 w 43142"/>
+                    <a:gd name="T3" fmla="*/ 182 h 21600"/>
+                    <a:gd name="T4" fmla="*/ 160 w 43142"/>
+                    <a:gd name="T5" fmla="*/ 193 h 21600"/>
+                    <a:gd name="T6" fmla="*/ 0 60000 65536"/>
+                    <a:gd name="T7" fmla="*/ 0 60000 65536"/>
+                    <a:gd name="T8" fmla="*/ 0 60000 65536"/>
+                    <a:gd name="T9" fmla="*/ 0 w 43142"/>
+                    <a:gd name="T10" fmla="*/ 0 h 21600"/>
+                    <a:gd name="T11" fmla="*/ 43142 w 43142"/>
+                    <a:gd name="T12" fmla="*/ 21600 h 21600"/>
+                  </a:gdLst>
+                  <a:ahLst/>
+                  <a:cxnLst>
+                    <a:cxn ang="T6">
+                      <a:pos x="T0" y="T1"/>
+                    </a:cxn>
+                    <a:cxn ang="T7">
+                      <a:pos x="T2" y="T3"/>
+                    </a:cxn>
+                    <a:cxn ang="T8">
+                      <a:pos x="T4" y="T5"/>
+                    </a:cxn>
+                  </a:cxnLst>
+                  <a:rect l="T9" t="T10" r="T11" b="T12"/>
+                  <a:pathLst>
+                    <a:path w="43142" h="21600" fill="none" extrusionOk="0">
+                      <a:moveTo>
+                        <a:pt x="-1" y="20635"/>
+                      </a:moveTo>
+                      <a:cubicBezTo>
+                        <a:pt x="515" y="9093"/>
+                        <a:pt x="10023" y="-1"/>
+                        <a:pt x="21578" y="0"/>
+                      </a:cubicBezTo>
+                      <a:cubicBezTo>
+                        <a:pt x="33022" y="0"/>
+                        <a:pt x="42481" y="8927"/>
+                        <a:pt x="43141" y="20353"/>
+                      </a:cubicBezTo>
+                    </a:path>
+                    <a:path w="43142" h="21600" stroke="0" extrusionOk="0">
+                      <a:moveTo>
+                        <a:pt x="-1" y="20635"/>
+                      </a:moveTo>
+                      <a:cubicBezTo>
+                        <a:pt x="515" y="9093"/>
+                        <a:pt x="10023" y="-1"/>
+                        <a:pt x="21578" y="0"/>
+                      </a:cubicBezTo>
+                      <a:cubicBezTo>
+                        <a:pt x="33022" y="0"/>
+                        <a:pt x="42481" y="8927"/>
+                        <a:pt x="43141" y="20353"/>
+                      </a:cubicBezTo>
+                      <a:lnTo>
+                        <a:pt x="21578" y="21600"/>
+                      </a:lnTo>
+                      <a:close/>
+                    </a:path>
+                  </a:pathLst>
+                </a:custGeom>
+                <a:solidFill>
+                  <a:schemeClr val="tx1"/>
+                </a:solidFill>
+                <a:ln w="9525">
+                  <a:noFill/>
+                  <a:round/>
+                  <a:headEnd/>
+                  <a:tailEnd/>
+                </a:ln>
+              </p:spPr>
+              <p:txBody>
+                <a:bodyPr wrap="none" anchor="ctr"/>
+                <a:lstStyle/>
+                <a:p>
+                  <a:endParaRPr lang="id-ID" dirty="0"/>
+                </a:p>
+              </p:txBody>
+            </p:sp>
+            <p:sp>
+              <p:nvSpPr>
+                <p:cNvPr id="5" name="Line 7">
+                  <a:extLst>
+                    <a:ext uri="{FF2B5EF4-FFF2-40B4-BE49-F238E27FC236}">
+                      <a16:creationId xmlns:a16="http://schemas.microsoft.com/office/drawing/2014/main" id="{BD8F62D7-1520-E2A1-A484-7C0F7F6543B5}"/>
+                    </a:ext>
+                  </a:extLst>
+                </p:cNvPr>
+                <p:cNvSpPr>
+                  <a:spLocks noChangeShapeType="1"/>
+                </p:cNvSpPr>
+                <p:nvPr/>
+              </p:nvSpPr>
+              <p:spPr bwMode="auto">
+                <a:xfrm rot="5400000">
+                  <a:off x="5576679" y="-1602621"/>
+                  <a:ext cx="19652" cy="9754663"/>
+                </a:xfrm>
+                <a:prstGeom prst="line">
+                  <a:avLst/>
+                </a:prstGeom>
+                <a:noFill/>
+                <a:ln w="28575">
+                  <a:solidFill>
+                    <a:srgbClr val="FF0000"/>
+                  </a:solidFill>
+                  <a:prstDash val="dash"/>
+                  <a:round/>
+                  <a:headEnd/>
+                  <a:tailEnd/>
+                </a:ln>
+              </p:spPr>
+              <p:txBody>
+                <a:bodyPr/>
+                <a:lstStyle/>
+                <a:p>
+                  <a:endParaRPr lang="id-ID"/>
+                </a:p>
+              </p:txBody>
+            </p:sp>
+            <p:sp>
+              <p:nvSpPr>
+                <p:cNvPr id="6" name="Line 8">
+                  <a:extLst>
+                    <a:ext uri="{FF2B5EF4-FFF2-40B4-BE49-F238E27FC236}">
+                      <a16:creationId xmlns:a16="http://schemas.microsoft.com/office/drawing/2014/main" id="{50DFAF2A-5BF8-1C47-54AB-EC7572A17D5E}"/>
+                    </a:ext>
+                  </a:extLst>
+                </p:cNvPr>
+                <p:cNvSpPr>
+                  <a:spLocks noChangeShapeType="1"/>
+                </p:cNvSpPr>
+                <p:nvPr/>
+              </p:nvSpPr>
+              <p:spPr bwMode="auto">
+                <a:xfrm>
+                  <a:off x="8532813" y="0"/>
+                  <a:ext cx="0" cy="6858000"/>
+                </a:xfrm>
+                <a:prstGeom prst="line">
+                  <a:avLst/>
+                </a:prstGeom>
+                <a:noFill/>
+                <a:ln w="9525">
+                  <a:solidFill>
+                    <a:schemeClr val="tx1"/>
+                  </a:solidFill>
+                  <a:prstDash val="dash"/>
+                  <a:round/>
+                  <a:headEnd/>
+                  <a:tailEnd/>
+                </a:ln>
+              </p:spPr>
+              <p:txBody>
+                <a:bodyPr/>
+                <a:lstStyle/>
+                <a:p>
+                  <a:endParaRPr lang="id-ID"/>
+                </a:p>
+              </p:txBody>
+            </p:sp>
+          </p:grpSp>
+          <p:sp>
+            <p:nvSpPr>
+              <p:cNvPr id="14" name="Flowchart: Connector 13">
+                <a:extLst>
+                  <a:ext uri="{FF2B5EF4-FFF2-40B4-BE49-F238E27FC236}">
+                    <a16:creationId xmlns:a16="http://schemas.microsoft.com/office/drawing/2014/main" id="{DFE787B1-9BF5-4279-051E-DF3487C6327F}"/>
+                  </a:ext>
+                </a:extLst>
+              </p:cNvPr>
+              <p:cNvSpPr/>
+              <p:nvPr/>
+            </p:nvSpPr>
+            <p:spPr>
+              <a:xfrm>
+                <a:off x="5442846" y="3202472"/>
+                <a:ext cx="144000" cy="144463"/>
+              </a:xfrm>
+              <a:prstGeom prst="flowChartConnector">
+                <a:avLst/>
+              </a:prstGeom>
+              <a:solidFill>
+                <a:srgbClr val="FFC000"/>
+              </a:solidFill>
+            </p:spPr>
+            <p:style>
+              <a:lnRef idx="2">
+                <a:schemeClr val="accent1">
+                  <a:shade val="15000"/>
+                </a:schemeClr>
+              </a:lnRef>
+              <a:fillRef idx="1">
+                <a:schemeClr val="accent1"/>
+              </a:fillRef>
+              <a:effectRef idx="0">
+                <a:schemeClr val="accent1"/>
+              </a:effectRef>
+              <a:fontRef idx="minor">
+                <a:schemeClr val="lt1"/>
+              </a:fontRef>
+            </p:style>
+            <p:txBody>
+              <a:bodyPr rtlCol="0" anchor="ctr"/>
+              <a:lstStyle/>
+              <a:p>
+                <a:pPr algn="ctr"/>
+                <a:endParaRPr lang="en-ID"/>
+              </a:p>
+            </p:txBody>
+          </p:sp>
+          <p:sp>
+            <p:nvSpPr>
+              <p:cNvPr id="15" name="Flowchart: Connector 14">
+                <a:extLst>
+                  <a:ext uri="{FF2B5EF4-FFF2-40B4-BE49-F238E27FC236}">
+                    <a16:creationId xmlns:a16="http://schemas.microsoft.com/office/drawing/2014/main" id="{9A7AD1B1-58D3-EA26-3D85-BE8911F21676}"/>
+                  </a:ext>
+                </a:extLst>
+              </p:cNvPr>
+              <p:cNvSpPr/>
+              <p:nvPr/>
+            </p:nvSpPr>
+            <p:spPr>
+              <a:xfrm>
+                <a:off x="3639238" y="3202472"/>
+                <a:ext cx="144000" cy="144463"/>
+              </a:xfrm>
+              <a:prstGeom prst="flowChartConnector">
+                <a:avLst/>
+              </a:prstGeom>
+              <a:solidFill>
+                <a:srgbClr val="FFC000"/>
+              </a:solidFill>
+            </p:spPr>
+            <p:style>
+              <a:lnRef idx="2">
+                <a:schemeClr val="accent1">
+                  <a:shade val="15000"/>
+                </a:schemeClr>
+              </a:lnRef>
+              <a:fillRef idx="1">
+                <a:schemeClr val="accent1"/>
+              </a:fillRef>
+              <a:effectRef idx="0">
+                <a:schemeClr val="accent1"/>
+              </a:effectRef>
+              <a:fontRef idx="minor">
+                <a:schemeClr val="lt1"/>
+              </a:fontRef>
+            </p:style>
+            <p:txBody>
+              <a:bodyPr rtlCol="0" anchor="ctr"/>
+              <a:lstStyle/>
+              <a:p>
+                <a:pPr algn="ctr"/>
+                <a:endParaRPr lang="en-ID" dirty="0"/>
+              </a:p>
+            </p:txBody>
+          </p:sp>
+          <p:sp>
+            <p:nvSpPr>
+              <p:cNvPr id="16" name="Flowchart: Connector 15">
+                <a:extLst>
+                  <a:ext uri="{FF2B5EF4-FFF2-40B4-BE49-F238E27FC236}">
+                    <a16:creationId xmlns:a16="http://schemas.microsoft.com/office/drawing/2014/main" id="{7FCF3AD1-A553-ADA6-21C8-EABC9BF3F7CD}"/>
+                  </a:ext>
+                </a:extLst>
+              </p:cNvPr>
+              <p:cNvSpPr/>
+              <p:nvPr/>
+            </p:nvSpPr>
+            <p:spPr>
+              <a:xfrm>
+                <a:off x="7174917" y="3202471"/>
+                <a:ext cx="144000" cy="144463"/>
+              </a:xfrm>
+              <a:prstGeom prst="flowChartConnector">
+                <a:avLst/>
+              </a:prstGeom>
+              <a:solidFill>
+                <a:srgbClr val="FFC000"/>
+              </a:solidFill>
+            </p:spPr>
+            <p:style>
+              <a:lnRef idx="2">
+                <a:schemeClr val="accent1">
+                  <a:shade val="15000"/>
+                </a:schemeClr>
+              </a:lnRef>
+              <a:fillRef idx="1">
+                <a:schemeClr val="accent1"/>
+              </a:fillRef>
+              <a:effectRef idx="0">
+                <a:schemeClr val="accent1"/>
+              </a:effectRef>
+              <a:fontRef idx="minor">
+                <a:schemeClr val="lt1"/>
+              </a:fontRef>
+            </p:style>
+            <p:txBody>
+              <a:bodyPr rtlCol="0" anchor="ctr"/>
+              <a:lstStyle/>
+              <a:p>
+                <a:pPr algn="ctr"/>
+                <a:endParaRPr lang="en-ID"/>
+              </a:p>
+            </p:txBody>
+          </p:sp>
+          <p:sp>
+            <p:nvSpPr>
+              <p:cNvPr id="17" name="TextBox 16">
+                <a:extLst>
+                  <a:ext uri="{FF2B5EF4-FFF2-40B4-BE49-F238E27FC236}">
+                    <a16:creationId xmlns:a16="http://schemas.microsoft.com/office/drawing/2014/main" id="{5BBA2C40-6B83-07DE-65B2-95F282C2DB55}"/>
+                  </a:ext>
+                </a:extLst>
+              </p:cNvPr>
+              <p:cNvSpPr txBox="1"/>
+              <p:nvPr/>
+            </p:nvSpPr>
+            <p:spPr>
+              <a:xfrm>
+                <a:off x="7075989" y="3346934"/>
+                <a:ext cx="360594" cy="369322"/>
+              </a:xfrm>
+              <a:prstGeom prst="rect">
+                <a:avLst/>
+              </a:prstGeom>
+              <a:noFill/>
+            </p:spPr>
+            <p:txBody>
+              <a:bodyPr wrap="square" rtlCol="0">
+                <a:spAutoFit/>
+              </a:bodyPr>
+              <a:lstStyle/>
+              <a:p>
+                <a:pPr algn="ctr"/>
+                <a:r>
+                  <a:rPr lang="en-US" b="1" dirty="0">
+                    <a:solidFill>
+                      <a:schemeClr val="bg1"/>
+                    </a:solidFill>
+                    <a:latin typeface="Times New Roman" panose="02020603050405020304" pitchFamily="18" charset="0"/>
+                    <a:cs typeface="Times New Roman" panose="02020603050405020304" pitchFamily="18" charset="0"/>
+                  </a:rPr>
+                  <a:t>O</a:t>
+                </a:r>
+                <a:endParaRPr lang="en-ID" b="1" dirty="0">
+                  <a:solidFill>
+                    <a:schemeClr val="bg1"/>
+                  </a:solidFill>
+                  <a:latin typeface="Times New Roman" panose="02020603050405020304" pitchFamily="18" charset="0"/>
+                  <a:cs typeface="Times New Roman" panose="02020603050405020304" pitchFamily="18" charset="0"/>
+                </a:endParaRPr>
+              </a:p>
+            </p:txBody>
+          </p:sp>
+          <p:sp>
+            <p:nvSpPr>
+              <p:cNvPr id="18" name="TextBox 17">
+                <a:extLst>
+                  <a:ext uri="{FF2B5EF4-FFF2-40B4-BE49-F238E27FC236}">
+                    <a16:creationId xmlns:a16="http://schemas.microsoft.com/office/drawing/2014/main" id="{BC3DFDE8-82E9-A8A3-54B4-1C9F9C3283C4}"/>
+                  </a:ext>
+                </a:extLst>
+              </p:cNvPr>
+              <p:cNvSpPr txBox="1"/>
+              <p:nvPr/>
+            </p:nvSpPr>
+            <p:spPr>
+              <a:xfrm>
+                <a:off x="5350420" y="3332187"/>
+                <a:ext cx="360594" cy="369322"/>
+              </a:xfrm>
+              <a:prstGeom prst="rect">
+                <a:avLst/>
+              </a:prstGeom>
+              <a:noFill/>
+            </p:spPr>
+            <p:txBody>
+              <a:bodyPr wrap="square" rtlCol="0">
+                <a:spAutoFit/>
+              </a:bodyPr>
+              <a:lstStyle/>
+              <a:p>
+                <a:pPr algn="ctr"/>
+                <a:r>
+                  <a:rPr lang="en-US" dirty="0">
+                    <a:solidFill>
+                      <a:schemeClr val="bg1"/>
+                    </a:solidFill>
+                    <a:latin typeface="Times New Roman" panose="02020603050405020304" pitchFamily="18" charset="0"/>
+                    <a:cs typeface="Times New Roman" panose="02020603050405020304" pitchFamily="18" charset="0"/>
+                  </a:rPr>
+                  <a:t>F</a:t>
+                </a:r>
+                <a:endParaRPr lang="en-ID" dirty="0">
+                  <a:solidFill>
+                    <a:schemeClr val="bg1"/>
+                  </a:solidFill>
+                  <a:latin typeface="Times New Roman" panose="02020603050405020304" pitchFamily="18" charset="0"/>
+                  <a:cs typeface="Times New Roman" panose="02020603050405020304" pitchFamily="18" charset="0"/>
+                </a:endParaRPr>
+              </a:p>
+            </p:txBody>
+          </p:sp>
+          <p:sp>
+            <p:nvSpPr>
+              <p:cNvPr id="19" name="TextBox 18">
+                <a:extLst>
+                  <a:ext uri="{FF2B5EF4-FFF2-40B4-BE49-F238E27FC236}">
+                    <a16:creationId xmlns:a16="http://schemas.microsoft.com/office/drawing/2014/main" id="{9C07EC6D-4E31-D4E5-5DF5-B025D793E6A4}"/>
+                  </a:ext>
+                </a:extLst>
+              </p:cNvPr>
+              <p:cNvSpPr txBox="1"/>
+              <p:nvPr/>
+            </p:nvSpPr>
+            <p:spPr>
+              <a:xfrm>
+                <a:off x="3556027" y="3327272"/>
+                <a:ext cx="360594" cy="369322"/>
+              </a:xfrm>
+              <a:prstGeom prst="rect">
+                <a:avLst/>
+              </a:prstGeom>
+              <a:noFill/>
+            </p:spPr>
+            <p:txBody>
+              <a:bodyPr wrap="square" rtlCol="0">
+                <a:spAutoFit/>
+              </a:bodyPr>
+              <a:lstStyle/>
+              <a:p>
+                <a:pPr algn="ctr"/>
+                <a:r>
+                  <a:rPr lang="en-US" dirty="0">
+                    <a:solidFill>
+                      <a:schemeClr val="bg1"/>
+                    </a:solidFill>
+                    <a:latin typeface="Times New Roman" panose="02020603050405020304" pitchFamily="18" charset="0"/>
+                    <a:cs typeface="Times New Roman" panose="02020603050405020304" pitchFamily="18" charset="0"/>
+                  </a:rPr>
+                  <a:t>M</a:t>
+                </a:r>
+                <a:endParaRPr lang="en-ID" dirty="0">
+                  <a:solidFill>
+                    <a:schemeClr val="bg1"/>
+                  </a:solidFill>
+                  <a:latin typeface="Times New Roman" panose="02020603050405020304" pitchFamily="18" charset="0"/>
+                  <a:cs typeface="Times New Roman" panose="02020603050405020304" pitchFamily="18" charset="0"/>
+                </a:endParaRPr>
+              </a:p>
+            </p:txBody>
+          </p:sp>
+          <p:sp>
+            <p:nvSpPr>
+              <p:cNvPr id="22" name="TextBox 21">
+                <a:extLst>
+                  <a:ext uri="{FF2B5EF4-FFF2-40B4-BE49-F238E27FC236}">
+                    <a16:creationId xmlns:a16="http://schemas.microsoft.com/office/drawing/2014/main" id="{23908C75-54DE-3882-E918-4BF38A8693BC}"/>
+                  </a:ext>
+                </a:extLst>
+              </p:cNvPr>
+              <p:cNvSpPr txBox="1"/>
+              <p:nvPr/>
+            </p:nvSpPr>
+            <p:spPr>
+              <a:xfrm>
+                <a:off x="5350420" y="3902459"/>
+                <a:ext cx="360594" cy="369322"/>
+              </a:xfrm>
+              <a:prstGeom prst="rect">
+                <a:avLst/>
+              </a:prstGeom>
+              <a:noFill/>
+            </p:spPr>
+            <p:txBody>
+              <a:bodyPr wrap="square" rtlCol="0">
+                <a:spAutoFit/>
+              </a:bodyPr>
+              <a:lstStyle/>
+              <a:p>
+                <a:pPr algn="ctr"/>
+                <a:r>
+                  <a:rPr lang="en-US" dirty="0">
+                    <a:solidFill>
+                      <a:schemeClr val="bg1"/>
+                    </a:solidFill>
+                    <a:latin typeface="Times New Roman" panose="02020603050405020304" pitchFamily="18" charset="0"/>
+                    <a:cs typeface="Times New Roman" panose="02020603050405020304" pitchFamily="18" charset="0"/>
+                  </a:rPr>
+                  <a:t>R</a:t>
+                </a:r>
+                <a:endParaRPr lang="en-ID" dirty="0">
+                  <a:solidFill>
+                    <a:schemeClr val="bg1"/>
+                  </a:solidFill>
+                  <a:latin typeface="Times New Roman" panose="02020603050405020304" pitchFamily="18" charset="0"/>
+                  <a:cs typeface="Times New Roman" panose="02020603050405020304" pitchFamily="18" charset="0"/>
+                </a:endParaRPr>
+              </a:p>
+            </p:txBody>
+          </p:sp>
+          <p:cxnSp>
+            <p:nvCxnSpPr>
+              <p:cNvPr id="24" name="Straight Arrow Connector 23">
+                <a:extLst>
+                  <a:ext uri="{FF2B5EF4-FFF2-40B4-BE49-F238E27FC236}">
+                    <a16:creationId xmlns:a16="http://schemas.microsoft.com/office/drawing/2014/main" id="{BBFB2872-EB81-3AA9-9DF1-0A791B15EBBC}"/>
+                  </a:ext>
+                </a:extLst>
+              </p:cNvPr>
+              <p:cNvCxnSpPr>
+                <a:stCxn id="22" idx="1"/>
+              </p:cNvCxnSpPr>
+              <p:nvPr/>
+            </p:nvCxnSpPr>
+            <p:spPr>
+              <a:xfrm flipH="1">
+                <a:off x="3711238" y="4087120"/>
+                <a:ext cx="1639182" cy="0"/>
+              </a:xfrm>
+              <a:prstGeom prst="straightConnector1">
+                <a:avLst/>
+              </a:prstGeom>
+              <a:ln w="31750">
+                <a:solidFill>
+                  <a:srgbClr val="00B050"/>
+                </a:solidFill>
+                <a:tailEnd type="triangle"/>
+              </a:ln>
+            </p:spPr>
+            <p:style>
+              <a:lnRef idx="1">
+                <a:schemeClr val="accent1"/>
+              </a:lnRef>
+              <a:fillRef idx="0">
+                <a:schemeClr val="accent1"/>
+              </a:fillRef>
+              <a:effectRef idx="0">
+                <a:schemeClr val="accent1"/>
+              </a:effectRef>
+              <a:fontRef idx="minor">
+                <a:schemeClr val="tx1"/>
+              </a:fontRef>
+            </p:style>
+          </p:cxnSp>
+          <p:cxnSp>
+            <p:nvCxnSpPr>
+              <p:cNvPr id="26" name="Straight Arrow Connector 25">
+                <a:extLst>
+                  <a:ext uri="{FF2B5EF4-FFF2-40B4-BE49-F238E27FC236}">
+                    <a16:creationId xmlns:a16="http://schemas.microsoft.com/office/drawing/2014/main" id="{8884BA3E-59B5-60EB-39EE-A1FF4499D9C8}"/>
+                  </a:ext>
+                </a:extLst>
+              </p:cNvPr>
+              <p:cNvCxnSpPr>
+                <a:stCxn id="22" idx="3"/>
+              </p:cNvCxnSpPr>
+              <p:nvPr/>
+            </p:nvCxnSpPr>
+            <p:spPr>
+              <a:xfrm>
+                <a:off x="5711014" y="4087120"/>
+                <a:ext cx="1545272" cy="0"/>
+              </a:xfrm>
+              <a:prstGeom prst="straightConnector1">
+                <a:avLst/>
+              </a:prstGeom>
+              <a:ln w="31750">
+                <a:solidFill>
+                  <a:srgbClr val="00B050"/>
+                </a:solidFill>
+                <a:tailEnd type="triangle"/>
+              </a:ln>
+            </p:spPr>
+            <p:style>
+              <a:lnRef idx="1">
+                <a:schemeClr val="accent1"/>
+              </a:lnRef>
+              <a:fillRef idx="0">
+                <a:schemeClr val="accent1"/>
+              </a:fillRef>
+              <a:effectRef idx="0">
+                <a:schemeClr val="accent1"/>
+              </a:effectRef>
+              <a:fontRef idx="minor">
+                <a:schemeClr val="tx1"/>
+              </a:fontRef>
+            </p:style>
+          </p:cxnSp>
+          <p:sp>
+            <p:nvSpPr>
+              <p:cNvPr id="34" name="TextBox 33">
+                <a:extLst>
+                  <a:ext uri="{FF2B5EF4-FFF2-40B4-BE49-F238E27FC236}">
+                    <a16:creationId xmlns:a16="http://schemas.microsoft.com/office/drawing/2014/main" id="{E462A60D-4FEA-B84A-F9B0-3693286F3139}"/>
+                  </a:ext>
+                </a:extLst>
+              </p:cNvPr>
+              <p:cNvSpPr txBox="1"/>
+              <p:nvPr/>
+            </p:nvSpPr>
+            <p:spPr>
+              <a:xfrm>
+                <a:off x="3341430" y="1397082"/>
+                <a:ext cx="1840170" cy="369332"/>
+              </a:xfrm>
+              <a:prstGeom prst="rect">
+                <a:avLst/>
+              </a:prstGeom>
+              <a:noFill/>
+            </p:spPr>
+            <p:txBody>
+              <a:bodyPr wrap="square" rtlCol="0">
+                <a:spAutoFit/>
+              </a:bodyPr>
+              <a:lstStyle/>
+              <a:p>
+                <a:pPr algn="ctr"/>
+                <a:r>
+                  <a:rPr lang="en-US" dirty="0" err="1">
+                    <a:solidFill>
+                      <a:schemeClr val="bg1"/>
+                    </a:solidFill>
+                    <a:latin typeface="Times New Roman" panose="02020603050405020304" pitchFamily="18" charset="0"/>
+                    <a:cs typeface="Times New Roman" panose="02020603050405020304" pitchFamily="18" charset="0"/>
+                  </a:rPr>
+                  <a:t>Sinar</a:t>
+                </a:r>
+                <a:r>
+                  <a:rPr lang="en-US" dirty="0">
+                    <a:solidFill>
+                      <a:schemeClr val="bg1"/>
+                    </a:solidFill>
+                    <a:latin typeface="Times New Roman" panose="02020603050405020304" pitchFamily="18" charset="0"/>
+                    <a:cs typeface="Times New Roman" panose="02020603050405020304" pitchFamily="18" charset="0"/>
+                  </a:rPr>
+                  <a:t> </a:t>
+                </a:r>
+                <a:r>
+                  <a:rPr lang="en-US" dirty="0" err="1">
+                    <a:solidFill>
+                      <a:schemeClr val="bg1"/>
+                    </a:solidFill>
+                    <a:latin typeface="Times New Roman" panose="02020603050405020304" pitchFamily="18" charset="0"/>
+                    <a:cs typeface="Times New Roman" panose="02020603050405020304" pitchFamily="18" charset="0"/>
+                  </a:rPr>
+                  <a:t>datang</a:t>
+                </a:r>
+                <a:r>
+                  <a:rPr lang="en-US" dirty="0">
+                    <a:solidFill>
+                      <a:schemeClr val="bg1"/>
+                    </a:solidFill>
+                    <a:latin typeface="Times New Roman" panose="02020603050405020304" pitchFamily="18" charset="0"/>
+                    <a:cs typeface="Times New Roman" panose="02020603050405020304" pitchFamily="18" charset="0"/>
+                  </a:rPr>
+                  <a:t> </a:t>
+                </a:r>
+                <a:endParaRPr lang="en-ID" dirty="0">
+                  <a:solidFill>
+                    <a:schemeClr val="bg1"/>
+                  </a:solidFill>
+                  <a:latin typeface="Times New Roman" panose="02020603050405020304" pitchFamily="18" charset="0"/>
+                  <a:cs typeface="Times New Roman" panose="02020603050405020304" pitchFamily="18" charset="0"/>
+                </a:endParaRPr>
+              </a:p>
+            </p:txBody>
+          </p:sp>
+          <p:sp>
+            <p:nvSpPr>
+              <p:cNvPr id="35" name="TextBox 34">
+                <a:extLst>
+                  <a:ext uri="{FF2B5EF4-FFF2-40B4-BE49-F238E27FC236}">
+                    <a16:creationId xmlns:a16="http://schemas.microsoft.com/office/drawing/2014/main" id="{EFF3FF22-0DD4-149C-74EC-3CDE6A370FE1}"/>
+                  </a:ext>
+                </a:extLst>
+              </p:cNvPr>
+              <p:cNvSpPr txBox="1"/>
+              <p:nvPr/>
+            </p:nvSpPr>
+            <p:spPr>
+              <a:xfrm>
+                <a:off x="6250686" y="598131"/>
+                <a:ext cx="1840170" cy="369332"/>
+              </a:xfrm>
+              <a:prstGeom prst="rect">
+                <a:avLst/>
+              </a:prstGeom>
+              <a:noFill/>
+            </p:spPr>
+            <p:txBody>
+              <a:bodyPr wrap="square" rtlCol="0">
+                <a:spAutoFit/>
+              </a:bodyPr>
+              <a:lstStyle/>
+              <a:p>
+                <a:pPr algn="ctr"/>
+                <a:r>
+                  <a:rPr lang="en-US" dirty="0" err="1">
+                    <a:solidFill>
+                      <a:schemeClr val="bg1"/>
+                    </a:solidFill>
+                    <a:latin typeface="Times New Roman" panose="02020603050405020304" pitchFamily="18" charset="0"/>
+                    <a:cs typeface="Times New Roman" panose="02020603050405020304" pitchFamily="18" charset="0"/>
+                  </a:rPr>
+                  <a:t>Sinar</a:t>
+                </a:r>
+                <a:r>
+                  <a:rPr lang="en-US" dirty="0">
+                    <a:solidFill>
+                      <a:schemeClr val="bg1"/>
+                    </a:solidFill>
+                    <a:latin typeface="Times New Roman" panose="02020603050405020304" pitchFamily="18" charset="0"/>
+                    <a:cs typeface="Times New Roman" panose="02020603050405020304" pitchFamily="18" charset="0"/>
+                  </a:rPr>
+                  <a:t> </a:t>
+                </a:r>
+                <a:r>
+                  <a:rPr lang="en-US" dirty="0" err="1">
+                    <a:solidFill>
+                      <a:schemeClr val="bg1"/>
+                    </a:solidFill>
+                    <a:latin typeface="Times New Roman" panose="02020603050405020304" pitchFamily="18" charset="0"/>
+                    <a:cs typeface="Times New Roman" panose="02020603050405020304" pitchFamily="18" charset="0"/>
+                  </a:rPr>
+                  <a:t>pantul</a:t>
+                </a:r>
+                <a:r>
+                  <a:rPr lang="en-US" dirty="0">
+                    <a:solidFill>
+                      <a:schemeClr val="bg1"/>
+                    </a:solidFill>
+                    <a:latin typeface="Times New Roman" panose="02020603050405020304" pitchFamily="18" charset="0"/>
+                    <a:cs typeface="Times New Roman" panose="02020603050405020304" pitchFamily="18" charset="0"/>
+                  </a:rPr>
+                  <a:t> </a:t>
+                </a:r>
+                <a:endParaRPr lang="en-ID" dirty="0">
+                  <a:solidFill>
+                    <a:schemeClr val="bg1"/>
+                  </a:solidFill>
+                  <a:latin typeface="Times New Roman" panose="02020603050405020304" pitchFamily="18" charset="0"/>
+                  <a:cs typeface="Times New Roman" panose="02020603050405020304" pitchFamily="18" charset="0"/>
+                </a:endParaRPr>
+              </a:p>
+            </p:txBody>
+          </p:sp>
+          <p:sp>
+            <p:nvSpPr>
+              <p:cNvPr id="39" name="Flowchart: Connector 38">
+                <a:extLst>
+                  <a:ext uri="{FF2B5EF4-FFF2-40B4-BE49-F238E27FC236}">
+                    <a16:creationId xmlns:a16="http://schemas.microsoft.com/office/drawing/2014/main" id="{9845B890-036C-8C3A-CC4A-38D5327F374F}"/>
+                  </a:ext>
+                </a:extLst>
+              </p:cNvPr>
+              <p:cNvSpPr/>
+              <p:nvPr/>
+            </p:nvSpPr>
+            <p:spPr>
+              <a:xfrm>
+                <a:off x="8977284" y="3207594"/>
+                <a:ext cx="144000" cy="144463"/>
+              </a:xfrm>
+              <a:prstGeom prst="flowChartConnector">
+                <a:avLst/>
+              </a:prstGeom>
+              <a:solidFill>
+                <a:srgbClr val="FFC000"/>
+              </a:solidFill>
+            </p:spPr>
+            <p:style>
+              <a:lnRef idx="2">
+                <a:schemeClr val="accent1">
+                  <a:shade val="15000"/>
+                </a:schemeClr>
+              </a:lnRef>
+              <a:fillRef idx="1">
+                <a:schemeClr val="accent1"/>
+              </a:fillRef>
+              <a:effectRef idx="0">
+                <a:schemeClr val="accent1"/>
+              </a:effectRef>
+              <a:fontRef idx="minor">
+                <a:schemeClr val="lt1"/>
+              </a:fontRef>
+            </p:style>
+            <p:txBody>
+              <a:bodyPr rtlCol="0" anchor="ctr"/>
+              <a:lstStyle/>
+              <a:p>
+                <a:pPr algn="ctr"/>
+                <a:endParaRPr lang="en-ID"/>
+              </a:p>
+            </p:txBody>
+          </p:sp>
+          <p:sp>
+            <p:nvSpPr>
+              <p:cNvPr id="40" name="TextBox 39">
+                <a:extLst>
+                  <a:ext uri="{FF2B5EF4-FFF2-40B4-BE49-F238E27FC236}">
+                    <a16:creationId xmlns:a16="http://schemas.microsoft.com/office/drawing/2014/main" id="{4BAA38D9-BB68-3525-A954-88E6121C13D2}"/>
+                  </a:ext>
+                </a:extLst>
+              </p:cNvPr>
+              <p:cNvSpPr txBox="1"/>
+              <p:nvPr/>
+            </p:nvSpPr>
+            <p:spPr>
+              <a:xfrm>
+                <a:off x="8884852" y="3346934"/>
+                <a:ext cx="360594" cy="369322"/>
+              </a:xfrm>
+              <a:prstGeom prst="rect">
+                <a:avLst/>
+              </a:prstGeom>
+              <a:noFill/>
+            </p:spPr>
+            <p:txBody>
+              <a:bodyPr wrap="square" rtlCol="0">
+                <a:spAutoFit/>
+              </a:bodyPr>
+              <a:lstStyle/>
+              <a:p>
+                <a:pPr algn="ctr"/>
+                <a:r>
+                  <a:rPr lang="en-US" dirty="0">
+                    <a:solidFill>
+                      <a:schemeClr val="bg1"/>
+                    </a:solidFill>
+                    <a:latin typeface="Times New Roman" panose="02020603050405020304" pitchFamily="18" charset="0"/>
+                    <a:cs typeface="Times New Roman" panose="02020603050405020304" pitchFamily="18" charset="0"/>
+                  </a:rPr>
+                  <a:t>F</a:t>
+                </a:r>
+                <a:endParaRPr lang="en-ID" dirty="0">
+                  <a:solidFill>
+                    <a:schemeClr val="bg1"/>
+                  </a:solidFill>
+                  <a:latin typeface="Times New Roman" panose="02020603050405020304" pitchFamily="18" charset="0"/>
+                  <a:cs typeface="Times New Roman" panose="02020603050405020304" pitchFamily="18" charset="0"/>
+                </a:endParaRPr>
+              </a:p>
+            </p:txBody>
+          </p:sp>
+          <p:sp>
+            <p:nvSpPr>
+              <p:cNvPr id="41" name="Flowchart: Connector 40">
+                <a:extLst>
+                  <a:ext uri="{FF2B5EF4-FFF2-40B4-BE49-F238E27FC236}">
+                    <a16:creationId xmlns:a16="http://schemas.microsoft.com/office/drawing/2014/main" id="{2D23F85B-FE99-FE4F-CEB9-C7D864EB59F3}"/>
+                  </a:ext>
+                </a:extLst>
+              </p:cNvPr>
+              <p:cNvSpPr/>
+              <p:nvPr/>
+            </p:nvSpPr>
+            <p:spPr>
+              <a:xfrm>
+                <a:off x="10707150" y="3183222"/>
+                <a:ext cx="144000" cy="144463"/>
+              </a:xfrm>
+              <a:prstGeom prst="flowChartConnector">
+                <a:avLst/>
+              </a:prstGeom>
+              <a:solidFill>
+                <a:srgbClr val="FFC000"/>
+              </a:solidFill>
+            </p:spPr>
+            <p:style>
+              <a:lnRef idx="2">
+                <a:schemeClr val="accent1">
+                  <a:shade val="15000"/>
+                </a:schemeClr>
+              </a:lnRef>
+              <a:fillRef idx="1">
+                <a:schemeClr val="accent1"/>
+              </a:fillRef>
+              <a:effectRef idx="0">
+                <a:schemeClr val="accent1"/>
+              </a:effectRef>
+              <a:fontRef idx="minor">
+                <a:schemeClr val="lt1"/>
+              </a:fontRef>
+            </p:style>
+            <p:txBody>
+              <a:bodyPr rtlCol="0" anchor="ctr"/>
+              <a:lstStyle/>
+              <a:p>
+                <a:pPr algn="ctr"/>
+                <a:endParaRPr lang="en-ID" dirty="0"/>
+              </a:p>
+            </p:txBody>
+          </p:sp>
+          <p:sp>
+            <p:nvSpPr>
+              <p:cNvPr id="42" name="TextBox 41">
+                <a:extLst>
+                  <a:ext uri="{FF2B5EF4-FFF2-40B4-BE49-F238E27FC236}">
+                    <a16:creationId xmlns:a16="http://schemas.microsoft.com/office/drawing/2014/main" id="{29620F07-084A-439B-D510-74F28E22A65C}"/>
+                  </a:ext>
+                </a:extLst>
+              </p:cNvPr>
+              <p:cNvSpPr txBox="1"/>
+              <p:nvPr/>
+            </p:nvSpPr>
+            <p:spPr>
+              <a:xfrm>
+                <a:off x="10592106" y="3317647"/>
+                <a:ext cx="360594" cy="369322"/>
+              </a:xfrm>
+              <a:prstGeom prst="rect">
+                <a:avLst/>
+              </a:prstGeom>
+              <a:noFill/>
+            </p:spPr>
+            <p:txBody>
+              <a:bodyPr wrap="square" rtlCol="0">
+                <a:spAutoFit/>
+              </a:bodyPr>
+              <a:lstStyle/>
+              <a:p>
+                <a:pPr algn="ctr"/>
+                <a:r>
+                  <a:rPr lang="en-US" dirty="0">
+                    <a:solidFill>
+                      <a:schemeClr val="bg1"/>
+                    </a:solidFill>
+                    <a:latin typeface="Times New Roman" panose="02020603050405020304" pitchFamily="18" charset="0"/>
+                    <a:cs typeface="Times New Roman" panose="02020603050405020304" pitchFamily="18" charset="0"/>
+                  </a:rPr>
+                  <a:t>M</a:t>
+                </a:r>
+                <a:endParaRPr lang="en-ID" dirty="0">
+                  <a:solidFill>
+                    <a:schemeClr val="bg1"/>
+                  </a:solidFill>
+                  <a:latin typeface="Times New Roman" panose="02020603050405020304" pitchFamily="18" charset="0"/>
+                  <a:cs typeface="Times New Roman" panose="02020603050405020304" pitchFamily="18" charset="0"/>
+                </a:endParaRPr>
+              </a:p>
+            </p:txBody>
+          </p:sp>
+          <p:sp>
+            <p:nvSpPr>
+              <p:cNvPr id="43" name="TextBox 42">
+                <a:extLst>
+                  <a:ext uri="{FF2B5EF4-FFF2-40B4-BE49-F238E27FC236}">
+                    <a16:creationId xmlns:a16="http://schemas.microsoft.com/office/drawing/2014/main" id="{2E83AB2E-8C0C-868C-0671-50B44CFAA937}"/>
+                  </a:ext>
+                </a:extLst>
+              </p:cNvPr>
+              <p:cNvSpPr txBox="1"/>
+              <p:nvPr/>
+            </p:nvSpPr>
+            <p:spPr>
+              <a:xfrm>
+                <a:off x="8879762" y="3902459"/>
+                <a:ext cx="360594" cy="369322"/>
+              </a:xfrm>
+              <a:prstGeom prst="rect">
+                <a:avLst/>
+              </a:prstGeom>
+              <a:noFill/>
+            </p:spPr>
+            <p:txBody>
+              <a:bodyPr wrap="square" rtlCol="0">
+                <a:spAutoFit/>
+              </a:bodyPr>
+              <a:lstStyle/>
+              <a:p>
+                <a:pPr algn="ctr"/>
+                <a:r>
+                  <a:rPr lang="en-US" dirty="0">
+                    <a:solidFill>
+                      <a:schemeClr val="bg1"/>
+                    </a:solidFill>
+                    <a:latin typeface="Times New Roman" panose="02020603050405020304" pitchFamily="18" charset="0"/>
+                    <a:cs typeface="Times New Roman" panose="02020603050405020304" pitchFamily="18" charset="0"/>
+                  </a:rPr>
+                  <a:t>R</a:t>
+                </a:r>
+                <a:endParaRPr lang="en-ID" dirty="0">
+                  <a:solidFill>
+                    <a:schemeClr val="bg1"/>
+                  </a:solidFill>
+                  <a:latin typeface="Times New Roman" panose="02020603050405020304" pitchFamily="18" charset="0"/>
+                  <a:cs typeface="Times New Roman" panose="02020603050405020304" pitchFamily="18" charset="0"/>
+                </a:endParaRPr>
+              </a:p>
+            </p:txBody>
+          </p:sp>
+          <p:cxnSp>
+            <p:nvCxnSpPr>
+              <p:cNvPr id="44" name="Straight Arrow Connector 43">
+                <a:extLst>
+                  <a:ext uri="{FF2B5EF4-FFF2-40B4-BE49-F238E27FC236}">
+                    <a16:creationId xmlns:a16="http://schemas.microsoft.com/office/drawing/2014/main" id="{E83FDB91-F640-6277-9C23-3778CE8981FB}"/>
+                  </a:ext>
+                </a:extLst>
+              </p:cNvPr>
+              <p:cNvCxnSpPr>
+                <a:stCxn id="43" idx="1"/>
+              </p:cNvCxnSpPr>
+              <p:nvPr/>
+            </p:nvCxnSpPr>
+            <p:spPr>
+              <a:xfrm flipH="1">
+                <a:off x="7240580" y="4087120"/>
+                <a:ext cx="1639182" cy="0"/>
+              </a:xfrm>
+              <a:prstGeom prst="straightConnector1">
+                <a:avLst/>
+              </a:prstGeom>
+              <a:ln w="31750">
+                <a:solidFill>
+                  <a:srgbClr val="00B050"/>
+                </a:solidFill>
+                <a:tailEnd type="triangle"/>
+              </a:ln>
+            </p:spPr>
+            <p:style>
+              <a:lnRef idx="1">
+                <a:schemeClr val="accent1"/>
+              </a:lnRef>
+              <a:fillRef idx="0">
+                <a:schemeClr val="accent1"/>
+              </a:fillRef>
+              <a:effectRef idx="0">
+                <a:schemeClr val="accent1"/>
+              </a:effectRef>
+              <a:fontRef idx="minor">
+                <a:schemeClr val="tx1"/>
+              </a:fontRef>
+            </p:style>
+          </p:cxnSp>
+          <p:cxnSp>
+            <p:nvCxnSpPr>
+              <p:cNvPr id="45" name="Straight Arrow Connector 44">
+                <a:extLst>
+                  <a:ext uri="{FF2B5EF4-FFF2-40B4-BE49-F238E27FC236}">
+                    <a16:creationId xmlns:a16="http://schemas.microsoft.com/office/drawing/2014/main" id="{CBCF63FF-0E5E-2358-B3A7-C8E7C6B06E36}"/>
+                  </a:ext>
+                </a:extLst>
+              </p:cNvPr>
+              <p:cNvCxnSpPr>
+                <a:stCxn id="43" idx="3"/>
+              </p:cNvCxnSpPr>
+              <p:nvPr/>
+            </p:nvCxnSpPr>
+            <p:spPr>
+              <a:xfrm>
+                <a:off x="9240356" y="4087120"/>
+                <a:ext cx="1545272" cy="0"/>
+              </a:xfrm>
+              <a:prstGeom prst="straightConnector1">
+                <a:avLst/>
+              </a:prstGeom>
+              <a:ln w="31750">
+                <a:solidFill>
+                  <a:srgbClr val="00B050"/>
+                </a:solidFill>
+                <a:tailEnd type="triangle"/>
+              </a:ln>
+            </p:spPr>
+            <p:style>
+              <a:lnRef idx="1">
+                <a:schemeClr val="accent1"/>
+              </a:lnRef>
+              <a:fillRef idx="0">
+                <a:schemeClr val="accent1"/>
+              </a:fillRef>
+              <a:effectRef idx="0">
+                <a:schemeClr val="accent1"/>
+              </a:effectRef>
+              <a:fontRef idx="minor">
+                <a:schemeClr val="tx1"/>
+              </a:fontRef>
+            </p:style>
+          </p:cxnSp>
+          <p:sp>
+            <p:nvSpPr>
+              <p:cNvPr id="48" name="TextBox 47">
+                <a:extLst>
+                  <a:ext uri="{FF2B5EF4-FFF2-40B4-BE49-F238E27FC236}">
+                    <a16:creationId xmlns:a16="http://schemas.microsoft.com/office/drawing/2014/main" id="{2DD764BC-9388-8093-3D30-CB79EC998F31}"/>
+                  </a:ext>
+                </a:extLst>
+              </p:cNvPr>
+              <p:cNvSpPr txBox="1"/>
+              <p:nvPr/>
+            </p:nvSpPr>
+            <p:spPr>
+              <a:xfrm>
+                <a:off x="10943474" y="2779175"/>
+                <a:ext cx="1840170" cy="369332"/>
+              </a:xfrm>
+              <a:prstGeom prst="rect">
+                <a:avLst/>
+              </a:prstGeom>
+              <a:noFill/>
+            </p:spPr>
+            <p:txBody>
+              <a:bodyPr wrap="square" rtlCol="0">
+                <a:spAutoFit/>
+              </a:bodyPr>
+              <a:lstStyle/>
+              <a:p>
+                <a:pPr algn="ctr"/>
+                <a:r>
+                  <a:rPr lang="en-US" dirty="0" err="1">
+                    <a:solidFill>
+                      <a:schemeClr val="bg1"/>
+                    </a:solidFill>
+                    <a:latin typeface="Times New Roman" panose="02020603050405020304" pitchFamily="18" charset="0"/>
+                    <a:cs typeface="Times New Roman" panose="02020603050405020304" pitchFamily="18" charset="0"/>
+                  </a:rPr>
+                  <a:t>Sumbu</a:t>
+                </a:r>
+                <a:r>
+                  <a:rPr lang="en-US" dirty="0">
+                    <a:solidFill>
+                      <a:schemeClr val="bg1"/>
+                    </a:solidFill>
+                    <a:latin typeface="Times New Roman" panose="02020603050405020304" pitchFamily="18" charset="0"/>
+                    <a:cs typeface="Times New Roman" panose="02020603050405020304" pitchFamily="18" charset="0"/>
+                  </a:rPr>
+                  <a:t> </a:t>
+                </a:r>
+                <a:r>
+                  <a:rPr lang="en-US" dirty="0" err="1">
+                    <a:solidFill>
+                      <a:schemeClr val="bg1"/>
+                    </a:solidFill>
+                    <a:latin typeface="Times New Roman" panose="02020603050405020304" pitchFamily="18" charset="0"/>
+                    <a:cs typeface="Times New Roman" panose="02020603050405020304" pitchFamily="18" charset="0"/>
+                  </a:rPr>
+                  <a:t>utama</a:t>
+                </a:r>
+                <a:endParaRPr lang="en-ID" dirty="0">
+                  <a:solidFill>
+                    <a:schemeClr val="bg1"/>
+                  </a:solidFill>
+                  <a:latin typeface="Times New Roman" panose="02020603050405020304" pitchFamily="18" charset="0"/>
+                  <a:cs typeface="Times New Roman" panose="02020603050405020304" pitchFamily="18" charset="0"/>
+                </a:endParaRPr>
+              </a:p>
+            </p:txBody>
+          </p:sp>
+          <p:sp>
+            <p:nvSpPr>
+              <p:cNvPr id="50" name="TextBox 49">
+                <a:extLst>
+                  <a:ext uri="{FF2B5EF4-FFF2-40B4-BE49-F238E27FC236}">
+                    <a16:creationId xmlns:a16="http://schemas.microsoft.com/office/drawing/2014/main" id="{49DAFA31-CC25-3BD1-2100-E8EB2B504063}"/>
+                  </a:ext>
+                </a:extLst>
+              </p:cNvPr>
+              <p:cNvSpPr txBox="1"/>
+              <p:nvPr/>
+            </p:nvSpPr>
+            <p:spPr>
+              <a:xfrm>
+                <a:off x="7975503" y="2528508"/>
+                <a:ext cx="360594" cy="369322"/>
+              </a:xfrm>
+              <a:prstGeom prst="rect">
+                <a:avLst/>
+              </a:prstGeom>
+              <a:noFill/>
+            </p:spPr>
+            <p:txBody>
+              <a:bodyPr wrap="square" rtlCol="0">
+                <a:spAutoFit/>
+              </a:bodyPr>
+              <a:lstStyle/>
+              <a:p>
+                <a:pPr algn="ctr"/>
+                <a:r>
+                  <a:rPr lang="en-US" dirty="0">
+                    <a:solidFill>
+                      <a:schemeClr val="bg1"/>
+                    </a:solidFill>
+                    <a:latin typeface="Times New Roman" panose="02020603050405020304" pitchFamily="18" charset="0"/>
+                    <a:cs typeface="Times New Roman" panose="02020603050405020304" pitchFamily="18" charset="0"/>
+                  </a:rPr>
+                  <a:t>f</a:t>
+                </a:r>
+                <a:endParaRPr lang="en-ID" dirty="0">
+                  <a:solidFill>
+                    <a:schemeClr val="bg1"/>
+                  </a:solidFill>
+                  <a:latin typeface="Times New Roman" panose="02020603050405020304" pitchFamily="18" charset="0"/>
+                  <a:cs typeface="Times New Roman" panose="02020603050405020304" pitchFamily="18" charset="0"/>
+                </a:endParaRPr>
+              </a:p>
+            </p:txBody>
+          </p:sp>
+          <p:cxnSp>
+            <p:nvCxnSpPr>
+              <p:cNvPr id="51" name="Straight Arrow Connector 50">
+                <a:extLst>
+                  <a:ext uri="{FF2B5EF4-FFF2-40B4-BE49-F238E27FC236}">
+                    <a16:creationId xmlns:a16="http://schemas.microsoft.com/office/drawing/2014/main" id="{2965884B-810F-8421-D003-0AB8CF85321C}"/>
+                  </a:ext>
+                </a:extLst>
+              </p:cNvPr>
+              <p:cNvCxnSpPr>
+                <a:cxnSpLocks/>
+              </p:cNvCxnSpPr>
+              <p:nvPr/>
+            </p:nvCxnSpPr>
+            <p:spPr>
+              <a:xfrm flipH="1">
+                <a:off x="7240580" y="2711944"/>
+                <a:ext cx="720000" cy="0"/>
+              </a:xfrm>
+              <a:prstGeom prst="straightConnector1">
+                <a:avLst/>
+              </a:prstGeom>
+              <a:ln w="31750">
+                <a:solidFill>
+                  <a:schemeClr val="accent2"/>
+                </a:solidFill>
+                <a:tailEnd type="triangle"/>
+              </a:ln>
+            </p:spPr>
+            <p:style>
+              <a:lnRef idx="1">
+                <a:schemeClr val="accent1"/>
+              </a:lnRef>
+              <a:fillRef idx="0">
+                <a:schemeClr val="accent1"/>
+              </a:fillRef>
+              <a:effectRef idx="0">
+                <a:schemeClr val="accent1"/>
+              </a:effectRef>
+              <a:fontRef idx="minor">
+                <a:schemeClr val="tx1"/>
+              </a:fontRef>
+            </p:style>
+          </p:cxnSp>
+          <p:cxnSp>
+            <p:nvCxnSpPr>
+              <p:cNvPr id="52" name="Straight Arrow Connector 51">
+                <a:extLst>
+                  <a:ext uri="{FF2B5EF4-FFF2-40B4-BE49-F238E27FC236}">
+                    <a16:creationId xmlns:a16="http://schemas.microsoft.com/office/drawing/2014/main" id="{D652461A-EE37-0EE7-57AA-72B8A1C1ACCD}"/>
+                  </a:ext>
+                </a:extLst>
+              </p:cNvPr>
+              <p:cNvCxnSpPr>
+                <a:cxnSpLocks/>
+              </p:cNvCxnSpPr>
+              <p:nvPr/>
+            </p:nvCxnSpPr>
+            <p:spPr>
+              <a:xfrm>
+                <a:off x="8329284" y="2711944"/>
+                <a:ext cx="720000" cy="0"/>
+              </a:xfrm>
+              <a:prstGeom prst="straightConnector1">
+                <a:avLst/>
+              </a:prstGeom>
+              <a:ln w="31750">
+                <a:solidFill>
+                  <a:schemeClr val="accent2"/>
+                </a:solidFill>
+                <a:tailEnd type="triangle"/>
+              </a:ln>
+            </p:spPr>
+            <p:style>
+              <a:lnRef idx="1">
+                <a:schemeClr val="accent1"/>
+              </a:lnRef>
+              <a:fillRef idx="0">
+                <a:schemeClr val="accent1"/>
+              </a:fillRef>
+              <a:effectRef idx="0">
+                <a:schemeClr val="accent1"/>
+              </a:effectRef>
+              <a:fontRef idx="minor">
+                <a:schemeClr val="tx1"/>
+              </a:fontRef>
+            </p:style>
+          </p:cxnSp>
+        </p:grpSp>
+        <p:cxnSp>
+          <p:nvCxnSpPr>
+            <p:cNvPr id="29" name="Straight Arrow Connector 28">
+              <a:extLst>
+                <a:ext uri="{FF2B5EF4-FFF2-40B4-BE49-F238E27FC236}">
+                  <a16:creationId xmlns:a16="http://schemas.microsoft.com/office/drawing/2014/main" id="{7D717B39-9756-88C8-5E44-E0071944B519}"/>
+                </a:ext>
+              </a:extLst>
+            </p:cNvPr>
+            <p:cNvCxnSpPr>
+              <a:cxnSpLocks/>
+            </p:cNvCxnSpPr>
+            <p:nvPr/>
+          </p:nvCxnSpPr>
+          <p:spPr>
+            <a:xfrm>
+              <a:off x="3341430" y="1828800"/>
+              <a:ext cx="4352142" cy="0"/>
+            </a:xfrm>
+            <a:prstGeom prst="straightConnector1">
+              <a:avLst/>
+            </a:prstGeom>
+            <a:ln w="50800">
+              <a:solidFill>
+                <a:srgbClr val="FFFF00"/>
+              </a:solidFill>
+              <a:tailEnd type="triangle"/>
+            </a:ln>
+          </p:spPr>
+          <p:style>
+            <a:lnRef idx="1">
+              <a:schemeClr val="accent1"/>
+            </a:lnRef>
+            <a:fillRef idx="0">
+              <a:schemeClr val="accent1"/>
+            </a:fillRef>
+            <a:effectRef idx="0">
+              <a:schemeClr val="accent1"/>
+            </a:effectRef>
+            <a:fontRef idx="minor">
+              <a:schemeClr val="tx1"/>
+            </a:fontRef>
+          </p:style>
+        </p:cxnSp>
+        <p:cxnSp>
+          <p:nvCxnSpPr>
+            <p:cNvPr id="31" name="Straight Arrow Connector 30">
+              <a:extLst>
+                <a:ext uri="{FF2B5EF4-FFF2-40B4-BE49-F238E27FC236}">
+                  <a16:creationId xmlns:a16="http://schemas.microsoft.com/office/drawing/2014/main" id="{D04A4893-F748-E958-BA13-B5BB513C9ACC}"/>
+                </a:ext>
+              </a:extLst>
+            </p:cNvPr>
+            <p:cNvCxnSpPr>
+              <a:cxnSpLocks/>
+            </p:cNvCxnSpPr>
+            <p:nvPr/>
+          </p:nvCxnSpPr>
+          <p:spPr>
+            <a:xfrm flipH="1" flipV="1">
+              <a:off x="5757311" y="475457"/>
+              <a:ext cx="1936261" cy="1353343"/>
+            </a:xfrm>
+            <a:prstGeom prst="straightConnector1">
+              <a:avLst/>
+            </a:prstGeom>
+            <a:ln w="50800">
+              <a:solidFill>
+                <a:srgbClr val="FFFF00"/>
+              </a:solidFill>
+              <a:tailEnd type="triangle"/>
+            </a:ln>
+          </p:spPr>
+          <p:style>
+            <a:lnRef idx="1">
+              <a:schemeClr val="accent1"/>
+            </a:lnRef>
+            <a:fillRef idx="0">
+              <a:schemeClr val="accent1"/>
+            </a:fillRef>
+            <a:effectRef idx="0">
+              <a:schemeClr val="accent1"/>
+            </a:effectRef>
+            <a:fontRef idx="minor">
+              <a:schemeClr val="tx1"/>
+            </a:fontRef>
+          </p:style>
+        </p:cxnSp>
+      </p:grpSp>
+    </p:spTree>
+    <p:extLst>
+      <p:ext uri="{BB962C8B-B14F-4D97-AF65-F5344CB8AC3E}">
+        <p14:creationId xmlns:p14="http://schemas.microsoft.com/office/powerpoint/2010/main" val="3236924627"/>
+      </p:ext>
+    </p:extLst>
+  </p:cSld>
+  <p:clrMapOvr>
+    <a:masterClrMapping/>
+  </p:clrMapOvr>
+</p:sld>
+</file>
+
+<file path=ppt/slides/slide8.xml><?xml version="1.0" encoding="utf-8"?>
+<p:sld xmlns:a="http://schemas.openxmlformats.org/drawingml/2006/main" xmlns:r="http://schemas.openxmlformats.org/officeDocument/2006/relationships" xmlns:p="http://schemas.openxmlformats.org/presentationml/2006/main">
+  <p:cSld>
+    <p:spTree>
+      <p:nvGrpSpPr>
+        <p:cNvPr id="1" name=""/>
+        <p:cNvGrpSpPr/>
+        <p:nvPr/>
+      </p:nvGrpSpPr>
+      <p:grpSpPr>
+        <a:xfrm>
+          <a:off x="0" y="0"/>
+          <a:ext cx="0" cy="0"/>
+          <a:chOff x="0" y="0"/>
+          <a:chExt cx="0" cy="0"/>
+        </a:xfrm>
+      </p:grpSpPr>
+      <p:grpSp>
+        <p:nvGrpSpPr>
+          <p:cNvPr id="36" name="Group 35">
+            <a:extLst>
+              <a:ext uri="{FF2B5EF4-FFF2-40B4-BE49-F238E27FC236}">
+                <a16:creationId xmlns:a16="http://schemas.microsoft.com/office/drawing/2014/main" id="{D89CB1A4-699B-67C6-B95E-A7B57B5314EA}"/>
+              </a:ext>
+            </a:extLst>
+          </p:cNvPr>
+          <p:cNvGrpSpPr/>
+          <p:nvPr/>
+        </p:nvGrpSpPr>
+        <p:grpSpPr>
+          <a:xfrm>
+            <a:off x="185165" y="0"/>
+            <a:ext cx="9801741" cy="6858000"/>
+            <a:chOff x="830057" y="0"/>
+            <a:chExt cx="9801741" cy="6858000"/>
+          </a:xfrm>
+        </p:grpSpPr>
+        <p:grpSp>
+          <p:nvGrpSpPr>
+            <p:cNvPr id="27" name="Group 26">
+              <a:extLst>
+                <a:ext uri="{FF2B5EF4-FFF2-40B4-BE49-F238E27FC236}">
+                  <a16:creationId xmlns:a16="http://schemas.microsoft.com/office/drawing/2014/main" id="{694FE933-B069-28CB-4A21-C4C372F48571}"/>
+                </a:ext>
+              </a:extLst>
+            </p:cNvPr>
+            <p:cNvGrpSpPr/>
+            <p:nvPr/>
+          </p:nvGrpSpPr>
+          <p:grpSpPr>
+            <a:xfrm>
+              <a:off x="830057" y="0"/>
+              <a:ext cx="9801741" cy="6858000"/>
+              <a:chOff x="830057" y="0"/>
+              <a:chExt cx="9801741" cy="6858000"/>
+            </a:xfrm>
+          </p:grpSpPr>
+          <p:grpSp>
+            <p:nvGrpSpPr>
+              <p:cNvPr id="2" name="Group 1">
+                <a:extLst>
+                  <a:ext uri="{FF2B5EF4-FFF2-40B4-BE49-F238E27FC236}">
+                    <a16:creationId xmlns:a16="http://schemas.microsoft.com/office/drawing/2014/main" id="{86A5D5CD-27DB-6F68-2CB1-84ADBC676088}"/>
+                  </a:ext>
+                </a:extLst>
+              </p:cNvPr>
+              <p:cNvGrpSpPr/>
+              <p:nvPr/>
+            </p:nvGrpSpPr>
+            <p:grpSpPr>
+              <a:xfrm>
+                <a:off x="830057" y="0"/>
+                <a:ext cx="9801741" cy="6858000"/>
+                <a:chOff x="-1268928" y="0"/>
+                <a:chExt cx="9801741" cy="6858000"/>
+              </a:xfrm>
+            </p:grpSpPr>
+            <p:sp>
+              <p:nvSpPr>
+                <p:cNvPr id="3" name="Arc 5" descr="Dark downward diagonal">
+                  <a:extLst>
+                    <a:ext uri="{FF2B5EF4-FFF2-40B4-BE49-F238E27FC236}">
+                      <a16:creationId xmlns:a16="http://schemas.microsoft.com/office/drawing/2014/main" id="{31425469-D3D8-0B5F-1B7D-A06CDFC0D208}"/>
+                    </a:ext>
+                  </a:extLst>
+                </p:cNvPr>
+                <p:cNvSpPr>
+                  <a:spLocks/>
+                </p:cNvSpPr>
+                <p:nvPr/>
+              </p:nvSpPr>
+              <p:spPr bwMode="auto">
+                <a:xfrm rot="5400000">
+                  <a:off x="1666588" y="1979333"/>
+                  <a:ext cx="6408738" cy="2972359"/>
+                </a:xfrm>
+                <a:custGeom>
+                  <a:avLst/>
+                  <a:gdLst>
+                    <a:gd name="T0" fmla="*/ 0 w 43142"/>
+                    <a:gd name="T1" fmla="*/ 205 h 21600"/>
+                    <a:gd name="T2" fmla="*/ 378 w 43142"/>
+                    <a:gd name="T3" fmla="*/ 202 h 21600"/>
+                    <a:gd name="T4" fmla="*/ 189 w 43142"/>
+                    <a:gd name="T5" fmla="*/ 215 h 21600"/>
+                    <a:gd name="T6" fmla="*/ 0 60000 65536"/>
+                    <a:gd name="T7" fmla="*/ 0 60000 65536"/>
+                    <a:gd name="T8" fmla="*/ 0 60000 65536"/>
+                    <a:gd name="T9" fmla="*/ 0 w 43142"/>
+                    <a:gd name="T10" fmla="*/ 0 h 21600"/>
+                    <a:gd name="T11" fmla="*/ 43142 w 43142"/>
+                    <a:gd name="T12" fmla="*/ 21600 h 21600"/>
+                  </a:gdLst>
+                  <a:ahLst/>
+                  <a:cxnLst>
+                    <a:cxn ang="T6">
+                      <a:pos x="T0" y="T1"/>
+                    </a:cxn>
+                    <a:cxn ang="T7">
+                      <a:pos x="T2" y="T3"/>
+                    </a:cxn>
+                    <a:cxn ang="T8">
+                      <a:pos x="T4" y="T5"/>
+                    </a:cxn>
+                  </a:cxnLst>
+                  <a:rect l="T9" t="T10" r="T11" b="T12"/>
+                  <a:pathLst>
+                    <a:path w="43142" h="21600" fill="none" extrusionOk="0">
+                      <a:moveTo>
+                        <a:pt x="-1" y="20635"/>
+                      </a:moveTo>
+                      <a:cubicBezTo>
+                        <a:pt x="515" y="9093"/>
+                        <a:pt x="10023" y="-1"/>
+                        <a:pt x="21578" y="0"/>
+                      </a:cubicBezTo>
+                      <a:cubicBezTo>
+                        <a:pt x="33022" y="0"/>
+                        <a:pt x="42481" y="8927"/>
+                        <a:pt x="43141" y="20353"/>
+                      </a:cubicBezTo>
+                    </a:path>
+                    <a:path w="43142" h="21600" stroke="0" extrusionOk="0">
+                      <a:moveTo>
+                        <a:pt x="-1" y="20635"/>
+                      </a:moveTo>
+                      <a:cubicBezTo>
+                        <a:pt x="515" y="9093"/>
+                        <a:pt x="10023" y="-1"/>
+                        <a:pt x="21578" y="0"/>
+                      </a:cubicBezTo>
+                      <a:cubicBezTo>
+                        <a:pt x="33022" y="0"/>
+                        <a:pt x="42481" y="8927"/>
+                        <a:pt x="43141" y="20353"/>
+                      </a:cubicBezTo>
+                      <a:lnTo>
+                        <a:pt x="21578" y="21600"/>
+                      </a:lnTo>
+                      <a:close/>
+                    </a:path>
+                  </a:pathLst>
+                </a:custGeom>
+                <a:pattFill prst="dkUpDiag">
+                  <a:fgClr>
+                    <a:srgbClr val="9999FF"/>
+                  </a:fgClr>
+                  <a:bgClr>
+                    <a:schemeClr val="bg1"/>
+                  </a:bgClr>
+                </a:pattFill>
+                <a:ln w="9525">
+                  <a:noFill/>
+                  <a:round/>
+                  <a:headEnd/>
+                  <a:tailEnd/>
+                </a:ln>
+              </p:spPr>
+              <p:txBody>
+                <a:bodyPr wrap="none" anchor="ctr"/>
+                <a:lstStyle/>
+                <a:p>
+                  <a:endParaRPr lang="id-ID" dirty="0"/>
+                </a:p>
+              </p:txBody>
+            </p:sp>
+            <p:sp>
+              <p:nvSpPr>
+                <p:cNvPr id="4" name="Arc 6">
+                  <a:extLst>
+                    <a:ext uri="{FF2B5EF4-FFF2-40B4-BE49-F238E27FC236}">
+                      <a16:creationId xmlns:a16="http://schemas.microsoft.com/office/drawing/2014/main" id="{F7053F89-CFF5-F727-C780-24464E1084A3}"/>
+                    </a:ext>
+                  </a:extLst>
+                </p:cNvPr>
+                <p:cNvSpPr>
+                  <a:spLocks/>
+                </p:cNvSpPr>
+                <p:nvPr/>
+              </p:nvSpPr>
+              <p:spPr bwMode="auto">
+                <a:xfrm rot="5400000">
+                  <a:off x="1756667" y="2112425"/>
+                  <a:ext cx="5922332" cy="2692800"/>
+                </a:xfrm>
+                <a:custGeom>
+                  <a:avLst/>
+                  <a:gdLst>
+                    <a:gd name="T0" fmla="*/ 0 w 43142"/>
+                    <a:gd name="T1" fmla="*/ 184 h 21600"/>
+                    <a:gd name="T2" fmla="*/ 321 w 43142"/>
+                    <a:gd name="T3" fmla="*/ 182 h 21600"/>
+                    <a:gd name="T4" fmla="*/ 160 w 43142"/>
+                    <a:gd name="T5" fmla="*/ 193 h 21600"/>
+                    <a:gd name="T6" fmla="*/ 0 60000 65536"/>
+                    <a:gd name="T7" fmla="*/ 0 60000 65536"/>
+                    <a:gd name="T8" fmla="*/ 0 60000 65536"/>
+                    <a:gd name="T9" fmla="*/ 0 w 43142"/>
+                    <a:gd name="T10" fmla="*/ 0 h 21600"/>
+                    <a:gd name="T11" fmla="*/ 43142 w 43142"/>
+                    <a:gd name="T12" fmla="*/ 21600 h 21600"/>
+                  </a:gdLst>
+                  <a:ahLst/>
+                  <a:cxnLst>
+                    <a:cxn ang="T6">
+                      <a:pos x="T0" y="T1"/>
+                    </a:cxn>
+                    <a:cxn ang="T7">
+                      <a:pos x="T2" y="T3"/>
+                    </a:cxn>
+                    <a:cxn ang="T8">
+                      <a:pos x="T4" y="T5"/>
+                    </a:cxn>
+                  </a:cxnLst>
+                  <a:rect l="T9" t="T10" r="T11" b="T12"/>
+                  <a:pathLst>
+                    <a:path w="43142" h="21600" fill="none" extrusionOk="0">
+                      <a:moveTo>
+                        <a:pt x="-1" y="20635"/>
+                      </a:moveTo>
+                      <a:cubicBezTo>
+                        <a:pt x="515" y="9093"/>
+                        <a:pt x="10023" y="-1"/>
+                        <a:pt x="21578" y="0"/>
+                      </a:cubicBezTo>
+                      <a:cubicBezTo>
+                        <a:pt x="33022" y="0"/>
+                        <a:pt x="42481" y="8927"/>
+                        <a:pt x="43141" y="20353"/>
+                      </a:cubicBezTo>
+                    </a:path>
+                    <a:path w="43142" h="21600" stroke="0" extrusionOk="0">
+                      <a:moveTo>
+                        <a:pt x="-1" y="20635"/>
+                      </a:moveTo>
+                      <a:cubicBezTo>
+                        <a:pt x="515" y="9093"/>
+                        <a:pt x="10023" y="-1"/>
+                        <a:pt x="21578" y="0"/>
+                      </a:cubicBezTo>
+                      <a:cubicBezTo>
+                        <a:pt x="33022" y="0"/>
+                        <a:pt x="42481" y="8927"/>
+                        <a:pt x="43141" y="20353"/>
+                      </a:cubicBezTo>
+                      <a:lnTo>
+                        <a:pt x="21578" y="21600"/>
+                      </a:lnTo>
+                      <a:close/>
+                    </a:path>
+                  </a:pathLst>
+                </a:custGeom>
+                <a:solidFill>
+                  <a:schemeClr val="tx1"/>
+                </a:solidFill>
+                <a:ln w="50800">
+                  <a:gradFill>
+                    <a:gsLst>
+                      <a:gs pos="40000">
+                        <a:schemeClr val="accent1"/>
+                      </a:gs>
+                      <a:gs pos="75000">
+                        <a:schemeClr val="accent1">
+                          <a:lumMod val="45000"/>
+                          <a:lumOff val="55000"/>
+                        </a:schemeClr>
+                      </a:gs>
+                      <a:gs pos="100000">
+                        <a:schemeClr val="accent1">
+                          <a:lumMod val="30000"/>
+                          <a:lumOff val="70000"/>
+                        </a:schemeClr>
+                      </a:gs>
+                    </a:gsLst>
+                    <a:lin ang="5400000" scaled="1"/>
+                  </a:gradFill>
+                  <a:round/>
+                  <a:headEnd/>
+                  <a:tailEnd/>
+                </a:ln>
+              </p:spPr>
+              <p:txBody>
+                <a:bodyPr wrap="none" anchor="ctr"/>
+                <a:lstStyle/>
+                <a:p>
+                  <a:endParaRPr lang="id-ID" dirty="0"/>
+                </a:p>
+              </p:txBody>
+            </p:sp>
+            <p:sp>
+              <p:nvSpPr>
+                <p:cNvPr id="5" name="Line 7">
+                  <a:extLst>
+                    <a:ext uri="{FF2B5EF4-FFF2-40B4-BE49-F238E27FC236}">
+                      <a16:creationId xmlns:a16="http://schemas.microsoft.com/office/drawing/2014/main" id="{BD8F62D7-1520-E2A1-A484-7C0F7F6543B5}"/>
+                    </a:ext>
+                  </a:extLst>
+                </p:cNvPr>
+                <p:cNvSpPr>
+                  <a:spLocks noChangeShapeType="1"/>
+                </p:cNvSpPr>
+                <p:nvPr/>
+              </p:nvSpPr>
+              <p:spPr bwMode="auto">
+                <a:xfrm rot="5400000">
+                  <a:off x="3598578" y="-1600916"/>
+                  <a:ext cx="19652" cy="9754663"/>
+                </a:xfrm>
+                <a:prstGeom prst="line">
+                  <a:avLst/>
+                </a:prstGeom>
+                <a:noFill/>
+                <a:ln w="28575">
+                  <a:solidFill>
+                    <a:srgbClr val="FF0000"/>
+                  </a:solidFill>
+                  <a:prstDash val="dash"/>
+                  <a:round/>
+                  <a:headEnd/>
+                  <a:tailEnd/>
+                </a:ln>
+              </p:spPr>
+              <p:txBody>
+                <a:bodyPr/>
+                <a:lstStyle/>
+                <a:p>
+                  <a:endParaRPr lang="id-ID"/>
+                </a:p>
+              </p:txBody>
+            </p:sp>
+            <p:sp>
+              <p:nvSpPr>
+                <p:cNvPr id="6" name="Line 8">
+                  <a:extLst>
+                    <a:ext uri="{FF2B5EF4-FFF2-40B4-BE49-F238E27FC236}">
+                      <a16:creationId xmlns:a16="http://schemas.microsoft.com/office/drawing/2014/main" id="{50DFAF2A-5BF8-1C47-54AB-EC7572A17D5E}"/>
+                    </a:ext>
+                  </a:extLst>
+                </p:cNvPr>
+                <p:cNvSpPr>
+                  <a:spLocks noChangeShapeType="1"/>
+                </p:cNvSpPr>
+                <p:nvPr/>
+              </p:nvSpPr>
+              <p:spPr bwMode="auto">
+                <a:xfrm>
+                  <a:off x="8532813" y="0"/>
+                  <a:ext cx="0" cy="6858000"/>
+                </a:xfrm>
+                <a:prstGeom prst="line">
+                  <a:avLst/>
+                </a:prstGeom>
+                <a:noFill/>
+                <a:ln w="9525">
+                  <a:solidFill>
+                    <a:schemeClr val="tx1"/>
+                  </a:solidFill>
+                  <a:prstDash val="dash"/>
+                  <a:round/>
+                  <a:headEnd/>
+                  <a:tailEnd/>
+                </a:ln>
+              </p:spPr>
+              <p:txBody>
+                <a:bodyPr/>
+                <a:lstStyle/>
+                <a:p>
+                  <a:endParaRPr lang="id-ID"/>
+                </a:p>
+              </p:txBody>
+            </p:sp>
+          </p:grpSp>
+          <p:sp>
+            <p:nvSpPr>
+              <p:cNvPr id="14" name="Flowchart: Connector 13">
+                <a:extLst>
+                  <a:ext uri="{FF2B5EF4-FFF2-40B4-BE49-F238E27FC236}">
+                    <a16:creationId xmlns:a16="http://schemas.microsoft.com/office/drawing/2014/main" id="{DFE787B1-9BF5-4279-051E-DF3487C6327F}"/>
+                  </a:ext>
+                </a:extLst>
+              </p:cNvPr>
+              <p:cNvSpPr/>
+              <p:nvPr/>
+            </p:nvSpPr>
+            <p:spPr>
+              <a:xfrm>
+                <a:off x="6644812" y="3192442"/>
+                <a:ext cx="144000" cy="144463"/>
+              </a:xfrm>
+              <a:prstGeom prst="flowChartConnector">
+                <a:avLst/>
+              </a:prstGeom>
+              <a:solidFill>
+                <a:srgbClr val="FFC000"/>
+              </a:solidFill>
+            </p:spPr>
+            <p:style>
+              <a:lnRef idx="2">
+                <a:schemeClr val="accent1">
+                  <a:shade val="15000"/>
+                </a:schemeClr>
+              </a:lnRef>
+              <a:fillRef idx="1">
+                <a:schemeClr val="accent1"/>
+              </a:fillRef>
+              <a:effectRef idx="0">
+                <a:schemeClr val="accent1"/>
+              </a:effectRef>
+              <a:fontRef idx="minor">
+                <a:schemeClr val="lt1"/>
+              </a:fontRef>
+            </p:style>
+            <p:txBody>
+              <a:bodyPr rtlCol="0" anchor="ctr"/>
+              <a:lstStyle/>
+              <a:p>
+                <a:pPr algn="ctr"/>
+                <a:endParaRPr lang="en-ID"/>
+              </a:p>
+            </p:txBody>
+          </p:sp>
+          <p:sp>
+            <p:nvSpPr>
+              <p:cNvPr id="15" name="Flowchart: Connector 14">
+                <a:extLst>
+                  <a:ext uri="{FF2B5EF4-FFF2-40B4-BE49-F238E27FC236}">
+                    <a16:creationId xmlns:a16="http://schemas.microsoft.com/office/drawing/2014/main" id="{9A7AD1B1-58D3-EA26-3D85-BE8911F21676}"/>
+                  </a:ext>
+                </a:extLst>
+              </p:cNvPr>
+              <p:cNvSpPr/>
+              <p:nvPr/>
+            </p:nvSpPr>
+            <p:spPr>
+              <a:xfrm>
+                <a:off x="5468831" y="3202472"/>
+                <a:ext cx="144000" cy="144463"/>
+              </a:xfrm>
+              <a:prstGeom prst="flowChartConnector">
+                <a:avLst/>
+              </a:prstGeom>
+              <a:solidFill>
+                <a:srgbClr val="FFC000"/>
+              </a:solidFill>
+            </p:spPr>
+            <p:style>
+              <a:lnRef idx="2">
+                <a:schemeClr val="accent1">
+                  <a:shade val="15000"/>
+                </a:schemeClr>
+              </a:lnRef>
+              <a:fillRef idx="1">
+                <a:schemeClr val="accent1"/>
+              </a:fillRef>
+              <a:effectRef idx="0">
+                <a:schemeClr val="accent1"/>
+              </a:effectRef>
+              <a:fontRef idx="minor">
+                <a:schemeClr val="lt1"/>
+              </a:fontRef>
+            </p:style>
+            <p:txBody>
+              <a:bodyPr rtlCol="0" anchor="ctr"/>
+              <a:lstStyle/>
+              <a:p>
+                <a:pPr algn="ctr"/>
+                <a:endParaRPr lang="en-ID"/>
+              </a:p>
+            </p:txBody>
+          </p:sp>
+          <p:sp>
+            <p:nvSpPr>
+              <p:cNvPr id="16" name="Flowchart: Connector 15">
+                <a:extLst>
+                  <a:ext uri="{FF2B5EF4-FFF2-40B4-BE49-F238E27FC236}">
+                    <a16:creationId xmlns:a16="http://schemas.microsoft.com/office/drawing/2014/main" id="{7FCF3AD1-A553-ADA6-21C8-EABC9BF3F7CD}"/>
+                  </a:ext>
+                </a:extLst>
+              </p:cNvPr>
+              <p:cNvSpPr/>
+              <p:nvPr/>
+            </p:nvSpPr>
+            <p:spPr>
+              <a:xfrm>
+                <a:off x="8048004" y="3202472"/>
+                <a:ext cx="144000" cy="144463"/>
+              </a:xfrm>
+              <a:prstGeom prst="flowChartConnector">
+                <a:avLst/>
+              </a:prstGeom>
+              <a:solidFill>
+                <a:srgbClr val="FFC000"/>
+              </a:solidFill>
+            </p:spPr>
+            <p:style>
+              <a:lnRef idx="2">
+                <a:schemeClr val="accent1">
+                  <a:shade val="15000"/>
+                </a:schemeClr>
+              </a:lnRef>
+              <a:fillRef idx="1">
+                <a:schemeClr val="accent1"/>
+              </a:fillRef>
+              <a:effectRef idx="0">
+                <a:schemeClr val="accent1"/>
+              </a:effectRef>
+              <a:fontRef idx="minor">
+                <a:schemeClr val="lt1"/>
+              </a:fontRef>
+            </p:style>
+            <p:txBody>
+              <a:bodyPr rtlCol="0" anchor="ctr"/>
+              <a:lstStyle/>
+              <a:p>
+                <a:pPr algn="ctr"/>
+                <a:endParaRPr lang="en-ID"/>
+              </a:p>
+            </p:txBody>
+          </p:sp>
+          <p:sp>
+            <p:nvSpPr>
+              <p:cNvPr id="17" name="TextBox 16">
+                <a:extLst>
+                  <a:ext uri="{FF2B5EF4-FFF2-40B4-BE49-F238E27FC236}">
+                    <a16:creationId xmlns:a16="http://schemas.microsoft.com/office/drawing/2014/main" id="{5BBA2C40-6B83-07DE-65B2-95F282C2DB55}"/>
+                  </a:ext>
+                </a:extLst>
+              </p:cNvPr>
+              <p:cNvSpPr txBox="1"/>
+              <p:nvPr/>
+            </p:nvSpPr>
+            <p:spPr>
+              <a:xfrm>
+                <a:off x="7949076" y="3346935"/>
+                <a:ext cx="360594" cy="369322"/>
+              </a:xfrm>
+              <a:prstGeom prst="rect">
+                <a:avLst/>
+              </a:prstGeom>
+              <a:noFill/>
+            </p:spPr>
+            <p:txBody>
+              <a:bodyPr wrap="square" rtlCol="0">
+                <a:spAutoFit/>
+              </a:bodyPr>
+              <a:lstStyle/>
+              <a:p>
+                <a:pPr algn="ctr"/>
+                <a:r>
+                  <a:rPr lang="en-US" b="1" dirty="0">
+                    <a:solidFill>
+                      <a:schemeClr val="bg1"/>
+                    </a:solidFill>
+                    <a:latin typeface="Times New Roman" panose="02020603050405020304" pitchFamily="18" charset="0"/>
+                    <a:cs typeface="Times New Roman" panose="02020603050405020304" pitchFamily="18" charset="0"/>
+                  </a:rPr>
+                  <a:t>O</a:t>
+                </a:r>
+                <a:endParaRPr lang="en-ID" b="1" dirty="0">
+                  <a:solidFill>
+                    <a:schemeClr val="bg1"/>
+                  </a:solidFill>
+                  <a:latin typeface="Times New Roman" panose="02020603050405020304" pitchFamily="18" charset="0"/>
+                  <a:cs typeface="Times New Roman" panose="02020603050405020304" pitchFamily="18" charset="0"/>
+                </a:endParaRPr>
+              </a:p>
+            </p:txBody>
+          </p:sp>
+          <p:sp>
+            <p:nvSpPr>
+              <p:cNvPr id="18" name="TextBox 17">
+                <a:extLst>
+                  <a:ext uri="{FF2B5EF4-FFF2-40B4-BE49-F238E27FC236}">
+                    <a16:creationId xmlns:a16="http://schemas.microsoft.com/office/drawing/2014/main" id="{BC3DFDE8-82E9-A8A3-54B4-1C9F9C3283C4}"/>
+                  </a:ext>
+                </a:extLst>
+              </p:cNvPr>
+              <p:cNvSpPr txBox="1"/>
+              <p:nvPr/>
+            </p:nvSpPr>
+            <p:spPr>
+              <a:xfrm>
+                <a:off x="6560595" y="3372826"/>
+                <a:ext cx="360594" cy="369322"/>
+              </a:xfrm>
+              <a:prstGeom prst="rect">
+                <a:avLst/>
+              </a:prstGeom>
+              <a:noFill/>
+            </p:spPr>
+            <p:txBody>
+              <a:bodyPr wrap="square" rtlCol="0">
+                <a:spAutoFit/>
+              </a:bodyPr>
+              <a:lstStyle/>
+              <a:p>
+                <a:pPr algn="ctr"/>
+                <a:r>
+                  <a:rPr lang="en-US" dirty="0">
+                    <a:solidFill>
+                      <a:schemeClr val="bg1"/>
+                    </a:solidFill>
+                    <a:latin typeface="Times New Roman" panose="02020603050405020304" pitchFamily="18" charset="0"/>
+                    <a:cs typeface="Times New Roman" panose="02020603050405020304" pitchFamily="18" charset="0"/>
+                  </a:rPr>
+                  <a:t>F</a:t>
+                </a:r>
+                <a:endParaRPr lang="en-ID" dirty="0">
+                  <a:solidFill>
+                    <a:schemeClr val="bg1"/>
+                  </a:solidFill>
+                  <a:latin typeface="Times New Roman" panose="02020603050405020304" pitchFamily="18" charset="0"/>
+                  <a:cs typeface="Times New Roman" panose="02020603050405020304" pitchFamily="18" charset="0"/>
+                </a:endParaRPr>
+              </a:p>
+            </p:txBody>
+          </p:sp>
+          <p:sp>
+            <p:nvSpPr>
+              <p:cNvPr id="19" name="TextBox 18">
+                <a:extLst>
+                  <a:ext uri="{FF2B5EF4-FFF2-40B4-BE49-F238E27FC236}">
+                    <a16:creationId xmlns:a16="http://schemas.microsoft.com/office/drawing/2014/main" id="{9C07EC6D-4E31-D4E5-5DF5-B025D793E6A4}"/>
+                  </a:ext>
+                </a:extLst>
+              </p:cNvPr>
+              <p:cNvSpPr txBox="1"/>
+              <p:nvPr/>
+            </p:nvSpPr>
+            <p:spPr>
+              <a:xfrm>
+                <a:off x="5385620" y="3327272"/>
+                <a:ext cx="360594" cy="369322"/>
+              </a:xfrm>
+              <a:prstGeom prst="rect">
+                <a:avLst/>
+              </a:prstGeom>
+              <a:noFill/>
+            </p:spPr>
+            <p:txBody>
+              <a:bodyPr wrap="square" rtlCol="0">
+                <a:spAutoFit/>
+              </a:bodyPr>
+              <a:lstStyle/>
+              <a:p>
+                <a:pPr algn="ctr"/>
+                <a:r>
+                  <a:rPr lang="en-US" dirty="0">
+                    <a:solidFill>
+                      <a:schemeClr val="bg1"/>
+                    </a:solidFill>
+                    <a:latin typeface="Times New Roman" panose="02020603050405020304" pitchFamily="18" charset="0"/>
+                    <a:cs typeface="Times New Roman" panose="02020603050405020304" pitchFamily="18" charset="0"/>
+                  </a:rPr>
+                  <a:t>M</a:t>
+                </a:r>
+                <a:endParaRPr lang="en-ID" dirty="0">
+                  <a:solidFill>
+                    <a:schemeClr val="bg1"/>
+                  </a:solidFill>
+                  <a:latin typeface="Times New Roman" panose="02020603050405020304" pitchFamily="18" charset="0"/>
+                  <a:cs typeface="Times New Roman" panose="02020603050405020304" pitchFamily="18" charset="0"/>
+                </a:endParaRPr>
+              </a:p>
+            </p:txBody>
+          </p:sp>
+          <p:sp>
+            <p:nvSpPr>
+              <p:cNvPr id="22" name="TextBox 21">
+                <a:extLst>
+                  <a:ext uri="{FF2B5EF4-FFF2-40B4-BE49-F238E27FC236}">
+                    <a16:creationId xmlns:a16="http://schemas.microsoft.com/office/drawing/2014/main" id="{23908C75-54DE-3882-E918-4BF38A8693BC}"/>
+                  </a:ext>
+                </a:extLst>
+              </p:cNvPr>
+              <p:cNvSpPr txBox="1"/>
+              <p:nvPr/>
+            </p:nvSpPr>
+            <p:spPr>
+              <a:xfrm>
+                <a:off x="6560595" y="3894383"/>
+                <a:ext cx="360594" cy="369322"/>
+              </a:xfrm>
+              <a:prstGeom prst="rect">
+                <a:avLst/>
+              </a:prstGeom>
+              <a:noFill/>
+            </p:spPr>
+            <p:txBody>
+              <a:bodyPr wrap="square" rtlCol="0">
+                <a:spAutoFit/>
+              </a:bodyPr>
+              <a:lstStyle/>
+              <a:p>
+                <a:pPr algn="ctr"/>
+                <a:r>
+                  <a:rPr lang="en-US" dirty="0">
+                    <a:solidFill>
+                      <a:schemeClr val="bg1"/>
+                    </a:solidFill>
+                    <a:latin typeface="Times New Roman" panose="02020603050405020304" pitchFamily="18" charset="0"/>
+                    <a:cs typeface="Times New Roman" panose="02020603050405020304" pitchFamily="18" charset="0"/>
+                  </a:rPr>
+                  <a:t>R</a:t>
+                </a:r>
+                <a:endParaRPr lang="en-ID" dirty="0">
+                  <a:solidFill>
+                    <a:schemeClr val="bg1"/>
+                  </a:solidFill>
+                  <a:latin typeface="Times New Roman" panose="02020603050405020304" pitchFamily="18" charset="0"/>
+                  <a:cs typeface="Times New Roman" panose="02020603050405020304" pitchFamily="18" charset="0"/>
+                </a:endParaRPr>
+              </a:p>
+            </p:txBody>
+          </p:sp>
+          <p:cxnSp>
+            <p:nvCxnSpPr>
+              <p:cNvPr id="24" name="Straight Arrow Connector 23">
+                <a:extLst>
+                  <a:ext uri="{FF2B5EF4-FFF2-40B4-BE49-F238E27FC236}">
+                    <a16:creationId xmlns:a16="http://schemas.microsoft.com/office/drawing/2014/main" id="{BBFB2872-EB81-3AA9-9DF1-0A791B15EBBC}"/>
+                  </a:ext>
+                </a:extLst>
+              </p:cNvPr>
+              <p:cNvCxnSpPr>
+                <a:cxnSpLocks/>
+              </p:cNvCxnSpPr>
+              <p:nvPr/>
+            </p:nvCxnSpPr>
+            <p:spPr>
+              <a:xfrm flipH="1">
+                <a:off x="5444595" y="4079044"/>
+                <a:ext cx="1116000" cy="0"/>
+              </a:xfrm>
+              <a:prstGeom prst="straightConnector1">
+                <a:avLst/>
+              </a:prstGeom>
+              <a:ln w="31750">
+                <a:solidFill>
+                  <a:srgbClr val="00B050"/>
+                </a:solidFill>
+                <a:tailEnd type="triangle"/>
+              </a:ln>
+            </p:spPr>
+            <p:style>
+              <a:lnRef idx="1">
+                <a:schemeClr val="accent1"/>
+              </a:lnRef>
+              <a:fillRef idx="0">
+                <a:schemeClr val="accent1"/>
+              </a:fillRef>
+              <a:effectRef idx="0">
+                <a:schemeClr val="accent1"/>
+              </a:effectRef>
+              <a:fontRef idx="minor">
+                <a:schemeClr val="tx1"/>
+              </a:fontRef>
+            </p:style>
+          </p:cxnSp>
+          <p:cxnSp>
+            <p:nvCxnSpPr>
+              <p:cNvPr id="26" name="Straight Arrow Connector 25">
+                <a:extLst>
+                  <a:ext uri="{FF2B5EF4-FFF2-40B4-BE49-F238E27FC236}">
+                    <a16:creationId xmlns:a16="http://schemas.microsoft.com/office/drawing/2014/main" id="{8884BA3E-59B5-60EB-39EE-A1FF4499D9C8}"/>
+                  </a:ext>
+                </a:extLst>
+              </p:cNvPr>
+              <p:cNvCxnSpPr>
+                <a:stCxn id="22" idx="3"/>
+              </p:cNvCxnSpPr>
+              <p:nvPr/>
+            </p:nvCxnSpPr>
+            <p:spPr>
+              <a:xfrm>
+                <a:off x="6921189" y="4079044"/>
+                <a:ext cx="1224000" cy="0"/>
+              </a:xfrm>
+              <a:prstGeom prst="straightConnector1">
+                <a:avLst/>
+              </a:prstGeom>
+              <a:ln w="31750">
+                <a:solidFill>
+                  <a:srgbClr val="00B050"/>
+                </a:solidFill>
+                <a:tailEnd type="triangle"/>
+              </a:ln>
+            </p:spPr>
+            <p:style>
+              <a:lnRef idx="1">
+                <a:schemeClr val="accent1"/>
+              </a:lnRef>
+              <a:fillRef idx="0">
+                <a:schemeClr val="accent1"/>
+              </a:fillRef>
+              <a:effectRef idx="0">
+                <a:schemeClr val="accent1"/>
+              </a:effectRef>
+              <a:fontRef idx="minor">
+                <a:schemeClr val="tx1"/>
+              </a:fontRef>
+            </p:style>
+          </p:cxnSp>
+          <p:sp>
+            <p:nvSpPr>
+              <p:cNvPr id="34" name="TextBox 33">
+                <a:extLst>
+                  <a:ext uri="{FF2B5EF4-FFF2-40B4-BE49-F238E27FC236}">
+                    <a16:creationId xmlns:a16="http://schemas.microsoft.com/office/drawing/2014/main" id="{E462A60D-4FEA-B84A-F9B0-3693286F3139}"/>
+                  </a:ext>
+                </a:extLst>
+              </p:cNvPr>
+              <p:cNvSpPr txBox="1"/>
+              <p:nvPr/>
+            </p:nvSpPr>
+            <p:spPr>
+              <a:xfrm>
+                <a:off x="3906043" y="1838241"/>
+                <a:ext cx="1840170" cy="369332"/>
+              </a:xfrm>
+              <a:prstGeom prst="rect">
+                <a:avLst/>
+              </a:prstGeom>
+              <a:noFill/>
+            </p:spPr>
+            <p:txBody>
+              <a:bodyPr wrap="square" rtlCol="0">
+                <a:spAutoFit/>
+              </a:bodyPr>
+              <a:lstStyle/>
+              <a:p>
+                <a:pPr algn="ctr"/>
+                <a:r>
+                  <a:rPr lang="en-US" dirty="0" err="1">
+                    <a:solidFill>
+                      <a:schemeClr val="bg1"/>
+                    </a:solidFill>
+                    <a:latin typeface="Times New Roman" panose="02020603050405020304" pitchFamily="18" charset="0"/>
+                    <a:cs typeface="Times New Roman" panose="02020603050405020304" pitchFamily="18" charset="0"/>
+                  </a:rPr>
+                  <a:t>Sinar</a:t>
+                </a:r>
+                <a:r>
+                  <a:rPr lang="en-US" dirty="0">
+                    <a:solidFill>
+                      <a:schemeClr val="bg1"/>
+                    </a:solidFill>
+                    <a:latin typeface="Times New Roman" panose="02020603050405020304" pitchFamily="18" charset="0"/>
+                    <a:cs typeface="Times New Roman" panose="02020603050405020304" pitchFamily="18" charset="0"/>
+                  </a:rPr>
+                  <a:t> </a:t>
+                </a:r>
+                <a:r>
+                  <a:rPr lang="en-US" dirty="0" err="1">
+                    <a:solidFill>
+                      <a:schemeClr val="bg1"/>
+                    </a:solidFill>
+                    <a:latin typeface="Times New Roman" panose="02020603050405020304" pitchFamily="18" charset="0"/>
+                    <a:cs typeface="Times New Roman" panose="02020603050405020304" pitchFamily="18" charset="0"/>
+                  </a:rPr>
+                  <a:t>datang</a:t>
+                </a:r>
+                <a:r>
+                  <a:rPr lang="en-US" dirty="0">
+                    <a:solidFill>
+                      <a:schemeClr val="bg1"/>
+                    </a:solidFill>
+                    <a:latin typeface="Times New Roman" panose="02020603050405020304" pitchFamily="18" charset="0"/>
+                    <a:cs typeface="Times New Roman" panose="02020603050405020304" pitchFamily="18" charset="0"/>
+                  </a:rPr>
+                  <a:t> </a:t>
+                </a:r>
+                <a:endParaRPr lang="en-ID" dirty="0">
+                  <a:solidFill>
+                    <a:schemeClr val="bg1"/>
+                  </a:solidFill>
+                  <a:latin typeface="Times New Roman" panose="02020603050405020304" pitchFamily="18" charset="0"/>
+                  <a:cs typeface="Times New Roman" panose="02020603050405020304" pitchFamily="18" charset="0"/>
+                </a:endParaRPr>
+              </a:p>
+            </p:txBody>
+          </p:sp>
+          <p:sp>
+            <p:nvSpPr>
+              <p:cNvPr id="35" name="TextBox 34">
+                <a:extLst>
+                  <a:ext uri="{FF2B5EF4-FFF2-40B4-BE49-F238E27FC236}">
+                    <a16:creationId xmlns:a16="http://schemas.microsoft.com/office/drawing/2014/main" id="{EFF3FF22-0DD4-149C-74EC-3CDE6A370FE1}"/>
+                  </a:ext>
+                </a:extLst>
+              </p:cNvPr>
+              <p:cNvSpPr txBox="1"/>
+              <p:nvPr/>
+            </p:nvSpPr>
+            <p:spPr>
+              <a:xfrm>
+                <a:off x="5640510" y="2560687"/>
+                <a:ext cx="1840170" cy="369332"/>
+              </a:xfrm>
+              <a:prstGeom prst="rect">
+                <a:avLst/>
+              </a:prstGeom>
+              <a:noFill/>
+            </p:spPr>
+            <p:txBody>
+              <a:bodyPr wrap="square" rtlCol="0">
+                <a:spAutoFit/>
+              </a:bodyPr>
+              <a:lstStyle/>
+              <a:p>
+                <a:pPr algn="ctr"/>
+                <a:r>
+                  <a:rPr lang="en-US" dirty="0" err="1">
+                    <a:solidFill>
+                      <a:schemeClr val="bg1"/>
+                    </a:solidFill>
+                    <a:latin typeface="Times New Roman" panose="02020603050405020304" pitchFamily="18" charset="0"/>
+                    <a:cs typeface="Times New Roman" panose="02020603050405020304" pitchFamily="18" charset="0"/>
+                  </a:rPr>
+                  <a:t>Sinar</a:t>
+                </a:r>
+                <a:r>
+                  <a:rPr lang="en-US" dirty="0">
+                    <a:solidFill>
+                      <a:schemeClr val="bg1"/>
+                    </a:solidFill>
+                    <a:latin typeface="Times New Roman" panose="02020603050405020304" pitchFamily="18" charset="0"/>
+                    <a:cs typeface="Times New Roman" panose="02020603050405020304" pitchFamily="18" charset="0"/>
+                  </a:rPr>
+                  <a:t> </a:t>
+                </a:r>
+                <a:r>
+                  <a:rPr lang="en-US" dirty="0" err="1">
+                    <a:solidFill>
+                      <a:schemeClr val="bg1"/>
+                    </a:solidFill>
+                    <a:latin typeface="Times New Roman" panose="02020603050405020304" pitchFamily="18" charset="0"/>
+                    <a:cs typeface="Times New Roman" panose="02020603050405020304" pitchFamily="18" charset="0"/>
+                  </a:rPr>
+                  <a:t>pantul</a:t>
+                </a:r>
+                <a:r>
+                  <a:rPr lang="en-US" dirty="0">
+                    <a:solidFill>
+                      <a:schemeClr val="bg1"/>
+                    </a:solidFill>
+                    <a:latin typeface="Times New Roman" panose="02020603050405020304" pitchFamily="18" charset="0"/>
+                    <a:cs typeface="Times New Roman" panose="02020603050405020304" pitchFamily="18" charset="0"/>
+                  </a:rPr>
+                  <a:t> </a:t>
+                </a:r>
+                <a:endParaRPr lang="en-ID" dirty="0">
+                  <a:solidFill>
+                    <a:schemeClr val="bg1"/>
+                  </a:solidFill>
+                  <a:latin typeface="Times New Roman" panose="02020603050405020304" pitchFamily="18" charset="0"/>
+                  <a:cs typeface="Times New Roman" panose="02020603050405020304" pitchFamily="18" charset="0"/>
+                </a:endParaRPr>
+              </a:p>
+            </p:txBody>
+          </p:sp>
+          <p:sp>
+            <p:nvSpPr>
+              <p:cNvPr id="8" name="TextBox 7">
+                <a:extLst>
+                  <a:ext uri="{FF2B5EF4-FFF2-40B4-BE49-F238E27FC236}">
+                    <a16:creationId xmlns:a16="http://schemas.microsoft.com/office/drawing/2014/main" id="{DBAEAC3F-9901-5FF5-AE2E-B283DB434C1B}"/>
+                  </a:ext>
+                </a:extLst>
+              </p:cNvPr>
+              <p:cNvSpPr txBox="1"/>
+              <p:nvPr/>
+            </p:nvSpPr>
+            <p:spPr>
+              <a:xfrm>
+                <a:off x="830057" y="2751907"/>
+                <a:ext cx="1840170" cy="369332"/>
+              </a:xfrm>
+              <a:prstGeom prst="rect">
+                <a:avLst/>
+              </a:prstGeom>
+              <a:noFill/>
+            </p:spPr>
+            <p:txBody>
+              <a:bodyPr wrap="square" rtlCol="0">
+                <a:spAutoFit/>
+              </a:bodyPr>
+              <a:lstStyle/>
+              <a:p>
+                <a:pPr algn="ctr"/>
+                <a:r>
+                  <a:rPr lang="en-US" dirty="0" err="1">
+                    <a:solidFill>
+                      <a:schemeClr val="bg1"/>
+                    </a:solidFill>
+                    <a:latin typeface="Times New Roman" panose="02020603050405020304" pitchFamily="18" charset="0"/>
+                    <a:cs typeface="Times New Roman" panose="02020603050405020304" pitchFamily="18" charset="0"/>
+                  </a:rPr>
+                  <a:t>Sumbu</a:t>
+                </a:r>
+                <a:r>
+                  <a:rPr lang="en-US" dirty="0">
+                    <a:solidFill>
+                      <a:schemeClr val="bg1"/>
+                    </a:solidFill>
+                    <a:latin typeface="Times New Roman" panose="02020603050405020304" pitchFamily="18" charset="0"/>
+                    <a:cs typeface="Times New Roman" panose="02020603050405020304" pitchFamily="18" charset="0"/>
+                  </a:rPr>
+                  <a:t>  </a:t>
+                </a:r>
+                <a:r>
+                  <a:rPr lang="en-US" dirty="0" err="1">
+                    <a:solidFill>
+                      <a:schemeClr val="bg1"/>
+                    </a:solidFill>
+                    <a:latin typeface="Times New Roman" panose="02020603050405020304" pitchFamily="18" charset="0"/>
+                    <a:cs typeface="Times New Roman" panose="02020603050405020304" pitchFamily="18" charset="0"/>
+                  </a:rPr>
+                  <a:t>utama</a:t>
+                </a:r>
+                <a:endParaRPr lang="en-ID" dirty="0">
+                  <a:solidFill>
+                    <a:schemeClr val="bg1"/>
+                  </a:solidFill>
+                  <a:latin typeface="Times New Roman" panose="02020603050405020304" pitchFamily="18" charset="0"/>
+                  <a:cs typeface="Times New Roman" panose="02020603050405020304" pitchFamily="18" charset="0"/>
+                </a:endParaRPr>
+              </a:p>
+            </p:txBody>
+          </p:sp>
+          <p:sp>
+            <p:nvSpPr>
+              <p:cNvPr id="20" name="TextBox 19">
+                <a:extLst>
+                  <a:ext uri="{FF2B5EF4-FFF2-40B4-BE49-F238E27FC236}">
+                    <a16:creationId xmlns:a16="http://schemas.microsoft.com/office/drawing/2014/main" id="{0A858522-F5E6-15BC-2EB1-297C9E9EEDD1}"/>
+                  </a:ext>
+                </a:extLst>
+              </p:cNvPr>
+              <p:cNvSpPr txBox="1"/>
+              <p:nvPr/>
+            </p:nvSpPr>
+            <p:spPr>
+              <a:xfrm>
+                <a:off x="7241531" y="3617392"/>
+                <a:ext cx="360594" cy="369322"/>
+              </a:xfrm>
+              <a:prstGeom prst="rect">
+                <a:avLst/>
+              </a:prstGeom>
+              <a:noFill/>
+            </p:spPr>
+            <p:txBody>
+              <a:bodyPr wrap="square" rtlCol="0">
+                <a:spAutoFit/>
+              </a:bodyPr>
+              <a:lstStyle/>
+              <a:p>
+                <a:pPr algn="ctr"/>
+                <a:r>
+                  <a:rPr lang="en-US" dirty="0">
+                    <a:solidFill>
+                      <a:schemeClr val="bg1"/>
+                    </a:solidFill>
+                    <a:latin typeface="Times New Roman" panose="02020603050405020304" pitchFamily="18" charset="0"/>
+                    <a:cs typeface="Times New Roman" panose="02020603050405020304" pitchFamily="18" charset="0"/>
+                  </a:rPr>
+                  <a:t>f</a:t>
+                </a:r>
+                <a:endParaRPr lang="en-ID" dirty="0">
+                  <a:solidFill>
+                    <a:schemeClr val="bg1"/>
+                  </a:solidFill>
+                  <a:latin typeface="Times New Roman" panose="02020603050405020304" pitchFamily="18" charset="0"/>
+                  <a:cs typeface="Times New Roman" panose="02020603050405020304" pitchFamily="18" charset="0"/>
+                </a:endParaRPr>
+              </a:p>
+            </p:txBody>
+          </p:sp>
+          <p:cxnSp>
+            <p:nvCxnSpPr>
+              <p:cNvPr id="21" name="Straight Arrow Connector 20">
+                <a:extLst>
+                  <a:ext uri="{FF2B5EF4-FFF2-40B4-BE49-F238E27FC236}">
+                    <a16:creationId xmlns:a16="http://schemas.microsoft.com/office/drawing/2014/main" id="{3445EA90-F662-45E8-1B36-32585F384A11}"/>
+                  </a:ext>
+                </a:extLst>
+              </p:cNvPr>
+              <p:cNvCxnSpPr>
+                <a:cxnSpLocks/>
+              </p:cNvCxnSpPr>
+              <p:nvPr/>
+            </p:nvCxnSpPr>
+            <p:spPr>
+              <a:xfrm flipH="1">
+                <a:off x="6690592" y="3802053"/>
+                <a:ext cx="540000" cy="0"/>
+              </a:xfrm>
+              <a:prstGeom prst="straightConnector1">
+                <a:avLst/>
+              </a:prstGeom>
+              <a:ln w="31750">
+                <a:solidFill>
+                  <a:schemeClr val="accent2">
+                    <a:lumMod val="75000"/>
+                  </a:schemeClr>
+                </a:solidFill>
+                <a:tailEnd type="triangle"/>
+              </a:ln>
+            </p:spPr>
+            <p:style>
+              <a:lnRef idx="1">
+                <a:schemeClr val="accent1"/>
+              </a:lnRef>
+              <a:fillRef idx="0">
+                <a:schemeClr val="accent1"/>
+              </a:fillRef>
+              <a:effectRef idx="0">
+                <a:schemeClr val="accent1"/>
+              </a:effectRef>
+              <a:fontRef idx="minor">
+                <a:schemeClr val="tx1"/>
+              </a:fontRef>
+            </p:style>
+          </p:cxnSp>
+          <p:cxnSp>
+            <p:nvCxnSpPr>
+              <p:cNvPr id="23" name="Straight Arrow Connector 22">
+                <a:extLst>
+                  <a:ext uri="{FF2B5EF4-FFF2-40B4-BE49-F238E27FC236}">
+                    <a16:creationId xmlns:a16="http://schemas.microsoft.com/office/drawing/2014/main" id="{65A68DF4-0367-2115-27A6-B2F0E83E0C62}"/>
+                  </a:ext>
+                </a:extLst>
+              </p:cNvPr>
+              <p:cNvCxnSpPr>
+                <a:cxnSpLocks/>
+              </p:cNvCxnSpPr>
+              <p:nvPr/>
+            </p:nvCxnSpPr>
+            <p:spPr>
+              <a:xfrm>
+                <a:off x="7585327" y="3792502"/>
+                <a:ext cx="540000" cy="0"/>
+              </a:xfrm>
+              <a:prstGeom prst="straightConnector1">
+                <a:avLst/>
+              </a:prstGeom>
+              <a:ln w="31750">
+                <a:solidFill>
+                  <a:schemeClr val="accent2">
+                    <a:lumMod val="75000"/>
+                  </a:schemeClr>
+                </a:solidFill>
+                <a:tailEnd type="triangle"/>
+              </a:ln>
+            </p:spPr>
+            <p:style>
+              <a:lnRef idx="1">
+                <a:schemeClr val="accent1"/>
+              </a:lnRef>
+              <a:fillRef idx="0">
+                <a:schemeClr val="accent1"/>
+              </a:fillRef>
+              <a:effectRef idx="0">
+                <a:schemeClr val="accent1"/>
+              </a:effectRef>
+              <a:fontRef idx="minor">
+                <a:schemeClr val="tx1"/>
+              </a:fontRef>
+            </p:style>
+          </p:cxnSp>
+        </p:grpSp>
+        <p:cxnSp>
+          <p:nvCxnSpPr>
+            <p:cNvPr id="29" name="Straight Arrow Connector 28">
+              <a:extLst>
+                <a:ext uri="{FF2B5EF4-FFF2-40B4-BE49-F238E27FC236}">
+                  <a16:creationId xmlns:a16="http://schemas.microsoft.com/office/drawing/2014/main" id="{7D717B39-9756-88C8-5E44-E0071944B519}"/>
+                </a:ext>
+              </a:extLst>
+            </p:cNvPr>
+            <p:cNvCxnSpPr>
+              <a:cxnSpLocks/>
+            </p:cNvCxnSpPr>
+            <p:nvPr/>
+          </p:nvCxnSpPr>
+          <p:spPr>
+            <a:xfrm>
+              <a:off x="3521284" y="2309025"/>
+              <a:ext cx="4449859" cy="0"/>
+            </a:xfrm>
+            <a:prstGeom prst="straightConnector1">
+              <a:avLst/>
+            </a:prstGeom>
+            <a:ln w="50800">
+              <a:solidFill>
+                <a:srgbClr val="FFFF00"/>
+              </a:solidFill>
+              <a:tailEnd type="triangle"/>
+            </a:ln>
+          </p:spPr>
+          <p:style>
+            <a:lnRef idx="1">
+              <a:schemeClr val="accent1"/>
+            </a:lnRef>
+            <a:fillRef idx="0">
+              <a:schemeClr val="accent1"/>
+            </a:fillRef>
+            <a:effectRef idx="0">
+              <a:schemeClr val="accent1"/>
+            </a:effectRef>
+            <a:fontRef idx="minor">
+              <a:schemeClr val="tx1"/>
+            </a:fontRef>
+          </p:style>
+        </p:cxnSp>
+        <p:cxnSp>
+          <p:nvCxnSpPr>
+            <p:cNvPr id="31" name="Straight Arrow Connector 30">
+              <a:extLst>
+                <a:ext uri="{FF2B5EF4-FFF2-40B4-BE49-F238E27FC236}">
+                  <a16:creationId xmlns:a16="http://schemas.microsoft.com/office/drawing/2014/main" id="{D04A4893-F748-E958-BA13-B5BB513C9ACC}"/>
+                </a:ext>
+              </a:extLst>
+            </p:cNvPr>
+            <p:cNvCxnSpPr>
+              <a:cxnSpLocks/>
+              <a:endCxn id="14" idx="7"/>
+            </p:cNvCxnSpPr>
+            <p:nvPr/>
+          </p:nvCxnSpPr>
+          <p:spPr>
+            <a:xfrm flipH="1">
+              <a:off x="6767724" y="2318650"/>
+              <a:ext cx="1181352" cy="894948"/>
+            </a:xfrm>
+            <a:prstGeom prst="straightConnector1">
+              <a:avLst/>
+            </a:prstGeom>
+            <a:ln w="50800">
+              <a:solidFill>
+                <a:srgbClr val="FFFF00"/>
+              </a:solidFill>
+              <a:tailEnd type="triangle"/>
+            </a:ln>
+          </p:spPr>
+          <p:style>
+            <a:lnRef idx="1">
+              <a:schemeClr val="accent1"/>
+            </a:lnRef>
+            <a:fillRef idx="0">
+              <a:schemeClr val="accent1"/>
+            </a:fillRef>
+            <a:effectRef idx="0">
+              <a:schemeClr val="accent1"/>
+            </a:effectRef>
+            <a:fontRef idx="minor">
+              <a:schemeClr val="tx1"/>
+            </a:fontRef>
+          </p:style>
+        </p:cxnSp>
+      </p:grpSp>
+    </p:spTree>
+    <p:extLst>
+      <p:ext uri="{BB962C8B-B14F-4D97-AF65-F5344CB8AC3E}">
+        <p14:creationId xmlns:p14="http://schemas.microsoft.com/office/powerpoint/2010/main" val="1342814630"/>
+      </p:ext>
+    </p:extLst>
+  </p:cSld>
+  <p:clrMapOvr>
+    <a:masterClrMapping/>
+  </p:clrMapOvr>
+</p:sld>
+</file>
+
+<file path=ppt/slides/slide9.xml><?xml version="1.0" encoding="utf-8"?>
 <p:sld xmlns:a="http://schemas.openxmlformats.org/drawingml/2006/main" xmlns:r="http://schemas.openxmlformats.org/officeDocument/2006/relationships" xmlns:p="http://schemas.openxmlformats.org/presentationml/2006/main">
   <p:cSld>
     <p:spTree>
@@ -9557,2480 +14954,6 @@
 </p:sld>
 </file>
 
-<file path=ppt/slides/slide8.xml><?xml version="1.0" encoding="utf-8"?>
-<p:sld xmlns:a="http://schemas.openxmlformats.org/drawingml/2006/main" xmlns:r="http://schemas.openxmlformats.org/officeDocument/2006/relationships" xmlns:p="http://schemas.openxmlformats.org/presentationml/2006/main">
-  <p:cSld>
-    <p:spTree>
-      <p:nvGrpSpPr>
-        <p:cNvPr id="1" name=""/>
-        <p:cNvGrpSpPr/>
-        <p:nvPr/>
-      </p:nvGrpSpPr>
-      <p:grpSpPr>
-        <a:xfrm>
-          <a:off x="0" y="0"/>
-          <a:ext cx="0" cy="0"/>
-          <a:chOff x="0" y="0"/>
-          <a:chExt cx="0" cy="0"/>
-        </a:xfrm>
-      </p:grpSpPr>
-      <p:grpSp>
-        <p:nvGrpSpPr>
-          <p:cNvPr id="69" name="Group 68">
-            <a:extLst>
-              <a:ext uri="{FF2B5EF4-FFF2-40B4-BE49-F238E27FC236}">
-                <a16:creationId xmlns:a16="http://schemas.microsoft.com/office/drawing/2014/main" id="{FA882F12-F9A1-85A0-5689-FC64952121C3}"/>
-              </a:ext>
-            </a:extLst>
-          </p:cNvPr>
-          <p:cNvGrpSpPr/>
-          <p:nvPr/>
-        </p:nvGrpSpPr>
-        <p:grpSpPr>
-          <a:xfrm>
-            <a:off x="2345095" y="910384"/>
-            <a:ext cx="7501810" cy="4559629"/>
-            <a:chOff x="2345095" y="910384"/>
-            <a:chExt cx="7501810" cy="4559629"/>
-          </a:xfrm>
-        </p:grpSpPr>
-        <p:grpSp>
-          <p:nvGrpSpPr>
-            <p:cNvPr id="65" name="Group 64">
-              <a:extLst>
-                <a:ext uri="{FF2B5EF4-FFF2-40B4-BE49-F238E27FC236}">
-                  <a16:creationId xmlns:a16="http://schemas.microsoft.com/office/drawing/2014/main" id="{41485AFC-20B3-F19A-237B-E115CE3DBAC9}"/>
-                </a:ext>
-              </a:extLst>
-            </p:cNvPr>
-            <p:cNvGrpSpPr/>
-            <p:nvPr/>
-          </p:nvGrpSpPr>
-          <p:grpSpPr>
-            <a:xfrm>
-              <a:off x="2345095" y="1060167"/>
-              <a:ext cx="7501810" cy="4409846"/>
-              <a:chOff x="2345095" y="1060167"/>
-              <a:chExt cx="7501810" cy="4409846"/>
-            </a:xfrm>
-          </p:grpSpPr>
-          <p:grpSp>
-            <p:nvGrpSpPr>
-              <p:cNvPr id="60" name="Group 59">
-                <a:extLst>
-                  <a:ext uri="{FF2B5EF4-FFF2-40B4-BE49-F238E27FC236}">
-                    <a16:creationId xmlns:a16="http://schemas.microsoft.com/office/drawing/2014/main" id="{DBC7F9DE-1E83-936B-6BA9-7C22B5D1DE5C}"/>
-                  </a:ext>
-                </a:extLst>
-              </p:cNvPr>
-              <p:cNvGrpSpPr/>
-              <p:nvPr/>
-            </p:nvGrpSpPr>
-            <p:grpSpPr>
-              <a:xfrm>
-                <a:off x="2345095" y="1476925"/>
-                <a:ext cx="7501810" cy="3993088"/>
-                <a:chOff x="2345095" y="1476925"/>
-                <a:chExt cx="7501810" cy="3993088"/>
-              </a:xfrm>
-            </p:grpSpPr>
-            <p:sp>
-              <p:nvSpPr>
-                <p:cNvPr id="56" name="Arc 55">
-                  <a:extLst>
-                    <a:ext uri="{FF2B5EF4-FFF2-40B4-BE49-F238E27FC236}">
-                      <a16:creationId xmlns:a16="http://schemas.microsoft.com/office/drawing/2014/main" id="{3FCB189C-F2E7-EC5C-BDB1-7D12863ACC48}"/>
-                    </a:ext>
-                  </a:extLst>
-                </p:cNvPr>
-                <p:cNvSpPr/>
-                <p:nvPr/>
-              </p:nvSpPr>
-              <p:spPr>
-                <a:xfrm rot="13638149">
-                  <a:off x="5387179" y="2380316"/>
-                  <a:ext cx="520087" cy="483992"/>
-                </a:xfrm>
-                <a:prstGeom prst="arc">
-                  <a:avLst>
-                    <a:gd name="adj1" fmla="val 16588782"/>
-                    <a:gd name="adj2" fmla="val 0"/>
-                  </a:avLst>
-                </a:prstGeom>
-                <a:ln w="22225"/>
-              </p:spPr>
-              <p:style>
-                <a:lnRef idx="1">
-                  <a:schemeClr val="accent1"/>
-                </a:lnRef>
-                <a:fillRef idx="0">
-                  <a:schemeClr val="accent1"/>
-                </a:fillRef>
-                <a:effectRef idx="0">
-                  <a:schemeClr val="accent1"/>
-                </a:effectRef>
-                <a:fontRef idx="minor">
-                  <a:schemeClr val="tx1"/>
-                </a:fontRef>
-              </p:style>
-              <p:txBody>
-                <a:bodyPr rtlCol="0" anchor="ctr"/>
-                <a:lstStyle/>
-                <a:p>
-                  <a:pPr algn="ctr"/>
-                  <a:endParaRPr lang="en-ID"/>
-                </a:p>
-              </p:txBody>
-            </p:sp>
-            <p:grpSp>
-              <p:nvGrpSpPr>
-                <p:cNvPr id="59" name="Group 58">
-                  <a:extLst>
-                    <a:ext uri="{FF2B5EF4-FFF2-40B4-BE49-F238E27FC236}">
-                      <a16:creationId xmlns:a16="http://schemas.microsoft.com/office/drawing/2014/main" id="{BB8C63C1-23C0-CD71-E148-DC61EDF47118}"/>
-                    </a:ext>
-                  </a:extLst>
-                </p:cNvPr>
-                <p:cNvGrpSpPr/>
-                <p:nvPr/>
-              </p:nvGrpSpPr>
-              <p:grpSpPr>
-                <a:xfrm>
-                  <a:off x="2345095" y="1476925"/>
-                  <a:ext cx="7501810" cy="3993088"/>
-                  <a:chOff x="2345095" y="1476925"/>
-                  <a:chExt cx="7501810" cy="3993088"/>
-                </a:xfrm>
-              </p:grpSpPr>
-              <p:sp>
-                <p:nvSpPr>
-                  <p:cNvPr id="5" name="Rectangle 4">
-                    <a:extLst>
-                      <a:ext uri="{FF2B5EF4-FFF2-40B4-BE49-F238E27FC236}">
-                        <a16:creationId xmlns:a16="http://schemas.microsoft.com/office/drawing/2014/main" id="{5F155CBC-7060-24C2-FE7F-1E9E7438E144}"/>
-                      </a:ext>
-                    </a:extLst>
-                  </p:cNvPr>
-                  <p:cNvSpPr/>
-                  <p:nvPr/>
-                </p:nvSpPr>
-                <p:spPr>
-                  <a:xfrm>
-                    <a:off x="2345095" y="4699818"/>
-                    <a:ext cx="7501810" cy="400817"/>
-                  </a:xfrm>
-                  <a:prstGeom prst="rect">
-                    <a:avLst/>
-                  </a:prstGeom>
-                  <a:solidFill>
-                    <a:schemeClr val="accent2">
-                      <a:lumMod val="60000"/>
-                      <a:lumOff val="40000"/>
-                    </a:schemeClr>
-                  </a:solidFill>
-                </p:spPr>
-                <p:style>
-                  <a:lnRef idx="2">
-                    <a:schemeClr val="accent1">
-                      <a:shade val="15000"/>
-                    </a:schemeClr>
-                  </a:lnRef>
-                  <a:fillRef idx="1">
-                    <a:schemeClr val="accent1"/>
-                  </a:fillRef>
-                  <a:effectRef idx="0">
-                    <a:schemeClr val="accent1"/>
-                  </a:effectRef>
-                  <a:fontRef idx="minor">
-                    <a:schemeClr val="lt1"/>
-                  </a:fontRef>
-                </p:style>
-                <p:txBody>
-                  <a:bodyPr rtlCol="0" anchor="ctr"/>
-                  <a:lstStyle/>
-                  <a:p>
-                    <a:pPr algn="ctr"/>
-                    <a:endParaRPr lang="en-ID"/>
-                  </a:p>
-                </p:txBody>
-              </p:sp>
-              <p:pic>
-                <p:nvPicPr>
-                  <p:cNvPr id="2" name="Picture 1">
-                    <a:extLst>
-                      <a:ext uri="{FF2B5EF4-FFF2-40B4-BE49-F238E27FC236}">
-                        <a16:creationId xmlns:a16="http://schemas.microsoft.com/office/drawing/2014/main" id="{5ACD489C-4125-F8FF-7598-B3152F20398D}"/>
-                      </a:ext>
-                    </a:extLst>
-                  </p:cNvPr>
-                  <p:cNvPicPr>
-                    <a:picLocks noChangeAspect="1"/>
-                  </p:cNvPicPr>
-                  <p:nvPr/>
-                </p:nvPicPr>
-                <p:blipFill rotWithShape="1">
-                  <a:blip r:embed="rId2">
-                    <a:extLst>
-                      <a:ext uri="{28A0092B-C50C-407E-A947-70E740481C1C}">
-                        <a14:useLocalDpi xmlns:a14="http://schemas.microsoft.com/office/drawing/2010/main" val="0"/>
-                      </a:ext>
-                    </a:extLst>
-                  </a:blip>
-                  <a:srcRect l="25333" t="21466" r="51467" b="3466"/>
-                  <a:stretch/>
-                </p:blipFill>
-                <p:spPr bwMode="auto">
-                  <a:xfrm>
-                    <a:off x="3783413" y="3081866"/>
-                    <a:ext cx="623918" cy="2018769"/>
-                  </a:xfrm>
-                  <a:prstGeom prst="rect">
-                    <a:avLst/>
-                  </a:prstGeom>
-                  <a:ln>
-                    <a:noFill/>
-                  </a:ln>
-                  <a:extLst>
-                    <a:ext uri="{53640926-AAD7-44D8-BBD7-CCE9431645EC}">
-                      <a14:shadowObscured xmlns:a14="http://schemas.microsoft.com/office/drawing/2010/main"/>
-                    </a:ext>
-                  </a:extLst>
-                </p:spPr>
-              </p:pic>
-              <p:sp>
-                <p:nvSpPr>
-                  <p:cNvPr id="6" name="Cube 5">
-                    <a:extLst>
-                      <a:ext uri="{FF2B5EF4-FFF2-40B4-BE49-F238E27FC236}">
-                        <a16:creationId xmlns:a16="http://schemas.microsoft.com/office/drawing/2014/main" id="{F0E7FD52-2B2F-E7F7-0AFF-9F537A1E3E9E}"/>
-                      </a:ext>
-                    </a:extLst>
-                  </p:cNvPr>
-                  <p:cNvSpPr/>
-                  <p:nvPr/>
-                </p:nvSpPr>
-                <p:spPr>
-                  <a:xfrm flipH="1">
-                    <a:off x="5948517" y="1632155"/>
-                    <a:ext cx="245806" cy="3352595"/>
-                  </a:xfrm>
-                  <a:prstGeom prst="cube">
-                    <a:avLst>
-                      <a:gd name="adj" fmla="val 80172"/>
-                    </a:avLst>
-                  </a:prstGeom>
-                  <a:solidFill>
-                    <a:schemeClr val="accent1">
-                      <a:lumMod val="40000"/>
-                      <a:lumOff val="60000"/>
-                    </a:schemeClr>
-                  </a:solidFill>
-                </p:spPr>
-                <p:style>
-                  <a:lnRef idx="2">
-                    <a:schemeClr val="accent1">
-                      <a:shade val="15000"/>
-                    </a:schemeClr>
-                  </a:lnRef>
-                  <a:fillRef idx="1">
-                    <a:schemeClr val="accent1"/>
-                  </a:fillRef>
-                  <a:effectRef idx="0">
-                    <a:schemeClr val="accent1"/>
-                  </a:effectRef>
-                  <a:fontRef idx="minor">
-                    <a:schemeClr val="lt1"/>
-                  </a:fontRef>
-                </p:style>
-                <p:txBody>
-                  <a:bodyPr rtlCol="0" anchor="ctr"/>
-                  <a:lstStyle/>
-                  <a:p>
-                    <a:pPr algn="ctr"/>
-                    <a:endParaRPr lang="en-ID"/>
-                  </a:p>
-                </p:txBody>
-              </p:sp>
-              <p:grpSp>
-                <p:nvGrpSpPr>
-                  <p:cNvPr id="34" name="Group 33">
-                    <a:extLst>
-                      <a:ext uri="{FF2B5EF4-FFF2-40B4-BE49-F238E27FC236}">
-                        <a16:creationId xmlns:a16="http://schemas.microsoft.com/office/drawing/2014/main" id="{74CC7D55-7111-636B-D648-C52BD42CA6E3}"/>
-                      </a:ext>
-                    </a:extLst>
-                  </p:cNvPr>
-                  <p:cNvGrpSpPr/>
-                  <p:nvPr/>
-                </p:nvGrpSpPr>
-                <p:grpSpPr>
-                  <a:xfrm>
-                    <a:off x="4407331" y="1476925"/>
-                    <a:ext cx="1688669" cy="1831527"/>
-                    <a:chOff x="4407331" y="2259724"/>
-                    <a:chExt cx="1688669" cy="1831527"/>
-                  </a:xfrm>
-                </p:grpSpPr>
-                <p:grpSp>
-                  <p:nvGrpSpPr>
-                    <p:cNvPr id="15" name="Group 14">
-                      <a:extLst>
-                        <a:ext uri="{FF2B5EF4-FFF2-40B4-BE49-F238E27FC236}">
-                          <a16:creationId xmlns:a16="http://schemas.microsoft.com/office/drawing/2014/main" id="{EAD00E99-B2D1-F528-7276-DEEC9A1066D0}"/>
-                        </a:ext>
-                      </a:extLst>
-                    </p:cNvPr>
-                    <p:cNvGrpSpPr/>
-                    <p:nvPr/>
-                  </p:nvGrpSpPr>
-                  <p:grpSpPr>
-                    <a:xfrm>
-                      <a:off x="4407331" y="3216166"/>
-                      <a:ext cx="1688669" cy="875085"/>
-                      <a:chOff x="4407331" y="3216166"/>
-                      <a:chExt cx="1688669" cy="875085"/>
-                    </a:xfrm>
-                  </p:grpSpPr>
-                  <p:cxnSp>
-                    <p:nvCxnSpPr>
-                      <p:cNvPr id="11" name="Straight Connector 10">
-                        <a:extLst>
-                          <a:ext uri="{FF2B5EF4-FFF2-40B4-BE49-F238E27FC236}">
-                            <a16:creationId xmlns:a16="http://schemas.microsoft.com/office/drawing/2014/main" id="{F5E2AC7A-8381-5164-1C56-1DAAE41F8942}"/>
-                          </a:ext>
-                        </a:extLst>
-                      </p:cNvPr>
-                      <p:cNvCxnSpPr>
-                        <a:cxnSpLocks/>
-                        <a:stCxn id="2" idx="3"/>
-                      </p:cNvCxnSpPr>
-                      <p:nvPr/>
-                    </p:nvCxnSpPr>
-                    <p:spPr>
-                      <a:xfrm flipV="1">
-                        <a:off x="4407331" y="3216166"/>
-                        <a:ext cx="1688669" cy="875085"/>
-                      </a:xfrm>
-                      <a:prstGeom prst="line">
-                        <a:avLst/>
-                      </a:prstGeom>
-                      <a:ln w="34925">
-                        <a:solidFill>
-                          <a:srgbClr val="FF0000"/>
-                        </a:solidFill>
-                      </a:ln>
-                    </p:spPr>
-                    <p:style>
-                      <a:lnRef idx="1">
-                        <a:schemeClr val="accent1"/>
-                      </a:lnRef>
-                      <a:fillRef idx="0">
-                        <a:schemeClr val="accent1"/>
-                      </a:fillRef>
-                      <a:effectRef idx="0">
-                        <a:schemeClr val="accent1"/>
-                      </a:effectRef>
-                      <a:fontRef idx="minor">
-                        <a:schemeClr val="tx1"/>
-                      </a:fontRef>
-                    </p:style>
-                  </p:cxnSp>
-                  <p:cxnSp>
-                    <p:nvCxnSpPr>
-                      <p:cNvPr id="14" name="Straight Arrow Connector 13">
-                        <a:extLst>
-                          <a:ext uri="{FF2B5EF4-FFF2-40B4-BE49-F238E27FC236}">
-                            <a16:creationId xmlns:a16="http://schemas.microsoft.com/office/drawing/2014/main" id="{E5EF4574-2EF4-D628-0A0C-65C6559715C1}"/>
-                          </a:ext>
-                        </a:extLst>
-                      </p:cNvPr>
-                      <p:cNvCxnSpPr>
-                        <a:stCxn id="2" idx="3"/>
-                      </p:cNvCxnSpPr>
-                      <p:nvPr/>
-                    </p:nvCxnSpPr>
-                    <p:spPr>
-                      <a:xfrm flipV="1">
-                        <a:off x="4407331" y="3653708"/>
-                        <a:ext cx="844334" cy="437543"/>
-                      </a:xfrm>
-                      <a:prstGeom prst="straightConnector1">
-                        <a:avLst/>
-                      </a:prstGeom>
-                      <a:ln w="31750">
-                        <a:solidFill>
-                          <a:srgbClr val="FF0000"/>
-                        </a:solidFill>
-                        <a:tailEnd type="triangle"/>
-                      </a:ln>
-                    </p:spPr>
-                    <p:style>
-                      <a:lnRef idx="1">
-                        <a:schemeClr val="accent1"/>
-                      </a:lnRef>
-                      <a:fillRef idx="0">
-                        <a:schemeClr val="accent1"/>
-                      </a:fillRef>
-                      <a:effectRef idx="0">
-                        <a:schemeClr val="accent1"/>
-                      </a:effectRef>
-                      <a:fontRef idx="minor">
-                        <a:schemeClr val="tx1"/>
-                      </a:fontRef>
-                    </p:style>
-                  </p:cxnSp>
-                </p:grpSp>
-                <p:grpSp>
-                  <p:nvGrpSpPr>
-                    <p:cNvPr id="33" name="Group 32">
-                      <a:extLst>
-                        <a:ext uri="{FF2B5EF4-FFF2-40B4-BE49-F238E27FC236}">
-                          <a16:creationId xmlns:a16="http://schemas.microsoft.com/office/drawing/2014/main" id="{E02EA701-54CE-1CB5-C557-8498F7B33C3E}"/>
-                        </a:ext>
-                      </a:extLst>
-                    </p:cNvPr>
-                    <p:cNvGrpSpPr/>
-                    <p:nvPr/>
-                  </p:nvGrpSpPr>
-                  <p:grpSpPr>
-                    <a:xfrm>
-                      <a:off x="4407331" y="2259724"/>
-                      <a:ext cx="1664089" cy="956442"/>
-                      <a:chOff x="4407331" y="2259724"/>
-                      <a:chExt cx="1664089" cy="956442"/>
-                    </a:xfrm>
-                  </p:grpSpPr>
-                  <p:cxnSp>
-                    <p:nvCxnSpPr>
-                      <p:cNvPr id="20" name="Straight Connector 19">
-                        <a:extLst>
-                          <a:ext uri="{FF2B5EF4-FFF2-40B4-BE49-F238E27FC236}">
-                            <a16:creationId xmlns:a16="http://schemas.microsoft.com/office/drawing/2014/main" id="{915B7BEE-6D8E-636D-E822-0DD2BDB023CB}"/>
-                          </a:ext>
-                        </a:extLst>
-                      </p:cNvPr>
-                      <p:cNvCxnSpPr>
-                        <a:cxnSpLocks/>
-                      </p:cNvCxnSpPr>
-                      <p:nvPr/>
-                    </p:nvCxnSpPr>
-                    <p:spPr>
-                      <a:xfrm flipH="1" flipV="1">
-                        <a:off x="4407331" y="2259724"/>
-                        <a:ext cx="1664089" cy="956442"/>
-                      </a:xfrm>
-                      <a:prstGeom prst="line">
-                        <a:avLst/>
-                      </a:prstGeom>
-                      <a:ln w="31750">
-                        <a:solidFill>
-                          <a:srgbClr val="FF0000"/>
-                        </a:solidFill>
-                      </a:ln>
-                    </p:spPr>
-                    <p:style>
-                      <a:lnRef idx="1">
-                        <a:schemeClr val="accent1"/>
-                      </a:lnRef>
-                      <a:fillRef idx="0">
-                        <a:schemeClr val="accent1"/>
-                      </a:fillRef>
-                      <a:effectRef idx="0">
-                        <a:schemeClr val="accent1"/>
-                      </a:effectRef>
-                      <a:fontRef idx="minor">
-                        <a:schemeClr val="tx1"/>
-                      </a:fontRef>
-                    </p:style>
-                  </p:cxnSp>
-                  <p:cxnSp>
-                    <p:nvCxnSpPr>
-                      <p:cNvPr id="31" name="Straight Arrow Connector 30">
-                        <a:extLst>
-                          <a:ext uri="{FF2B5EF4-FFF2-40B4-BE49-F238E27FC236}">
-                            <a16:creationId xmlns:a16="http://schemas.microsoft.com/office/drawing/2014/main" id="{EBF9D854-BBDA-EA34-A91F-DF79B69FE101}"/>
-                          </a:ext>
-                        </a:extLst>
-                      </p:cNvPr>
-                      <p:cNvCxnSpPr/>
-                      <p:nvPr/>
-                    </p:nvCxnSpPr>
-                    <p:spPr>
-                      <a:xfrm flipH="1" flipV="1">
-                        <a:off x="5104183" y="2672000"/>
-                        <a:ext cx="967237" cy="544166"/>
-                      </a:xfrm>
-                      <a:prstGeom prst="straightConnector1">
-                        <a:avLst/>
-                      </a:prstGeom>
-                      <a:ln w="31750">
-                        <a:solidFill>
-                          <a:srgbClr val="FF0000"/>
-                        </a:solidFill>
-                        <a:tailEnd type="triangle"/>
-                      </a:ln>
-                    </p:spPr>
-                    <p:style>
-                      <a:lnRef idx="1">
-                        <a:schemeClr val="accent1"/>
-                      </a:lnRef>
-                      <a:fillRef idx="0">
-                        <a:schemeClr val="accent1"/>
-                      </a:fillRef>
-                      <a:effectRef idx="0">
-                        <a:schemeClr val="accent1"/>
-                      </a:effectRef>
-                      <a:fontRef idx="minor">
-                        <a:schemeClr val="tx1"/>
-                      </a:fontRef>
-                    </p:style>
-                  </p:cxnSp>
-                </p:grpSp>
-              </p:grpSp>
-              <p:cxnSp>
-                <p:nvCxnSpPr>
-                  <p:cNvPr id="36" name="Straight Connector 35">
-                    <a:extLst>
-                      <a:ext uri="{FF2B5EF4-FFF2-40B4-BE49-F238E27FC236}">
-                        <a16:creationId xmlns:a16="http://schemas.microsoft.com/office/drawing/2014/main" id="{306E5A88-C383-8C96-C0E2-A58246E0C179}"/>
-                      </a:ext>
-                    </a:extLst>
-                  </p:cNvPr>
-                  <p:cNvCxnSpPr>
-                    <a:cxnSpLocks/>
-                  </p:cNvCxnSpPr>
-                  <p:nvPr/>
-                </p:nvCxnSpPr>
-                <p:spPr>
-                  <a:xfrm>
-                    <a:off x="6087777" y="2433367"/>
-                    <a:ext cx="1742430" cy="875085"/>
-                  </a:xfrm>
-                  <a:prstGeom prst="line">
-                    <a:avLst/>
-                  </a:prstGeom>
-                  <a:ln w="31750">
-                    <a:solidFill>
-                      <a:srgbClr val="00B050"/>
-                    </a:solidFill>
-                    <a:prstDash val="dash"/>
-                  </a:ln>
-                </p:spPr>
-                <p:style>
-                  <a:lnRef idx="1">
-                    <a:schemeClr val="accent1"/>
-                  </a:lnRef>
-                  <a:fillRef idx="0">
-                    <a:schemeClr val="accent1"/>
-                  </a:fillRef>
-                  <a:effectRef idx="0">
-                    <a:schemeClr val="accent1"/>
-                  </a:effectRef>
-                  <a:fontRef idx="minor">
-                    <a:schemeClr val="tx1"/>
-                  </a:fontRef>
-                </p:style>
-              </p:cxnSp>
-              <p:cxnSp>
-                <p:nvCxnSpPr>
-                  <p:cNvPr id="40" name="Straight Arrow Connector 39">
-                    <a:extLst>
-                      <a:ext uri="{FF2B5EF4-FFF2-40B4-BE49-F238E27FC236}">
-                        <a16:creationId xmlns:a16="http://schemas.microsoft.com/office/drawing/2014/main" id="{35A5810C-4402-8D28-4399-C3CCD2925C18}"/>
-                      </a:ext>
-                    </a:extLst>
-                  </p:cNvPr>
-                  <p:cNvCxnSpPr/>
-                  <p:nvPr/>
-                </p:nvCxnSpPr>
-                <p:spPr>
-                  <a:xfrm flipH="1" flipV="1">
-                    <a:off x="7094484" y="2941265"/>
-                    <a:ext cx="683173" cy="355045"/>
-                  </a:xfrm>
-                  <a:prstGeom prst="straightConnector1">
-                    <a:avLst/>
-                  </a:prstGeom>
-                  <a:ln w="31750">
-                    <a:solidFill>
-                      <a:srgbClr val="00B050"/>
-                    </a:solidFill>
-                    <a:prstDash val="dash"/>
-                    <a:tailEnd type="triangle"/>
-                  </a:ln>
-                </p:spPr>
-                <p:style>
-                  <a:lnRef idx="1">
-                    <a:schemeClr val="accent1"/>
-                  </a:lnRef>
-                  <a:fillRef idx="0">
-                    <a:schemeClr val="accent1"/>
-                  </a:fillRef>
-                  <a:effectRef idx="0">
-                    <a:schemeClr val="accent1"/>
-                  </a:effectRef>
-                  <a:fontRef idx="minor">
-                    <a:schemeClr val="tx1"/>
-                  </a:fontRef>
-                </p:style>
-              </p:cxnSp>
-              <p:sp>
-                <p:nvSpPr>
-                  <p:cNvPr id="43" name="TextBox 42">
-                    <a:extLst>
-                      <a:ext uri="{FF2B5EF4-FFF2-40B4-BE49-F238E27FC236}">
-                        <a16:creationId xmlns:a16="http://schemas.microsoft.com/office/drawing/2014/main" id="{1559001D-D919-3F09-E3C3-AB231FB43531}"/>
-                      </a:ext>
-                    </a:extLst>
-                  </p:cNvPr>
-                  <p:cNvSpPr txBox="1"/>
-                  <p:nvPr/>
-                </p:nvSpPr>
-                <p:spPr>
-                  <a:xfrm>
-                    <a:off x="3363310" y="5100681"/>
-                    <a:ext cx="1292773" cy="369332"/>
-                  </a:xfrm>
-                  <a:prstGeom prst="rect">
-                    <a:avLst/>
-                  </a:prstGeom>
-                  <a:noFill/>
-                </p:spPr>
-                <p:txBody>
-                  <a:bodyPr wrap="square" rtlCol="0">
-                    <a:spAutoFit/>
-                  </a:bodyPr>
-                  <a:lstStyle/>
-                  <a:p>
-                    <a:pPr algn="ctr"/>
-                    <a:r>
-                      <a:rPr lang="en-US" dirty="0" err="1">
-                        <a:solidFill>
-                          <a:schemeClr val="bg1"/>
-                        </a:solidFill>
-                        <a:latin typeface="Times New Roman" panose="02020603050405020304" pitchFamily="18" charset="0"/>
-                        <a:cs typeface="Times New Roman" panose="02020603050405020304" pitchFamily="18" charset="0"/>
-                      </a:rPr>
-                      <a:t>Objek</a:t>
-                    </a:r>
-                    <a:endParaRPr lang="en-ID" dirty="0">
-                      <a:solidFill>
-                        <a:schemeClr val="bg1"/>
-                      </a:solidFill>
-                      <a:latin typeface="Times New Roman" panose="02020603050405020304" pitchFamily="18" charset="0"/>
-                      <a:cs typeface="Times New Roman" panose="02020603050405020304" pitchFamily="18" charset="0"/>
-                    </a:endParaRPr>
-                  </a:p>
-                </p:txBody>
-              </p:sp>
-              <p:sp>
-                <p:nvSpPr>
-                  <p:cNvPr id="44" name="TextBox 43">
-                    <a:extLst>
-                      <a:ext uri="{FF2B5EF4-FFF2-40B4-BE49-F238E27FC236}">
-                        <a16:creationId xmlns:a16="http://schemas.microsoft.com/office/drawing/2014/main" id="{1133217A-E702-24B7-ADC5-32B2DF7215BE}"/>
-                      </a:ext>
-                    </a:extLst>
-                  </p:cNvPr>
-                  <p:cNvSpPr txBox="1"/>
-                  <p:nvPr/>
-                </p:nvSpPr>
-                <p:spPr>
-                  <a:xfrm>
-                    <a:off x="6887114" y="2007667"/>
-                    <a:ext cx="1981378" cy="646331"/>
-                  </a:xfrm>
-                  <a:prstGeom prst="rect">
-                    <a:avLst/>
-                  </a:prstGeom>
-                  <a:solidFill>
-                    <a:srgbClr val="00B050"/>
-                  </a:solidFill>
-                </p:spPr>
-                <p:txBody>
-                  <a:bodyPr wrap="square" rtlCol="0">
-                    <a:spAutoFit/>
-                  </a:bodyPr>
-                  <a:lstStyle/>
-                  <a:p>
-                    <a:pPr algn="ctr"/>
-                    <a:r>
-                      <a:rPr lang="en-US" dirty="0" err="1">
-                        <a:solidFill>
-                          <a:schemeClr val="bg1"/>
-                        </a:solidFill>
-                        <a:latin typeface="Times New Roman" panose="02020603050405020304" pitchFamily="18" charset="0"/>
-                        <a:cs typeface="Times New Roman" panose="02020603050405020304" pitchFamily="18" charset="0"/>
-                      </a:rPr>
-                      <a:t>Lintasan</a:t>
-                    </a:r>
-                    <a:r>
-                      <a:rPr lang="en-US" dirty="0">
-                        <a:solidFill>
-                          <a:schemeClr val="bg1"/>
-                        </a:solidFill>
-                        <a:latin typeface="Times New Roman" panose="02020603050405020304" pitchFamily="18" charset="0"/>
-                        <a:cs typeface="Times New Roman" panose="02020603050405020304" pitchFamily="18" charset="0"/>
-                      </a:rPr>
-                      <a:t> </a:t>
-                    </a:r>
-                    <a:r>
-                      <a:rPr lang="en-US" dirty="0" err="1">
-                        <a:solidFill>
-                          <a:schemeClr val="bg1"/>
-                        </a:solidFill>
-                        <a:latin typeface="Times New Roman" panose="02020603050405020304" pitchFamily="18" charset="0"/>
-                        <a:cs typeface="Times New Roman" panose="02020603050405020304" pitchFamily="18" charset="0"/>
-                      </a:rPr>
-                      <a:t>sinar</a:t>
-                    </a:r>
-                    <a:r>
-                      <a:rPr lang="en-US" dirty="0">
-                        <a:solidFill>
-                          <a:schemeClr val="bg1"/>
-                        </a:solidFill>
-                        <a:latin typeface="Times New Roman" panose="02020603050405020304" pitchFamily="18" charset="0"/>
-                        <a:cs typeface="Times New Roman" panose="02020603050405020304" pitchFamily="18" charset="0"/>
-                      </a:rPr>
-                      <a:t> yang </a:t>
-                    </a:r>
-                    <a:r>
-                      <a:rPr lang="en-US" dirty="0" err="1">
-                        <a:solidFill>
-                          <a:schemeClr val="bg1"/>
-                        </a:solidFill>
-                        <a:latin typeface="Times New Roman" panose="02020603050405020304" pitchFamily="18" charset="0"/>
-                        <a:cs typeface="Times New Roman" panose="02020603050405020304" pitchFamily="18" charset="0"/>
-                      </a:rPr>
-                      <a:t>tampak</a:t>
-                    </a:r>
-                    <a:r>
-                      <a:rPr lang="en-US" dirty="0">
-                        <a:solidFill>
-                          <a:schemeClr val="bg1"/>
-                        </a:solidFill>
-                        <a:latin typeface="Times New Roman" panose="02020603050405020304" pitchFamily="18" charset="0"/>
-                        <a:cs typeface="Times New Roman" panose="02020603050405020304" pitchFamily="18" charset="0"/>
-                      </a:rPr>
-                      <a:t> oleh </a:t>
-                    </a:r>
-                    <a:r>
-                      <a:rPr lang="en-US" dirty="0" err="1">
-                        <a:solidFill>
-                          <a:schemeClr val="bg1"/>
-                        </a:solidFill>
-                        <a:latin typeface="Times New Roman" panose="02020603050405020304" pitchFamily="18" charset="0"/>
-                        <a:cs typeface="Times New Roman" panose="02020603050405020304" pitchFamily="18" charset="0"/>
-                      </a:rPr>
-                      <a:t>mata</a:t>
-                    </a:r>
-                    <a:endParaRPr lang="en-ID" dirty="0">
-                      <a:solidFill>
-                        <a:schemeClr val="bg1"/>
-                      </a:solidFill>
-                      <a:latin typeface="Times New Roman" panose="02020603050405020304" pitchFamily="18" charset="0"/>
-                      <a:cs typeface="Times New Roman" panose="02020603050405020304" pitchFamily="18" charset="0"/>
-                    </a:endParaRPr>
-                  </a:p>
-                </p:txBody>
-              </p:sp>
-              <p:sp>
-                <p:nvSpPr>
-                  <p:cNvPr id="45" name="TextBox 44">
-                    <a:extLst>
-                      <a:ext uri="{FF2B5EF4-FFF2-40B4-BE49-F238E27FC236}">
-                        <a16:creationId xmlns:a16="http://schemas.microsoft.com/office/drawing/2014/main" id="{85181DDE-D00D-5698-D390-02B883686220}"/>
-                      </a:ext>
-                    </a:extLst>
-                  </p:cNvPr>
-                  <p:cNvSpPr txBox="1"/>
-                  <p:nvPr/>
-                </p:nvSpPr>
-                <p:spPr>
-                  <a:xfrm>
-                    <a:off x="5219426" y="4237059"/>
-                    <a:ext cx="1981378" cy="369332"/>
-                  </a:xfrm>
-                  <a:prstGeom prst="rect">
-                    <a:avLst/>
-                  </a:prstGeom>
-                  <a:solidFill>
-                    <a:schemeClr val="accent1">
-                      <a:lumMod val="40000"/>
-                      <a:lumOff val="60000"/>
-                    </a:schemeClr>
-                  </a:solidFill>
-                </p:spPr>
-                <p:txBody>
-                  <a:bodyPr wrap="square" rtlCol="0">
-                    <a:spAutoFit/>
-                  </a:bodyPr>
-                  <a:lstStyle/>
-                  <a:p>
-                    <a:pPr algn="ctr"/>
-                    <a:r>
-                      <a:rPr lang="en-US" dirty="0" err="1">
-                        <a:latin typeface="Times New Roman" panose="02020603050405020304" pitchFamily="18" charset="0"/>
-                        <a:cs typeface="Times New Roman" panose="02020603050405020304" pitchFamily="18" charset="0"/>
-                      </a:rPr>
-                      <a:t>Cermin</a:t>
-                    </a:r>
-                    <a:r>
-                      <a:rPr lang="en-US" dirty="0">
-                        <a:latin typeface="Times New Roman" panose="02020603050405020304" pitchFamily="18" charset="0"/>
-                        <a:cs typeface="Times New Roman" panose="02020603050405020304" pitchFamily="18" charset="0"/>
-                      </a:rPr>
-                      <a:t> Datar</a:t>
-                    </a:r>
-                    <a:endParaRPr lang="en-ID" dirty="0">
-                      <a:latin typeface="Times New Roman" panose="02020603050405020304" pitchFamily="18" charset="0"/>
-                      <a:cs typeface="Times New Roman" panose="02020603050405020304" pitchFamily="18" charset="0"/>
-                    </a:endParaRPr>
-                  </a:p>
-                </p:txBody>
-              </p:sp>
-              <p:cxnSp>
-                <p:nvCxnSpPr>
-                  <p:cNvPr id="54" name="Straight Connector 53">
-                    <a:extLst>
-                      <a:ext uri="{FF2B5EF4-FFF2-40B4-BE49-F238E27FC236}">
-                        <a16:creationId xmlns:a16="http://schemas.microsoft.com/office/drawing/2014/main" id="{24B0F1C7-D08A-4342-BCA1-86151B9F313A}"/>
-                      </a:ext>
-                    </a:extLst>
-                  </p:cNvPr>
-                  <p:cNvCxnSpPr/>
-                  <p:nvPr/>
-                </p:nvCxnSpPr>
-                <p:spPr>
-                  <a:xfrm flipH="1">
-                    <a:off x="4315759" y="2437036"/>
-                    <a:ext cx="1764000" cy="0"/>
-                  </a:xfrm>
-                  <a:prstGeom prst="line">
-                    <a:avLst/>
-                  </a:prstGeom>
-                  <a:ln w="25400">
-                    <a:solidFill>
-                      <a:srgbClr val="00B0F0"/>
-                    </a:solidFill>
-                    <a:prstDash val="dash"/>
-                  </a:ln>
-                </p:spPr>
-                <p:style>
-                  <a:lnRef idx="1">
-                    <a:schemeClr val="accent1"/>
-                  </a:lnRef>
-                  <a:fillRef idx="0">
-                    <a:schemeClr val="accent1"/>
-                  </a:fillRef>
-                  <a:effectRef idx="0">
-                    <a:schemeClr val="accent1"/>
-                  </a:effectRef>
-                  <a:fontRef idx="minor">
-                    <a:schemeClr val="tx1"/>
-                  </a:fontRef>
-                </p:style>
-              </p:cxnSp>
-              <p:sp>
-                <p:nvSpPr>
-                  <p:cNvPr id="55" name="Arc 54">
-                    <a:extLst>
-                      <a:ext uri="{FF2B5EF4-FFF2-40B4-BE49-F238E27FC236}">
-                        <a16:creationId xmlns:a16="http://schemas.microsoft.com/office/drawing/2014/main" id="{62CD0618-DCFF-51E8-4432-7F5DBE79907A}"/>
-                      </a:ext>
-                    </a:extLst>
-                  </p:cNvPr>
-                  <p:cNvSpPr/>
-                  <p:nvPr/>
-                </p:nvSpPr>
-                <p:spPr>
-                  <a:xfrm rot="13638149">
-                    <a:off x="5403850" y="2059183"/>
-                    <a:ext cx="520087" cy="483992"/>
-                  </a:xfrm>
-                  <a:prstGeom prst="arc">
-                    <a:avLst>
-                      <a:gd name="adj1" fmla="val 16650166"/>
-                      <a:gd name="adj2" fmla="val 0"/>
-                    </a:avLst>
-                  </a:prstGeom>
-                  <a:noFill/>
-                  <a:ln w="22225"/>
-                </p:spPr>
-                <p:style>
-                  <a:lnRef idx="1">
-                    <a:schemeClr val="accent1"/>
-                  </a:lnRef>
-                  <a:fillRef idx="0">
-                    <a:schemeClr val="accent1"/>
-                  </a:fillRef>
-                  <a:effectRef idx="0">
-                    <a:schemeClr val="accent1"/>
-                  </a:effectRef>
-                  <a:fontRef idx="minor">
-                    <a:schemeClr val="tx1"/>
-                  </a:fontRef>
-                </p:style>
-                <p:txBody>
-                  <a:bodyPr rtlCol="0" anchor="ctr"/>
-                  <a:lstStyle/>
-                  <a:p>
-                    <a:pPr algn="ctr"/>
-                    <a:endParaRPr lang="en-ID" dirty="0"/>
-                  </a:p>
-                </p:txBody>
-              </p:sp>
-              <mc:AlternateContent xmlns:mc="http://schemas.openxmlformats.org/markup-compatibility/2006" xmlns:a14="http://schemas.microsoft.com/office/drawing/2010/main">
-                <mc:Choice Requires="a14">
-                  <p:sp>
-                    <p:nvSpPr>
-                      <p:cNvPr id="57" name="TextBox 56">
-                        <a:extLst>
-                          <a:ext uri="{FF2B5EF4-FFF2-40B4-BE49-F238E27FC236}">
-                            <a16:creationId xmlns:a16="http://schemas.microsoft.com/office/drawing/2014/main" id="{F21EAC4A-9E0C-D20B-633F-2999472C225F}"/>
-                          </a:ext>
-                        </a:extLst>
-                      </p:cNvPr>
-                      <p:cNvSpPr txBox="1"/>
-                      <p:nvPr/>
-                    </p:nvSpPr>
-                    <p:spPr>
-                      <a:xfrm>
-                        <a:off x="4725200" y="2020662"/>
-                        <a:ext cx="494226" cy="369332"/>
-                      </a:xfrm>
-                      <a:prstGeom prst="rect">
-                        <a:avLst/>
-                      </a:prstGeom>
-                      <a:solidFill>
-                        <a:schemeClr val="accent1"/>
-                      </a:solidFill>
-                    </p:spPr>
-                    <p:txBody>
-                      <a:bodyPr wrap="square" rtlCol="0">
-                        <a:spAutoFit/>
-                      </a:bodyPr>
-                      <a:lstStyle/>
-                      <a:p>
-                        <a:pPr algn="ctr"/>
-                        <a14:m>
-                          <m:oMathPara xmlns:m="http://schemas.openxmlformats.org/officeDocument/2006/math">
-                            <m:oMathParaPr>
-                              <m:jc m:val="center"/>
-                            </m:oMathParaPr>
-                            <m:oMath xmlns:m="http://schemas.openxmlformats.org/officeDocument/2006/math">
-                              <m:r>
-                                <a:rPr lang="en-US" b="0" i="1" dirty="0" smtClean="0">
-                                  <a:latin typeface="Cambria Math" panose="02040503050406030204" pitchFamily="18" charset="0"/>
-                                  <a:cs typeface="Times New Roman" panose="02020603050405020304" pitchFamily="18" charset="0"/>
-                                </a:rPr>
-                                <m:t>𝜃</m:t>
-                              </m:r>
-                            </m:oMath>
-                          </m:oMathPara>
-                        </a14:m>
-                        <a:endParaRPr lang="en-ID" dirty="0">
-                          <a:latin typeface="Times New Roman" panose="02020603050405020304" pitchFamily="18" charset="0"/>
-                          <a:cs typeface="Times New Roman" panose="02020603050405020304" pitchFamily="18" charset="0"/>
-                        </a:endParaRPr>
-                      </a:p>
-                    </p:txBody>
-                  </p:sp>
-                </mc:Choice>
-                <mc:Fallback xmlns="">
-                  <p:sp>
-                    <p:nvSpPr>
-                      <p:cNvPr id="57" name="TextBox 56">
-                        <a:extLst>
-                          <a:ext uri="{FF2B5EF4-FFF2-40B4-BE49-F238E27FC236}">
-                            <a16:creationId xmlns:a16="http://schemas.microsoft.com/office/drawing/2014/main" id="{F21EAC4A-9E0C-D20B-633F-2999472C225F}"/>
-                          </a:ext>
-                        </a:extLst>
-                      </p:cNvPr>
-                      <p:cNvSpPr txBox="1">
-                        <a:spLocks noRot="1" noChangeAspect="1" noMove="1" noResize="1" noEditPoints="1" noAdjustHandles="1" noChangeArrowheads="1" noChangeShapeType="1" noTextEdit="1"/>
-                      </p:cNvSpPr>
-                      <p:nvPr/>
-                    </p:nvSpPr>
-                    <p:spPr>
-                      <a:xfrm>
-                        <a:off x="4725200" y="2020662"/>
-                        <a:ext cx="494226" cy="369332"/>
-                      </a:xfrm>
-                      <a:prstGeom prst="rect">
-                        <a:avLst/>
-                      </a:prstGeom>
-                      <a:blipFill>
-                        <a:blip r:embed="rId3"/>
-                        <a:stretch>
-                          <a:fillRect/>
-                        </a:stretch>
-                      </a:blipFill>
-                    </p:spPr>
-                    <p:txBody>
-                      <a:bodyPr/>
-                      <a:lstStyle/>
-                      <a:p>
-                        <a:r>
-                          <a:rPr lang="en-ID">
-                            <a:noFill/>
-                          </a:rPr>
-                          <a:t> </a:t>
-                        </a:r>
-                      </a:p>
-                    </p:txBody>
-                  </p:sp>
-                </mc:Fallback>
-              </mc:AlternateContent>
-              <mc:AlternateContent xmlns:mc="http://schemas.openxmlformats.org/markup-compatibility/2006" xmlns:a14="http://schemas.microsoft.com/office/drawing/2010/main">
-                <mc:Choice Requires="a14">
-                  <p:sp>
-                    <p:nvSpPr>
-                      <p:cNvPr id="61" name="TextBox 60">
-                        <a:extLst>
-                          <a:ext uri="{FF2B5EF4-FFF2-40B4-BE49-F238E27FC236}">
-                            <a16:creationId xmlns:a16="http://schemas.microsoft.com/office/drawing/2014/main" id="{E5D37149-7A45-4CA4-7232-47BF0A78A761}"/>
-                          </a:ext>
-                        </a:extLst>
-                      </p:cNvPr>
-                      <p:cNvSpPr txBox="1"/>
-                      <p:nvPr/>
-                    </p:nvSpPr>
-                    <p:spPr>
-                      <a:xfrm>
-                        <a:off x="4726503" y="2480410"/>
-                        <a:ext cx="494226" cy="369332"/>
-                      </a:xfrm>
-                      <a:prstGeom prst="rect">
-                        <a:avLst/>
-                      </a:prstGeom>
-                      <a:solidFill>
-                        <a:schemeClr val="accent1"/>
-                      </a:solidFill>
-                    </p:spPr>
-                    <p:txBody>
-                      <a:bodyPr wrap="square" rtlCol="0">
-                        <a:spAutoFit/>
-                      </a:bodyPr>
-                      <a:lstStyle/>
-                      <a:p>
-                        <a:pPr algn="ctr"/>
-                        <a14:m>
-                          <m:oMathPara xmlns:m="http://schemas.openxmlformats.org/officeDocument/2006/math">
-                            <m:oMathParaPr>
-                              <m:jc m:val="center"/>
-                            </m:oMathParaPr>
-                            <m:oMath xmlns:m="http://schemas.openxmlformats.org/officeDocument/2006/math">
-                              <m:r>
-                                <a:rPr lang="en-US" b="0" i="1" dirty="0" smtClean="0">
-                                  <a:latin typeface="Cambria Math" panose="02040503050406030204" pitchFamily="18" charset="0"/>
-                                  <a:cs typeface="Times New Roman" panose="02020603050405020304" pitchFamily="18" charset="0"/>
-                                </a:rPr>
-                                <m:t>𝜃</m:t>
-                              </m:r>
-                            </m:oMath>
-                          </m:oMathPara>
-                        </a14:m>
-                        <a:endParaRPr lang="en-ID" dirty="0">
-                          <a:latin typeface="Times New Roman" panose="02020603050405020304" pitchFamily="18" charset="0"/>
-                          <a:cs typeface="Times New Roman" panose="02020603050405020304" pitchFamily="18" charset="0"/>
-                        </a:endParaRPr>
-                      </a:p>
-                    </p:txBody>
-                  </p:sp>
-                </mc:Choice>
-                <mc:Fallback xmlns="">
-                  <p:sp>
-                    <p:nvSpPr>
-                      <p:cNvPr id="61" name="TextBox 60">
-                        <a:extLst>
-                          <a:ext uri="{FF2B5EF4-FFF2-40B4-BE49-F238E27FC236}">
-                            <a16:creationId xmlns:a16="http://schemas.microsoft.com/office/drawing/2014/main" id="{E5D37149-7A45-4CA4-7232-47BF0A78A761}"/>
-                          </a:ext>
-                        </a:extLst>
-                      </p:cNvPr>
-                      <p:cNvSpPr txBox="1">
-                        <a:spLocks noRot="1" noChangeAspect="1" noMove="1" noResize="1" noEditPoints="1" noAdjustHandles="1" noChangeArrowheads="1" noChangeShapeType="1" noTextEdit="1"/>
-                      </p:cNvSpPr>
-                      <p:nvPr/>
-                    </p:nvSpPr>
-                    <p:spPr>
-                      <a:xfrm>
-                        <a:off x="4726503" y="2480410"/>
-                        <a:ext cx="494226" cy="369332"/>
-                      </a:xfrm>
-                      <a:prstGeom prst="rect">
-                        <a:avLst/>
-                      </a:prstGeom>
-                      <a:blipFill>
-                        <a:blip r:embed="rId4"/>
-                        <a:stretch>
-                          <a:fillRect/>
-                        </a:stretch>
-                      </a:blipFill>
-                    </p:spPr>
-                    <p:txBody>
-                      <a:bodyPr/>
-                      <a:lstStyle/>
-                      <a:p>
-                        <a:r>
-                          <a:rPr lang="en-ID">
-                            <a:noFill/>
-                          </a:rPr>
-                          <a:t> </a:t>
-                        </a:r>
-                      </a:p>
-                    </p:txBody>
-                  </p:sp>
-                </mc:Fallback>
-              </mc:AlternateContent>
-            </p:grpSp>
-          </p:grpSp>
-          <p:sp>
-            <p:nvSpPr>
-              <p:cNvPr id="62" name="TextBox 61">
-                <a:extLst>
-                  <a:ext uri="{FF2B5EF4-FFF2-40B4-BE49-F238E27FC236}">
-                    <a16:creationId xmlns:a16="http://schemas.microsoft.com/office/drawing/2014/main" id="{A2D7B1AD-289F-32E5-6CB0-AF7F4603D70F}"/>
-                  </a:ext>
-                </a:extLst>
-              </p:cNvPr>
-              <p:cNvSpPr txBox="1"/>
-              <p:nvPr/>
-            </p:nvSpPr>
-            <p:spPr>
-              <a:xfrm>
-                <a:off x="4523236" y="3351718"/>
-                <a:ext cx="1351405" cy="369332"/>
-              </a:xfrm>
-              <a:prstGeom prst="rect">
-                <a:avLst/>
-              </a:prstGeom>
-              <a:solidFill>
-                <a:srgbClr val="FF0000"/>
-              </a:solidFill>
-            </p:spPr>
-            <p:txBody>
-              <a:bodyPr wrap="square" rtlCol="0">
-                <a:spAutoFit/>
-              </a:bodyPr>
-              <a:lstStyle/>
-              <a:p>
-                <a:pPr algn="ctr"/>
-                <a:r>
-                  <a:rPr lang="en-US" dirty="0" err="1">
-                    <a:latin typeface="Times New Roman" panose="02020603050405020304" pitchFamily="18" charset="0"/>
-                    <a:cs typeface="Times New Roman" panose="02020603050405020304" pitchFamily="18" charset="0"/>
-                  </a:rPr>
-                  <a:t>Sinar</a:t>
-                </a:r>
-                <a:r>
-                  <a:rPr lang="en-US" dirty="0">
-                    <a:latin typeface="Times New Roman" panose="02020603050405020304" pitchFamily="18" charset="0"/>
-                    <a:cs typeface="Times New Roman" panose="02020603050405020304" pitchFamily="18" charset="0"/>
-                  </a:rPr>
-                  <a:t> </a:t>
-                </a:r>
-                <a:r>
-                  <a:rPr lang="en-US" dirty="0" err="1">
-                    <a:latin typeface="Times New Roman" panose="02020603050405020304" pitchFamily="18" charset="0"/>
-                    <a:cs typeface="Times New Roman" panose="02020603050405020304" pitchFamily="18" charset="0"/>
-                  </a:rPr>
-                  <a:t>datang</a:t>
-                </a:r>
-                <a:endParaRPr lang="en-ID" dirty="0">
-                  <a:latin typeface="Times New Roman" panose="02020603050405020304" pitchFamily="18" charset="0"/>
-                  <a:cs typeface="Times New Roman" panose="02020603050405020304" pitchFamily="18" charset="0"/>
-                </a:endParaRPr>
-              </a:p>
-            </p:txBody>
-          </p:sp>
-          <p:sp>
-            <p:nvSpPr>
-              <p:cNvPr id="63" name="TextBox 62">
-                <a:extLst>
-                  <a:ext uri="{FF2B5EF4-FFF2-40B4-BE49-F238E27FC236}">
-                    <a16:creationId xmlns:a16="http://schemas.microsoft.com/office/drawing/2014/main" id="{C8B60C55-03C3-912E-3B54-720C8DA43521}"/>
-                  </a:ext>
-                </a:extLst>
-              </p:cNvPr>
-              <p:cNvSpPr txBox="1"/>
-              <p:nvPr/>
-            </p:nvSpPr>
-            <p:spPr>
-              <a:xfrm>
-                <a:off x="4597112" y="1060167"/>
-                <a:ext cx="1351405" cy="369332"/>
-              </a:xfrm>
-              <a:prstGeom prst="rect">
-                <a:avLst/>
-              </a:prstGeom>
-              <a:solidFill>
-                <a:srgbClr val="FF0000"/>
-              </a:solidFill>
-            </p:spPr>
-            <p:txBody>
-              <a:bodyPr wrap="square" rtlCol="0">
-                <a:spAutoFit/>
-              </a:bodyPr>
-              <a:lstStyle/>
-              <a:p>
-                <a:pPr algn="ctr"/>
-                <a:r>
-                  <a:rPr lang="en-US" dirty="0" err="1">
-                    <a:latin typeface="Times New Roman" panose="02020603050405020304" pitchFamily="18" charset="0"/>
-                    <a:cs typeface="Times New Roman" panose="02020603050405020304" pitchFamily="18" charset="0"/>
-                  </a:rPr>
-                  <a:t>Sinar</a:t>
-                </a:r>
-                <a:r>
-                  <a:rPr lang="en-US" dirty="0">
-                    <a:latin typeface="Times New Roman" panose="02020603050405020304" pitchFamily="18" charset="0"/>
-                    <a:cs typeface="Times New Roman" panose="02020603050405020304" pitchFamily="18" charset="0"/>
-                  </a:rPr>
-                  <a:t> </a:t>
-                </a:r>
-                <a:r>
-                  <a:rPr lang="en-US" dirty="0" err="1">
-                    <a:latin typeface="Times New Roman" panose="02020603050405020304" pitchFamily="18" charset="0"/>
-                    <a:cs typeface="Times New Roman" panose="02020603050405020304" pitchFamily="18" charset="0"/>
-                  </a:rPr>
-                  <a:t>pantul</a:t>
-                </a:r>
-                <a:endParaRPr lang="en-ID" dirty="0">
-                  <a:latin typeface="Times New Roman" panose="02020603050405020304" pitchFamily="18" charset="0"/>
-                  <a:cs typeface="Times New Roman" panose="02020603050405020304" pitchFamily="18" charset="0"/>
-                </a:endParaRPr>
-              </a:p>
-            </p:txBody>
-          </p:sp>
-          <p:sp>
-            <p:nvSpPr>
-              <p:cNvPr id="64" name="TextBox 63">
-                <a:extLst>
-                  <a:ext uri="{FF2B5EF4-FFF2-40B4-BE49-F238E27FC236}">
-                    <a16:creationId xmlns:a16="http://schemas.microsoft.com/office/drawing/2014/main" id="{45D9CFC7-3BE6-DA57-86DD-15F260F62BD8}"/>
-                  </a:ext>
-                </a:extLst>
-              </p:cNvPr>
-              <p:cNvSpPr txBox="1"/>
-              <p:nvPr/>
-            </p:nvSpPr>
-            <p:spPr>
-              <a:xfrm>
-                <a:off x="2862112" y="1944226"/>
-                <a:ext cx="1351405" cy="923330"/>
-              </a:xfrm>
-              <a:prstGeom prst="rect">
-                <a:avLst/>
-              </a:prstGeom>
-              <a:solidFill>
-                <a:schemeClr val="accent1"/>
-              </a:solidFill>
-            </p:spPr>
-            <p:txBody>
-              <a:bodyPr wrap="square" rtlCol="0">
-                <a:spAutoFit/>
-              </a:bodyPr>
-              <a:lstStyle/>
-              <a:p>
-                <a:pPr algn="ctr"/>
-                <a:r>
-                  <a:rPr lang="en-US" dirty="0" err="1">
-                    <a:solidFill>
-                      <a:schemeClr val="bg1"/>
-                    </a:solidFill>
-                    <a:latin typeface="Times New Roman" panose="02020603050405020304" pitchFamily="18" charset="0"/>
-                    <a:cs typeface="Times New Roman" panose="02020603050405020304" pitchFamily="18" charset="0"/>
-                  </a:rPr>
-                  <a:t>Sudut</a:t>
-                </a:r>
-                <a:r>
-                  <a:rPr lang="en-US" dirty="0">
-                    <a:solidFill>
-                      <a:schemeClr val="bg1"/>
-                    </a:solidFill>
-                    <a:latin typeface="Times New Roman" panose="02020603050405020304" pitchFamily="18" charset="0"/>
-                    <a:cs typeface="Times New Roman" panose="02020603050405020304" pitchFamily="18" charset="0"/>
-                  </a:rPr>
-                  <a:t> </a:t>
-                </a:r>
-                <a:r>
-                  <a:rPr lang="en-US" dirty="0" err="1">
-                    <a:solidFill>
-                      <a:schemeClr val="bg1"/>
-                    </a:solidFill>
-                    <a:latin typeface="Times New Roman" panose="02020603050405020304" pitchFamily="18" charset="0"/>
-                    <a:cs typeface="Times New Roman" panose="02020603050405020304" pitchFamily="18" charset="0"/>
-                  </a:rPr>
-                  <a:t>sinar</a:t>
-                </a:r>
-                <a:r>
-                  <a:rPr lang="en-US" dirty="0">
-                    <a:solidFill>
-                      <a:schemeClr val="bg1"/>
-                    </a:solidFill>
-                    <a:latin typeface="Times New Roman" panose="02020603050405020304" pitchFamily="18" charset="0"/>
-                    <a:cs typeface="Times New Roman" panose="02020603050405020304" pitchFamily="18" charset="0"/>
-                  </a:rPr>
-                  <a:t> </a:t>
-                </a:r>
-                <a:r>
-                  <a:rPr lang="en-US" dirty="0" err="1">
-                    <a:solidFill>
-                      <a:schemeClr val="bg1"/>
-                    </a:solidFill>
-                    <a:latin typeface="Times New Roman" panose="02020603050405020304" pitchFamily="18" charset="0"/>
-                    <a:cs typeface="Times New Roman" panose="02020603050405020304" pitchFamily="18" charset="0"/>
-                  </a:rPr>
-                  <a:t>datang</a:t>
-                </a:r>
-                <a:r>
-                  <a:rPr lang="en-US" dirty="0">
-                    <a:solidFill>
-                      <a:schemeClr val="bg1"/>
-                    </a:solidFill>
-                    <a:latin typeface="Times New Roman" panose="02020603050405020304" pitchFamily="18" charset="0"/>
-                    <a:cs typeface="Times New Roman" panose="02020603050405020304" pitchFamily="18" charset="0"/>
-                  </a:rPr>
-                  <a:t> dan </a:t>
-                </a:r>
-                <a:r>
-                  <a:rPr lang="en-US" dirty="0" err="1">
-                    <a:solidFill>
-                      <a:schemeClr val="bg1"/>
-                    </a:solidFill>
-                    <a:latin typeface="Times New Roman" panose="02020603050405020304" pitchFamily="18" charset="0"/>
-                    <a:cs typeface="Times New Roman" panose="02020603050405020304" pitchFamily="18" charset="0"/>
-                  </a:rPr>
-                  <a:t>pantul</a:t>
-                </a:r>
-                <a:endParaRPr lang="en-ID" dirty="0">
-                  <a:solidFill>
-                    <a:schemeClr val="bg1"/>
-                  </a:solidFill>
-                  <a:latin typeface="Times New Roman" panose="02020603050405020304" pitchFamily="18" charset="0"/>
-                  <a:cs typeface="Times New Roman" panose="02020603050405020304" pitchFamily="18" charset="0"/>
-                </a:endParaRPr>
-              </a:p>
-            </p:txBody>
-          </p:sp>
-        </p:grpSp>
-        <p:grpSp>
-          <p:nvGrpSpPr>
-            <p:cNvPr id="66" name="Group 65">
-              <a:extLst>
-                <a:ext uri="{FF2B5EF4-FFF2-40B4-BE49-F238E27FC236}">
-                  <a16:creationId xmlns:a16="http://schemas.microsoft.com/office/drawing/2014/main" id="{04F2DDE1-3FB1-2D0B-3EBC-1E8F4294EBFE}"/>
-                </a:ext>
-              </a:extLst>
-            </p:cNvPr>
-            <p:cNvGrpSpPr/>
-            <p:nvPr/>
-          </p:nvGrpSpPr>
-          <p:grpSpPr>
-            <a:xfrm>
-              <a:off x="3201383" y="910384"/>
-              <a:ext cx="1111250" cy="960516"/>
-              <a:chOff x="2813050" y="1040567"/>
-              <a:chExt cx="1111250" cy="960516"/>
-            </a:xfrm>
-          </p:grpSpPr>
-          <p:sp>
-            <p:nvSpPr>
-              <p:cNvPr id="67" name="Oval 66">
-                <a:extLst>
-                  <a:ext uri="{FF2B5EF4-FFF2-40B4-BE49-F238E27FC236}">
-                    <a16:creationId xmlns:a16="http://schemas.microsoft.com/office/drawing/2014/main" id="{A11275AD-97D2-653A-EC4E-2BDC75DCE20A}"/>
-                  </a:ext>
-                </a:extLst>
-              </p:cNvPr>
-              <p:cNvSpPr/>
-              <p:nvPr/>
-            </p:nvSpPr>
-            <p:spPr>
-              <a:xfrm>
-                <a:off x="2813050" y="1066800"/>
-                <a:ext cx="1111250" cy="908050"/>
-              </a:xfrm>
-              <a:prstGeom prst="ellipse">
-                <a:avLst/>
-              </a:prstGeom>
-              <a:solidFill>
-                <a:schemeClr val="bg1"/>
-              </a:solidFill>
-              <a:ln>
-                <a:solidFill>
-                  <a:schemeClr val="tx2"/>
-                </a:solidFill>
-              </a:ln>
-            </p:spPr>
-            <p:style>
-              <a:lnRef idx="2">
-                <a:schemeClr val="accent1">
-                  <a:shade val="15000"/>
-                </a:schemeClr>
-              </a:lnRef>
-              <a:fillRef idx="1">
-                <a:schemeClr val="accent1"/>
-              </a:fillRef>
-              <a:effectRef idx="0">
-                <a:schemeClr val="accent1"/>
-              </a:effectRef>
-              <a:fontRef idx="minor">
-                <a:schemeClr val="lt1"/>
-              </a:fontRef>
-            </p:style>
-            <p:txBody>
-              <a:bodyPr rtlCol="0" anchor="ctr"/>
-              <a:lstStyle/>
-              <a:p>
-                <a:pPr algn="ctr"/>
-                <a:endParaRPr lang="en-ID"/>
-              </a:p>
-            </p:txBody>
-          </p:sp>
-          <p:pic>
-            <p:nvPicPr>
-              <p:cNvPr id="68" name="Picture 67">
-                <a:extLst>
-                  <a:ext uri="{FF2B5EF4-FFF2-40B4-BE49-F238E27FC236}">
-                    <a16:creationId xmlns:a16="http://schemas.microsoft.com/office/drawing/2014/main" id="{A4F2148E-893F-FCDF-430B-4FC670468E4A}"/>
-                  </a:ext>
-                </a:extLst>
-              </p:cNvPr>
-              <p:cNvPicPr>
-                <a:picLocks noChangeAspect="1"/>
-              </p:cNvPicPr>
-              <p:nvPr/>
-            </p:nvPicPr>
-            <p:blipFill>
-              <a:blip r:embed="rId5">
-                <a:extLst>
-                  <a:ext uri="{28A0092B-C50C-407E-A947-70E740481C1C}">
-                    <a14:useLocalDpi xmlns:a14="http://schemas.microsoft.com/office/drawing/2010/main" val="0"/>
-                  </a:ext>
-                </a:extLst>
-              </a:blip>
-              <a:stretch>
-                <a:fillRect/>
-              </a:stretch>
-            </p:blipFill>
-            <p:spPr>
-              <a:xfrm>
-                <a:off x="2883052" y="1040567"/>
-                <a:ext cx="960516" cy="960516"/>
-              </a:xfrm>
-              <a:prstGeom prst="rect">
-                <a:avLst/>
-              </a:prstGeom>
-            </p:spPr>
-          </p:pic>
-        </p:grpSp>
-      </p:grpSp>
-    </p:spTree>
-    <p:extLst>
-      <p:ext uri="{BB962C8B-B14F-4D97-AF65-F5344CB8AC3E}">
-        <p14:creationId xmlns:p14="http://schemas.microsoft.com/office/powerpoint/2010/main" val="3890821318"/>
-      </p:ext>
-    </p:extLst>
-  </p:cSld>
-  <p:clrMapOvr>
-    <a:masterClrMapping/>
-  </p:clrMapOvr>
-</p:sld>
-</file>
-
-<file path=ppt/slides/slide9.xml><?xml version="1.0" encoding="utf-8"?>
-<p:sld xmlns:a="http://schemas.openxmlformats.org/drawingml/2006/main" xmlns:r="http://schemas.openxmlformats.org/officeDocument/2006/relationships" xmlns:p="http://schemas.openxmlformats.org/presentationml/2006/main">
-  <p:cSld>
-    <p:spTree>
-      <p:nvGrpSpPr>
-        <p:cNvPr id="1" name=""/>
-        <p:cNvGrpSpPr/>
-        <p:nvPr/>
-      </p:nvGrpSpPr>
-      <p:grpSpPr>
-        <a:xfrm>
-          <a:off x="0" y="0"/>
-          <a:ext cx="0" cy="0"/>
-          <a:chOff x="0" y="0"/>
-          <a:chExt cx="0" cy="0"/>
-        </a:xfrm>
-      </p:grpSpPr>
-      <p:grpSp>
-        <p:nvGrpSpPr>
-          <p:cNvPr id="51" name="Group 50">
-            <a:extLst>
-              <a:ext uri="{FF2B5EF4-FFF2-40B4-BE49-F238E27FC236}">
-                <a16:creationId xmlns:a16="http://schemas.microsoft.com/office/drawing/2014/main" id="{4AE13938-8F5B-6675-7D9A-74C6DD17C5D3}"/>
-              </a:ext>
-            </a:extLst>
-          </p:cNvPr>
-          <p:cNvGrpSpPr/>
-          <p:nvPr/>
-        </p:nvGrpSpPr>
-        <p:grpSpPr>
-          <a:xfrm>
-            <a:off x="2345095" y="928685"/>
-            <a:ext cx="7501810" cy="4541328"/>
-            <a:chOff x="2345095" y="928685"/>
-            <a:chExt cx="7501810" cy="4541328"/>
-          </a:xfrm>
-        </p:grpSpPr>
-        <p:grpSp>
-          <p:nvGrpSpPr>
-            <p:cNvPr id="46" name="Group 45">
-              <a:extLst>
-                <a:ext uri="{FF2B5EF4-FFF2-40B4-BE49-F238E27FC236}">
-                  <a16:creationId xmlns:a16="http://schemas.microsoft.com/office/drawing/2014/main" id="{7FDA977D-71A6-E24A-8430-2BA17A68FC14}"/>
-                </a:ext>
-              </a:extLst>
-            </p:cNvPr>
-            <p:cNvGrpSpPr/>
-            <p:nvPr/>
-          </p:nvGrpSpPr>
-          <p:grpSpPr>
-            <a:xfrm>
-              <a:off x="2345095" y="1476925"/>
-              <a:ext cx="7501810" cy="3993088"/>
-              <a:chOff x="2345095" y="1476925"/>
-              <a:chExt cx="7501810" cy="3993088"/>
-            </a:xfrm>
-          </p:grpSpPr>
-          <p:grpSp>
-            <p:nvGrpSpPr>
-              <p:cNvPr id="8" name="Group 7">
-                <a:extLst>
-                  <a:ext uri="{FF2B5EF4-FFF2-40B4-BE49-F238E27FC236}">
-                    <a16:creationId xmlns:a16="http://schemas.microsoft.com/office/drawing/2014/main" id="{EC5B5CDB-2C4D-7B07-099B-08B5358A42E5}"/>
-                  </a:ext>
-                </a:extLst>
-              </p:cNvPr>
-              <p:cNvGrpSpPr/>
-              <p:nvPr/>
-            </p:nvGrpSpPr>
-            <p:grpSpPr>
-              <a:xfrm>
-                <a:off x="2345095" y="1476925"/>
-                <a:ext cx="7501810" cy="3993088"/>
-                <a:chOff x="2345095" y="1476925"/>
-                <a:chExt cx="7501810" cy="3993088"/>
-              </a:xfrm>
-            </p:grpSpPr>
-            <p:sp>
-              <p:nvSpPr>
-                <p:cNvPr id="9" name="Rectangle 8">
-                  <a:extLst>
-                    <a:ext uri="{FF2B5EF4-FFF2-40B4-BE49-F238E27FC236}">
-                      <a16:creationId xmlns:a16="http://schemas.microsoft.com/office/drawing/2014/main" id="{28580B71-649E-5AFC-5089-C3B875DF0BA1}"/>
-                    </a:ext>
-                  </a:extLst>
-                </p:cNvPr>
-                <p:cNvSpPr/>
-                <p:nvPr/>
-              </p:nvSpPr>
-              <p:spPr>
-                <a:xfrm>
-                  <a:off x="2345095" y="4699818"/>
-                  <a:ext cx="7501810" cy="400817"/>
-                </a:xfrm>
-                <a:prstGeom prst="rect">
-                  <a:avLst/>
-                </a:prstGeom>
-                <a:solidFill>
-                  <a:schemeClr val="accent2">
-                    <a:lumMod val="60000"/>
-                    <a:lumOff val="40000"/>
-                  </a:schemeClr>
-                </a:solidFill>
-              </p:spPr>
-              <p:style>
-                <a:lnRef idx="2">
-                  <a:schemeClr val="accent1">
-                    <a:shade val="15000"/>
-                  </a:schemeClr>
-                </a:lnRef>
-                <a:fillRef idx="1">
-                  <a:schemeClr val="accent1"/>
-                </a:fillRef>
-                <a:effectRef idx="0">
-                  <a:schemeClr val="accent1"/>
-                </a:effectRef>
-                <a:fontRef idx="minor">
-                  <a:schemeClr val="lt1"/>
-                </a:fontRef>
-              </p:style>
-              <p:txBody>
-                <a:bodyPr rtlCol="0" anchor="ctr"/>
-                <a:lstStyle/>
-                <a:p>
-                  <a:pPr algn="ctr"/>
-                  <a:endParaRPr lang="en-ID"/>
-                </a:p>
-              </p:txBody>
-            </p:sp>
-            <p:pic>
-              <p:nvPicPr>
-                <p:cNvPr id="10" name="Picture 9">
-                  <a:extLst>
-                    <a:ext uri="{FF2B5EF4-FFF2-40B4-BE49-F238E27FC236}">
-                      <a16:creationId xmlns:a16="http://schemas.microsoft.com/office/drawing/2014/main" id="{9C696215-A09D-4663-7DE2-07A2F9171985}"/>
-                    </a:ext>
-                  </a:extLst>
-                </p:cNvPr>
-                <p:cNvPicPr>
-                  <a:picLocks noChangeAspect="1"/>
-                </p:cNvPicPr>
-                <p:nvPr/>
-              </p:nvPicPr>
-              <p:blipFill rotWithShape="1">
-                <a:blip r:embed="rId2">
-                  <a:extLst>
-                    <a:ext uri="{28A0092B-C50C-407E-A947-70E740481C1C}">
-                      <a14:useLocalDpi xmlns:a14="http://schemas.microsoft.com/office/drawing/2010/main" val="0"/>
-                    </a:ext>
-                  </a:extLst>
-                </a:blip>
-                <a:srcRect l="25333" t="21466" r="51467" b="3466"/>
-                <a:stretch/>
-              </p:blipFill>
-              <p:spPr bwMode="auto">
-                <a:xfrm>
-                  <a:off x="3783413" y="3081866"/>
-                  <a:ext cx="623918" cy="2018769"/>
-                </a:xfrm>
-                <a:prstGeom prst="rect">
-                  <a:avLst/>
-                </a:prstGeom>
-                <a:ln>
-                  <a:noFill/>
-                </a:ln>
-                <a:extLst>
-                  <a:ext uri="{53640926-AAD7-44D8-BBD7-CCE9431645EC}">
-                    <a14:shadowObscured xmlns:a14="http://schemas.microsoft.com/office/drawing/2010/main"/>
-                  </a:ext>
-                </a:extLst>
-              </p:spPr>
-            </p:pic>
-            <p:pic>
-              <p:nvPicPr>
-                <p:cNvPr id="11" name="Picture 10">
-                  <a:extLst>
-                    <a:ext uri="{FF2B5EF4-FFF2-40B4-BE49-F238E27FC236}">
-                      <a16:creationId xmlns:a16="http://schemas.microsoft.com/office/drawing/2014/main" id="{87DA5B5F-6A52-1FC1-F845-FA510A530E6C}"/>
-                    </a:ext>
-                  </a:extLst>
-                </p:cNvPr>
-                <p:cNvPicPr>
-                  <a:picLocks noChangeAspect="1"/>
-                </p:cNvPicPr>
-                <p:nvPr/>
-              </p:nvPicPr>
-              <p:blipFill rotWithShape="1">
-                <a:blip r:embed="rId2">
-                  <a:extLst>
-                    <a:ext uri="{28A0092B-C50C-407E-A947-70E740481C1C}">
-                      <a14:useLocalDpi xmlns:a14="http://schemas.microsoft.com/office/drawing/2010/main" val="0"/>
-                    </a:ext>
-                  </a:extLst>
-                </a:blip>
-                <a:srcRect l="53200" t="24266" r="26533" b="10400"/>
-                <a:stretch/>
-              </p:blipFill>
-              <p:spPr bwMode="auto">
-                <a:xfrm>
-                  <a:off x="7735509" y="3139808"/>
-                  <a:ext cx="590282" cy="1902883"/>
-                </a:xfrm>
-                <a:prstGeom prst="rect">
-                  <a:avLst/>
-                </a:prstGeom>
-                <a:ln>
-                  <a:noFill/>
-                </a:ln>
-                <a:extLst>
-                  <a:ext uri="{53640926-AAD7-44D8-BBD7-CCE9431645EC}">
-                    <a14:shadowObscured xmlns:a14="http://schemas.microsoft.com/office/drawing/2010/main"/>
-                  </a:ext>
-                </a:extLst>
-              </p:spPr>
-            </p:pic>
-            <p:sp>
-              <p:nvSpPr>
-                <p:cNvPr id="12" name="Cube 11">
-                  <a:extLst>
-                    <a:ext uri="{FF2B5EF4-FFF2-40B4-BE49-F238E27FC236}">
-                      <a16:creationId xmlns:a16="http://schemas.microsoft.com/office/drawing/2014/main" id="{C8AD58E8-26E5-397D-AB41-D88D846253C8}"/>
-                    </a:ext>
-                  </a:extLst>
-                </p:cNvPr>
-                <p:cNvSpPr/>
-                <p:nvPr/>
-              </p:nvSpPr>
-              <p:spPr>
-                <a:xfrm flipH="1">
-                  <a:off x="5948517" y="1632155"/>
-                  <a:ext cx="245806" cy="3352595"/>
-                </a:xfrm>
-                <a:prstGeom prst="cube">
-                  <a:avLst>
-                    <a:gd name="adj" fmla="val 80172"/>
-                  </a:avLst>
-                </a:prstGeom>
-                <a:solidFill>
-                  <a:schemeClr val="accent1">
-                    <a:lumMod val="40000"/>
-                    <a:lumOff val="60000"/>
-                  </a:schemeClr>
-                </a:solidFill>
-              </p:spPr>
-              <p:style>
-                <a:lnRef idx="2">
-                  <a:schemeClr val="accent1">
-                    <a:shade val="15000"/>
-                  </a:schemeClr>
-                </a:lnRef>
-                <a:fillRef idx="1">
-                  <a:schemeClr val="accent1"/>
-                </a:fillRef>
-                <a:effectRef idx="0">
-                  <a:schemeClr val="accent1"/>
-                </a:effectRef>
-                <a:fontRef idx="minor">
-                  <a:schemeClr val="lt1"/>
-                </a:fontRef>
-              </p:style>
-              <p:txBody>
-                <a:bodyPr rtlCol="0" anchor="ctr"/>
-                <a:lstStyle/>
-                <a:p>
-                  <a:pPr algn="ctr"/>
-                  <a:endParaRPr lang="en-ID"/>
-                </a:p>
-              </p:txBody>
-            </p:sp>
-            <p:grpSp>
-              <p:nvGrpSpPr>
-                <p:cNvPr id="13" name="Group 12">
-                  <a:extLst>
-                    <a:ext uri="{FF2B5EF4-FFF2-40B4-BE49-F238E27FC236}">
-                      <a16:creationId xmlns:a16="http://schemas.microsoft.com/office/drawing/2014/main" id="{569AED27-8081-1EAF-1FC3-075EFA036FEC}"/>
-                    </a:ext>
-                  </a:extLst>
-                </p:cNvPr>
-                <p:cNvGrpSpPr/>
-                <p:nvPr/>
-              </p:nvGrpSpPr>
-              <p:grpSpPr>
-                <a:xfrm>
-                  <a:off x="4407331" y="1476925"/>
-                  <a:ext cx="1688669" cy="1831527"/>
-                  <a:chOff x="4407331" y="2259724"/>
-                  <a:chExt cx="1688669" cy="1831527"/>
-                </a:xfrm>
-              </p:grpSpPr>
-              <p:grpSp>
-                <p:nvGrpSpPr>
-                  <p:cNvPr id="24" name="Group 23">
-                    <a:extLst>
-                      <a:ext uri="{FF2B5EF4-FFF2-40B4-BE49-F238E27FC236}">
-                        <a16:creationId xmlns:a16="http://schemas.microsoft.com/office/drawing/2014/main" id="{FD032897-1B6C-027D-955B-838EB948FA0B}"/>
-                      </a:ext>
-                    </a:extLst>
-                  </p:cNvPr>
-                  <p:cNvGrpSpPr/>
-                  <p:nvPr/>
-                </p:nvGrpSpPr>
-                <p:grpSpPr>
-                  <a:xfrm>
-                    <a:off x="4407331" y="3216166"/>
-                    <a:ext cx="1688669" cy="875085"/>
-                    <a:chOff x="4407331" y="3216166"/>
-                    <a:chExt cx="1688669" cy="875085"/>
-                  </a:xfrm>
-                </p:grpSpPr>
-                <p:cxnSp>
-                  <p:nvCxnSpPr>
-                    <p:cNvPr id="28" name="Straight Connector 27">
-                      <a:extLst>
-                        <a:ext uri="{FF2B5EF4-FFF2-40B4-BE49-F238E27FC236}">
-                          <a16:creationId xmlns:a16="http://schemas.microsoft.com/office/drawing/2014/main" id="{18609CA4-4654-8E25-1C69-B67BFA005239}"/>
-                        </a:ext>
-                      </a:extLst>
-                    </p:cNvPr>
-                    <p:cNvCxnSpPr>
-                      <a:cxnSpLocks/>
-                      <a:stCxn id="10" idx="3"/>
-                    </p:cNvCxnSpPr>
-                    <p:nvPr/>
-                  </p:nvCxnSpPr>
-                  <p:spPr>
-                    <a:xfrm flipV="1">
-                      <a:off x="4407331" y="3216166"/>
-                      <a:ext cx="1688669" cy="875085"/>
-                    </a:xfrm>
-                    <a:prstGeom prst="line">
-                      <a:avLst/>
-                    </a:prstGeom>
-                    <a:ln w="34925">
-                      <a:solidFill>
-                        <a:srgbClr val="FF0000"/>
-                      </a:solidFill>
-                    </a:ln>
-                  </p:spPr>
-                  <p:style>
-                    <a:lnRef idx="1">
-                      <a:schemeClr val="accent1"/>
-                    </a:lnRef>
-                    <a:fillRef idx="0">
-                      <a:schemeClr val="accent1"/>
-                    </a:fillRef>
-                    <a:effectRef idx="0">
-                      <a:schemeClr val="accent1"/>
-                    </a:effectRef>
-                    <a:fontRef idx="minor">
-                      <a:schemeClr val="tx1"/>
-                    </a:fontRef>
-                  </p:style>
-                </p:cxnSp>
-                <p:cxnSp>
-                  <p:nvCxnSpPr>
-                    <p:cNvPr id="29" name="Straight Arrow Connector 28">
-                      <a:extLst>
-                        <a:ext uri="{FF2B5EF4-FFF2-40B4-BE49-F238E27FC236}">
-                          <a16:creationId xmlns:a16="http://schemas.microsoft.com/office/drawing/2014/main" id="{3E3E7490-F566-44F4-CDBA-FBE54673546D}"/>
-                        </a:ext>
-                      </a:extLst>
-                    </p:cNvPr>
-                    <p:cNvCxnSpPr>
-                      <a:stCxn id="10" idx="3"/>
-                    </p:cNvCxnSpPr>
-                    <p:nvPr/>
-                  </p:nvCxnSpPr>
-                  <p:spPr>
-                    <a:xfrm flipV="1">
-                      <a:off x="4407331" y="3653708"/>
-                      <a:ext cx="844334" cy="437543"/>
-                    </a:xfrm>
-                    <a:prstGeom prst="straightConnector1">
-                      <a:avLst/>
-                    </a:prstGeom>
-                    <a:ln w="31750">
-                      <a:solidFill>
-                        <a:srgbClr val="FF0000"/>
-                      </a:solidFill>
-                      <a:tailEnd type="triangle"/>
-                    </a:ln>
-                  </p:spPr>
-                  <p:style>
-                    <a:lnRef idx="1">
-                      <a:schemeClr val="accent1"/>
-                    </a:lnRef>
-                    <a:fillRef idx="0">
-                      <a:schemeClr val="accent1"/>
-                    </a:fillRef>
-                    <a:effectRef idx="0">
-                      <a:schemeClr val="accent1"/>
-                    </a:effectRef>
-                    <a:fontRef idx="minor">
-                      <a:schemeClr val="tx1"/>
-                    </a:fontRef>
-                  </p:style>
-                </p:cxnSp>
-                <p:cxnSp>
-                  <p:nvCxnSpPr>
-                    <p:cNvPr id="31" name="Straight Arrow Connector 30">
-                      <a:extLst>
-                        <a:ext uri="{FF2B5EF4-FFF2-40B4-BE49-F238E27FC236}">
-                          <a16:creationId xmlns:a16="http://schemas.microsoft.com/office/drawing/2014/main" id="{932E3EE3-692E-E5FD-5143-2EE8D7A7AC03}"/>
-                        </a:ext>
-                      </a:extLst>
-                    </p:cNvPr>
-                    <p:cNvCxnSpPr>
-                      <a:cxnSpLocks/>
-                    </p:cNvCxnSpPr>
-                    <p:nvPr/>
-                  </p:nvCxnSpPr>
-                  <p:spPr>
-                    <a:xfrm flipV="1">
-                      <a:off x="4427403" y="3756135"/>
-                      <a:ext cx="851531" cy="335116"/>
-                    </a:xfrm>
-                    <a:prstGeom prst="straightConnector1">
-                      <a:avLst/>
-                    </a:prstGeom>
-                    <a:ln w="31750">
-                      <a:solidFill>
-                        <a:srgbClr val="FF0000"/>
-                      </a:solidFill>
-                      <a:tailEnd type="triangle"/>
-                    </a:ln>
-                  </p:spPr>
-                  <p:style>
-                    <a:lnRef idx="1">
-                      <a:schemeClr val="accent1"/>
-                    </a:lnRef>
-                    <a:fillRef idx="0">
-                      <a:schemeClr val="accent1"/>
-                    </a:fillRef>
-                    <a:effectRef idx="0">
-                      <a:schemeClr val="accent1"/>
-                    </a:effectRef>
-                    <a:fontRef idx="minor">
-                      <a:schemeClr val="tx1"/>
-                    </a:fontRef>
-                  </p:style>
-                </p:cxnSp>
-                <p:cxnSp>
-                  <p:nvCxnSpPr>
-                    <p:cNvPr id="34" name="Straight Connector 33">
-                      <a:extLst>
-                        <a:ext uri="{FF2B5EF4-FFF2-40B4-BE49-F238E27FC236}">
-                          <a16:creationId xmlns:a16="http://schemas.microsoft.com/office/drawing/2014/main" id="{9E9EA7A2-A6F3-AF85-0EDA-AB17D5FA1B20}"/>
-                        </a:ext>
-                      </a:extLst>
-                    </p:cNvPr>
-                    <p:cNvCxnSpPr>
-                      <a:cxnSpLocks/>
-                    </p:cNvCxnSpPr>
-                    <p:nvPr/>
-                  </p:nvCxnSpPr>
-                  <p:spPr>
-                    <a:xfrm flipV="1">
-                      <a:off x="4418401" y="3421020"/>
-                      <a:ext cx="1669376" cy="670231"/>
-                    </a:xfrm>
-                    <a:prstGeom prst="line">
-                      <a:avLst/>
-                    </a:prstGeom>
-                    <a:ln w="34925">
-                      <a:solidFill>
-                        <a:srgbClr val="FF0000"/>
-                      </a:solidFill>
-                    </a:ln>
-                  </p:spPr>
-                  <p:style>
-                    <a:lnRef idx="1">
-                      <a:schemeClr val="accent1"/>
-                    </a:lnRef>
-                    <a:fillRef idx="0">
-                      <a:schemeClr val="accent1"/>
-                    </a:fillRef>
-                    <a:effectRef idx="0">
-                      <a:schemeClr val="accent1"/>
-                    </a:effectRef>
-                    <a:fontRef idx="minor">
-                      <a:schemeClr val="tx1"/>
-                    </a:fontRef>
-                  </p:style>
-                </p:cxnSp>
-              </p:grpSp>
-              <p:grpSp>
-                <p:nvGrpSpPr>
-                  <p:cNvPr id="25" name="Group 24">
-                    <a:extLst>
-                      <a:ext uri="{FF2B5EF4-FFF2-40B4-BE49-F238E27FC236}">
-                        <a16:creationId xmlns:a16="http://schemas.microsoft.com/office/drawing/2014/main" id="{12402352-5AB4-11B0-6775-EFEDC3650A87}"/>
-                      </a:ext>
-                    </a:extLst>
-                  </p:cNvPr>
-                  <p:cNvGrpSpPr/>
-                  <p:nvPr/>
-                </p:nvGrpSpPr>
-                <p:grpSpPr>
-                  <a:xfrm>
-                    <a:off x="4407331" y="2259724"/>
-                    <a:ext cx="1669376" cy="1161250"/>
-                    <a:chOff x="4407331" y="2259724"/>
-                    <a:chExt cx="1669376" cy="1161250"/>
-                  </a:xfrm>
-                </p:grpSpPr>
-                <p:cxnSp>
-                  <p:nvCxnSpPr>
-                    <p:cNvPr id="26" name="Straight Connector 25">
-                      <a:extLst>
-                        <a:ext uri="{FF2B5EF4-FFF2-40B4-BE49-F238E27FC236}">
-                          <a16:creationId xmlns:a16="http://schemas.microsoft.com/office/drawing/2014/main" id="{E216A927-D0C2-0AC4-28B2-F02DEBD6CCB8}"/>
-                        </a:ext>
-                      </a:extLst>
-                    </p:cNvPr>
-                    <p:cNvCxnSpPr>
-                      <a:cxnSpLocks/>
-                    </p:cNvCxnSpPr>
-                    <p:nvPr/>
-                  </p:nvCxnSpPr>
-                  <p:spPr>
-                    <a:xfrm flipH="1" flipV="1">
-                      <a:off x="4407331" y="2259724"/>
-                      <a:ext cx="1664089" cy="956442"/>
-                    </a:xfrm>
-                    <a:prstGeom prst="line">
-                      <a:avLst/>
-                    </a:prstGeom>
-                    <a:ln w="31750">
-                      <a:solidFill>
-                        <a:srgbClr val="FF0000"/>
-                      </a:solidFill>
-                    </a:ln>
-                  </p:spPr>
-                  <p:style>
-                    <a:lnRef idx="1">
-                      <a:schemeClr val="accent1"/>
-                    </a:lnRef>
-                    <a:fillRef idx="0">
-                      <a:schemeClr val="accent1"/>
-                    </a:fillRef>
-                    <a:effectRef idx="0">
-                      <a:schemeClr val="accent1"/>
-                    </a:effectRef>
-                    <a:fontRef idx="minor">
-                      <a:schemeClr val="tx1"/>
-                    </a:fontRef>
-                  </p:style>
-                </p:cxnSp>
-                <p:cxnSp>
-                  <p:nvCxnSpPr>
-                    <p:cNvPr id="27" name="Straight Arrow Connector 26">
-                      <a:extLst>
-                        <a:ext uri="{FF2B5EF4-FFF2-40B4-BE49-F238E27FC236}">
-                          <a16:creationId xmlns:a16="http://schemas.microsoft.com/office/drawing/2014/main" id="{DD7403D3-48EC-DB63-FCF5-5A19CF42C4C9}"/>
-                        </a:ext>
-                      </a:extLst>
-                    </p:cNvPr>
-                    <p:cNvCxnSpPr/>
-                    <p:nvPr/>
-                  </p:nvCxnSpPr>
-                  <p:spPr>
-                    <a:xfrm flipH="1" flipV="1">
-                      <a:off x="5104183" y="2672000"/>
-                      <a:ext cx="967237" cy="544166"/>
-                    </a:xfrm>
-                    <a:prstGeom prst="straightConnector1">
-                      <a:avLst/>
-                    </a:prstGeom>
-                    <a:ln w="31750">
-                      <a:solidFill>
-                        <a:srgbClr val="FF0000"/>
-                      </a:solidFill>
-                      <a:tailEnd type="triangle"/>
-                    </a:ln>
-                  </p:spPr>
-                  <p:style>
-                    <a:lnRef idx="1">
-                      <a:schemeClr val="accent1"/>
-                    </a:lnRef>
-                    <a:fillRef idx="0">
-                      <a:schemeClr val="accent1"/>
-                    </a:fillRef>
-                    <a:effectRef idx="0">
-                      <a:schemeClr val="accent1"/>
-                    </a:effectRef>
-                    <a:fontRef idx="minor">
-                      <a:schemeClr val="tx1"/>
-                    </a:fontRef>
-                  </p:style>
-                </p:cxnSp>
-                <p:cxnSp>
-                  <p:nvCxnSpPr>
-                    <p:cNvPr id="37" name="Straight Connector 36">
-                      <a:extLst>
-                        <a:ext uri="{FF2B5EF4-FFF2-40B4-BE49-F238E27FC236}">
-                          <a16:creationId xmlns:a16="http://schemas.microsoft.com/office/drawing/2014/main" id="{83479E39-B034-FDBB-B5DB-18F55F502F43}"/>
-                        </a:ext>
-                      </a:extLst>
-                    </p:cNvPr>
-                    <p:cNvCxnSpPr>
-                      <a:cxnSpLocks/>
-                    </p:cNvCxnSpPr>
-                    <p:nvPr/>
-                  </p:nvCxnSpPr>
-                  <p:spPr>
-                    <a:xfrm flipH="1" flipV="1">
-                      <a:off x="4407331" y="2464532"/>
-                      <a:ext cx="1664089" cy="956442"/>
-                    </a:xfrm>
-                    <a:prstGeom prst="line">
-                      <a:avLst/>
-                    </a:prstGeom>
-                    <a:ln w="31750">
-                      <a:solidFill>
-                        <a:srgbClr val="FF0000"/>
-                      </a:solidFill>
-                    </a:ln>
-                  </p:spPr>
-                  <p:style>
-                    <a:lnRef idx="1">
-                      <a:schemeClr val="accent1"/>
-                    </a:lnRef>
-                    <a:fillRef idx="0">
-                      <a:schemeClr val="accent1"/>
-                    </a:fillRef>
-                    <a:effectRef idx="0">
-                      <a:schemeClr val="accent1"/>
-                    </a:effectRef>
-                    <a:fontRef idx="minor">
-                      <a:schemeClr val="tx1"/>
-                    </a:fontRef>
-                  </p:style>
-                </p:cxnSp>
-                <p:cxnSp>
-                  <p:nvCxnSpPr>
-                    <p:cNvPr id="38" name="Straight Arrow Connector 37">
-                      <a:extLst>
-                        <a:ext uri="{FF2B5EF4-FFF2-40B4-BE49-F238E27FC236}">
-                          <a16:creationId xmlns:a16="http://schemas.microsoft.com/office/drawing/2014/main" id="{DB382E50-D477-8373-39C2-8F4E0900DCFF}"/>
-                        </a:ext>
-                      </a:extLst>
-                    </p:cNvPr>
-                    <p:cNvCxnSpPr/>
-                    <p:nvPr/>
-                  </p:nvCxnSpPr>
-                  <p:spPr>
-                    <a:xfrm flipH="1" flipV="1">
-                      <a:off x="5109470" y="2876808"/>
-                      <a:ext cx="967237" cy="544166"/>
-                    </a:xfrm>
-                    <a:prstGeom prst="straightConnector1">
-                      <a:avLst/>
-                    </a:prstGeom>
-                    <a:ln w="31750">
-                      <a:solidFill>
-                        <a:srgbClr val="FF0000"/>
-                      </a:solidFill>
-                      <a:tailEnd type="triangle"/>
-                    </a:ln>
-                  </p:spPr>
-                  <p:style>
-                    <a:lnRef idx="1">
-                      <a:schemeClr val="accent1"/>
-                    </a:lnRef>
-                    <a:fillRef idx="0">
-                      <a:schemeClr val="accent1"/>
-                    </a:fillRef>
-                    <a:effectRef idx="0">
-                      <a:schemeClr val="accent1"/>
-                    </a:effectRef>
-                    <a:fontRef idx="minor">
-                      <a:schemeClr val="tx1"/>
-                    </a:fontRef>
-                  </p:style>
-                </p:cxnSp>
-              </p:grpSp>
-            </p:grpSp>
-            <p:cxnSp>
-              <p:nvCxnSpPr>
-                <p:cNvPr id="14" name="Straight Connector 13">
-                  <a:extLst>
-                    <a:ext uri="{FF2B5EF4-FFF2-40B4-BE49-F238E27FC236}">
-                      <a16:creationId xmlns:a16="http://schemas.microsoft.com/office/drawing/2014/main" id="{1669261D-ACAA-6DB2-4362-3F8591272EFD}"/>
-                    </a:ext>
-                  </a:extLst>
-                </p:cNvPr>
-                <p:cNvCxnSpPr>
-                  <a:cxnSpLocks/>
-                </p:cNvCxnSpPr>
-                <p:nvPr/>
-              </p:nvCxnSpPr>
-              <p:spPr>
-                <a:xfrm>
-                  <a:off x="6087777" y="2433367"/>
-                  <a:ext cx="1742430" cy="875085"/>
-                </a:xfrm>
-                <a:prstGeom prst="line">
-                  <a:avLst/>
-                </a:prstGeom>
-                <a:ln w="31750">
-                  <a:solidFill>
-                    <a:srgbClr val="00B050"/>
-                  </a:solidFill>
-                  <a:prstDash val="dash"/>
-                </a:ln>
-              </p:spPr>
-              <p:style>
-                <a:lnRef idx="1">
-                  <a:schemeClr val="accent1"/>
-                </a:lnRef>
-                <a:fillRef idx="0">
-                  <a:schemeClr val="accent1"/>
-                </a:fillRef>
-                <a:effectRef idx="0">
-                  <a:schemeClr val="accent1"/>
-                </a:effectRef>
-                <a:fontRef idx="minor">
-                  <a:schemeClr val="tx1"/>
-                </a:fontRef>
-              </p:style>
-            </p:cxnSp>
-            <p:sp>
-              <p:nvSpPr>
-                <p:cNvPr id="16" name="TextBox 15">
-                  <a:extLst>
-                    <a:ext uri="{FF2B5EF4-FFF2-40B4-BE49-F238E27FC236}">
-                      <a16:creationId xmlns:a16="http://schemas.microsoft.com/office/drawing/2014/main" id="{9E866B0E-CDE1-FFA8-6500-3ACB243BDAF6}"/>
-                    </a:ext>
-                  </a:extLst>
-                </p:cNvPr>
-                <p:cNvSpPr txBox="1"/>
-                <p:nvPr/>
-              </p:nvSpPr>
-              <p:spPr>
-                <a:xfrm>
-                  <a:off x="3363310" y="5100681"/>
-                  <a:ext cx="1292773" cy="369332"/>
-                </a:xfrm>
-                <a:prstGeom prst="rect">
-                  <a:avLst/>
-                </a:prstGeom>
-                <a:noFill/>
-              </p:spPr>
-              <p:txBody>
-                <a:bodyPr wrap="square" rtlCol="0">
-                  <a:spAutoFit/>
-                </a:bodyPr>
-                <a:lstStyle/>
-                <a:p>
-                  <a:pPr algn="ctr"/>
-                  <a:r>
-                    <a:rPr lang="en-US" dirty="0" err="1">
-                      <a:solidFill>
-                        <a:schemeClr val="bg1"/>
-                      </a:solidFill>
-                      <a:latin typeface="Times New Roman" panose="02020603050405020304" pitchFamily="18" charset="0"/>
-                      <a:cs typeface="Times New Roman" panose="02020603050405020304" pitchFamily="18" charset="0"/>
-                    </a:rPr>
-                    <a:t>Objek</a:t>
-                  </a:r>
-                  <a:endParaRPr lang="en-ID" dirty="0">
-                    <a:solidFill>
-                      <a:schemeClr val="bg1"/>
-                    </a:solidFill>
-                    <a:latin typeface="Times New Roman" panose="02020603050405020304" pitchFamily="18" charset="0"/>
-                    <a:cs typeface="Times New Roman" panose="02020603050405020304" pitchFamily="18" charset="0"/>
-                  </a:endParaRPr>
-                </a:p>
-              </p:txBody>
-            </p:sp>
-            <p:cxnSp>
-              <p:nvCxnSpPr>
-                <p:cNvPr id="39" name="Straight Connector 38">
-                  <a:extLst>
-                    <a:ext uri="{FF2B5EF4-FFF2-40B4-BE49-F238E27FC236}">
-                      <a16:creationId xmlns:a16="http://schemas.microsoft.com/office/drawing/2014/main" id="{0EF8722B-78B1-6CD9-3793-44F7D0EBC96A}"/>
-                    </a:ext>
-                  </a:extLst>
-                </p:cNvPr>
-                <p:cNvCxnSpPr>
-                  <a:cxnSpLocks/>
-                </p:cNvCxnSpPr>
-                <p:nvPr/>
-              </p:nvCxnSpPr>
-              <p:spPr>
-                <a:xfrm>
-                  <a:off x="6098847" y="2652137"/>
-                  <a:ext cx="1731360" cy="656315"/>
-                </a:xfrm>
-                <a:prstGeom prst="line">
-                  <a:avLst/>
-                </a:prstGeom>
-                <a:ln w="31750">
-                  <a:solidFill>
-                    <a:srgbClr val="00B050"/>
-                  </a:solidFill>
-                  <a:prstDash val="dash"/>
-                </a:ln>
-              </p:spPr>
-              <p:style>
-                <a:lnRef idx="1">
-                  <a:schemeClr val="accent1"/>
-                </a:lnRef>
-                <a:fillRef idx="0">
-                  <a:schemeClr val="accent1"/>
-                </a:fillRef>
-                <a:effectRef idx="0">
-                  <a:schemeClr val="accent1"/>
-                </a:effectRef>
-                <a:fontRef idx="minor">
-                  <a:schemeClr val="tx1"/>
-                </a:fontRef>
-              </p:style>
-            </p:cxnSp>
-          </p:grpSp>
-          <p:sp>
-            <p:nvSpPr>
-              <p:cNvPr id="30" name="TextBox 29">
-                <a:extLst>
-                  <a:ext uri="{FF2B5EF4-FFF2-40B4-BE49-F238E27FC236}">
-                    <a16:creationId xmlns:a16="http://schemas.microsoft.com/office/drawing/2014/main" id="{323BED08-E334-192B-4EA5-8360BD67687B}"/>
-                  </a:ext>
-                </a:extLst>
-              </p:cNvPr>
-              <p:cNvSpPr txBox="1"/>
-              <p:nvPr/>
-            </p:nvSpPr>
-            <p:spPr>
-              <a:xfrm>
-                <a:off x="7384263" y="5056568"/>
-                <a:ext cx="1292773" cy="369332"/>
-              </a:xfrm>
-              <a:prstGeom prst="rect">
-                <a:avLst/>
-              </a:prstGeom>
-              <a:noFill/>
-            </p:spPr>
-            <p:txBody>
-              <a:bodyPr wrap="square" rtlCol="0">
-                <a:spAutoFit/>
-              </a:bodyPr>
-              <a:lstStyle/>
-              <a:p>
-                <a:pPr algn="ctr"/>
-                <a:r>
-                  <a:rPr lang="en-US" dirty="0" err="1">
-                    <a:solidFill>
-                      <a:schemeClr val="bg1"/>
-                    </a:solidFill>
-                    <a:latin typeface="Times New Roman" panose="02020603050405020304" pitchFamily="18" charset="0"/>
-                    <a:cs typeface="Times New Roman" panose="02020603050405020304" pitchFamily="18" charset="0"/>
-                  </a:rPr>
-                  <a:t>Bayangan</a:t>
-                </a:r>
-                <a:endParaRPr lang="en-ID" dirty="0">
-                  <a:solidFill>
-                    <a:schemeClr val="bg1"/>
-                  </a:solidFill>
-                  <a:latin typeface="Times New Roman" panose="02020603050405020304" pitchFamily="18" charset="0"/>
-                  <a:cs typeface="Times New Roman" panose="02020603050405020304" pitchFamily="18" charset="0"/>
-                </a:endParaRPr>
-              </a:p>
-            </p:txBody>
-          </p:sp>
-        </p:grpSp>
-        <p:grpSp>
-          <p:nvGrpSpPr>
-            <p:cNvPr id="50" name="Group 49">
-              <a:extLst>
-                <a:ext uri="{FF2B5EF4-FFF2-40B4-BE49-F238E27FC236}">
-                  <a16:creationId xmlns:a16="http://schemas.microsoft.com/office/drawing/2014/main" id="{61666352-3901-F307-71FD-BA4DD50BF2A0}"/>
-                </a:ext>
-              </a:extLst>
-            </p:cNvPr>
-            <p:cNvGrpSpPr/>
-            <p:nvPr/>
-          </p:nvGrpSpPr>
-          <p:grpSpPr>
-            <a:xfrm>
-              <a:off x="3222340" y="928685"/>
-              <a:ext cx="1111250" cy="960516"/>
-              <a:chOff x="2813050" y="1040567"/>
-              <a:chExt cx="1111250" cy="960516"/>
-            </a:xfrm>
-          </p:grpSpPr>
-          <p:sp>
-            <p:nvSpPr>
-              <p:cNvPr id="47" name="Oval 46">
-                <a:extLst>
-                  <a:ext uri="{FF2B5EF4-FFF2-40B4-BE49-F238E27FC236}">
-                    <a16:creationId xmlns:a16="http://schemas.microsoft.com/office/drawing/2014/main" id="{26D34810-BC45-AF05-B46E-C3BB3E40FF6F}"/>
-                  </a:ext>
-                </a:extLst>
-              </p:cNvPr>
-              <p:cNvSpPr/>
-              <p:nvPr/>
-            </p:nvSpPr>
-            <p:spPr>
-              <a:xfrm>
-                <a:off x="2813050" y="1066800"/>
-                <a:ext cx="1111250" cy="908050"/>
-              </a:xfrm>
-              <a:prstGeom prst="ellipse">
-                <a:avLst/>
-              </a:prstGeom>
-              <a:solidFill>
-                <a:schemeClr val="bg1"/>
-              </a:solidFill>
-              <a:ln>
-                <a:solidFill>
-                  <a:schemeClr val="tx2"/>
-                </a:solidFill>
-              </a:ln>
-            </p:spPr>
-            <p:style>
-              <a:lnRef idx="2">
-                <a:schemeClr val="accent1">
-                  <a:shade val="15000"/>
-                </a:schemeClr>
-              </a:lnRef>
-              <a:fillRef idx="1">
-                <a:schemeClr val="accent1"/>
-              </a:fillRef>
-              <a:effectRef idx="0">
-                <a:schemeClr val="accent1"/>
-              </a:effectRef>
-              <a:fontRef idx="minor">
-                <a:schemeClr val="lt1"/>
-              </a:fontRef>
-            </p:style>
-            <p:txBody>
-              <a:bodyPr rtlCol="0" anchor="ctr"/>
-              <a:lstStyle/>
-              <a:p>
-                <a:pPr algn="ctr"/>
-                <a:endParaRPr lang="en-ID"/>
-              </a:p>
-            </p:txBody>
-          </p:sp>
-          <p:pic>
-            <p:nvPicPr>
-              <p:cNvPr id="49" name="Picture 48">
-                <a:extLst>
-                  <a:ext uri="{FF2B5EF4-FFF2-40B4-BE49-F238E27FC236}">
-                    <a16:creationId xmlns:a16="http://schemas.microsoft.com/office/drawing/2014/main" id="{66CC0048-2378-3238-F3C4-6AC76A570CA1}"/>
-                  </a:ext>
-                </a:extLst>
-              </p:cNvPr>
-              <p:cNvPicPr>
-                <a:picLocks noChangeAspect="1"/>
-              </p:cNvPicPr>
-              <p:nvPr/>
-            </p:nvPicPr>
-            <p:blipFill>
-              <a:blip r:embed="rId3">
-                <a:extLst>
-                  <a:ext uri="{28A0092B-C50C-407E-A947-70E740481C1C}">
-                    <a14:useLocalDpi xmlns:a14="http://schemas.microsoft.com/office/drawing/2010/main" val="0"/>
-                  </a:ext>
-                </a:extLst>
-              </a:blip>
-              <a:stretch>
-                <a:fillRect/>
-              </a:stretch>
-            </p:blipFill>
-            <p:spPr>
-              <a:xfrm>
-                <a:off x="2883052" y="1040567"/>
-                <a:ext cx="960516" cy="960516"/>
-              </a:xfrm>
-              <a:prstGeom prst="rect">
-                <a:avLst/>
-              </a:prstGeom>
-            </p:spPr>
-          </p:pic>
-        </p:grpSp>
-      </p:grpSp>
-    </p:spTree>
-    <p:extLst>
-      <p:ext uri="{BB962C8B-B14F-4D97-AF65-F5344CB8AC3E}">
-        <p14:creationId xmlns:p14="http://schemas.microsoft.com/office/powerpoint/2010/main" val="1626504035"/>
-      </p:ext>
-    </p:extLst>
-  </p:cSld>
-  <p:clrMapOvr>
-    <a:masterClrMapping/>
-  </p:clrMapOvr>
-</p:sld>
-</file>
-
 <file path=ppt/theme/theme1.xml><?xml version="1.0" encoding="utf-8"?>
 <a:theme xmlns:a="http://schemas.openxmlformats.org/drawingml/2006/main" name="Office Theme">
   <a:themeElements>

--- a/Presentation1.pptx
+++ b/Presentation1.pptx
@@ -12,10 +12,11 @@
     <p:sldId id="262" r:id="rId6"/>
     <p:sldId id="261" r:id="rId7"/>
     <p:sldId id="265" r:id="rId8"/>
-    <p:sldId id="266" r:id="rId9"/>
-    <p:sldId id="257" r:id="rId10"/>
-    <p:sldId id="258" r:id="rId11"/>
-    <p:sldId id="259" r:id="rId12"/>
+    <p:sldId id="267" r:id="rId9"/>
+    <p:sldId id="266" r:id="rId10"/>
+    <p:sldId id="257" r:id="rId11"/>
+    <p:sldId id="258" r:id="rId12"/>
+    <p:sldId id="259" r:id="rId13"/>
   </p:sldIdLst>
   <p:sldSz cx="12192000" cy="6858000"/>
   <p:notesSz cx="6858000" cy="9144000"/>
@@ -271,7 +272,7 @@
           <a:p>
             <a:fld id="{A5358068-B55E-472E-8EF6-2EE20D143D55}" type="datetimeFigureOut">
               <a:rPr lang="en-ID" smtClean="0"/>
-              <a:t>12/08/2024</a:t>
+              <a:t>13/08/2024</a:t>
             </a:fld>
             <a:endParaRPr lang="en-ID"/>
           </a:p>
@@ -471,7 +472,7 @@
           <a:p>
             <a:fld id="{A5358068-B55E-472E-8EF6-2EE20D143D55}" type="datetimeFigureOut">
               <a:rPr lang="en-ID" smtClean="0"/>
-              <a:t>12/08/2024</a:t>
+              <a:t>13/08/2024</a:t>
             </a:fld>
             <a:endParaRPr lang="en-ID"/>
           </a:p>
@@ -681,7 +682,7 @@
           <a:p>
             <a:fld id="{A5358068-B55E-472E-8EF6-2EE20D143D55}" type="datetimeFigureOut">
               <a:rPr lang="en-ID" smtClean="0"/>
-              <a:t>12/08/2024</a:t>
+              <a:t>13/08/2024</a:t>
             </a:fld>
             <a:endParaRPr lang="en-ID"/>
           </a:p>
@@ -881,7 +882,7 @@
           <a:p>
             <a:fld id="{A5358068-B55E-472E-8EF6-2EE20D143D55}" type="datetimeFigureOut">
               <a:rPr lang="en-ID" smtClean="0"/>
-              <a:t>12/08/2024</a:t>
+              <a:t>13/08/2024</a:t>
             </a:fld>
             <a:endParaRPr lang="en-ID"/>
           </a:p>
@@ -1157,7 +1158,7 @@
           <a:p>
             <a:fld id="{A5358068-B55E-472E-8EF6-2EE20D143D55}" type="datetimeFigureOut">
               <a:rPr lang="en-ID" smtClean="0"/>
-              <a:t>12/08/2024</a:t>
+              <a:t>13/08/2024</a:t>
             </a:fld>
             <a:endParaRPr lang="en-ID"/>
           </a:p>
@@ -1425,7 +1426,7 @@
           <a:p>
             <a:fld id="{A5358068-B55E-472E-8EF6-2EE20D143D55}" type="datetimeFigureOut">
               <a:rPr lang="en-ID" smtClean="0"/>
-              <a:t>12/08/2024</a:t>
+              <a:t>13/08/2024</a:t>
             </a:fld>
             <a:endParaRPr lang="en-ID"/>
           </a:p>
@@ -1840,7 +1841,7 @@
           <a:p>
             <a:fld id="{A5358068-B55E-472E-8EF6-2EE20D143D55}" type="datetimeFigureOut">
               <a:rPr lang="en-ID" smtClean="0"/>
-              <a:t>12/08/2024</a:t>
+              <a:t>13/08/2024</a:t>
             </a:fld>
             <a:endParaRPr lang="en-ID"/>
           </a:p>
@@ -1982,7 +1983,7 @@
           <a:p>
             <a:fld id="{A5358068-B55E-472E-8EF6-2EE20D143D55}" type="datetimeFigureOut">
               <a:rPr lang="en-ID" smtClean="0"/>
-              <a:t>12/08/2024</a:t>
+              <a:t>13/08/2024</a:t>
             </a:fld>
             <a:endParaRPr lang="en-ID"/>
           </a:p>
@@ -2095,7 +2096,7 @@
           <a:p>
             <a:fld id="{A5358068-B55E-472E-8EF6-2EE20D143D55}" type="datetimeFigureOut">
               <a:rPr lang="en-ID" smtClean="0"/>
-              <a:t>12/08/2024</a:t>
+              <a:t>13/08/2024</a:t>
             </a:fld>
             <a:endParaRPr lang="en-ID"/>
           </a:p>
@@ -2408,7 +2409,7 @@
           <a:p>
             <a:fld id="{A5358068-B55E-472E-8EF6-2EE20D143D55}" type="datetimeFigureOut">
               <a:rPr lang="en-ID" smtClean="0"/>
-              <a:t>12/08/2024</a:t>
+              <a:t>13/08/2024</a:t>
             </a:fld>
             <a:endParaRPr lang="en-ID"/>
           </a:p>
@@ -2697,7 +2698,7 @@
           <a:p>
             <a:fld id="{A5358068-B55E-472E-8EF6-2EE20D143D55}" type="datetimeFigureOut">
               <a:rPr lang="en-ID" smtClean="0"/>
-              <a:t>12/08/2024</a:t>
+              <a:t>13/08/2024</a:t>
             </a:fld>
             <a:endParaRPr lang="en-ID"/>
           </a:p>
@@ -2940,7 +2941,7 @@
           <a:p>
             <a:fld id="{A5358068-B55E-472E-8EF6-2EE20D143D55}" type="datetimeFigureOut">
               <a:rPr lang="en-ID" smtClean="0"/>
-              <a:t>12/08/2024</a:t>
+              <a:t>13/08/2024</a:t>
             </a:fld>
             <a:endParaRPr lang="en-ID"/>
           </a:p>
@@ -3421,6 +3422,2530 @@
 </file>
 
 <file path=ppt/slides/slide10.xml><?xml version="1.0" encoding="utf-8"?>
+<p:sld xmlns:a="http://schemas.openxmlformats.org/drawingml/2006/main" xmlns:r="http://schemas.openxmlformats.org/officeDocument/2006/relationships" xmlns:p="http://schemas.openxmlformats.org/presentationml/2006/main">
+  <p:cSld>
+    <p:spTree>
+      <p:nvGrpSpPr>
+        <p:cNvPr id="1" name=""/>
+        <p:cNvGrpSpPr/>
+        <p:nvPr/>
+      </p:nvGrpSpPr>
+      <p:grpSpPr>
+        <a:xfrm>
+          <a:off x="0" y="0"/>
+          <a:ext cx="0" cy="0"/>
+          <a:chOff x="0" y="0"/>
+          <a:chExt cx="0" cy="0"/>
+        </a:xfrm>
+      </p:grpSpPr>
+      <p:grpSp>
+        <p:nvGrpSpPr>
+          <p:cNvPr id="4" name="Group 3">
+            <a:extLst>
+              <a:ext uri="{FF2B5EF4-FFF2-40B4-BE49-F238E27FC236}">
+                <a16:creationId xmlns:a16="http://schemas.microsoft.com/office/drawing/2014/main" id="{3DD47447-E35A-E385-C0B7-97D57BAF7CB7}"/>
+              </a:ext>
+            </a:extLst>
+          </p:cNvPr>
+          <p:cNvGrpSpPr/>
+          <p:nvPr/>
+        </p:nvGrpSpPr>
+        <p:grpSpPr>
+          <a:xfrm>
+            <a:off x="2701361" y="1304536"/>
+            <a:ext cx="2994025" cy="2411730"/>
+            <a:chOff x="0" y="-146050"/>
+            <a:chExt cx="2994025" cy="2411730"/>
+          </a:xfrm>
+        </p:grpSpPr>
+        <p:pic>
+          <p:nvPicPr>
+            <p:cNvPr id="5" name="Picture 4">
+              <a:extLst>
+                <a:ext uri="{FF2B5EF4-FFF2-40B4-BE49-F238E27FC236}">
+                  <a16:creationId xmlns:a16="http://schemas.microsoft.com/office/drawing/2014/main" id="{B2578076-A004-75B1-A54B-839683E3E5CF}"/>
+                </a:ext>
+              </a:extLst>
+            </p:cNvPr>
+            <p:cNvPicPr>
+              <a:picLocks noChangeAspect="1"/>
+            </p:cNvPicPr>
+            <p:nvPr/>
+          </p:nvPicPr>
+          <p:blipFill>
+            <a:blip r:embed="rId2">
+              <a:extLst>
+                <a:ext uri="{BEBA8EAE-BF5A-486C-A8C5-ECC9F3942E4B}">
+                  <a14:imgProps xmlns:a14="http://schemas.microsoft.com/office/drawing/2010/main">
+                    <a14:imgLayer r:embed="rId3">
+                      <a14:imgEffect>
+                        <a14:sharpenSoften amount="25000"/>
+                      </a14:imgEffect>
+                    </a14:imgLayer>
+                  </a14:imgProps>
+                </a:ext>
+                <a:ext uri="{28A0092B-C50C-407E-A947-70E740481C1C}">
+                  <a14:useLocalDpi xmlns:a14="http://schemas.microsoft.com/office/drawing/2010/main" val="0"/>
+                </a:ext>
+              </a:extLst>
+            </a:blip>
+            <a:stretch>
+              <a:fillRect/>
+            </a:stretch>
+          </p:blipFill>
+          <p:spPr>
+            <a:xfrm>
+              <a:off x="0" y="0"/>
+              <a:ext cx="2994025" cy="2265680"/>
+            </a:xfrm>
+            <a:prstGeom prst="rect">
+              <a:avLst/>
+            </a:prstGeom>
+          </p:spPr>
+        </p:pic>
+        <p:grpSp>
+          <p:nvGrpSpPr>
+            <p:cNvPr id="6" name="Group 5">
+              <a:extLst>
+                <a:ext uri="{FF2B5EF4-FFF2-40B4-BE49-F238E27FC236}">
+                  <a16:creationId xmlns:a16="http://schemas.microsoft.com/office/drawing/2014/main" id="{C0CA0CDF-A24B-7288-8A46-E7AEAF22B79F}"/>
+                </a:ext>
+              </a:extLst>
+            </p:cNvPr>
+            <p:cNvGrpSpPr/>
+            <p:nvPr/>
+          </p:nvGrpSpPr>
+          <p:grpSpPr>
+            <a:xfrm>
+              <a:off x="33594" y="-146050"/>
+              <a:ext cx="2960431" cy="1606550"/>
+              <a:chOff x="-188656" y="-146050"/>
+              <a:chExt cx="2960431" cy="1606550"/>
+            </a:xfrm>
+          </p:grpSpPr>
+          <p:sp>
+            <p:nvSpPr>
+              <p:cNvPr id="7" name="Text Box 23">
+                <a:extLst>
+                  <a:ext uri="{FF2B5EF4-FFF2-40B4-BE49-F238E27FC236}">
+                    <a16:creationId xmlns:a16="http://schemas.microsoft.com/office/drawing/2014/main" id="{C9B1BD6C-50FA-FA9D-1F5A-515C61CA8D02}"/>
+                  </a:ext>
+                </a:extLst>
+              </p:cNvPr>
+              <p:cNvSpPr txBox="1"/>
+              <p:nvPr/>
+            </p:nvSpPr>
+            <p:spPr>
+              <a:xfrm>
+                <a:off x="-188656" y="-146050"/>
+                <a:ext cx="1282700" cy="323850"/>
+              </a:xfrm>
+              <a:prstGeom prst="rect">
+                <a:avLst/>
+              </a:prstGeom>
+              <a:solidFill>
+                <a:schemeClr val="lt1"/>
+              </a:solidFill>
+              <a:ln w="6350">
+                <a:solidFill>
+                  <a:prstClr val="black"/>
+                </a:solidFill>
+              </a:ln>
+            </p:spPr>
+            <p:txBody>
+              <a:bodyPr rot="0" spcFirstLastPara="0" vert="horz" wrap="square" lIns="91440" tIns="45720" rIns="91440" bIns="45720" numCol="1" spcCol="0" rtlCol="0" fromWordArt="0" anchor="t" anchorCtr="0" forceAA="0" compatLnSpc="1">
+                <a:prstTxWarp prst="textNoShape">
+                  <a:avLst/>
+                </a:prstTxWarp>
+                <a:noAutofit/>
+              </a:bodyPr>
+              <a:lstStyle/>
+              <a:p>
+                <a:pPr>
+                  <a:lnSpc>
+                    <a:spcPct val="107000"/>
+                  </a:lnSpc>
+                  <a:spcAft>
+                    <a:spcPts val="800"/>
+                  </a:spcAft>
+                </a:pPr>
+                <a:r>
+                  <a:rPr lang="en-ID" sz="1200" kern="100" dirty="0" err="1">
+                    <a:effectLst/>
+                    <a:latin typeface="Times New Roman" panose="02020603050405020304" pitchFamily="18" charset="0"/>
+                    <a:ea typeface="Calibri" panose="020F0502020204030204" pitchFamily="34" charset="0"/>
+                    <a:cs typeface="Times New Roman" panose="02020603050405020304" pitchFamily="18" charset="0"/>
+                  </a:rPr>
+                  <a:t>Muka</a:t>
+                </a:r>
+                <a:r>
+                  <a:rPr lang="en-ID" sz="1200" kern="100" dirty="0">
+                    <a:effectLst/>
+                    <a:latin typeface="Times New Roman" panose="02020603050405020304" pitchFamily="18" charset="0"/>
+                    <a:ea typeface="Calibri" panose="020F0502020204030204" pitchFamily="34" charset="0"/>
+                    <a:cs typeface="Times New Roman" panose="02020603050405020304" pitchFamily="18" charset="0"/>
+                  </a:rPr>
+                  <a:t> </a:t>
+                </a:r>
+                <a:r>
+                  <a:rPr lang="en-ID" sz="1200" kern="100" dirty="0" err="1">
+                    <a:effectLst/>
+                    <a:latin typeface="Times New Roman" panose="02020603050405020304" pitchFamily="18" charset="0"/>
+                    <a:ea typeface="Calibri" panose="020F0502020204030204" pitchFamily="34" charset="0"/>
+                    <a:cs typeface="Times New Roman" panose="02020603050405020304" pitchFamily="18" charset="0"/>
+                  </a:rPr>
+                  <a:t>gelombang</a:t>
+                </a:r>
+                <a:endParaRPr lang="en-ID" sz="1200" kern="100" dirty="0">
+                  <a:effectLst/>
+                  <a:latin typeface="Times New Roman" panose="02020603050405020304" pitchFamily="18" charset="0"/>
+                  <a:ea typeface="Calibri" panose="020F0502020204030204" pitchFamily="34" charset="0"/>
+                  <a:cs typeface="Times New Roman" panose="02020603050405020304" pitchFamily="18" charset="0"/>
+                </a:endParaRPr>
+              </a:p>
+            </p:txBody>
+          </p:sp>
+          <p:sp>
+            <p:nvSpPr>
+              <p:cNvPr id="8" name="Text Box 23">
+                <a:extLst>
+                  <a:ext uri="{FF2B5EF4-FFF2-40B4-BE49-F238E27FC236}">
+                    <a16:creationId xmlns:a16="http://schemas.microsoft.com/office/drawing/2014/main" id="{47EA2C23-B340-49DC-46BC-CCDE5043FA19}"/>
+                  </a:ext>
+                </a:extLst>
+              </p:cNvPr>
+              <p:cNvSpPr txBox="1"/>
+              <p:nvPr/>
+            </p:nvSpPr>
+            <p:spPr>
+              <a:xfrm>
+                <a:off x="1664928" y="-146050"/>
+                <a:ext cx="514350" cy="323850"/>
+              </a:xfrm>
+              <a:prstGeom prst="rect">
+                <a:avLst/>
+              </a:prstGeom>
+              <a:solidFill>
+                <a:schemeClr val="lt1"/>
+              </a:solidFill>
+              <a:ln w="6350">
+                <a:solidFill>
+                  <a:prstClr val="black"/>
+                </a:solidFill>
+              </a:ln>
+            </p:spPr>
+            <p:txBody>
+              <a:bodyPr rot="0" spcFirstLastPara="0" vert="horz" wrap="square" lIns="91440" tIns="45720" rIns="91440" bIns="45720" numCol="1" spcCol="0" rtlCol="0" fromWordArt="0" anchor="t" anchorCtr="0" forceAA="0" compatLnSpc="1">
+                <a:prstTxWarp prst="textNoShape">
+                  <a:avLst/>
+                </a:prstTxWarp>
+                <a:noAutofit/>
+              </a:bodyPr>
+              <a:lstStyle/>
+              <a:p>
+                <a:pPr>
+                  <a:lnSpc>
+                    <a:spcPct val="107000"/>
+                  </a:lnSpc>
+                  <a:spcAft>
+                    <a:spcPts val="800"/>
+                  </a:spcAft>
+                </a:pPr>
+                <a:r>
+                  <a:rPr lang="en-ID" sz="1200" kern="100">
+                    <a:effectLst/>
+                    <a:latin typeface="Times New Roman" panose="02020603050405020304" pitchFamily="18" charset="0"/>
+                    <a:ea typeface="Calibri" panose="020F0502020204030204" pitchFamily="34" charset="0"/>
+                    <a:cs typeface="Times New Roman" panose="02020603050405020304" pitchFamily="18" charset="0"/>
+                  </a:rPr>
+                  <a:t>Sinar</a:t>
+                </a:r>
+              </a:p>
+            </p:txBody>
+          </p:sp>
+          <p:cxnSp>
+            <p:nvCxnSpPr>
+              <p:cNvPr id="9" name="Straight Arrow Connector 8">
+                <a:extLst>
+                  <a:ext uri="{FF2B5EF4-FFF2-40B4-BE49-F238E27FC236}">
+                    <a16:creationId xmlns:a16="http://schemas.microsoft.com/office/drawing/2014/main" id="{1FE6034A-01E4-A817-CC46-63562731BB75}"/>
+                  </a:ext>
+                </a:extLst>
+              </p:cNvPr>
+              <p:cNvCxnSpPr/>
+              <p:nvPr/>
+            </p:nvCxnSpPr>
+            <p:spPr>
+              <a:xfrm>
+                <a:off x="1962150" y="158750"/>
+                <a:ext cx="596900" cy="730250"/>
+              </a:xfrm>
+              <a:prstGeom prst="straightConnector1">
+                <a:avLst/>
+              </a:prstGeom>
+              <a:ln w="25400">
+                <a:tailEnd type="triangle"/>
+              </a:ln>
+            </p:spPr>
+            <p:style>
+              <a:lnRef idx="1">
+                <a:schemeClr val="accent1"/>
+              </a:lnRef>
+              <a:fillRef idx="0">
+                <a:schemeClr val="accent1"/>
+              </a:fillRef>
+              <a:effectRef idx="0">
+                <a:schemeClr val="accent1"/>
+              </a:effectRef>
+              <a:fontRef idx="minor">
+                <a:schemeClr val="tx1"/>
+              </a:fontRef>
+            </p:style>
+          </p:cxnSp>
+          <p:cxnSp>
+            <p:nvCxnSpPr>
+              <p:cNvPr id="10" name="Straight Arrow Connector 9">
+                <a:extLst>
+                  <a:ext uri="{FF2B5EF4-FFF2-40B4-BE49-F238E27FC236}">
+                    <a16:creationId xmlns:a16="http://schemas.microsoft.com/office/drawing/2014/main" id="{7D04C518-C14F-2FFE-B00D-2A63B729110C}"/>
+                  </a:ext>
+                </a:extLst>
+              </p:cNvPr>
+              <p:cNvCxnSpPr/>
+              <p:nvPr/>
+            </p:nvCxnSpPr>
+            <p:spPr>
+              <a:xfrm flipH="1">
+                <a:off x="1765300" y="158750"/>
+                <a:ext cx="196850" cy="965200"/>
+              </a:xfrm>
+              <a:prstGeom prst="straightConnector1">
+                <a:avLst/>
+              </a:prstGeom>
+              <a:ln w="25400">
+                <a:tailEnd type="triangle"/>
+              </a:ln>
+            </p:spPr>
+            <p:style>
+              <a:lnRef idx="1">
+                <a:schemeClr val="accent1"/>
+              </a:lnRef>
+              <a:fillRef idx="0">
+                <a:schemeClr val="accent1"/>
+              </a:fillRef>
+              <a:effectRef idx="0">
+                <a:schemeClr val="accent1"/>
+              </a:effectRef>
+              <a:fontRef idx="minor">
+                <a:schemeClr val="tx1"/>
+              </a:fontRef>
+            </p:style>
+          </p:cxnSp>
+          <p:cxnSp>
+            <p:nvCxnSpPr>
+              <p:cNvPr id="11" name="Straight Arrow Connector 10">
+                <a:extLst>
+                  <a:ext uri="{FF2B5EF4-FFF2-40B4-BE49-F238E27FC236}">
+                    <a16:creationId xmlns:a16="http://schemas.microsoft.com/office/drawing/2014/main" id="{B44CF03C-928D-0E40-94CD-14BA856FF560}"/>
+                  </a:ext>
+                </a:extLst>
+              </p:cNvPr>
+              <p:cNvCxnSpPr/>
+              <p:nvPr/>
+            </p:nvCxnSpPr>
+            <p:spPr>
+              <a:xfrm flipH="1">
+                <a:off x="1003300" y="158750"/>
+                <a:ext cx="958850" cy="1162050"/>
+              </a:xfrm>
+              <a:prstGeom prst="straightConnector1">
+                <a:avLst/>
+              </a:prstGeom>
+              <a:ln w="25400">
+                <a:tailEnd type="triangle"/>
+              </a:ln>
+            </p:spPr>
+            <p:style>
+              <a:lnRef idx="1">
+                <a:schemeClr val="accent1"/>
+              </a:lnRef>
+              <a:fillRef idx="0">
+                <a:schemeClr val="accent1"/>
+              </a:fillRef>
+              <a:effectRef idx="0">
+                <a:schemeClr val="accent1"/>
+              </a:effectRef>
+              <a:fontRef idx="minor">
+                <a:schemeClr val="tx1"/>
+              </a:fontRef>
+            </p:style>
+          </p:cxnSp>
+          <p:cxnSp>
+            <p:nvCxnSpPr>
+              <p:cNvPr id="12" name="Straight Arrow Connector 11">
+                <a:extLst>
+                  <a:ext uri="{FF2B5EF4-FFF2-40B4-BE49-F238E27FC236}">
+                    <a16:creationId xmlns:a16="http://schemas.microsoft.com/office/drawing/2014/main" id="{4654839E-A91D-76F0-3E01-99077EB92831}"/>
+                  </a:ext>
+                </a:extLst>
+              </p:cNvPr>
+              <p:cNvCxnSpPr>
+                <a:cxnSpLocks/>
+                <a:stCxn id="7" idx="2"/>
+              </p:cNvCxnSpPr>
+              <p:nvPr/>
+            </p:nvCxnSpPr>
+            <p:spPr>
+              <a:xfrm>
+                <a:off x="452694" y="177800"/>
+                <a:ext cx="283906" cy="1143000"/>
+              </a:xfrm>
+              <a:prstGeom prst="straightConnector1">
+                <a:avLst/>
+              </a:prstGeom>
+              <a:ln w="25400">
+                <a:solidFill>
+                  <a:srgbClr val="00B050"/>
+                </a:solidFill>
+                <a:tailEnd type="triangle"/>
+              </a:ln>
+            </p:spPr>
+            <p:style>
+              <a:lnRef idx="1">
+                <a:schemeClr val="accent1"/>
+              </a:lnRef>
+              <a:fillRef idx="0">
+                <a:schemeClr val="accent1"/>
+              </a:fillRef>
+              <a:effectRef idx="0">
+                <a:schemeClr val="accent1"/>
+              </a:effectRef>
+              <a:fontRef idx="minor">
+                <a:schemeClr val="tx1"/>
+              </a:fontRef>
+            </p:style>
+          </p:cxnSp>
+          <p:cxnSp>
+            <p:nvCxnSpPr>
+              <p:cNvPr id="13" name="Straight Arrow Connector 12">
+                <a:extLst>
+                  <a:ext uri="{FF2B5EF4-FFF2-40B4-BE49-F238E27FC236}">
+                    <a16:creationId xmlns:a16="http://schemas.microsoft.com/office/drawing/2014/main" id="{0C67B5BB-0FE8-1387-6BAD-F5E195899274}"/>
+                  </a:ext>
+                </a:extLst>
+              </p:cNvPr>
+              <p:cNvCxnSpPr>
+                <a:cxnSpLocks/>
+                <a:stCxn id="7" idx="2"/>
+              </p:cNvCxnSpPr>
+              <p:nvPr/>
+            </p:nvCxnSpPr>
+            <p:spPr>
+              <a:xfrm>
+                <a:off x="452694" y="177800"/>
+                <a:ext cx="741106" cy="749300"/>
+              </a:xfrm>
+              <a:prstGeom prst="straightConnector1">
+                <a:avLst/>
+              </a:prstGeom>
+              <a:ln w="25400">
+                <a:solidFill>
+                  <a:srgbClr val="00B050"/>
+                </a:solidFill>
+                <a:tailEnd type="triangle"/>
+              </a:ln>
+            </p:spPr>
+            <p:style>
+              <a:lnRef idx="1">
+                <a:schemeClr val="accent1"/>
+              </a:lnRef>
+              <a:fillRef idx="0">
+                <a:schemeClr val="accent1"/>
+              </a:fillRef>
+              <a:effectRef idx="0">
+                <a:schemeClr val="accent1"/>
+              </a:effectRef>
+              <a:fontRef idx="minor">
+                <a:schemeClr val="tx1"/>
+              </a:fontRef>
+            </p:style>
+          </p:cxnSp>
+          <p:cxnSp>
+            <p:nvCxnSpPr>
+              <p:cNvPr id="14" name="Straight Arrow Connector 13">
+                <a:extLst>
+                  <a:ext uri="{FF2B5EF4-FFF2-40B4-BE49-F238E27FC236}">
+                    <a16:creationId xmlns:a16="http://schemas.microsoft.com/office/drawing/2014/main" id="{A788F515-B4E3-F957-8E9D-9A213B6C2F36}"/>
+                  </a:ext>
+                </a:extLst>
+              </p:cNvPr>
+              <p:cNvCxnSpPr>
+                <a:cxnSpLocks/>
+                <a:stCxn id="7" idx="2"/>
+              </p:cNvCxnSpPr>
+              <p:nvPr/>
+            </p:nvCxnSpPr>
+            <p:spPr>
+              <a:xfrm>
+                <a:off x="452694" y="177800"/>
+                <a:ext cx="1560256" cy="438150"/>
+              </a:xfrm>
+              <a:prstGeom prst="straightConnector1">
+                <a:avLst/>
+              </a:prstGeom>
+              <a:ln w="25400">
+                <a:solidFill>
+                  <a:srgbClr val="00B050"/>
+                </a:solidFill>
+                <a:tailEnd type="triangle"/>
+              </a:ln>
+            </p:spPr>
+            <p:style>
+              <a:lnRef idx="1">
+                <a:schemeClr val="accent1"/>
+              </a:lnRef>
+              <a:fillRef idx="0">
+                <a:schemeClr val="accent1"/>
+              </a:fillRef>
+              <a:effectRef idx="0">
+                <a:schemeClr val="accent1"/>
+              </a:effectRef>
+              <a:fontRef idx="minor">
+                <a:schemeClr val="tx1"/>
+              </a:fontRef>
+            </p:style>
+          </p:cxnSp>
+          <p:sp>
+            <p:nvSpPr>
+              <p:cNvPr id="15" name="Rectangle 14">
+                <a:extLst>
+                  <a:ext uri="{FF2B5EF4-FFF2-40B4-BE49-F238E27FC236}">
+                    <a16:creationId xmlns:a16="http://schemas.microsoft.com/office/drawing/2014/main" id="{55B720DF-1620-B577-A397-83E6E1A935F9}"/>
+                  </a:ext>
+                </a:extLst>
+              </p:cNvPr>
+              <p:cNvSpPr/>
+              <p:nvPr/>
+            </p:nvSpPr>
+            <p:spPr>
+              <a:xfrm>
+                <a:off x="774700" y="1320800"/>
+                <a:ext cx="355600" cy="139700"/>
+              </a:xfrm>
+              <a:prstGeom prst="rect">
+                <a:avLst/>
+              </a:prstGeom>
+              <a:noFill/>
+              <a:ln>
+                <a:solidFill>
+                  <a:schemeClr val="accent1"/>
+                </a:solidFill>
+              </a:ln>
+            </p:spPr>
+            <p:style>
+              <a:lnRef idx="2">
+                <a:schemeClr val="accent1">
+                  <a:shade val="15000"/>
+                </a:schemeClr>
+              </a:lnRef>
+              <a:fillRef idx="1">
+                <a:schemeClr val="accent1"/>
+              </a:fillRef>
+              <a:effectRef idx="0">
+                <a:schemeClr val="accent1"/>
+              </a:effectRef>
+              <a:fontRef idx="minor">
+                <a:schemeClr val="lt1"/>
+              </a:fontRef>
+            </p:style>
+            <p:txBody>
+              <a:bodyPr rot="0" spcFirstLastPara="0" vert="horz" wrap="square" lIns="91440" tIns="45720" rIns="91440" bIns="45720" numCol="1" spcCol="0" rtlCol="0" fromWordArt="0" anchor="ctr" anchorCtr="0" forceAA="0" compatLnSpc="1">
+                <a:prstTxWarp prst="textNoShape">
+                  <a:avLst/>
+                </a:prstTxWarp>
+                <a:noAutofit/>
+              </a:bodyPr>
+              <a:lstStyle/>
+              <a:p>
+                <a:endParaRPr lang="en-ID"/>
+              </a:p>
+            </p:txBody>
+          </p:sp>
+          <p:sp>
+            <p:nvSpPr>
+              <p:cNvPr id="16" name="Rectangle 15">
+                <a:extLst>
+                  <a:ext uri="{FF2B5EF4-FFF2-40B4-BE49-F238E27FC236}">
+                    <a16:creationId xmlns:a16="http://schemas.microsoft.com/office/drawing/2014/main" id="{2EECE4F8-5E14-495A-2DB6-2E463BB71314}"/>
+                  </a:ext>
+                </a:extLst>
+              </p:cNvPr>
+              <p:cNvSpPr/>
+              <p:nvPr/>
+            </p:nvSpPr>
+            <p:spPr>
+              <a:xfrm>
+                <a:off x="1447800" y="1123950"/>
+                <a:ext cx="419100" cy="196850"/>
+              </a:xfrm>
+              <a:prstGeom prst="rect">
+                <a:avLst/>
+              </a:prstGeom>
+              <a:noFill/>
+              <a:ln>
+                <a:solidFill>
+                  <a:schemeClr val="accent1"/>
+                </a:solidFill>
+              </a:ln>
+            </p:spPr>
+            <p:style>
+              <a:lnRef idx="2">
+                <a:schemeClr val="accent1">
+                  <a:shade val="15000"/>
+                </a:schemeClr>
+              </a:lnRef>
+              <a:fillRef idx="1">
+                <a:schemeClr val="accent1"/>
+              </a:fillRef>
+              <a:effectRef idx="0">
+                <a:schemeClr val="accent1"/>
+              </a:effectRef>
+              <a:fontRef idx="minor">
+                <a:schemeClr val="lt1"/>
+              </a:fontRef>
+            </p:style>
+            <p:txBody>
+              <a:bodyPr rot="0" spcFirstLastPara="0" vert="horz" wrap="square" lIns="91440" tIns="45720" rIns="91440" bIns="45720" numCol="1" spcCol="0" rtlCol="0" fromWordArt="0" anchor="ctr" anchorCtr="0" forceAA="0" compatLnSpc="1">
+                <a:prstTxWarp prst="textNoShape">
+                  <a:avLst/>
+                </a:prstTxWarp>
+                <a:noAutofit/>
+              </a:bodyPr>
+              <a:lstStyle/>
+              <a:p>
+                <a:endParaRPr lang="en-ID"/>
+              </a:p>
+            </p:txBody>
+          </p:sp>
+          <p:sp>
+            <p:nvSpPr>
+              <p:cNvPr id="17" name="Rectangle 16">
+                <a:extLst>
+                  <a:ext uri="{FF2B5EF4-FFF2-40B4-BE49-F238E27FC236}">
+                    <a16:creationId xmlns:a16="http://schemas.microsoft.com/office/drawing/2014/main" id="{D7C35EAF-2432-ED2D-565F-B2C4CFE3EFEC}"/>
+                  </a:ext>
+                </a:extLst>
+              </p:cNvPr>
+              <p:cNvSpPr/>
+              <p:nvPr/>
+            </p:nvSpPr>
+            <p:spPr>
+              <a:xfrm>
+                <a:off x="2286000" y="920750"/>
+                <a:ext cx="485775" cy="203200"/>
+              </a:xfrm>
+              <a:prstGeom prst="rect">
+                <a:avLst/>
+              </a:prstGeom>
+              <a:noFill/>
+              <a:ln>
+                <a:solidFill>
+                  <a:schemeClr val="accent1"/>
+                </a:solidFill>
+              </a:ln>
+            </p:spPr>
+            <p:style>
+              <a:lnRef idx="2">
+                <a:schemeClr val="accent1">
+                  <a:shade val="15000"/>
+                </a:schemeClr>
+              </a:lnRef>
+              <a:fillRef idx="1">
+                <a:schemeClr val="accent1"/>
+              </a:fillRef>
+              <a:effectRef idx="0">
+                <a:schemeClr val="accent1"/>
+              </a:effectRef>
+              <a:fontRef idx="minor">
+                <a:schemeClr val="lt1"/>
+              </a:fontRef>
+            </p:style>
+            <p:txBody>
+              <a:bodyPr rot="0" spcFirstLastPara="0" vert="horz" wrap="square" lIns="91440" tIns="45720" rIns="91440" bIns="45720" numCol="1" spcCol="0" rtlCol="0" fromWordArt="0" anchor="ctr" anchorCtr="0" forceAA="0" compatLnSpc="1">
+                <a:prstTxWarp prst="textNoShape">
+                  <a:avLst/>
+                </a:prstTxWarp>
+                <a:noAutofit/>
+              </a:bodyPr>
+              <a:lstStyle/>
+              <a:p>
+                <a:endParaRPr lang="en-ID"/>
+              </a:p>
+            </p:txBody>
+          </p:sp>
+        </p:grpSp>
+      </p:grpSp>
+      <p:grpSp>
+        <p:nvGrpSpPr>
+          <p:cNvPr id="18" name="Group 17">
+            <a:extLst>
+              <a:ext uri="{FF2B5EF4-FFF2-40B4-BE49-F238E27FC236}">
+                <a16:creationId xmlns:a16="http://schemas.microsoft.com/office/drawing/2014/main" id="{75E59CF9-5C99-F71B-5318-5E18BEBFFF3C}"/>
+              </a:ext>
+            </a:extLst>
+          </p:cNvPr>
+          <p:cNvGrpSpPr/>
+          <p:nvPr/>
+        </p:nvGrpSpPr>
+        <p:grpSpPr>
+          <a:xfrm>
+            <a:off x="6252342" y="1817349"/>
+            <a:ext cx="4483100" cy="3575051"/>
+            <a:chOff x="0" y="-1"/>
+            <a:chExt cx="4483100" cy="3575051"/>
+          </a:xfrm>
+        </p:grpSpPr>
+        <p:grpSp>
+          <p:nvGrpSpPr>
+            <p:cNvPr id="19" name="Group 18">
+              <a:extLst>
+                <a:ext uri="{FF2B5EF4-FFF2-40B4-BE49-F238E27FC236}">
+                  <a16:creationId xmlns:a16="http://schemas.microsoft.com/office/drawing/2014/main" id="{6A7643F2-19D8-FC49-71E0-79C9090588B3}"/>
+                </a:ext>
+              </a:extLst>
+            </p:cNvPr>
+            <p:cNvGrpSpPr/>
+            <p:nvPr/>
+          </p:nvGrpSpPr>
+          <p:grpSpPr>
+            <a:xfrm>
+              <a:off x="0" y="412750"/>
+              <a:ext cx="4483100" cy="2654300"/>
+              <a:chOff x="0" y="0"/>
+              <a:chExt cx="4483100" cy="2654300"/>
+            </a:xfrm>
+          </p:grpSpPr>
+          <p:grpSp>
+            <p:nvGrpSpPr>
+              <p:cNvPr id="28" name="Group 27">
+                <a:extLst>
+                  <a:ext uri="{FF2B5EF4-FFF2-40B4-BE49-F238E27FC236}">
+                    <a16:creationId xmlns:a16="http://schemas.microsoft.com/office/drawing/2014/main" id="{3A7361D8-17F6-8B5C-52C9-5CF6FDDAF739}"/>
+                  </a:ext>
+                </a:extLst>
+              </p:cNvPr>
+              <p:cNvGrpSpPr/>
+              <p:nvPr/>
+            </p:nvGrpSpPr>
+            <p:grpSpPr>
+              <a:xfrm>
+                <a:off x="0" y="0"/>
+                <a:ext cx="4483100" cy="2654300"/>
+                <a:chOff x="0" y="0"/>
+                <a:chExt cx="4483100" cy="2654300"/>
+              </a:xfrm>
+            </p:grpSpPr>
+            <p:sp>
+              <p:nvSpPr>
+                <p:cNvPr id="34" name="Freeform: Shape 33">
+                  <a:extLst>
+                    <a:ext uri="{FF2B5EF4-FFF2-40B4-BE49-F238E27FC236}">
+                      <a16:creationId xmlns:a16="http://schemas.microsoft.com/office/drawing/2014/main" id="{45BBFF57-099C-FA67-A0D9-83FA7D9486C1}"/>
+                    </a:ext>
+                  </a:extLst>
+                </p:cNvPr>
+                <p:cNvSpPr/>
+                <p:nvPr/>
+              </p:nvSpPr>
+              <p:spPr>
+                <a:xfrm>
+                  <a:off x="0" y="247650"/>
+                  <a:ext cx="4184650" cy="768378"/>
+                </a:xfrm>
+                <a:custGeom>
+                  <a:avLst/>
+                  <a:gdLst>
+                    <a:gd name="connsiteX0" fmla="*/ 0 w 4184650"/>
+                    <a:gd name="connsiteY0" fmla="*/ 768378 h 768378"/>
+                    <a:gd name="connsiteX1" fmla="*/ 431800 w 4184650"/>
+                    <a:gd name="connsiteY1" fmla="*/ 28 h 768378"/>
+                    <a:gd name="connsiteX2" fmla="*/ 857250 w 4184650"/>
+                    <a:gd name="connsiteY2" fmla="*/ 736628 h 768378"/>
+                    <a:gd name="connsiteX3" fmla="*/ 1238250 w 4184650"/>
+                    <a:gd name="connsiteY3" fmla="*/ 12728 h 768378"/>
+                    <a:gd name="connsiteX4" fmla="*/ 1625600 w 4184650"/>
+                    <a:gd name="connsiteY4" fmla="*/ 711228 h 768378"/>
+                    <a:gd name="connsiteX5" fmla="*/ 1993900 w 4184650"/>
+                    <a:gd name="connsiteY5" fmla="*/ 38128 h 768378"/>
+                    <a:gd name="connsiteX6" fmla="*/ 2355850 w 4184650"/>
+                    <a:gd name="connsiteY6" fmla="*/ 666778 h 768378"/>
+                    <a:gd name="connsiteX7" fmla="*/ 2705100 w 4184650"/>
+                    <a:gd name="connsiteY7" fmla="*/ 38128 h 768378"/>
+                    <a:gd name="connsiteX8" fmla="*/ 3092450 w 4184650"/>
+                    <a:gd name="connsiteY8" fmla="*/ 666778 h 768378"/>
+                    <a:gd name="connsiteX9" fmla="*/ 3397250 w 4184650"/>
+                    <a:gd name="connsiteY9" fmla="*/ 69878 h 768378"/>
+                    <a:gd name="connsiteX10" fmla="*/ 3778250 w 4184650"/>
+                    <a:gd name="connsiteY10" fmla="*/ 635028 h 768378"/>
+                    <a:gd name="connsiteX11" fmla="*/ 4184650 w 4184650"/>
+                    <a:gd name="connsiteY11" fmla="*/ 69878 h 768378"/>
+                  </a:gdLst>
+                  <a:ahLst/>
+                  <a:cxnLst>
+                    <a:cxn ang="0">
+                      <a:pos x="connsiteX0" y="connsiteY0"/>
+                    </a:cxn>
+                    <a:cxn ang="0">
+                      <a:pos x="connsiteX1" y="connsiteY1"/>
+                    </a:cxn>
+                    <a:cxn ang="0">
+                      <a:pos x="connsiteX2" y="connsiteY2"/>
+                    </a:cxn>
+                    <a:cxn ang="0">
+                      <a:pos x="connsiteX3" y="connsiteY3"/>
+                    </a:cxn>
+                    <a:cxn ang="0">
+                      <a:pos x="connsiteX4" y="connsiteY4"/>
+                    </a:cxn>
+                    <a:cxn ang="0">
+                      <a:pos x="connsiteX5" y="connsiteY5"/>
+                    </a:cxn>
+                    <a:cxn ang="0">
+                      <a:pos x="connsiteX6" y="connsiteY6"/>
+                    </a:cxn>
+                    <a:cxn ang="0">
+                      <a:pos x="connsiteX7" y="connsiteY7"/>
+                    </a:cxn>
+                    <a:cxn ang="0">
+                      <a:pos x="connsiteX8" y="connsiteY8"/>
+                    </a:cxn>
+                    <a:cxn ang="0">
+                      <a:pos x="connsiteX9" y="connsiteY9"/>
+                    </a:cxn>
+                    <a:cxn ang="0">
+                      <a:pos x="connsiteX10" y="connsiteY10"/>
+                    </a:cxn>
+                    <a:cxn ang="0">
+                      <a:pos x="connsiteX11" y="connsiteY11"/>
+                    </a:cxn>
+                  </a:cxnLst>
+                  <a:rect l="l" t="t" r="r" b="b"/>
+                  <a:pathLst>
+                    <a:path w="4184650" h="768378">
+                      <a:moveTo>
+                        <a:pt x="0" y="768378"/>
+                      </a:moveTo>
+                      <a:cubicBezTo>
+                        <a:pt x="144462" y="386849"/>
+                        <a:pt x="288925" y="5320"/>
+                        <a:pt x="431800" y="28"/>
+                      </a:cubicBezTo>
+                      <a:cubicBezTo>
+                        <a:pt x="574675" y="-5264"/>
+                        <a:pt x="722842" y="734511"/>
+                        <a:pt x="857250" y="736628"/>
+                      </a:cubicBezTo>
+                      <a:cubicBezTo>
+                        <a:pt x="991658" y="738745"/>
+                        <a:pt x="1110192" y="16961"/>
+                        <a:pt x="1238250" y="12728"/>
+                      </a:cubicBezTo>
+                      <a:cubicBezTo>
+                        <a:pt x="1366308" y="8495"/>
+                        <a:pt x="1499659" y="706995"/>
+                        <a:pt x="1625600" y="711228"/>
+                      </a:cubicBezTo>
+                      <a:cubicBezTo>
+                        <a:pt x="1751541" y="715461"/>
+                        <a:pt x="1872192" y="45536"/>
+                        <a:pt x="1993900" y="38128"/>
+                      </a:cubicBezTo>
+                      <a:cubicBezTo>
+                        <a:pt x="2115608" y="30720"/>
+                        <a:pt x="2237317" y="666778"/>
+                        <a:pt x="2355850" y="666778"/>
+                      </a:cubicBezTo>
+                      <a:cubicBezTo>
+                        <a:pt x="2474383" y="666778"/>
+                        <a:pt x="2582333" y="38128"/>
+                        <a:pt x="2705100" y="38128"/>
+                      </a:cubicBezTo>
+                      <a:cubicBezTo>
+                        <a:pt x="2827867" y="38128"/>
+                        <a:pt x="2977092" y="661486"/>
+                        <a:pt x="3092450" y="666778"/>
+                      </a:cubicBezTo>
+                      <a:cubicBezTo>
+                        <a:pt x="3207808" y="672070"/>
+                        <a:pt x="3282950" y="75170"/>
+                        <a:pt x="3397250" y="69878"/>
+                      </a:cubicBezTo>
+                      <a:cubicBezTo>
+                        <a:pt x="3511550" y="64586"/>
+                        <a:pt x="3647017" y="635028"/>
+                        <a:pt x="3778250" y="635028"/>
+                      </a:cubicBezTo>
+                      <a:cubicBezTo>
+                        <a:pt x="3909483" y="635028"/>
+                        <a:pt x="4047066" y="352453"/>
+                        <a:pt x="4184650" y="69878"/>
+                      </a:cubicBezTo>
+                    </a:path>
+                  </a:pathLst>
+                </a:custGeom>
+                <a:noFill/>
+                <a:ln>
+                  <a:solidFill>
+                    <a:schemeClr val="accent1"/>
+                  </a:solidFill>
+                </a:ln>
+              </p:spPr>
+              <p:style>
+                <a:lnRef idx="2">
+                  <a:schemeClr val="accent1">
+                    <a:shade val="15000"/>
+                  </a:schemeClr>
+                </a:lnRef>
+                <a:fillRef idx="1">
+                  <a:schemeClr val="accent1"/>
+                </a:fillRef>
+                <a:effectRef idx="0">
+                  <a:schemeClr val="accent1"/>
+                </a:effectRef>
+                <a:fontRef idx="minor">
+                  <a:schemeClr val="lt1"/>
+                </a:fontRef>
+              </p:style>
+              <p:txBody>
+                <a:bodyPr rot="0" spcFirstLastPara="0" vert="horz" wrap="square" lIns="91440" tIns="45720" rIns="91440" bIns="45720" numCol="1" spcCol="0" rtlCol="0" fromWordArt="0" anchor="ctr" anchorCtr="0" forceAA="0" compatLnSpc="1">
+                  <a:prstTxWarp prst="textNoShape">
+                    <a:avLst/>
+                  </a:prstTxWarp>
+                  <a:noAutofit/>
+                </a:bodyPr>
+                <a:lstStyle/>
+                <a:p>
+                  <a:endParaRPr lang="en-ID"/>
+                </a:p>
+              </p:txBody>
+            </p:sp>
+            <p:sp>
+              <p:nvSpPr>
+                <p:cNvPr id="35" name="Freeform: Shape 34">
+                  <a:extLst>
+                    <a:ext uri="{FF2B5EF4-FFF2-40B4-BE49-F238E27FC236}">
+                      <a16:creationId xmlns:a16="http://schemas.microsoft.com/office/drawing/2014/main" id="{197C8DEC-0D6C-2203-E2CC-2FC13085D550}"/>
+                    </a:ext>
+                  </a:extLst>
+                </p:cNvPr>
+                <p:cNvSpPr/>
+                <p:nvPr/>
+              </p:nvSpPr>
+              <p:spPr>
+                <a:xfrm>
+                  <a:off x="63500" y="622300"/>
+                  <a:ext cx="4184650" cy="768378"/>
+                </a:xfrm>
+                <a:custGeom>
+                  <a:avLst/>
+                  <a:gdLst>
+                    <a:gd name="connsiteX0" fmla="*/ 0 w 4184650"/>
+                    <a:gd name="connsiteY0" fmla="*/ 768378 h 768378"/>
+                    <a:gd name="connsiteX1" fmla="*/ 431800 w 4184650"/>
+                    <a:gd name="connsiteY1" fmla="*/ 28 h 768378"/>
+                    <a:gd name="connsiteX2" fmla="*/ 857250 w 4184650"/>
+                    <a:gd name="connsiteY2" fmla="*/ 736628 h 768378"/>
+                    <a:gd name="connsiteX3" fmla="*/ 1238250 w 4184650"/>
+                    <a:gd name="connsiteY3" fmla="*/ 12728 h 768378"/>
+                    <a:gd name="connsiteX4" fmla="*/ 1625600 w 4184650"/>
+                    <a:gd name="connsiteY4" fmla="*/ 711228 h 768378"/>
+                    <a:gd name="connsiteX5" fmla="*/ 1993900 w 4184650"/>
+                    <a:gd name="connsiteY5" fmla="*/ 38128 h 768378"/>
+                    <a:gd name="connsiteX6" fmla="*/ 2355850 w 4184650"/>
+                    <a:gd name="connsiteY6" fmla="*/ 666778 h 768378"/>
+                    <a:gd name="connsiteX7" fmla="*/ 2705100 w 4184650"/>
+                    <a:gd name="connsiteY7" fmla="*/ 38128 h 768378"/>
+                    <a:gd name="connsiteX8" fmla="*/ 3092450 w 4184650"/>
+                    <a:gd name="connsiteY8" fmla="*/ 666778 h 768378"/>
+                    <a:gd name="connsiteX9" fmla="*/ 3397250 w 4184650"/>
+                    <a:gd name="connsiteY9" fmla="*/ 69878 h 768378"/>
+                    <a:gd name="connsiteX10" fmla="*/ 3778250 w 4184650"/>
+                    <a:gd name="connsiteY10" fmla="*/ 635028 h 768378"/>
+                    <a:gd name="connsiteX11" fmla="*/ 4184650 w 4184650"/>
+                    <a:gd name="connsiteY11" fmla="*/ 69878 h 768378"/>
+                  </a:gdLst>
+                  <a:ahLst/>
+                  <a:cxnLst>
+                    <a:cxn ang="0">
+                      <a:pos x="connsiteX0" y="connsiteY0"/>
+                    </a:cxn>
+                    <a:cxn ang="0">
+                      <a:pos x="connsiteX1" y="connsiteY1"/>
+                    </a:cxn>
+                    <a:cxn ang="0">
+                      <a:pos x="connsiteX2" y="connsiteY2"/>
+                    </a:cxn>
+                    <a:cxn ang="0">
+                      <a:pos x="connsiteX3" y="connsiteY3"/>
+                    </a:cxn>
+                    <a:cxn ang="0">
+                      <a:pos x="connsiteX4" y="connsiteY4"/>
+                    </a:cxn>
+                    <a:cxn ang="0">
+                      <a:pos x="connsiteX5" y="connsiteY5"/>
+                    </a:cxn>
+                    <a:cxn ang="0">
+                      <a:pos x="connsiteX6" y="connsiteY6"/>
+                    </a:cxn>
+                    <a:cxn ang="0">
+                      <a:pos x="connsiteX7" y="connsiteY7"/>
+                    </a:cxn>
+                    <a:cxn ang="0">
+                      <a:pos x="connsiteX8" y="connsiteY8"/>
+                    </a:cxn>
+                    <a:cxn ang="0">
+                      <a:pos x="connsiteX9" y="connsiteY9"/>
+                    </a:cxn>
+                    <a:cxn ang="0">
+                      <a:pos x="connsiteX10" y="connsiteY10"/>
+                    </a:cxn>
+                    <a:cxn ang="0">
+                      <a:pos x="connsiteX11" y="connsiteY11"/>
+                    </a:cxn>
+                  </a:cxnLst>
+                  <a:rect l="l" t="t" r="r" b="b"/>
+                  <a:pathLst>
+                    <a:path w="4184650" h="768378">
+                      <a:moveTo>
+                        <a:pt x="0" y="768378"/>
+                      </a:moveTo>
+                      <a:cubicBezTo>
+                        <a:pt x="144462" y="386849"/>
+                        <a:pt x="288925" y="5320"/>
+                        <a:pt x="431800" y="28"/>
+                      </a:cubicBezTo>
+                      <a:cubicBezTo>
+                        <a:pt x="574675" y="-5264"/>
+                        <a:pt x="722842" y="734511"/>
+                        <a:pt x="857250" y="736628"/>
+                      </a:cubicBezTo>
+                      <a:cubicBezTo>
+                        <a:pt x="991658" y="738745"/>
+                        <a:pt x="1110192" y="16961"/>
+                        <a:pt x="1238250" y="12728"/>
+                      </a:cubicBezTo>
+                      <a:cubicBezTo>
+                        <a:pt x="1366308" y="8495"/>
+                        <a:pt x="1499659" y="706995"/>
+                        <a:pt x="1625600" y="711228"/>
+                      </a:cubicBezTo>
+                      <a:cubicBezTo>
+                        <a:pt x="1751541" y="715461"/>
+                        <a:pt x="1872192" y="45536"/>
+                        <a:pt x="1993900" y="38128"/>
+                      </a:cubicBezTo>
+                      <a:cubicBezTo>
+                        <a:pt x="2115608" y="30720"/>
+                        <a:pt x="2237317" y="666778"/>
+                        <a:pt x="2355850" y="666778"/>
+                      </a:cubicBezTo>
+                      <a:cubicBezTo>
+                        <a:pt x="2474383" y="666778"/>
+                        <a:pt x="2582333" y="38128"/>
+                        <a:pt x="2705100" y="38128"/>
+                      </a:cubicBezTo>
+                      <a:cubicBezTo>
+                        <a:pt x="2827867" y="38128"/>
+                        <a:pt x="2977092" y="661486"/>
+                        <a:pt x="3092450" y="666778"/>
+                      </a:cubicBezTo>
+                      <a:cubicBezTo>
+                        <a:pt x="3207808" y="672070"/>
+                        <a:pt x="3282950" y="75170"/>
+                        <a:pt x="3397250" y="69878"/>
+                      </a:cubicBezTo>
+                      <a:cubicBezTo>
+                        <a:pt x="3511550" y="64586"/>
+                        <a:pt x="3647017" y="635028"/>
+                        <a:pt x="3778250" y="635028"/>
+                      </a:cubicBezTo>
+                      <a:cubicBezTo>
+                        <a:pt x="3909483" y="635028"/>
+                        <a:pt x="4047066" y="352453"/>
+                        <a:pt x="4184650" y="69878"/>
+                      </a:cubicBezTo>
+                    </a:path>
+                  </a:pathLst>
+                </a:custGeom>
+                <a:noFill/>
+                <a:ln>
+                  <a:solidFill>
+                    <a:schemeClr val="accent1"/>
+                  </a:solidFill>
+                </a:ln>
+              </p:spPr>
+              <p:style>
+                <a:lnRef idx="2">
+                  <a:schemeClr val="accent1">
+                    <a:shade val="15000"/>
+                  </a:schemeClr>
+                </a:lnRef>
+                <a:fillRef idx="1">
+                  <a:schemeClr val="accent1"/>
+                </a:fillRef>
+                <a:effectRef idx="0">
+                  <a:schemeClr val="accent1"/>
+                </a:effectRef>
+                <a:fontRef idx="minor">
+                  <a:schemeClr val="lt1"/>
+                </a:fontRef>
+              </p:style>
+              <p:txBody>
+                <a:bodyPr rot="0" spcFirstLastPara="0" vert="horz" wrap="square" lIns="91440" tIns="45720" rIns="91440" bIns="45720" numCol="1" spcCol="0" rtlCol="0" fromWordArt="0" anchor="ctr" anchorCtr="0" forceAA="0" compatLnSpc="1">
+                  <a:prstTxWarp prst="textNoShape">
+                    <a:avLst/>
+                  </a:prstTxWarp>
+                  <a:noAutofit/>
+                </a:bodyPr>
+                <a:lstStyle/>
+                <a:p>
+                  <a:endParaRPr lang="en-ID"/>
+                </a:p>
+              </p:txBody>
+            </p:sp>
+            <p:sp>
+              <p:nvSpPr>
+                <p:cNvPr id="36" name="Freeform: Shape 35">
+                  <a:extLst>
+                    <a:ext uri="{FF2B5EF4-FFF2-40B4-BE49-F238E27FC236}">
+                      <a16:creationId xmlns:a16="http://schemas.microsoft.com/office/drawing/2014/main" id="{2FE32ED4-96E3-5D93-D05B-6DC7BB6EAA1C}"/>
+                    </a:ext>
+                  </a:extLst>
+                </p:cNvPr>
+                <p:cNvSpPr/>
+                <p:nvPr/>
+              </p:nvSpPr>
+              <p:spPr>
+                <a:xfrm>
+                  <a:off x="152400" y="1047750"/>
+                  <a:ext cx="4184650" cy="768378"/>
+                </a:xfrm>
+                <a:custGeom>
+                  <a:avLst/>
+                  <a:gdLst>
+                    <a:gd name="connsiteX0" fmla="*/ 0 w 4184650"/>
+                    <a:gd name="connsiteY0" fmla="*/ 768378 h 768378"/>
+                    <a:gd name="connsiteX1" fmla="*/ 431800 w 4184650"/>
+                    <a:gd name="connsiteY1" fmla="*/ 28 h 768378"/>
+                    <a:gd name="connsiteX2" fmla="*/ 857250 w 4184650"/>
+                    <a:gd name="connsiteY2" fmla="*/ 736628 h 768378"/>
+                    <a:gd name="connsiteX3" fmla="*/ 1238250 w 4184650"/>
+                    <a:gd name="connsiteY3" fmla="*/ 12728 h 768378"/>
+                    <a:gd name="connsiteX4" fmla="*/ 1625600 w 4184650"/>
+                    <a:gd name="connsiteY4" fmla="*/ 711228 h 768378"/>
+                    <a:gd name="connsiteX5" fmla="*/ 1993900 w 4184650"/>
+                    <a:gd name="connsiteY5" fmla="*/ 38128 h 768378"/>
+                    <a:gd name="connsiteX6" fmla="*/ 2355850 w 4184650"/>
+                    <a:gd name="connsiteY6" fmla="*/ 666778 h 768378"/>
+                    <a:gd name="connsiteX7" fmla="*/ 2705100 w 4184650"/>
+                    <a:gd name="connsiteY7" fmla="*/ 38128 h 768378"/>
+                    <a:gd name="connsiteX8" fmla="*/ 3092450 w 4184650"/>
+                    <a:gd name="connsiteY8" fmla="*/ 666778 h 768378"/>
+                    <a:gd name="connsiteX9" fmla="*/ 3397250 w 4184650"/>
+                    <a:gd name="connsiteY9" fmla="*/ 69878 h 768378"/>
+                    <a:gd name="connsiteX10" fmla="*/ 3778250 w 4184650"/>
+                    <a:gd name="connsiteY10" fmla="*/ 635028 h 768378"/>
+                    <a:gd name="connsiteX11" fmla="*/ 4184650 w 4184650"/>
+                    <a:gd name="connsiteY11" fmla="*/ 69878 h 768378"/>
+                  </a:gdLst>
+                  <a:ahLst/>
+                  <a:cxnLst>
+                    <a:cxn ang="0">
+                      <a:pos x="connsiteX0" y="connsiteY0"/>
+                    </a:cxn>
+                    <a:cxn ang="0">
+                      <a:pos x="connsiteX1" y="connsiteY1"/>
+                    </a:cxn>
+                    <a:cxn ang="0">
+                      <a:pos x="connsiteX2" y="connsiteY2"/>
+                    </a:cxn>
+                    <a:cxn ang="0">
+                      <a:pos x="connsiteX3" y="connsiteY3"/>
+                    </a:cxn>
+                    <a:cxn ang="0">
+                      <a:pos x="connsiteX4" y="connsiteY4"/>
+                    </a:cxn>
+                    <a:cxn ang="0">
+                      <a:pos x="connsiteX5" y="connsiteY5"/>
+                    </a:cxn>
+                    <a:cxn ang="0">
+                      <a:pos x="connsiteX6" y="connsiteY6"/>
+                    </a:cxn>
+                    <a:cxn ang="0">
+                      <a:pos x="connsiteX7" y="connsiteY7"/>
+                    </a:cxn>
+                    <a:cxn ang="0">
+                      <a:pos x="connsiteX8" y="connsiteY8"/>
+                    </a:cxn>
+                    <a:cxn ang="0">
+                      <a:pos x="connsiteX9" y="connsiteY9"/>
+                    </a:cxn>
+                    <a:cxn ang="0">
+                      <a:pos x="connsiteX10" y="connsiteY10"/>
+                    </a:cxn>
+                    <a:cxn ang="0">
+                      <a:pos x="connsiteX11" y="connsiteY11"/>
+                    </a:cxn>
+                  </a:cxnLst>
+                  <a:rect l="l" t="t" r="r" b="b"/>
+                  <a:pathLst>
+                    <a:path w="4184650" h="768378">
+                      <a:moveTo>
+                        <a:pt x="0" y="768378"/>
+                      </a:moveTo>
+                      <a:cubicBezTo>
+                        <a:pt x="144462" y="386849"/>
+                        <a:pt x="288925" y="5320"/>
+                        <a:pt x="431800" y="28"/>
+                      </a:cubicBezTo>
+                      <a:cubicBezTo>
+                        <a:pt x="574675" y="-5264"/>
+                        <a:pt x="722842" y="734511"/>
+                        <a:pt x="857250" y="736628"/>
+                      </a:cubicBezTo>
+                      <a:cubicBezTo>
+                        <a:pt x="991658" y="738745"/>
+                        <a:pt x="1110192" y="16961"/>
+                        <a:pt x="1238250" y="12728"/>
+                      </a:cubicBezTo>
+                      <a:cubicBezTo>
+                        <a:pt x="1366308" y="8495"/>
+                        <a:pt x="1499659" y="706995"/>
+                        <a:pt x="1625600" y="711228"/>
+                      </a:cubicBezTo>
+                      <a:cubicBezTo>
+                        <a:pt x="1751541" y="715461"/>
+                        <a:pt x="1872192" y="45536"/>
+                        <a:pt x="1993900" y="38128"/>
+                      </a:cubicBezTo>
+                      <a:cubicBezTo>
+                        <a:pt x="2115608" y="30720"/>
+                        <a:pt x="2237317" y="666778"/>
+                        <a:pt x="2355850" y="666778"/>
+                      </a:cubicBezTo>
+                      <a:cubicBezTo>
+                        <a:pt x="2474383" y="666778"/>
+                        <a:pt x="2582333" y="38128"/>
+                        <a:pt x="2705100" y="38128"/>
+                      </a:cubicBezTo>
+                      <a:cubicBezTo>
+                        <a:pt x="2827867" y="38128"/>
+                        <a:pt x="2977092" y="661486"/>
+                        <a:pt x="3092450" y="666778"/>
+                      </a:cubicBezTo>
+                      <a:cubicBezTo>
+                        <a:pt x="3207808" y="672070"/>
+                        <a:pt x="3282950" y="75170"/>
+                        <a:pt x="3397250" y="69878"/>
+                      </a:cubicBezTo>
+                      <a:cubicBezTo>
+                        <a:pt x="3511550" y="64586"/>
+                        <a:pt x="3647017" y="635028"/>
+                        <a:pt x="3778250" y="635028"/>
+                      </a:cubicBezTo>
+                      <a:cubicBezTo>
+                        <a:pt x="3909483" y="635028"/>
+                        <a:pt x="4047066" y="352453"/>
+                        <a:pt x="4184650" y="69878"/>
+                      </a:cubicBezTo>
+                    </a:path>
+                  </a:pathLst>
+                </a:custGeom>
+                <a:noFill/>
+                <a:ln>
+                  <a:solidFill>
+                    <a:schemeClr val="accent1"/>
+                  </a:solidFill>
+                </a:ln>
+              </p:spPr>
+              <p:style>
+                <a:lnRef idx="2">
+                  <a:schemeClr val="accent1">
+                    <a:shade val="15000"/>
+                  </a:schemeClr>
+                </a:lnRef>
+                <a:fillRef idx="1">
+                  <a:schemeClr val="accent1"/>
+                </a:fillRef>
+                <a:effectRef idx="0">
+                  <a:schemeClr val="accent1"/>
+                </a:effectRef>
+                <a:fontRef idx="minor">
+                  <a:schemeClr val="lt1"/>
+                </a:fontRef>
+              </p:style>
+              <p:txBody>
+                <a:bodyPr rot="0" spcFirstLastPara="0" vert="horz" wrap="square" lIns="91440" tIns="45720" rIns="91440" bIns="45720" numCol="1" spcCol="0" rtlCol="0" fromWordArt="0" anchor="ctr" anchorCtr="0" forceAA="0" compatLnSpc="1">
+                  <a:prstTxWarp prst="textNoShape">
+                    <a:avLst/>
+                  </a:prstTxWarp>
+                  <a:noAutofit/>
+                </a:bodyPr>
+                <a:lstStyle/>
+                <a:p>
+                  <a:endParaRPr lang="en-ID"/>
+                </a:p>
+              </p:txBody>
+            </p:sp>
+            <p:sp>
+              <p:nvSpPr>
+                <p:cNvPr id="37" name="Freeform: Shape 36">
+                  <a:extLst>
+                    <a:ext uri="{FF2B5EF4-FFF2-40B4-BE49-F238E27FC236}">
+                      <a16:creationId xmlns:a16="http://schemas.microsoft.com/office/drawing/2014/main" id="{07E2BC4F-8D56-EFFB-5E2D-8224E1F6F907}"/>
+                    </a:ext>
+                  </a:extLst>
+                </p:cNvPr>
+                <p:cNvSpPr/>
+                <p:nvPr/>
+              </p:nvSpPr>
+              <p:spPr>
+                <a:xfrm>
+                  <a:off x="228600" y="1447800"/>
+                  <a:ext cx="4184650" cy="768350"/>
+                </a:xfrm>
+                <a:custGeom>
+                  <a:avLst/>
+                  <a:gdLst>
+                    <a:gd name="connsiteX0" fmla="*/ 0 w 4184650"/>
+                    <a:gd name="connsiteY0" fmla="*/ 768378 h 768378"/>
+                    <a:gd name="connsiteX1" fmla="*/ 431800 w 4184650"/>
+                    <a:gd name="connsiteY1" fmla="*/ 28 h 768378"/>
+                    <a:gd name="connsiteX2" fmla="*/ 857250 w 4184650"/>
+                    <a:gd name="connsiteY2" fmla="*/ 736628 h 768378"/>
+                    <a:gd name="connsiteX3" fmla="*/ 1238250 w 4184650"/>
+                    <a:gd name="connsiteY3" fmla="*/ 12728 h 768378"/>
+                    <a:gd name="connsiteX4" fmla="*/ 1625600 w 4184650"/>
+                    <a:gd name="connsiteY4" fmla="*/ 711228 h 768378"/>
+                    <a:gd name="connsiteX5" fmla="*/ 1993900 w 4184650"/>
+                    <a:gd name="connsiteY5" fmla="*/ 38128 h 768378"/>
+                    <a:gd name="connsiteX6" fmla="*/ 2355850 w 4184650"/>
+                    <a:gd name="connsiteY6" fmla="*/ 666778 h 768378"/>
+                    <a:gd name="connsiteX7" fmla="*/ 2705100 w 4184650"/>
+                    <a:gd name="connsiteY7" fmla="*/ 38128 h 768378"/>
+                    <a:gd name="connsiteX8" fmla="*/ 3092450 w 4184650"/>
+                    <a:gd name="connsiteY8" fmla="*/ 666778 h 768378"/>
+                    <a:gd name="connsiteX9" fmla="*/ 3397250 w 4184650"/>
+                    <a:gd name="connsiteY9" fmla="*/ 69878 h 768378"/>
+                    <a:gd name="connsiteX10" fmla="*/ 3778250 w 4184650"/>
+                    <a:gd name="connsiteY10" fmla="*/ 635028 h 768378"/>
+                    <a:gd name="connsiteX11" fmla="*/ 4184650 w 4184650"/>
+                    <a:gd name="connsiteY11" fmla="*/ 69878 h 768378"/>
+                  </a:gdLst>
+                  <a:ahLst/>
+                  <a:cxnLst>
+                    <a:cxn ang="0">
+                      <a:pos x="connsiteX0" y="connsiteY0"/>
+                    </a:cxn>
+                    <a:cxn ang="0">
+                      <a:pos x="connsiteX1" y="connsiteY1"/>
+                    </a:cxn>
+                    <a:cxn ang="0">
+                      <a:pos x="connsiteX2" y="connsiteY2"/>
+                    </a:cxn>
+                    <a:cxn ang="0">
+                      <a:pos x="connsiteX3" y="connsiteY3"/>
+                    </a:cxn>
+                    <a:cxn ang="0">
+                      <a:pos x="connsiteX4" y="connsiteY4"/>
+                    </a:cxn>
+                    <a:cxn ang="0">
+                      <a:pos x="connsiteX5" y="connsiteY5"/>
+                    </a:cxn>
+                    <a:cxn ang="0">
+                      <a:pos x="connsiteX6" y="connsiteY6"/>
+                    </a:cxn>
+                    <a:cxn ang="0">
+                      <a:pos x="connsiteX7" y="connsiteY7"/>
+                    </a:cxn>
+                    <a:cxn ang="0">
+                      <a:pos x="connsiteX8" y="connsiteY8"/>
+                    </a:cxn>
+                    <a:cxn ang="0">
+                      <a:pos x="connsiteX9" y="connsiteY9"/>
+                    </a:cxn>
+                    <a:cxn ang="0">
+                      <a:pos x="connsiteX10" y="connsiteY10"/>
+                    </a:cxn>
+                    <a:cxn ang="0">
+                      <a:pos x="connsiteX11" y="connsiteY11"/>
+                    </a:cxn>
+                  </a:cxnLst>
+                  <a:rect l="l" t="t" r="r" b="b"/>
+                  <a:pathLst>
+                    <a:path w="4184650" h="768378">
+                      <a:moveTo>
+                        <a:pt x="0" y="768378"/>
+                      </a:moveTo>
+                      <a:cubicBezTo>
+                        <a:pt x="144462" y="386849"/>
+                        <a:pt x="288925" y="5320"/>
+                        <a:pt x="431800" y="28"/>
+                      </a:cubicBezTo>
+                      <a:cubicBezTo>
+                        <a:pt x="574675" y="-5264"/>
+                        <a:pt x="722842" y="734511"/>
+                        <a:pt x="857250" y="736628"/>
+                      </a:cubicBezTo>
+                      <a:cubicBezTo>
+                        <a:pt x="991658" y="738745"/>
+                        <a:pt x="1110192" y="16961"/>
+                        <a:pt x="1238250" y="12728"/>
+                      </a:cubicBezTo>
+                      <a:cubicBezTo>
+                        <a:pt x="1366308" y="8495"/>
+                        <a:pt x="1499659" y="706995"/>
+                        <a:pt x="1625600" y="711228"/>
+                      </a:cubicBezTo>
+                      <a:cubicBezTo>
+                        <a:pt x="1751541" y="715461"/>
+                        <a:pt x="1872192" y="45536"/>
+                        <a:pt x="1993900" y="38128"/>
+                      </a:cubicBezTo>
+                      <a:cubicBezTo>
+                        <a:pt x="2115608" y="30720"/>
+                        <a:pt x="2237317" y="666778"/>
+                        <a:pt x="2355850" y="666778"/>
+                      </a:cubicBezTo>
+                      <a:cubicBezTo>
+                        <a:pt x="2474383" y="666778"/>
+                        <a:pt x="2582333" y="38128"/>
+                        <a:pt x="2705100" y="38128"/>
+                      </a:cubicBezTo>
+                      <a:cubicBezTo>
+                        <a:pt x="2827867" y="38128"/>
+                        <a:pt x="2977092" y="661486"/>
+                        <a:pt x="3092450" y="666778"/>
+                      </a:cubicBezTo>
+                      <a:cubicBezTo>
+                        <a:pt x="3207808" y="672070"/>
+                        <a:pt x="3282950" y="75170"/>
+                        <a:pt x="3397250" y="69878"/>
+                      </a:cubicBezTo>
+                      <a:cubicBezTo>
+                        <a:pt x="3511550" y="64586"/>
+                        <a:pt x="3647017" y="635028"/>
+                        <a:pt x="3778250" y="635028"/>
+                      </a:cubicBezTo>
+                      <a:cubicBezTo>
+                        <a:pt x="3909483" y="635028"/>
+                        <a:pt x="4047066" y="352453"/>
+                        <a:pt x="4184650" y="69878"/>
+                      </a:cubicBezTo>
+                    </a:path>
+                  </a:pathLst>
+                </a:custGeom>
+                <a:noFill/>
+                <a:ln>
+                  <a:solidFill>
+                    <a:schemeClr val="accent1"/>
+                  </a:solidFill>
+                </a:ln>
+              </p:spPr>
+              <p:style>
+                <a:lnRef idx="2">
+                  <a:schemeClr val="accent1">
+                    <a:shade val="15000"/>
+                  </a:schemeClr>
+                </a:lnRef>
+                <a:fillRef idx="1">
+                  <a:schemeClr val="accent1"/>
+                </a:fillRef>
+                <a:effectRef idx="0">
+                  <a:schemeClr val="accent1"/>
+                </a:effectRef>
+                <a:fontRef idx="minor">
+                  <a:schemeClr val="lt1"/>
+                </a:fontRef>
+              </p:style>
+              <p:txBody>
+                <a:bodyPr rot="0" spcFirstLastPara="0" vert="horz" wrap="square" lIns="91440" tIns="45720" rIns="91440" bIns="45720" numCol="1" spcCol="0" rtlCol="0" fromWordArt="0" anchor="ctr" anchorCtr="0" forceAA="0" compatLnSpc="1">
+                  <a:prstTxWarp prst="textNoShape">
+                    <a:avLst/>
+                  </a:prstTxWarp>
+                  <a:noAutofit/>
+                </a:bodyPr>
+                <a:lstStyle/>
+                <a:p>
+                  <a:endParaRPr lang="en-ID"/>
+                </a:p>
+              </p:txBody>
+            </p:sp>
+            <p:sp>
+              <p:nvSpPr>
+                <p:cNvPr id="38" name="Freeform: Shape 37">
+                  <a:extLst>
+                    <a:ext uri="{FF2B5EF4-FFF2-40B4-BE49-F238E27FC236}">
+                      <a16:creationId xmlns:a16="http://schemas.microsoft.com/office/drawing/2014/main" id="{E027A135-2D36-97CC-B78A-4C3744A98AEE}"/>
+                    </a:ext>
+                  </a:extLst>
+                </p:cNvPr>
+                <p:cNvSpPr/>
+                <p:nvPr/>
+              </p:nvSpPr>
+              <p:spPr>
+                <a:xfrm>
+                  <a:off x="298450" y="1835150"/>
+                  <a:ext cx="4184650" cy="768350"/>
+                </a:xfrm>
+                <a:custGeom>
+                  <a:avLst/>
+                  <a:gdLst>
+                    <a:gd name="connsiteX0" fmla="*/ 0 w 4184650"/>
+                    <a:gd name="connsiteY0" fmla="*/ 768378 h 768378"/>
+                    <a:gd name="connsiteX1" fmla="*/ 431800 w 4184650"/>
+                    <a:gd name="connsiteY1" fmla="*/ 28 h 768378"/>
+                    <a:gd name="connsiteX2" fmla="*/ 857250 w 4184650"/>
+                    <a:gd name="connsiteY2" fmla="*/ 736628 h 768378"/>
+                    <a:gd name="connsiteX3" fmla="*/ 1238250 w 4184650"/>
+                    <a:gd name="connsiteY3" fmla="*/ 12728 h 768378"/>
+                    <a:gd name="connsiteX4" fmla="*/ 1625600 w 4184650"/>
+                    <a:gd name="connsiteY4" fmla="*/ 711228 h 768378"/>
+                    <a:gd name="connsiteX5" fmla="*/ 1993900 w 4184650"/>
+                    <a:gd name="connsiteY5" fmla="*/ 38128 h 768378"/>
+                    <a:gd name="connsiteX6" fmla="*/ 2355850 w 4184650"/>
+                    <a:gd name="connsiteY6" fmla="*/ 666778 h 768378"/>
+                    <a:gd name="connsiteX7" fmla="*/ 2705100 w 4184650"/>
+                    <a:gd name="connsiteY7" fmla="*/ 38128 h 768378"/>
+                    <a:gd name="connsiteX8" fmla="*/ 3092450 w 4184650"/>
+                    <a:gd name="connsiteY8" fmla="*/ 666778 h 768378"/>
+                    <a:gd name="connsiteX9" fmla="*/ 3397250 w 4184650"/>
+                    <a:gd name="connsiteY9" fmla="*/ 69878 h 768378"/>
+                    <a:gd name="connsiteX10" fmla="*/ 3778250 w 4184650"/>
+                    <a:gd name="connsiteY10" fmla="*/ 635028 h 768378"/>
+                    <a:gd name="connsiteX11" fmla="*/ 4184650 w 4184650"/>
+                    <a:gd name="connsiteY11" fmla="*/ 69878 h 768378"/>
+                  </a:gdLst>
+                  <a:ahLst/>
+                  <a:cxnLst>
+                    <a:cxn ang="0">
+                      <a:pos x="connsiteX0" y="connsiteY0"/>
+                    </a:cxn>
+                    <a:cxn ang="0">
+                      <a:pos x="connsiteX1" y="connsiteY1"/>
+                    </a:cxn>
+                    <a:cxn ang="0">
+                      <a:pos x="connsiteX2" y="connsiteY2"/>
+                    </a:cxn>
+                    <a:cxn ang="0">
+                      <a:pos x="connsiteX3" y="connsiteY3"/>
+                    </a:cxn>
+                    <a:cxn ang="0">
+                      <a:pos x="connsiteX4" y="connsiteY4"/>
+                    </a:cxn>
+                    <a:cxn ang="0">
+                      <a:pos x="connsiteX5" y="connsiteY5"/>
+                    </a:cxn>
+                    <a:cxn ang="0">
+                      <a:pos x="connsiteX6" y="connsiteY6"/>
+                    </a:cxn>
+                    <a:cxn ang="0">
+                      <a:pos x="connsiteX7" y="connsiteY7"/>
+                    </a:cxn>
+                    <a:cxn ang="0">
+                      <a:pos x="connsiteX8" y="connsiteY8"/>
+                    </a:cxn>
+                    <a:cxn ang="0">
+                      <a:pos x="connsiteX9" y="connsiteY9"/>
+                    </a:cxn>
+                    <a:cxn ang="0">
+                      <a:pos x="connsiteX10" y="connsiteY10"/>
+                    </a:cxn>
+                    <a:cxn ang="0">
+                      <a:pos x="connsiteX11" y="connsiteY11"/>
+                    </a:cxn>
+                  </a:cxnLst>
+                  <a:rect l="l" t="t" r="r" b="b"/>
+                  <a:pathLst>
+                    <a:path w="4184650" h="768378">
+                      <a:moveTo>
+                        <a:pt x="0" y="768378"/>
+                      </a:moveTo>
+                      <a:cubicBezTo>
+                        <a:pt x="144462" y="386849"/>
+                        <a:pt x="288925" y="5320"/>
+                        <a:pt x="431800" y="28"/>
+                      </a:cubicBezTo>
+                      <a:cubicBezTo>
+                        <a:pt x="574675" y="-5264"/>
+                        <a:pt x="722842" y="734511"/>
+                        <a:pt x="857250" y="736628"/>
+                      </a:cubicBezTo>
+                      <a:cubicBezTo>
+                        <a:pt x="991658" y="738745"/>
+                        <a:pt x="1110192" y="16961"/>
+                        <a:pt x="1238250" y="12728"/>
+                      </a:cubicBezTo>
+                      <a:cubicBezTo>
+                        <a:pt x="1366308" y="8495"/>
+                        <a:pt x="1499659" y="706995"/>
+                        <a:pt x="1625600" y="711228"/>
+                      </a:cubicBezTo>
+                      <a:cubicBezTo>
+                        <a:pt x="1751541" y="715461"/>
+                        <a:pt x="1872192" y="45536"/>
+                        <a:pt x="1993900" y="38128"/>
+                      </a:cubicBezTo>
+                      <a:cubicBezTo>
+                        <a:pt x="2115608" y="30720"/>
+                        <a:pt x="2237317" y="666778"/>
+                        <a:pt x="2355850" y="666778"/>
+                      </a:cubicBezTo>
+                      <a:cubicBezTo>
+                        <a:pt x="2474383" y="666778"/>
+                        <a:pt x="2582333" y="38128"/>
+                        <a:pt x="2705100" y="38128"/>
+                      </a:cubicBezTo>
+                      <a:cubicBezTo>
+                        <a:pt x="2827867" y="38128"/>
+                        <a:pt x="2977092" y="661486"/>
+                        <a:pt x="3092450" y="666778"/>
+                      </a:cubicBezTo>
+                      <a:cubicBezTo>
+                        <a:pt x="3207808" y="672070"/>
+                        <a:pt x="3282950" y="75170"/>
+                        <a:pt x="3397250" y="69878"/>
+                      </a:cubicBezTo>
+                      <a:cubicBezTo>
+                        <a:pt x="3511550" y="64586"/>
+                        <a:pt x="3647017" y="635028"/>
+                        <a:pt x="3778250" y="635028"/>
+                      </a:cubicBezTo>
+                      <a:cubicBezTo>
+                        <a:pt x="3909483" y="635028"/>
+                        <a:pt x="4047066" y="352453"/>
+                        <a:pt x="4184650" y="69878"/>
+                      </a:cubicBezTo>
+                    </a:path>
+                  </a:pathLst>
+                </a:custGeom>
+                <a:noFill/>
+                <a:ln>
+                  <a:solidFill>
+                    <a:schemeClr val="accent1"/>
+                  </a:solidFill>
+                </a:ln>
+              </p:spPr>
+              <p:style>
+                <a:lnRef idx="2">
+                  <a:schemeClr val="accent1">
+                    <a:shade val="15000"/>
+                  </a:schemeClr>
+                </a:lnRef>
+                <a:fillRef idx="1">
+                  <a:schemeClr val="accent1"/>
+                </a:fillRef>
+                <a:effectRef idx="0">
+                  <a:schemeClr val="accent1"/>
+                </a:effectRef>
+                <a:fontRef idx="minor">
+                  <a:schemeClr val="lt1"/>
+                </a:fontRef>
+              </p:style>
+              <p:txBody>
+                <a:bodyPr rot="0" spcFirstLastPara="0" vert="horz" wrap="square" lIns="91440" tIns="45720" rIns="91440" bIns="45720" numCol="1" spcCol="0" rtlCol="0" fromWordArt="0" anchor="ctr" anchorCtr="0" forceAA="0" compatLnSpc="1">
+                  <a:prstTxWarp prst="textNoShape">
+                    <a:avLst/>
+                  </a:prstTxWarp>
+                  <a:noAutofit/>
+                </a:bodyPr>
+                <a:lstStyle/>
+                <a:p>
+                  <a:endParaRPr lang="en-ID"/>
+                </a:p>
+              </p:txBody>
+            </p:sp>
+            <p:cxnSp>
+              <p:nvCxnSpPr>
+                <p:cNvPr id="39" name="Straight Connector 38">
+                  <a:extLst>
+                    <a:ext uri="{FF2B5EF4-FFF2-40B4-BE49-F238E27FC236}">
+                      <a16:creationId xmlns:a16="http://schemas.microsoft.com/office/drawing/2014/main" id="{2F2266C4-71C3-9C41-4FCF-A0D3AC0566B0}"/>
+                    </a:ext>
+                  </a:extLst>
+                </p:cNvPr>
+                <p:cNvCxnSpPr/>
+                <p:nvPr/>
+              </p:nvCxnSpPr>
+              <p:spPr>
+                <a:xfrm>
+                  <a:off x="393700" y="50800"/>
+                  <a:ext cx="457200" cy="2552700"/>
+                </a:xfrm>
+                <a:prstGeom prst="line">
+                  <a:avLst/>
+                </a:prstGeom>
+                <a:ln w="22225">
+                  <a:solidFill>
+                    <a:srgbClr val="FF0000"/>
+                  </a:solidFill>
+                </a:ln>
+              </p:spPr>
+              <p:style>
+                <a:lnRef idx="1">
+                  <a:schemeClr val="accent1"/>
+                </a:lnRef>
+                <a:fillRef idx="0">
+                  <a:schemeClr val="accent1"/>
+                </a:fillRef>
+                <a:effectRef idx="0">
+                  <a:schemeClr val="accent1"/>
+                </a:effectRef>
+                <a:fontRef idx="minor">
+                  <a:schemeClr val="tx1"/>
+                </a:fontRef>
+              </p:style>
+            </p:cxnSp>
+            <p:cxnSp>
+              <p:nvCxnSpPr>
+                <p:cNvPr id="40" name="Straight Connector 39">
+                  <a:extLst>
+                    <a:ext uri="{FF2B5EF4-FFF2-40B4-BE49-F238E27FC236}">
+                      <a16:creationId xmlns:a16="http://schemas.microsoft.com/office/drawing/2014/main" id="{2D31CC32-4C4E-1B43-CF19-22FE37D8543E}"/>
+                    </a:ext>
+                  </a:extLst>
+                </p:cNvPr>
+                <p:cNvCxnSpPr/>
+                <p:nvPr/>
+              </p:nvCxnSpPr>
+              <p:spPr>
+                <a:xfrm>
+                  <a:off x="1212850" y="101600"/>
+                  <a:ext cx="457200" cy="2552700"/>
+                </a:xfrm>
+                <a:prstGeom prst="line">
+                  <a:avLst/>
+                </a:prstGeom>
+                <a:ln w="22225">
+                  <a:solidFill>
+                    <a:srgbClr val="FF0000"/>
+                  </a:solidFill>
+                </a:ln>
+              </p:spPr>
+              <p:style>
+                <a:lnRef idx="1">
+                  <a:schemeClr val="accent1"/>
+                </a:lnRef>
+                <a:fillRef idx="0">
+                  <a:schemeClr val="accent1"/>
+                </a:fillRef>
+                <a:effectRef idx="0">
+                  <a:schemeClr val="accent1"/>
+                </a:effectRef>
+                <a:fontRef idx="minor">
+                  <a:schemeClr val="tx1"/>
+                </a:fontRef>
+              </p:style>
+            </p:cxnSp>
+            <p:cxnSp>
+              <p:nvCxnSpPr>
+                <p:cNvPr id="41" name="Straight Connector 40">
+                  <a:extLst>
+                    <a:ext uri="{FF2B5EF4-FFF2-40B4-BE49-F238E27FC236}">
+                      <a16:creationId xmlns:a16="http://schemas.microsoft.com/office/drawing/2014/main" id="{3FD01642-C162-B269-0904-621188F73F2D}"/>
+                    </a:ext>
+                  </a:extLst>
+                </p:cNvPr>
+                <p:cNvCxnSpPr/>
+                <p:nvPr/>
+              </p:nvCxnSpPr>
+              <p:spPr>
+                <a:xfrm>
+                  <a:off x="1949450" y="50800"/>
+                  <a:ext cx="457200" cy="2552700"/>
+                </a:xfrm>
+                <a:prstGeom prst="line">
+                  <a:avLst/>
+                </a:prstGeom>
+                <a:ln w="22225">
+                  <a:solidFill>
+                    <a:srgbClr val="FF0000"/>
+                  </a:solidFill>
+                </a:ln>
+              </p:spPr>
+              <p:style>
+                <a:lnRef idx="1">
+                  <a:schemeClr val="accent1"/>
+                </a:lnRef>
+                <a:fillRef idx="0">
+                  <a:schemeClr val="accent1"/>
+                </a:fillRef>
+                <a:effectRef idx="0">
+                  <a:schemeClr val="accent1"/>
+                </a:effectRef>
+                <a:fontRef idx="minor">
+                  <a:schemeClr val="tx1"/>
+                </a:fontRef>
+              </p:style>
+            </p:cxnSp>
+            <p:cxnSp>
+              <p:nvCxnSpPr>
+                <p:cNvPr id="42" name="Straight Connector 41">
+                  <a:extLst>
+                    <a:ext uri="{FF2B5EF4-FFF2-40B4-BE49-F238E27FC236}">
+                      <a16:creationId xmlns:a16="http://schemas.microsoft.com/office/drawing/2014/main" id="{7F2431C7-5098-076F-5F75-57993905B169}"/>
+                    </a:ext>
+                  </a:extLst>
+                </p:cNvPr>
+                <p:cNvCxnSpPr/>
+                <p:nvPr/>
+              </p:nvCxnSpPr>
+              <p:spPr>
+                <a:xfrm>
+                  <a:off x="2679700" y="0"/>
+                  <a:ext cx="457200" cy="2552700"/>
+                </a:xfrm>
+                <a:prstGeom prst="line">
+                  <a:avLst/>
+                </a:prstGeom>
+                <a:ln w="22225">
+                  <a:solidFill>
+                    <a:srgbClr val="FF0000"/>
+                  </a:solidFill>
+                </a:ln>
+              </p:spPr>
+              <p:style>
+                <a:lnRef idx="1">
+                  <a:schemeClr val="accent1"/>
+                </a:lnRef>
+                <a:fillRef idx="0">
+                  <a:schemeClr val="accent1"/>
+                </a:fillRef>
+                <a:effectRef idx="0">
+                  <a:schemeClr val="accent1"/>
+                </a:effectRef>
+                <a:fontRef idx="minor">
+                  <a:schemeClr val="tx1"/>
+                </a:fontRef>
+              </p:style>
+            </p:cxnSp>
+            <p:cxnSp>
+              <p:nvCxnSpPr>
+                <p:cNvPr id="43" name="Straight Connector 42">
+                  <a:extLst>
+                    <a:ext uri="{FF2B5EF4-FFF2-40B4-BE49-F238E27FC236}">
+                      <a16:creationId xmlns:a16="http://schemas.microsoft.com/office/drawing/2014/main" id="{A61532B9-7C92-41DB-8714-1637A4758E62}"/>
+                    </a:ext>
+                  </a:extLst>
+                </p:cNvPr>
+                <p:cNvCxnSpPr/>
+                <p:nvPr/>
+              </p:nvCxnSpPr>
+              <p:spPr>
+                <a:xfrm>
+                  <a:off x="3359150" y="50800"/>
+                  <a:ext cx="457200" cy="2552700"/>
+                </a:xfrm>
+                <a:prstGeom prst="line">
+                  <a:avLst/>
+                </a:prstGeom>
+                <a:ln w="22225">
+                  <a:solidFill>
+                    <a:srgbClr val="FF0000"/>
+                  </a:solidFill>
+                </a:ln>
+              </p:spPr>
+              <p:style>
+                <a:lnRef idx="1">
+                  <a:schemeClr val="accent1"/>
+                </a:lnRef>
+                <a:fillRef idx="0">
+                  <a:schemeClr val="accent1"/>
+                </a:fillRef>
+                <a:effectRef idx="0">
+                  <a:schemeClr val="accent1"/>
+                </a:effectRef>
+                <a:fontRef idx="minor">
+                  <a:schemeClr val="tx1"/>
+                </a:fontRef>
+              </p:style>
+            </p:cxnSp>
+          </p:grpSp>
+          <p:cxnSp>
+            <p:nvCxnSpPr>
+              <p:cNvPr id="29" name="Straight Arrow Connector 28">
+                <a:extLst>
+                  <a:ext uri="{FF2B5EF4-FFF2-40B4-BE49-F238E27FC236}">
+                    <a16:creationId xmlns:a16="http://schemas.microsoft.com/office/drawing/2014/main" id="{9B5B2FBA-45BE-5B72-2515-2C2DB255B981}"/>
+                  </a:ext>
+                </a:extLst>
+              </p:cNvPr>
+              <p:cNvCxnSpPr/>
+              <p:nvPr/>
+            </p:nvCxnSpPr>
+            <p:spPr>
+              <a:xfrm>
+                <a:off x="609600" y="1352550"/>
+                <a:ext cx="704850" cy="0"/>
+              </a:xfrm>
+              <a:prstGeom prst="straightConnector1">
+                <a:avLst/>
+              </a:prstGeom>
+              <a:ln w="31750">
+                <a:solidFill>
+                  <a:srgbClr val="FFFF00"/>
+                </a:solidFill>
+                <a:tailEnd type="triangle"/>
+              </a:ln>
+            </p:spPr>
+            <p:style>
+              <a:lnRef idx="1">
+                <a:schemeClr val="accent1"/>
+              </a:lnRef>
+              <a:fillRef idx="0">
+                <a:schemeClr val="accent1"/>
+              </a:fillRef>
+              <a:effectRef idx="0">
+                <a:schemeClr val="accent1"/>
+              </a:effectRef>
+              <a:fontRef idx="minor">
+                <a:schemeClr val="tx1"/>
+              </a:fontRef>
+            </p:style>
+          </p:cxnSp>
+          <p:cxnSp>
+            <p:nvCxnSpPr>
+              <p:cNvPr id="30" name="Straight Arrow Connector 29">
+                <a:extLst>
+                  <a:ext uri="{FF2B5EF4-FFF2-40B4-BE49-F238E27FC236}">
+                    <a16:creationId xmlns:a16="http://schemas.microsoft.com/office/drawing/2014/main" id="{42E97A1E-47D7-ADC1-F8F9-462A785FA6F9}"/>
+                  </a:ext>
+                </a:extLst>
+              </p:cNvPr>
+              <p:cNvCxnSpPr/>
+              <p:nvPr/>
+            </p:nvCxnSpPr>
+            <p:spPr>
+              <a:xfrm>
+                <a:off x="1409700" y="1339850"/>
+                <a:ext cx="704850" cy="0"/>
+              </a:xfrm>
+              <a:prstGeom prst="straightConnector1">
+                <a:avLst/>
+              </a:prstGeom>
+              <a:ln w="31750">
+                <a:solidFill>
+                  <a:srgbClr val="FFFF00"/>
+                </a:solidFill>
+                <a:tailEnd type="triangle"/>
+              </a:ln>
+            </p:spPr>
+            <p:style>
+              <a:lnRef idx="1">
+                <a:schemeClr val="accent1"/>
+              </a:lnRef>
+              <a:fillRef idx="0">
+                <a:schemeClr val="accent1"/>
+              </a:fillRef>
+              <a:effectRef idx="0">
+                <a:schemeClr val="accent1"/>
+              </a:effectRef>
+              <a:fontRef idx="minor">
+                <a:schemeClr val="tx1"/>
+              </a:fontRef>
+            </p:style>
+          </p:cxnSp>
+          <p:cxnSp>
+            <p:nvCxnSpPr>
+              <p:cNvPr id="31" name="Straight Arrow Connector 30">
+                <a:extLst>
+                  <a:ext uri="{FF2B5EF4-FFF2-40B4-BE49-F238E27FC236}">
+                    <a16:creationId xmlns:a16="http://schemas.microsoft.com/office/drawing/2014/main" id="{D4C526CF-FA3C-A9A4-7D8C-FED13C9B1903}"/>
+                  </a:ext>
+                </a:extLst>
+              </p:cNvPr>
+              <p:cNvCxnSpPr/>
+              <p:nvPr/>
+            </p:nvCxnSpPr>
+            <p:spPr>
+              <a:xfrm>
+                <a:off x="2171700" y="1339850"/>
+                <a:ext cx="704850" cy="0"/>
+              </a:xfrm>
+              <a:prstGeom prst="straightConnector1">
+                <a:avLst/>
+              </a:prstGeom>
+              <a:ln w="31750">
+                <a:solidFill>
+                  <a:srgbClr val="FFFF00"/>
+                </a:solidFill>
+                <a:tailEnd type="triangle"/>
+              </a:ln>
+            </p:spPr>
+            <p:style>
+              <a:lnRef idx="1">
+                <a:schemeClr val="accent1"/>
+              </a:lnRef>
+              <a:fillRef idx="0">
+                <a:schemeClr val="accent1"/>
+              </a:fillRef>
+              <a:effectRef idx="0">
+                <a:schemeClr val="accent1"/>
+              </a:effectRef>
+              <a:fontRef idx="minor">
+                <a:schemeClr val="tx1"/>
+              </a:fontRef>
+            </p:style>
+          </p:cxnSp>
+          <p:cxnSp>
+            <p:nvCxnSpPr>
+              <p:cNvPr id="32" name="Straight Arrow Connector 31">
+                <a:extLst>
+                  <a:ext uri="{FF2B5EF4-FFF2-40B4-BE49-F238E27FC236}">
+                    <a16:creationId xmlns:a16="http://schemas.microsoft.com/office/drawing/2014/main" id="{86CAA567-35F7-8920-B9EC-E22A6EF42CE0}"/>
+                  </a:ext>
+                </a:extLst>
+              </p:cNvPr>
+              <p:cNvCxnSpPr/>
+              <p:nvPr/>
+            </p:nvCxnSpPr>
+            <p:spPr>
+              <a:xfrm>
+                <a:off x="2908300" y="1339850"/>
+                <a:ext cx="648000" cy="0"/>
+              </a:xfrm>
+              <a:prstGeom prst="straightConnector1">
+                <a:avLst/>
+              </a:prstGeom>
+              <a:ln w="31750">
+                <a:solidFill>
+                  <a:srgbClr val="FFFF00"/>
+                </a:solidFill>
+                <a:tailEnd type="triangle"/>
+              </a:ln>
+            </p:spPr>
+            <p:style>
+              <a:lnRef idx="1">
+                <a:schemeClr val="accent1"/>
+              </a:lnRef>
+              <a:fillRef idx="0">
+                <a:schemeClr val="accent1"/>
+              </a:fillRef>
+              <a:effectRef idx="0">
+                <a:schemeClr val="accent1"/>
+              </a:effectRef>
+              <a:fontRef idx="minor">
+                <a:schemeClr val="tx1"/>
+              </a:fontRef>
+            </p:style>
+          </p:cxnSp>
+          <p:cxnSp>
+            <p:nvCxnSpPr>
+              <p:cNvPr id="33" name="Straight Arrow Connector 32">
+                <a:extLst>
+                  <a:ext uri="{FF2B5EF4-FFF2-40B4-BE49-F238E27FC236}">
+                    <a16:creationId xmlns:a16="http://schemas.microsoft.com/office/drawing/2014/main" id="{52C50F1D-F291-894F-003D-F58548770AD0}"/>
+                  </a:ext>
+                </a:extLst>
+              </p:cNvPr>
+              <p:cNvCxnSpPr/>
+              <p:nvPr/>
+            </p:nvCxnSpPr>
+            <p:spPr>
+              <a:xfrm>
+                <a:off x="3581400" y="1339850"/>
+                <a:ext cx="704850" cy="0"/>
+              </a:xfrm>
+              <a:prstGeom prst="straightConnector1">
+                <a:avLst/>
+              </a:prstGeom>
+              <a:ln w="31750">
+                <a:solidFill>
+                  <a:srgbClr val="FFFF00"/>
+                </a:solidFill>
+                <a:tailEnd type="triangle"/>
+              </a:ln>
+            </p:spPr>
+            <p:style>
+              <a:lnRef idx="1">
+                <a:schemeClr val="accent1"/>
+              </a:lnRef>
+              <a:fillRef idx="0">
+                <a:schemeClr val="accent1"/>
+              </a:fillRef>
+              <a:effectRef idx="0">
+                <a:schemeClr val="accent1"/>
+              </a:effectRef>
+              <a:fontRef idx="minor">
+                <a:schemeClr val="tx1"/>
+              </a:fontRef>
+            </p:style>
+          </p:cxnSp>
+        </p:grpSp>
+        <p:sp>
+          <p:nvSpPr>
+            <p:cNvPr id="20" name="Text Box 60">
+              <a:extLst>
+                <a:ext uri="{FF2B5EF4-FFF2-40B4-BE49-F238E27FC236}">
+                  <a16:creationId xmlns:a16="http://schemas.microsoft.com/office/drawing/2014/main" id="{DE44383C-563F-1F69-6C6C-DF9087595CA4}"/>
+                </a:ext>
+              </a:extLst>
+            </p:cNvPr>
+            <p:cNvSpPr txBox="1"/>
+            <p:nvPr/>
+          </p:nvSpPr>
+          <p:spPr>
+            <a:xfrm>
+              <a:off x="755650" y="-1"/>
+              <a:ext cx="2381250" cy="330171"/>
+            </a:xfrm>
+            <a:prstGeom prst="rect">
+              <a:avLst/>
+            </a:prstGeom>
+            <a:solidFill>
+              <a:schemeClr val="lt1"/>
+            </a:solidFill>
+            <a:ln w="6350">
+              <a:solidFill>
+                <a:prstClr val="black"/>
+              </a:solidFill>
+            </a:ln>
+          </p:spPr>
+          <p:txBody>
+            <a:bodyPr rot="0" spcFirstLastPara="0" vert="horz" wrap="square" lIns="91440" tIns="45720" rIns="91440" bIns="45720" numCol="1" spcCol="0" rtlCol="0" fromWordArt="0" anchor="t" anchorCtr="0" forceAA="0" compatLnSpc="1">
+              <a:prstTxWarp prst="textNoShape">
+                <a:avLst/>
+              </a:prstTxWarp>
+              <a:noAutofit/>
+            </a:bodyPr>
+            <a:lstStyle/>
+            <a:p>
+              <a:pPr>
+                <a:lnSpc>
+                  <a:spcPct val="107000"/>
+                </a:lnSpc>
+                <a:spcAft>
+                  <a:spcPts val="800"/>
+                </a:spcAft>
+              </a:pPr>
+              <a:r>
+                <a:rPr lang="en-ID" sz="1200" kern="100" dirty="0" err="1">
+                  <a:effectLst/>
+                  <a:latin typeface="Times New Roman" panose="02020603050405020304" pitchFamily="18" charset="0"/>
+                  <a:ea typeface="Calibri" panose="020F0502020204030204" pitchFamily="34" charset="0"/>
+                  <a:cs typeface="Times New Roman" panose="02020603050405020304" pitchFamily="18" charset="0"/>
+                </a:rPr>
+                <a:t>Arah</a:t>
+              </a:r>
+              <a:r>
+                <a:rPr lang="en-ID" sz="1200" kern="100" dirty="0">
+                  <a:effectLst/>
+                  <a:latin typeface="Times New Roman" panose="02020603050405020304" pitchFamily="18" charset="0"/>
+                  <a:ea typeface="Calibri" panose="020F0502020204030204" pitchFamily="34" charset="0"/>
+                  <a:cs typeface="Times New Roman" panose="02020603050405020304" pitchFamily="18" charset="0"/>
+                </a:rPr>
+                <a:t> </a:t>
+              </a:r>
+              <a:r>
+                <a:rPr lang="en-ID" sz="1200" kern="100" dirty="0" err="1">
+                  <a:effectLst/>
+                  <a:latin typeface="Times New Roman" panose="02020603050405020304" pitchFamily="18" charset="0"/>
+                  <a:ea typeface="Calibri" panose="020F0502020204030204" pitchFamily="34" charset="0"/>
+                  <a:cs typeface="Times New Roman" panose="02020603050405020304" pitchFamily="18" charset="0"/>
+                </a:rPr>
+                <a:t>penjalaran</a:t>
+              </a:r>
+              <a:r>
+                <a:rPr lang="en-ID" sz="1200" kern="100" dirty="0">
+                  <a:effectLst/>
+                  <a:latin typeface="Times New Roman" panose="02020603050405020304" pitchFamily="18" charset="0"/>
+                  <a:ea typeface="Calibri" panose="020F0502020204030204" pitchFamily="34" charset="0"/>
+                  <a:cs typeface="Times New Roman" panose="02020603050405020304" pitchFamily="18" charset="0"/>
+                </a:rPr>
+                <a:t> </a:t>
+              </a:r>
+              <a:r>
+                <a:rPr lang="en-ID" sz="1200" kern="100" dirty="0" err="1">
+                  <a:effectLst/>
+                  <a:latin typeface="Times New Roman" panose="02020603050405020304" pitchFamily="18" charset="0"/>
+                  <a:ea typeface="Calibri" panose="020F0502020204030204" pitchFamily="34" charset="0"/>
+                  <a:cs typeface="Times New Roman" panose="02020603050405020304" pitchFamily="18" charset="0"/>
+                </a:rPr>
+                <a:t>gelombang</a:t>
+              </a:r>
+              <a:r>
+                <a:rPr lang="en-ID" sz="1200" kern="100" dirty="0">
+                  <a:effectLst/>
+                  <a:latin typeface="Times New Roman" panose="02020603050405020304" pitchFamily="18" charset="0"/>
+                  <a:ea typeface="Calibri" panose="020F0502020204030204" pitchFamily="34" charset="0"/>
+                  <a:cs typeface="Times New Roman" panose="02020603050405020304" pitchFamily="18" charset="0"/>
+                </a:rPr>
+                <a:t> (</a:t>
+              </a:r>
+              <a:r>
+                <a:rPr lang="en-ID" sz="1200" kern="100" dirty="0" err="1">
+                  <a:effectLst/>
+                  <a:latin typeface="Times New Roman" panose="02020603050405020304" pitchFamily="18" charset="0"/>
+                  <a:ea typeface="Calibri" panose="020F0502020204030204" pitchFamily="34" charset="0"/>
+                  <a:cs typeface="Times New Roman" panose="02020603050405020304" pitchFamily="18" charset="0"/>
+                </a:rPr>
+                <a:t>sinar</a:t>
+              </a:r>
+              <a:r>
+                <a:rPr lang="en-ID" sz="1200" kern="100" dirty="0">
+                  <a:effectLst/>
+                  <a:latin typeface="Times New Roman" panose="02020603050405020304" pitchFamily="18" charset="0"/>
+                  <a:ea typeface="Calibri" panose="020F0502020204030204" pitchFamily="34" charset="0"/>
+                  <a:cs typeface="Times New Roman" panose="02020603050405020304" pitchFamily="18" charset="0"/>
+                </a:rPr>
+                <a:t>)</a:t>
+              </a:r>
+            </a:p>
+          </p:txBody>
+        </p:sp>
+        <p:cxnSp>
+          <p:nvCxnSpPr>
+            <p:cNvPr id="21" name="Straight Arrow Connector 20">
+              <a:extLst>
+                <a:ext uri="{FF2B5EF4-FFF2-40B4-BE49-F238E27FC236}">
+                  <a16:creationId xmlns:a16="http://schemas.microsoft.com/office/drawing/2014/main" id="{FE837724-B7FB-B6FF-21E0-4024D69A6F38}"/>
+                </a:ext>
+              </a:extLst>
+            </p:cNvPr>
+            <p:cNvCxnSpPr/>
+            <p:nvPr/>
+          </p:nvCxnSpPr>
+          <p:spPr>
+            <a:xfrm>
+              <a:off x="393700" y="368300"/>
+              <a:ext cx="3022600" cy="0"/>
+            </a:xfrm>
+            <a:prstGeom prst="straightConnector1">
+              <a:avLst/>
+            </a:prstGeom>
+            <a:ln w="31750">
+              <a:solidFill>
+                <a:srgbClr val="FFFF00"/>
+              </a:solidFill>
+              <a:tailEnd type="triangle"/>
+            </a:ln>
+          </p:spPr>
+          <p:style>
+            <a:lnRef idx="1">
+              <a:schemeClr val="accent1"/>
+            </a:lnRef>
+            <a:fillRef idx="0">
+              <a:schemeClr val="accent1"/>
+            </a:fillRef>
+            <a:effectRef idx="0">
+              <a:schemeClr val="accent1"/>
+            </a:effectRef>
+            <a:fontRef idx="minor">
+              <a:schemeClr val="tx1"/>
+            </a:fontRef>
+          </p:style>
+        </p:cxnSp>
+        <p:sp>
+          <p:nvSpPr>
+            <p:cNvPr id="22" name="Text Box 60">
+              <a:extLst>
+                <a:ext uri="{FF2B5EF4-FFF2-40B4-BE49-F238E27FC236}">
+                  <a16:creationId xmlns:a16="http://schemas.microsoft.com/office/drawing/2014/main" id="{13009E29-AC02-C491-1641-80D31FB968D4}"/>
+                </a:ext>
+              </a:extLst>
+            </p:cNvPr>
+            <p:cNvSpPr txBox="1"/>
+            <p:nvPr/>
+          </p:nvSpPr>
+          <p:spPr>
+            <a:xfrm>
+              <a:off x="1384300" y="3263900"/>
+              <a:ext cx="2012950" cy="311150"/>
+            </a:xfrm>
+            <a:prstGeom prst="rect">
+              <a:avLst/>
+            </a:prstGeom>
+            <a:solidFill>
+              <a:schemeClr val="lt1"/>
+            </a:solidFill>
+            <a:ln w="6350">
+              <a:solidFill>
+                <a:prstClr val="black"/>
+              </a:solidFill>
+            </a:ln>
+          </p:spPr>
+          <p:txBody>
+            <a:bodyPr rot="0" spcFirstLastPara="0" vert="horz" wrap="square" lIns="91440" tIns="45720" rIns="91440" bIns="45720" numCol="1" spcCol="0" rtlCol="0" fromWordArt="0" anchor="t" anchorCtr="0" forceAA="0" compatLnSpc="1">
+              <a:prstTxWarp prst="textNoShape">
+                <a:avLst/>
+              </a:prstTxWarp>
+              <a:noAutofit/>
+            </a:bodyPr>
+            <a:lstStyle/>
+            <a:p>
+              <a:pPr>
+                <a:lnSpc>
+                  <a:spcPct val="107000"/>
+                </a:lnSpc>
+                <a:spcAft>
+                  <a:spcPts val="800"/>
+                </a:spcAft>
+              </a:pPr>
+              <a:r>
+                <a:rPr lang="en-ID" sz="1200" kern="100">
+                  <a:effectLst/>
+                  <a:latin typeface="Times New Roman" panose="02020603050405020304" pitchFamily="18" charset="0"/>
+                  <a:ea typeface="Calibri" panose="020F0502020204030204" pitchFamily="34" charset="0"/>
+                  <a:cs typeface="Times New Roman" panose="02020603050405020304" pitchFamily="18" charset="0"/>
+                </a:rPr>
+                <a:t>Muka gelombang (</a:t>
+              </a:r>
+              <a:r>
+                <a:rPr lang="en-ID" sz="1200" i="1" kern="100">
+                  <a:effectLst/>
+                  <a:latin typeface="Times New Roman" panose="02020603050405020304" pitchFamily="18" charset="0"/>
+                  <a:ea typeface="Calibri" panose="020F0502020204030204" pitchFamily="34" charset="0"/>
+                  <a:cs typeface="Times New Roman" panose="02020603050405020304" pitchFamily="18" charset="0"/>
+                </a:rPr>
+                <a:t>wavefront</a:t>
+              </a:r>
+              <a:r>
+                <a:rPr lang="en-ID" sz="1200" kern="100">
+                  <a:effectLst/>
+                  <a:latin typeface="Times New Roman" panose="02020603050405020304" pitchFamily="18" charset="0"/>
+                  <a:ea typeface="Calibri" panose="020F0502020204030204" pitchFamily="34" charset="0"/>
+                  <a:cs typeface="Times New Roman" panose="02020603050405020304" pitchFamily="18" charset="0"/>
+                </a:rPr>
+                <a:t>)</a:t>
+              </a:r>
+            </a:p>
+          </p:txBody>
+        </p:sp>
+        <p:cxnSp>
+          <p:nvCxnSpPr>
+            <p:cNvPr id="23" name="Straight Arrow Connector 22">
+              <a:extLst>
+                <a:ext uri="{FF2B5EF4-FFF2-40B4-BE49-F238E27FC236}">
+                  <a16:creationId xmlns:a16="http://schemas.microsoft.com/office/drawing/2014/main" id="{FD6CDC06-AED5-963E-1A51-5B11424E0786}"/>
+                </a:ext>
+              </a:extLst>
+            </p:cNvPr>
+            <p:cNvCxnSpPr/>
+            <p:nvPr/>
+          </p:nvCxnSpPr>
+          <p:spPr>
+            <a:xfrm flipH="1" flipV="1">
+              <a:off x="857250" y="3016250"/>
+              <a:ext cx="1498600" cy="247650"/>
+            </a:xfrm>
+            <a:prstGeom prst="straightConnector1">
+              <a:avLst/>
+            </a:prstGeom>
+            <a:ln w="25400">
+              <a:solidFill>
+                <a:schemeClr val="accent2"/>
+              </a:solidFill>
+              <a:tailEnd type="triangle"/>
+            </a:ln>
+          </p:spPr>
+          <p:style>
+            <a:lnRef idx="1">
+              <a:schemeClr val="accent1"/>
+            </a:lnRef>
+            <a:fillRef idx="0">
+              <a:schemeClr val="accent1"/>
+            </a:fillRef>
+            <a:effectRef idx="0">
+              <a:schemeClr val="accent1"/>
+            </a:effectRef>
+            <a:fontRef idx="minor">
+              <a:schemeClr val="tx1"/>
+            </a:fontRef>
+          </p:style>
+        </p:cxnSp>
+        <p:cxnSp>
+          <p:nvCxnSpPr>
+            <p:cNvPr id="24" name="Straight Arrow Connector 23">
+              <a:extLst>
+                <a:ext uri="{FF2B5EF4-FFF2-40B4-BE49-F238E27FC236}">
+                  <a16:creationId xmlns:a16="http://schemas.microsoft.com/office/drawing/2014/main" id="{016548E5-7328-A3A3-F125-4080705C0A4B}"/>
+                </a:ext>
+              </a:extLst>
+            </p:cNvPr>
+            <p:cNvCxnSpPr/>
+            <p:nvPr/>
+          </p:nvCxnSpPr>
+          <p:spPr>
+            <a:xfrm flipH="1" flipV="1">
+              <a:off x="1670050" y="3067050"/>
+              <a:ext cx="647700" cy="196215"/>
+            </a:xfrm>
+            <a:prstGeom prst="straightConnector1">
+              <a:avLst/>
+            </a:prstGeom>
+            <a:ln w="25400">
+              <a:solidFill>
+                <a:schemeClr val="accent2"/>
+              </a:solidFill>
+              <a:tailEnd type="triangle"/>
+            </a:ln>
+          </p:spPr>
+          <p:style>
+            <a:lnRef idx="1">
+              <a:schemeClr val="accent1"/>
+            </a:lnRef>
+            <a:fillRef idx="0">
+              <a:schemeClr val="accent1"/>
+            </a:fillRef>
+            <a:effectRef idx="0">
+              <a:schemeClr val="accent1"/>
+            </a:effectRef>
+            <a:fontRef idx="minor">
+              <a:schemeClr val="tx1"/>
+            </a:fontRef>
+          </p:style>
+        </p:cxnSp>
+        <p:cxnSp>
+          <p:nvCxnSpPr>
+            <p:cNvPr id="25" name="Straight Arrow Connector 24">
+              <a:extLst>
+                <a:ext uri="{FF2B5EF4-FFF2-40B4-BE49-F238E27FC236}">
+                  <a16:creationId xmlns:a16="http://schemas.microsoft.com/office/drawing/2014/main" id="{CEA5A5DF-038B-0215-3CF0-F4B5C05B544A}"/>
+                </a:ext>
+              </a:extLst>
+            </p:cNvPr>
+            <p:cNvCxnSpPr/>
+            <p:nvPr/>
+          </p:nvCxnSpPr>
+          <p:spPr>
+            <a:xfrm flipV="1">
+              <a:off x="2317750" y="3016250"/>
+              <a:ext cx="95885" cy="247015"/>
+            </a:xfrm>
+            <a:prstGeom prst="straightConnector1">
+              <a:avLst/>
+            </a:prstGeom>
+            <a:ln w="25400">
+              <a:solidFill>
+                <a:schemeClr val="accent2"/>
+              </a:solidFill>
+              <a:tailEnd type="triangle"/>
+            </a:ln>
+          </p:spPr>
+          <p:style>
+            <a:lnRef idx="1">
+              <a:schemeClr val="accent1"/>
+            </a:lnRef>
+            <a:fillRef idx="0">
+              <a:schemeClr val="accent1"/>
+            </a:fillRef>
+            <a:effectRef idx="0">
+              <a:schemeClr val="accent1"/>
+            </a:effectRef>
+            <a:fontRef idx="minor">
+              <a:schemeClr val="tx1"/>
+            </a:fontRef>
+          </p:style>
+        </p:cxnSp>
+        <p:cxnSp>
+          <p:nvCxnSpPr>
+            <p:cNvPr id="26" name="Straight Arrow Connector 25">
+              <a:extLst>
+                <a:ext uri="{FF2B5EF4-FFF2-40B4-BE49-F238E27FC236}">
+                  <a16:creationId xmlns:a16="http://schemas.microsoft.com/office/drawing/2014/main" id="{4A2BB4BF-4E2E-6F2F-2B98-A7E70A995080}"/>
+                </a:ext>
+              </a:extLst>
+            </p:cNvPr>
+            <p:cNvCxnSpPr/>
+            <p:nvPr/>
+          </p:nvCxnSpPr>
+          <p:spPr>
+            <a:xfrm flipV="1">
+              <a:off x="2247900" y="2965450"/>
+              <a:ext cx="889000" cy="298450"/>
+            </a:xfrm>
+            <a:prstGeom prst="straightConnector1">
+              <a:avLst/>
+            </a:prstGeom>
+            <a:ln w="25400">
+              <a:solidFill>
+                <a:schemeClr val="accent2"/>
+              </a:solidFill>
+              <a:tailEnd type="triangle"/>
+            </a:ln>
+          </p:spPr>
+          <p:style>
+            <a:lnRef idx="1">
+              <a:schemeClr val="accent1"/>
+            </a:lnRef>
+            <a:fillRef idx="0">
+              <a:schemeClr val="accent1"/>
+            </a:fillRef>
+            <a:effectRef idx="0">
+              <a:schemeClr val="accent1"/>
+            </a:effectRef>
+            <a:fontRef idx="minor">
+              <a:schemeClr val="tx1"/>
+            </a:fontRef>
+          </p:style>
+        </p:cxnSp>
+        <p:cxnSp>
+          <p:nvCxnSpPr>
+            <p:cNvPr id="27" name="Straight Arrow Connector 26">
+              <a:extLst>
+                <a:ext uri="{FF2B5EF4-FFF2-40B4-BE49-F238E27FC236}">
+                  <a16:creationId xmlns:a16="http://schemas.microsoft.com/office/drawing/2014/main" id="{52099AB1-0C83-9F74-FB56-CBECD3AB22A9}"/>
+                </a:ext>
+              </a:extLst>
+            </p:cNvPr>
+            <p:cNvCxnSpPr/>
+            <p:nvPr/>
+          </p:nvCxnSpPr>
+          <p:spPr>
+            <a:xfrm flipV="1">
+              <a:off x="2247900" y="3016250"/>
+              <a:ext cx="1568450" cy="247650"/>
+            </a:xfrm>
+            <a:prstGeom prst="straightConnector1">
+              <a:avLst/>
+            </a:prstGeom>
+            <a:ln w="25400">
+              <a:solidFill>
+                <a:schemeClr val="accent2"/>
+              </a:solidFill>
+              <a:tailEnd type="triangle"/>
+            </a:ln>
+          </p:spPr>
+          <p:style>
+            <a:lnRef idx="1">
+              <a:schemeClr val="accent1"/>
+            </a:lnRef>
+            <a:fillRef idx="0">
+              <a:schemeClr val="accent1"/>
+            </a:fillRef>
+            <a:effectRef idx="0">
+              <a:schemeClr val="accent1"/>
+            </a:effectRef>
+            <a:fontRef idx="minor">
+              <a:schemeClr val="tx1"/>
+            </a:fontRef>
+          </p:style>
+        </p:cxnSp>
+      </p:grpSp>
+    </p:spTree>
+    <p:extLst>
+      <p:ext uri="{BB962C8B-B14F-4D97-AF65-F5344CB8AC3E}">
+        <p14:creationId xmlns:p14="http://schemas.microsoft.com/office/powerpoint/2010/main" val="901863644"/>
+      </p:ext>
+    </p:extLst>
+  </p:cSld>
+  <p:clrMapOvr>
+    <a:masterClrMapping/>
+  </p:clrMapOvr>
+</p:sld>
+</file>
+
+<file path=ppt/slides/slide11.xml><?xml version="1.0" encoding="utf-8"?>
 <p:sld xmlns:a="http://schemas.openxmlformats.org/drawingml/2006/main" xmlns:r="http://schemas.openxmlformats.org/officeDocument/2006/relationships" xmlns:p="http://schemas.openxmlformats.org/presentationml/2006/main">
   <p:cSld>
     <p:spTree>
@@ -4904,7 +7429,7 @@
 </p:sld>
 </file>
 
-<file path=ppt/slides/slide11.xml><?xml version="1.0" encoding="utf-8"?>
+<file path=ppt/slides/slide12.xml><?xml version="1.0" encoding="utf-8"?>
 <p:sld xmlns:a="http://schemas.openxmlformats.org/drawingml/2006/main" xmlns:r="http://schemas.openxmlformats.org/officeDocument/2006/relationships" xmlns:p="http://schemas.openxmlformats.org/presentationml/2006/main">
   <p:cSld>
     <p:spTree>
@@ -11154,6 +13679,1763 @@
       </p:grpSpPr>
       <p:grpSp>
         <p:nvGrpSpPr>
+          <p:cNvPr id="57" name="Group 56">
+            <a:extLst>
+              <a:ext uri="{FF2B5EF4-FFF2-40B4-BE49-F238E27FC236}">
+                <a16:creationId xmlns:a16="http://schemas.microsoft.com/office/drawing/2014/main" id="{B7083AB9-1518-B63F-AC1D-F05FD5B92E07}"/>
+              </a:ext>
+            </a:extLst>
+          </p:cNvPr>
+          <p:cNvGrpSpPr/>
+          <p:nvPr/>
+        </p:nvGrpSpPr>
+        <p:grpSpPr>
+          <a:xfrm>
+            <a:off x="1142987" y="0"/>
+            <a:ext cx="9975486" cy="6858000"/>
+            <a:chOff x="1142987" y="0"/>
+            <a:chExt cx="9975486" cy="6858000"/>
+          </a:xfrm>
+        </p:grpSpPr>
+        <p:grpSp>
+          <p:nvGrpSpPr>
+            <p:cNvPr id="36" name="Group 35">
+              <a:extLst>
+                <a:ext uri="{FF2B5EF4-FFF2-40B4-BE49-F238E27FC236}">
+                  <a16:creationId xmlns:a16="http://schemas.microsoft.com/office/drawing/2014/main" id="{D89CB1A4-699B-67C6-B95E-A7B57B5314EA}"/>
+                </a:ext>
+              </a:extLst>
+            </p:cNvPr>
+            <p:cNvGrpSpPr/>
+            <p:nvPr/>
+          </p:nvGrpSpPr>
+          <p:grpSpPr>
+            <a:xfrm>
+              <a:off x="1142987" y="0"/>
+              <a:ext cx="9975486" cy="6858000"/>
+              <a:chOff x="2808158" y="0"/>
+              <a:chExt cx="9975486" cy="6858000"/>
+            </a:xfrm>
+          </p:grpSpPr>
+          <p:grpSp>
+            <p:nvGrpSpPr>
+              <p:cNvPr id="27" name="Group 26">
+                <a:extLst>
+                  <a:ext uri="{FF2B5EF4-FFF2-40B4-BE49-F238E27FC236}">
+                    <a16:creationId xmlns:a16="http://schemas.microsoft.com/office/drawing/2014/main" id="{694FE933-B069-28CB-4A21-C4C372F48571}"/>
+                  </a:ext>
+                </a:extLst>
+              </p:cNvPr>
+              <p:cNvGrpSpPr/>
+              <p:nvPr/>
+            </p:nvGrpSpPr>
+            <p:grpSpPr>
+              <a:xfrm>
+                <a:off x="2808158" y="0"/>
+                <a:ext cx="9975486" cy="6858000"/>
+                <a:chOff x="2808158" y="0"/>
+                <a:chExt cx="9975486" cy="6858000"/>
+              </a:xfrm>
+            </p:grpSpPr>
+            <p:grpSp>
+              <p:nvGrpSpPr>
+                <p:cNvPr id="2" name="Group 1">
+                  <a:extLst>
+                    <a:ext uri="{FF2B5EF4-FFF2-40B4-BE49-F238E27FC236}">
+                      <a16:creationId xmlns:a16="http://schemas.microsoft.com/office/drawing/2014/main" id="{86A5D5CD-27DB-6F68-2CB1-84ADBC676088}"/>
+                    </a:ext>
+                  </a:extLst>
+                </p:cNvPr>
+                <p:cNvGrpSpPr/>
+                <p:nvPr/>
+              </p:nvGrpSpPr>
+              <p:grpSpPr>
+                <a:xfrm>
+                  <a:off x="2808158" y="0"/>
+                  <a:ext cx="9754663" cy="6858000"/>
+                  <a:chOff x="709173" y="0"/>
+                  <a:chExt cx="9754663" cy="6858000"/>
+                </a:xfrm>
+              </p:grpSpPr>
+              <p:sp>
+                <p:nvSpPr>
+                  <p:cNvPr id="3" name="Arc 5" descr="Dark downward diagonal">
+                    <a:extLst>
+                      <a:ext uri="{FF2B5EF4-FFF2-40B4-BE49-F238E27FC236}">
+                        <a16:creationId xmlns:a16="http://schemas.microsoft.com/office/drawing/2014/main" id="{31425469-D3D8-0B5F-1B7D-A06CDFC0D208}"/>
+                      </a:ext>
+                    </a:extLst>
+                  </p:cNvPr>
+                  <p:cNvSpPr>
+                    <a:spLocks/>
+                  </p:cNvSpPr>
+                  <p:nvPr/>
+                </p:nvSpPr>
+                <p:spPr bwMode="auto">
+                  <a:xfrm rot="16200000">
+                    <a:off x="3830342" y="1578271"/>
+                    <a:ext cx="6408738" cy="3774479"/>
+                  </a:xfrm>
+                  <a:custGeom>
+                    <a:avLst/>
+                    <a:gdLst>
+                      <a:gd name="T0" fmla="*/ 0 w 43142"/>
+                      <a:gd name="T1" fmla="*/ 205 h 21600"/>
+                      <a:gd name="T2" fmla="*/ 378 w 43142"/>
+                      <a:gd name="T3" fmla="*/ 202 h 21600"/>
+                      <a:gd name="T4" fmla="*/ 189 w 43142"/>
+                      <a:gd name="T5" fmla="*/ 215 h 21600"/>
+                      <a:gd name="T6" fmla="*/ 0 60000 65536"/>
+                      <a:gd name="T7" fmla="*/ 0 60000 65536"/>
+                      <a:gd name="T8" fmla="*/ 0 60000 65536"/>
+                      <a:gd name="T9" fmla="*/ 0 w 43142"/>
+                      <a:gd name="T10" fmla="*/ 0 h 21600"/>
+                      <a:gd name="T11" fmla="*/ 43142 w 43142"/>
+                      <a:gd name="T12" fmla="*/ 21600 h 21600"/>
+                    </a:gdLst>
+                    <a:ahLst/>
+                    <a:cxnLst>
+                      <a:cxn ang="T6">
+                        <a:pos x="T0" y="T1"/>
+                      </a:cxn>
+                      <a:cxn ang="T7">
+                        <a:pos x="T2" y="T3"/>
+                      </a:cxn>
+                      <a:cxn ang="T8">
+                        <a:pos x="T4" y="T5"/>
+                      </a:cxn>
+                    </a:cxnLst>
+                    <a:rect l="T9" t="T10" r="T11" b="T12"/>
+                    <a:pathLst>
+                      <a:path w="43142" h="21600" fill="none" extrusionOk="0">
+                        <a:moveTo>
+                          <a:pt x="-1" y="20635"/>
+                        </a:moveTo>
+                        <a:cubicBezTo>
+                          <a:pt x="515" y="9093"/>
+                          <a:pt x="10023" y="-1"/>
+                          <a:pt x="21578" y="0"/>
+                        </a:cubicBezTo>
+                        <a:cubicBezTo>
+                          <a:pt x="33022" y="0"/>
+                          <a:pt x="42481" y="8927"/>
+                          <a:pt x="43141" y="20353"/>
+                        </a:cubicBezTo>
+                      </a:path>
+                      <a:path w="43142" h="21600" stroke="0" extrusionOk="0">
+                        <a:moveTo>
+                          <a:pt x="-1" y="20635"/>
+                        </a:moveTo>
+                        <a:cubicBezTo>
+                          <a:pt x="515" y="9093"/>
+                          <a:pt x="10023" y="-1"/>
+                          <a:pt x="21578" y="0"/>
+                        </a:cubicBezTo>
+                        <a:cubicBezTo>
+                          <a:pt x="33022" y="0"/>
+                          <a:pt x="42481" y="8927"/>
+                          <a:pt x="43141" y="20353"/>
+                        </a:cubicBezTo>
+                        <a:lnTo>
+                          <a:pt x="21578" y="21600"/>
+                        </a:lnTo>
+                        <a:close/>
+                      </a:path>
+                    </a:pathLst>
+                  </a:custGeom>
+                  <a:pattFill prst="dkDnDiag">
+                    <a:fgClr>
+                      <a:srgbClr val="9999FF"/>
+                    </a:fgClr>
+                    <a:bgClr>
+                      <a:schemeClr val="bg1"/>
+                    </a:bgClr>
+                  </a:pattFill>
+                  <a:ln w="50800">
+                    <a:gradFill>
+                      <a:gsLst>
+                        <a:gs pos="44000">
+                          <a:schemeClr val="accent1">
+                            <a:lumMod val="99000"/>
+                            <a:lumOff val="1000"/>
+                          </a:schemeClr>
+                        </a:gs>
+                        <a:gs pos="76000">
+                          <a:schemeClr val="accent1">
+                            <a:lumMod val="45000"/>
+                            <a:lumOff val="55000"/>
+                          </a:schemeClr>
+                        </a:gs>
+                        <a:gs pos="100000">
+                          <a:schemeClr val="accent1">
+                            <a:lumMod val="45000"/>
+                            <a:lumOff val="55000"/>
+                          </a:schemeClr>
+                        </a:gs>
+                      </a:gsLst>
+                      <a:lin ang="5400000" scaled="1"/>
+                    </a:gradFill>
+                    <a:round/>
+                    <a:headEnd/>
+                    <a:tailEnd/>
+                  </a:ln>
+                </p:spPr>
+                <p:txBody>
+                  <a:bodyPr wrap="none" anchor="ctr"/>
+                  <a:lstStyle/>
+                  <a:p>
+                    <a:endParaRPr lang="id-ID" dirty="0"/>
+                  </a:p>
+                </p:txBody>
+              </p:sp>
+              <p:sp>
+                <p:nvSpPr>
+                  <p:cNvPr id="4" name="Arc 6">
+                    <a:extLst>
+                      <a:ext uri="{FF2B5EF4-FFF2-40B4-BE49-F238E27FC236}">
+                        <a16:creationId xmlns:a16="http://schemas.microsoft.com/office/drawing/2014/main" id="{F7053F89-CFF5-F727-C780-24464E1084A3}"/>
+                      </a:ext>
+                    </a:extLst>
+                  </p:cNvPr>
+                  <p:cNvSpPr>
+                    <a:spLocks/>
+                  </p:cNvSpPr>
+                  <p:nvPr/>
+                </p:nvSpPr>
+                <p:spPr bwMode="auto">
+                  <a:xfrm rot="16200000">
+                    <a:off x="4264921" y="1646929"/>
+                    <a:ext cx="5905500" cy="3562553"/>
+                  </a:xfrm>
+                  <a:custGeom>
+                    <a:avLst/>
+                    <a:gdLst>
+                      <a:gd name="T0" fmla="*/ 0 w 43142"/>
+                      <a:gd name="T1" fmla="*/ 184 h 21600"/>
+                      <a:gd name="T2" fmla="*/ 321 w 43142"/>
+                      <a:gd name="T3" fmla="*/ 182 h 21600"/>
+                      <a:gd name="T4" fmla="*/ 160 w 43142"/>
+                      <a:gd name="T5" fmla="*/ 193 h 21600"/>
+                      <a:gd name="T6" fmla="*/ 0 60000 65536"/>
+                      <a:gd name="T7" fmla="*/ 0 60000 65536"/>
+                      <a:gd name="T8" fmla="*/ 0 60000 65536"/>
+                      <a:gd name="T9" fmla="*/ 0 w 43142"/>
+                      <a:gd name="T10" fmla="*/ 0 h 21600"/>
+                      <a:gd name="T11" fmla="*/ 43142 w 43142"/>
+                      <a:gd name="T12" fmla="*/ 21600 h 21600"/>
+                    </a:gdLst>
+                    <a:ahLst/>
+                    <a:cxnLst>
+                      <a:cxn ang="T6">
+                        <a:pos x="T0" y="T1"/>
+                      </a:cxn>
+                      <a:cxn ang="T7">
+                        <a:pos x="T2" y="T3"/>
+                      </a:cxn>
+                      <a:cxn ang="T8">
+                        <a:pos x="T4" y="T5"/>
+                      </a:cxn>
+                    </a:cxnLst>
+                    <a:rect l="T9" t="T10" r="T11" b="T12"/>
+                    <a:pathLst>
+                      <a:path w="43142" h="21600" fill="none" extrusionOk="0">
+                        <a:moveTo>
+                          <a:pt x="-1" y="20635"/>
+                        </a:moveTo>
+                        <a:cubicBezTo>
+                          <a:pt x="515" y="9093"/>
+                          <a:pt x="10023" y="-1"/>
+                          <a:pt x="21578" y="0"/>
+                        </a:cubicBezTo>
+                        <a:cubicBezTo>
+                          <a:pt x="33022" y="0"/>
+                          <a:pt x="42481" y="8927"/>
+                          <a:pt x="43141" y="20353"/>
+                        </a:cubicBezTo>
+                      </a:path>
+                      <a:path w="43142" h="21600" stroke="0" extrusionOk="0">
+                        <a:moveTo>
+                          <a:pt x="-1" y="20635"/>
+                        </a:moveTo>
+                        <a:cubicBezTo>
+                          <a:pt x="515" y="9093"/>
+                          <a:pt x="10023" y="-1"/>
+                          <a:pt x="21578" y="0"/>
+                        </a:cubicBezTo>
+                        <a:cubicBezTo>
+                          <a:pt x="33022" y="0"/>
+                          <a:pt x="42481" y="8927"/>
+                          <a:pt x="43141" y="20353"/>
+                        </a:cubicBezTo>
+                        <a:lnTo>
+                          <a:pt x="21578" y="21600"/>
+                        </a:lnTo>
+                        <a:close/>
+                      </a:path>
+                    </a:pathLst>
+                  </a:custGeom>
+                  <a:solidFill>
+                    <a:schemeClr val="tx1"/>
+                  </a:solidFill>
+                  <a:ln w="9525">
+                    <a:noFill/>
+                    <a:round/>
+                    <a:headEnd/>
+                    <a:tailEnd/>
+                  </a:ln>
+                </p:spPr>
+                <p:txBody>
+                  <a:bodyPr wrap="none" anchor="ctr"/>
+                  <a:lstStyle/>
+                  <a:p>
+                    <a:endParaRPr lang="id-ID" dirty="0"/>
+                  </a:p>
+                </p:txBody>
+              </p:sp>
+              <p:sp>
+                <p:nvSpPr>
+                  <p:cNvPr id="5" name="Line 7">
+                    <a:extLst>
+                      <a:ext uri="{FF2B5EF4-FFF2-40B4-BE49-F238E27FC236}">
+                        <a16:creationId xmlns:a16="http://schemas.microsoft.com/office/drawing/2014/main" id="{BD8F62D7-1520-E2A1-A484-7C0F7F6543B5}"/>
+                      </a:ext>
+                    </a:extLst>
+                  </p:cNvPr>
+                  <p:cNvSpPr>
+                    <a:spLocks noChangeShapeType="1"/>
+                  </p:cNvSpPr>
+                  <p:nvPr/>
+                </p:nvSpPr>
+                <p:spPr bwMode="auto">
+                  <a:xfrm rot="5400000">
+                    <a:off x="5576679" y="-1602621"/>
+                    <a:ext cx="19652" cy="9754663"/>
+                  </a:xfrm>
+                  <a:prstGeom prst="line">
+                    <a:avLst/>
+                  </a:prstGeom>
+                  <a:noFill/>
+                  <a:ln w="28575">
+                    <a:solidFill>
+                      <a:srgbClr val="FF0000"/>
+                    </a:solidFill>
+                    <a:prstDash val="dash"/>
+                    <a:round/>
+                    <a:headEnd/>
+                    <a:tailEnd/>
+                  </a:ln>
+                </p:spPr>
+                <p:txBody>
+                  <a:bodyPr/>
+                  <a:lstStyle/>
+                  <a:p>
+                    <a:endParaRPr lang="id-ID"/>
+                  </a:p>
+                </p:txBody>
+              </p:sp>
+              <p:sp>
+                <p:nvSpPr>
+                  <p:cNvPr id="6" name="Line 8">
+                    <a:extLst>
+                      <a:ext uri="{FF2B5EF4-FFF2-40B4-BE49-F238E27FC236}">
+                        <a16:creationId xmlns:a16="http://schemas.microsoft.com/office/drawing/2014/main" id="{50DFAF2A-5BF8-1C47-54AB-EC7572A17D5E}"/>
+                      </a:ext>
+                    </a:extLst>
+                  </p:cNvPr>
+                  <p:cNvSpPr>
+                    <a:spLocks noChangeShapeType="1"/>
+                  </p:cNvSpPr>
+                  <p:nvPr/>
+                </p:nvSpPr>
+                <p:spPr bwMode="auto">
+                  <a:xfrm>
+                    <a:off x="8532813" y="0"/>
+                    <a:ext cx="0" cy="6858000"/>
+                  </a:xfrm>
+                  <a:prstGeom prst="line">
+                    <a:avLst/>
+                  </a:prstGeom>
+                  <a:noFill/>
+                  <a:ln w="9525">
+                    <a:solidFill>
+                      <a:schemeClr val="tx1"/>
+                    </a:solidFill>
+                    <a:prstDash val="dash"/>
+                    <a:round/>
+                    <a:headEnd/>
+                    <a:tailEnd/>
+                  </a:ln>
+                </p:spPr>
+                <p:txBody>
+                  <a:bodyPr/>
+                  <a:lstStyle/>
+                  <a:p>
+                    <a:endParaRPr lang="id-ID"/>
+                  </a:p>
+                </p:txBody>
+              </p:sp>
+            </p:grpSp>
+            <p:sp>
+              <p:nvSpPr>
+                <p:cNvPr id="14" name="Flowchart: Connector 13">
+                  <a:extLst>
+                    <a:ext uri="{FF2B5EF4-FFF2-40B4-BE49-F238E27FC236}">
+                      <a16:creationId xmlns:a16="http://schemas.microsoft.com/office/drawing/2014/main" id="{DFE787B1-9BF5-4279-051E-DF3487C6327F}"/>
+                    </a:ext>
+                  </a:extLst>
+                </p:cNvPr>
+                <p:cNvSpPr/>
+                <p:nvPr/>
+              </p:nvSpPr>
+              <p:spPr>
+                <a:xfrm>
+                  <a:off x="5442846" y="3202472"/>
+                  <a:ext cx="144000" cy="144463"/>
+                </a:xfrm>
+                <a:prstGeom prst="flowChartConnector">
+                  <a:avLst/>
+                </a:prstGeom>
+                <a:solidFill>
+                  <a:srgbClr val="FFC000"/>
+                </a:solidFill>
+              </p:spPr>
+              <p:style>
+                <a:lnRef idx="2">
+                  <a:schemeClr val="accent1">
+                    <a:shade val="15000"/>
+                  </a:schemeClr>
+                </a:lnRef>
+                <a:fillRef idx="1">
+                  <a:schemeClr val="accent1"/>
+                </a:fillRef>
+                <a:effectRef idx="0">
+                  <a:schemeClr val="accent1"/>
+                </a:effectRef>
+                <a:fontRef idx="minor">
+                  <a:schemeClr val="lt1"/>
+                </a:fontRef>
+              </p:style>
+              <p:txBody>
+                <a:bodyPr rtlCol="0" anchor="ctr"/>
+                <a:lstStyle/>
+                <a:p>
+                  <a:pPr algn="ctr"/>
+                  <a:endParaRPr lang="en-ID"/>
+                </a:p>
+              </p:txBody>
+            </p:sp>
+            <p:sp>
+              <p:nvSpPr>
+                <p:cNvPr id="15" name="Flowchart: Connector 14">
+                  <a:extLst>
+                    <a:ext uri="{FF2B5EF4-FFF2-40B4-BE49-F238E27FC236}">
+                      <a16:creationId xmlns:a16="http://schemas.microsoft.com/office/drawing/2014/main" id="{9A7AD1B1-58D3-EA26-3D85-BE8911F21676}"/>
+                    </a:ext>
+                  </a:extLst>
+                </p:cNvPr>
+                <p:cNvSpPr/>
+                <p:nvPr/>
+              </p:nvSpPr>
+              <p:spPr>
+                <a:xfrm>
+                  <a:off x="3639238" y="3202472"/>
+                  <a:ext cx="144000" cy="144463"/>
+                </a:xfrm>
+                <a:prstGeom prst="flowChartConnector">
+                  <a:avLst/>
+                </a:prstGeom>
+                <a:solidFill>
+                  <a:srgbClr val="FFC000"/>
+                </a:solidFill>
+              </p:spPr>
+              <p:style>
+                <a:lnRef idx="2">
+                  <a:schemeClr val="accent1">
+                    <a:shade val="15000"/>
+                  </a:schemeClr>
+                </a:lnRef>
+                <a:fillRef idx="1">
+                  <a:schemeClr val="accent1"/>
+                </a:fillRef>
+                <a:effectRef idx="0">
+                  <a:schemeClr val="accent1"/>
+                </a:effectRef>
+                <a:fontRef idx="minor">
+                  <a:schemeClr val="lt1"/>
+                </a:fontRef>
+              </p:style>
+              <p:txBody>
+                <a:bodyPr rtlCol="0" anchor="ctr"/>
+                <a:lstStyle/>
+                <a:p>
+                  <a:pPr algn="ctr"/>
+                  <a:endParaRPr lang="en-ID" dirty="0"/>
+                </a:p>
+              </p:txBody>
+            </p:sp>
+            <p:sp>
+              <p:nvSpPr>
+                <p:cNvPr id="16" name="Flowchart: Connector 15">
+                  <a:extLst>
+                    <a:ext uri="{FF2B5EF4-FFF2-40B4-BE49-F238E27FC236}">
+                      <a16:creationId xmlns:a16="http://schemas.microsoft.com/office/drawing/2014/main" id="{7FCF3AD1-A553-ADA6-21C8-EABC9BF3F7CD}"/>
+                    </a:ext>
+                  </a:extLst>
+                </p:cNvPr>
+                <p:cNvSpPr/>
+                <p:nvPr/>
+              </p:nvSpPr>
+              <p:spPr>
+                <a:xfrm>
+                  <a:off x="7174917" y="3202471"/>
+                  <a:ext cx="144000" cy="144463"/>
+                </a:xfrm>
+                <a:prstGeom prst="flowChartConnector">
+                  <a:avLst/>
+                </a:prstGeom>
+                <a:solidFill>
+                  <a:srgbClr val="FFC000"/>
+                </a:solidFill>
+              </p:spPr>
+              <p:style>
+                <a:lnRef idx="2">
+                  <a:schemeClr val="accent1">
+                    <a:shade val="15000"/>
+                  </a:schemeClr>
+                </a:lnRef>
+                <a:fillRef idx="1">
+                  <a:schemeClr val="accent1"/>
+                </a:fillRef>
+                <a:effectRef idx="0">
+                  <a:schemeClr val="accent1"/>
+                </a:effectRef>
+                <a:fontRef idx="minor">
+                  <a:schemeClr val="lt1"/>
+                </a:fontRef>
+              </p:style>
+              <p:txBody>
+                <a:bodyPr rtlCol="0" anchor="ctr"/>
+                <a:lstStyle/>
+                <a:p>
+                  <a:pPr algn="ctr"/>
+                  <a:endParaRPr lang="en-ID"/>
+                </a:p>
+              </p:txBody>
+            </p:sp>
+            <p:sp>
+              <p:nvSpPr>
+                <p:cNvPr id="17" name="TextBox 16">
+                  <a:extLst>
+                    <a:ext uri="{FF2B5EF4-FFF2-40B4-BE49-F238E27FC236}">
+                      <a16:creationId xmlns:a16="http://schemas.microsoft.com/office/drawing/2014/main" id="{5BBA2C40-6B83-07DE-65B2-95F282C2DB55}"/>
+                    </a:ext>
+                  </a:extLst>
+                </p:cNvPr>
+                <p:cNvSpPr txBox="1"/>
+                <p:nvPr/>
+              </p:nvSpPr>
+              <p:spPr>
+                <a:xfrm>
+                  <a:off x="7075989" y="3346934"/>
+                  <a:ext cx="360594" cy="369322"/>
+                </a:xfrm>
+                <a:prstGeom prst="rect">
+                  <a:avLst/>
+                </a:prstGeom>
+                <a:noFill/>
+              </p:spPr>
+              <p:txBody>
+                <a:bodyPr wrap="square" rtlCol="0">
+                  <a:spAutoFit/>
+                </a:bodyPr>
+                <a:lstStyle/>
+                <a:p>
+                  <a:pPr algn="ctr"/>
+                  <a:r>
+                    <a:rPr lang="en-US" b="1" dirty="0">
+                      <a:solidFill>
+                        <a:schemeClr val="bg1"/>
+                      </a:solidFill>
+                      <a:latin typeface="Times New Roman" panose="02020603050405020304" pitchFamily="18" charset="0"/>
+                      <a:cs typeface="Times New Roman" panose="02020603050405020304" pitchFamily="18" charset="0"/>
+                    </a:rPr>
+                    <a:t>O</a:t>
+                  </a:r>
+                  <a:endParaRPr lang="en-ID" b="1" dirty="0">
+                    <a:solidFill>
+                      <a:schemeClr val="bg1"/>
+                    </a:solidFill>
+                    <a:latin typeface="Times New Roman" panose="02020603050405020304" pitchFamily="18" charset="0"/>
+                    <a:cs typeface="Times New Roman" panose="02020603050405020304" pitchFamily="18" charset="0"/>
+                  </a:endParaRPr>
+                </a:p>
+              </p:txBody>
+            </p:sp>
+            <p:sp>
+              <p:nvSpPr>
+                <p:cNvPr id="18" name="TextBox 17">
+                  <a:extLst>
+                    <a:ext uri="{FF2B5EF4-FFF2-40B4-BE49-F238E27FC236}">
+                      <a16:creationId xmlns:a16="http://schemas.microsoft.com/office/drawing/2014/main" id="{BC3DFDE8-82E9-A8A3-54B4-1C9F9C3283C4}"/>
+                    </a:ext>
+                  </a:extLst>
+                </p:cNvPr>
+                <p:cNvSpPr txBox="1"/>
+                <p:nvPr/>
+              </p:nvSpPr>
+              <p:spPr>
+                <a:xfrm>
+                  <a:off x="5350420" y="3332187"/>
+                  <a:ext cx="360594" cy="369322"/>
+                </a:xfrm>
+                <a:prstGeom prst="rect">
+                  <a:avLst/>
+                </a:prstGeom>
+                <a:noFill/>
+              </p:spPr>
+              <p:txBody>
+                <a:bodyPr wrap="square" rtlCol="0">
+                  <a:spAutoFit/>
+                </a:bodyPr>
+                <a:lstStyle/>
+                <a:p>
+                  <a:pPr algn="ctr"/>
+                  <a:r>
+                    <a:rPr lang="en-US" dirty="0">
+                      <a:solidFill>
+                        <a:schemeClr val="bg1"/>
+                      </a:solidFill>
+                      <a:latin typeface="Times New Roman" panose="02020603050405020304" pitchFamily="18" charset="0"/>
+                      <a:cs typeface="Times New Roman" panose="02020603050405020304" pitchFamily="18" charset="0"/>
+                    </a:rPr>
+                    <a:t>F</a:t>
+                  </a:r>
+                  <a:endParaRPr lang="en-ID" dirty="0">
+                    <a:solidFill>
+                      <a:schemeClr val="bg1"/>
+                    </a:solidFill>
+                    <a:latin typeface="Times New Roman" panose="02020603050405020304" pitchFamily="18" charset="0"/>
+                    <a:cs typeface="Times New Roman" panose="02020603050405020304" pitchFamily="18" charset="0"/>
+                  </a:endParaRPr>
+                </a:p>
+              </p:txBody>
+            </p:sp>
+            <p:sp>
+              <p:nvSpPr>
+                <p:cNvPr id="19" name="TextBox 18">
+                  <a:extLst>
+                    <a:ext uri="{FF2B5EF4-FFF2-40B4-BE49-F238E27FC236}">
+                      <a16:creationId xmlns:a16="http://schemas.microsoft.com/office/drawing/2014/main" id="{9C07EC6D-4E31-D4E5-5DF5-B025D793E6A4}"/>
+                    </a:ext>
+                  </a:extLst>
+                </p:cNvPr>
+                <p:cNvSpPr txBox="1"/>
+                <p:nvPr/>
+              </p:nvSpPr>
+              <p:spPr>
+                <a:xfrm>
+                  <a:off x="3556027" y="3327272"/>
+                  <a:ext cx="360594" cy="369322"/>
+                </a:xfrm>
+                <a:prstGeom prst="rect">
+                  <a:avLst/>
+                </a:prstGeom>
+                <a:noFill/>
+              </p:spPr>
+              <p:txBody>
+                <a:bodyPr wrap="square" rtlCol="0">
+                  <a:spAutoFit/>
+                </a:bodyPr>
+                <a:lstStyle/>
+                <a:p>
+                  <a:pPr algn="ctr"/>
+                  <a:r>
+                    <a:rPr lang="en-US" dirty="0">
+                      <a:solidFill>
+                        <a:schemeClr val="bg1"/>
+                      </a:solidFill>
+                      <a:latin typeface="Times New Roman" panose="02020603050405020304" pitchFamily="18" charset="0"/>
+                      <a:cs typeface="Times New Roman" panose="02020603050405020304" pitchFamily="18" charset="0"/>
+                    </a:rPr>
+                    <a:t>M</a:t>
+                  </a:r>
+                  <a:endParaRPr lang="en-ID" dirty="0">
+                    <a:solidFill>
+                      <a:schemeClr val="bg1"/>
+                    </a:solidFill>
+                    <a:latin typeface="Times New Roman" panose="02020603050405020304" pitchFamily="18" charset="0"/>
+                    <a:cs typeface="Times New Roman" panose="02020603050405020304" pitchFamily="18" charset="0"/>
+                  </a:endParaRPr>
+                </a:p>
+              </p:txBody>
+            </p:sp>
+            <p:sp>
+              <p:nvSpPr>
+                <p:cNvPr id="34" name="TextBox 33">
+                  <a:extLst>
+                    <a:ext uri="{FF2B5EF4-FFF2-40B4-BE49-F238E27FC236}">
+                      <a16:creationId xmlns:a16="http://schemas.microsoft.com/office/drawing/2014/main" id="{E462A60D-4FEA-B84A-F9B0-3693286F3139}"/>
+                    </a:ext>
+                  </a:extLst>
+                </p:cNvPr>
+                <p:cNvSpPr txBox="1"/>
+                <p:nvPr/>
+              </p:nvSpPr>
+              <p:spPr>
+                <a:xfrm>
+                  <a:off x="5235819" y="1350290"/>
+                  <a:ext cx="1840170" cy="369332"/>
+                </a:xfrm>
+                <a:prstGeom prst="rect">
+                  <a:avLst/>
+                </a:prstGeom>
+                <a:noFill/>
+              </p:spPr>
+              <p:txBody>
+                <a:bodyPr wrap="square" rtlCol="0">
+                  <a:spAutoFit/>
+                </a:bodyPr>
+                <a:lstStyle/>
+                <a:p>
+                  <a:pPr algn="ctr"/>
+                  <a:r>
+                    <a:rPr lang="en-US" dirty="0" err="1">
+                      <a:solidFill>
+                        <a:schemeClr val="bg1"/>
+                      </a:solidFill>
+                      <a:latin typeface="Times New Roman" panose="02020603050405020304" pitchFamily="18" charset="0"/>
+                      <a:cs typeface="Times New Roman" panose="02020603050405020304" pitchFamily="18" charset="0"/>
+                    </a:rPr>
+                    <a:t>Sinar</a:t>
+                  </a:r>
+                  <a:r>
+                    <a:rPr lang="en-US" dirty="0">
+                      <a:solidFill>
+                        <a:schemeClr val="bg1"/>
+                      </a:solidFill>
+                      <a:latin typeface="Times New Roman" panose="02020603050405020304" pitchFamily="18" charset="0"/>
+                      <a:cs typeface="Times New Roman" panose="02020603050405020304" pitchFamily="18" charset="0"/>
+                    </a:rPr>
+                    <a:t> </a:t>
+                  </a:r>
+                  <a:r>
+                    <a:rPr lang="en-US" dirty="0" err="1">
+                      <a:solidFill>
+                        <a:schemeClr val="bg1"/>
+                      </a:solidFill>
+                      <a:latin typeface="Times New Roman" panose="02020603050405020304" pitchFamily="18" charset="0"/>
+                      <a:cs typeface="Times New Roman" panose="02020603050405020304" pitchFamily="18" charset="0"/>
+                    </a:rPr>
+                    <a:t>datang</a:t>
+                  </a:r>
+                  <a:r>
+                    <a:rPr lang="en-US" dirty="0">
+                      <a:solidFill>
+                        <a:schemeClr val="bg1"/>
+                      </a:solidFill>
+                      <a:latin typeface="Times New Roman" panose="02020603050405020304" pitchFamily="18" charset="0"/>
+                      <a:cs typeface="Times New Roman" panose="02020603050405020304" pitchFamily="18" charset="0"/>
+                    </a:rPr>
+                    <a:t> </a:t>
+                  </a:r>
+                  <a:endParaRPr lang="en-ID" dirty="0">
+                    <a:solidFill>
+                      <a:schemeClr val="bg1"/>
+                    </a:solidFill>
+                    <a:latin typeface="Times New Roman" panose="02020603050405020304" pitchFamily="18" charset="0"/>
+                    <a:cs typeface="Times New Roman" panose="02020603050405020304" pitchFamily="18" charset="0"/>
+                  </a:endParaRPr>
+                </a:p>
+              </p:txBody>
+            </p:sp>
+            <p:sp>
+              <p:nvSpPr>
+                <p:cNvPr id="35" name="TextBox 34">
+                  <a:extLst>
+                    <a:ext uri="{FF2B5EF4-FFF2-40B4-BE49-F238E27FC236}">
+                      <a16:creationId xmlns:a16="http://schemas.microsoft.com/office/drawing/2014/main" id="{EFF3FF22-0DD4-149C-74EC-3CDE6A370FE1}"/>
+                    </a:ext>
+                  </a:extLst>
+                </p:cNvPr>
+                <p:cNvSpPr txBox="1"/>
+                <p:nvPr/>
+              </p:nvSpPr>
+              <p:spPr>
+                <a:xfrm>
+                  <a:off x="5179981" y="4276002"/>
+                  <a:ext cx="1840170" cy="369332"/>
+                </a:xfrm>
+                <a:prstGeom prst="rect">
+                  <a:avLst/>
+                </a:prstGeom>
+                <a:noFill/>
+              </p:spPr>
+              <p:txBody>
+                <a:bodyPr wrap="square" rtlCol="0">
+                  <a:spAutoFit/>
+                </a:bodyPr>
+                <a:lstStyle/>
+                <a:p>
+                  <a:pPr algn="ctr"/>
+                  <a:r>
+                    <a:rPr lang="en-US" dirty="0" err="1">
+                      <a:solidFill>
+                        <a:schemeClr val="bg1"/>
+                      </a:solidFill>
+                      <a:latin typeface="Times New Roman" panose="02020603050405020304" pitchFamily="18" charset="0"/>
+                      <a:cs typeface="Times New Roman" panose="02020603050405020304" pitchFamily="18" charset="0"/>
+                    </a:rPr>
+                    <a:t>Sinar</a:t>
+                  </a:r>
+                  <a:r>
+                    <a:rPr lang="en-US" dirty="0">
+                      <a:solidFill>
+                        <a:schemeClr val="bg1"/>
+                      </a:solidFill>
+                      <a:latin typeface="Times New Roman" panose="02020603050405020304" pitchFamily="18" charset="0"/>
+                      <a:cs typeface="Times New Roman" panose="02020603050405020304" pitchFamily="18" charset="0"/>
+                    </a:rPr>
+                    <a:t> </a:t>
+                  </a:r>
+                  <a:r>
+                    <a:rPr lang="en-US" dirty="0" err="1">
+                      <a:solidFill>
+                        <a:schemeClr val="bg1"/>
+                      </a:solidFill>
+                      <a:latin typeface="Times New Roman" panose="02020603050405020304" pitchFamily="18" charset="0"/>
+                      <a:cs typeface="Times New Roman" panose="02020603050405020304" pitchFamily="18" charset="0"/>
+                    </a:rPr>
+                    <a:t>pantul</a:t>
+                  </a:r>
+                  <a:r>
+                    <a:rPr lang="en-US" dirty="0">
+                      <a:solidFill>
+                        <a:schemeClr val="bg1"/>
+                      </a:solidFill>
+                      <a:latin typeface="Times New Roman" panose="02020603050405020304" pitchFamily="18" charset="0"/>
+                      <a:cs typeface="Times New Roman" panose="02020603050405020304" pitchFamily="18" charset="0"/>
+                    </a:rPr>
+                    <a:t> </a:t>
+                  </a:r>
+                  <a:endParaRPr lang="en-ID" dirty="0">
+                    <a:solidFill>
+                      <a:schemeClr val="bg1"/>
+                    </a:solidFill>
+                    <a:latin typeface="Times New Roman" panose="02020603050405020304" pitchFamily="18" charset="0"/>
+                    <a:cs typeface="Times New Roman" panose="02020603050405020304" pitchFamily="18" charset="0"/>
+                  </a:endParaRPr>
+                </a:p>
+              </p:txBody>
+            </p:sp>
+            <p:sp>
+              <p:nvSpPr>
+                <p:cNvPr id="39" name="Flowchart: Connector 38">
+                  <a:extLst>
+                    <a:ext uri="{FF2B5EF4-FFF2-40B4-BE49-F238E27FC236}">
+                      <a16:creationId xmlns:a16="http://schemas.microsoft.com/office/drawing/2014/main" id="{9845B890-036C-8C3A-CC4A-38D5327F374F}"/>
+                    </a:ext>
+                  </a:extLst>
+                </p:cNvPr>
+                <p:cNvSpPr/>
+                <p:nvPr/>
+              </p:nvSpPr>
+              <p:spPr>
+                <a:xfrm>
+                  <a:off x="8977284" y="3207594"/>
+                  <a:ext cx="144000" cy="144463"/>
+                </a:xfrm>
+                <a:prstGeom prst="flowChartConnector">
+                  <a:avLst/>
+                </a:prstGeom>
+                <a:solidFill>
+                  <a:srgbClr val="FFC000"/>
+                </a:solidFill>
+              </p:spPr>
+              <p:style>
+                <a:lnRef idx="2">
+                  <a:schemeClr val="accent1">
+                    <a:shade val="15000"/>
+                  </a:schemeClr>
+                </a:lnRef>
+                <a:fillRef idx="1">
+                  <a:schemeClr val="accent1"/>
+                </a:fillRef>
+                <a:effectRef idx="0">
+                  <a:schemeClr val="accent1"/>
+                </a:effectRef>
+                <a:fontRef idx="minor">
+                  <a:schemeClr val="lt1"/>
+                </a:fontRef>
+              </p:style>
+              <p:txBody>
+                <a:bodyPr rtlCol="0" anchor="ctr"/>
+                <a:lstStyle/>
+                <a:p>
+                  <a:pPr algn="ctr"/>
+                  <a:endParaRPr lang="en-ID"/>
+                </a:p>
+              </p:txBody>
+            </p:sp>
+            <p:sp>
+              <p:nvSpPr>
+                <p:cNvPr id="40" name="TextBox 39">
+                  <a:extLst>
+                    <a:ext uri="{FF2B5EF4-FFF2-40B4-BE49-F238E27FC236}">
+                      <a16:creationId xmlns:a16="http://schemas.microsoft.com/office/drawing/2014/main" id="{4BAA38D9-BB68-3525-A954-88E6121C13D2}"/>
+                    </a:ext>
+                  </a:extLst>
+                </p:cNvPr>
+                <p:cNvSpPr txBox="1"/>
+                <p:nvPr/>
+              </p:nvSpPr>
+              <p:spPr>
+                <a:xfrm>
+                  <a:off x="8884852" y="3346934"/>
+                  <a:ext cx="360594" cy="369322"/>
+                </a:xfrm>
+                <a:prstGeom prst="rect">
+                  <a:avLst/>
+                </a:prstGeom>
+                <a:noFill/>
+              </p:spPr>
+              <p:txBody>
+                <a:bodyPr wrap="square" rtlCol="0">
+                  <a:spAutoFit/>
+                </a:bodyPr>
+                <a:lstStyle/>
+                <a:p>
+                  <a:pPr algn="ctr"/>
+                  <a:r>
+                    <a:rPr lang="en-US" dirty="0">
+                      <a:solidFill>
+                        <a:schemeClr val="bg1"/>
+                      </a:solidFill>
+                      <a:latin typeface="Times New Roman" panose="02020603050405020304" pitchFamily="18" charset="0"/>
+                      <a:cs typeface="Times New Roman" panose="02020603050405020304" pitchFamily="18" charset="0"/>
+                    </a:rPr>
+                    <a:t>F</a:t>
+                  </a:r>
+                  <a:endParaRPr lang="en-ID" dirty="0">
+                    <a:solidFill>
+                      <a:schemeClr val="bg1"/>
+                    </a:solidFill>
+                    <a:latin typeface="Times New Roman" panose="02020603050405020304" pitchFamily="18" charset="0"/>
+                    <a:cs typeface="Times New Roman" panose="02020603050405020304" pitchFamily="18" charset="0"/>
+                  </a:endParaRPr>
+                </a:p>
+              </p:txBody>
+            </p:sp>
+            <p:sp>
+              <p:nvSpPr>
+                <p:cNvPr id="41" name="Flowchart: Connector 40">
+                  <a:extLst>
+                    <a:ext uri="{FF2B5EF4-FFF2-40B4-BE49-F238E27FC236}">
+                      <a16:creationId xmlns:a16="http://schemas.microsoft.com/office/drawing/2014/main" id="{2D23F85B-FE99-FE4F-CEB9-C7D864EB59F3}"/>
+                    </a:ext>
+                  </a:extLst>
+                </p:cNvPr>
+                <p:cNvSpPr/>
+                <p:nvPr/>
+              </p:nvSpPr>
+              <p:spPr>
+                <a:xfrm>
+                  <a:off x="10707150" y="3183222"/>
+                  <a:ext cx="144000" cy="144463"/>
+                </a:xfrm>
+                <a:prstGeom prst="flowChartConnector">
+                  <a:avLst/>
+                </a:prstGeom>
+                <a:solidFill>
+                  <a:srgbClr val="FFC000"/>
+                </a:solidFill>
+              </p:spPr>
+              <p:style>
+                <a:lnRef idx="2">
+                  <a:schemeClr val="accent1">
+                    <a:shade val="15000"/>
+                  </a:schemeClr>
+                </a:lnRef>
+                <a:fillRef idx="1">
+                  <a:schemeClr val="accent1"/>
+                </a:fillRef>
+                <a:effectRef idx="0">
+                  <a:schemeClr val="accent1"/>
+                </a:effectRef>
+                <a:fontRef idx="minor">
+                  <a:schemeClr val="lt1"/>
+                </a:fontRef>
+              </p:style>
+              <p:txBody>
+                <a:bodyPr rtlCol="0" anchor="ctr"/>
+                <a:lstStyle/>
+                <a:p>
+                  <a:pPr algn="ctr"/>
+                  <a:endParaRPr lang="en-ID" dirty="0"/>
+                </a:p>
+              </p:txBody>
+            </p:sp>
+            <p:sp>
+              <p:nvSpPr>
+                <p:cNvPr id="42" name="TextBox 41">
+                  <a:extLst>
+                    <a:ext uri="{FF2B5EF4-FFF2-40B4-BE49-F238E27FC236}">
+                      <a16:creationId xmlns:a16="http://schemas.microsoft.com/office/drawing/2014/main" id="{29620F07-084A-439B-D510-74F28E22A65C}"/>
+                    </a:ext>
+                  </a:extLst>
+                </p:cNvPr>
+                <p:cNvSpPr txBox="1"/>
+                <p:nvPr/>
+              </p:nvSpPr>
+              <p:spPr>
+                <a:xfrm>
+                  <a:off x="10592106" y="3317647"/>
+                  <a:ext cx="360594" cy="369322"/>
+                </a:xfrm>
+                <a:prstGeom prst="rect">
+                  <a:avLst/>
+                </a:prstGeom>
+                <a:noFill/>
+              </p:spPr>
+              <p:txBody>
+                <a:bodyPr wrap="square" rtlCol="0">
+                  <a:spAutoFit/>
+                </a:bodyPr>
+                <a:lstStyle/>
+                <a:p>
+                  <a:pPr algn="ctr"/>
+                  <a:r>
+                    <a:rPr lang="en-US" dirty="0">
+                      <a:solidFill>
+                        <a:schemeClr val="bg1"/>
+                      </a:solidFill>
+                      <a:latin typeface="Times New Roman" panose="02020603050405020304" pitchFamily="18" charset="0"/>
+                      <a:cs typeface="Times New Roman" panose="02020603050405020304" pitchFamily="18" charset="0"/>
+                    </a:rPr>
+                    <a:t>M</a:t>
+                  </a:r>
+                  <a:endParaRPr lang="en-ID" dirty="0">
+                    <a:solidFill>
+                      <a:schemeClr val="bg1"/>
+                    </a:solidFill>
+                    <a:latin typeface="Times New Roman" panose="02020603050405020304" pitchFamily="18" charset="0"/>
+                    <a:cs typeface="Times New Roman" panose="02020603050405020304" pitchFamily="18" charset="0"/>
+                  </a:endParaRPr>
+                </a:p>
+              </p:txBody>
+            </p:sp>
+            <p:sp>
+              <p:nvSpPr>
+                <p:cNvPr id="48" name="TextBox 47">
+                  <a:extLst>
+                    <a:ext uri="{FF2B5EF4-FFF2-40B4-BE49-F238E27FC236}">
+                      <a16:creationId xmlns:a16="http://schemas.microsoft.com/office/drawing/2014/main" id="{2DD764BC-9388-8093-3D30-CB79EC998F31}"/>
+                    </a:ext>
+                  </a:extLst>
+                </p:cNvPr>
+                <p:cNvSpPr txBox="1"/>
+                <p:nvPr/>
+              </p:nvSpPr>
+              <p:spPr>
+                <a:xfrm>
+                  <a:off x="10943474" y="2779175"/>
+                  <a:ext cx="1840170" cy="369332"/>
+                </a:xfrm>
+                <a:prstGeom prst="rect">
+                  <a:avLst/>
+                </a:prstGeom>
+                <a:noFill/>
+              </p:spPr>
+              <p:txBody>
+                <a:bodyPr wrap="square" rtlCol="0">
+                  <a:spAutoFit/>
+                </a:bodyPr>
+                <a:lstStyle/>
+                <a:p>
+                  <a:pPr algn="ctr"/>
+                  <a:r>
+                    <a:rPr lang="en-US" dirty="0" err="1">
+                      <a:solidFill>
+                        <a:schemeClr val="bg1"/>
+                      </a:solidFill>
+                      <a:latin typeface="Times New Roman" panose="02020603050405020304" pitchFamily="18" charset="0"/>
+                      <a:cs typeface="Times New Roman" panose="02020603050405020304" pitchFamily="18" charset="0"/>
+                    </a:rPr>
+                    <a:t>Sumbu</a:t>
+                  </a:r>
+                  <a:r>
+                    <a:rPr lang="en-US" dirty="0">
+                      <a:solidFill>
+                        <a:schemeClr val="bg1"/>
+                      </a:solidFill>
+                      <a:latin typeface="Times New Roman" panose="02020603050405020304" pitchFamily="18" charset="0"/>
+                      <a:cs typeface="Times New Roman" panose="02020603050405020304" pitchFamily="18" charset="0"/>
+                    </a:rPr>
+                    <a:t> </a:t>
+                  </a:r>
+                  <a:r>
+                    <a:rPr lang="en-US" dirty="0" err="1">
+                      <a:solidFill>
+                        <a:schemeClr val="bg1"/>
+                      </a:solidFill>
+                      <a:latin typeface="Times New Roman" panose="02020603050405020304" pitchFamily="18" charset="0"/>
+                      <a:cs typeface="Times New Roman" panose="02020603050405020304" pitchFamily="18" charset="0"/>
+                    </a:rPr>
+                    <a:t>utama</a:t>
+                  </a:r>
+                  <a:endParaRPr lang="en-ID" dirty="0">
+                    <a:solidFill>
+                      <a:schemeClr val="bg1"/>
+                    </a:solidFill>
+                    <a:latin typeface="Times New Roman" panose="02020603050405020304" pitchFamily="18" charset="0"/>
+                    <a:cs typeface="Times New Roman" panose="02020603050405020304" pitchFamily="18" charset="0"/>
+                  </a:endParaRPr>
+                </a:p>
+              </p:txBody>
+            </p:sp>
+            <p:sp>
+              <p:nvSpPr>
+                <p:cNvPr id="55" name="TextBox 54">
+                  <a:extLst>
+                    <a:ext uri="{FF2B5EF4-FFF2-40B4-BE49-F238E27FC236}">
+                      <a16:creationId xmlns:a16="http://schemas.microsoft.com/office/drawing/2014/main" id="{B735BAFB-0214-0545-3A2C-CC5068A1816A}"/>
+                    </a:ext>
+                  </a:extLst>
+                </p:cNvPr>
+                <p:cNvSpPr txBox="1"/>
+                <p:nvPr/>
+              </p:nvSpPr>
+              <p:spPr>
+                <a:xfrm>
+                  <a:off x="3433253" y="3479771"/>
+                  <a:ext cx="1840170" cy="369332"/>
+                </a:xfrm>
+                <a:prstGeom prst="rect">
+                  <a:avLst/>
+                </a:prstGeom>
+                <a:noFill/>
+              </p:spPr>
+              <p:txBody>
+                <a:bodyPr wrap="square" rtlCol="0">
+                  <a:spAutoFit/>
+                </a:bodyPr>
+                <a:lstStyle/>
+                <a:p>
+                  <a:pPr algn="ctr"/>
+                  <a:r>
+                    <a:rPr lang="en-US" dirty="0" err="1">
+                      <a:solidFill>
+                        <a:schemeClr val="bg1"/>
+                      </a:solidFill>
+                      <a:latin typeface="Times New Roman" panose="02020603050405020304" pitchFamily="18" charset="0"/>
+                      <a:cs typeface="Times New Roman" panose="02020603050405020304" pitchFamily="18" charset="0"/>
+                    </a:rPr>
+                    <a:t>Objek</a:t>
+                  </a:r>
+                  <a:endParaRPr lang="en-ID" dirty="0">
+                    <a:solidFill>
+                      <a:schemeClr val="bg1"/>
+                    </a:solidFill>
+                    <a:latin typeface="Times New Roman" panose="02020603050405020304" pitchFamily="18" charset="0"/>
+                    <a:cs typeface="Times New Roman" panose="02020603050405020304" pitchFamily="18" charset="0"/>
+                  </a:endParaRPr>
+                </a:p>
+              </p:txBody>
+            </p:sp>
+            <p:sp>
+              <p:nvSpPr>
+                <p:cNvPr id="56" name="TextBox 55">
+                  <a:extLst>
+                    <a:ext uri="{FF2B5EF4-FFF2-40B4-BE49-F238E27FC236}">
+                      <a16:creationId xmlns:a16="http://schemas.microsoft.com/office/drawing/2014/main" id="{9575CB2C-5655-87A3-126A-147D93FF2018}"/>
+                    </a:ext>
+                  </a:extLst>
+                </p:cNvPr>
+                <p:cNvSpPr txBox="1"/>
+                <p:nvPr/>
+              </p:nvSpPr>
+              <p:spPr>
+                <a:xfrm>
+                  <a:off x="7326739" y="3376582"/>
+                  <a:ext cx="1840170" cy="369332"/>
+                </a:xfrm>
+                <a:prstGeom prst="rect">
+                  <a:avLst/>
+                </a:prstGeom>
+                <a:noFill/>
+              </p:spPr>
+              <p:txBody>
+                <a:bodyPr wrap="square" rtlCol="0">
+                  <a:spAutoFit/>
+                </a:bodyPr>
+                <a:lstStyle/>
+                <a:p>
+                  <a:pPr algn="ctr"/>
+                  <a:r>
+                    <a:rPr lang="en-US" dirty="0" err="1">
+                      <a:solidFill>
+                        <a:schemeClr val="bg1"/>
+                      </a:solidFill>
+                      <a:latin typeface="Times New Roman" panose="02020603050405020304" pitchFamily="18" charset="0"/>
+                      <a:cs typeface="Times New Roman" panose="02020603050405020304" pitchFamily="18" charset="0"/>
+                    </a:rPr>
+                    <a:t>Bayangan</a:t>
+                  </a:r>
+                  <a:endParaRPr lang="en-ID" dirty="0">
+                    <a:solidFill>
+                      <a:schemeClr val="bg1"/>
+                    </a:solidFill>
+                    <a:latin typeface="Times New Roman" panose="02020603050405020304" pitchFamily="18" charset="0"/>
+                    <a:cs typeface="Times New Roman" panose="02020603050405020304" pitchFamily="18" charset="0"/>
+                  </a:endParaRPr>
+                </a:p>
+              </p:txBody>
+            </p:sp>
+            <p:sp>
+              <p:nvSpPr>
+                <p:cNvPr id="58" name="TextBox 57">
+                  <a:extLst>
+                    <a:ext uri="{FF2B5EF4-FFF2-40B4-BE49-F238E27FC236}">
+                      <a16:creationId xmlns:a16="http://schemas.microsoft.com/office/drawing/2014/main" id="{C16623EE-2AEB-D326-7BD4-19C8DAEFE06E}"/>
+                    </a:ext>
+                  </a:extLst>
+                </p:cNvPr>
+                <p:cNvSpPr txBox="1"/>
+                <p:nvPr/>
+              </p:nvSpPr>
+              <p:spPr>
+                <a:xfrm rot="1370959">
+                  <a:off x="5406658" y="2214851"/>
+                  <a:ext cx="1840170" cy="369332"/>
+                </a:xfrm>
+                <a:prstGeom prst="rect">
+                  <a:avLst/>
+                </a:prstGeom>
+                <a:noFill/>
+              </p:spPr>
+              <p:txBody>
+                <a:bodyPr wrap="square" rtlCol="0">
+                  <a:spAutoFit/>
+                </a:bodyPr>
+                <a:lstStyle/>
+                <a:p>
+                  <a:pPr algn="ctr"/>
+                  <a:r>
+                    <a:rPr lang="en-US" dirty="0" err="1">
+                      <a:solidFill>
+                        <a:schemeClr val="bg1"/>
+                      </a:solidFill>
+                      <a:latin typeface="Times New Roman" panose="02020603050405020304" pitchFamily="18" charset="0"/>
+                      <a:cs typeface="Times New Roman" panose="02020603050405020304" pitchFamily="18" charset="0"/>
+                    </a:rPr>
+                    <a:t>Sinar</a:t>
+                  </a:r>
+                  <a:r>
+                    <a:rPr lang="en-US" dirty="0">
+                      <a:solidFill>
+                        <a:schemeClr val="bg1"/>
+                      </a:solidFill>
+                      <a:latin typeface="Times New Roman" panose="02020603050405020304" pitchFamily="18" charset="0"/>
+                      <a:cs typeface="Times New Roman" panose="02020603050405020304" pitchFamily="18" charset="0"/>
+                    </a:rPr>
+                    <a:t> </a:t>
+                  </a:r>
+                  <a:r>
+                    <a:rPr lang="en-US" dirty="0" err="1">
+                      <a:solidFill>
+                        <a:schemeClr val="bg1"/>
+                      </a:solidFill>
+                      <a:latin typeface="Times New Roman" panose="02020603050405020304" pitchFamily="18" charset="0"/>
+                      <a:cs typeface="Times New Roman" panose="02020603050405020304" pitchFamily="18" charset="0"/>
+                    </a:rPr>
+                    <a:t>datang</a:t>
+                  </a:r>
+                  <a:r>
+                    <a:rPr lang="en-US" dirty="0">
+                      <a:solidFill>
+                        <a:schemeClr val="bg1"/>
+                      </a:solidFill>
+                      <a:latin typeface="Times New Roman" panose="02020603050405020304" pitchFamily="18" charset="0"/>
+                      <a:cs typeface="Times New Roman" panose="02020603050405020304" pitchFamily="18" charset="0"/>
+                    </a:rPr>
+                    <a:t> </a:t>
+                  </a:r>
+                  <a:endParaRPr lang="en-ID" dirty="0">
+                    <a:solidFill>
+                      <a:schemeClr val="bg1"/>
+                    </a:solidFill>
+                    <a:latin typeface="Times New Roman" panose="02020603050405020304" pitchFamily="18" charset="0"/>
+                    <a:cs typeface="Times New Roman" panose="02020603050405020304" pitchFamily="18" charset="0"/>
+                  </a:endParaRPr>
+                </a:p>
+              </p:txBody>
+            </p:sp>
+            <p:sp>
+              <p:nvSpPr>
+                <p:cNvPr id="59" name="TextBox 58">
+                  <a:extLst>
+                    <a:ext uri="{FF2B5EF4-FFF2-40B4-BE49-F238E27FC236}">
+                      <a16:creationId xmlns:a16="http://schemas.microsoft.com/office/drawing/2014/main" id="{65BFB20B-59FE-751E-E3F9-EEADDB12909A}"/>
+                    </a:ext>
+                  </a:extLst>
+                </p:cNvPr>
+                <p:cNvSpPr txBox="1"/>
+                <p:nvPr/>
+              </p:nvSpPr>
+              <p:spPr>
+                <a:xfrm>
+                  <a:off x="6615294" y="406130"/>
+                  <a:ext cx="1840170" cy="369332"/>
+                </a:xfrm>
+                <a:prstGeom prst="rect">
+                  <a:avLst/>
+                </a:prstGeom>
+                <a:noFill/>
+              </p:spPr>
+              <p:txBody>
+                <a:bodyPr wrap="square" rtlCol="0">
+                  <a:spAutoFit/>
+                </a:bodyPr>
+                <a:lstStyle/>
+                <a:p>
+                  <a:pPr algn="ctr"/>
+                  <a:r>
+                    <a:rPr lang="en-US" dirty="0" err="1">
+                      <a:solidFill>
+                        <a:schemeClr val="bg1"/>
+                      </a:solidFill>
+                      <a:latin typeface="Times New Roman" panose="02020603050405020304" pitchFamily="18" charset="0"/>
+                      <a:cs typeface="Times New Roman" panose="02020603050405020304" pitchFamily="18" charset="0"/>
+                    </a:rPr>
+                    <a:t>Sinar</a:t>
+                  </a:r>
+                  <a:r>
+                    <a:rPr lang="en-US" dirty="0">
+                      <a:solidFill>
+                        <a:schemeClr val="bg1"/>
+                      </a:solidFill>
+                      <a:latin typeface="Times New Roman" panose="02020603050405020304" pitchFamily="18" charset="0"/>
+                      <a:cs typeface="Times New Roman" panose="02020603050405020304" pitchFamily="18" charset="0"/>
+                    </a:rPr>
+                    <a:t> </a:t>
+                  </a:r>
+                  <a:r>
+                    <a:rPr lang="en-US" dirty="0" err="1">
+                      <a:solidFill>
+                        <a:schemeClr val="bg1"/>
+                      </a:solidFill>
+                      <a:latin typeface="Times New Roman" panose="02020603050405020304" pitchFamily="18" charset="0"/>
+                      <a:cs typeface="Times New Roman" panose="02020603050405020304" pitchFamily="18" charset="0"/>
+                    </a:rPr>
+                    <a:t>pantul</a:t>
+                  </a:r>
+                  <a:r>
+                    <a:rPr lang="en-US" dirty="0">
+                      <a:solidFill>
+                        <a:schemeClr val="bg1"/>
+                      </a:solidFill>
+                      <a:latin typeface="Times New Roman" panose="02020603050405020304" pitchFamily="18" charset="0"/>
+                      <a:cs typeface="Times New Roman" panose="02020603050405020304" pitchFamily="18" charset="0"/>
+                    </a:rPr>
+                    <a:t> </a:t>
+                  </a:r>
+                  <a:endParaRPr lang="en-ID" dirty="0">
+                    <a:solidFill>
+                      <a:schemeClr val="bg1"/>
+                    </a:solidFill>
+                    <a:latin typeface="Times New Roman" panose="02020603050405020304" pitchFamily="18" charset="0"/>
+                    <a:cs typeface="Times New Roman" panose="02020603050405020304" pitchFamily="18" charset="0"/>
+                  </a:endParaRPr>
+                </a:p>
+              </p:txBody>
+            </p:sp>
+          </p:grpSp>
+          <p:cxnSp>
+            <p:nvCxnSpPr>
+              <p:cNvPr id="29" name="Straight Arrow Connector 28">
+                <a:extLst>
+                  <a:ext uri="{FF2B5EF4-FFF2-40B4-BE49-F238E27FC236}">
+                    <a16:creationId xmlns:a16="http://schemas.microsoft.com/office/drawing/2014/main" id="{7D717B39-9756-88C8-5E44-E0071944B519}"/>
+                  </a:ext>
+                </a:extLst>
+              </p:cNvPr>
+              <p:cNvCxnSpPr>
+                <a:cxnSpLocks/>
+              </p:cNvCxnSpPr>
+              <p:nvPr/>
+            </p:nvCxnSpPr>
+            <p:spPr>
+              <a:xfrm>
+                <a:off x="4516526" y="1828800"/>
+                <a:ext cx="3244645" cy="0"/>
+              </a:xfrm>
+              <a:prstGeom prst="straightConnector1">
+                <a:avLst/>
+              </a:prstGeom>
+              <a:ln w="50800">
+                <a:solidFill>
+                  <a:srgbClr val="FFFF00"/>
+                </a:solidFill>
+                <a:tailEnd type="triangle"/>
+              </a:ln>
+            </p:spPr>
+            <p:style>
+              <a:lnRef idx="1">
+                <a:schemeClr val="accent1"/>
+              </a:lnRef>
+              <a:fillRef idx="0">
+                <a:schemeClr val="accent1"/>
+              </a:fillRef>
+              <a:effectRef idx="0">
+                <a:schemeClr val="accent1"/>
+              </a:effectRef>
+              <a:fontRef idx="minor">
+                <a:schemeClr val="tx1"/>
+              </a:fontRef>
+            </p:style>
+          </p:cxnSp>
+          <p:cxnSp>
+            <p:nvCxnSpPr>
+              <p:cNvPr id="31" name="Straight Arrow Connector 30">
+                <a:extLst>
+                  <a:ext uri="{FF2B5EF4-FFF2-40B4-BE49-F238E27FC236}">
+                    <a16:creationId xmlns:a16="http://schemas.microsoft.com/office/drawing/2014/main" id="{D04A4893-F748-E958-BA13-B5BB513C9ACC}"/>
+                  </a:ext>
+                </a:extLst>
+              </p:cNvPr>
+              <p:cNvCxnSpPr>
+                <a:cxnSpLocks/>
+              </p:cNvCxnSpPr>
+              <p:nvPr/>
+            </p:nvCxnSpPr>
+            <p:spPr>
+              <a:xfrm flipH="1" flipV="1">
+                <a:off x="6359032" y="287335"/>
+                <a:ext cx="1334540" cy="1541465"/>
+              </a:xfrm>
+              <a:prstGeom prst="straightConnector1">
+                <a:avLst/>
+              </a:prstGeom>
+              <a:ln w="50800">
+                <a:solidFill>
+                  <a:srgbClr val="FFFF00"/>
+                </a:solidFill>
+                <a:tailEnd type="triangle"/>
+              </a:ln>
+            </p:spPr>
+            <p:style>
+              <a:lnRef idx="1">
+                <a:schemeClr val="accent1"/>
+              </a:lnRef>
+              <a:fillRef idx="0">
+                <a:schemeClr val="accent1"/>
+              </a:fillRef>
+              <a:effectRef idx="0">
+                <a:schemeClr val="accent1"/>
+              </a:effectRef>
+              <a:fontRef idx="minor">
+                <a:schemeClr val="tx1"/>
+              </a:fontRef>
+            </p:style>
+          </p:cxnSp>
+          <p:cxnSp>
+            <p:nvCxnSpPr>
+              <p:cNvPr id="9" name="Straight Arrow Connector 8">
+                <a:extLst>
+                  <a:ext uri="{FF2B5EF4-FFF2-40B4-BE49-F238E27FC236}">
+                    <a16:creationId xmlns:a16="http://schemas.microsoft.com/office/drawing/2014/main" id="{0E668EB0-D954-B413-2653-71E98369CE1F}"/>
+                  </a:ext>
+                </a:extLst>
+              </p:cNvPr>
+              <p:cNvCxnSpPr>
+                <a:cxnSpLocks/>
+                <a:endCxn id="16" idx="6"/>
+              </p:cNvCxnSpPr>
+              <p:nvPr/>
+            </p:nvCxnSpPr>
+            <p:spPr>
+              <a:xfrm>
+                <a:off x="4516526" y="1828800"/>
+                <a:ext cx="2802391" cy="1445903"/>
+              </a:xfrm>
+              <a:prstGeom prst="straightConnector1">
+                <a:avLst/>
+              </a:prstGeom>
+              <a:ln w="50800">
+                <a:solidFill>
+                  <a:srgbClr val="FFFF00"/>
+                </a:solidFill>
+                <a:tailEnd type="triangle"/>
+              </a:ln>
+            </p:spPr>
+            <p:style>
+              <a:lnRef idx="1">
+                <a:schemeClr val="accent1"/>
+              </a:lnRef>
+              <a:fillRef idx="0">
+                <a:schemeClr val="accent1"/>
+              </a:fillRef>
+              <a:effectRef idx="0">
+                <a:schemeClr val="accent1"/>
+              </a:effectRef>
+              <a:fontRef idx="minor">
+                <a:schemeClr val="tx1"/>
+              </a:fontRef>
+            </p:style>
+          </p:cxnSp>
+          <p:cxnSp>
+            <p:nvCxnSpPr>
+              <p:cNvPr id="23" name="Straight Arrow Connector 22">
+                <a:extLst>
+                  <a:ext uri="{FF2B5EF4-FFF2-40B4-BE49-F238E27FC236}">
+                    <a16:creationId xmlns:a16="http://schemas.microsoft.com/office/drawing/2014/main" id="{CBD3AE48-7CCF-507C-5F67-6428FBB3EA41}"/>
+                  </a:ext>
+                </a:extLst>
+              </p:cNvPr>
+              <p:cNvCxnSpPr>
+                <a:cxnSpLocks/>
+              </p:cNvCxnSpPr>
+              <p:nvPr/>
+            </p:nvCxnSpPr>
+            <p:spPr>
+              <a:xfrm flipH="1">
+                <a:off x="4516525" y="3251471"/>
+                <a:ext cx="2802391" cy="1445903"/>
+              </a:xfrm>
+              <a:prstGeom prst="straightConnector1">
+                <a:avLst/>
+              </a:prstGeom>
+              <a:ln w="50800">
+                <a:solidFill>
+                  <a:srgbClr val="FFFF00"/>
+                </a:solidFill>
+                <a:tailEnd type="triangle"/>
+              </a:ln>
+            </p:spPr>
+            <p:style>
+              <a:lnRef idx="1">
+                <a:schemeClr val="accent1"/>
+              </a:lnRef>
+              <a:fillRef idx="0">
+                <a:schemeClr val="accent1"/>
+              </a:fillRef>
+              <a:effectRef idx="0">
+                <a:schemeClr val="accent1"/>
+              </a:effectRef>
+              <a:fontRef idx="minor">
+                <a:schemeClr val="tx1"/>
+              </a:fontRef>
+            </p:style>
+          </p:cxnSp>
+          <p:cxnSp>
+            <p:nvCxnSpPr>
+              <p:cNvPr id="37" name="Straight Arrow Connector 36">
+                <a:extLst>
+                  <a:ext uri="{FF2B5EF4-FFF2-40B4-BE49-F238E27FC236}">
+                    <a16:creationId xmlns:a16="http://schemas.microsoft.com/office/drawing/2014/main" id="{1255F0EA-B106-85BC-BC55-0DD66B3FAE00}"/>
+                  </a:ext>
+                </a:extLst>
+              </p:cNvPr>
+              <p:cNvCxnSpPr>
+                <a:cxnSpLocks/>
+              </p:cNvCxnSpPr>
+              <p:nvPr/>
+            </p:nvCxnSpPr>
+            <p:spPr>
+              <a:xfrm flipH="1" flipV="1">
+                <a:off x="7897120" y="2145504"/>
+                <a:ext cx="885699" cy="1129198"/>
+              </a:xfrm>
+              <a:prstGeom prst="straightConnector1">
+                <a:avLst/>
+              </a:prstGeom>
+              <a:ln w="50800">
+                <a:solidFill>
+                  <a:srgbClr val="FFFF00"/>
+                </a:solidFill>
+                <a:prstDash val="sysDash"/>
+                <a:tailEnd type="none"/>
+              </a:ln>
+            </p:spPr>
+            <p:style>
+              <a:lnRef idx="1">
+                <a:schemeClr val="accent1"/>
+              </a:lnRef>
+              <a:fillRef idx="0">
+                <a:schemeClr val="accent1"/>
+              </a:fillRef>
+              <a:effectRef idx="0">
+                <a:schemeClr val="accent1"/>
+              </a:effectRef>
+              <a:fontRef idx="minor">
+                <a:schemeClr val="tx1"/>
+              </a:fontRef>
+            </p:style>
+          </p:cxnSp>
+          <p:cxnSp>
+            <p:nvCxnSpPr>
+              <p:cNvPr id="49" name="Straight Arrow Connector 48">
+                <a:extLst>
+                  <a:ext uri="{FF2B5EF4-FFF2-40B4-BE49-F238E27FC236}">
+                    <a16:creationId xmlns:a16="http://schemas.microsoft.com/office/drawing/2014/main" id="{0D437B48-8297-C206-05A1-EBD384C5A49D}"/>
+                  </a:ext>
+                </a:extLst>
+              </p:cNvPr>
+              <p:cNvCxnSpPr>
+                <a:cxnSpLocks/>
+              </p:cNvCxnSpPr>
+              <p:nvPr/>
+            </p:nvCxnSpPr>
+            <p:spPr>
+              <a:xfrm flipH="1">
+                <a:off x="7556833" y="2477936"/>
+                <a:ext cx="1024163" cy="667261"/>
+              </a:xfrm>
+              <a:prstGeom prst="straightConnector1">
+                <a:avLst/>
+              </a:prstGeom>
+              <a:ln w="50800">
+                <a:solidFill>
+                  <a:srgbClr val="FFFF00"/>
+                </a:solidFill>
+                <a:prstDash val="sysDash"/>
+                <a:tailEnd type="none"/>
+              </a:ln>
+            </p:spPr>
+            <p:style>
+              <a:lnRef idx="1">
+                <a:schemeClr val="accent1"/>
+              </a:lnRef>
+              <a:fillRef idx="0">
+                <a:schemeClr val="accent1"/>
+              </a:fillRef>
+              <a:effectRef idx="0">
+                <a:schemeClr val="accent1"/>
+              </a:effectRef>
+              <a:fontRef idx="minor">
+                <a:schemeClr val="tx1"/>
+              </a:fontRef>
+            </p:style>
+          </p:cxnSp>
+        </p:grpSp>
+        <p:pic>
+          <p:nvPicPr>
+            <p:cNvPr id="8" name="Picture 7">
+              <a:extLst>
+                <a:ext uri="{FF2B5EF4-FFF2-40B4-BE49-F238E27FC236}">
+                  <a16:creationId xmlns:a16="http://schemas.microsoft.com/office/drawing/2014/main" id="{0292E155-E80C-85C3-51AD-A27CCB9E4AB3}"/>
+                </a:ext>
+              </a:extLst>
+            </p:cNvPr>
+            <p:cNvPicPr>
+              <a:picLocks noChangeAspect="1"/>
+            </p:cNvPicPr>
+            <p:nvPr/>
+          </p:nvPicPr>
+          <p:blipFill rotWithShape="1">
+            <a:blip r:embed="rId2">
+              <a:extLst>
+                <a:ext uri="{28A0092B-C50C-407E-A947-70E740481C1C}">
+                  <a14:useLocalDpi xmlns:a14="http://schemas.microsoft.com/office/drawing/2010/main" val="0"/>
+                </a:ext>
+              </a:extLst>
+            </a:blip>
+            <a:srcRect l="25333" t="21466" r="51467" b="3466"/>
+            <a:stretch/>
+          </p:blipFill>
+          <p:spPr bwMode="auto">
+            <a:xfrm>
+              <a:off x="2429742" y="1684888"/>
+              <a:ext cx="513670" cy="1662046"/>
+            </a:xfrm>
+            <a:prstGeom prst="rect">
+              <a:avLst/>
+            </a:prstGeom>
+            <a:ln>
+              <a:noFill/>
+            </a:ln>
+            <a:extLst>
+              <a:ext uri="{53640926-AAD7-44D8-BBD7-CCE9431645EC}">
+                <a14:shadowObscured xmlns:a14="http://schemas.microsoft.com/office/drawing/2010/main"/>
+              </a:ext>
+            </a:extLst>
+          </p:spPr>
+        </p:pic>
+        <p:pic>
+          <p:nvPicPr>
+            <p:cNvPr id="54" name="Picture 53">
+              <a:extLst>
+                <a:ext uri="{FF2B5EF4-FFF2-40B4-BE49-F238E27FC236}">
+                  <a16:creationId xmlns:a16="http://schemas.microsoft.com/office/drawing/2014/main" id="{330F78A9-AF35-68CD-AE10-99C74BC269AE}"/>
+                </a:ext>
+              </a:extLst>
+            </p:cNvPr>
+            <p:cNvPicPr>
+              <a:picLocks noChangeAspect="1"/>
+            </p:cNvPicPr>
+            <p:nvPr/>
+          </p:nvPicPr>
+          <p:blipFill rotWithShape="1">
+            <a:blip r:embed="rId2">
+              <a:extLst>
+                <a:ext uri="{28A0092B-C50C-407E-A947-70E740481C1C}">
+                  <a14:useLocalDpi xmlns:a14="http://schemas.microsoft.com/office/drawing/2010/main" val="0"/>
+                </a:ext>
+              </a:extLst>
+            </a:blip>
+            <a:srcRect l="53200" t="24266" r="26533" b="10400"/>
+            <a:stretch/>
+          </p:blipFill>
+          <p:spPr bwMode="auto">
+            <a:xfrm>
+              <a:off x="6511155" y="2622399"/>
+              <a:ext cx="224754" cy="724535"/>
+            </a:xfrm>
+            <a:prstGeom prst="rect">
+              <a:avLst/>
+            </a:prstGeom>
+            <a:ln>
+              <a:noFill/>
+            </a:ln>
+            <a:extLst>
+              <a:ext uri="{53640926-AAD7-44D8-BBD7-CCE9431645EC}">
+                <a14:shadowObscured xmlns:a14="http://schemas.microsoft.com/office/drawing/2010/main"/>
+              </a:ext>
+            </a:extLst>
+          </p:spPr>
+        </p:pic>
+      </p:grpSp>
+    </p:spTree>
+    <p:extLst>
+      <p:ext uri="{BB962C8B-B14F-4D97-AF65-F5344CB8AC3E}">
+        <p14:creationId xmlns:p14="http://schemas.microsoft.com/office/powerpoint/2010/main" val="2872262671"/>
+      </p:ext>
+    </p:extLst>
+  </p:cSld>
+  <p:clrMapOvr>
+    <a:masterClrMapping/>
+  </p:clrMapOvr>
+</p:sld>
+</file>
+
+<file path=ppt/slides/slide9.xml><?xml version="1.0" encoding="utf-8"?>
+<p:sld xmlns:a="http://schemas.openxmlformats.org/drawingml/2006/main" xmlns:r="http://schemas.openxmlformats.org/officeDocument/2006/relationships" xmlns:p="http://schemas.openxmlformats.org/presentationml/2006/main">
+  <p:cSld>
+    <p:spTree>
+      <p:nvGrpSpPr>
+        <p:cNvPr id="1" name=""/>
+        <p:cNvGrpSpPr/>
+        <p:nvPr/>
+      </p:nvGrpSpPr>
+      <p:grpSpPr>
+        <a:xfrm>
+          <a:off x="0" y="0"/>
+          <a:ext cx="0" cy="0"/>
+          <a:chOff x="0" y="0"/>
+          <a:chExt cx="0" cy="0"/>
+        </a:xfrm>
+      </p:grpSpPr>
+      <p:grpSp>
+        <p:nvGrpSpPr>
           <p:cNvPr id="36" name="Group 35">
             <a:extLst>
               <a:ext uri="{FF2B5EF4-FFF2-40B4-BE49-F238E27FC236}">
@@ -12430,2530 +16712,6 @@
 </p:sld>
 </file>
 
-<file path=ppt/slides/slide9.xml><?xml version="1.0" encoding="utf-8"?>
-<p:sld xmlns:a="http://schemas.openxmlformats.org/drawingml/2006/main" xmlns:r="http://schemas.openxmlformats.org/officeDocument/2006/relationships" xmlns:p="http://schemas.openxmlformats.org/presentationml/2006/main">
-  <p:cSld>
-    <p:spTree>
-      <p:nvGrpSpPr>
-        <p:cNvPr id="1" name=""/>
-        <p:cNvGrpSpPr/>
-        <p:nvPr/>
-      </p:nvGrpSpPr>
-      <p:grpSpPr>
-        <a:xfrm>
-          <a:off x="0" y="0"/>
-          <a:ext cx="0" cy="0"/>
-          <a:chOff x="0" y="0"/>
-          <a:chExt cx="0" cy="0"/>
-        </a:xfrm>
-      </p:grpSpPr>
-      <p:grpSp>
-        <p:nvGrpSpPr>
-          <p:cNvPr id="4" name="Group 3">
-            <a:extLst>
-              <a:ext uri="{FF2B5EF4-FFF2-40B4-BE49-F238E27FC236}">
-                <a16:creationId xmlns:a16="http://schemas.microsoft.com/office/drawing/2014/main" id="{3DD47447-E35A-E385-C0B7-97D57BAF7CB7}"/>
-              </a:ext>
-            </a:extLst>
-          </p:cNvPr>
-          <p:cNvGrpSpPr/>
-          <p:nvPr/>
-        </p:nvGrpSpPr>
-        <p:grpSpPr>
-          <a:xfrm>
-            <a:off x="2701361" y="1304536"/>
-            <a:ext cx="2994025" cy="2411730"/>
-            <a:chOff x="0" y="-146050"/>
-            <a:chExt cx="2994025" cy="2411730"/>
-          </a:xfrm>
-        </p:grpSpPr>
-        <p:pic>
-          <p:nvPicPr>
-            <p:cNvPr id="5" name="Picture 4">
-              <a:extLst>
-                <a:ext uri="{FF2B5EF4-FFF2-40B4-BE49-F238E27FC236}">
-                  <a16:creationId xmlns:a16="http://schemas.microsoft.com/office/drawing/2014/main" id="{B2578076-A004-75B1-A54B-839683E3E5CF}"/>
-                </a:ext>
-              </a:extLst>
-            </p:cNvPr>
-            <p:cNvPicPr>
-              <a:picLocks noChangeAspect="1"/>
-            </p:cNvPicPr>
-            <p:nvPr/>
-          </p:nvPicPr>
-          <p:blipFill>
-            <a:blip r:embed="rId2">
-              <a:extLst>
-                <a:ext uri="{BEBA8EAE-BF5A-486C-A8C5-ECC9F3942E4B}">
-                  <a14:imgProps xmlns:a14="http://schemas.microsoft.com/office/drawing/2010/main">
-                    <a14:imgLayer r:embed="rId3">
-                      <a14:imgEffect>
-                        <a14:sharpenSoften amount="25000"/>
-                      </a14:imgEffect>
-                    </a14:imgLayer>
-                  </a14:imgProps>
-                </a:ext>
-                <a:ext uri="{28A0092B-C50C-407E-A947-70E740481C1C}">
-                  <a14:useLocalDpi xmlns:a14="http://schemas.microsoft.com/office/drawing/2010/main" val="0"/>
-                </a:ext>
-              </a:extLst>
-            </a:blip>
-            <a:stretch>
-              <a:fillRect/>
-            </a:stretch>
-          </p:blipFill>
-          <p:spPr>
-            <a:xfrm>
-              <a:off x="0" y="0"/>
-              <a:ext cx="2994025" cy="2265680"/>
-            </a:xfrm>
-            <a:prstGeom prst="rect">
-              <a:avLst/>
-            </a:prstGeom>
-          </p:spPr>
-        </p:pic>
-        <p:grpSp>
-          <p:nvGrpSpPr>
-            <p:cNvPr id="6" name="Group 5">
-              <a:extLst>
-                <a:ext uri="{FF2B5EF4-FFF2-40B4-BE49-F238E27FC236}">
-                  <a16:creationId xmlns:a16="http://schemas.microsoft.com/office/drawing/2014/main" id="{C0CA0CDF-A24B-7288-8A46-E7AEAF22B79F}"/>
-                </a:ext>
-              </a:extLst>
-            </p:cNvPr>
-            <p:cNvGrpSpPr/>
-            <p:nvPr/>
-          </p:nvGrpSpPr>
-          <p:grpSpPr>
-            <a:xfrm>
-              <a:off x="33594" y="-146050"/>
-              <a:ext cx="2960431" cy="1606550"/>
-              <a:chOff x="-188656" y="-146050"/>
-              <a:chExt cx="2960431" cy="1606550"/>
-            </a:xfrm>
-          </p:grpSpPr>
-          <p:sp>
-            <p:nvSpPr>
-              <p:cNvPr id="7" name="Text Box 23">
-                <a:extLst>
-                  <a:ext uri="{FF2B5EF4-FFF2-40B4-BE49-F238E27FC236}">
-                    <a16:creationId xmlns:a16="http://schemas.microsoft.com/office/drawing/2014/main" id="{C9B1BD6C-50FA-FA9D-1F5A-515C61CA8D02}"/>
-                  </a:ext>
-                </a:extLst>
-              </p:cNvPr>
-              <p:cNvSpPr txBox="1"/>
-              <p:nvPr/>
-            </p:nvSpPr>
-            <p:spPr>
-              <a:xfrm>
-                <a:off x="-188656" y="-146050"/>
-                <a:ext cx="1282700" cy="323850"/>
-              </a:xfrm>
-              <a:prstGeom prst="rect">
-                <a:avLst/>
-              </a:prstGeom>
-              <a:solidFill>
-                <a:schemeClr val="lt1"/>
-              </a:solidFill>
-              <a:ln w="6350">
-                <a:solidFill>
-                  <a:prstClr val="black"/>
-                </a:solidFill>
-              </a:ln>
-            </p:spPr>
-            <p:txBody>
-              <a:bodyPr rot="0" spcFirstLastPara="0" vert="horz" wrap="square" lIns="91440" tIns="45720" rIns="91440" bIns="45720" numCol="1" spcCol="0" rtlCol="0" fromWordArt="0" anchor="t" anchorCtr="0" forceAA="0" compatLnSpc="1">
-                <a:prstTxWarp prst="textNoShape">
-                  <a:avLst/>
-                </a:prstTxWarp>
-                <a:noAutofit/>
-              </a:bodyPr>
-              <a:lstStyle/>
-              <a:p>
-                <a:pPr>
-                  <a:lnSpc>
-                    <a:spcPct val="107000"/>
-                  </a:lnSpc>
-                  <a:spcAft>
-                    <a:spcPts val="800"/>
-                  </a:spcAft>
-                </a:pPr>
-                <a:r>
-                  <a:rPr lang="en-ID" sz="1200" kern="100" dirty="0" err="1">
-                    <a:effectLst/>
-                    <a:latin typeface="Times New Roman" panose="02020603050405020304" pitchFamily="18" charset="0"/>
-                    <a:ea typeface="Calibri" panose="020F0502020204030204" pitchFamily="34" charset="0"/>
-                    <a:cs typeface="Times New Roman" panose="02020603050405020304" pitchFamily="18" charset="0"/>
-                  </a:rPr>
-                  <a:t>Muka</a:t>
-                </a:r>
-                <a:r>
-                  <a:rPr lang="en-ID" sz="1200" kern="100" dirty="0">
-                    <a:effectLst/>
-                    <a:latin typeface="Times New Roman" panose="02020603050405020304" pitchFamily="18" charset="0"/>
-                    <a:ea typeface="Calibri" panose="020F0502020204030204" pitchFamily="34" charset="0"/>
-                    <a:cs typeface="Times New Roman" panose="02020603050405020304" pitchFamily="18" charset="0"/>
-                  </a:rPr>
-                  <a:t> </a:t>
-                </a:r>
-                <a:r>
-                  <a:rPr lang="en-ID" sz="1200" kern="100" dirty="0" err="1">
-                    <a:effectLst/>
-                    <a:latin typeface="Times New Roman" panose="02020603050405020304" pitchFamily="18" charset="0"/>
-                    <a:ea typeface="Calibri" panose="020F0502020204030204" pitchFamily="34" charset="0"/>
-                    <a:cs typeface="Times New Roman" panose="02020603050405020304" pitchFamily="18" charset="0"/>
-                  </a:rPr>
-                  <a:t>gelombang</a:t>
-                </a:r>
-                <a:endParaRPr lang="en-ID" sz="1200" kern="100" dirty="0">
-                  <a:effectLst/>
-                  <a:latin typeface="Times New Roman" panose="02020603050405020304" pitchFamily="18" charset="0"/>
-                  <a:ea typeface="Calibri" panose="020F0502020204030204" pitchFamily="34" charset="0"/>
-                  <a:cs typeface="Times New Roman" panose="02020603050405020304" pitchFamily="18" charset="0"/>
-                </a:endParaRPr>
-              </a:p>
-            </p:txBody>
-          </p:sp>
-          <p:sp>
-            <p:nvSpPr>
-              <p:cNvPr id="8" name="Text Box 23">
-                <a:extLst>
-                  <a:ext uri="{FF2B5EF4-FFF2-40B4-BE49-F238E27FC236}">
-                    <a16:creationId xmlns:a16="http://schemas.microsoft.com/office/drawing/2014/main" id="{47EA2C23-B340-49DC-46BC-CCDE5043FA19}"/>
-                  </a:ext>
-                </a:extLst>
-              </p:cNvPr>
-              <p:cNvSpPr txBox="1"/>
-              <p:nvPr/>
-            </p:nvSpPr>
-            <p:spPr>
-              <a:xfrm>
-                <a:off x="1664928" y="-146050"/>
-                <a:ext cx="514350" cy="323850"/>
-              </a:xfrm>
-              <a:prstGeom prst="rect">
-                <a:avLst/>
-              </a:prstGeom>
-              <a:solidFill>
-                <a:schemeClr val="lt1"/>
-              </a:solidFill>
-              <a:ln w="6350">
-                <a:solidFill>
-                  <a:prstClr val="black"/>
-                </a:solidFill>
-              </a:ln>
-            </p:spPr>
-            <p:txBody>
-              <a:bodyPr rot="0" spcFirstLastPara="0" vert="horz" wrap="square" lIns="91440" tIns="45720" rIns="91440" bIns="45720" numCol="1" spcCol="0" rtlCol="0" fromWordArt="0" anchor="t" anchorCtr="0" forceAA="0" compatLnSpc="1">
-                <a:prstTxWarp prst="textNoShape">
-                  <a:avLst/>
-                </a:prstTxWarp>
-                <a:noAutofit/>
-              </a:bodyPr>
-              <a:lstStyle/>
-              <a:p>
-                <a:pPr>
-                  <a:lnSpc>
-                    <a:spcPct val="107000"/>
-                  </a:lnSpc>
-                  <a:spcAft>
-                    <a:spcPts val="800"/>
-                  </a:spcAft>
-                </a:pPr>
-                <a:r>
-                  <a:rPr lang="en-ID" sz="1200" kern="100">
-                    <a:effectLst/>
-                    <a:latin typeface="Times New Roman" panose="02020603050405020304" pitchFamily="18" charset="0"/>
-                    <a:ea typeface="Calibri" panose="020F0502020204030204" pitchFamily="34" charset="0"/>
-                    <a:cs typeface="Times New Roman" panose="02020603050405020304" pitchFamily="18" charset="0"/>
-                  </a:rPr>
-                  <a:t>Sinar</a:t>
-                </a:r>
-              </a:p>
-            </p:txBody>
-          </p:sp>
-          <p:cxnSp>
-            <p:nvCxnSpPr>
-              <p:cNvPr id="9" name="Straight Arrow Connector 8">
-                <a:extLst>
-                  <a:ext uri="{FF2B5EF4-FFF2-40B4-BE49-F238E27FC236}">
-                    <a16:creationId xmlns:a16="http://schemas.microsoft.com/office/drawing/2014/main" id="{1FE6034A-01E4-A817-CC46-63562731BB75}"/>
-                  </a:ext>
-                </a:extLst>
-              </p:cNvPr>
-              <p:cNvCxnSpPr/>
-              <p:nvPr/>
-            </p:nvCxnSpPr>
-            <p:spPr>
-              <a:xfrm>
-                <a:off x="1962150" y="158750"/>
-                <a:ext cx="596900" cy="730250"/>
-              </a:xfrm>
-              <a:prstGeom prst="straightConnector1">
-                <a:avLst/>
-              </a:prstGeom>
-              <a:ln w="25400">
-                <a:tailEnd type="triangle"/>
-              </a:ln>
-            </p:spPr>
-            <p:style>
-              <a:lnRef idx="1">
-                <a:schemeClr val="accent1"/>
-              </a:lnRef>
-              <a:fillRef idx="0">
-                <a:schemeClr val="accent1"/>
-              </a:fillRef>
-              <a:effectRef idx="0">
-                <a:schemeClr val="accent1"/>
-              </a:effectRef>
-              <a:fontRef idx="minor">
-                <a:schemeClr val="tx1"/>
-              </a:fontRef>
-            </p:style>
-          </p:cxnSp>
-          <p:cxnSp>
-            <p:nvCxnSpPr>
-              <p:cNvPr id="10" name="Straight Arrow Connector 9">
-                <a:extLst>
-                  <a:ext uri="{FF2B5EF4-FFF2-40B4-BE49-F238E27FC236}">
-                    <a16:creationId xmlns:a16="http://schemas.microsoft.com/office/drawing/2014/main" id="{7D04C518-C14F-2FFE-B00D-2A63B729110C}"/>
-                  </a:ext>
-                </a:extLst>
-              </p:cNvPr>
-              <p:cNvCxnSpPr/>
-              <p:nvPr/>
-            </p:nvCxnSpPr>
-            <p:spPr>
-              <a:xfrm flipH="1">
-                <a:off x="1765300" y="158750"/>
-                <a:ext cx="196850" cy="965200"/>
-              </a:xfrm>
-              <a:prstGeom prst="straightConnector1">
-                <a:avLst/>
-              </a:prstGeom>
-              <a:ln w="25400">
-                <a:tailEnd type="triangle"/>
-              </a:ln>
-            </p:spPr>
-            <p:style>
-              <a:lnRef idx="1">
-                <a:schemeClr val="accent1"/>
-              </a:lnRef>
-              <a:fillRef idx="0">
-                <a:schemeClr val="accent1"/>
-              </a:fillRef>
-              <a:effectRef idx="0">
-                <a:schemeClr val="accent1"/>
-              </a:effectRef>
-              <a:fontRef idx="minor">
-                <a:schemeClr val="tx1"/>
-              </a:fontRef>
-            </p:style>
-          </p:cxnSp>
-          <p:cxnSp>
-            <p:nvCxnSpPr>
-              <p:cNvPr id="11" name="Straight Arrow Connector 10">
-                <a:extLst>
-                  <a:ext uri="{FF2B5EF4-FFF2-40B4-BE49-F238E27FC236}">
-                    <a16:creationId xmlns:a16="http://schemas.microsoft.com/office/drawing/2014/main" id="{B44CF03C-928D-0E40-94CD-14BA856FF560}"/>
-                  </a:ext>
-                </a:extLst>
-              </p:cNvPr>
-              <p:cNvCxnSpPr/>
-              <p:nvPr/>
-            </p:nvCxnSpPr>
-            <p:spPr>
-              <a:xfrm flipH="1">
-                <a:off x="1003300" y="158750"/>
-                <a:ext cx="958850" cy="1162050"/>
-              </a:xfrm>
-              <a:prstGeom prst="straightConnector1">
-                <a:avLst/>
-              </a:prstGeom>
-              <a:ln w="25400">
-                <a:tailEnd type="triangle"/>
-              </a:ln>
-            </p:spPr>
-            <p:style>
-              <a:lnRef idx="1">
-                <a:schemeClr val="accent1"/>
-              </a:lnRef>
-              <a:fillRef idx="0">
-                <a:schemeClr val="accent1"/>
-              </a:fillRef>
-              <a:effectRef idx="0">
-                <a:schemeClr val="accent1"/>
-              </a:effectRef>
-              <a:fontRef idx="minor">
-                <a:schemeClr val="tx1"/>
-              </a:fontRef>
-            </p:style>
-          </p:cxnSp>
-          <p:cxnSp>
-            <p:nvCxnSpPr>
-              <p:cNvPr id="12" name="Straight Arrow Connector 11">
-                <a:extLst>
-                  <a:ext uri="{FF2B5EF4-FFF2-40B4-BE49-F238E27FC236}">
-                    <a16:creationId xmlns:a16="http://schemas.microsoft.com/office/drawing/2014/main" id="{4654839E-A91D-76F0-3E01-99077EB92831}"/>
-                  </a:ext>
-                </a:extLst>
-              </p:cNvPr>
-              <p:cNvCxnSpPr>
-                <a:cxnSpLocks/>
-                <a:stCxn id="7" idx="2"/>
-              </p:cNvCxnSpPr>
-              <p:nvPr/>
-            </p:nvCxnSpPr>
-            <p:spPr>
-              <a:xfrm>
-                <a:off x="452694" y="177800"/>
-                <a:ext cx="283906" cy="1143000"/>
-              </a:xfrm>
-              <a:prstGeom prst="straightConnector1">
-                <a:avLst/>
-              </a:prstGeom>
-              <a:ln w="25400">
-                <a:solidFill>
-                  <a:srgbClr val="00B050"/>
-                </a:solidFill>
-                <a:tailEnd type="triangle"/>
-              </a:ln>
-            </p:spPr>
-            <p:style>
-              <a:lnRef idx="1">
-                <a:schemeClr val="accent1"/>
-              </a:lnRef>
-              <a:fillRef idx="0">
-                <a:schemeClr val="accent1"/>
-              </a:fillRef>
-              <a:effectRef idx="0">
-                <a:schemeClr val="accent1"/>
-              </a:effectRef>
-              <a:fontRef idx="minor">
-                <a:schemeClr val="tx1"/>
-              </a:fontRef>
-            </p:style>
-          </p:cxnSp>
-          <p:cxnSp>
-            <p:nvCxnSpPr>
-              <p:cNvPr id="13" name="Straight Arrow Connector 12">
-                <a:extLst>
-                  <a:ext uri="{FF2B5EF4-FFF2-40B4-BE49-F238E27FC236}">
-                    <a16:creationId xmlns:a16="http://schemas.microsoft.com/office/drawing/2014/main" id="{0C67B5BB-0FE8-1387-6BAD-F5E195899274}"/>
-                  </a:ext>
-                </a:extLst>
-              </p:cNvPr>
-              <p:cNvCxnSpPr>
-                <a:cxnSpLocks/>
-                <a:stCxn id="7" idx="2"/>
-              </p:cNvCxnSpPr>
-              <p:nvPr/>
-            </p:nvCxnSpPr>
-            <p:spPr>
-              <a:xfrm>
-                <a:off x="452694" y="177800"/>
-                <a:ext cx="741106" cy="749300"/>
-              </a:xfrm>
-              <a:prstGeom prst="straightConnector1">
-                <a:avLst/>
-              </a:prstGeom>
-              <a:ln w="25400">
-                <a:solidFill>
-                  <a:srgbClr val="00B050"/>
-                </a:solidFill>
-                <a:tailEnd type="triangle"/>
-              </a:ln>
-            </p:spPr>
-            <p:style>
-              <a:lnRef idx="1">
-                <a:schemeClr val="accent1"/>
-              </a:lnRef>
-              <a:fillRef idx="0">
-                <a:schemeClr val="accent1"/>
-              </a:fillRef>
-              <a:effectRef idx="0">
-                <a:schemeClr val="accent1"/>
-              </a:effectRef>
-              <a:fontRef idx="minor">
-                <a:schemeClr val="tx1"/>
-              </a:fontRef>
-            </p:style>
-          </p:cxnSp>
-          <p:cxnSp>
-            <p:nvCxnSpPr>
-              <p:cNvPr id="14" name="Straight Arrow Connector 13">
-                <a:extLst>
-                  <a:ext uri="{FF2B5EF4-FFF2-40B4-BE49-F238E27FC236}">
-                    <a16:creationId xmlns:a16="http://schemas.microsoft.com/office/drawing/2014/main" id="{A788F515-B4E3-F957-8E9D-9A213B6C2F36}"/>
-                  </a:ext>
-                </a:extLst>
-              </p:cNvPr>
-              <p:cNvCxnSpPr>
-                <a:cxnSpLocks/>
-                <a:stCxn id="7" idx="2"/>
-              </p:cNvCxnSpPr>
-              <p:nvPr/>
-            </p:nvCxnSpPr>
-            <p:spPr>
-              <a:xfrm>
-                <a:off x="452694" y="177800"/>
-                <a:ext cx="1560256" cy="438150"/>
-              </a:xfrm>
-              <a:prstGeom prst="straightConnector1">
-                <a:avLst/>
-              </a:prstGeom>
-              <a:ln w="25400">
-                <a:solidFill>
-                  <a:srgbClr val="00B050"/>
-                </a:solidFill>
-                <a:tailEnd type="triangle"/>
-              </a:ln>
-            </p:spPr>
-            <p:style>
-              <a:lnRef idx="1">
-                <a:schemeClr val="accent1"/>
-              </a:lnRef>
-              <a:fillRef idx="0">
-                <a:schemeClr val="accent1"/>
-              </a:fillRef>
-              <a:effectRef idx="0">
-                <a:schemeClr val="accent1"/>
-              </a:effectRef>
-              <a:fontRef idx="minor">
-                <a:schemeClr val="tx1"/>
-              </a:fontRef>
-            </p:style>
-          </p:cxnSp>
-          <p:sp>
-            <p:nvSpPr>
-              <p:cNvPr id="15" name="Rectangle 14">
-                <a:extLst>
-                  <a:ext uri="{FF2B5EF4-FFF2-40B4-BE49-F238E27FC236}">
-                    <a16:creationId xmlns:a16="http://schemas.microsoft.com/office/drawing/2014/main" id="{55B720DF-1620-B577-A397-83E6E1A935F9}"/>
-                  </a:ext>
-                </a:extLst>
-              </p:cNvPr>
-              <p:cNvSpPr/>
-              <p:nvPr/>
-            </p:nvSpPr>
-            <p:spPr>
-              <a:xfrm>
-                <a:off x="774700" y="1320800"/>
-                <a:ext cx="355600" cy="139700"/>
-              </a:xfrm>
-              <a:prstGeom prst="rect">
-                <a:avLst/>
-              </a:prstGeom>
-              <a:noFill/>
-              <a:ln>
-                <a:solidFill>
-                  <a:schemeClr val="accent1"/>
-                </a:solidFill>
-              </a:ln>
-            </p:spPr>
-            <p:style>
-              <a:lnRef idx="2">
-                <a:schemeClr val="accent1">
-                  <a:shade val="15000"/>
-                </a:schemeClr>
-              </a:lnRef>
-              <a:fillRef idx="1">
-                <a:schemeClr val="accent1"/>
-              </a:fillRef>
-              <a:effectRef idx="0">
-                <a:schemeClr val="accent1"/>
-              </a:effectRef>
-              <a:fontRef idx="minor">
-                <a:schemeClr val="lt1"/>
-              </a:fontRef>
-            </p:style>
-            <p:txBody>
-              <a:bodyPr rot="0" spcFirstLastPara="0" vert="horz" wrap="square" lIns="91440" tIns="45720" rIns="91440" bIns="45720" numCol="1" spcCol="0" rtlCol="0" fromWordArt="0" anchor="ctr" anchorCtr="0" forceAA="0" compatLnSpc="1">
-                <a:prstTxWarp prst="textNoShape">
-                  <a:avLst/>
-                </a:prstTxWarp>
-                <a:noAutofit/>
-              </a:bodyPr>
-              <a:lstStyle/>
-              <a:p>
-                <a:endParaRPr lang="en-ID"/>
-              </a:p>
-            </p:txBody>
-          </p:sp>
-          <p:sp>
-            <p:nvSpPr>
-              <p:cNvPr id="16" name="Rectangle 15">
-                <a:extLst>
-                  <a:ext uri="{FF2B5EF4-FFF2-40B4-BE49-F238E27FC236}">
-                    <a16:creationId xmlns:a16="http://schemas.microsoft.com/office/drawing/2014/main" id="{2EECE4F8-5E14-495A-2DB6-2E463BB71314}"/>
-                  </a:ext>
-                </a:extLst>
-              </p:cNvPr>
-              <p:cNvSpPr/>
-              <p:nvPr/>
-            </p:nvSpPr>
-            <p:spPr>
-              <a:xfrm>
-                <a:off x="1447800" y="1123950"/>
-                <a:ext cx="419100" cy="196850"/>
-              </a:xfrm>
-              <a:prstGeom prst="rect">
-                <a:avLst/>
-              </a:prstGeom>
-              <a:noFill/>
-              <a:ln>
-                <a:solidFill>
-                  <a:schemeClr val="accent1"/>
-                </a:solidFill>
-              </a:ln>
-            </p:spPr>
-            <p:style>
-              <a:lnRef idx="2">
-                <a:schemeClr val="accent1">
-                  <a:shade val="15000"/>
-                </a:schemeClr>
-              </a:lnRef>
-              <a:fillRef idx="1">
-                <a:schemeClr val="accent1"/>
-              </a:fillRef>
-              <a:effectRef idx="0">
-                <a:schemeClr val="accent1"/>
-              </a:effectRef>
-              <a:fontRef idx="minor">
-                <a:schemeClr val="lt1"/>
-              </a:fontRef>
-            </p:style>
-            <p:txBody>
-              <a:bodyPr rot="0" spcFirstLastPara="0" vert="horz" wrap="square" lIns="91440" tIns="45720" rIns="91440" bIns="45720" numCol="1" spcCol="0" rtlCol="0" fromWordArt="0" anchor="ctr" anchorCtr="0" forceAA="0" compatLnSpc="1">
-                <a:prstTxWarp prst="textNoShape">
-                  <a:avLst/>
-                </a:prstTxWarp>
-                <a:noAutofit/>
-              </a:bodyPr>
-              <a:lstStyle/>
-              <a:p>
-                <a:endParaRPr lang="en-ID"/>
-              </a:p>
-            </p:txBody>
-          </p:sp>
-          <p:sp>
-            <p:nvSpPr>
-              <p:cNvPr id="17" name="Rectangle 16">
-                <a:extLst>
-                  <a:ext uri="{FF2B5EF4-FFF2-40B4-BE49-F238E27FC236}">
-                    <a16:creationId xmlns:a16="http://schemas.microsoft.com/office/drawing/2014/main" id="{D7C35EAF-2432-ED2D-565F-B2C4CFE3EFEC}"/>
-                  </a:ext>
-                </a:extLst>
-              </p:cNvPr>
-              <p:cNvSpPr/>
-              <p:nvPr/>
-            </p:nvSpPr>
-            <p:spPr>
-              <a:xfrm>
-                <a:off x="2286000" y="920750"/>
-                <a:ext cx="485775" cy="203200"/>
-              </a:xfrm>
-              <a:prstGeom prst="rect">
-                <a:avLst/>
-              </a:prstGeom>
-              <a:noFill/>
-              <a:ln>
-                <a:solidFill>
-                  <a:schemeClr val="accent1"/>
-                </a:solidFill>
-              </a:ln>
-            </p:spPr>
-            <p:style>
-              <a:lnRef idx="2">
-                <a:schemeClr val="accent1">
-                  <a:shade val="15000"/>
-                </a:schemeClr>
-              </a:lnRef>
-              <a:fillRef idx="1">
-                <a:schemeClr val="accent1"/>
-              </a:fillRef>
-              <a:effectRef idx="0">
-                <a:schemeClr val="accent1"/>
-              </a:effectRef>
-              <a:fontRef idx="minor">
-                <a:schemeClr val="lt1"/>
-              </a:fontRef>
-            </p:style>
-            <p:txBody>
-              <a:bodyPr rot="0" spcFirstLastPara="0" vert="horz" wrap="square" lIns="91440" tIns="45720" rIns="91440" bIns="45720" numCol="1" spcCol="0" rtlCol="0" fromWordArt="0" anchor="ctr" anchorCtr="0" forceAA="0" compatLnSpc="1">
-                <a:prstTxWarp prst="textNoShape">
-                  <a:avLst/>
-                </a:prstTxWarp>
-                <a:noAutofit/>
-              </a:bodyPr>
-              <a:lstStyle/>
-              <a:p>
-                <a:endParaRPr lang="en-ID"/>
-              </a:p>
-            </p:txBody>
-          </p:sp>
-        </p:grpSp>
-      </p:grpSp>
-      <p:grpSp>
-        <p:nvGrpSpPr>
-          <p:cNvPr id="18" name="Group 17">
-            <a:extLst>
-              <a:ext uri="{FF2B5EF4-FFF2-40B4-BE49-F238E27FC236}">
-                <a16:creationId xmlns:a16="http://schemas.microsoft.com/office/drawing/2014/main" id="{75E59CF9-5C99-F71B-5318-5E18BEBFFF3C}"/>
-              </a:ext>
-            </a:extLst>
-          </p:cNvPr>
-          <p:cNvGrpSpPr/>
-          <p:nvPr/>
-        </p:nvGrpSpPr>
-        <p:grpSpPr>
-          <a:xfrm>
-            <a:off x="6252342" y="1817349"/>
-            <a:ext cx="4483100" cy="3575051"/>
-            <a:chOff x="0" y="-1"/>
-            <a:chExt cx="4483100" cy="3575051"/>
-          </a:xfrm>
-        </p:grpSpPr>
-        <p:grpSp>
-          <p:nvGrpSpPr>
-            <p:cNvPr id="19" name="Group 18">
-              <a:extLst>
-                <a:ext uri="{FF2B5EF4-FFF2-40B4-BE49-F238E27FC236}">
-                  <a16:creationId xmlns:a16="http://schemas.microsoft.com/office/drawing/2014/main" id="{6A7643F2-19D8-FC49-71E0-79C9090588B3}"/>
-                </a:ext>
-              </a:extLst>
-            </p:cNvPr>
-            <p:cNvGrpSpPr/>
-            <p:nvPr/>
-          </p:nvGrpSpPr>
-          <p:grpSpPr>
-            <a:xfrm>
-              <a:off x="0" y="412750"/>
-              <a:ext cx="4483100" cy="2654300"/>
-              <a:chOff x="0" y="0"/>
-              <a:chExt cx="4483100" cy="2654300"/>
-            </a:xfrm>
-          </p:grpSpPr>
-          <p:grpSp>
-            <p:nvGrpSpPr>
-              <p:cNvPr id="28" name="Group 27">
-                <a:extLst>
-                  <a:ext uri="{FF2B5EF4-FFF2-40B4-BE49-F238E27FC236}">
-                    <a16:creationId xmlns:a16="http://schemas.microsoft.com/office/drawing/2014/main" id="{3A7361D8-17F6-8B5C-52C9-5CF6FDDAF739}"/>
-                  </a:ext>
-                </a:extLst>
-              </p:cNvPr>
-              <p:cNvGrpSpPr/>
-              <p:nvPr/>
-            </p:nvGrpSpPr>
-            <p:grpSpPr>
-              <a:xfrm>
-                <a:off x="0" y="0"/>
-                <a:ext cx="4483100" cy="2654300"/>
-                <a:chOff x="0" y="0"/>
-                <a:chExt cx="4483100" cy="2654300"/>
-              </a:xfrm>
-            </p:grpSpPr>
-            <p:sp>
-              <p:nvSpPr>
-                <p:cNvPr id="34" name="Freeform: Shape 33">
-                  <a:extLst>
-                    <a:ext uri="{FF2B5EF4-FFF2-40B4-BE49-F238E27FC236}">
-                      <a16:creationId xmlns:a16="http://schemas.microsoft.com/office/drawing/2014/main" id="{45BBFF57-099C-FA67-A0D9-83FA7D9486C1}"/>
-                    </a:ext>
-                  </a:extLst>
-                </p:cNvPr>
-                <p:cNvSpPr/>
-                <p:nvPr/>
-              </p:nvSpPr>
-              <p:spPr>
-                <a:xfrm>
-                  <a:off x="0" y="247650"/>
-                  <a:ext cx="4184650" cy="768378"/>
-                </a:xfrm>
-                <a:custGeom>
-                  <a:avLst/>
-                  <a:gdLst>
-                    <a:gd name="connsiteX0" fmla="*/ 0 w 4184650"/>
-                    <a:gd name="connsiteY0" fmla="*/ 768378 h 768378"/>
-                    <a:gd name="connsiteX1" fmla="*/ 431800 w 4184650"/>
-                    <a:gd name="connsiteY1" fmla="*/ 28 h 768378"/>
-                    <a:gd name="connsiteX2" fmla="*/ 857250 w 4184650"/>
-                    <a:gd name="connsiteY2" fmla="*/ 736628 h 768378"/>
-                    <a:gd name="connsiteX3" fmla="*/ 1238250 w 4184650"/>
-                    <a:gd name="connsiteY3" fmla="*/ 12728 h 768378"/>
-                    <a:gd name="connsiteX4" fmla="*/ 1625600 w 4184650"/>
-                    <a:gd name="connsiteY4" fmla="*/ 711228 h 768378"/>
-                    <a:gd name="connsiteX5" fmla="*/ 1993900 w 4184650"/>
-                    <a:gd name="connsiteY5" fmla="*/ 38128 h 768378"/>
-                    <a:gd name="connsiteX6" fmla="*/ 2355850 w 4184650"/>
-                    <a:gd name="connsiteY6" fmla="*/ 666778 h 768378"/>
-                    <a:gd name="connsiteX7" fmla="*/ 2705100 w 4184650"/>
-                    <a:gd name="connsiteY7" fmla="*/ 38128 h 768378"/>
-                    <a:gd name="connsiteX8" fmla="*/ 3092450 w 4184650"/>
-                    <a:gd name="connsiteY8" fmla="*/ 666778 h 768378"/>
-                    <a:gd name="connsiteX9" fmla="*/ 3397250 w 4184650"/>
-                    <a:gd name="connsiteY9" fmla="*/ 69878 h 768378"/>
-                    <a:gd name="connsiteX10" fmla="*/ 3778250 w 4184650"/>
-                    <a:gd name="connsiteY10" fmla="*/ 635028 h 768378"/>
-                    <a:gd name="connsiteX11" fmla="*/ 4184650 w 4184650"/>
-                    <a:gd name="connsiteY11" fmla="*/ 69878 h 768378"/>
-                  </a:gdLst>
-                  <a:ahLst/>
-                  <a:cxnLst>
-                    <a:cxn ang="0">
-                      <a:pos x="connsiteX0" y="connsiteY0"/>
-                    </a:cxn>
-                    <a:cxn ang="0">
-                      <a:pos x="connsiteX1" y="connsiteY1"/>
-                    </a:cxn>
-                    <a:cxn ang="0">
-                      <a:pos x="connsiteX2" y="connsiteY2"/>
-                    </a:cxn>
-                    <a:cxn ang="0">
-                      <a:pos x="connsiteX3" y="connsiteY3"/>
-                    </a:cxn>
-                    <a:cxn ang="0">
-                      <a:pos x="connsiteX4" y="connsiteY4"/>
-                    </a:cxn>
-                    <a:cxn ang="0">
-                      <a:pos x="connsiteX5" y="connsiteY5"/>
-                    </a:cxn>
-                    <a:cxn ang="0">
-                      <a:pos x="connsiteX6" y="connsiteY6"/>
-                    </a:cxn>
-                    <a:cxn ang="0">
-                      <a:pos x="connsiteX7" y="connsiteY7"/>
-                    </a:cxn>
-                    <a:cxn ang="0">
-                      <a:pos x="connsiteX8" y="connsiteY8"/>
-                    </a:cxn>
-                    <a:cxn ang="0">
-                      <a:pos x="connsiteX9" y="connsiteY9"/>
-                    </a:cxn>
-                    <a:cxn ang="0">
-                      <a:pos x="connsiteX10" y="connsiteY10"/>
-                    </a:cxn>
-                    <a:cxn ang="0">
-                      <a:pos x="connsiteX11" y="connsiteY11"/>
-                    </a:cxn>
-                  </a:cxnLst>
-                  <a:rect l="l" t="t" r="r" b="b"/>
-                  <a:pathLst>
-                    <a:path w="4184650" h="768378">
-                      <a:moveTo>
-                        <a:pt x="0" y="768378"/>
-                      </a:moveTo>
-                      <a:cubicBezTo>
-                        <a:pt x="144462" y="386849"/>
-                        <a:pt x="288925" y="5320"/>
-                        <a:pt x="431800" y="28"/>
-                      </a:cubicBezTo>
-                      <a:cubicBezTo>
-                        <a:pt x="574675" y="-5264"/>
-                        <a:pt x="722842" y="734511"/>
-                        <a:pt x="857250" y="736628"/>
-                      </a:cubicBezTo>
-                      <a:cubicBezTo>
-                        <a:pt x="991658" y="738745"/>
-                        <a:pt x="1110192" y="16961"/>
-                        <a:pt x="1238250" y="12728"/>
-                      </a:cubicBezTo>
-                      <a:cubicBezTo>
-                        <a:pt x="1366308" y="8495"/>
-                        <a:pt x="1499659" y="706995"/>
-                        <a:pt x="1625600" y="711228"/>
-                      </a:cubicBezTo>
-                      <a:cubicBezTo>
-                        <a:pt x="1751541" y="715461"/>
-                        <a:pt x="1872192" y="45536"/>
-                        <a:pt x="1993900" y="38128"/>
-                      </a:cubicBezTo>
-                      <a:cubicBezTo>
-                        <a:pt x="2115608" y="30720"/>
-                        <a:pt x="2237317" y="666778"/>
-                        <a:pt x="2355850" y="666778"/>
-                      </a:cubicBezTo>
-                      <a:cubicBezTo>
-                        <a:pt x="2474383" y="666778"/>
-                        <a:pt x="2582333" y="38128"/>
-                        <a:pt x="2705100" y="38128"/>
-                      </a:cubicBezTo>
-                      <a:cubicBezTo>
-                        <a:pt x="2827867" y="38128"/>
-                        <a:pt x="2977092" y="661486"/>
-                        <a:pt x="3092450" y="666778"/>
-                      </a:cubicBezTo>
-                      <a:cubicBezTo>
-                        <a:pt x="3207808" y="672070"/>
-                        <a:pt x="3282950" y="75170"/>
-                        <a:pt x="3397250" y="69878"/>
-                      </a:cubicBezTo>
-                      <a:cubicBezTo>
-                        <a:pt x="3511550" y="64586"/>
-                        <a:pt x="3647017" y="635028"/>
-                        <a:pt x="3778250" y="635028"/>
-                      </a:cubicBezTo>
-                      <a:cubicBezTo>
-                        <a:pt x="3909483" y="635028"/>
-                        <a:pt x="4047066" y="352453"/>
-                        <a:pt x="4184650" y="69878"/>
-                      </a:cubicBezTo>
-                    </a:path>
-                  </a:pathLst>
-                </a:custGeom>
-                <a:noFill/>
-                <a:ln>
-                  <a:solidFill>
-                    <a:schemeClr val="accent1"/>
-                  </a:solidFill>
-                </a:ln>
-              </p:spPr>
-              <p:style>
-                <a:lnRef idx="2">
-                  <a:schemeClr val="accent1">
-                    <a:shade val="15000"/>
-                  </a:schemeClr>
-                </a:lnRef>
-                <a:fillRef idx="1">
-                  <a:schemeClr val="accent1"/>
-                </a:fillRef>
-                <a:effectRef idx="0">
-                  <a:schemeClr val="accent1"/>
-                </a:effectRef>
-                <a:fontRef idx="minor">
-                  <a:schemeClr val="lt1"/>
-                </a:fontRef>
-              </p:style>
-              <p:txBody>
-                <a:bodyPr rot="0" spcFirstLastPara="0" vert="horz" wrap="square" lIns="91440" tIns="45720" rIns="91440" bIns="45720" numCol="1" spcCol="0" rtlCol="0" fromWordArt="0" anchor="ctr" anchorCtr="0" forceAA="0" compatLnSpc="1">
-                  <a:prstTxWarp prst="textNoShape">
-                    <a:avLst/>
-                  </a:prstTxWarp>
-                  <a:noAutofit/>
-                </a:bodyPr>
-                <a:lstStyle/>
-                <a:p>
-                  <a:endParaRPr lang="en-ID"/>
-                </a:p>
-              </p:txBody>
-            </p:sp>
-            <p:sp>
-              <p:nvSpPr>
-                <p:cNvPr id="35" name="Freeform: Shape 34">
-                  <a:extLst>
-                    <a:ext uri="{FF2B5EF4-FFF2-40B4-BE49-F238E27FC236}">
-                      <a16:creationId xmlns:a16="http://schemas.microsoft.com/office/drawing/2014/main" id="{197C8DEC-0D6C-2203-E2CC-2FC13085D550}"/>
-                    </a:ext>
-                  </a:extLst>
-                </p:cNvPr>
-                <p:cNvSpPr/>
-                <p:nvPr/>
-              </p:nvSpPr>
-              <p:spPr>
-                <a:xfrm>
-                  <a:off x="63500" y="622300"/>
-                  <a:ext cx="4184650" cy="768378"/>
-                </a:xfrm>
-                <a:custGeom>
-                  <a:avLst/>
-                  <a:gdLst>
-                    <a:gd name="connsiteX0" fmla="*/ 0 w 4184650"/>
-                    <a:gd name="connsiteY0" fmla="*/ 768378 h 768378"/>
-                    <a:gd name="connsiteX1" fmla="*/ 431800 w 4184650"/>
-                    <a:gd name="connsiteY1" fmla="*/ 28 h 768378"/>
-                    <a:gd name="connsiteX2" fmla="*/ 857250 w 4184650"/>
-                    <a:gd name="connsiteY2" fmla="*/ 736628 h 768378"/>
-                    <a:gd name="connsiteX3" fmla="*/ 1238250 w 4184650"/>
-                    <a:gd name="connsiteY3" fmla="*/ 12728 h 768378"/>
-                    <a:gd name="connsiteX4" fmla="*/ 1625600 w 4184650"/>
-                    <a:gd name="connsiteY4" fmla="*/ 711228 h 768378"/>
-                    <a:gd name="connsiteX5" fmla="*/ 1993900 w 4184650"/>
-                    <a:gd name="connsiteY5" fmla="*/ 38128 h 768378"/>
-                    <a:gd name="connsiteX6" fmla="*/ 2355850 w 4184650"/>
-                    <a:gd name="connsiteY6" fmla="*/ 666778 h 768378"/>
-                    <a:gd name="connsiteX7" fmla="*/ 2705100 w 4184650"/>
-                    <a:gd name="connsiteY7" fmla="*/ 38128 h 768378"/>
-                    <a:gd name="connsiteX8" fmla="*/ 3092450 w 4184650"/>
-                    <a:gd name="connsiteY8" fmla="*/ 666778 h 768378"/>
-                    <a:gd name="connsiteX9" fmla="*/ 3397250 w 4184650"/>
-                    <a:gd name="connsiteY9" fmla="*/ 69878 h 768378"/>
-                    <a:gd name="connsiteX10" fmla="*/ 3778250 w 4184650"/>
-                    <a:gd name="connsiteY10" fmla="*/ 635028 h 768378"/>
-                    <a:gd name="connsiteX11" fmla="*/ 4184650 w 4184650"/>
-                    <a:gd name="connsiteY11" fmla="*/ 69878 h 768378"/>
-                  </a:gdLst>
-                  <a:ahLst/>
-                  <a:cxnLst>
-                    <a:cxn ang="0">
-                      <a:pos x="connsiteX0" y="connsiteY0"/>
-                    </a:cxn>
-                    <a:cxn ang="0">
-                      <a:pos x="connsiteX1" y="connsiteY1"/>
-                    </a:cxn>
-                    <a:cxn ang="0">
-                      <a:pos x="connsiteX2" y="connsiteY2"/>
-                    </a:cxn>
-                    <a:cxn ang="0">
-                      <a:pos x="connsiteX3" y="connsiteY3"/>
-                    </a:cxn>
-                    <a:cxn ang="0">
-                      <a:pos x="connsiteX4" y="connsiteY4"/>
-                    </a:cxn>
-                    <a:cxn ang="0">
-                      <a:pos x="connsiteX5" y="connsiteY5"/>
-                    </a:cxn>
-                    <a:cxn ang="0">
-                      <a:pos x="connsiteX6" y="connsiteY6"/>
-                    </a:cxn>
-                    <a:cxn ang="0">
-                      <a:pos x="connsiteX7" y="connsiteY7"/>
-                    </a:cxn>
-                    <a:cxn ang="0">
-                      <a:pos x="connsiteX8" y="connsiteY8"/>
-                    </a:cxn>
-                    <a:cxn ang="0">
-                      <a:pos x="connsiteX9" y="connsiteY9"/>
-                    </a:cxn>
-                    <a:cxn ang="0">
-                      <a:pos x="connsiteX10" y="connsiteY10"/>
-                    </a:cxn>
-                    <a:cxn ang="0">
-                      <a:pos x="connsiteX11" y="connsiteY11"/>
-                    </a:cxn>
-                  </a:cxnLst>
-                  <a:rect l="l" t="t" r="r" b="b"/>
-                  <a:pathLst>
-                    <a:path w="4184650" h="768378">
-                      <a:moveTo>
-                        <a:pt x="0" y="768378"/>
-                      </a:moveTo>
-                      <a:cubicBezTo>
-                        <a:pt x="144462" y="386849"/>
-                        <a:pt x="288925" y="5320"/>
-                        <a:pt x="431800" y="28"/>
-                      </a:cubicBezTo>
-                      <a:cubicBezTo>
-                        <a:pt x="574675" y="-5264"/>
-                        <a:pt x="722842" y="734511"/>
-                        <a:pt x="857250" y="736628"/>
-                      </a:cubicBezTo>
-                      <a:cubicBezTo>
-                        <a:pt x="991658" y="738745"/>
-                        <a:pt x="1110192" y="16961"/>
-                        <a:pt x="1238250" y="12728"/>
-                      </a:cubicBezTo>
-                      <a:cubicBezTo>
-                        <a:pt x="1366308" y="8495"/>
-                        <a:pt x="1499659" y="706995"/>
-                        <a:pt x="1625600" y="711228"/>
-                      </a:cubicBezTo>
-                      <a:cubicBezTo>
-                        <a:pt x="1751541" y="715461"/>
-                        <a:pt x="1872192" y="45536"/>
-                        <a:pt x="1993900" y="38128"/>
-                      </a:cubicBezTo>
-                      <a:cubicBezTo>
-                        <a:pt x="2115608" y="30720"/>
-                        <a:pt x="2237317" y="666778"/>
-                        <a:pt x="2355850" y="666778"/>
-                      </a:cubicBezTo>
-                      <a:cubicBezTo>
-                        <a:pt x="2474383" y="666778"/>
-                        <a:pt x="2582333" y="38128"/>
-                        <a:pt x="2705100" y="38128"/>
-                      </a:cubicBezTo>
-                      <a:cubicBezTo>
-                        <a:pt x="2827867" y="38128"/>
-                        <a:pt x="2977092" y="661486"/>
-                        <a:pt x="3092450" y="666778"/>
-                      </a:cubicBezTo>
-                      <a:cubicBezTo>
-                        <a:pt x="3207808" y="672070"/>
-                        <a:pt x="3282950" y="75170"/>
-                        <a:pt x="3397250" y="69878"/>
-                      </a:cubicBezTo>
-                      <a:cubicBezTo>
-                        <a:pt x="3511550" y="64586"/>
-                        <a:pt x="3647017" y="635028"/>
-                        <a:pt x="3778250" y="635028"/>
-                      </a:cubicBezTo>
-                      <a:cubicBezTo>
-                        <a:pt x="3909483" y="635028"/>
-                        <a:pt x="4047066" y="352453"/>
-                        <a:pt x="4184650" y="69878"/>
-                      </a:cubicBezTo>
-                    </a:path>
-                  </a:pathLst>
-                </a:custGeom>
-                <a:noFill/>
-                <a:ln>
-                  <a:solidFill>
-                    <a:schemeClr val="accent1"/>
-                  </a:solidFill>
-                </a:ln>
-              </p:spPr>
-              <p:style>
-                <a:lnRef idx="2">
-                  <a:schemeClr val="accent1">
-                    <a:shade val="15000"/>
-                  </a:schemeClr>
-                </a:lnRef>
-                <a:fillRef idx="1">
-                  <a:schemeClr val="accent1"/>
-                </a:fillRef>
-                <a:effectRef idx="0">
-                  <a:schemeClr val="accent1"/>
-                </a:effectRef>
-                <a:fontRef idx="minor">
-                  <a:schemeClr val="lt1"/>
-                </a:fontRef>
-              </p:style>
-              <p:txBody>
-                <a:bodyPr rot="0" spcFirstLastPara="0" vert="horz" wrap="square" lIns="91440" tIns="45720" rIns="91440" bIns="45720" numCol="1" spcCol="0" rtlCol="0" fromWordArt="0" anchor="ctr" anchorCtr="0" forceAA="0" compatLnSpc="1">
-                  <a:prstTxWarp prst="textNoShape">
-                    <a:avLst/>
-                  </a:prstTxWarp>
-                  <a:noAutofit/>
-                </a:bodyPr>
-                <a:lstStyle/>
-                <a:p>
-                  <a:endParaRPr lang="en-ID"/>
-                </a:p>
-              </p:txBody>
-            </p:sp>
-            <p:sp>
-              <p:nvSpPr>
-                <p:cNvPr id="36" name="Freeform: Shape 35">
-                  <a:extLst>
-                    <a:ext uri="{FF2B5EF4-FFF2-40B4-BE49-F238E27FC236}">
-                      <a16:creationId xmlns:a16="http://schemas.microsoft.com/office/drawing/2014/main" id="{2FE32ED4-96E3-5D93-D05B-6DC7BB6EAA1C}"/>
-                    </a:ext>
-                  </a:extLst>
-                </p:cNvPr>
-                <p:cNvSpPr/>
-                <p:nvPr/>
-              </p:nvSpPr>
-              <p:spPr>
-                <a:xfrm>
-                  <a:off x="152400" y="1047750"/>
-                  <a:ext cx="4184650" cy="768378"/>
-                </a:xfrm>
-                <a:custGeom>
-                  <a:avLst/>
-                  <a:gdLst>
-                    <a:gd name="connsiteX0" fmla="*/ 0 w 4184650"/>
-                    <a:gd name="connsiteY0" fmla="*/ 768378 h 768378"/>
-                    <a:gd name="connsiteX1" fmla="*/ 431800 w 4184650"/>
-                    <a:gd name="connsiteY1" fmla="*/ 28 h 768378"/>
-                    <a:gd name="connsiteX2" fmla="*/ 857250 w 4184650"/>
-                    <a:gd name="connsiteY2" fmla="*/ 736628 h 768378"/>
-                    <a:gd name="connsiteX3" fmla="*/ 1238250 w 4184650"/>
-                    <a:gd name="connsiteY3" fmla="*/ 12728 h 768378"/>
-                    <a:gd name="connsiteX4" fmla="*/ 1625600 w 4184650"/>
-                    <a:gd name="connsiteY4" fmla="*/ 711228 h 768378"/>
-                    <a:gd name="connsiteX5" fmla="*/ 1993900 w 4184650"/>
-                    <a:gd name="connsiteY5" fmla="*/ 38128 h 768378"/>
-                    <a:gd name="connsiteX6" fmla="*/ 2355850 w 4184650"/>
-                    <a:gd name="connsiteY6" fmla="*/ 666778 h 768378"/>
-                    <a:gd name="connsiteX7" fmla="*/ 2705100 w 4184650"/>
-                    <a:gd name="connsiteY7" fmla="*/ 38128 h 768378"/>
-                    <a:gd name="connsiteX8" fmla="*/ 3092450 w 4184650"/>
-                    <a:gd name="connsiteY8" fmla="*/ 666778 h 768378"/>
-                    <a:gd name="connsiteX9" fmla="*/ 3397250 w 4184650"/>
-                    <a:gd name="connsiteY9" fmla="*/ 69878 h 768378"/>
-                    <a:gd name="connsiteX10" fmla="*/ 3778250 w 4184650"/>
-                    <a:gd name="connsiteY10" fmla="*/ 635028 h 768378"/>
-                    <a:gd name="connsiteX11" fmla="*/ 4184650 w 4184650"/>
-                    <a:gd name="connsiteY11" fmla="*/ 69878 h 768378"/>
-                  </a:gdLst>
-                  <a:ahLst/>
-                  <a:cxnLst>
-                    <a:cxn ang="0">
-                      <a:pos x="connsiteX0" y="connsiteY0"/>
-                    </a:cxn>
-                    <a:cxn ang="0">
-                      <a:pos x="connsiteX1" y="connsiteY1"/>
-                    </a:cxn>
-                    <a:cxn ang="0">
-                      <a:pos x="connsiteX2" y="connsiteY2"/>
-                    </a:cxn>
-                    <a:cxn ang="0">
-                      <a:pos x="connsiteX3" y="connsiteY3"/>
-                    </a:cxn>
-                    <a:cxn ang="0">
-                      <a:pos x="connsiteX4" y="connsiteY4"/>
-                    </a:cxn>
-                    <a:cxn ang="0">
-                      <a:pos x="connsiteX5" y="connsiteY5"/>
-                    </a:cxn>
-                    <a:cxn ang="0">
-                      <a:pos x="connsiteX6" y="connsiteY6"/>
-                    </a:cxn>
-                    <a:cxn ang="0">
-                      <a:pos x="connsiteX7" y="connsiteY7"/>
-                    </a:cxn>
-                    <a:cxn ang="0">
-                      <a:pos x="connsiteX8" y="connsiteY8"/>
-                    </a:cxn>
-                    <a:cxn ang="0">
-                      <a:pos x="connsiteX9" y="connsiteY9"/>
-                    </a:cxn>
-                    <a:cxn ang="0">
-                      <a:pos x="connsiteX10" y="connsiteY10"/>
-                    </a:cxn>
-                    <a:cxn ang="0">
-                      <a:pos x="connsiteX11" y="connsiteY11"/>
-                    </a:cxn>
-                  </a:cxnLst>
-                  <a:rect l="l" t="t" r="r" b="b"/>
-                  <a:pathLst>
-                    <a:path w="4184650" h="768378">
-                      <a:moveTo>
-                        <a:pt x="0" y="768378"/>
-                      </a:moveTo>
-                      <a:cubicBezTo>
-                        <a:pt x="144462" y="386849"/>
-                        <a:pt x="288925" y="5320"/>
-                        <a:pt x="431800" y="28"/>
-                      </a:cubicBezTo>
-                      <a:cubicBezTo>
-                        <a:pt x="574675" y="-5264"/>
-                        <a:pt x="722842" y="734511"/>
-                        <a:pt x="857250" y="736628"/>
-                      </a:cubicBezTo>
-                      <a:cubicBezTo>
-                        <a:pt x="991658" y="738745"/>
-                        <a:pt x="1110192" y="16961"/>
-                        <a:pt x="1238250" y="12728"/>
-                      </a:cubicBezTo>
-                      <a:cubicBezTo>
-                        <a:pt x="1366308" y="8495"/>
-                        <a:pt x="1499659" y="706995"/>
-                        <a:pt x="1625600" y="711228"/>
-                      </a:cubicBezTo>
-                      <a:cubicBezTo>
-                        <a:pt x="1751541" y="715461"/>
-                        <a:pt x="1872192" y="45536"/>
-                        <a:pt x="1993900" y="38128"/>
-                      </a:cubicBezTo>
-                      <a:cubicBezTo>
-                        <a:pt x="2115608" y="30720"/>
-                        <a:pt x="2237317" y="666778"/>
-                        <a:pt x="2355850" y="666778"/>
-                      </a:cubicBezTo>
-                      <a:cubicBezTo>
-                        <a:pt x="2474383" y="666778"/>
-                        <a:pt x="2582333" y="38128"/>
-                        <a:pt x="2705100" y="38128"/>
-                      </a:cubicBezTo>
-                      <a:cubicBezTo>
-                        <a:pt x="2827867" y="38128"/>
-                        <a:pt x="2977092" y="661486"/>
-                        <a:pt x="3092450" y="666778"/>
-                      </a:cubicBezTo>
-                      <a:cubicBezTo>
-                        <a:pt x="3207808" y="672070"/>
-                        <a:pt x="3282950" y="75170"/>
-                        <a:pt x="3397250" y="69878"/>
-                      </a:cubicBezTo>
-                      <a:cubicBezTo>
-                        <a:pt x="3511550" y="64586"/>
-                        <a:pt x="3647017" y="635028"/>
-                        <a:pt x="3778250" y="635028"/>
-                      </a:cubicBezTo>
-                      <a:cubicBezTo>
-                        <a:pt x="3909483" y="635028"/>
-                        <a:pt x="4047066" y="352453"/>
-                        <a:pt x="4184650" y="69878"/>
-                      </a:cubicBezTo>
-                    </a:path>
-                  </a:pathLst>
-                </a:custGeom>
-                <a:noFill/>
-                <a:ln>
-                  <a:solidFill>
-                    <a:schemeClr val="accent1"/>
-                  </a:solidFill>
-                </a:ln>
-              </p:spPr>
-              <p:style>
-                <a:lnRef idx="2">
-                  <a:schemeClr val="accent1">
-                    <a:shade val="15000"/>
-                  </a:schemeClr>
-                </a:lnRef>
-                <a:fillRef idx="1">
-                  <a:schemeClr val="accent1"/>
-                </a:fillRef>
-                <a:effectRef idx="0">
-                  <a:schemeClr val="accent1"/>
-                </a:effectRef>
-                <a:fontRef idx="minor">
-                  <a:schemeClr val="lt1"/>
-                </a:fontRef>
-              </p:style>
-              <p:txBody>
-                <a:bodyPr rot="0" spcFirstLastPara="0" vert="horz" wrap="square" lIns="91440" tIns="45720" rIns="91440" bIns="45720" numCol="1" spcCol="0" rtlCol="0" fromWordArt="0" anchor="ctr" anchorCtr="0" forceAA="0" compatLnSpc="1">
-                  <a:prstTxWarp prst="textNoShape">
-                    <a:avLst/>
-                  </a:prstTxWarp>
-                  <a:noAutofit/>
-                </a:bodyPr>
-                <a:lstStyle/>
-                <a:p>
-                  <a:endParaRPr lang="en-ID"/>
-                </a:p>
-              </p:txBody>
-            </p:sp>
-            <p:sp>
-              <p:nvSpPr>
-                <p:cNvPr id="37" name="Freeform: Shape 36">
-                  <a:extLst>
-                    <a:ext uri="{FF2B5EF4-FFF2-40B4-BE49-F238E27FC236}">
-                      <a16:creationId xmlns:a16="http://schemas.microsoft.com/office/drawing/2014/main" id="{07E2BC4F-8D56-EFFB-5E2D-8224E1F6F907}"/>
-                    </a:ext>
-                  </a:extLst>
-                </p:cNvPr>
-                <p:cNvSpPr/>
-                <p:nvPr/>
-              </p:nvSpPr>
-              <p:spPr>
-                <a:xfrm>
-                  <a:off x="228600" y="1447800"/>
-                  <a:ext cx="4184650" cy="768350"/>
-                </a:xfrm>
-                <a:custGeom>
-                  <a:avLst/>
-                  <a:gdLst>
-                    <a:gd name="connsiteX0" fmla="*/ 0 w 4184650"/>
-                    <a:gd name="connsiteY0" fmla="*/ 768378 h 768378"/>
-                    <a:gd name="connsiteX1" fmla="*/ 431800 w 4184650"/>
-                    <a:gd name="connsiteY1" fmla="*/ 28 h 768378"/>
-                    <a:gd name="connsiteX2" fmla="*/ 857250 w 4184650"/>
-                    <a:gd name="connsiteY2" fmla="*/ 736628 h 768378"/>
-                    <a:gd name="connsiteX3" fmla="*/ 1238250 w 4184650"/>
-                    <a:gd name="connsiteY3" fmla="*/ 12728 h 768378"/>
-                    <a:gd name="connsiteX4" fmla="*/ 1625600 w 4184650"/>
-                    <a:gd name="connsiteY4" fmla="*/ 711228 h 768378"/>
-                    <a:gd name="connsiteX5" fmla="*/ 1993900 w 4184650"/>
-                    <a:gd name="connsiteY5" fmla="*/ 38128 h 768378"/>
-                    <a:gd name="connsiteX6" fmla="*/ 2355850 w 4184650"/>
-                    <a:gd name="connsiteY6" fmla="*/ 666778 h 768378"/>
-                    <a:gd name="connsiteX7" fmla="*/ 2705100 w 4184650"/>
-                    <a:gd name="connsiteY7" fmla="*/ 38128 h 768378"/>
-                    <a:gd name="connsiteX8" fmla="*/ 3092450 w 4184650"/>
-                    <a:gd name="connsiteY8" fmla="*/ 666778 h 768378"/>
-                    <a:gd name="connsiteX9" fmla="*/ 3397250 w 4184650"/>
-                    <a:gd name="connsiteY9" fmla="*/ 69878 h 768378"/>
-                    <a:gd name="connsiteX10" fmla="*/ 3778250 w 4184650"/>
-                    <a:gd name="connsiteY10" fmla="*/ 635028 h 768378"/>
-                    <a:gd name="connsiteX11" fmla="*/ 4184650 w 4184650"/>
-                    <a:gd name="connsiteY11" fmla="*/ 69878 h 768378"/>
-                  </a:gdLst>
-                  <a:ahLst/>
-                  <a:cxnLst>
-                    <a:cxn ang="0">
-                      <a:pos x="connsiteX0" y="connsiteY0"/>
-                    </a:cxn>
-                    <a:cxn ang="0">
-                      <a:pos x="connsiteX1" y="connsiteY1"/>
-                    </a:cxn>
-                    <a:cxn ang="0">
-                      <a:pos x="connsiteX2" y="connsiteY2"/>
-                    </a:cxn>
-                    <a:cxn ang="0">
-                      <a:pos x="connsiteX3" y="connsiteY3"/>
-                    </a:cxn>
-                    <a:cxn ang="0">
-                      <a:pos x="connsiteX4" y="connsiteY4"/>
-                    </a:cxn>
-                    <a:cxn ang="0">
-                      <a:pos x="connsiteX5" y="connsiteY5"/>
-                    </a:cxn>
-                    <a:cxn ang="0">
-                      <a:pos x="connsiteX6" y="connsiteY6"/>
-                    </a:cxn>
-                    <a:cxn ang="0">
-                      <a:pos x="connsiteX7" y="connsiteY7"/>
-                    </a:cxn>
-                    <a:cxn ang="0">
-                      <a:pos x="connsiteX8" y="connsiteY8"/>
-                    </a:cxn>
-                    <a:cxn ang="0">
-                      <a:pos x="connsiteX9" y="connsiteY9"/>
-                    </a:cxn>
-                    <a:cxn ang="0">
-                      <a:pos x="connsiteX10" y="connsiteY10"/>
-                    </a:cxn>
-                    <a:cxn ang="0">
-                      <a:pos x="connsiteX11" y="connsiteY11"/>
-                    </a:cxn>
-                  </a:cxnLst>
-                  <a:rect l="l" t="t" r="r" b="b"/>
-                  <a:pathLst>
-                    <a:path w="4184650" h="768378">
-                      <a:moveTo>
-                        <a:pt x="0" y="768378"/>
-                      </a:moveTo>
-                      <a:cubicBezTo>
-                        <a:pt x="144462" y="386849"/>
-                        <a:pt x="288925" y="5320"/>
-                        <a:pt x="431800" y="28"/>
-                      </a:cubicBezTo>
-                      <a:cubicBezTo>
-                        <a:pt x="574675" y="-5264"/>
-                        <a:pt x="722842" y="734511"/>
-                        <a:pt x="857250" y="736628"/>
-                      </a:cubicBezTo>
-                      <a:cubicBezTo>
-                        <a:pt x="991658" y="738745"/>
-                        <a:pt x="1110192" y="16961"/>
-                        <a:pt x="1238250" y="12728"/>
-                      </a:cubicBezTo>
-                      <a:cubicBezTo>
-                        <a:pt x="1366308" y="8495"/>
-                        <a:pt x="1499659" y="706995"/>
-                        <a:pt x="1625600" y="711228"/>
-                      </a:cubicBezTo>
-                      <a:cubicBezTo>
-                        <a:pt x="1751541" y="715461"/>
-                        <a:pt x="1872192" y="45536"/>
-                        <a:pt x="1993900" y="38128"/>
-                      </a:cubicBezTo>
-                      <a:cubicBezTo>
-                        <a:pt x="2115608" y="30720"/>
-                        <a:pt x="2237317" y="666778"/>
-                        <a:pt x="2355850" y="666778"/>
-                      </a:cubicBezTo>
-                      <a:cubicBezTo>
-                        <a:pt x="2474383" y="666778"/>
-                        <a:pt x="2582333" y="38128"/>
-                        <a:pt x="2705100" y="38128"/>
-                      </a:cubicBezTo>
-                      <a:cubicBezTo>
-                        <a:pt x="2827867" y="38128"/>
-                        <a:pt x="2977092" y="661486"/>
-                        <a:pt x="3092450" y="666778"/>
-                      </a:cubicBezTo>
-                      <a:cubicBezTo>
-                        <a:pt x="3207808" y="672070"/>
-                        <a:pt x="3282950" y="75170"/>
-                        <a:pt x="3397250" y="69878"/>
-                      </a:cubicBezTo>
-                      <a:cubicBezTo>
-                        <a:pt x="3511550" y="64586"/>
-                        <a:pt x="3647017" y="635028"/>
-                        <a:pt x="3778250" y="635028"/>
-                      </a:cubicBezTo>
-                      <a:cubicBezTo>
-                        <a:pt x="3909483" y="635028"/>
-                        <a:pt x="4047066" y="352453"/>
-                        <a:pt x="4184650" y="69878"/>
-                      </a:cubicBezTo>
-                    </a:path>
-                  </a:pathLst>
-                </a:custGeom>
-                <a:noFill/>
-                <a:ln>
-                  <a:solidFill>
-                    <a:schemeClr val="accent1"/>
-                  </a:solidFill>
-                </a:ln>
-              </p:spPr>
-              <p:style>
-                <a:lnRef idx="2">
-                  <a:schemeClr val="accent1">
-                    <a:shade val="15000"/>
-                  </a:schemeClr>
-                </a:lnRef>
-                <a:fillRef idx="1">
-                  <a:schemeClr val="accent1"/>
-                </a:fillRef>
-                <a:effectRef idx="0">
-                  <a:schemeClr val="accent1"/>
-                </a:effectRef>
-                <a:fontRef idx="minor">
-                  <a:schemeClr val="lt1"/>
-                </a:fontRef>
-              </p:style>
-              <p:txBody>
-                <a:bodyPr rot="0" spcFirstLastPara="0" vert="horz" wrap="square" lIns="91440" tIns="45720" rIns="91440" bIns="45720" numCol="1" spcCol="0" rtlCol="0" fromWordArt="0" anchor="ctr" anchorCtr="0" forceAA="0" compatLnSpc="1">
-                  <a:prstTxWarp prst="textNoShape">
-                    <a:avLst/>
-                  </a:prstTxWarp>
-                  <a:noAutofit/>
-                </a:bodyPr>
-                <a:lstStyle/>
-                <a:p>
-                  <a:endParaRPr lang="en-ID"/>
-                </a:p>
-              </p:txBody>
-            </p:sp>
-            <p:sp>
-              <p:nvSpPr>
-                <p:cNvPr id="38" name="Freeform: Shape 37">
-                  <a:extLst>
-                    <a:ext uri="{FF2B5EF4-FFF2-40B4-BE49-F238E27FC236}">
-                      <a16:creationId xmlns:a16="http://schemas.microsoft.com/office/drawing/2014/main" id="{E027A135-2D36-97CC-B78A-4C3744A98AEE}"/>
-                    </a:ext>
-                  </a:extLst>
-                </p:cNvPr>
-                <p:cNvSpPr/>
-                <p:nvPr/>
-              </p:nvSpPr>
-              <p:spPr>
-                <a:xfrm>
-                  <a:off x="298450" y="1835150"/>
-                  <a:ext cx="4184650" cy="768350"/>
-                </a:xfrm>
-                <a:custGeom>
-                  <a:avLst/>
-                  <a:gdLst>
-                    <a:gd name="connsiteX0" fmla="*/ 0 w 4184650"/>
-                    <a:gd name="connsiteY0" fmla="*/ 768378 h 768378"/>
-                    <a:gd name="connsiteX1" fmla="*/ 431800 w 4184650"/>
-                    <a:gd name="connsiteY1" fmla="*/ 28 h 768378"/>
-                    <a:gd name="connsiteX2" fmla="*/ 857250 w 4184650"/>
-                    <a:gd name="connsiteY2" fmla="*/ 736628 h 768378"/>
-                    <a:gd name="connsiteX3" fmla="*/ 1238250 w 4184650"/>
-                    <a:gd name="connsiteY3" fmla="*/ 12728 h 768378"/>
-                    <a:gd name="connsiteX4" fmla="*/ 1625600 w 4184650"/>
-                    <a:gd name="connsiteY4" fmla="*/ 711228 h 768378"/>
-                    <a:gd name="connsiteX5" fmla="*/ 1993900 w 4184650"/>
-                    <a:gd name="connsiteY5" fmla="*/ 38128 h 768378"/>
-                    <a:gd name="connsiteX6" fmla="*/ 2355850 w 4184650"/>
-                    <a:gd name="connsiteY6" fmla="*/ 666778 h 768378"/>
-                    <a:gd name="connsiteX7" fmla="*/ 2705100 w 4184650"/>
-                    <a:gd name="connsiteY7" fmla="*/ 38128 h 768378"/>
-                    <a:gd name="connsiteX8" fmla="*/ 3092450 w 4184650"/>
-                    <a:gd name="connsiteY8" fmla="*/ 666778 h 768378"/>
-                    <a:gd name="connsiteX9" fmla="*/ 3397250 w 4184650"/>
-                    <a:gd name="connsiteY9" fmla="*/ 69878 h 768378"/>
-                    <a:gd name="connsiteX10" fmla="*/ 3778250 w 4184650"/>
-                    <a:gd name="connsiteY10" fmla="*/ 635028 h 768378"/>
-                    <a:gd name="connsiteX11" fmla="*/ 4184650 w 4184650"/>
-                    <a:gd name="connsiteY11" fmla="*/ 69878 h 768378"/>
-                  </a:gdLst>
-                  <a:ahLst/>
-                  <a:cxnLst>
-                    <a:cxn ang="0">
-                      <a:pos x="connsiteX0" y="connsiteY0"/>
-                    </a:cxn>
-                    <a:cxn ang="0">
-                      <a:pos x="connsiteX1" y="connsiteY1"/>
-                    </a:cxn>
-                    <a:cxn ang="0">
-                      <a:pos x="connsiteX2" y="connsiteY2"/>
-                    </a:cxn>
-                    <a:cxn ang="0">
-                      <a:pos x="connsiteX3" y="connsiteY3"/>
-                    </a:cxn>
-                    <a:cxn ang="0">
-                      <a:pos x="connsiteX4" y="connsiteY4"/>
-                    </a:cxn>
-                    <a:cxn ang="0">
-                      <a:pos x="connsiteX5" y="connsiteY5"/>
-                    </a:cxn>
-                    <a:cxn ang="0">
-                      <a:pos x="connsiteX6" y="connsiteY6"/>
-                    </a:cxn>
-                    <a:cxn ang="0">
-                      <a:pos x="connsiteX7" y="connsiteY7"/>
-                    </a:cxn>
-                    <a:cxn ang="0">
-                      <a:pos x="connsiteX8" y="connsiteY8"/>
-                    </a:cxn>
-                    <a:cxn ang="0">
-                      <a:pos x="connsiteX9" y="connsiteY9"/>
-                    </a:cxn>
-                    <a:cxn ang="0">
-                      <a:pos x="connsiteX10" y="connsiteY10"/>
-                    </a:cxn>
-                    <a:cxn ang="0">
-                      <a:pos x="connsiteX11" y="connsiteY11"/>
-                    </a:cxn>
-                  </a:cxnLst>
-                  <a:rect l="l" t="t" r="r" b="b"/>
-                  <a:pathLst>
-                    <a:path w="4184650" h="768378">
-                      <a:moveTo>
-                        <a:pt x="0" y="768378"/>
-                      </a:moveTo>
-                      <a:cubicBezTo>
-                        <a:pt x="144462" y="386849"/>
-                        <a:pt x="288925" y="5320"/>
-                        <a:pt x="431800" y="28"/>
-                      </a:cubicBezTo>
-                      <a:cubicBezTo>
-                        <a:pt x="574675" y="-5264"/>
-                        <a:pt x="722842" y="734511"/>
-                        <a:pt x="857250" y="736628"/>
-                      </a:cubicBezTo>
-                      <a:cubicBezTo>
-                        <a:pt x="991658" y="738745"/>
-                        <a:pt x="1110192" y="16961"/>
-                        <a:pt x="1238250" y="12728"/>
-                      </a:cubicBezTo>
-                      <a:cubicBezTo>
-                        <a:pt x="1366308" y="8495"/>
-                        <a:pt x="1499659" y="706995"/>
-                        <a:pt x="1625600" y="711228"/>
-                      </a:cubicBezTo>
-                      <a:cubicBezTo>
-                        <a:pt x="1751541" y="715461"/>
-                        <a:pt x="1872192" y="45536"/>
-                        <a:pt x="1993900" y="38128"/>
-                      </a:cubicBezTo>
-                      <a:cubicBezTo>
-                        <a:pt x="2115608" y="30720"/>
-                        <a:pt x="2237317" y="666778"/>
-                        <a:pt x="2355850" y="666778"/>
-                      </a:cubicBezTo>
-                      <a:cubicBezTo>
-                        <a:pt x="2474383" y="666778"/>
-                        <a:pt x="2582333" y="38128"/>
-                        <a:pt x="2705100" y="38128"/>
-                      </a:cubicBezTo>
-                      <a:cubicBezTo>
-                        <a:pt x="2827867" y="38128"/>
-                        <a:pt x="2977092" y="661486"/>
-                        <a:pt x="3092450" y="666778"/>
-                      </a:cubicBezTo>
-                      <a:cubicBezTo>
-                        <a:pt x="3207808" y="672070"/>
-                        <a:pt x="3282950" y="75170"/>
-                        <a:pt x="3397250" y="69878"/>
-                      </a:cubicBezTo>
-                      <a:cubicBezTo>
-                        <a:pt x="3511550" y="64586"/>
-                        <a:pt x="3647017" y="635028"/>
-                        <a:pt x="3778250" y="635028"/>
-                      </a:cubicBezTo>
-                      <a:cubicBezTo>
-                        <a:pt x="3909483" y="635028"/>
-                        <a:pt x="4047066" y="352453"/>
-                        <a:pt x="4184650" y="69878"/>
-                      </a:cubicBezTo>
-                    </a:path>
-                  </a:pathLst>
-                </a:custGeom>
-                <a:noFill/>
-                <a:ln>
-                  <a:solidFill>
-                    <a:schemeClr val="accent1"/>
-                  </a:solidFill>
-                </a:ln>
-              </p:spPr>
-              <p:style>
-                <a:lnRef idx="2">
-                  <a:schemeClr val="accent1">
-                    <a:shade val="15000"/>
-                  </a:schemeClr>
-                </a:lnRef>
-                <a:fillRef idx="1">
-                  <a:schemeClr val="accent1"/>
-                </a:fillRef>
-                <a:effectRef idx="0">
-                  <a:schemeClr val="accent1"/>
-                </a:effectRef>
-                <a:fontRef idx="minor">
-                  <a:schemeClr val="lt1"/>
-                </a:fontRef>
-              </p:style>
-              <p:txBody>
-                <a:bodyPr rot="0" spcFirstLastPara="0" vert="horz" wrap="square" lIns="91440" tIns="45720" rIns="91440" bIns="45720" numCol="1" spcCol="0" rtlCol="0" fromWordArt="0" anchor="ctr" anchorCtr="0" forceAA="0" compatLnSpc="1">
-                  <a:prstTxWarp prst="textNoShape">
-                    <a:avLst/>
-                  </a:prstTxWarp>
-                  <a:noAutofit/>
-                </a:bodyPr>
-                <a:lstStyle/>
-                <a:p>
-                  <a:endParaRPr lang="en-ID"/>
-                </a:p>
-              </p:txBody>
-            </p:sp>
-            <p:cxnSp>
-              <p:nvCxnSpPr>
-                <p:cNvPr id="39" name="Straight Connector 38">
-                  <a:extLst>
-                    <a:ext uri="{FF2B5EF4-FFF2-40B4-BE49-F238E27FC236}">
-                      <a16:creationId xmlns:a16="http://schemas.microsoft.com/office/drawing/2014/main" id="{2F2266C4-71C3-9C41-4FCF-A0D3AC0566B0}"/>
-                    </a:ext>
-                  </a:extLst>
-                </p:cNvPr>
-                <p:cNvCxnSpPr/>
-                <p:nvPr/>
-              </p:nvCxnSpPr>
-              <p:spPr>
-                <a:xfrm>
-                  <a:off x="393700" y="50800"/>
-                  <a:ext cx="457200" cy="2552700"/>
-                </a:xfrm>
-                <a:prstGeom prst="line">
-                  <a:avLst/>
-                </a:prstGeom>
-                <a:ln w="22225">
-                  <a:solidFill>
-                    <a:srgbClr val="FF0000"/>
-                  </a:solidFill>
-                </a:ln>
-              </p:spPr>
-              <p:style>
-                <a:lnRef idx="1">
-                  <a:schemeClr val="accent1"/>
-                </a:lnRef>
-                <a:fillRef idx="0">
-                  <a:schemeClr val="accent1"/>
-                </a:fillRef>
-                <a:effectRef idx="0">
-                  <a:schemeClr val="accent1"/>
-                </a:effectRef>
-                <a:fontRef idx="minor">
-                  <a:schemeClr val="tx1"/>
-                </a:fontRef>
-              </p:style>
-            </p:cxnSp>
-            <p:cxnSp>
-              <p:nvCxnSpPr>
-                <p:cNvPr id="40" name="Straight Connector 39">
-                  <a:extLst>
-                    <a:ext uri="{FF2B5EF4-FFF2-40B4-BE49-F238E27FC236}">
-                      <a16:creationId xmlns:a16="http://schemas.microsoft.com/office/drawing/2014/main" id="{2D31CC32-4C4E-1B43-CF19-22FE37D8543E}"/>
-                    </a:ext>
-                  </a:extLst>
-                </p:cNvPr>
-                <p:cNvCxnSpPr/>
-                <p:nvPr/>
-              </p:nvCxnSpPr>
-              <p:spPr>
-                <a:xfrm>
-                  <a:off x="1212850" y="101600"/>
-                  <a:ext cx="457200" cy="2552700"/>
-                </a:xfrm>
-                <a:prstGeom prst="line">
-                  <a:avLst/>
-                </a:prstGeom>
-                <a:ln w="22225">
-                  <a:solidFill>
-                    <a:srgbClr val="FF0000"/>
-                  </a:solidFill>
-                </a:ln>
-              </p:spPr>
-              <p:style>
-                <a:lnRef idx="1">
-                  <a:schemeClr val="accent1"/>
-                </a:lnRef>
-                <a:fillRef idx="0">
-                  <a:schemeClr val="accent1"/>
-                </a:fillRef>
-                <a:effectRef idx="0">
-                  <a:schemeClr val="accent1"/>
-                </a:effectRef>
-                <a:fontRef idx="minor">
-                  <a:schemeClr val="tx1"/>
-                </a:fontRef>
-              </p:style>
-            </p:cxnSp>
-            <p:cxnSp>
-              <p:nvCxnSpPr>
-                <p:cNvPr id="41" name="Straight Connector 40">
-                  <a:extLst>
-                    <a:ext uri="{FF2B5EF4-FFF2-40B4-BE49-F238E27FC236}">
-                      <a16:creationId xmlns:a16="http://schemas.microsoft.com/office/drawing/2014/main" id="{3FD01642-C162-B269-0904-621188F73F2D}"/>
-                    </a:ext>
-                  </a:extLst>
-                </p:cNvPr>
-                <p:cNvCxnSpPr/>
-                <p:nvPr/>
-              </p:nvCxnSpPr>
-              <p:spPr>
-                <a:xfrm>
-                  <a:off x="1949450" y="50800"/>
-                  <a:ext cx="457200" cy="2552700"/>
-                </a:xfrm>
-                <a:prstGeom prst="line">
-                  <a:avLst/>
-                </a:prstGeom>
-                <a:ln w="22225">
-                  <a:solidFill>
-                    <a:srgbClr val="FF0000"/>
-                  </a:solidFill>
-                </a:ln>
-              </p:spPr>
-              <p:style>
-                <a:lnRef idx="1">
-                  <a:schemeClr val="accent1"/>
-                </a:lnRef>
-                <a:fillRef idx="0">
-                  <a:schemeClr val="accent1"/>
-                </a:fillRef>
-                <a:effectRef idx="0">
-                  <a:schemeClr val="accent1"/>
-                </a:effectRef>
-                <a:fontRef idx="minor">
-                  <a:schemeClr val="tx1"/>
-                </a:fontRef>
-              </p:style>
-            </p:cxnSp>
-            <p:cxnSp>
-              <p:nvCxnSpPr>
-                <p:cNvPr id="42" name="Straight Connector 41">
-                  <a:extLst>
-                    <a:ext uri="{FF2B5EF4-FFF2-40B4-BE49-F238E27FC236}">
-                      <a16:creationId xmlns:a16="http://schemas.microsoft.com/office/drawing/2014/main" id="{7F2431C7-5098-076F-5F75-57993905B169}"/>
-                    </a:ext>
-                  </a:extLst>
-                </p:cNvPr>
-                <p:cNvCxnSpPr/>
-                <p:nvPr/>
-              </p:nvCxnSpPr>
-              <p:spPr>
-                <a:xfrm>
-                  <a:off x="2679700" y="0"/>
-                  <a:ext cx="457200" cy="2552700"/>
-                </a:xfrm>
-                <a:prstGeom prst="line">
-                  <a:avLst/>
-                </a:prstGeom>
-                <a:ln w="22225">
-                  <a:solidFill>
-                    <a:srgbClr val="FF0000"/>
-                  </a:solidFill>
-                </a:ln>
-              </p:spPr>
-              <p:style>
-                <a:lnRef idx="1">
-                  <a:schemeClr val="accent1"/>
-                </a:lnRef>
-                <a:fillRef idx="0">
-                  <a:schemeClr val="accent1"/>
-                </a:fillRef>
-                <a:effectRef idx="0">
-                  <a:schemeClr val="accent1"/>
-                </a:effectRef>
-                <a:fontRef idx="minor">
-                  <a:schemeClr val="tx1"/>
-                </a:fontRef>
-              </p:style>
-            </p:cxnSp>
-            <p:cxnSp>
-              <p:nvCxnSpPr>
-                <p:cNvPr id="43" name="Straight Connector 42">
-                  <a:extLst>
-                    <a:ext uri="{FF2B5EF4-FFF2-40B4-BE49-F238E27FC236}">
-                      <a16:creationId xmlns:a16="http://schemas.microsoft.com/office/drawing/2014/main" id="{A61532B9-7C92-41DB-8714-1637A4758E62}"/>
-                    </a:ext>
-                  </a:extLst>
-                </p:cNvPr>
-                <p:cNvCxnSpPr/>
-                <p:nvPr/>
-              </p:nvCxnSpPr>
-              <p:spPr>
-                <a:xfrm>
-                  <a:off x="3359150" y="50800"/>
-                  <a:ext cx="457200" cy="2552700"/>
-                </a:xfrm>
-                <a:prstGeom prst="line">
-                  <a:avLst/>
-                </a:prstGeom>
-                <a:ln w="22225">
-                  <a:solidFill>
-                    <a:srgbClr val="FF0000"/>
-                  </a:solidFill>
-                </a:ln>
-              </p:spPr>
-              <p:style>
-                <a:lnRef idx="1">
-                  <a:schemeClr val="accent1"/>
-                </a:lnRef>
-                <a:fillRef idx="0">
-                  <a:schemeClr val="accent1"/>
-                </a:fillRef>
-                <a:effectRef idx="0">
-                  <a:schemeClr val="accent1"/>
-                </a:effectRef>
-                <a:fontRef idx="minor">
-                  <a:schemeClr val="tx1"/>
-                </a:fontRef>
-              </p:style>
-            </p:cxnSp>
-          </p:grpSp>
-          <p:cxnSp>
-            <p:nvCxnSpPr>
-              <p:cNvPr id="29" name="Straight Arrow Connector 28">
-                <a:extLst>
-                  <a:ext uri="{FF2B5EF4-FFF2-40B4-BE49-F238E27FC236}">
-                    <a16:creationId xmlns:a16="http://schemas.microsoft.com/office/drawing/2014/main" id="{9B5B2FBA-45BE-5B72-2515-2C2DB255B981}"/>
-                  </a:ext>
-                </a:extLst>
-              </p:cNvPr>
-              <p:cNvCxnSpPr/>
-              <p:nvPr/>
-            </p:nvCxnSpPr>
-            <p:spPr>
-              <a:xfrm>
-                <a:off x="609600" y="1352550"/>
-                <a:ext cx="704850" cy="0"/>
-              </a:xfrm>
-              <a:prstGeom prst="straightConnector1">
-                <a:avLst/>
-              </a:prstGeom>
-              <a:ln w="31750">
-                <a:solidFill>
-                  <a:srgbClr val="FFFF00"/>
-                </a:solidFill>
-                <a:tailEnd type="triangle"/>
-              </a:ln>
-            </p:spPr>
-            <p:style>
-              <a:lnRef idx="1">
-                <a:schemeClr val="accent1"/>
-              </a:lnRef>
-              <a:fillRef idx="0">
-                <a:schemeClr val="accent1"/>
-              </a:fillRef>
-              <a:effectRef idx="0">
-                <a:schemeClr val="accent1"/>
-              </a:effectRef>
-              <a:fontRef idx="minor">
-                <a:schemeClr val="tx1"/>
-              </a:fontRef>
-            </p:style>
-          </p:cxnSp>
-          <p:cxnSp>
-            <p:nvCxnSpPr>
-              <p:cNvPr id="30" name="Straight Arrow Connector 29">
-                <a:extLst>
-                  <a:ext uri="{FF2B5EF4-FFF2-40B4-BE49-F238E27FC236}">
-                    <a16:creationId xmlns:a16="http://schemas.microsoft.com/office/drawing/2014/main" id="{42E97A1E-47D7-ADC1-F8F9-462A785FA6F9}"/>
-                  </a:ext>
-                </a:extLst>
-              </p:cNvPr>
-              <p:cNvCxnSpPr/>
-              <p:nvPr/>
-            </p:nvCxnSpPr>
-            <p:spPr>
-              <a:xfrm>
-                <a:off x="1409700" y="1339850"/>
-                <a:ext cx="704850" cy="0"/>
-              </a:xfrm>
-              <a:prstGeom prst="straightConnector1">
-                <a:avLst/>
-              </a:prstGeom>
-              <a:ln w="31750">
-                <a:solidFill>
-                  <a:srgbClr val="FFFF00"/>
-                </a:solidFill>
-                <a:tailEnd type="triangle"/>
-              </a:ln>
-            </p:spPr>
-            <p:style>
-              <a:lnRef idx="1">
-                <a:schemeClr val="accent1"/>
-              </a:lnRef>
-              <a:fillRef idx="0">
-                <a:schemeClr val="accent1"/>
-              </a:fillRef>
-              <a:effectRef idx="0">
-                <a:schemeClr val="accent1"/>
-              </a:effectRef>
-              <a:fontRef idx="minor">
-                <a:schemeClr val="tx1"/>
-              </a:fontRef>
-            </p:style>
-          </p:cxnSp>
-          <p:cxnSp>
-            <p:nvCxnSpPr>
-              <p:cNvPr id="31" name="Straight Arrow Connector 30">
-                <a:extLst>
-                  <a:ext uri="{FF2B5EF4-FFF2-40B4-BE49-F238E27FC236}">
-                    <a16:creationId xmlns:a16="http://schemas.microsoft.com/office/drawing/2014/main" id="{D4C526CF-FA3C-A9A4-7D8C-FED13C9B1903}"/>
-                  </a:ext>
-                </a:extLst>
-              </p:cNvPr>
-              <p:cNvCxnSpPr/>
-              <p:nvPr/>
-            </p:nvCxnSpPr>
-            <p:spPr>
-              <a:xfrm>
-                <a:off x="2171700" y="1339850"/>
-                <a:ext cx="704850" cy="0"/>
-              </a:xfrm>
-              <a:prstGeom prst="straightConnector1">
-                <a:avLst/>
-              </a:prstGeom>
-              <a:ln w="31750">
-                <a:solidFill>
-                  <a:srgbClr val="FFFF00"/>
-                </a:solidFill>
-                <a:tailEnd type="triangle"/>
-              </a:ln>
-            </p:spPr>
-            <p:style>
-              <a:lnRef idx="1">
-                <a:schemeClr val="accent1"/>
-              </a:lnRef>
-              <a:fillRef idx="0">
-                <a:schemeClr val="accent1"/>
-              </a:fillRef>
-              <a:effectRef idx="0">
-                <a:schemeClr val="accent1"/>
-              </a:effectRef>
-              <a:fontRef idx="minor">
-                <a:schemeClr val="tx1"/>
-              </a:fontRef>
-            </p:style>
-          </p:cxnSp>
-          <p:cxnSp>
-            <p:nvCxnSpPr>
-              <p:cNvPr id="32" name="Straight Arrow Connector 31">
-                <a:extLst>
-                  <a:ext uri="{FF2B5EF4-FFF2-40B4-BE49-F238E27FC236}">
-                    <a16:creationId xmlns:a16="http://schemas.microsoft.com/office/drawing/2014/main" id="{86CAA567-35F7-8920-B9EC-E22A6EF42CE0}"/>
-                  </a:ext>
-                </a:extLst>
-              </p:cNvPr>
-              <p:cNvCxnSpPr/>
-              <p:nvPr/>
-            </p:nvCxnSpPr>
-            <p:spPr>
-              <a:xfrm>
-                <a:off x="2908300" y="1339850"/>
-                <a:ext cx="648000" cy="0"/>
-              </a:xfrm>
-              <a:prstGeom prst="straightConnector1">
-                <a:avLst/>
-              </a:prstGeom>
-              <a:ln w="31750">
-                <a:solidFill>
-                  <a:srgbClr val="FFFF00"/>
-                </a:solidFill>
-                <a:tailEnd type="triangle"/>
-              </a:ln>
-            </p:spPr>
-            <p:style>
-              <a:lnRef idx="1">
-                <a:schemeClr val="accent1"/>
-              </a:lnRef>
-              <a:fillRef idx="0">
-                <a:schemeClr val="accent1"/>
-              </a:fillRef>
-              <a:effectRef idx="0">
-                <a:schemeClr val="accent1"/>
-              </a:effectRef>
-              <a:fontRef idx="minor">
-                <a:schemeClr val="tx1"/>
-              </a:fontRef>
-            </p:style>
-          </p:cxnSp>
-          <p:cxnSp>
-            <p:nvCxnSpPr>
-              <p:cNvPr id="33" name="Straight Arrow Connector 32">
-                <a:extLst>
-                  <a:ext uri="{FF2B5EF4-FFF2-40B4-BE49-F238E27FC236}">
-                    <a16:creationId xmlns:a16="http://schemas.microsoft.com/office/drawing/2014/main" id="{52C50F1D-F291-894F-003D-F58548770AD0}"/>
-                  </a:ext>
-                </a:extLst>
-              </p:cNvPr>
-              <p:cNvCxnSpPr/>
-              <p:nvPr/>
-            </p:nvCxnSpPr>
-            <p:spPr>
-              <a:xfrm>
-                <a:off x="3581400" y="1339850"/>
-                <a:ext cx="704850" cy="0"/>
-              </a:xfrm>
-              <a:prstGeom prst="straightConnector1">
-                <a:avLst/>
-              </a:prstGeom>
-              <a:ln w="31750">
-                <a:solidFill>
-                  <a:srgbClr val="FFFF00"/>
-                </a:solidFill>
-                <a:tailEnd type="triangle"/>
-              </a:ln>
-            </p:spPr>
-            <p:style>
-              <a:lnRef idx="1">
-                <a:schemeClr val="accent1"/>
-              </a:lnRef>
-              <a:fillRef idx="0">
-                <a:schemeClr val="accent1"/>
-              </a:fillRef>
-              <a:effectRef idx="0">
-                <a:schemeClr val="accent1"/>
-              </a:effectRef>
-              <a:fontRef idx="minor">
-                <a:schemeClr val="tx1"/>
-              </a:fontRef>
-            </p:style>
-          </p:cxnSp>
-        </p:grpSp>
-        <p:sp>
-          <p:nvSpPr>
-            <p:cNvPr id="20" name="Text Box 60">
-              <a:extLst>
-                <a:ext uri="{FF2B5EF4-FFF2-40B4-BE49-F238E27FC236}">
-                  <a16:creationId xmlns:a16="http://schemas.microsoft.com/office/drawing/2014/main" id="{DE44383C-563F-1F69-6C6C-DF9087595CA4}"/>
-                </a:ext>
-              </a:extLst>
-            </p:cNvPr>
-            <p:cNvSpPr txBox="1"/>
-            <p:nvPr/>
-          </p:nvSpPr>
-          <p:spPr>
-            <a:xfrm>
-              <a:off x="755650" y="-1"/>
-              <a:ext cx="2381250" cy="330171"/>
-            </a:xfrm>
-            <a:prstGeom prst="rect">
-              <a:avLst/>
-            </a:prstGeom>
-            <a:solidFill>
-              <a:schemeClr val="lt1"/>
-            </a:solidFill>
-            <a:ln w="6350">
-              <a:solidFill>
-                <a:prstClr val="black"/>
-              </a:solidFill>
-            </a:ln>
-          </p:spPr>
-          <p:txBody>
-            <a:bodyPr rot="0" spcFirstLastPara="0" vert="horz" wrap="square" lIns="91440" tIns="45720" rIns="91440" bIns="45720" numCol="1" spcCol="0" rtlCol="0" fromWordArt="0" anchor="t" anchorCtr="0" forceAA="0" compatLnSpc="1">
-              <a:prstTxWarp prst="textNoShape">
-                <a:avLst/>
-              </a:prstTxWarp>
-              <a:noAutofit/>
-            </a:bodyPr>
-            <a:lstStyle/>
-            <a:p>
-              <a:pPr>
-                <a:lnSpc>
-                  <a:spcPct val="107000"/>
-                </a:lnSpc>
-                <a:spcAft>
-                  <a:spcPts val="800"/>
-                </a:spcAft>
-              </a:pPr>
-              <a:r>
-                <a:rPr lang="en-ID" sz="1200" kern="100" dirty="0" err="1">
-                  <a:effectLst/>
-                  <a:latin typeface="Times New Roman" panose="02020603050405020304" pitchFamily="18" charset="0"/>
-                  <a:ea typeface="Calibri" panose="020F0502020204030204" pitchFamily="34" charset="0"/>
-                  <a:cs typeface="Times New Roman" panose="02020603050405020304" pitchFamily="18" charset="0"/>
-                </a:rPr>
-                <a:t>Arah</a:t>
-              </a:r>
-              <a:r>
-                <a:rPr lang="en-ID" sz="1200" kern="100" dirty="0">
-                  <a:effectLst/>
-                  <a:latin typeface="Times New Roman" panose="02020603050405020304" pitchFamily="18" charset="0"/>
-                  <a:ea typeface="Calibri" panose="020F0502020204030204" pitchFamily="34" charset="0"/>
-                  <a:cs typeface="Times New Roman" panose="02020603050405020304" pitchFamily="18" charset="0"/>
-                </a:rPr>
-                <a:t> </a:t>
-              </a:r>
-              <a:r>
-                <a:rPr lang="en-ID" sz="1200" kern="100" dirty="0" err="1">
-                  <a:effectLst/>
-                  <a:latin typeface="Times New Roman" panose="02020603050405020304" pitchFamily="18" charset="0"/>
-                  <a:ea typeface="Calibri" panose="020F0502020204030204" pitchFamily="34" charset="0"/>
-                  <a:cs typeface="Times New Roman" panose="02020603050405020304" pitchFamily="18" charset="0"/>
-                </a:rPr>
-                <a:t>penjalaran</a:t>
-              </a:r>
-              <a:r>
-                <a:rPr lang="en-ID" sz="1200" kern="100" dirty="0">
-                  <a:effectLst/>
-                  <a:latin typeface="Times New Roman" panose="02020603050405020304" pitchFamily="18" charset="0"/>
-                  <a:ea typeface="Calibri" panose="020F0502020204030204" pitchFamily="34" charset="0"/>
-                  <a:cs typeface="Times New Roman" panose="02020603050405020304" pitchFamily="18" charset="0"/>
-                </a:rPr>
-                <a:t> </a:t>
-              </a:r>
-              <a:r>
-                <a:rPr lang="en-ID" sz="1200" kern="100" dirty="0" err="1">
-                  <a:effectLst/>
-                  <a:latin typeface="Times New Roman" panose="02020603050405020304" pitchFamily="18" charset="0"/>
-                  <a:ea typeface="Calibri" panose="020F0502020204030204" pitchFamily="34" charset="0"/>
-                  <a:cs typeface="Times New Roman" panose="02020603050405020304" pitchFamily="18" charset="0"/>
-                </a:rPr>
-                <a:t>gelombang</a:t>
-              </a:r>
-              <a:r>
-                <a:rPr lang="en-ID" sz="1200" kern="100" dirty="0">
-                  <a:effectLst/>
-                  <a:latin typeface="Times New Roman" panose="02020603050405020304" pitchFamily="18" charset="0"/>
-                  <a:ea typeface="Calibri" panose="020F0502020204030204" pitchFamily="34" charset="0"/>
-                  <a:cs typeface="Times New Roman" panose="02020603050405020304" pitchFamily="18" charset="0"/>
-                </a:rPr>
-                <a:t> (</a:t>
-              </a:r>
-              <a:r>
-                <a:rPr lang="en-ID" sz="1200" kern="100" dirty="0" err="1">
-                  <a:effectLst/>
-                  <a:latin typeface="Times New Roman" panose="02020603050405020304" pitchFamily="18" charset="0"/>
-                  <a:ea typeface="Calibri" panose="020F0502020204030204" pitchFamily="34" charset="0"/>
-                  <a:cs typeface="Times New Roman" panose="02020603050405020304" pitchFamily="18" charset="0"/>
-                </a:rPr>
-                <a:t>sinar</a:t>
-              </a:r>
-              <a:r>
-                <a:rPr lang="en-ID" sz="1200" kern="100" dirty="0">
-                  <a:effectLst/>
-                  <a:latin typeface="Times New Roman" panose="02020603050405020304" pitchFamily="18" charset="0"/>
-                  <a:ea typeface="Calibri" panose="020F0502020204030204" pitchFamily="34" charset="0"/>
-                  <a:cs typeface="Times New Roman" panose="02020603050405020304" pitchFamily="18" charset="0"/>
-                </a:rPr>
-                <a:t>)</a:t>
-              </a:r>
-            </a:p>
-          </p:txBody>
-        </p:sp>
-        <p:cxnSp>
-          <p:nvCxnSpPr>
-            <p:cNvPr id="21" name="Straight Arrow Connector 20">
-              <a:extLst>
-                <a:ext uri="{FF2B5EF4-FFF2-40B4-BE49-F238E27FC236}">
-                  <a16:creationId xmlns:a16="http://schemas.microsoft.com/office/drawing/2014/main" id="{FE837724-B7FB-B6FF-21E0-4024D69A6F38}"/>
-                </a:ext>
-              </a:extLst>
-            </p:cNvPr>
-            <p:cNvCxnSpPr/>
-            <p:nvPr/>
-          </p:nvCxnSpPr>
-          <p:spPr>
-            <a:xfrm>
-              <a:off x="393700" y="368300"/>
-              <a:ext cx="3022600" cy="0"/>
-            </a:xfrm>
-            <a:prstGeom prst="straightConnector1">
-              <a:avLst/>
-            </a:prstGeom>
-            <a:ln w="31750">
-              <a:solidFill>
-                <a:srgbClr val="FFFF00"/>
-              </a:solidFill>
-              <a:tailEnd type="triangle"/>
-            </a:ln>
-          </p:spPr>
-          <p:style>
-            <a:lnRef idx="1">
-              <a:schemeClr val="accent1"/>
-            </a:lnRef>
-            <a:fillRef idx="0">
-              <a:schemeClr val="accent1"/>
-            </a:fillRef>
-            <a:effectRef idx="0">
-              <a:schemeClr val="accent1"/>
-            </a:effectRef>
-            <a:fontRef idx="minor">
-              <a:schemeClr val="tx1"/>
-            </a:fontRef>
-          </p:style>
-        </p:cxnSp>
-        <p:sp>
-          <p:nvSpPr>
-            <p:cNvPr id="22" name="Text Box 60">
-              <a:extLst>
-                <a:ext uri="{FF2B5EF4-FFF2-40B4-BE49-F238E27FC236}">
-                  <a16:creationId xmlns:a16="http://schemas.microsoft.com/office/drawing/2014/main" id="{13009E29-AC02-C491-1641-80D31FB968D4}"/>
-                </a:ext>
-              </a:extLst>
-            </p:cNvPr>
-            <p:cNvSpPr txBox="1"/>
-            <p:nvPr/>
-          </p:nvSpPr>
-          <p:spPr>
-            <a:xfrm>
-              <a:off x="1384300" y="3263900"/>
-              <a:ext cx="2012950" cy="311150"/>
-            </a:xfrm>
-            <a:prstGeom prst="rect">
-              <a:avLst/>
-            </a:prstGeom>
-            <a:solidFill>
-              <a:schemeClr val="lt1"/>
-            </a:solidFill>
-            <a:ln w="6350">
-              <a:solidFill>
-                <a:prstClr val="black"/>
-              </a:solidFill>
-            </a:ln>
-          </p:spPr>
-          <p:txBody>
-            <a:bodyPr rot="0" spcFirstLastPara="0" vert="horz" wrap="square" lIns="91440" tIns="45720" rIns="91440" bIns="45720" numCol="1" spcCol="0" rtlCol="0" fromWordArt="0" anchor="t" anchorCtr="0" forceAA="0" compatLnSpc="1">
-              <a:prstTxWarp prst="textNoShape">
-                <a:avLst/>
-              </a:prstTxWarp>
-              <a:noAutofit/>
-            </a:bodyPr>
-            <a:lstStyle/>
-            <a:p>
-              <a:pPr>
-                <a:lnSpc>
-                  <a:spcPct val="107000"/>
-                </a:lnSpc>
-                <a:spcAft>
-                  <a:spcPts val="800"/>
-                </a:spcAft>
-              </a:pPr>
-              <a:r>
-                <a:rPr lang="en-ID" sz="1200" kern="100">
-                  <a:effectLst/>
-                  <a:latin typeface="Times New Roman" panose="02020603050405020304" pitchFamily="18" charset="0"/>
-                  <a:ea typeface="Calibri" panose="020F0502020204030204" pitchFamily="34" charset="0"/>
-                  <a:cs typeface="Times New Roman" panose="02020603050405020304" pitchFamily="18" charset="0"/>
-                </a:rPr>
-                <a:t>Muka gelombang (</a:t>
-              </a:r>
-              <a:r>
-                <a:rPr lang="en-ID" sz="1200" i="1" kern="100">
-                  <a:effectLst/>
-                  <a:latin typeface="Times New Roman" panose="02020603050405020304" pitchFamily="18" charset="0"/>
-                  <a:ea typeface="Calibri" panose="020F0502020204030204" pitchFamily="34" charset="0"/>
-                  <a:cs typeface="Times New Roman" panose="02020603050405020304" pitchFamily="18" charset="0"/>
-                </a:rPr>
-                <a:t>wavefront</a:t>
-              </a:r>
-              <a:r>
-                <a:rPr lang="en-ID" sz="1200" kern="100">
-                  <a:effectLst/>
-                  <a:latin typeface="Times New Roman" panose="02020603050405020304" pitchFamily="18" charset="0"/>
-                  <a:ea typeface="Calibri" panose="020F0502020204030204" pitchFamily="34" charset="0"/>
-                  <a:cs typeface="Times New Roman" panose="02020603050405020304" pitchFamily="18" charset="0"/>
-                </a:rPr>
-                <a:t>)</a:t>
-              </a:r>
-            </a:p>
-          </p:txBody>
-        </p:sp>
-        <p:cxnSp>
-          <p:nvCxnSpPr>
-            <p:cNvPr id="23" name="Straight Arrow Connector 22">
-              <a:extLst>
-                <a:ext uri="{FF2B5EF4-FFF2-40B4-BE49-F238E27FC236}">
-                  <a16:creationId xmlns:a16="http://schemas.microsoft.com/office/drawing/2014/main" id="{FD6CDC06-AED5-963E-1A51-5B11424E0786}"/>
-                </a:ext>
-              </a:extLst>
-            </p:cNvPr>
-            <p:cNvCxnSpPr/>
-            <p:nvPr/>
-          </p:nvCxnSpPr>
-          <p:spPr>
-            <a:xfrm flipH="1" flipV="1">
-              <a:off x="857250" y="3016250"/>
-              <a:ext cx="1498600" cy="247650"/>
-            </a:xfrm>
-            <a:prstGeom prst="straightConnector1">
-              <a:avLst/>
-            </a:prstGeom>
-            <a:ln w="25400">
-              <a:solidFill>
-                <a:schemeClr val="accent2"/>
-              </a:solidFill>
-              <a:tailEnd type="triangle"/>
-            </a:ln>
-          </p:spPr>
-          <p:style>
-            <a:lnRef idx="1">
-              <a:schemeClr val="accent1"/>
-            </a:lnRef>
-            <a:fillRef idx="0">
-              <a:schemeClr val="accent1"/>
-            </a:fillRef>
-            <a:effectRef idx="0">
-              <a:schemeClr val="accent1"/>
-            </a:effectRef>
-            <a:fontRef idx="minor">
-              <a:schemeClr val="tx1"/>
-            </a:fontRef>
-          </p:style>
-        </p:cxnSp>
-        <p:cxnSp>
-          <p:nvCxnSpPr>
-            <p:cNvPr id="24" name="Straight Arrow Connector 23">
-              <a:extLst>
-                <a:ext uri="{FF2B5EF4-FFF2-40B4-BE49-F238E27FC236}">
-                  <a16:creationId xmlns:a16="http://schemas.microsoft.com/office/drawing/2014/main" id="{016548E5-7328-A3A3-F125-4080705C0A4B}"/>
-                </a:ext>
-              </a:extLst>
-            </p:cNvPr>
-            <p:cNvCxnSpPr/>
-            <p:nvPr/>
-          </p:nvCxnSpPr>
-          <p:spPr>
-            <a:xfrm flipH="1" flipV="1">
-              <a:off x="1670050" y="3067050"/>
-              <a:ext cx="647700" cy="196215"/>
-            </a:xfrm>
-            <a:prstGeom prst="straightConnector1">
-              <a:avLst/>
-            </a:prstGeom>
-            <a:ln w="25400">
-              <a:solidFill>
-                <a:schemeClr val="accent2"/>
-              </a:solidFill>
-              <a:tailEnd type="triangle"/>
-            </a:ln>
-          </p:spPr>
-          <p:style>
-            <a:lnRef idx="1">
-              <a:schemeClr val="accent1"/>
-            </a:lnRef>
-            <a:fillRef idx="0">
-              <a:schemeClr val="accent1"/>
-            </a:fillRef>
-            <a:effectRef idx="0">
-              <a:schemeClr val="accent1"/>
-            </a:effectRef>
-            <a:fontRef idx="minor">
-              <a:schemeClr val="tx1"/>
-            </a:fontRef>
-          </p:style>
-        </p:cxnSp>
-        <p:cxnSp>
-          <p:nvCxnSpPr>
-            <p:cNvPr id="25" name="Straight Arrow Connector 24">
-              <a:extLst>
-                <a:ext uri="{FF2B5EF4-FFF2-40B4-BE49-F238E27FC236}">
-                  <a16:creationId xmlns:a16="http://schemas.microsoft.com/office/drawing/2014/main" id="{CEA5A5DF-038B-0215-3CF0-F4B5C05B544A}"/>
-                </a:ext>
-              </a:extLst>
-            </p:cNvPr>
-            <p:cNvCxnSpPr/>
-            <p:nvPr/>
-          </p:nvCxnSpPr>
-          <p:spPr>
-            <a:xfrm flipV="1">
-              <a:off x="2317750" y="3016250"/>
-              <a:ext cx="95885" cy="247015"/>
-            </a:xfrm>
-            <a:prstGeom prst="straightConnector1">
-              <a:avLst/>
-            </a:prstGeom>
-            <a:ln w="25400">
-              <a:solidFill>
-                <a:schemeClr val="accent2"/>
-              </a:solidFill>
-              <a:tailEnd type="triangle"/>
-            </a:ln>
-          </p:spPr>
-          <p:style>
-            <a:lnRef idx="1">
-              <a:schemeClr val="accent1"/>
-            </a:lnRef>
-            <a:fillRef idx="0">
-              <a:schemeClr val="accent1"/>
-            </a:fillRef>
-            <a:effectRef idx="0">
-              <a:schemeClr val="accent1"/>
-            </a:effectRef>
-            <a:fontRef idx="minor">
-              <a:schemeClr val="tx1"/>
-            </a:fontRef>
-          </p:style>
-        </p:cxnSp>
-        <p:cxnSp>
-          <p:nvCxnSpPr>
-            <p:cNvPr id="26" name="Straight Arrow Connector 25">
-              <a:extLst>
-                <a:ext uri="{FF2B5EF4-FFF2-40B4-BE49-F238E27FC236}">
-                  <a16:creationId xmlns:a16="http://schemas.microsoft.com/office/drawing/2014/main" id="{4A2BB4BF-4E2E-6F2F-2B98-A7E70A995080}"/>
-                </a:ext>
-              </a:extLst>
-            </p:cNvPr>
-            <p:cNvCxnSpPr/>
-            <p:nvPr/>
-          </p:nvCxnSpPr>
-          <p:spPr>
-            <a:xfrm flipV="1">
-              <a:off x="2247900" y="2965450"/>
-              <a:ext cx="889000" cy="298450"/>
-            </a:xfrm>
-            <a:prstGeom prst="straightConnector1">
-              <a:avLst/>
-            </a:prstGeom>
-            <a:ln w="25400">
-              <a:solidFill>
-                <a:schemeClr val="accent2"/>
-              </a:solidFill>
-              <a:tailEnd type="triangle"/>
-            </a:ln>
-          </p:spPr>
-          <p:style>
-            <a:lnRef idx="1">
-              <a:schemeClr val="accent1"/>
-            </a:lnRef>
-            <a:fillRef idx="0">
-              <a:schemeClr val="accent1"/>
-            </a:fillRef>
-            <a:effectRef idx="0">
-              <a:schemeClr val="accent1"/>
-            </a:effectRef>
-            <a:fontRef idx="minor">
-              <a:schemeClr val="tx1"/>
-            </a:fontRef>
-          </p:style>
-        </p:cxnSp>
-        <p:cxnSp>
-          <p:nvCxnSpPr>
-            <p:cNvPr id="27" name="Straight Arrow Connector 26">
-              <a:extLst>
-                <a:ext uri="{FF2B5EF4-FFF2-40B4-BE49-F238E27FC236}">
-                  <a16:creationId xmlns:a16="http://schemas.microsoft.com/office/drawing/2014/main" id="{52099AB1-0C83-9F74-FB56-CBECD3AB22A9}"/>
-                </a:ext>
-              </a:extLst>
-            </p:cNvPr>
-            <p:cNvCxnSpPr/>
-            <p:nvPr/>
-          </p:nvCxnSpPr>
-          <p:spPr>
-            <a:xfrm flipV="1">
-              <a:off x="2247900" y="3016250"/>
-              <a:ext cx="1568450" cy="247650"/>
-            </a:xfrm>
-            <a:prstGeom prst="straightConnector1">
-              <a:avLst/>
-            </a:prstGeom>
-            <a:ln w="25400">
-              <a:solidFill>
-                <a:schemeClr val="accent2"/>
-              </a:solidFill>
-              <a:tailEnd type="triangle"/>
-            </a:ln>
-          </p:spPr>
-          <p:style>
-            <a:lnRef idx="1">
-              <a:schemeClr val="accent1"/>
-            </a:lnRef>
-            <a:fillRef idx="0">
-              <a:schemeClr val="accent1"/>
-            </a:fillRef>
-            <a:effectRef idx="0">
-              <a:schemeClr val="accent1"/>
-            </a:effectRef>
-            <a:fontRef idx="minor">
-              <a:schemeClr val="tx1"/>
-            </a:fontRef>
-          </p:style>
-        </p:cxnSp>
-      </p:grpSp>
-    </p:spTree>
-    <p:extLst>
-      <p:ext uri="{BB962C8B-B14F-4D97-AF65-F5344CB8AC3E}">
-        <p14:creationId xmlns:p14="http://schemas.microsoft.com/office/powerpoint/2010/main" val="901863644"/>
-      </p:ext>
-    </p:extLst>
-  </p:cSld>
-  <p:clrMapOvr>
-    <a:masterClrMapping/>
-  </p:clrMapOvr>
-</p:sld>
-</file>
-
 <file path=ppt/theme/theme1.xml><?xml version="1.0" encoding="utf-8"?>
 <a:theme xmlns:a="http://schemas.openxmlformats.org/drawingml/2006/main" name="Office Theme">
   <a:themeElements>

--- a/Presentation1.pptx
+++ b/Presentation1.pptx
@@ -10,27 +10,29 @@
     <p:sldId id="279" r:id="rId4"/>
     <p:sldId id="280" r:id="rId5"/>
     <p:sldId id="281" r:id="rId6"/>
-    <p:sldId id="263" r:id="rId7"/>
-    <p:sldId id="268" r:id="rId8"/>
-    <p:sldId id="264" r:id="rId9"/>
-    <p:sldId id="269" r:id="rId10"/>
-    <p:sldId id="260" r:id="rId11"/>
-    <p:sldId id="262" r:id="rId12"/>
-    <p:sldId id="270" r:id="rId13"/>
-    <p:sldId id="261" r:id="rId14"/>
-    <p:sldId id="265" r:id="rId15"/>
-    <p:sldId id="271" r:id="rId16"/>
-    <p:sldId id="267" r:id="rId17"/>
-    <p:sldId id="272" r:id="rId18"/>
-    <p:sldId id="266" r:id="rId19"/>
-    <p:sldId id="257" r:id="rId20"/>
-    <p:sldId id="273" r:id="rId21"/>
-    <p:sldId id="258" r:id="rId22"/>
-    <p:sldId id="274" r:id="rId23"/>
-    <p:sldId id="259" r:id="rId24"/>
-    <p:sldId id="275" r:id="rId25"/>
-    <p:sldId id="276" r:id="rId26"/>
-    <p:sldId id="277" r:id="rId27"/>
+    <p:sldId id="282" r:id="rId7"/>
+    <p:sldId id="283" r:id="rId8"/>
+    <p:sldId id="263" r:id="rId9"/>
+    <p:sldId id="268" r:id="rId10"/>
+    <p:sldId id="264" r:id="rId11"/>
+    <p:sldId id="269" r:id="rId12"/>
+    <p:sldId id="260" r:id="rId13"/>
+    <p:sldId id="262" r:id="rId14"/>
+    <p:sldId id="270" r:id="rId15"/>
+    <p:sldId id="261" r:id="rId16"/>
+    <p:sldId id="265" r:id="rId17"/>
+    <p:sldId id="271" r:id="rId18"/>
+    <p:sldId id="267" r:id="rId19"/>
+    <p:sldId id="272" r:id="rId20"/>
+    <p:sldId id="266" r:id="rId21"/>
+    <p:sldId id="257" r:id="rId22"/>
+    <p:sldId id="273" r:id="rId23"/>
+    <p:sldId id="258" r:id="rId24"/>
+    <p:sldId id="274" r:id="rId25"/>
+    <p:sldId id="259" r:id="rId26"/>
+    <p:sldId id="275" r:id="rId27"/>
+    <p:sldId id="276" r:id="rId28"/>
+    <p:sldId id="277" r:id="rId29"/>
   </p:sldIdLst>
   <p:sldSz cx="12192000" cy="6858000"/>
   <p:notesSz cx="6858000" cy="9144000"/>
@@ -286,7 +288,7 @@
           <a:p>
             <a:fld id="{A5358068-B55E-472E-8EF6-2EE20D143D55}" type="datetimeFigureOut">
               <a:rPr lang="en-ID" smtClean="0"/>
-              <a:t>14/08/2024</a:t>
+              <a:t>20/08/2024</a:t>
             </a:fld>
             <a:endParaRPr lang="en-ID"/>
           </a:p>
@@ -486,7 +488,7 @@
           <a:p>
             <a:fld id="{A5358068-B55E-472E-8EF6-2EE20D143D55}" type="datetimeFigureOut">
               <a:rPr lang="en-ID" smtClean="0"/>
-              <a:t>14/08/2024</a:t>
+              <a:t>20/08/2024</a:t>
             </a:fld>
             <a:endParaRPr lang="en-ID"/>
           </a:p>
@@ -696,7 +698,7 @@
           <a:p>
             <a:fld id="{A5358068-B55E-472E-8EF6-2EE20D143D55}" type="datetimeFigureOut">
               <a:rPr lang="en-ID" smtClean="0"/>
-              <a:t>14/08/2024</a:t>
+              <a:t>20/08/2024</a:t>
             </a:fld>
             <a:endParaRPr lang="en-ID"/>
           </a:p>
@@ -896,7 +898,7 @@
           <a:p>
             <a:fld id="{A5358068-B55E-472E-8EF6-2EE20D143D55}" type="datetimeFigureOut">
               <a:rPr lang="en-ID" smtClean="0"/>
-              <a:t>14/08/2024</a:t>
+              <a:t>20/08/2024</a:t>
             </a:fld>
             <a:endParaRPr lang="en-ID"/>
           </a:p>
@@ -1172,7 +1174,7 @@
           <a:p>
             <a:fld id="{A5358068-B55E-472E-8EF6-2EE20D143D55}" type="datetimeFigureOut">
               <a:rPr lang="en-ID" smtClean="0"/>
-              <a:t>14/08/2024</a:t>
+              <a:t>20/08/2024</a:t>
             </a:fld>
             <a:endParaRPr lang="en-ID"/>
           </a:p>
@@ -1440,7 +1442,7 @@
           <a:p>
             <a:fld id="{A5358068-B55E-472E-8EF6-2EE20D143D55}" type="datetimeFigureOut">
               <a:rPr lang="en-ID" smtClean="0"/>
-              <a:t>14/08/2024</a:t>
+              <a:t>20/08/2024</a:t>
             </a:fld>
             <a:endParaRPr lang="en-ID"/>
           </a:p>
@@ -1855,7 +1857,7 @@
           <a:p>
             <a:fld id="{A5358068-B55E-472E-8EF6-2EE20D143D55}" type="datetimeFigureOut">
               <a:rPr lang="en-ID" smtClean="0"/>
-              <a:t>14/08/2024</a:t>
+              <a:t>20/08/2024</a:t>
             </a:fld>
             <a:endParaRPr lang="en-ID"/>
           </a:p>
@@ -1997,7 +1999,7 @@
           <a:p>
             <a:fld id="{A5358068-B55E-472E-8EF6-2EE20D143D55}" type="datetimeFigureOut">
               <a:rPr lang="en-ID" smtClean="0"/>
-              <a:t>14/08/2024</a:t>
+              <a:t>20/08/2024</a:t>
             </a:fld>
             <a:endParaRPr lang="en-ID"/>
           </a:p>
@@ -2110,7 +2112,7 @@
           <a:p>
             <a:fld id="{A5358068-B55E-472E-8EF6-2EE20D143D55}" type="datetimeFigureOut">
               <a:rPr lang="en-ID" smtClean="0"/>
-              <a:t>14/08/2024</a:t>
+              <a:t>20/08/2024</a:t>
             </a:fld>
             <a:endParaRPr lang="en-ID"/>
           </a:p>
@@ -2423,7 +2425,7 @@
           <a:p>
             <a:fld id="{A5358068-B55E-472E-8EF6-2EE20D143D55}" type="datetimeFigureOut">
               <a:rPr lang="en-ID" smtClean="0"/>
-              <a:t>14/08/2024</a:t>
+              <a:t>20/08/2024</a:t>
             </a:fld>
             <a:endParaRPr lang="en-ID"/>
           </a:p>
@@ -2712,7 +2714,7 @@
           <a:p>
             <a:fld id="{A5358068-B55E-472E-8EF6-2EE20D143D55}" type="datetimeFigureOut">
               <a:rPr lang="en-ID" smtClean="0"/>
-              <a:t>14/08/2024</a:t>
+              <a:t>20/08/2024</a:t>
             </a:fld>
             <a:endParaRPr lang="en-ID"/>
           </a:p>
@@ -2955,7 +2957,7 @@
           <a:p>
             <a:fld id="{A5358068-B55E-472E-8EF6-2EE20D143D55}" type="datetimeFigureOut">
               <a:rPr lang="en-ID" smtClean="0"/>
-              <a:t>14/08/2024</a:t>
+              <a:t>20/08/2024</a:t>
             </a:fld>
             <a:endParaRPr lang="en-ID"/>
           </a:p>
@@ -3436,6 +3438,690 @@
 </file>
 
 <file path=ppt/slides/slide10.xml><?xml version="1.0" encoding="utf-8"?>
+<p:sld xmlns:a="http://schemas.openxmlformats.org/drawingml/2006/main" xmlns:r="http://schemas.openxmlformats.org/officeDocument/2006/relationships" xmlns:p="http://schemas.openxmlformats.org/presentationml/2006/main">
+  <p:cSld>
+    <p:spTree>
+      <p:nvGrpSpPr>
+        <p:cNvPr id="1" name=""/>
+        <p:cNvGrpSpPr/>
+        <p:nvPr/>
+      </p:nvGrpSpPr>
+      <p:grpSpPr>
+        <a:xfrm>
+          <a:off x="0" y="0"/>
+          <a:ext cx="0" cy="0"/>
+          <a:chOff x="0" y="0"/>
+          <a:chExt cx="0" cy="0"/>
+        </a:xfrm>
+      </p:grpSpPr>
+      <p:grpSp>
+        <p:nvGrpSpPr>
+          <p:cNvPr id="6" name="Group 5">
+            <a:extLst>
+              <a:ext uri="{FF2B5EF4-FFF2-40B4-BE49-F238E27FC236}">
+                <a16:creationId xmlns:a16="http://schemas.microsoft.com/office/drawing/2014/main" id="{A225F196-520A-6F5D-263A-328CB008D7D5}"/>
+              </a:ext>
+            </a:extLst>
+          </p:cNvPr>
+          <p:cNvGrpSpPr/>
+          <p:nvPr/>
+        </p:nvGrpSpPr>
+        <p:grpSpPr>
+          <a:xfrm>
+            <a:off x="3135367" y="0"/>
+            <a:ext cx="6858000" cy="6858000"/>
+            <a:chOff x="3135367" y="0"/>
+            <a:chExt cx="6858000" cy="6858000"/>
+          </a:xfrm>
+        </p:grpSpPr>
+        <p:pic>
+          <p:nvPicPr>
+            <p:cNvPr id="3" name="Picture 2">
+              <a:extLst>
+                <a:ext uri="{FF2B5EF4-FFF2-40B4-BE49-F238E27FC236}">
+                  <a16:creationId xmlns:a16="http://schemas.microsoft.com/office/drawing/2014/main" id="{9E923D3C-27B1-35BF-AF0A-42942B41148C}"/>
+                </a:ext>
+              </a:extLst>
+            </p:cNvPr>
+            <p:cNvPicPr>
+              <a:picLocks noChangeAspect="1"/>
+            </p:cNvPicPr>
+            <p:nvPr/>
+          </p:nvPicPr>
+          <p:blipFill rotWithShape="1">
+            <a:blip r:embed="rId2">
+              <a:extLst>
+                <a:ext uri="{28A0092B-C50C-407E-A947-70E740481C1C}">
+                  <a14:useLocalDpi xmlns:a14="http://schemas.microsoft.com/office/drawing/2010/main" val="0"/>
+                </a:ext>
+              </a:extLst>
+            </a:blip>
+            <a:srcRect l="305" r="355" b="23544"/>
+            <a:stretch/>
+          </p:blipFill>
+          <p:spPr>
+            <a:xfrm>
+              <a:off x="3135367" y="0"/>
+              <a:ext cx="6858000" cy="6858000"/>
+            </a:xfrm>
+            <a:prstGeom prst="rect">
+              <a:avLst/>
+            </a:prstGeom>
+          </p:spPr>
+        </p:pic>
+        <p:sp>
+          <p:nvSpPr>
+            <p:cNvPr id="4" name="Rectangle 3">
+              <a:extLst>
+                <a:ext uri="{FF2B5EF4-FFF2-40B4-BE49-F238E27FC236}">
+                  <a16:creationId xmlns:a16="http://schemas.microsoft.com/office/drawing/2014/main" id="{6A53FC7C-D66F-2E0A-8236-B272C4F978F9}"/>
+                </a:ext>
+              </a:extLst>
+            </p:cNvPr>
+            <p:cNvSpPr/>
+            <p:nvPr/>
+          </p:nvSpPr>
+          <p:spPr>
+            <a:xfrm>
+              <a:off x="4661677" y="1636902"/>
+              <a:ext cx="3057832" cy="3057832"/>
+            </a:xfrm>
+            <a:prstGeom prst="rect">
+              <a:avLst/>
+            </a:prstGeom>
+            <a:noFill/>
+            <a:ln w="79375">
+              <a:solidFill>
+                <a:srgbClr val="FF0000"/>
+              </a:solidFill>
+              <a:prstDash val="sysDash"/>
+            </a:ln>
+          </p:spPr>
+          <p:style>
+            <a:lnRef idx="2">
+              <a:schemeClr val="accent1">
+                <a:shade val="15000"/>
+              </a:schemeClr>
+            </a:lnRef>
+            <a:fillRef idx="1">
+              <a:schemeClr val="accent1"/>
+            </a:fillRef>
+            <a:effectRef idx="0">
+              <a:schemeClr val="accent1"/>
+            </a:effectRef>
+            <a:fontRef idx="minor">
+              <a:schemeClr val="lt1"/>
+            </a:fontRef>
+          </p:style>
+          <p:txBody>
+            <a:bodyPr rtlCol="0" anchor="ctr"/>
+            <a:lstStyle/>
+            <a:p>
+              <a:pPr algn="ctr"/>
+              <a:endParaRPr lang="en-ID"/>
+            </a:p>
+          </p:txBody>
+        </p:sp>
+        <p:sp>
+          <p:nvSpPr>
+            <p:cNvPr id="5" name="TextBox 4">
+              <a:extLst>
+                <a:ext uri="{FF2B5EF4-FFF2-40B4-BE49-F238E27FC236}">
+                  <a16:creationId xmlns:a16="http://schemas.microsoft.com/office/drawing/2014/main" id="{6D72D240-C05E-A3E3-6F52-9D96A3C4B387}"/>
+                </a:ext>
+              </a:extLst>
+            </p:cNvPr>
+            <p:cNvSpPr txBox="1"/>
+            <p:nvPr/>
+          </p:nvSpPr>
+          <p:spPr>
+            <a:xfrm>
+              <a:off x="4661677" y="1025494"/>
+              <a:ext cx="3057832" cy="461665"/>
+            </a:xfrm>
+            <a:prstGeom prst="rect">
+              <a:avLst/>
+            </a:prstGeom>
+            <a:noFill/>
+          </p:spPr>
+          <p:txBody>
+            <a:bodyPr wrap="square" rtlCol="0">
+              <a:spAutoFit/>
+            </a:bodyPr>
+            <a:lstStyle/>
+            <a:p>
+              <a:pPr algn="ctr"/>
+              <a:r>
+                <a:rPr lang="en-US" sz="2400" dirty="0" err="1">
+                  <a:solidFill>
+                    <a:schemeClr val="bg1"/>
+                  </a:solidFill>
+                  <a:latin typeface="Times New Roman" panose="02020603050405020304" pitchFamily="18" charset="0"/>
+                  <a:cs typeface="Times New Roman" panose="02020603050405020304" pitchFamily="18" charset="0"/>
+                </a:rPr>
+                <a:t>Bayangan</a:t>
+              </a:r>
+              <a:r>
+                <a:rPr lang="en-US" sz="2400" dirty="0">
+                  <a:solidFill>
+                    <a:schemeClr val="bg1"/>
+                  </a:solidFill>
+                  <a:latin typeface="Times New Roman" panose="02020603050405020304" pitchFamily="18" charset="0"/>
+                  <a:cs typeface="Times New Roman" panose="02020603050405020304" pitchFamily="18" charset="0"/>
+                </a:rPr>
+                <a:t> </a:t>
+              </a:r>
+              <a:r>
+                <a:rPr lang="en-US" sz="2400" dirty="0" err="1">
+                  <a:solidFill>
+                    <a:schemeClr val="bg1"/>
+                  </a:solidFill>
+                  <a:latin typeface="Times New Roman" panose="02020603050405020304" pitchFamily="18" charset="0"/>
+                  <a:cs typeface="Times New Roman" panose="02020603050405020304" pitchFamily="18" charset="0"/>
+                </a:rPr>
+                <a:t>Nyata</a:t>
+              </a:r>
+              <a:endParaRPr lang="en-ID" sz="2400" dirty="0">
+                <a:solidFill>
+                  <a:schemeClr val="bg1"/>
+                </a:solidFill>
+                <a:latin typeface="Times New Roman" panose="02020603050405020304" pitchFamily="18" charset="0"/>
+                <a:cs typeface="Times New Roman" panose="02020603050405020304" pitchFamily="18" charset="0"/>
+              </a:endParaRPr>
+            </a:p>
+          </p:txBody>
+        </p:sp>
+        <p:sp>
+          <p:nvSpPr>
+            <p:cNvPr id="7" name="TextBox 6">
+              <a:extLst>
+                <a:ext uri="{FF2B5EF4-FFF2-40B4-BE49-F238E27FC236}">
+                  <a16:creationId xmlns:a16="http://schemas.microsoft.com/office/drawing/2014/main" id="{AE5AB466-44CF-4418-E0AF-6856D6AD1679}"/>
+                </a:ext>
+              </a:extLst>
+            </p:cNvPr>
+            <p:cNvSpPr txBox="1"/>
+            <p:nvPr/>
+          </p:nvSpPr>
+          <p:spPr>
+            <a:xfrm>
+              <a:off x="7833830" y="2598003"/>
+              <a:ext cx="1884954" cy="923330"/>
+            </a:xfrm>
+            <a:prstGeom prst="rect">
+              <a:avLst/>
+            </a:prstGeom>
+            <a:noFill/>
+          </p:spPr>
+          <p:txBody>
+            <a:bodyPr wrap="square" rtlCol="0">
+              <a:spAutoFit/>
+            </a:bodyPr>
+            <a:lstStyle/>
+            <a:p>
+              <a:pPr algn="ctr"/>
+              <a:r>
+                <a:rPr lang="en-US" dirty="0" err="1">
+                  <a:solidFill>
+                    <a:schemeClr val="bg1"/>
+                  </a:solidFill>
+                  <a:latin typeface="Times New Roman" panose="02020603050405020304" pitchFamily="18" charset="0"/>
+                  <a:cs typeface="Times New Roman" panose="02020603050405020304" pitchFamily="18" charset="0"/>
+                </a:rPr>
+                <a:t>Bulan</a:t>
+              </a:r>
+              <a:r>
+                <a:rPr lang="en-US" dirty="0">
+                  <a:solidFill>
+                    <a:schemeClr val="bg1"/>
+                  </a:solidFill>
+                  <a:latin typeface="Times New Roman" panose="02020603050405020304" pitchFamily="18" charset="0"/>
+                  <a:cs typeface="Times New Roman" panose="02020603050405020304" pitchFamily="18" charset="0"/>
+                </a:rPr>
+                <a:t> dan </a:t>
+              </a:r>
+              <a:r>
+                <a:rPr lang="en-US" dirty="0" err="1">
+                  <a:solidFill>
+                    <a:schemeClr val="bg1"/>
+                  </a:solidFill>
+                  <a:latin typeface="Times New Roman" panose="02020603050405020304" pitchFamily="18" charset="0"/>
+                  <a:cs typeface="Times New Roman" panose="02020603050405020304" pitchFamily="18" charset="0"/>
+                </a:rPr>
+                <a:t>Matahari</a:t>
+              </a:r>
+              <a:r>
+                <a:rPr lang="en-US" dirty="0">
+                  <a:solidFill>
+                    <a:schemeClr val="bg1"/>
+                  </a:solidFill>
+                  <a:latin typeface="Times New Roman" panose="02020603050405020304" pitchFamily="18" charset="0"/>
+                  <a:cs typeface="Times New Roman" panose="02020603050405020304" pitchFamily="18" charset="0"/>
+                </a:rPr>
+                <a:t> </a:t>
+              </a:r>
+              <a:r>
+                <a:rPr lang="en-US" dirty="0" err="1">
+                  <a:solidFill>
+                    <a:schemeClr val="bg1"/>
+                  </a:solidFill>
+                  <a:latin typeface="Times New Roman" panose="02020603050405020304" pitchFamily="18" charset="0"/>
+                  <a:cs typeface="Times New Roman" panose="02020603050405020304" pitchFamily="18" charset="0"/>
+                </a:rPr>
+                <a:t>tampak</a:t>
+              </a:r>
+              <a:r>
+                <a:rPr lang="en-US" dirty="0">
+                  <a:solidFill>
+                    <a:schemeClr val="bg1"/>
+                  </a:solidFill>
+                  <a:latin typeface="Times New Roman" panose="02020603050405020304" pitchFamily="18" charset="0"/>
+                  <a:cs typeface="Times New Roman" panose="02020603050405020304" pitchFamily="18" charset="0"/>
+                </a:rPr>
+                <a:t> </a:t>
+              </a:r>
+              <a:r>
+                <a:rPr lang="en-US" dirty="0" err="1">
+                  <a:solidFill>
+                    <a:schemeClr val="bg1"/>
+                  </a:solidFill>
+                  <a:latin typeface="Times New Roman" panose="02020603050405020304" pitchFamily="18" charset="0"/>
+                  <a:cs typeface="Times New Roman" panose="02020603050405020304" pitchFamily="18" charset="0"/>
+                </a:rPr>
+                <a:t>lebih</a:t>
+              </a:r>
+              <a:r>
+                <a:rPr lang="en-US" dirty="0">
+                  <a:solidFill>
+                    <a:schemeClr val="bg1"/>
+                  </a:solidFill>
+                  <a:latin typeface="Times New Roman" panose="02020603050405020304" pitchFamily="18" charset="0"/>
+                  <a:cs typeface="Times New Roman" panose="02020603050405020304" pitchFamily="18" charset="0"/>
+                </a:rPr>
+                <a:t> </a:t>
+              </a:r>
+              <a:r>
+                <a:rPr lang="en-US" dirty="0" err="1">
+                  <a:solidFill>
+                    <a:schemeClr val="bg1"/>
+                  </a:solidFill>
+                  <a:latin typeface="Times New Roman" panose="02020603050405020304" pitchFamily="18" charset="0"/>
+                  <a:cs typeface="Times New Roman" panose="02020603050405020304" pitchFamily="18" charset="0"/>
+                </a:rPr>
+                <a:t>kecil</a:t>
+              </a:r>
+              <a:endParaRPr lang="en-ID" dirty="0">
+                <a:solidFill>
+                  <a:schemeClr val="bg1"/>
+                </a:solidFill>
+                <a:latin typeface="Times New Roman" panose="02020603050405020304" pitchFamily="18" charset="0"/>
+                <a:cs typeface="Times New Roman" panose="02020603050405020304" pitchFamily="18" charset="0"/>
+              </a:endParaRPr>
+            </a:p>
+          </p:txBody>
+        </p:sp>
+      </p:grpSp>
+    </p:spTree>
+    <p:extLst>
+      <p:ext uri="{BB962C8B-B14F-4D97-AF65-F5344CB8AC3E}">
+        <p14:creationId xmlns:p14="http://schemas.microsoft.com/office/powerpoint/2010/main" val="2325565469"/>
+      </p:ext>
+    </p:extLst>
+  </p:cSld>
+  <p:clrMapOvr>
+    <a:masterClrMapping/>
+  </p:clrMapOvr>
+</p:sld>
+</file>
+
+<file path=ppt/slides/slide11.xml><?xml version="1.0" encoding="utf-8"?>
+<p:sld xmlns:a="http://schemas.openxmlformats.org/drawingml/2006/main" xmlns:r="http://schemas.openxmlformats.org/officeDocument/2006/relationships" xmlns:p="http://schemas.openxmlformats.org/presentationml/2006/main">
+  <p:cSld>
+    <p:spTree>
+      <p:nvGrpSpPr>
+        <p:cNvPr id="1" name=""/>
+        <p:cNvGrpSpPr/>
+        <p:nvPr/>
+      </p:nvGrpSpPr>
+      <p:grpSpPr>
+        <a:xfrm>
+          <a:off x="0" y="0"/>
+          <a:ext cx="0" cy="0"/>
+          <a:chOff x="0" y="0"/>
+          <a:chExt cx="0" cy="0"/>
+        </a:xfrm>
+      </p:grpSpPr>
+      <p:grpSp>
+        <p:nvGrpSpPr>
+          <p:cNvPr id="6" name="Group 5">
+            <a:extLst>
+              <a:ext uri="{FF2B5EF4-FFF2-40B4-BE49-F238E27FC236}">
+                <a16:creationId xmlns:a16="http://schemas.microsoft.com/office/drawing/2014/main" id="{A225F196-520A-6F5D-263A-328CB008D7D5}"/>
+              </a:ext>
+            </a:extLst>
+          </p:cNvPr>
+          <p:cNvGrpSpPr/>
+          <p:nvPr/>
+        </p:nvGrpSpPr>
+        <p:grpSpPr>
+          <a:xfrm>
+            <a:off x="3135367" y="0"/>
+            <a:ext cx="6858000" cy="6858000"/>
+            <a:chOff x="3135367" y="0"/>
+            <a:chExt cx="6858000" cy="6858000"/>
+          </a:xfrm>
+        </p:grpSpPr>
+        <p:pic>
+          <p:nvPicPr>
+            <p:cNvPr id="3" name="Picture 2">
+              <a:extLst>
+                <a:ext uri="{FF2B5EF4-FFF2-40B4-BE49-F238E27FC236}">
+                  <a16:creationId xmlns:a16="http://schemas.microsoft.com/office/drawing/2014/main" id="{9E923D3C-27B1-35BF-AF0A-42942B41148C}"/>
+                </a:ext>
+              </a:extLst>
+            </p:cNvPr>
+            <p:cNvPicPr>
+              <a:picLocks noChangeAspect="1"/>
+            </p:cNvPicPr>
+            <p:nvPr/>
+          </p:nvPicPr>
+          <p:blipFill rotWithShape="1">
+            <a:blip r:embed="rId2">
+              <a:extLst>
+                <a:ext uri="{28A0092B-C50C-407E-A947-70E740481C1C}">
+                  <a14:useLocalDpi xmlns:a14="http://schemas.microsoft.com/office/drawing/2010/main" val="0"/>
+                </a:ext>
+              </a:extLst>
+            </a:blip>
+            <a:srcRect l="305" r="355" b="23544"/>
+            <a:stretch/>
+          </p:blipFill>
+          <p:spPr>
+            <a:xfrm>
+              <a:off x="3135367" y="0"/>
+              <a:ext cx="6858000" cy="6858000"/>
+            </a:xfrm>
+            <a:prstGeom prst="rect">
+              <a:avLst/>
+            </a:prstGeom>
+          </p:spPr>
+        </p:pic>
+        <p:sp>
+          <p:nvSpPr>
+            <p:cNvPr id="4" name="Rectangle 3">
+              <a:extLst>
+                <a:ext uri="{FF2B5EF4-FFF2-40B4-BE49-F238E27FC236}">
+                  <a16:creationId xmlns:a16="http://schemas.microsoft.com/office/drawing/2014/main" id="{6A53FC7C-D66F-2E0A-8236-B272C4F978F9}"/>
+                </a:ext>
+              </a:extLst>
+            </p:cNvPr>
+            <p:cNvSpPr/>
+            <p:nvPr/>
+          </p:nvSpPr>
+          <p:spPr>
+            <a:xfrm>
+              <a:off x="4661677" y="1636902"/>
+              <a:ext cx="3057832" cy="3057832"/>
+            </a:xfrm>
+            <a:prstGeom prst="rect">
+              <a:avLst/>
+            </a:prstGeom>
+            <a:noFill/>
+            <a:ln w="79375">
+              <a:solidFill>
+                <a:srgbClr val="FF0000"/>
+              </a:solidFill>
+              <a:prstDash val="sysDash"/>
+            </a:ln>
+          </p:spPr>
+          <p:style>
+            <a:lnRef idx="2">
+              <a:schemeClr val="accent1">
+                <a:shade val="15000"/>
+              </a:schemeClr>
+            </a:lnRef>
+            <a:fillRef idx="1">
+              <a:schemeClr val="accent1"/>
+            </a:fillRef>
+            <a:effectRef idx="0">
+              <a:schemeClr val="accent1"/>
+            </a:effectRef>
+            <a:fontRef idx="minor">
+              <a:schemeClr val="lt1"/>
+            </a:fontRef>
+          </p:style>
+          <p:txBody>
+            <a:bodyPr rtlCol="0" anchor="ctr"/>
+            <a:lstStyle/>
+            <a:p>
+              <a:pPr algn="ctr"/>
+              <a:endParaRPr lang="en-ID"/>
+            </a:p>
+          </p:txBody>
+        </p:sp>
+        <p:sp>
+          <p:nvSpPr>
+            <p:cNvPr id="5" name="TextBox 4">
+              <a:extLst>
+                <a:ext uri="{FF2B5EF4-FFF2-40B4-BE49-F238E27FC236}">
+                  <a16:creationId xmlns:a16="http://schemas.microsoft.com/office/drawing/2014/main" id="{6D72D240-C05E-A3E3-6F52-9D96A3C4B387}"/>
+                </a:ext>
+              </a:extLst>
+            </p:cNvPr>
+            <p:cNvSpPr txBox="1"/>
+            <p:nvPr/>
+          </p:nvSpPr>
+          <p:spPr>
+            <a:xfrm>
+              <a:off x="4661677" y="1025494"/>
+              <a:ext cx="3057832" cy="461665"/>
+            </a:xfrm>
+            <a:prstGeom prst="rect">
+              <a:avLst/>
+            </a:prstGeom>
+            <a:noFill/>
+          </p:spPr>
+          <p:txBody>
+            <a:bodyPr wrap="square" rtlCol="0">
+              <a:spAutoFit/>
+            </a:bodyPr>
+            <a:lstStyle/>
+            <a:p>
+              <a:pPr algn="ctr"/>
+              <a:r>
+                <a:rPr lang="en-US" sz="2400" dirty="0" err="1">
+                  <a:solidFill>
+                    <a:schemeClr val="bg1"/>
+                  </a:solidFill>
+                  <a:latin typeface="Times New Roman" panose="02020603050405020304" pitchFamily="18" charset="0"/>
+                  <a:cs typeface="Times New Roman" panose="02020603050405020304" pitchFamily="18" charset="0"/>
+                </a:rPr>
+                <a:t>Gerçek</a:t>
+              </a:r>
+              <a:r>
+                <a:rPr lang="en-US" sz="2400" dirty="0">
+                  <a:solidFill>
+                    <a:schemeClr val="bg1"/>
+                  </a:solidFill>
+                  <a:latin typeface="Times New Roman" panose="02020603050405020304" pitchFamily="18" charset="0"/>
+                  <a:cs typeface="Times New Roman" panose="02020603050405020304" pitchFamily="18" charset="0"/>
+                </a:rPr>
+                <a:t> </a:t>
+              </a:r>
+              <a:r>
+                <a:rPr lang="en-US" sz="2400" dirty="0" err="1">
+                  <a:solidFill>
+                    <a:schemeClr val="bg1"/>
+                  </a:solidFill>
+                  <a:latin typeface="Times New Roman" panose="02020603050405020304" pitchFamily="18" charset="0"/>
+                  <a:cs typeface="Times New Roman" panose="02020603050405020304" pitchFamily="18" charset="0"/>
+                </a:rPr>
+                <a:t>Görüntü</a:t>
+              </a:r>
+              <a:endParaRPr lang="en-ID" sz="2400" dirty="0">
+                <a:solidFill>
+                  <a:schemeClr val="bg1"/>
+                </a:solidFill>
+                <a:latin typeface="Times New Roman" panose="02020603050405020304" pitchFamily="18" charset="0"/>
+                <a:cs typeface="Times New Roman" panose="02020603050405020304" pitchFamily="18" charset="0"/>
+              </a:endParaRPr>
+            </a:p>
+          </p:txBody>
+        </p:sp>
+        <p:sp>
+          <p:nvSpPr>
+            <p:cNvPr id="7" name="TextBox 6">
+              <a:extLst>
+                <a:ext uri="{FF2B5EF4-FFF2-40B4-BE49-F238E27FC236}">
+                  <a16:creationId xmlns:a16="http://schemas.microsoft.com/office/drawing/2014/main" id="{AE5AB466-44CF-4418-E0AF-6856D6AD1679}"/>
+                </a:ext>
+              </a:extLst>
+            </p:cNvPr>
+            <p:cNvSpPr txBox="1"/>
+            <p:nvPr/>
+          </p:nvSpPr>
+          <p:spPr>
+            <a:xfrm>
+              <a:off x="7833830" y="2598003"/>
+              <a:ext cx="1884954" cy="646331"/>
+            </a:xfrm>
+            <a:prstGeom prst="rect">
+              <a:avLst/>
+            </a:prstGeom>
+            <a:noFill/>
+          </p:spPr>
+          <p:txBody>
+            <a:bodyPr wrap="square" rtlCol="0">
+              <a:spAutoFit/>
+            </a:bodyPr>
+            <a:lstStyle/>
+            <a:p>
+              <a:pPr algn="ctr"/>
+              <a:r>
+                <a:rPr lang="en-US" dirty="0">
+                  <a:solidFill>
+                    <a:schemeClr val="bg1"/>
+                  </a:solidFill>
+                  <a:latin typeface="Times New Roman" panose="02020603050405020304" pitchFamily="18" charset="0"/>
+                  <a:cs typeface="Times New Roman" panose="02020603050405020304" pitchFamily="18" charset="0"/>
+                </a:rPr>
+                <a:t>Ay </a:t>
+              </a:r>
+              <a:r>
+                <a:rPr lang="en-US" dirty="0" err="1">
+                  <a:solidFill>
+                    <a:schemeClr val="bg1"/>
+                  </a:solidFill>
+                  <a:latin typeface="Times New Roman" panose="02020603050405020304" pitchFamily="18" charset="0"/>
+                  <a:cs typeface="Times New Roman" panose="02020603050405020304" pitchFamily="18" charset="0"/>
+                </a:rPr>
+                <a:t>ve</a:t>
+              </a:r>
+              <a:r>
+                <a:rPr lang="en-US" dirty="0">
+                  <a:solidFill>
+                    <a:schemeClr val="bg1"/>
+                  </a:solidFill>
+                  <a:latin typeface="Times New Roman" panose="02020603050405020304" pitchFamily="18" charset="0"/>
+                  <a:cs typeface="Times New Roman" panose="02020603050405020304" pitchFamily="18" charset="0"/>
+                </a:rPr>
+                <a:t> </a:t>
+              </a:r>
+              <a:r>
+                <a:rPr lang="en-US" dirty="0" err="1">
+                  <a:solidFill>
+                    <a:schemeClr val="bg1"/>
+                  </a:solidFill>
+                  <a:latin typeface="Times New Roman" panose="02020603050405020304" pitchFamily="18" charset="0"/>
+                  <a:cs typeface="Times New Roman" panose="02020603050405020304" pitchFamily="18" charset="0"/>
+                </a:rPr>
+                <a:t>Güneş</a:t>
+              </a:r>
+              <a:r>
+                <a:rPr lang="en-US" dirty="0">
+                  <a:solidFill>
+                    <a:schemeClr val="bg1"/>
+                  </a:solidFill>
+                  <a:latin typeface="Times New Roman" panose="02020603050405020304" pitchFamily="18" charset="0"/>
+                  <a:cs typeface="Times New Roman" panose="02020603050405020304" pitchFamily="18" charset="0"/>
+                </a:rPr>
+                <a:t> </a:t>
+              </a:r>
+              <a:r>
+                <a:rPr lang="en-US" dirty="0" err="1">
+                  <a:solidFill>
+                    <a:schemeClr val="bg1"/>
+                  </a:solidFill>
+                  <a:latin typeface="Times New Roman" panose="02020603050405020304" pitchFamily="18" charset="0"/>
+                  <a:cs typeface="Times New Roman" panose="02020603050405020304" pitchFamily="18" charset="0"/>
+                </a:rPr>
+                <a:t>daha</a:t>
+              </a:r>
+              <a:r>
+                <a:rPr lang="en-US" dirty="0">
+                  <a:solidFill>
+                    <a:schemeClr val="bg1"/>
+                  </a:solidFill>
+                  <a:latin typeface="Times New Roman" panose="02020603050405020304" pitchFamily="18" charset="0"/>
+                  <a:cs typeface="Times New Roman" panose="02020603050405020304" pitchFamily="18" charset="0"/>
+                </a:rPr>
+                <a:t> </a:t>
+              </a:r>
+              <a:r>
+                <a:rPr lang="en-US" dirty="0" err="1">
+                  <a:solidFill>
+                    <a:schemeClr val="bg1"/>
+                  </a:solidFill>
+                  <a:latin typeface="Times New Roman" panose="02020603050405020304" pitchFamily="18" charset="0"/>
+                  <a:cs typeface="Times New Roman" panose="02020603050405020304" pitchFamily="18" charset="0"/>
+                </a:rPr>
+                <a:t>küçük</a:t>
+              </a:r>
+              <a:r>
+                <a:rPr lang="en-US" dirty="0">
+                  <a:solidFill>
+                    <a:schemeClr val="bg1"/>
+                  </a:solidFill>
+                  <a:latin typeface="Times New Roman" panose="02020603050405020304" pitchFamily="18" charset="0"/>
+                  <a:cs typeface="Times New Roman" panose="02020603050405020304" pitchFamily="18" charset="0"/>
+                </a:rPr>
+                <a:t> </a:t>
+              </a:r>
+              <a:r>
+                <a:rPr lang="en-US" dirty="0" err="1">
+                  <a:solidFill>
+                    <a:schemeClr val="bg1"/>
+                  </a:solidFill>
+                  <a:latin typeface="Times New Roman" panose="02020603050405020304" pitchFamily="18" charset="0"/>
+                  <a:cs typeface="Times New Roman" panose="02020603050405020304" pitchFamily="18" charset="0"/>
+                </a:rPr>
+                <a:t>görünür</a:t>
+              </a:r>
+              <a:endParaRPr lang="en-ID" dirty="0">
+                <a:solidFill>
+                  <a:schemeClr val="bg1"/>
+                </a:solidFill>
+                <a:latin typeface="Times New Roman" panose="02020603050405020304" pitchFamily="18" charset="0"/>
+                <a:cs typeface="Times New Roman" panose="02020603050405020304" pitchFamily="18" charset="0"/>
+              </a:endParaRPr>
+            </a:p>
+          </p:txBody>
+        </p:sp>
+      </p:grpSp>
+    </p:spTree>
+    <p:extLst>
+      <p:ext uri="{BB962C8B-B14F-4D97-AF65-F5344CB8AC3E}">
+        <p14:creationId xmlns:p14="http://schemas.microsoft.com/office/powerpoint/2010/main" val="296217716"/>
+      </p:ext>
+    </p:extLst>
+  </p:cSld>
+  <p:clrMapOvr>
+    <a:masterClrMapping/>
+  </p:clrMapOvr>
+</p:sld>
+</file>
+
+<file path=ppt/slides/slide12.xml><?xml version="1.0" encoding="utf-8"?>
 <p:sld xmlns:a="http://schemas.openxmlformats.org/drawingml/2006/main" xmlns:r="http://schemas.openxmlformats.org/officeDocument/2006/relationships" xmlns:p="http://schemas.openxmlformats.org/presentationml/2006/main">
   <p:cSld>
     <p:spTree>
@@ -4437,7 +5123,7 @@
 </p:sld>
 </file>
 
-<file path=ppt/slides/slide11.xml><?xml version="1.0" encoding="utf-8"?>
+<file path=ppt/slides/slide13.xml><?xml version="1.0" encoding="utf-8"?>
 <p:sld xmlns:a="http://schemas.openxmlformats.org/drawingml/2006/main" xmlns:r="http://schemas.openxmlformats.org/officeDocument/2006/relationships" xmlns:p="http://schemas.openxmlformats.org/presentationml/2006/main">
   <p:cSld>
     <p:spTree>
@@ -5736,7 +6422,7 @@
 </p:sld>
 </file>
 
-<file path=ppt/slides/slide12.xml><?xml version="1.0" encoding="utf-8"?>
+<file path=ppt/slides/slide14.xml><?xml version="1.0" encoding="utf-8"?>
 <p:sld xmlns:a="http://schemas.openxmlformats.org/drawingml/2006/main" xmlns:r="http://schemas.openxmlformats.org/officeDocument/2006/relationships" xmlns:p="http://schemas.openxmlformats.org/presentationml/2006/main">
   <p:cSld>
     <p:spTree>
@@ -7079,7 +7765,7 @@
 </p:sld>
 </file>
 
-<file path=ppt/slides/slide13.xml><?xml version="1.0" encoding="utf-8"?>
+<file path=ppt/slides/slide15.xml><?xml version="1.0" encoding="utf-8"?>
 <p:sld xmlns:a="http://schemas.openxmlformats.org/drawingml/2006/main" xmlns:r="http://schemas.openxmlformats.org/officeDocument/2006/relationships" xmlns:p="http://schemas.openxmlformats.org/presentationml/2006/main">
   <p:cSld>
     <p:spTree>
@@ -7865,7 +8551,7 @@
 </p:sld>
 </file>
 
-<file path=ppt/slides/slide14.xml><?xml version="1.0" encoding="utf-8"?>
+<file path=ppt/slides/slide16.xml><?xml version="1.0" encoding="utf-8"?>
 <p:sld xmlns:a="http://schemas.openxmlformats.org/drawingml/2006/main" xmlns:r="http://schemas.openxmlformats.org/officeDocument/2006/relationships" xmlns:p="http://schemas.openxmlformats.org/presentationml/2006/main">
   <p:cSld>
     <p:spTree>
@@ -9461,7 +10147,7 @@
 </p:sld>
 </file>
 
-<file path=ppt/slides/slide15.xml><?xml version="1.0" encoding="utf-8"?>
+<file path=ppt/slides/slide17.xml><?xml version="1.0" encoding="utf-8"?>
 <p:sld xmlns:a="http://schemas.openxmlformats.org/drawingml/2006/main" xmlns:r="http://schemas.openxmlformats.org/officeDocument/2006/relationships" xmlns:p="http://schemas.openxmlformats.org/presentationml/2006/main">
   <p:cSld>
     <p:spTree>
@@ -11087,7 +11773,7 @@
 </p:sld>
 </file>
 
-<file path=ppt/slides/slide16.xml><?xml version="1.0" encoding="utf-8"?>
+<file path=ppt/slides/slide18.xml><?xml version="1.0" encoding="utf-8"?>
 <p:sld xmlns:a="http://schemas.openxmlformats.org/drawingml/2006/main" xmlns:r="http://schemas.openxmlformats.org/officeDocument/2006/relationships" xmlns:p="http://schemas.openxmlformats.org/presentationml/2006/main">
   <p:cSld>
     <p:spTree>
@@ -12794,7 +13480,7 @@
 </p:sld>
 </file>
 
-<file path=ppt/slides/slide17.xml><?xml version="1.0" encoding="utf-8"?>
+<file path=ppt/slides/slide19.xml><?xml version="1.0" encoding="utf-8"?>
 <p:sld xmlns:a="http://schemas.openxmlformats.org/drawingml/2006/main" xmlns:r="http://schemas.openxmlformats.org/officeDocument/2006/relationships" xmlns:p="http://schemas.openxmlformats.org/presentationml/2006/main">
   <p:cSld>
     <p:spTree>
@@ -14551,7 +15237,1348 @@
 </p:sld>
 </file>
 
-<file path=ppt/slides/slide18.xml><?xml version="1.0" encoding="utf-8"?>
+<file path=ppt/slides/slide2.xml><?xml version="1.0" encoding="utf-8"?>
+<p:sld xmlns:a="http://schemas.openxmlformats.org/drawingml/2006/main" xmlns:r="http://schemas.openxmlformats.org/officeDocument/2006/relationships" xmlns:p="http://schemas.openxmlformats.org/presentationml/2006/main">
+  <p:cSld>
+    <p:spTree>
+      <p:nvGrpSpPr>
+        <p:cNvPr id="1" name=""/>
+        <p:cNvGrpSpPr/>
+        <p:nvPr/>
+      </p:nvGrpSpPr>
+      <p:grpSpPr>
+        <a:xfrm>
+          <a:off x="0" y="0"/>
+          <a:ext cx="0" cy="0"/>
+          <a:chOff x="0" y="0"/>
+          <a:chExt cx="0" cy="0"/>
+        </a:xfrm>
+      </p:grpSpPr>
+      <mc:AlternateContent xmlns:mc="http://schemas.openxmlformats.org/markup-compatibility/2006" xmlns:a14="http://schemas.microsoft.com/office/drawing/2010/main">
+        <mc:Choice Requires="a14">
+          <p:sp>
+            <p:nvSpPr>
+              <p:cNvPr id="19" name="TextBox 18">
+                <a:extLst>
+                  <a:ext uri="{FF2B5EF4-FFF2-40B4-BE49-F238E27FC236}">
+                    <a16:creationId xmlns:a16="http://schemas.microsoft.com/office/drawing/2014/main" id="{56C4512B-8D4E-B6D6-8B9E-0629537EB8AD}"/>
+                  </a:ext>
+                </a:extLst>
+              </p:cNvPr>
+              <p:cNvSpPr txBox="1"/>
+              <p:nvPr/>
+            </p:nvSpPr>
+            <p:spPr>
+              <a:xfrm>
+                <a:off x="6083302" y="4757528"/>
+                <a:ext cx="292097" cy="369332"/>
+              </a:xfrm>
+              <a:prstGeom prst="rect">
+                <a:avLst/>
+              </a:prstGeom>
+              <a:noFill/>
+            </p:spPr>
+            <p:txBody>
+              <a:bodyPr wrap="square" rtlCol="0">
+                <a:spAutoFit/>
+              </a:bodyPr>
+              <a:lstStyle/>
+              <a:p>
+                <a:pPr/>
+                <a14:m>
+                  <m:oMathPara xmlns:m="http://schemas.openxmlformats.org/officeDocument/2006/math">
+                    <m:oMathParaPr>
+                      <m:jc m:val="centerGroup"/>
+                    </m:oMathParaPr>
+                    <m:oMath xmlns:m="http://schemas.openxmlformats.org/officeDocument/2006/math">
+                      <m:sSub>
+                        <m:sSubPr>
+                          <m:ctrlPr>
+                            <a:rPr lang="en-US" b="0" i="1" smtClean="0">
+                              <a:solidFill>
+                                <a:schemeClr val="bg1"/>
+                              </a:solidFill>
+                              <a:latin typeface="Cambria Math" panose="02040503050406030204" pitchFamily="18" charset="0"/>
+                            </a:rPr>
+                          </m:ctrlPr>
+                        </m:sSubPr>
+                        <m:e>
+                          <m:r>
+                            <a:rPr lang="en-US" b="0" i="1" smtClean="0">
+                              <a:solidFill>
+                                <a:schemeClr val="bg1"/>
+                              </a:solidFill>
+                              <a:latin typeface="Cambria Math" panose="02040503050406030204" pitchFamily="18" charset="0"/>
+                            </a:rPr>
+                            <m:t>𝜃</m:t>
+                          </m:r>
+                        </m:e>
+                        <m:sub>
+                          <m:r>
+                            <a:rPr lang="en-US" b="0" i="1" smtClean="0">
+                              <a:solidFill>
+                                <a:schemeClr val="bg1"/>
+                              </a:solidFill>
+                              <a:latin typeface="Cambria Math" panose="02040503050406030204" pitchFamily="18" charset="0"/>
+                            </a:rPr>
+                            <m:t>2</m:t>
+                          </m:r>
+                        </m:sub>
+                      </m:sSub>
+                    </m:oMath>
+                  </m:oMathPara>
+                </a14:m>
+                <a:endParaRPr lang="en-ID" dirty="0">
+                  <a:solidFill>
+                    <a:schemeClr val="bg1"/>
+                  </a:solidFill>
+                </a:endParaRPr>
+              </a:p>
+            </p:txBody>
+          </p:sp>
+        </mc:Choice>
+        <mc:Fallback xmlns="">
+          <p:sp>
+            <p:nvSpPr>
+              <p:cNvPr id="19" name="TextBox 18">
+                <a:extLst>
+                  <a:ext uri="{FF2B5EF4-FFF2-40B4-BE49-F238E27FC236}">
+                    <a16:creationId xmlns:a16="http://schemas.microsoft.com/office/drawing/2014/main" id="{56C4512B-8D4E-B6D6-8B9E-0629537EB8AD}"/>
+                  </a:ext>
+                </a:extLst>
+              </p:cNvPr>
+              <p:cNvSpPr txBox="1">
+                <a:spLocks noRot="1" noChangeAspect="1" noMove="1" noResize="1" noEditPoints="1" noAdjustHandles="1" noChangeArrowheads="1" noChangeShapeType="1" noTextEdit="1"/>
+              </p:cNvSpPr>
+              <p:nvPr/>
+            </p:nvSpPr>
+            <p:spPr>
+              <a:xfrm>
+                <a:off x="6083302" y="4757528"/>
+                <a:ext cx="292097" cy="369332"/>
+              </a:xfrm>
+              <a:prstGeom prst="rect">
+                <a:avLst/>
+              </a:prstGeom>
+              <a:blipFill>
+                <a:blip r:embed="rId2"/>
+                <a:stretch>
+                  <a:fillRect r="-25000"/>
+                </a:stretch>
+              </a:blipFill>
+            </p:spPr>
+            <p:txBody>
+              <a:bodyPr/>
+              <a:lstStyle/>
+              <a:p>
+                <a:r>
+                  <a:rPr lang="en-ID">
+                    <a:noFill/>
+                  </a:rPr>
+                  <a:t> </a:t>
+                </a:r>
+              </a:p>
+            </p:txBody>
+          </p:sp>
+        </mc:Fallback>
+      </mc:AlternateContent>
+      <p:grpSp>
+        <p:nvGrpSpPr>
+          <p:cNvPr id="25" name="Group 24">
+            <a:extLst>
+              <a:ext uri="{FF2B5EF4-FFF2-40B4-BE49-F238E27FC236}">
+                <a16:creationId xmlns:a16="http://schemas.microsoft.com/office/drawing/2014/main" id="{06B9D07A-848B-A6EF-23B3-E0C194B2068B}"/>
+              </a:ext>
+            </a:extLst>
+          </p:cNvPr>
+          <p:cNvGrpSpPr/>
+          <p:nvPr/>
+        </p:nvGrpSpPr>
+        <p:grpSpPr>
+          <a:xfrm>
+            <a:off x="3954800" y="1307826"/>
+            <a:ext cx="5400000" cy="4680000"/>
+            <a:chOff x="3396000" y="1853926"/>
+            <a:chExt cx="5400000" cy="4680000"/>
+          </a:xfrm>
+        </p:grpSpPr>
+        <p:grpSp>
+          <p:nvGrpSpPr>
+            <p:cNvPr id="4" name="Group 3">
+              <a:extLst>
+                <a:ext uri="{FF2B5EF4-FFF2-40B4-BE49-F238E27FC236}">
+                  <a16:creationId xmlns:a16="http://schemas.microsoft.com/office/drawing/2014/main" id="{A95BDC08-9B77-01EE-B511-5E50A6EEC7D0}"/>
+                </a:ext>
+              </a:extLst>
+            </p:cNvPr>
+            <p:cNvGrpSpPr/>
+            <p:nvPr/>
+          </p:nvGrpSpPr>
+          <p:grpSpPr>
+            <a:xfrm>
+              <a:off x="3396000" y="1853926"/>
+              <a:ext cx="5400000" cy="4673600"/>
+              <a:chOff x="3396000" y="1853926"/>
+              <a:chExt cx="5400000" cy="4673600"/>
+            </a:xfrm>
+          </p:grpSpPr>
+          <p:sp>
+            <p:nvSpPr>
+              <p:cNvPr id="2" name="Rectangle 1">
+                <a:extLst>
+                  <a:ext uri="{FF2B5EF4-FFF2-40B4-BE49-F238E27FC236}">
+                    <a16:creationId xmlns:a16="http://schemas.microsoft.com/office/drawing/2014/main" id="{3C648ADE-B621-8C4F-E56C-12F27C747A4F}"/>
+                  </a:ext>
+                </a:extLst>
+              </p:cNvPr>
+              <p:cNvSpPr/>
+              <p:nvPr/>
+            </p:nvSpPr>
+            <p:spPr>
+              <a:xfrm>
+                <a:off x="3396000" y="4190726"/>
+                <a:ext cx="5400000" cy="2336800"/>
+              </a:xfrm>
+              <a:prstGeom prst="rect">
+                <a:avLst/>
+              </a:prstGeom>
+              <a:gradFill>
+                <a:gsLst>
+                  <a:gs pos="53000">
+                    <a:schemeClr val="accent1"/>
+                  </a:gs>
+                  <a:gs pos="97000">
+                    <a:schemeClr val="accent1">
+                      <a:lumMod val="45000"/>
+                      <a:lumOff val="55000"/>
+                    </a:schemeClr>
+                  </a:gs>
+                  <a:gs pos="100000">
+                    <a:schemeClr val="accent1">
+                      <a:lumMod val="30000"/>
+                      <a:lumOff val="70000"/>
+                    </a:schemeClr>
+                  </a:gs>
+                </a:gsLst>
+                <a:lin ang="5400000" scaled="1"/>
+              </a:gradFill>
+              <a:ln>
+                <a:solidFill>
+                  <a:srgbClr val="0070C0"/>
+                </a:solidFill>
+              </a:ln>
+            </p:spPr>
+            <p:style>
+              <a:lnRef idx="2">
+                <a:schemeClr val="accent1">
+                  <a:shade val="15000"/>
+                </a:schemeClr>
+              </a:lnRef>
+              <a:fillRef idx="1">
+                <a:schemeClr val="accent1"/>
+              </a:fillRef>
+              <a:effectRef idx="0">
+                <a:schemeClr val="accent1"/>
+              </a:effectRef>
+              <a:fontRef idx="minor">
+                <a:schemeClr val="lt1"/>
+              </a:fontRef>
+            </p:style>
+            <p:txBody>
+              <a:bodyPr rtlCol="0" anchor="ctr"/>
+              <a:lstStyle/>
+              <a:p>
+                <a:pPr algn="ctr"/>
+                <a:endParaRPr lang="en-ID" dirty="0"/>
+              </a:p>
+            </p:txBody>
+          </p:sp>
+          <p:sp>
+            <p:nvSpPr>
+              <p:cNvPr id="3" name="Rectangle 2">
+                <a:extLst>
+                  <a:ext uri="{FF2B5EF4-FFF2-40B4-BE49-F238E27FC236}">
+                    <a16:creationId xmlns:a16="http://schemas.microsoft.com/office/drawing/2014/main" id="{B3A822D6-BEE7-8582-041B-C27E43E8F5A3}"/>
+                  </a:ext>
+                </a:extLst>
+              </p:cNvPr>
+              <p:cNvSpPr/>
+              <p:nvPr/>
+            </p:nvSpPr>
+            <p:spPr>
+              <a:xfrm>
+                <a:off x="3396000" y="1853926"/>
+                <a:ext cx="5400000" cy="2336800"/>
+              </a:xfrm>
+              <a:prstGeom prst="rect">
+                <a:avLst/>
+              </a:prstGeom>
+              <a:solidFill>
+                <a:schemeClr val="tx1"/>
+              </a:solidFill>
+              <a:ln>
+                <a:solidFill>
+                  <a:schemeClr val="tx1"/>
+                </a:solidFill>
+              </a:ln>
+            </p:spPr>
+            <p:style>
+              <a:lnRef idx="2">
+                <a:schemeClr val="accent1">
+                  <a:shade val="15000"/>
+                </a:schemeClr>
+              </a:lnRef>
+              <a:fillRef idx="1">
+                <a:schemeClr val="accent1"/>
+              </a:fillRef>
+              <a:effectRef idx="0">
+                <a:schemeClr val="accent1"/>
+              </a:effectRef>
+              <a:fontRef idx="minor">
+                <a:schemeClr val="lt1"/>
+              </a:fontRef>
+            </p:style>
+            <p:txBody>
+              <a:bodyPr rtlCol="0" anchor="ctr"/>
+              <a:lstStyle/>
+              <a:p>
+                <a:pPr algn="ctr"/>
+                <a:endParaRPr lang="en-ID" dirty="0"/>
+              </a:p>
+            </p:txBody>
+          </p:sp>
+        </p:grpSp>
+        <p:cxnSp>
+          <p:nvCxnSpPr>
+            <p:cNvPr id="6" name="Straight Connector 5">
+              <a:extLst>
+                <a:ext uri="{FF2B5EF4-FFF2-40B4-BE49-F238E27FC236}">
+                  <a16:creationId xmlns:a16="http://schemas.microsoft.com/office/drawing/2014/main" id="{2038E3EB-28BD-1E49-8669-89DED1F4D2F4}"/>
+                </a:ext>
+              </a:extLst>
+            </p:cNvPr>
+            <p:cNvCxnSpPr>
+              <a:stCxn id="2" idx="0"/>
+              <a:endCxn id="3" idx="0"/>
+            </p:cNvCxnSpPr>
+            <p:nvPr/>
+          </p:nvCxnSpPr>
+          <p:spPr>
+            <a:xfrm flipV="1">
+              <a:off x="6096000" y="1853926"/>
+              <a:ext cx="0" cy="4680000"/>
+            </a:xfrm>
+            <a:prstGeom prst="line">
+              <a:avLst/>
+            </a:prstGeom>
+            <a:ln w="44450">
+              <a:solidFill>
+                <a:srgbClr val="FF0000"/>
+              </a:solidFill>
+              <a:prstDash val="sysDash"/>
+            </a:ln>
+          </p:spPr>
+          <p:style>
+            <a:lnRef idx="1">
+              <a:schemeClr val="accent1"/>
+            </a:lnRef>
+            <a:fillRef idx="0">
+              <a:schemeClr val="accent1"/>
+            </a:fillRef>
+            <a:effectRef idx="0">
+              <a:schemeClr val="accent1"/>
+            </a:effectRef>
+            <a:fontRef idx="minor">
+              <a:schemeClr val="tx1"/>
+            </a:fontRef>
+          </p:style>
+        </p:cxnSp>
+        <p:cxnSp>
+          <p:nvCxnSpPr>
+            <p:cNvPr id="8" name="Straight Arrow Connector 7">
+              <a:extLst>
+                <a:ext uri="{FF2B5EF4-FFF2-40B4-BE49-F238E27FC236}">
+                  <a16:creationId xmlns:a16="http://schemas.microsoft.com/office/drawing/2014/main" id="{CBC1D993-F567-1C82-B74A-BDD45FDEE7AF}"/>
+                </a:ext>
+              </a:extLst>
+            </p:cNvPr>
+            <p:cNvCxnSpPr>
+              <a:cxnSpLocks/>
+              <a:endCxn id="3" idx="2"/>
+            </p:cNvCxnSpPr>
+            <p:nvPr/>
+          </p:nvCxnSpPr>
+          <p:spPr>
+            <a:xfrm>
+              <a:off x="4498428" y="3022326"/>
+              <a:ext cx="1597572" cy="1168400"/>
+            </a:xfrm>
+            <a:prstGeom prst="straightConnector1">
+              <a:avLst/>
+            </a:prstGeom>
+            <a:ln w="38100">
+              <a:solidFill>
+                <a:srgbClr val="01FF74"/>
+              </a:solidFill>
+              <a:tailEnd type="triangle"/>
+            </a:ln>
+          </p:spPr>
+          <p:style>
+            <a:lnRef idx="1">
+              <a:schemeClr val="accent1"/>
+            </a:lnRef>
+            <a:fillRef idx="0">
+              <a:schemeClr val="accent1"/>
+            </a:fillRef>
+            <a:effectRef idx="0">
+              <a:schemeClr val="accent1"/>
+            </a:effectRef>
+            <a:fontRef idx="minor">
+              <a:schemeClr val="tx1"/>
+            </a:fontRef>
+          </p:style>
+        </p:cxnSp>
+        <p:pic>
+          <p:nvPicPr>
+            <p:cNvPr id="13" name="Picture 12">
+              <a:extLst>
+                <a:ext uri="{FF2B5EF4-FFF2-40B4-BE49-F238E27FC236}">
+                  <a16:creationId xmlns:a16="http://schemas.microsoft.com/office/drawing/2014/main" id="{06C7E8F9-C17A-CAE1-3604-AA4E0C0103DE}"/>
+                </a:ext>
+              </a:extLst>
+            </p:cNvPr>
+            <p:cNvPicPr>
+              <a:picLocks noChangeAspect="1"/>
+            </p:cNvPicPr>
+            <p:nvPr/>
+          </p:nvPicPr>
+          <p:blipFill>
+            <a:blip r:embed="rId3">
+              <a:extLst>
+                <a:ext uri="{28A0092B-C50C-407E-A947-70E740481C1C}">
+                  <a14:useLocalDpi xmlns:a14="http://schemas.microsoft.com/office/drawing/2010/main" val="0"/>
+                </a:ext>
+              </a:extLst>
+            </a:blip>
+            <a:stretch>
+              <a:fillRect/>
+            </a:stretch>
+          </p:blipFill>
+          <p:spPr>
+            <a:xfrm rot="15705243">
+              <a:off x="3487459" y="2028874"/>
+              <a:ext cx="1409263" cy="1409263"/>
+            </a:xfrm>
+            <a:prstGeom prst="rect">
+              <a:avLst/>
+            </a:prstGeom>
+          </p:spPr>
+        </p:pic>
+        <p:cxnSp>
+          <p:nvCxnSpPr>
+            <p:cNvPr id="14" name="Straight Arrow Connector 13">
+              <a:extLst>
+                <a:ext uri="{FF2B5EF4-FFF2-40B4-BE49-F238E27FC236}">
+                  <a16:creationId xmlns:a16="http://schemas.microsoft.com/office/drawing/2014/main" id="{62B2B470-AEAD-6DE1-DBC7-892DA9BB2859}"/>
+                </a:ext>
+              </a:extLst>
+            </p:cNvPr>
+            <p:cNvCxnSpPr>
+              <a:cxnSpLocks/>
+            </p:cNvCxnSpPr>
+            <p:nvPr/>
+          </p:nvCxnSpPr>
+          <p:spPr>
+            <a:xfrm flipV="1">
+              <a:off x="6096000" y="3022326"/>
+              <a:ext cx="1597572" cy="1168400"/>
+            </a:xfrm>
+            <a:prstGeom prst="straightConnector1">
+              <a:avLst/>
+            </a:prstGeom>
+            <a:ln w="38100">
+              <a:solidFill>
+                <a:srgbClr val="01FF74"/>
+              </a:solidFill>
+              <a:tailEnd type="triangle"/>
+            </a:ln>
+          </p:spPr>
+          <p:style>
+            <a:lnRef idx="1">
+              <a:schemeClr val="accent1"/>
+            </a:lnRef>
+            <a:fillRef idx="0">
+              <a:schemeClr val="accent1"/>
+            </a:fillRef>
+            <a:effectRef idx="0">
+              <a:schemeClr val="accent1"/>
+            </a:effectRef>
+            <a:fontRef idx="minor">
+              <a:schemeClr val="tx1"/>
+            </a:fontRef>
+          </p:style>
+        </p:cxnSp>
+        <p:cxnSp>
+          <p:nvCxnSpPr>
+            <p:cNvPr id="15" name="Straight Arrow Connector 14">
+              <a:extLst>
+                <a:ext uri="{FF2B5EF4-FFF2-40B4-BE49-F238E27FC236}">
+                  <a16:creationId xmlns:a16="http://schemas.microsoft.com/office/drawing/2014/main" id="{1D92FE50-8F8D-5F3C-BEF5-39E125C9E157}"/>
+                </a:ext>
+              </a:extLst>
+            </p:cNvPr>
+            <p:cNvCxnSpPr>
+              <a:cxnSpLocks/>
+            </p:cNvCxnSpPr>
+            <p:nvPr/>
+          </p:nvCxnSpPr>
+          <p:spPr>
+            <a:xfrm>
+              <a:off x="6096000" y="4190726"/>
+              <a:ext cx="798786" cy="1663974"/>
+            </a:xfrm>
+            <a:prstGeom prst="straightConnector1">
+              <a:avLst/>
+            </a:prstGeom>
+            <a:ln w="38100">
+              <a:solidFill>
+                <a:srgbClr val="01FF74"/>
+              </a:solidFill>
+              <a:tailEnd type="triangle"/>
+            </a:ln>
+          </p:spPr>
+          <p:style>
+            <a:lnRef idx="1">
+              <a:schemeClr val="accent1"/>
+            </a:lnRef>
+            <a:fillRef idx="0">
+              <a:schemeClr val="accent1"/>
+            </a:fillRef>
+            <a:effectRef idx="0">
+              <a:schemeClr val="accent1"/>
+            </a:effectRef>
+            <a:fontRef idx="minor">
+              <a:schemeClr val="tx1"/>
+            </a:fontRef>
+          </p:style>
+        </p:cxnSp>
+        <mc:AlternateContent xmlns:mc="http://schemas.openxmlformats.org/markup-compatibility/2006" xmlns:a14="http://schemas.microsoft.com/office/drawing/2010/main">
+          <mc:Choice Requires="a14">
+            <p:sp>
+              <p:nvSpPr>
+                <p:cNvPr id="17" name="TextBox 16">
+                  <a:extLst>
+                    <a:ext uri="{FF2B5EF4-FFF2-40B4-BE49-F238E27FC236}">
+                      <a16:creationId xmlns:a16="http://schemas.microsoft.com/office/drawing/2014/main" id="{D2865BC8-DD15-367A-7AC7-062870FAD735}"/>
+                    </a:ext>
+                  </a:extLst>
+                </p:cNvPr>
+                <p:cNvSpPr txBox="1"/>
+                <p:nvPr/>
+              </p:nvSpPr>
+              <p:spPr>
+                <a:xfrm>
+                  <a:off x="5693005" y="3581126"/>
+                  <a:ext cx="292097" cy="369332"/>
+                </a:xfrm>
+                <a:prstGeom prst="rect">
+                  <a:avLst/>
+                </a:prstGeom>
+                <a:noFill/>
+              </p:spPr>
+              <p:txBody>
+                <a:bodyPr wrap="square" rtlCol="0">
+                  <a:spAutoFit/>
+                </a:bodyPr>
+                <a:lstStyle/>
+                <a:p>
+                  <a:pPr/>
+                  <a14:m>
+                    <m:oMathPara xmlns:m="http://schemas.openxmlformats.org/officeDocument/2006/math">
+                      <m:oMathParaPr>
+                        <m:jc m:val="centerGroup"/>
+                      </m:oMathParaPr>
+                      <m:oMath xmlns:m="http://schemas.openxmlformats.org/officeDocument/2006/math">
+                        <m:sSub>
+                          <m:sSubPr>
+                            <m:ctrlPr>
+                              <a:rPr lang="en-US" b="0" i="1" smtClean="0">
+                                <a:solidFill>
+                                  <a:schemeClr val="bg1"/>
+                                </a:solidFill>
+                                <a:latin typeface="Cambria Math" panose="02040503050406030204" pitchFamily="18" charset="0"/>
+                              </a:rPr>
+                            </m:ctrlPr>
+                          </m:sSubPr>
+                          <m:e>
+                            <m:r>
+                              <a:rPr lang="en-US" b="0" i="1" smtClean="0">
+                                <a:solidFill>
+                                  <a:schemeClr val="bg1"/>
+                                </a:solidFill>
+                                <a:latin typeface="Cambria Math" panose="02040503050406030204" pitchFamily="18" charset="0"/>
+                              </a:rPr>
+                              <m:t>𝜃</m:t>
+                            </m:r>
+                          </m:e>
+                          <m:sub>
+                            <m:r>
+                              <a:rPr lang="en-US" b="0" i="1" smtClean="0">
+                                <a:solidFill>
+                                  <a:schemeClr val="bg1"/>
+                                </a:solidFill>
+                                <a:latin typeface="Cambria Math" panose="02040503050406030204" pitchFamily="18" charset="0"/>
+                              </a:rPr>
+                              <m:t>1</m:t>
+                            </m:r>
+                          </m:sub>
+                        </m:sSub>
+                      </m:oMath>
+                    </m:oMathPara>
+                  </a14:m>
+                  <a:endParaRPr lang="en-ID" dirty="0">
+                    <a:solidFill>
+                      <a:schemeClr val="bg1"/>
+                    </a:solidFill>
+                  </a:endParaRPr>
+                </a:p>
+              </p:txBody>
+            </p:sp>
+          </mc:Choice>
+          <mc:Fallback xmlns="">
+            <p:sp>
+              <p:nvSpPr>
+                <p:cNvPr id="17" name="TextBox 16">
+                  <a:extLst>
+                    <a:ext uri="{FF2B5EF4-FFF2-40B4-BE49-F238E27FC236}">
+                      <a16:creationId xmlns:a16="http://schemas.microsoft.com/office/drawing/2014/main" id="{D2865BC8-DD15-367A-7AC7-062870FAD735}"/>
+                    </a:ext>
+                  </a:extLst>
+                </p:cNvPr>
+                <p:cNvSpPr txBox="1">
+                  <a:spLocks noRot="1" noChangeAspect="1" noMove="1" noResize="1" noEditPoints="1" noAdjustHandles="1" noChangeArrowheads="1" noChangeShapeType="1" noTextEdit="1"/>
+                </p:cNvSpPr>
+                <p:nvPr/>
+              </p:nvSpPr>
+              <p:spPr>
+                <a:xfrm>
+                  <a:off x="5693005" y="3581126"/>
+                  <a:ext cx="292097" cy="369332"/>
+                </a:xfrm>
+                <a:prstGeom prst="rect">
+                  <a:avLst/>
+                </a:prstGeom>
+                <a:blipFill>
+                  <a:blip r:embed="rId4"/>
+                  <a:stretch>
+                    <a:fillRect r="-25532"/>
+                  </a:stretch>
+                </a:blipFill>
+              </p:spPr>
+              <p:txBody>
+                <a:bodyPr/>
+                <a:lstStyle/>
+                <a:p>
+                  <a:r>
+                    <a:rPr lang="en-ID">
+                      <a:noFill/>
+                    </a:rPr>
+                    <a:t> </a:t>
+                  </a:r>
+                </a:p>
+              </p:txBody>
+            </p:sp>
+          </mc:Fallback>
+        </mc:AlternateContent>
+        <mc:AlternateContent xmlns:mc="http://schemas.openxmlformats.org/markup-compatibility/2006" xmlns:a14="http://schemas.microsoft.com/office/drawing/2010/main">
+          <mc:Choice Requires="a14">
+            <p:sp>
+              <p:nvSpPr>
+                <p:cNvPr id="18" name="TextBox 17">
+                  <a:extLst>
+                    <a:ext uri="{FF2B5EF4-FFF2-40B4-BE49-F238E27FC236}">
+                      <a16:creationId xmlns:a16="http://schemas.microsoft.com/office/drawing/2014/main" id="{11399640-4554-2227-1B3D-E952F2E4C540}"/>
+                    </a:ext>
+                  </a:extLst>
+                </p:cNvPr>
+                <p:cNvSpPr txBox="1"/>
+                <p:nvPr/>
+              </p:nvSpPr>
+              <p:spPr>
+                <a:xfrm>
+                  <a:off x="6108699" y="3589128"/>
+                  <a:ext cx="292097" cy="369332"/>
+                </a:xfrm>
+                <a:prstGeom prst="rect">
+                  <a:avLst/>
+                </a:prstGeom>
+                <a:noFill/>
+              </p:spPr>
+              <p:txBody>
+                <a:bodyPr wrap="square" rtlCol="0">
+                  <a:spAutoFit/>
+                </a:bodyPr>
+                <a:lstStyle/>
+                <a:p>
+                  <a:pPr/>
+                  <a14:m>
+                    <m:oMathPara xmlns:m="http://schemas.openxmlformats.org/officeDocument/2006/math">
+                      <m:oMathParaPr>
+                        <m:jc m:val="centerGroup"/>
+                      </m:oMathParaPr>
+                      <m:oMath xmlns:m="http://schemas.openxmlformats.org/officeDocument/2006/math">
+                        <m:sSub>
+                          <m:sSubPr>
+                            <m:ctrlPr>
+                              <a:rPr lang="en-US" b="0" i="1" smtClean="0">
+                                <a:solidFill>
+                                  <a:schemeClr val="bg1"/>
+                                </a:solidFill>
+                                <a:latin typeface="Cambria Math" panose="02040503050406030204" pitchFamily="18" charset="0"/>
+                              </a:rPr>
+                            </m:ctrlPr>
+                          </m:sSubPr>
+                          <m:e>
+                            <m:r>
+                              <a:rPr lang="en-US" b="0" i="1" smtClean="0">
+                                <a:solidFill>
+                                  <a:schemeClr val="bg1"/>
+                                </a:solidFill>
+                                <a:latin typeface="Cambria Math" panose="02040503050406030204" pitchFamily="18" charset="0"/>
+                              </a:rPr>
+                              <m:t>𝜃</m:t>
+                            </m:r>
+                          </m:e>
+                          <m:sub>
+                            <m:r>
+                              <a:rPr lang="en-US" b="0" i="1" smtClean="0">
+                                <a:solidFill>
+                                  <a:schemeClr val="bg1"/>
+                                </a:solidFill>
+                                <a:latin typeface="Cambria Math" panose="02040503050406030204" pitchFamily="18" charset="0"/>
+                              </a:rPr>
+                              <m:t>1</m:t>
+                            </m:r>
+                          </m:sub>
+                        </m:sSub>
+                      </m:oMath>
+                    </m:oMathPara>
+                  </a14:m>
+                  <a:endParaRPr lang="en-ID" dirty="0">
+                    <a:solidFill>
+                      <a:schemeClr val="bg1"/>
+                    </a:solidFill>
+                  </a:endParaRPr>
+                </a:p>
+              </p:txBody>
+            </p:sp>
+          </mc:Choice>
+          <mc:Fallback xmlns="">
+            <p:sp>
+              <p:nvSpPr>
+                <p:cNvPr id="18" name="TextBox 17">
+                  <a:extLst>
+                    <a:ext uri="{FF2B5EF4-FFF2-40B4-BE49-F238E27FC236}">
+                      <a16:creationId xmlns:a16="http://schemas.microsoft.com/office/drawing/2014/main" id="{11399640-4554-2227-1B3D-E952F2E4C540}"/>
+                    </a:ext>
+                  </a:extLst>
+                </p:cNvPr>
+                <p:cNvSpPr txBox="1">
+                  <a:spLocks noRot="1" noChangeAspect="1" noMove="1" noResize="1" noEditPoints="1" noAdjustHandles="1" noChangeArrowheads="1" noChangeShapeType="1" noTextEdit="1"/>
+                </p:cNvSpPr>
+                <p:nvPr/>
+              </p:nvSpPr>
+              <p:spPr>
+                <a:xfrm>
+                  <a:off x="6108699" y="3589128"/>
+                  <a:ext cx="292097" cy="369332"/>
+                </a:xfrm>
+                <a:prstGeom prst="rect">
+                  <a:avLst/>
+                </a:prstGeom>
+                <a:blipFill>
+                  <a:blip r:embed="rId5"/>
+                  <a:stretch>
+                    <a:fillRect r="-22917"/>
+                  </a:stretch>
+                </a:blipFill>
+              </p:spPr>
+              <p:txBody>
+                <a:bodyPr/>
+                <a:lstStyle/>
+                <a:p>
+                  <a:r>
+                    <a:rPr lang="en-ID">
+                      <a:noFill/>
+                    </a:rPr>
+                    <a:t> </a:t>
+                  </a:r>
+                </a:p>
+              </p:txBody>
+            </p:sp>
+          </mc:Fallback>
+        </mc:AlternateContent>
+        <mc:AlternateContent xmlns:mc="http://schemas.openxmlformats.org/markup-compatibility/2006" xmlns:a14="http://schemas.microsoft.com/office/drawing/2010/main">
+          <mc:Choice Requires="a14">
+            <p:sp>
+              <p:nvSpPr>
+                <p:cNvPr id="20" name="TextBox 19">
+                  <a:extLst>
+                    <a:ext uri="{FF2B5EF4-FFF2-40B4-BE49-F238E27FC236}">
+                      <a16:creationId xmlns:a16="http://schemas.microsoft.com/office/drawing/2014/main" id="{9983DE6E-77E6-BFBA-CB5A-85444EB10302}"/>
+                    </a:ext>
+                  </a:extLst>
+                </p:cNvPr>
+                <p:cNvSpPr txBox="1"/>
+                <p:nvPr/>
+              </p:nvSpPr>
+              <p:spPr>
+                <a:xfrm>
+                  <a:off x="3407544" y="4209452"/>
+                  <a:ext cx="1876972" cy="369332"/>
+                </a:xfrm>
+                <a:prstGeom prst="rect">
+                  <a:avLst/>
+                </a:prstGeom>
+                <a:noFill/>
+              </p:spPr>
+              <p:txBody>
+                <a:bodyPr wrap="square" rtlCol="0">
+                  <a:spAutoFit/>
+                </a:bodyPr>
+                <a:lstStyle/>
+                <a:p>
+                  <a:r>
+                    <a:rPr lang="en-US" dirty="0">
+                      <a:solidFill>
+                        <a:schemeClr val="bg1"/>
+                      </a:solidFill>
+                      <a:latin typeface="Times New Roman" panose="02020603050405020304" pitchFamily="18" charset="0"/>
+                      <a:cs typeface="Times New Roman" panose="02020603050405020304" pitchFamily="18" charset="0"/>
+                    </a:rPr>
+                    <a:t>Air </a:t>
+                  </a:r>
+                  <a14:m>
+                    <m:oMath xmlns:m="http://schemas.openxmlformats.org/officeDocument/2006/math">
+                      <m:r>
+                        <a:rPr lang="en-US" b="0" i="0" smtClean="0">
+                          <a:solidFill>
+                            <a:schemeClr val="bg1"/>
+                          </a:solidFill>
+                          <a:latin typeface="Cambria Math" panose="02040503050406030204" pitchFamily="18" charset="0"/>
+                        </a:rPr>
+                        <m:t>(</m:t>
+                      </m:r>
+                      <m:sSub>
+                        <m:sSubPr>
+                          <m:ctrlPr>
+                            <a:rPr lang="en-US" b="0" i="1" smtClean="0">
+                              <a:solidFill>
+                                <a:schemeClr val="bg1"/>
+                              </a:solidFill>
+                              <a:latin typeface="Cambria Math" panose="02040503050406030204" pitchFamily="18" charset="0"/>
+                            </a:rPr>
+                          </m:ctrlPr>
+                        </m:sSubPr>
+                        <m:e>
+                          <m:r>
+                            <a:rPr lang="en-US" b="0" i="1" smtClean="0">
+                              <a:solidFill>
+                                <a:schemeClr val="bg1"/>
+                              </a:solidFill>
+                              <a:latin typeface="Cambria Math" panose="02040503050406030204" pitchFamily="18" charset="0"/>
+                            </a:rPr>
+                            <m:t>𝑛</m:t>
+                          </m:r>
+                        </m:e>
+                        <m:sub>
+                          <m:r>
+                            <a:rPr lang="en-US" b="0" i="1" smtClean="0">
+                              <a:solidFill>
+                                <a:schemeClr val="bg1"/>
+                              </a:solidFill>
+                              <a:latin typeface="Cambria Math" panose="02040503050406030204" pitchFamily="18" charset="0"/>
+                            </a:rPr>
+                            <m:t>2</m:t>
+                          </m:r>
+                        </m:sub>
+                      </m:sSub>
+                      <m:r>
+                        <a:rPr lang="en-US" b="0" i="1" smtClean="0">
+                          <a:solidFill>
+                            <a:schemeClr val="bg1"/>
+                          </a:solidFill>
+                          <a:latin typeface="Cambria Math" panose="02040503050406030204" pitchFamily="18" charset="0"/>
+                        </a:rPr>
+                        <m:t>=1.33)</m:t>
+                      </m:r>
+                    </m:oMath>
+                  </a14:m>
+                  <a:endParaRPr lang="en-ID" dirty="0">
+                    <a:solidFill>
+                      <a:schemeClr val="bg1"/>
+                    </a:solidFill>
+                    <a:latin typeface="Times New Roman" panose="02020603050405020304" pitchFamily="18" charset="0"/>
+                    <a:cs typeface="Times New Roman" panose="02020603050405020304" pitchFamily="18" charset="0"/>
+                  </a:endParaRPr>
+                </a:p>
+              </p:txBody>
+            </p:sp>
+          </mc:Choice>
+          <mc:Fallback xmlns="">
+            <p:sp>
+              <p:nvSpPr>
+                <p:cNvPr id="20" name="TextBox 19">
+                  <a:extLst>
+                    <a:ext uri="{FF2B5EF4-FFF2-40B4-BE49-F238E27FC236}">
+                      <a16:creationId xmlns:a16="http://schemas.microsoft.com/office/drawing/2014/main" id="{9983DE6E-77E6-BFBA-CB5A-85444EB10302}"/>
+                    </a:ext>
+                  </a:extLst>
+                </p:cNvPr>
+                <p:cNvSpPr txBox="1">
+                  <a:spLocks noRot="1" noChangeAspect="1" noMove="1" noResize="1" noEditPoints="1" noAdjustHandles="1" noChangeArrowheads="1" noChangeShapeType="1" noTextEdit="1"/>
+                </p:cNvSpPr>
+                <p:nvPr/>
+              </p:nvSpPr>
+              <p:spPr>
+                <a:xfrm>
+                  <a:off x="3407544" y="4209452"/>
+                  <a:ext cx="1876972" cy="369332"/>
+                </a:xfrm>
+                <a:prstGeom prst="rect">
+                  <a:avLst/>
+                </a:prstGeom>
+                <a:blipFill>
+                  <a:blip r:embed="rId6"/>
+                  <a:stretch>
+                    <a:fillRect l="-2922" t="-9836" b="-24590"/>
+                  </a:stretch>
+                </a:blipFill>
+              </p:spPr>
+              <p:txBody>
+                <a:bodyPr/>
+                <a:lstStyle/>
+                <a:p>
+                  <a:r>
+                    <a:rPr lang="en-ID">
+                      <a:noFill/>
+                    </a:rPr>
+                    <a:t> </a:t>
+                  </a:r>
+                </a:p>
+              </p:txBody>
+            </p:sp>
+          </mc:Fallback>
+        </mc:AlternateContent>
+        <mc:AlternateContent xmlns:mc="http://schemas.openxmlformats.org/markup-compatibility/2006" xmlns:a14="http://schemas.microsoft.com/office/drawing/2010/main">
+          <mc:Choice Requires="a14">
+            <p:sp>
+              <p:nvSpPr>
+                <p:cNvPr id="21" name="TextBox 20">
+                  <a:extLst>
+                    <a:ext uri="{FF2B5EF4-FFF2-40B4-BE49-F238E27FC236}">
+                      <a16:creationId xmlns:a16="http://schemas.microsoft.com/office/drawing/2014/main" id="{D4EF301B-E64C-A888-E030-69EE6B3F4056}"/>
+                    </a:ext>
+                  </a:extLst>
+                </p:cNvPr>
+                <p:cNvSpPr txBox="1"/>
+                <p:nvPr/>
+              </p:nvSpPr>
+              <p:spPr>
+                <a:xfrm>
+                  <a:off x="3407543" y="3788958"/>
+                  <a:ext cx="2174563" cy="369332"/>
+                </a:xfrm>
+                <a:prstGeom prst="rect">
+                  <a:avLst/>
+                </a:prstGeom>
+                <a:noFill/>
+              </p:spPr>
+              <p:txBody>
+                <a:bodyPr wrap="square" rtlCol="0">
+                  <a:spAutoFit/>
+                </a:bodyPr>
+                <a:lstStyle/>
+                <a:p>
+                  <a:r>
+                    <a:rPr lang="en-US" dirty="0">
+                      <a:solidFill>
+                        <a:schemeClr val="bg1"/>
+                      </a:solidFill>
+                      <a:latin typeface="Times New Roman" panose="02020603050405020304" pitchFamily="18" charset="0"/>
+                      <a:cs typeface="Times New Roman" panose="02020603050405020304" pitchFamily="18" charset="0"/>
+                    </a:rPr>
+                    <a:t>Udara </a:t>
+                  </a:r>
+                  <a14:m>
+                    <m:oMath xmlns:m="http://schemas.openxmlformats.org/officeDocument/2006/math">
+                      <m:r>
+                        <a:rPr lang="en-US" b="0" i="0" smtClean="0">
+                          <a:solidFill>
+                            <a:schemeClr val="bg1"/>
+                          </a:solidFill>
+                          <a:latin typeface="Cambria Math" panose="02040503050406030204" pitchFamily="18" charset="0"/>
+                        </a:rPr>
+                        <m:t>(</m:t>
+                      </m:r>
+                      <m:sSub>
+                        <m:sSubPr>
+                          <m:ctrlPr>
+                            <a:rPr lang="en-US" b="0" i="1" smtClean="0">
+                              <a:solidFill>
+                                <a:schemeClr val="bg1"/>
+                              </a:solidFill>
+                              <a:latin typeface="Cambria Math" panose="02040503050406030204" pitchFamily="18" charset="0"/>
+                            </a:rPr>
+                          </m:ctrlPr>
+                        </m:sSubPr>
+                        <m:e>
+                          <m:r>
+                            <a:rPr lang="en-US" b="0" i="1" smtClean="0">
+                              <a:solidFill>
+                                <a:schemeClr val="bg1"/>
+                              </a:solidFill>
+                              <a:latin typeface="Cambria Math" panose="02040503050406030204" pitchFamily="18" charset="0"/>
+                            </a:rPr>
+                            <m:t>𝑛</m:t>
+                          </m:r>
+                        </m:e>
+                        <m:sub>
+                          <m:r>
+                            <a:rPr lang="en-US" b="0" i="1" smtClean="0">
+                              <a:solidFill>
+                                <a:schemeClr val="bg1"/>
+                              </a:solidFill>
+                              <a:latin typeface="Cambria Math" panose="02040503050406030204" pitchFamily="18" charset="0"/>
+                            </a:rPr>
+                            <m:t>1</m:t>
+                          </m:r>
+                        </m:sub>
+                      </m:sSub>
+                      <m:r>
+                        <a:rPr lang="en-US" b="0" i="1" smtClean="0">
+                          <a:solidFill>
+                            <a:schemeClr val="bg1"/>
+                          </a:solidFill>
+                          <a:latin typeface="Cambria Math" panose="02040503050406030204" pitchFamily="18" charset="0"/>
+                        </a:rPr>
+                        <m:t>=1.00)</m:t>
+                      </m:r>
+                    </m:oMath>
+                  </a14:m>
+                  <a:endParaRPr lang="en-ID" dirty="0">
+                    <a:solidFill>
+                      <a:schemeClr val="bg1"/>
+                    </a:solidFill>
+                    <a:latin typeface="Times New Roman" panose="02020603050405020304" pitchFamily="18" charset="0"/>
+                    <a:cs typeface="Times New Roman" panose="02020603050405020304" pitchFamily="18" charset="0"/>
+                  </a:endParaRPr>
+                </a:p>
+              </p:txBody>
+            </p:sp>
+          </mc:Choice>
+          <mc:Fallback xmlns="">
+            <p:sp>
+              <p:nvSpPr>
+                <p:cNvPr id="21" name="TextBox 20">
+                  <a:extLst>
+                    <a:ext uri="{FF2B5EF4-FFF2-40B4-BE49-F238E27FC236}">
+                      <a16:creationId xmlns:a16="http://schemas.microsoft.com/office/drawing/2014/main" id="{D4EF301B-E64C-A888-E030-69EE6B3F4056}"/>
+                    </a:ext>
+                  </a:extLst>
+                </p:cNvPr>
+                <p:cNvSpPr txBox="1">
+                  <a:spLocks noRot="1" noChangeAspect="1" noMove="1" noResize="1" noEditPoints="1" noAdjustHandles="1" noChangeArrowheads="1" noChangeShapeType="1" noTextEdit="1"/>
+                </p:cNvSpPr>
+                <p:nvPr/>
+              </p:nvSpPr>
+              <p:spPr>
+                <a:xfrm>
+                  <a:off x="3407543" y="3788958"/>
+                  <a:ext cx="2174563" cy="369332"/>
+                </a:xfrm>
+                <a:prstGeom prst="rect">
+                  <a:avLst/>
+                </a:prstGeom>
+                <a:blipFill>
+                  <a:blip r:embed="rId7"/>
+                  <a:stretch>
+                    <a:fillRect l="-2528" t="-9836" b="-24590"/>
+                  </a:stretch>
+                </a:blipFill>
+              </p:spPr>
+              <p:txBody>
+                <a:bodyPr/>
+                <a:lstStyle/>
+                <a:p>
+                  <a:r>
+                    <a:rPr lang="en-ID">
+                      <a:noFill/>
+                    </a:rPr>
+                    <a:t> </a:t>
+                  </a:r>
+                </a:p>
+              </p:txBody>
+            </p:sp>
+          </mc:Fallback>
+        </mc:AlternateContent>
+        <p:sp>
+          <p:nvSpPr>
+            <p:cNvPr id="22" name="TextBox 21">
+              <a:extLst>
+                <a:ext uri="{FF2B5EF4-FFF2-40B4-BE49-F238E27FC236}">
+                  <a16:creationId xmlns:a16="http://schemas.microsoft.com/office/drawing/2014/main" id="{46FADC14-736C-9855-3E9E-73F3F731F811}"/>
+                </a:ext>
+              </a:extLst>
+            </p:cNvPr>
+            <p:cNvSpPr txBox="1"/>
+            <p:nvPr/>
+          </p:nvSpPr>
+          <p:spPr>
+            <a:xfrm>
+              <a:off x="4940836" y="2628537"/>
+              <a:ext cx="1044266" cy="646331"/>
+            </a:xfrm>
+            <a:prstGeom prst="rect">
+              <a:avLst/>
+            </a:prstGeom>
+            <a:noFill/>
+          </p:spPr>
+          <p:txBody>
+            <a:bodyPr wrap="square" rtlCol="0">
+              <a:spAutoFit/>
+            </a:bodyPr>
+            <a:lstStyle/>
+            <a:p>
+              <a:r>
+                <a:rPr lang="en-US" dirty="0" err="1">
+                  <a:solidFill>
+                    <a:schemeClr val="bg1"/>
+                  </a:solidFill>
+                  <a:latin typeface="Times New Roman" panose="02020603050405020304" pitchFamily="18" charset="0"/>
+                  <a:cs typeface="Times New Roman" panose="02020603050405020304" pitchFamily="18" charset="0"/>
+                </a:rPr>
+                <a:t>Sinar</a:t>
+              </a:r>
+              <a:r>
+                <a:rPr lang="en-US" dirty="0">
+                  <a:solidFill>
+                    <a:schemeClr val="bg1"/>
+                  </a:solidFill>
+                  <a:latin typeface="Times New Roman" panose="02020603050405020304" pitchFamily="18" charset="0"/>
+                  <a:cs typeface="Times New Roman" panose="02020603050405020304" pitchFamily="18" charset="0"/>
+                </a:rPr>
+                <a:t> </a:t>
+              </a:r>
+              <a:r>
+                <a:rPr lang="en-US" dirty="0" err="1">
+                  <a:solidFill>
+                    <a:schemeClr val="bg1"/>
+                  </a:solidFill>
+                  <a:latin typeface="Times New Roman" panose="02020603050405020304" pitchFamily="18" charset="0"/>
+                  <a:cs typeface="Times New Roman" panose="02020603050405020304" pitchFamily="18" charset="0"/>
+                </a:rPr>
+                <a:t>datang</a:t>
+              </a:r>
+              <a:endParaRPr lang="en-ID" dirty="0">
+                <a:solidFill>
+                  <a:schemeClr val="bg1"/>
+                </a:solidFill>
+                <a:latin typeface="Times New Roman" panose="02020603050405020304" pitchFamily="18" charset="0"/>
+                <a:cs typeface="Times New Roman" panose="02020603050405020304" pitchFamily="18" charset="0"/>
+              </a:endParaRPr>
+            </a:p>
+          </p:txBody>
+        </p:sp>
+        <p:sp>
+          <p:nvSpPr>
+            <p:cNvPr id="23" name="TextBox 22">
+              <a:extLst>
+                <a:ext uri="{FF2B5EF4-FFF2-40B4-BE49-F238E27FC236}">
+                  <a16:creationId xmlns:a16="http://schemas.microsoft.com/office/drawing/2014/main" id="{FD120F1F-8FF4-4F33-11B2-55726A6B554F}"/>
+                </a:ext>
+              </a:extLst>
+            </p:cNvPr>
+            <p:cNvSpPr txBox="1"/>
+            <p:nvPr/>
+          </p:nvSpPr>
+          <p:spPr>
+            <a:xfrm>
+              <a:off x="6538408" y="2526752"/>
+              <a:ext cx="1044266" cy="646331"/>
+            </a:xfrm>
+            <a:prstGeom prst="rect">
+              <a:avLst/>
+            </a:prstGeom>
+            <a:noFill/>
+          </p:spPr>
+          <p:txBody>
+            <a:bodyPr wrap="square" rtlCol="0">
+              <a:spAutoFit/>
+            </a:bodyPr>
+            <a:lstStyle/>
+            <a:p>
+              <a:r>
+                <a:rPr lang="en-US" dirty="0" err="1">
+                  <a:solidFill>
+                    <a:schemeClr val="bg1"/>
+                  </a:solidFill>
+                  <a:latin typeface="Times New Roman" panose="02020603050405020304" pitchFamily="18" charset="0"/>
+                  <a:cs typeface="Times New Roman" panose="02020603050405020304" pitchFamily="18" charset="0"/>
+                </a:rPr>
+                <a:t>Sinar</a:t>
+              </a:r>
+              <a:r>
+                <a:rPr lang="en-US" dirty="0">
+                  <a:solidFill>
+                    <a:schemeClr val="bg1"/>
+                  </a:solidFill>
+                  <a:latin typeface="Times New Roman" panose="02020603050405020304" pitchFamily="18" charset="0"/>
+                  <a:cs typeface="Times New Roman" panose="02020603050405020304" pitchFamily="18" charset="0"/>
+                </a:rPr>
+                <a:t> </a:t>
+              </a:r>
+              <a:r>
+                <a:rPr lang="en-US" dirty="0" err="1">
+                  <a:solidFill>
+                    <a:schemeClr val="bg1"/>
+                  </a:solidFill>
+                  <a:latin typeface="Times New Roman" panose="02020603050405020304" pitchFamily="18" charset="0"/>
+                  <a:cs typeface="Times New Roman" panose="02020603050405020304" pitchFamily="18" charset="0"/>
+                </a:rPr>
+                <a:t>pantul</a:t>
+              </a:r>
+              <a:endParaRPr lang="en-ID" dirty="0">
+                <a:solidFill>
+                  <a:schemeClr val="bg1"/>
+                </a:solidFill>
+                <a:latin typeface="Times New Roman" panose="02020603050405020304" pitchFamily="18" charset="0"/>
+                <a:cs typeface="Times New Roman" panose="02020603050405020304" pitchFamily="18" charset="0"/>
+              </a:endParaRPr>
+            </a:p>
+          </p:txBody>
+        </p:sp>
+        <p:sp>
+          <p:nvSpPr>
+            <p:cNvPr id="24" name="TextBox 23">
+              <a:extLst>
+                <a:ext uri="{FF2B5EF4-FFF2-40B4-BE49-F238E27FC236}">
+                  <a16:creationId xmlns:a16="http://schemas.microsoft.com/office/drawing/2014/main" id="{C28EC783-0DDE-FCE2-E3AB-41AC7C20A2D5}"/>
+                </a:ext>
+              </a:extLst>
+            </p:cNvPr>
+            <p:cNvSpPr txBox="1"/>
+            <p:nvPr/>
+          </p:nvSpPr>
+          <p:spPr>
+            <a:xfrm>
+              <a:off x="6772046" y="4757528"/>
+              <a:ext cx="1044266" cy="646331"/>
+            </a:xfrm>
+            <a:prstGeom prst="rect">
+              <a:avLst/>
+            </a:prstGeom>
+            <a:noFill/>
+          </p:spPr>
+          <p:txBody>
+            <a:bodyPr wrap="square" rtlCol="0">
+              <a:spAutoFit/>
+            </a:bodyPr>
+            <a:lstStyle/>
+            <a:p>
+              <a:r>
+                <a:rPr lang="en-US" dirty="0" err="1">
+                  <a:solidFill>
+                    <a:schemeClr val="bg1"/>
+                  </a:solidFill>
+                  <a:latin typeface="Times New Roman" panose="02020603050405020304" pitchFamily="18" charset="0"/>
+                  <a:cs typeface="Times New Roman" panose="02020603050405020304" pitchFamily="18" charset="0"/>
+                </a:rPr>
+                <a:t>Sinar</a:t>
+              </a:r>
+              <a:r>
+                <a:rPr lang="en-US" dirty="0">
+                  <a:solidFill>
+                    <a:schemeClr val="bg1"/>
+                  </a:solidFill>
+                  <a:latin typeface="Times New Roman" panose="02020603050405020304" pitchFamily="18" charset="0"/>
+                  <a:cs typeface="Times New Roman" panose="02020603050405020304" pitchFamily="18" charset="0"/>
+                </a:rPr>
+                <a:t> bias</a:t>
+              </a:r>
+              <a:endParaRPr lang="en-ID" dirty="0">
+                <a:solidFill>
+                  <a:schemeClr val="bg1"/>
+                </a:solidFill>
+                <a:latin typeface="Times New Roman" panose="02020603050405020304" pitchFamily="18" charset="0"/>
+                <a:cs typeface="Times New Roman" panose="02020603050405020304" pitchFamily="18" charset="0"/>
+              </a:endParaRPr>
+            </a:p>
+          </p:txBody>
+        </p:sp>
+        <p:sp>
+          <p:nvSpPr>
+            <p:cNvPr id="26" name="TextBox 25">
+              <a:extLst>
+                <a:ext uri="{FF2B5EF4-FFF2-40B4-BE49-F238E27FC236}">
+                  <a16:creationId xmlns:a16="http://schemas.microsoft.com/office/drawing/2014/main" id="{FDB3A0B5-F209-0401-06ED-659A79FA3CA5}"/>
+                </a:ext>
+              </a:extLst>
+            </p:cNvPr>
+            <p:cNvSpPr txBox="1"/>
+            <p:nvPr/>
+          </p:nvSpPr>
+          <p:spPr>
+            <a:xfrm>
+              <a:off x="5687588" y="5887998"/>
+              <a:ext cx="1044266" cy="369332"/>
+            </a:xfrm>
+            <a:prstGeom prst="rect">
+              <a:avLst/>
+            </a:prstGeom>
+            <a:noFill/>
+          </p:spPr>
+          <p:txBody>
+            <a:bodyPr wrap="square" rtlCol="0">
+              <a:spAutoFit/>
+            </a:bodyPr>
+            <a:lstStyle/>
+            <a:p>
+              <a:r>
+                <a:rPr lang="en-US" dirty="0">
+                  <a:solidFill>
+                    <a:schemeClr val="bg1"/>
+                  </a:solidFill>
+                  <a:latin typeface="Times New Roman" panose="02020603050405020304" pitchFamily="18" charset="0"/>
+                  <a:cs typeface="Times New Roman" panose="02020603050405020304" pitchFamily="18" charset="0"/>
+                </a:rPr>
+                <a:t>Normal</a:t>
+              </a:r>
+              <a:endParaRPr lang="en-ID" dirty="0">
+                <a:solidFill>
+                  <a:schemeClr val="bg1"/>
+                </a:solidFill>
+                <a:latin typeface="Times New Roman" panose="02020603050405020304" pitchFamily="18" charset="0"/>
+                <a:cs typeface="Times New Roman" panose="02020603050405020304" pitchFamily="18" charset="0"/>
+              </a:endParaRPr>
+            </a:p>
+          </p:txBody>
+        </p:sp>
+      </p:grpSp>
+    </p:spTree>
+    <p:extLst>
+      <p:ext uri="{BB962C8B-B14F-4D97-AF65-F5344CB8AC3E}">
+        <p14:creationId xmlns:p14="http://schemas.microsoft.com/office/powerpoint/2010/main" val="111849577"/>
+      </p:ext>
+    </p:extLst>
+  </p:cSld>
+  <p:clrMapOvr>
+    <a:masterClrMapping/>
+  </p:clrMapOvr>
+</p:sld>
+</file>
+
+<file path=ppt/slides/slide20.xml><?xml version="1.0" encoding="utf-8"?>
 <p:sld xmlns:a="http://schemas.openxmlformats.org/drawingml/2006/main" xmlns:r="http://schemas.openxmlformats.org/officeDocument/2006/relationships" xmlns:p="http://schemas.openxmlformats.org/presentationml/2006/main">
   <p:cSld>
     <p:spTree>
@@ -15816,7 +17843,7 @@
 </p:sld>
 </file>
 
-<file path=ppt/slides/slide19.xml><?xml version="1.0" encoding="utf-8"?>
+<file path=ppt/slides/slide21.xml><?xml version="1.0" encoding="utf-8"?>
 <p:sld xmlns:a="http://schemas.openxmlformats.org/drawingml/2006/main" xmlns:r="http://schemas.openxmlformats.org/officeDocument/2006/relationships" xmlns:p="http://schemas.openxmlformats.org/presentationml/2006/main">
   <p:cSld>
     <p:spTree>
@@ -18373,1348 +20400,7 @@
 </p:sld>
 </file>
 
-<file path=ppt/slides/slide2.xml><?xml version="1.0" encoding="utf-8"?>
-<p:sld xmlns:a="http://schemas.openxmlformats.org/drawingml/2006/main" xmlns:r="http://schemas.openxmlformats.org/officeDocument/2006/relationships" xmlns:p="http://schemas.openxmlformats.org/presentationml/2006/main">
-  <p:cSld>
-    <p:spTree>
-      <p:nvGrpSpPr>
-        <p:cNvPr id="1" name=""/>
-        <p:cNvGrpSpPr/>
-        <p:nvPr/>
-      </p:nvGrpSpPr>
-      <p:grpSpPr>
-        <a:xfrm>
-          <a:off x="0" y="0"/>
-          <a:ext cx="0" cy="0"/>
-          <a:chOff x="0" y="0"/>
-          <a:chExt cx="0" cy="0"/>
-        </a:xfrm>
-      </p:grpSpPr>
-      <mc:AlternateContent xmlns:mc="http://schemas.openxmlformats.org/markup-compatibility/2006" xmlns:a14="http://schemas.microsoft.com/office/drawing/2010/main">
-        <mc:Choice Requires="a14">
-          <p:sp>
-            <p:nvSpPr>
-              <p:cNvPr id="19" name="TextBox 18">
-                <a:extLst>
-                  <a:ext uri="{FF2B5EF4-FFF2-40B4-BE49-F238E27FC236}">
-                    <a16:creationId xmlns:a16="http://schemas.microsoft.com/office/drawing/2014/main" id="{56C4512B-8D4E-B6D6-8B9E-0629537EB8AD}"/>
-                  </a:ext>
-                </a:extLst>
-              </p:cNvPr>
-              <p:cNvSpPr txBox="1"/>
-              <p:nvPr/>
-            </p:nvSpPr>
-            <p:spPr>
-              <a:xfrm>
-                <a:off x="6083302" y="4757528"/>
-                <a:ext cx="292097" cy="369332"/>
-              </a:xfrm>
-              <a:prstGeom prst="rect">
-                <a:avLst/>
-              </a:prstGeom>
-              <a:noFill/>
-            </p:spPr>
-            <p:txBody>
-              <a:bodyPr wrap="square" rtlCol="0">
-                <a:spAutoFit/>
-              </a:bodyPr>
-              <a:lstStyle/>
-              <a:p>
-                <a:pPr/>
-                <a14:m>
-                  <m:oMathPara xmlns:m="http://schemas.openxmlformats.org/officeDocument/2006/math">
-                    <m:oMathParaPr>
-                      <m:jc m:val="centerGroup"/>
-                    </m:oMathParaPr>
-                    <m:oMath xmlns:m="http://schemas.openxmlformats.org/officeDocument/2006/math">
-                      <m:sSub>
-                        <m:sSubPr>
-                          <m:ctrlPr>
-                            <a:rPr lang="en-US" b="0" i="1" smtClean="0">
-                              <a:solidFill>
-                                <a:schemeClr val="bg1"/>
-                              </a:solidFill>
-                              <a:latin typeface="Cambria Math" panose="02040503050406030204" pitchFamily="18" charset="0"/>
-                            </a:rPr>
-                          </m:ctrlPr>
-                        </m:sSubPr>
-                        <m:e>
-                          <m:r>
-                            <a:rPr lang="en-US" b="0" i="1" smtClean="0">
-                              <a:solidFill>
-                                <a:schemeClr val="bg1"/>
-                              </a:solidFill>
-                              <a:latin typeface="Cambria Math" panose="02040503050406030204" pitchFamily="18" charset="0"/>
-                            </a:rPr>
-                            <m:t>𝜃</m:t>
-                          </m:r>
-                        </m:e>
-                        <m:sub>
-                          <m:r>
-                            <a:rPr lang="en-US" b="0" i="1" smtClean="0">
-                              <a:solidFill>
-                                <a:schemeClr val="bg1"/>
-                              </a:solidFill>
-                              <a:latin typeface="Cambria Math" panose="02040503050406030204" pitchFamily="18" charset="0"/>
-                            </a:rPr>
-                            <m:t>2</m:t>
-                          </m:r>
-                        </m:sub>
-                      </m:sSub>
-                    </m:oMath>
-                  </m:oMathPara>
-                </a14:m>
-                <a:endParaRPr lang="en-ID" dirty="0">
-                  <a:solidFill>
-                    <a:schemeClr val="bg1"/>
-                  </a:solidFill>
-                </a:endParaRPr>
-              </a:p>
-            </p:txBody>
-          </p:sp>
-        </mc:Choice>
-        <mc:Fallback xmlns="">
-          <p:sp>
-            <p:nvSpPr>
-              <p:cNvPr id="19" name="TextBox 18">
-                <a:extLst>
-                  <a:ext uri="{FF2B5EF4-FFF2-40B4-BE49-F238E27FC236}">
-                    <a16:creationId xmlns:a16="http://schemas.microsoft.com/office/drawing/2014/main" id="{56C4512B-8D4E-B6D6-8B9E-0629537EB8AD}"/>
-                  </a:ext>
-                </a:extLst>
-              </p:cNvPr>
-              <p:cNvSpPr txBox="1">
-                <a:spLocks noRot="1" noChangeAspect="1" noMove="1" noResize="1" noEditPoints="1" noAdjustHandles="1" noChangeArrowheads="1" noChangeShapeType="1" noTextEdit="1"/>
-              </p:cNvSpPr>
-              <p:nvPr/>
-            </p:nvSpPr>
-            <p:spPr>
-              <a:xfrm>
-                <a:off x="6083302" y="4757528"/>
-                <a:ext cx="292097" cy="369332"/>
-              </a:xfrm>
-              <a:prstGeom prst="rect">
-                <a:avLst/>
-              </a:prstGeom>
-              <a:blipFill>
-                <a:blip r:embed="rId2"/>
-                <a:stretch>
-                  <a:fillRect r="-25000"/>
-                </a:stretch>
-              </a:blipFill>
-            </p:spPr>
-            <p:txBody>
-              <a:bodyPr/>
-              <a:lstStyle/>
-              <a:p>
-                <a:r>
-                  <a:rPr lang="en-ID">
-                    <a:noFill/>
-                  </a:rPr>
-                  <a:t> </a:t>
-                </a:r>
-              </a:p>
-            </p:txBody>
-          </p:sp>
-        </mc:Fallback>
-      </mc:AlternateContent>
-      <p:grpSp>
-        <p:nvGrpSpPr>
-          <p:cNvPr id="25" name="Group 24">
-            <a:extLst>
-              <a:ext uri="{FF2B5EF4-FFF2-40B4-BE49-F238E27FC236}">
-                <a16:creationId xmlns:a16="http://schemas.microsoft.com/office/drawing/2014/main" id="{06B9D07A-848B-A6EF-23B3-E0C194B2068B}"/>
-              </a:ext>
-            </a:extLst>
-          </p:cNvPr>
-          <p:cNvGrpSpPr/>
-          <p:nvPr/>
-        </p:nvGrpSpPr>
-        <p:grpSpPr>
-          <a:xfrm>
-            <a:off x="3954800" y="1307826"/>
-            <a:ext cx="5400000" cy="4680000"/>
-            <a:chOff x="3396000" y="1853926"/>
-            <a:chExt cx="5400000" cy="4680000"/>
-          </a:xfrm>
-        </p:grpSpPr>
-        <p:grpSp>
-          <p:nvGrpSpPr>
-            <p:cNvPr id="4" name="Group 3">
-              <a:extLst>
-                <a:ext uri="{FF2B5EF4-FFF2-40B4-BE49-F238E27FC236}">
-                  <a16:creationId xmlns:a16="http://schemas.microsoft.com/office/drawing/2014/main" id="{A95BDC08-9B77-01EE-B511-5E50A6EEC7D0}"/>
-                </a:ext>
-              </a:extLst>
-            </p:cNvPr>
-            <p:cNvGrpSpPr/>
-            <p:nvPr/>
-          </p:nvGrpSpPr>
-          <p:grpSpPr>
-            <a:xfrm>
-              <a:off x="3396000" y="1853926"/>
-              <a:ext cx="5400000" cy="4673600"/>
-              <a:chOff x="3396000" y="1853926"/>
-              <a:chExt cx="5400000" cy="4673600"/>
-            </a:xfrm>
-          </p:grpSpPr>
-          <p:sp>
-            <p:nvSpPr>
-              <p:cNvPr id="2" name="Rectangle 1">
-                <a:extLst>
-                  <a:ext uri="{FF2B5EF4-FFF2-40B4-BE49-F238E27FC236}">
-                    <a16:creationId xmlns:a16="http://schemas.microsoft.com/office/drawing/2014/main" id="{3C648ADE-B621-8C4F-E56C-12F27C747A4F}"/>
-                  </a:ext>
-                </a:extLst>
-              </p:cNvPr>
-              <p:cNvSpPr/>
-              <p:nvPr/>
-            </p:nvSpPr>
-            <p:spPr>
-              <a:xfrm>
-                <a:off x="3396000" y="4190726"/>
-                <a:ext cx="5400000" cy="2336800"/>
-              </a:xfrm>
-              <a:prstGeom prst="rect">
-                <a:avLst/>
-              </a:prstGeom>
-              <a:gradFill>
-                <a:gsLst>
-                  <a:gs pos="53000">
-                    <a:schemeClr val="accent1"/>
-                  </a:gs>
-                  <a:gs pos="97000">
-                    <a:schemeClr val="accent1">
-                      <a:lumMod val="45000"/>
-                      <a:lumOff val="55000"/>
-                    </a:schemeClr>
-                  </a:gs>
-                  <a:gs pos="100000">
-                    <a:schemeClr val="accent1">
-                      <a:lumMod val="30000"/>
-                      <a:lumOff val="70000"/>
-                    </a:schemeClr>
-                  </a:gs>
-                </a:gsLst>
-                <a:lin ang="5400000" scaled="1"/>
-              </a:gradFill>
-              <a:ln>
-                <a:solidFill>
-                  <a:srgbClr val="0070C0"/>
-                </a:solidFill>
-              </a:ln>
-            </p:spPr>
-            <p:style>
-              <a:lnRef idx="2">
-                <a:schemeClr val="accent1">
-                  <a:shade val="15000"/>
-                </a:schemeClr>
-              </a:lnRef>
-              <a:fillRef idx="1">
-                <a:schemeClr val="accent1"/>
-              </a:fillRef>
-              <a:effectRef idx="0">
-                <a:schemeClr val="accent1"/>
-              </a:effectRef>
-              <a:fontRef idx="minor">
-                <a:schemeClr val="lt1"/>
-              </a:fontRef>
-            </p:style>
-            <p:txBody>
-              <a:bodyPr rtlCol="0" anchor="ctr"/>
-              <a:lstStyle/>
-              <a:p>
-                <a:pPr algn="ctr"/>
-                <a:endParaRPr lang="en-ID" dirty="0"/>
-              </a:p>
-            </p:txBody>
-          </p:sp>
-          <p:sp>
-            <p:nvSpPr>
-              <p:cNvPr id="3" name="Rectangle 2">
-                <a:extLst>
-                  <a:ext uri="{FF2B5EF4-FFF2-40B4-BE49-F238E27FC236}">
-                    <a16:creationId xmlns:a16="http://schemas.microsoft.com/office/drawing/2014/main" id="{B3A822D6-BEE7-8582-041B-C27E43E8F5A3}"/>
-                  </a:ext>
-                </a:extLst>
-              </p:cNvPr>
-              <p:cNvSpPr/>
-              <p:nvPr/>
-            </p:nvSpPr>
-            <p:spPr>
-              <a:xfrm>
-                <a:off x="3396000" y="1853926"/>
-                <a:ext cx="5400000" cy="2336800"/>
-              </a:xfrm>
-              <a:prstGeom prst="rect">
-                <a:avLst/>
-              </a:prstGeom>
-              <a:solidFill>
-                <a:schemeClr val="tx1"/>
-              </a:solidFill>
-              <a:ln>
-                <a:solidFill>
-                  <a:schemeClr val="tx1"/>
-                </a:solidFill>
-              </a:ln>
-            </p:spPr>
-            <p:style>
-              <a:lnRef idx="2">
-                <a:schemeClr val="accent1">
-                  <a:shade val="15000"/>
-                </a:schemeClr>
-              </a:lnRef>
-              <a:fillRef idx="1">
-                <a:schemeClr val="accent1"/>
-              </a:fillRef>
-              <a:effectRef idx="0">
-                <a:schemeClr val="accent1"/>
-              </a:effectRef>
-              <a:fontRef idx="minor">
-                <a:schemeClr val="lt1"/>
-              </a:fontRef>
-            </p:style>
-            <p:txBody>
-              <a:bodyPr rtlCol="0" anchor="ctr"/>
-              <a:lstStyle/>
-              <a:p>
-                <a:pPr algn="ctr"/>
-                <a:endParaRPr lang="en-ID" dirty="0"/>
-              </a:p>
-            </p:txBody>
-          </p:sp>
-        </p:grpSp>
-        <p:cxnSp>
-          <p:nvCxnSpPr>
-            <p:cNvPr id="6" name="Straight Connector 5">
-              <a:extLst>
-                <a:ext uri="{FF2B5EF4-FFF2-40B4-BE49-F238E27FC236}">
-                  <a16:creationId xmlns:a16="http://schemas.microsoft.com/office/drawing/2014/main" id="{2038E3EB-28BD-1E49-8669-89DED1F4D2F4}"/>
-                </a:ext>
-              </a:extLst>
-            </p:cNvPr>
-            <p:cNvCxnSpPr>
-              <a:stCxn id="2" idx="0"/>
-              <a:endCxn id="3" idx="0"/>
-            </p:cNvCxnSpPr>
-            <p:nvPr/>
-          </p:nvCxnSpPr>
-          <p:spPr>
-            <a:xfrm flipV="1">
-              <a:off x="6096000" y="1853926"/>
-              <a:ext cx="0" cy="4680000"/>
-            </a:xfrm>
-            <a:prstGeom prst="line">
-              <a:avLst/>
-            </a:prstGeom>
-            <a:ln w="44450">
-              <a:solidFill>
-                <a:srgbClr val="FF0000"/>
-              </a:solidFill>
-              <a:prstDash val="sysDash"/>
-            </a:ln>
-          </p:spPr>
-          <p:style>
-            <a:lnRef idx="1">
-              <a:schemeClr val="accent1"/>
-            </a:lnRef>
-            <a:fillRef idx="0">
-              <a:schemeClr val="accent1"/>
-            </a:fillRef>
-            <a:effectRef idx="0">
-              <a:schemeClr val="accent1"/>
-            </a:effectRef>
-            <a:fontRef idx="minor">
-              <a:schemeClr val="tx1"/>
-            </a:fontRef>
-          </p:style>
-        </p:cxnSp>
-        <p:cxnSp>
-          <p:nvCxnSpPr>
-            <p:cNvPr id="8" name="Straight Arrow Connector 7">
-              <a:extLst>
-                <a:ext uri="{FF2B5EF4-FFF2-40B4-BE49-F238E27FC236}">
-                  <a16:creationId xmlns:a16="http://schemas.microsoft.com/office/drawing/2014/main" id="{CBC1D993-F567-1C82-B74A-BDD45FDEE7AF}"/>
-                </a:ext>
-              </a:extLst>
-            </p:cNvPr>
-            <p:cNvCxnSpPr>
-              <a:cxnSpLocks/>
-              <a:endCxn id="3" idx="2"/>
-            </p:cNvCxnSpPr>
-            <p:nvPr/>
-          </p:nvCxnSpPr>
-          <p:spPr>
-            <a:xfrm>
-              <a:off x="4498428" y="3022326"/>
-              <a:ext cx="1597572" cy="1168400"/>
-            </a:xfrm>
-            <a:prstGeom prst="straightConnector1">
-              <a:avLst/>
-            </a:prstGeom>
-            <a:ln w="38100">
-              <a:solidFill>
-                <a:srgbClr val="01FF74"/>
-              </a:solidFill>
-              <a:tailEnd type="triangle"/>
-            </a:ln>
-          </p:spPr>
-          <p:style>
-            <a:lnRef idx="1">
-              <a:schemeClr val="accent1"/>
-            </a:lnRef>
-            <a:fillRef idx="0">
-              <a:schemeClr val="accent1"/>
-            </a:fillRef>
-            <a:effectRef idx="0">
-              <a:schemeClr val="accent1"/>
-            </a:effectRef>
-            <a:fontRef idx="minor">
-              <a:schemeClr val="tx1"/>
-            </a:fontRef>
-          </p:style>
-        </p:cxnSp>
-        <p:pic>
-          <p:nvPicPr>
-            <p:cNvPr id="13" name="Picture 12">
-              <a:extLst>
-                <a:ext uri="{FF2B5EF4-FFF2-40B4-BE49-F238E27FC236}">
-                  <a16:creationId xmlns:a16="http://schemas.microsoft.com/office/drawing/2014/main" id="{06C7E8F9-C17A-CAE1-3604-AA4E0C0103DE}"/>
-                </a:ext>
-              </a:extLst>
-            </p:cNvPr>
-            <p:cNvPicPr>
-              <a:picLocks noChangeAspect="1"/>
-            </p:cNvPicPr>
-            <p:nvPr/>
-          </p:nvPicPr>
-          <p:blipFill>
-            <a:blip r:embed="rId3">
-              <a:extLst>
-                <a:ext uri="{28A0092B-C50C-407E-A947-70E740481C1C}">
-                  <a14:useLocalDpi xmlns:a14="http://schemas.microsoft.com/office/drawing/2010/main" val="0"/>
-                </a:ext>
-              </a:extLst>
-            </a:blip>
-            <a:stretch>
-              <a:fillRect/>
-            </a:stretch>
-          </p:blipFill>
-          <p:spPr>
-            <a:xfrm rot="15705243">
-              <a:off x="3487459" y="2028874"/>
-              <a:ext cx="1409263" cy="1409263"/>
-            </a:xfrm>
-            <a:prstGeom prst="rect">
-              <a:avLst/>
-            </a:prstGeom>
-          </p:spPr>
-        </p:pic>
-        <p:cxnSp>
-          <p:nvCxnSpPr>
-            <p:cNvPr id="14" name="Straight Arrow Connector 13">
-              <a:extLst>
-                <a:ext uri="{FF2B5EF4-FFF2-40B4-BE49-F238E27FC236}">
-                  <a16:creationId xmlns:a16="http://schemas.microsoft.com/office/drawing/2014/main" id="{62B2B470-AEAD-6DE1-DBC7-892DA9BB2859}"/>
-                </a:ext>
-              </a:extLst>
-            </p:cNvPr>
-            <p:cNvCxnSpPr>
-              <a:cxnSpLocks/>
-            </p:cNvCxnSpPr>
-            <p:nvPr/>
-          </p:nvCxnSpPr>
-          <p:spPr>
-            <a:xfrm flipV="1">
-              <a:off x="6096000" y="3022326"/>
-              <a:ext cx="1597572" cy="1168400"/>
-            </a:xfrm>
-            <a:prstGeom prst="straightConnector1">
-              <a:avLst/>
-            </a:prstGeom>
-            <a:ln w="38100">
-              <a:solidFill>
-                <a:srgbClr val="01FF74"/>
-              </a:solidFill>
-              <a:tailEnd type="triangle"/>
-            </a:ln>
-          </p:spPr>
-          <p:style>
-            <a:lnRef idx="1">
-              <a:schemeClr val="accent1"/>
-            </a:lnRef>
-            <a:fillRef idx="0">
-              <a:schemeClr val="accent1"/>
-            </a:fillRef>
-            <a:effectRef idx="0">
-              <a:schemeClr val="accent1"/>
-            </a:effectRef>
-            <a:fontRef idx="minor">
-              <a:schemeClr val="tx1"/>
-            </a:fontRef>
-          </p:style>
-        </p:cxnSp>
-        <p:cxnSp>
-          <p:nvCxnSpPr>
-            <p:cNvPr id="15" name="Straight Arrow Connector 14">
-              <a:extLst>
-                <a:ext uri="{FF2B5EF4-FFF2-40B4-BE49-F238E27FC236}">
-                  <a16:creationId xmlns:a16="http://schemas.microsoft.com/office/drawing/2014/main" id="{1D92FE50-8F8D-5F3C-BEF5-39E125C9E157}"/>
-                </a:ext>
-              </a:extLst>
-            </p:cNvPr>
-            <p:cNvCxnSpPr>
-              <a:cxnSpLocks/>
-            </p:cNvCxnSpPr>
-            <p:nvPr/>
-          </p:nvCxnSpPr>
-          <p:spPr>
-            <a:xfrm>
-              <a:off x="6096000" y="4190726"/>
-              <a:ext cx="798786" cy="1663974"/>
-            </a:xfrm>
-            <a:prstGeom prst="straightConnector1">
-              <a:avLst/>
-            </a:prstGeom>
-            <a:ln w="38100">
-              <a:solidFill>
-                <a:srgbClr val="01FF74"/>
-              </a:solidFill>
-              <a:tailEnd type="triangle"/>
-            </a:ln>
-          </p:spPr>
-          <p:style>
-            <a:lnRef idx="1">
-              <a:schemeClr val="accent1"/>
-            </a:lnRef>
-            <a:fillRef idx="0">
-              <a:schemeClr val="accent1"/>
-            </a:fillRef>
-            <a:effectRef idx="0">
-              <a:schemeClr val="accent1"/>
-            </a:effectRef>
-            <a:fontRef idx="minor">
-              <a:schemeClr val="tx1"/>
-            </a:fontRef>
-          </p:style>
-        </p:cxnSp>
-        <mc:AlternateContent xmlns:mc="http://schemas.openxmlformats.org/markup-compatibility/2006" xmlns:a14="http://schemas.microsoft.com/office/drawing/2010/main">
-          <mc:Choice Requires="a14">
-            <p:sp>
-              <p:nvSpPr>
-                <p:cNvPr id="17" name="TextBox 16">
-                  <a:extLst>
-                    <a:ext uri="{FF2B5EF4-FFF2-40B4-BE49-F238E27FC236}">
-                      <a16:creationId xmlns:a16="http://schemas.microsoft.com/office/drawing/2014/main" id="{D2865BC8-DD15-367A-7AC7-062870FAD735}"/>
-                    </a:ext>
-                  </a:extLst>
-                </p:cNvPr>
-                <p:cNvSpPr txBox="1"/>
-                <p:nvPr/>
-              </p:nvSpPr>
-              <p:spPr>
-                <a:xfrm>
-                  <a:off x="5693005" y="3581126"/>
-                  <a:ext cx="292097" cy="369332"/>
-                </a:xfrm>
-                <a:prstGeom prst="rect">
-                  <a:avLst/>
-                </a:prstGeom>
-                <a:noFill/>
-              </p:spPr>
-              <p:txBody>
-                <a:bodyPr wrap="square" rtlCol="0">
-                  <a:spAutoFit/>
-                </a:bodyPr>
-                <a:lstStyle/>
-                <a:p>
-                  <a:pPr/>
-                  <a14:m>
-                    <m:oMathPara xmlns:m="http://schemas.openxmlformats.org/officeDocument/2006/math">
-                      <m:oMathParaPr>
-                        <m:jc m:val="centerGroup"/>
-                      </m:oMathParaPr>
-                      <m:oMath xmlns:m="http://schemas.openxmlformats.org/officeDocument/2006/math">
-                        <m:sSub>
-                          <m:sSubPr>
-                            <m:ctrlPr>
-                              <a:rPr lang="en-US" b="0" i="1" smtClean="0">
-                                <a:solidFill>
-                                  <a:schemeClr val="bg1"/>
-                                </a:solidFill>
-                                <a:latin typeface="Cambria Math" panose="02040503050406030204" pitchFamily="18" charset="0"/>
-                              </a:rPr>
-                            </m:ctrlPr>
-                          </m:sSubPr>
-                          <m:e>
-                            <m:r>
-                              <a:rPr lang="en-US" b="0" i="1" smtClean="0">
-                                <a:solidFill>
-                                  <a:schemeClr val="bg1"/>
-                                </a:solidFill>
-                                <a:latin typeface="Cambria Math" panose="02040503050406030204" pitchFamily="18" charset="0"/>
-                              </a:rPr>
-                              <m:t>𝜃</m:t>
-                            </m:r>
-                          </m:e>
-                          <m:sub>
-                            <m:r>
-                              <a:rPr lang="en-US" b="0" i="1" smtClean="0">
-                                <a:solidFill>
-                                  <a:schemeClr val="bg1"/>
-                                </a:solidFill>
-                                <a:latin typeface="Cambria Math" panose="02040503050406030204" pitchFamily="18" charset="0"/>
-                              </a:rPr>
-                              <m:t>1</m:t>
-                            </m:r>
-                          </m:sub>
-                        </m:sSub>
-                      </m:oMath>
-                    </m:oMathPara>
-                  </a14:m>
-                  <a:endParaRPr lang="en-ID" dirty="0">
-                    <a:solidFill>
-                      <a:schemeClr val="bg1"/>
-                    </a:solidFill>
-                  </a:endParaRPr>
-                </a:p>
-              </p:txBody>
-            </p:sp>
-          </mc:Choice>
-          <mc:Fallback xmlns="">
-            <p:sp>
-              <p:nvSpPr>
-                <p:cNvPr id="17" name="TextBox 16">
-                  <a:extLst>
-                    <a:ext uri="{FF2B5EF4-FFF2-40B4-BE49-F238E27FC236}">
-                      <a16:creationId xmlns:a16="http://schemas.microsoft.com/office/drawing/2014/main" id="{D2865BC8-DD15-367A-7AC7-062870FAD735}"/>
-                    </a:ext>
-                  </a:extLst>
-                </p:cNvPr>
-                <p:cNvSpPr txBox="1">
-                  <a:spLocks noRot="1" noChangeAspect="1" noMove="1" noResize="1" noEditPoints="1" noAdjustHandles="1" noChangeArrowheads="1" noChangeShapeType="1" noTextEdit="1"/>
-                </p:cNvSpPr>
-                <p:nvPr/>
-              </p:nvSpPr>
-              <p:spPr>
-                <a:xfrm>
-                  <a:off x="5693005" y="3581126"/>
-                  <a:ext cx="292097" cy="369332"/>
-                </a:xfrm>
-                <a:prstGeom prst="rect">
-                  <a:avLst/>
-                </a:prstGeom>
-                <a:blipFill>
-                  <a:blip r:embed="rId4"/>
-                  <a:stretch>
-                    <a:fillRect r="-25532"/>
-                  </a:stretch>
-                </a:blipFill>
-              </p:spPr>
-              <p:txBody>
-                <a:bodyPr/>
-                <a:lstStyle/>
-                <a:p>
-                  <a:r>
-                    <a:rPr lang="en-ID">
-                      <a:noFill/>
-                    </a:rPr>
-                    <a:t> </a:t>
-                  </a:r>
-                </a:p>
-              </p:txBody>
-            </p:sp>
-          </mc:Fallback>
-        </mc:AlternateContent>
-        <mc:AlternateContent xmlns:mc="http://schemas.openxmlformats.org/markup-compatibility/2006" xmlns:a14="http://schemas.microsoft.com/office/drawing/2010/main">
-          <mc:Choice Requires="a14">
-            <p:sp>
-              <p:nvSpPr>
-                <p:cNvPr id="18" name="TextBox 17">
-                  <a:extLst>
-                    <a:ext uri="{FF2B5EF4-FFF2-40B4-BE49-F238E27FC236}">
-                      <a16:creationId xmlns:a16="http://schemas.microsoft.com/office/drawing/2014/main" id="{11399640-4554-2227-1B3D-E952F2E4C540}"/>
-                    </a:ext>
-                  </a:extLst>
-                </p:cNvPr>
-                <p:cNvSpPr txBox="1"/>
-                <p:nvPr/>
-              </p:nvSpPr>
-              <p:spPr>
-                <a:xfrm>
-                  <a:off x="6108699" y="3589128"/>
-                  <a:ext cx="292097" cy="369332"/>
-                </a:xfrm>
-                <a:prstGeom prst="rect">
-                  <a:avLst/>
-                </a:prstGeom>
-                <a:noFill/>
-              </p:spPr>
-              <p:txBody>
-                <a:bodyPr wrap="square" rtlCol="0">
-                  <a:spAutoFit/>
-                </a:bodyPr>
-                <a:lstStyle/>
-                <a:p>
-                  <a:pPr/>
-                  <a14:m>
-                    <m:oMathPara xmlns:m="http://schemas.openxmlformats.org/officeDocument/2006/math">
-                      <m:oMathParaPr>
-                        <m:jc m:val="centerGroup"/>
-                      </m:oMathParaPr>
-                      <m:oMath xmlns:m="http://schemas.openxmlformats.org/officeDocument/2006/math">
-                        <m:sSub>
-                          <m:sSubPr>
-                            <m:ctrlPr>
-                              <a:rPr lang="en-US" b="0" i="1" smtClean="0">
-                                <a:solidFill>
-                                  <a:schemeClr val="bg1"/>
-                                </a:solidFill>
-                                <a:latin typeface="Cambria Math" panose="02040503050406030204" pitchFamily="18" charset="0"/>
-                              </a:rPr>
-                            </m:ctrlPr>
-                          </m:sSubPr>
-                          <m:e>
-                            <m:r>
-                              <a:rPr lang="en-US" b="0" i="1" smtClean="0">
-                                <a:solidFill>
-                                  <a:schemeClr val="bg1"/>
-                                </a:solidFill>
-                                <a:latin typeface="Cambria Math" panose="02040503050406030204" pitchFamily="18" charset="0"/>
-                              </a:rPr>
-                              <m:t>𝜃</m:t>
-                            </m:r>
-                          </m:e>
-                          <m:sub>
-                            <m:r>
-                              <a:rPr lang="en-US" b="0" i="1" smtClean="0">
-                                <a:solidFill>
-                                  <a:schemeClr val="bg1"/>
-                                </a:solidFill>
-                                <a:latin typeface="Cambria Math" panose="02040503050406030204" pitchFamily="18" charset="0"/>
-                              </a:rPr>
-                              <m:t>1</m:t>
-                            </m:r>
-                          </m:sub>
-                        </m:sSub>
-                      </m:oMath>
-                    </m:oMathPara>
-                  </a14:m>
-                  <a:endParaRPr lang="en-ID" dirty="0">
-                    <a:solidFill>
-                      <a:schemeClr val="bg1"/>
-                    </a:solidFill>
-                  </a:endParaRPr>
-                </a:p>
-              </p:txBody>
-            </p:sp>
-          </mc:Choice>
-          <mc:Fallback xmlns="">
-            <p:sp>
-              <p:nvSpPr>
-                <p:cNvPr id="18" name="TextBox 17">
-                  <a:extLst>
-                    <a:ext uri="{FF2B5EF4-FFF2-40B4-BE49-F238E27FC236}">
-                      <a16:creationId xmlns:a16="http://schemas.microsoft.com/office/drawing/2014/main" id="{11399640-4554-2227-1B3D-E952F2E4C540}"/>
-                    </a:ext>
-                  </a:extLst>
-                </p:cNvPr>
-                <p:cNvSpPr txBox="1">
-                  <a:spLocks noRot="1" noChangeAspect="1" noMove="1" noResize="1" noEditPoints="1" noAdjustHandles="1" noChangeArrowheads="1" noChangeShapeType="1" noTextEdit="1"/>
-                </p:cNvSpPr>
-                <p:nvPr/>
-              </p:nvSpPr>
-              <p:spPr>
-                <a:xfrm>
-                  <a:off x="6108699" y="3589128"/>
-                  <a:ext cx="292097" cy="369332"/>
-                </a:xfrm>
-                <a:prstGeom prst="rect">
-                  <a:avLst/>
-                </a:prstGeom>
-                <a:blipFill>
-                  <a:blip r:embed="rId5"/>
-                  <a:stretch>
-                    <a:fillRect r="-22917"/>
-                  </a:stretch>
-                </a:blipFill>
-              </p:spPr>
-              <p:txBody>
-                <a:bodyPr/>
-                <a:lstStyle/>
-                <a:p>
-                  <a:r>
-                    <a:rPr lang="en-ID">
-                      <a:noFill/>
-                    </a:rPr>
-                    <a:t> </a:t>
-                  </a:r>
-                </a:p>
-              </p:txBody>
-            </p:sp>
-          </mc:Fallback>
-        </mc:AlternateContent>
-        <mc:AlternateContent xmlns:mc="http://schemas.openxmlformats.org/markup-compatibility/2006" xmlns:a14="http://schemas.microsoft.com/office/drawing/2010/main">
-          <mc:Choice Requires="a14">
-            <p:sp>
-              <p:nvSpPr>
-                <p:cNvPr id="20" name="TextBox 19">
-                  <a:extLst>
-                    <a:ext uri="{FF2B5EF4-FFF2-40B4-BE49-F238E27FC236}">
-                      <a16:creationId xmlns:a16="http://schemas.microsoft.com/office/drawing/2014/main" id="{9983DE6E-77E6-BFBA-CB5A-85444EB10302}"/>
-                    </a:ext>
-                  </a:extLst>
-                </p:cNvPr>
-                <p:cNvSpPr txBox="1"/>
-                <p:nvPr/>
-              </p:nvSpPr>
-              <p:spPr>
-                <a:xfrm>
-                  <a:off x="3407544" y="4209452"/>
-                  <a:ext cx="1876972" cy="369332"/>
-                </a:xfrm>
-                <a:prstGeom prst="rect">
-                  <a:avLst/>
-                </a:prstGeom>
-                <a:noFill/>
-              </p:spPr>
-              <p:txBody>
-                <a:bodyPr wrap="square" rtlCol="0">
-                  <a:spAutoFit/>
-                </a:bodyPr>
-                <a:lstStyle/>
-                <a:p>
-                  <a:r>
-                    <a:rPr lang="en-US" dirty="0">
-                      <a:solidFill>
-                        <a:schemeClr val="bg1"/>
-                      </a:solidFill>
-                      <a:latin typeface="Times New Roman" panose="02020603050405020304" pitchFamily="18" charset="0"/>
-                      <a:cs typeface="Times New Roman" panose="02020603050405020304" pitchFamily="18" charset="0"/>
-                    </a:rPr>
-                    <a:t>Air </a:t>
-                  </a:r>
-                  <a14:m>
-                    <m:oMath xmlns:m="http://schemas.openxmlformats.org/officeDocument/2006/math">
-                      <m:r>
-                        <a:rPr lang="en-US" b="0" i="0" smtClean="0">
-                          <a:solidFill>
-                            <a:schemeClr val="bg1"/>
-                          </a:solidFill>
-                          <a:latin typeface="Cambria Math" panose="02040503050406030204" pitchFamily="18" charset="0"/>
-                        </a:rPr>
-                        <m:t>(</m:t>
-                      </m:r>
-                      <m:sSub>
-                        <m:sSubPr>
-                          <m:ctrlPr>
-                            <a:rPr lang="en-US" b="0" i="1" smtClean="0">
-                              <a:solidFill>
-                                <a:schemeClr val="bg1"/>
-                              </a:solidFill>
-                              <a:latin typeface="Cambria Math" panose="02040503050406030204" pitchFamily="18" charset="0"/>
-                            </a:rPr>
-                          </m:ctrlPr>
-                        </m:sSubPr>
-                        <m:e>
-                          <m:r>
-                            <a:rPr lang="en-US" b="0" i="1" smtClean="0">
-                              <a:solidFill>
-                                <a:schemeClr val="bg1"/>
-                              </a:solidFill>
-                              <a:latin typeface="Cambria Math" panose="02040503050406030204" pitchFamily="18" charset="0"/>
-                            </a:rPr>
-                            <m:t>𝑛</m:t>
-                          </m:r>
-                        </m:e>
-                        <m:sub>
-                          <m:r>
-                            <a:rPr lang="en-US" b="0" i="1" smtClean="0">
-                              <a:solidFill>
-                                <a:schemeClr val="bg1"/>
-                              </a:solidFill>
-                              <a:latin typeface="Cambria Math" panose="02040503050406030204" pitchFamily="18" charset="0"/>
-                            </a:rPr>
-                            <m:t>2</m:t>
-                          </m:r>
-                        </m:sub>
-                      </m:sSub>
-                      <m:r>
-                        <a:rPr lang="en-US" b="0" i="1" smtClean="0">
-                          <a:solidFill>
-                            <a:schemeClr val="bg1"/>
-                          </a:solidFill>
-                          <a:latin typeface="Cambria Math" panose="02040503050406030204" pitchFamily="18" charset="0"/>
-                        </a:rPr>
-                        <m:t>=1.33)</m:t>
-                      </m:r>
-                    </m:oMath>
-                  </a14:m>
-                  <a:endParaRPr lang="en-ID" dirty="0">
-                    <a:solidFill>
-                      <a:schemeClr val="bg1"/>
-                    </a:solidFill>
-                    <a:latin typeface="Times New Roman" panose="02020603050405020304" pitchFamily="18" charset="0"/>
-                    <a:cs typeface="Times New Roman" panose="02020603050405020304" pitchFamily="18" charset="0"/>
-                  </a:endParaRPr>
-                </a:p>
-              </p:txBody>
-            </p:sp>
-          </mc:Choice>
-          <mc:Fallback xmlns="">
-            <p:sp>
-              <p:nvSpPr>
-                <p:cNvPr id="20" name="TextBox 19">
-                  <a:extLst>
-                    <a:ext uri="{FF2B5EF4-FFF2-40B4-BE49-F238E27FC236}">
-                      <a16:creationId xmlns:a16="http://schemas.microsoft.com/office/drawing/2014/main" id="{9983DE6E-77E6-BFBA-CB5A-85444EB10302}"/>
-                    </a:ext>
-                  </a:extLst>
-                </p:cNvPr>
-                <p:cNvSpPr txBox="1">
-                  <a:spLocks noRot="1" noChangeAspect="1" noMove="1" noResize="1" noEditPoints="1" noAdjustHandles="1" noChangeArrowheads="1" noChangeShapeType="1" noTextEdit="1"/>
-                </p:cNvSpPr>
-                <p:nvPr/>
-              </p:nvSpPr>
-              <p:spPr>
-                <a:xfrm>
-                  <a:off x="3407544" y="4209452"/>
-                  <a:ext cx="1876972" cy="369332"/>
-                </a:xfrm>
-                <a:prstGeom prst="rect">
-                  <a:avLst/>
-                </a:prstGeom>
-                <a:blipFill>
-                  <a:blip r:embed="rId6"/>
-                  <a:stretch>
-                    <a:fillRect l="-2922" t="-9836" b="-24590"/>
-                  </a:stretch>
-                </a:blipFill>
-              </p:spPr>
-              <p:txBody>
-                <a:bodyPr/>
-                <a:lstStyle/>
-                <a:p>
-                  <a:r>
-                    <a:rPr lang="en-ID">
-                      <a:noFill/>
-                    </a:rPr>
-                    <a:t> </a:t>
-                  </a:r>
-                </a:p>
-              </p:txBody>
-            </p:sp>
-          </mc:Fallback>
-        </mc:AlternateContent>
-        <mc:AlternateContent xmlns:mc="http://schemas.openxmlformats.org/markup-compatibility/2006" xmlns:a14="http://schemas.microsoft.com/office/drawing/2010/main">
-          <mc:Choice Requires="a14">
-            <p:sp>
-              <p:nvSpPr>
-                <p:cNvPr id="21" name="TextBox 20">
-                  <a:extLst>
-                    <a:ext uri="{FF2B5EF4-FFF2-40B4-BE49-F238E27FC236}">
-                      <a16:creationId xmlns:a16="http://schemas.microsoft.com/office/drawing/2014/main" id="{D4EF301B-E64C-A888-E030-69EE6B3F4056}"/>
-                    </a:ext>
-                  </a:extLst>
-                </p:cNvPr>
-                <p:cNvSpPr txBox="1"/>
-                <p:nvPr/>
-              </p:nvSpPr>
-              <p:spPr>
-                <a:xfrm>
-                  <a:off x="3407543" y="3788958"/>
-                  <a:ext cx="2174563" cy="369332"/>
-                </a:xfrm>
-                <a:prstGeom prst="rect">
-                  <a:avLst/>
-                </a:prstGeom>
-                <a:noFill/>
-              </p:spPr>
-              <p:txBody>
-                <a:bodyPr wrap="square" rtlCol="0">
-                  <a:spAutoFit/>
-                </a:bodyPr>
-                <a:lstStyle/>
-                <a:p>
-                  <a:r>
-                    <a:rPr lang="en-US" dirty="0">
-                      <a:solidFill>
-                        <a:schemeClr val="bg1"/>
-                      </a:solidFill>
-                      <a:latin typeface="Times New Roman" panose="02020603050405020304" pitchFamily="18" charset="0"/>
-                      <a:cs typeface="Times New Roman" panose="02020603050405020304" pitchFamily="18" charset="0"/>
-                    </a:rPr>
-                    <a:t>Udara </a:t>
-                  </a:r>
-                  <a14:m>
-                    <m:oMath xmlns:m="http://schemas.openxmlformats.org/officeDocument/2006/math">
-                      <m:r>
-                        <a:rPr lang="en-US" b="0" i="0" smtClean="0">
-                          <a:solidFill>
-                            <a:schemeClr val="bg1"/>
-                          </a:solidFill>
-                          <a:latin typeface="Cambria Math" panose="02040503050406030204" pitchFamily="18" charset="0"/>
-                        </a:rPr>
-                        <m:t>(</m:t>
-                      </m:r>
-                      <m:sSub>
-                        <m:sSubPr>
-                          <m:ctrlPr>
-                            <a:rPr lang="en-US" b="0" i="1" smtClean="0">
-                              <a:solidFill>
-                                <a:schemeClr val="bg1"/>
-                              </a:solidFill>
-                              <a:latin typeface="Cambria Math" panose="02040503050406030204" pitchFamily="18" charset="0"/>
-                            </a:rPr>
-                          </m:ctrlPr>
-                        </m:sSubPr>
-                        <m:e>
-                          <m:r>
-                            <a:rPr lang="en-US" b="0" i="1" smtClean="0">
-                              <a:solidFill>
-                                <a:schemeClr val="bg1"/>
-                              </a:solidFill>
-                              <a:latin typeface="Cambria Math" panose="02040503050406030204" pitchFamily="18" charset="0"/>
-                            </a:rPr>
-                            <m:t>𝑛</m:t>
-                          </m:r>
-                        </m:e>
-                        <m:sub>
-                          <m:r>
-                            <a:rPr lang="en-US" b="0" i="1" smtClean="0">
-                              <a:solidFill>
-                                <a:schemeClr val="bg1"/>
-                              </a:solidFill>
-                              <a:latin typeface="Cambria Math" panose="02040503050406030204" pitchFamily="18" charset="0"/>
-                            </a:rPr>
-                            <m:t>1</m:t>
-                          </m:r>
-                        </m:sub>
-                      </m:sSub>
-                      <m:r>
-                        <a:rPr lang="en-US" b="0" i="1" smtClean="0">
-                          <a:solidFill>
-                            <a:schemeClr val="bg1"/>
-                          </a:solidFill>
-                          <a:latin typeface="Cambria Math" panose="02040503050406030204" pitchFamily="18" charset="0"/>
-                        </a:rPr>
-                        <m:t>=1.00)</m:t>
-                      </m:r>
-                    </m:oMath>
-                  </a14:m>
-                  <a:endParaRPr lang="en-ID" dirty="0">
-                    <a:solidFill>
-                      <a:schemeClr val="bg1"/>
-                    </a:solidFill>
-                    <a:latin typeface="Times New Roman" panose="02020603050405020304" pitchFamily="18" charset="0"/>
-                    <a:cs typeface="Times New Roman" panose="02020603050405020304" pitchFamily="18" charset="0"/>
-                  </a:endParaRPr>
-                </a:p>
-              </p:txBody>
-            </p:sp>
-          </mc:Choice>
-          <mc:Fallback xmlns="">
-            <p:sp>
-              <p:nvSpPr>
-                <p:cNvPr id="21" name="TextBox 20">
-                  <a:extLst>
-                    <a:ext uri="{FF2B5EF4-FFF2-40B4-BE49-F238E27FC236}">
-                      <a16:creationId xmlns:a16="http://schemas.microsoft.com/office/drawing/2014/main" id="{D4EF301B-E64C-A888-E030-69EE6B3F4056}"/>
-                    </a:ext>
-                  </a:extLst>
-                </p:cNvPr>
-                <p:cNvSpPr txBox="1">
-                  <a:spLocks noRot="1" noChangeAspect="1" noMove="1" noResize="1" noEditPoints="1" noAdjustHandles="1" noChangeArrowheads="1" noChangeShapeType="1" noTextEdit="1"/>
-                </p:cNvSpPr>
-                <p:nvPr/>
-              </p:nvSpPr>
-              <p:spPr>
-                <a:xfrm>
-                  <a:off x="3407543" y="3788958"/>
-                  <a:ext cx="2174563" cy="369332"/>
-                </a:xfrm>
-                <a:prstGeom prst="rect">
-                  <a:avLst/>
-                </a:prstGeom>
-                <a:blipFill>
-                  <a:blip r:embed="rId7"/>
-                  <a:stretch>
-                    <a:fillRect l="-2528" t="-9836" b="-24590"/>
-                  </a:stretch>
-                </a:blipFill>
-              </p:spPr>
-              <p:txBody>
-                <a:bodyPr/>
-                <a:lstStyle/>
-                <a:p>
-                  <a:r>
-                    <a:rPr lang="en-ID">
-                      <a:noFill/>
-                    </a:rPr>
-                    <a:t> </a:t>
-                  </a:r>
-                </a:p>
-              </p:txBody>
-            </p:sp>
-          </mc:Fallback>
-        </mc:AlternateContent>
-        <p:sp>
-          <p:nvSpPr>
-            <p:cNvPr id="22" name="TextBox 21">
-              <a:extLst>
-                <a:ext uri="{FF2B5EF4-FFF2-40B4-BE49-F238E27FC236}">
-                  <a16:creationId xmlns:a16="http://schemas.microsoft.com/office/drawing/2014/main" id="{46FADC14-736C-9855-3E9E-73F3F731F811}"/>
-                </a:ext>
-              </a:extLst>
-            </p:cNvPr>
-            <p:cNvSpPr txBox="1"/>
-            <p:nvPr/>
-          </p:nvSpPr>
-          <p:spPr>
-            <a:xfrm>
-              <a:off x="4940836" y="2628537"/>
-              <a:ext cx="1044266" cy="646331"/>
-            </a:xfrm>
-            <a:prstGeom prst="rect">
-              <a:avLst/>
-            </a:prstGeom>
-            <a:noFill/>
-          </p:spPr>
-          <p:txBody>
-            <a:bodyPr wrap="square" rtlCol="0">
-              <a:spAutoFit/>
-            </a:bodyPr>
-            <a:lstStyle/>
-            <a:p>
-              <a:r>
-                <a:rPr lang="en-US" dirty="0" err="1">
-                  <a:solidFill>
-                    <a:schemeClr val="bg1"/>
-                  </a:solidFill>
-                  <a:latin typeface="Times New Roman" panose="02020603050405020304" pitchFamily="18" charset="0"/>
-                  <a:cs typeface="Times New Roman" panose="02020603050405020304" pitchFamily="18" charset="0"/>
-                </a:rPr>
-                <a:t>Sinar</a:t>
-              </a:r>
-              <a:r>
-                <a:rPr lang="en-US" dirty="0">
-                  <a:solidFill>
-                    <a:schemeClr val="bg1"/>
-                  </a:solidFill>
-                  <a:latin typeface="Times New Roman" panose="02020603050405020304" pitchFamily="18" charset="0"/>
-                  <a:cs typeface="Times New Roman" panose="02020603050405020304" pitchFamily="18" charset="0"/>
-                </a:rPr>
-                <a:t> </a:t>
-              </a:r>
-              <a:r>
-                <a:rPr lang="en-US" dirty="0" err="1">
-                  <a:solidFill>
-                    <a:schemeClr val="bg1"/>
-                  </a:solidFill>
-                  <a:latin typeface="Times New Roman" panose="02020603050405020304" pitchFamily="18" charset="0"/>
-                  <a:cs typeface="Times New Roman" panose="02020603050405020304" pitchFamily="18" charset="0"/>
-                </a:rPr>
-                <a:t>datang</a:t>
-              </a:r>
-              <a:endParaRPr lang="en-ID" dirty="0">
-                <a:solidFill>
-                  <a:schemeClr val="bg1"/>
-                </a:solidFill>
-                <a:latin typeface="Times New Roman" panose="02020603050405020304" pitchFamily="18" charset="0"/>
-                <a:cs typeface="Times New Roman" panose="02020603050405020304" pitchFamily="18" charset="0"/>
-              </a:endParaRPr>
-            </a:p>
-          </p:txBody>
-        </p:sp>
-        <p:sp>
-          <p:nvSpPr>
-            <p:cNvPr id="23" name="TextBox 22">
-              <a:extLst>
-                <a:ext uri="{FF2B5EF4-FFF2-40B4-BE49-F238E27FC236}">
-                  <a16:creationId xmlns:a16="http://schemas.microsoft.com/office/drawing/2014/main" id="{FD120F1F-8FF4-4F33-11B2-55726A6B554F}"/>
-                </a:ext>
-              </a:extLst>
-            </p:cNvPr>
-            <p:cNvSpPr txBox="1"/>
-            <p:nvPr/>
-          </p:nvSpPr>
-          <p:spPr>
-            <a:xfrm>
-              <a:off x="6538408" y="2526752"/>
-              <a:ext cx="1044266" cy="646331"/>
-            </a:xfrm>
-            <a:prstGeom prst="rect">
-              <a:avLst/>
-            </a:prstGeom>
-            <a:noFill/>
-          </p:spPr>
-          <p:txBody>
-            <a:bodyPr wrap="square" rtlCol="0">
-              <a:spAutoFit/>
-            </a:bodyPr>
-            <a:lstStyle/>
-            <a:p>
-              <a:r>
-                <a:rPr lang="en-US" dirty="0" err="1">
-                  <a:solidFill>
-                    <a:schemeClr val="bg1"/>
-                  </a:solidFill>
-                  <a:latin typeface="Times New Roman" panose="02020603050405020304" pitchFamily="18" charset="0"/>
-                  <a:cs typeface="Times New Roman" panose="02020603050405020304" pitchFamily="18" charset="0"/>
-                </a:rPr>
-                <a:t>Sinar</a:t>
-              </a:r>
-              <a:r>
-                <a:rPr lang="en-US" dirty="0">
-                  <a:solidFill>
-                    <a:schemeClr val="bg1"/>
-                  </a:solidFill>
-                  <a:latin typeface="Times New Roman" panose="02020603050405020304" pitchFamily="18" charset="0"/>
-                  <a:cs typeface="Times New Roman" panose="02020603050405020304" pitchFamily="18" charset="0"/>
-                </a:rPr>
-                <a:t> </a:t>
-              </a:r>
-              <a:r>
-                <a:rPr lang="en-US" dirty="0" err="1">
-                  <a:solidFill>
-                    <a:schemeClr val="bg1"/>
-                  </a:solidFill>
-                  <a:latin typeface="Times New Roman" panose="02020603050405020304" pitchFamily="18" charset="0"/>
-                  <a:cs typeface="Times New Roman" panose="02020603050405020304" pitchFamily="18" charset="0"/>
-                </a:rPr>
-                <a:t>pantul</a:t>
-              </a:r>
-              <a:endParaRPr lang="en-ID" dirty="0">
-                <a:solidFill>
-                  <a:schemeClr val="bg1"/>
-                </a:solidFill>
-                <a:latin typeface="Times New Roman" panose="02020603050405020304" pitchFamily="18" charset="0"/>
-                <a:cs typeface="Times New Roman" panose="02020603050405020304" pitchFamily="18" charset="0"/>
-              </a:endParaRPr>
-            </a:p>
-          </p:txBody>
-        </p:sp>
-        <p:sp>
-          <p:nvSpPr>
-            <p:cNvPr id="24" name="TextBox 23">
-              <a:extLst>
-                <a:ext uri="{FF2B5EF4-FFF2-40B4-BE49-F238E27FC236}">
-                  <a16:creationId xmlns:a16="http://schemas.microsoft.com/office/drawing/2014/main" id="{C28EC783-0DDE-FCE2-E3AB-41AC7C20A2D5}"/>
-                </a:ext>
-              </a:extLst>
-            </p:cNvPr>
-            <p:cNvSpPr txBox="1"/>
-            <p:nvPr/>
-          </p:nvSpPr>
-          <p:spPr>
-            <a:xfrm>
-              <a:off x="6772046" y="4757528"/>
-              <a:ext cx="1044266" cy="646331"/>
-            </a:xfrm>
-            <a:prstGeom prst="rect">
-              <a:avLst/>
-            </a:prstGeom>
-            <a:noFill/>
-          </p:spPr>
-          <p:txBody>
-            <a:bodyPr wrap="square" rtlCol="0">
-              <a:spAutoFit/>
-            </a:bodyPr>
-            <a:lstStyle/>
-            <a:p>
-              <a:r>
-                <a:rPr lang="en-US" dirty="0" err="1">
-                  <a:solidFill>
-                    <a:schemeClr val="bg1"/>
-                  </a:solidFill>
-                  <a:latin typeface="Times New Roman" panose="02020603050405020304" pitchFamily="18" charset="0"/>
-                  <a:cs typeface="Times New Roman" panose="02020603050405020304" pitchFamily="18" charset="0"/>
-                </a:rPr>
-                <a:t>Sinar</a:t>
-              </a:r>
-              <a:r>
-                <a:rPr lang="en-US" dirty="0">
-                  <a:solidFill>
-                    <a:schemeClr val="bg1"/>
-                  </a:solidFill>
-                  <a:latin typeface="Times New Roman" panose="02020603050405020304" pitchFamily="18" charset="0"/>
-                  <a:cs typeface="Times New Roman" panose="02020603050405020304" pitchFamily="18" charset="0"/>
-                </a:rPr>
-                <a:t> bias</a:t>
-              </a:r>
-              <a:endParaRPr lang="en-ID" dirty="0">
-                <a:solidFill>
-                  <a:schemeClr val="bg1"/>
-                </a:solidFill>
-                <a:latin typeface="Times New Roman" panose="02020603050405020304" pitchFamily="18" charset="0"/>
-                <a:cs typeface="Times New Roman" panose="02020603050405020304" pitchFamily="18" charset="0"/>
-              </a:endParaRPr>
-            </a:p>
-          </p:txBody>
-        </p:sp>
-        <p:sp>
-          <p:nvSpPr>
-            <p:cNvPr id="26" name="TextBox 25">
-              <a:extLst>
-                <a:ext uri="{FF2B5EF4-FFF2-40B4-BE49-F238E27FC236}">
-                  <a16:creationId xmlns:a16="http://schemas.microsoft.com/office/drawing/2014/main" id="{FDB3A0B5-F209-0401-06ED-659A79FA3CA5}"/>
-                </a:ext>
-              </a:extLst>
-            </p:cNvPr>
-            <p:cNvSpPr txBox="1"/>
-            <p:nvPr/>
-          </p:nvSpPr>
-          <p:spPr>
-            <a:xfrm>
-              <a:off x="5687588" y="5887998"/>
-              <a:ext cx="1044266" cy="369332"/>
-            </a:xfrm>
-            <a:prstGeom prst="rect">
-              <a:avLst/>
-            </a:prstGeom>
-            <a:noFill/>
-          </p:spPr>
-          <p:txBody>
-            <a:bodyPr wrap="square" rtlCol="0">
-              <a:spAutoFit/>
-            </a:bodyPr>
-            <a:lstStyle/>
-            <a:p>
-              <a:r>
-                <a:rPr lang="en-US" dirty="0">
-                  <a:solidFill>
-                    <a:schemeClr val="bg1"/>
-                  </a:solidFill>
-                  <a:latin typeface="Times New Roman" panose="02020603050405020304" pitchFamily="18" charset="0"/>
-                  <a:cs typeface="Times New Roman" panose="02020603050405020304" pitchFamily="18" charset="0"/>
-                </a:rPr>
-                <a:t>Normal</a:t>
-              </a:r>
-              <a:endParaRPr lang="en-ID" dirty="0">
-                <a:solidFill>
-                  <a:schemeClr val="bg1"/>
-                </a:solidFill>
-                <a:latin typeface="Times New Roman" panose="02020603050405020304" pitchFamily="18" charset="0"/>
-                <a:cs typeface="Times New Roman" panose="02020603050405020304" pitchFamily="18" charset="0"/>
-              </a:endParaRPr>
-            </a:p>
-          </p:txBody>
-        </p:sp>
-      </p:grpSp>
-    </p:spTree>
-    <p:extLst>
-      <p:ext uri="{BB962C8B-B14F-4D97-AF65-F5344CB8AC3E}">
-        <p14:creationId xmlns:p14="http://schemas.microsoft.com/office/powerpoint/2010/main" val="111849577"/>
-      </p:ext>
-    </p:extLst>
-  </p:cSld>
-  <p:clrMapOvr>
-    <a:masterClrMapping/>
-  </p:clrMapOvr>
-</p:sld>
-</file>
-
-<file path=ppt/slides/slide20.xml><?xml version="1.0" encoding="utf-8"?>
+<file path=ppt/slides/slide22.xml><?xml version="1.0" encoding="utf-8"?>
 <p:sld xmlns:a="http://schemas.openxmlformats.org/drawingml/2006/main" xmlns:r="http://schemas.openxmlformats.org/officeDocument/2006/relationships" xmlns:p="http://schemas.openxmlformats.org/presentationml/2006/main">
   <p:cSld>
     <p:spTree>
@@ -22247,7 +22933,7 @@
 </p:sld>
 </file>
 
-<file path=ppt/slides/slide21.xml><?xml version="1.0" encoding="utf-8"?>
+<file path=ppt/slides/slide23.xml><?xml version="1.0" encoding="utf-8"?>
 <p:sld xmlns:a="http://schemas.openxmlformats.org/drawingml/2006/main" xmlns:r="http://schemas.openxmlformats.org/officeDocument/2006/relationships" xmlns:p="http://schemas.openxmlformats.org/presentationml/2006/main">
   <p:cSld>
     <p:spTree>
@@ -23731,7 +24417,7 @@
 </p:sld>
 </file>
 
-<file path=ppt/slides/slide22.xml><?xml version="1.0" encoding="utf-8"?>
+<file path=ppt/slides/slide24.xml><?xml version="1.0" encoding="utf-8"?>
 <p:sld xmlns:a="http://schemas.openxmlformats.org/drawingml/2006/main" xmlns:r="http://schemas.openxmlformats.org/officeDocument/2006/relationships" xmlns:p="http://schemas.openxmlformats.org/presentationml/2006/main">
   <p:cSld>
     <p:spTree>
@@ -25262,7 +25948,7 @@
 </p:sld>
 </file>
 
-<file path=ppt/slides/slide23.xml><?xml version="1.0" encoding="utf-8"?>
+<file path=ppt/slides/slide25.xml><?xml version="1.0" encoding="utf-8"?>
 <p:sld xmlns:a="http://schemas.openxmlformats.org/drawingml/2006/main" xmlns:r="http://schemas.openxmlformats.org/officeDocument/2006/relationships" xmlns:p="http://schemas.openxmlformats.org/presentationml/2006/main">
   <p:cSld>
     <p:spTree>
@@ -26252,7 +26938,7 @@
 </p:sld>
 </file>
 
-<file path=ppt/slides/slide24.xml><?xml version="1.0" encoding="utf-8"?>
+<file path=ppt/slides/slide26.xml><?xml version="1.0" encoding="utf-8"?>
 <p:sld xmlns:a="http://schemas.openxmlformats.org/drawingml/2006/main" xmlns:r="http://schemas.openxmlformats.org/officeDocument/2006/relationships" xmlns:p="http://schemas.openxmlformats.org/presentationml/2006/main">
   <p:cSld>
     <p:spTree>
@@ -27242,7 +27928,7 @@
 </p:sld>
 </file>
 
-<file path=ppt/slides/slide25.xml><?xml version="1.0" encoding="utf-8"?>
+<file path=ppt/slides/slide27.xml><?xml version="1.0" encoding="utf-8"?>
 <p:sld xmlns:a="http://schemas.openxmlformats.org/drawingml/2006/main" xmlns:r="http://schemas.openxmlformats.org/officeDocument/2006/relationships" xmlns:p="http://schemas.openxmlformats.org/presentationml/2006/main">
   <p:cSld>
     <p:spTree>
@@ -28109,7 +28795,7 @@
 </p:sld>
 </file>
 
-<file path=ppt/slides/slide26.xml><?xml version="1.0" encoding="utf-8"?>
+<file path=ppt/slides/slide28.xml><?xml version="1.0" encoding="utf-8"?>
 <p:sld xmlns:a="http://schemas.openxmlformats.org/drawingml/2006/main" xmlns:r="http://schemas.openxmlformats.org/officeDocument/2006/relationships" xmlns:p="http://schemas.openxmlformats.org/presentationml/2006/main">
   <p:cSld>
     <p:spTree>
@@ -33433,6 +34119,2184 @@
       </p:grpSpPr>
       <p:grpSp>
         <p:nvGrpSpPr>
+          <p:cNvPr id="61" name="Group 60">
+            <a:extLst>
+              <a:ext uri="{FF2B5EF4-FFF2-40B4-BE49-F238E27FC236}">
+                <a16:creationId xmlns:a16="http://schemas.microsoft.com/office/drawing/2014/main" id="{84FD5A06-E512-6A8A-6186-004D70779116}"/>
+              </a:ext>
+            </a:extLst>
+          </p:cNvPr>
+          <p:cNvGrpSpPr/>
+          <p:nvPr/>
+        </p:nvGrpSpPr>
+        <p:grpSpPr>
+          <a:xfrm>
+            <a:off x="804931" y="1253359"/>
+            <a:ext cx="9426720" cy="4351281"/>
+            <a:chOff x="1031073" y="1253359"/>
+            <a:chExt cx="9426720" cy="4351281"/>
+          </a:xfrm>
+        </p:grpSpPr>
+        <p:sp>
+          <p:nvSpPr>
+            <p:cNvPr id="19" name="Flowchart: Connector 18">
+              <a:extLst>
+                <a:ext uri="{FF2B5EF4-FFF2-40B4-BE49-F238E27FC236}">
+                  <a16:creationId xmlns:a16="http://schemas.microsoft.com/office/drawing/2014/main" id="{1A13C06F-7F98-5A6A-49CE-2EAF5ED0E3E9}"/>
+                </a:ext>
+              </a:extLst>
+            </p:cNvPr>
+            <p:cNvSpPr/>
+            <p:nvPr/>
+          </p:nvSpPr>
+          <p:spPr>
+            <a:xfrm>
+              <a:off x="8034246" y="3356767"/>
+              <a:ext cx="144000" cy="144463"/>
+            </a:xfrm>
+            <a:prstGeom prst="flowChartConnector">
+              <a:avLst/>
+            </a:prstGeom>
+            <a:solidFill>
+              <a:srgbClr val="FFC000"/>
+            </a:solidFill>
+          </p:spPr>
+          <p:style>
+            <a:lnRef idx="2">
+              <a:schemeClr val="accent1">
+                <a:shade val="15000"/>
+              </a:schemeClr>
+            </a:lnRef>
+            <a:fillRef idx="1">
+              <a:schemeClr val="accent1"/>
+            </a:fillRef>
+            <a:effectRef idx="0">
+              <a:schemeClr val="accent1"/>
+            </a:effectRef>
+            <a:fontRef idx="minor">
+              <a:schemeClr val="lt1"/>
+            </a:fontRef>
+          </p:style>
+          <p:txBody>
+            <a:bodyPr rtlCol="0" anchor="ctr"/>
+            <a:lstStyle/>
+            <a:p>
+              <a:pPr algn="ctr"/>
+              <a:endParaRPr lang="en-ID"/>
+            </a:p>
+          </p:txBody>
+        </p:sp>
+        <p:grpSp>
+          <p:nvGrpSpPr>
+            <p:cNvPr id="60" name="Group 59">
+              <a:extLst>
+                <a:ext uri="{FF2B5EF4-FFF2-40B4-BE49-F238E27FC236}">
+                  <a16:creationId xmlns:a16="http://schemas.microsoft.com/office/drawing/2014/main" id="{DE8D1383-4904-D18D-D85C-4A58210FAF53}"/>
+                </a:ext>
+              </a:extLst>
+            </p:cNvPr>
+            <p:cNvGrpSpPr/>
+            <p:nvPr/>
+          </p:nvGrpSpPr>
+          <p:grpSpPr>
+            <a:xfrm>
+              <a:off x="1031073" y="1253359"/>
+              <a:ext cx="9426720" cy="4351281"/>
+              <a:chOff x="1031073" y="1253359"/>
+              <a:chExt cx="9426720" cy="4351281"/>
+            </a:xfrm>
+          </p:grpSpPr>
+          <p:sp>
+            <p:nvSpPr>
+              <p:cNvPr id="2" name="Oval 1">
+                <a:extLst>
+                  <a:ext uri="{FF2B5EF4-FFF2-40B4-BE49-F238E27FC236}">
+                    <a16:creationId xmlns:a16="http://schemas.microsoft.com/office/drawing/2014/main" id="{5D9BC32F-91A7-B37F-DE80-FEBB0DA74606}"/>
+                  </a:ext>
+                </a:extLst>
+              </p:cNvPr>
+              <p:cNvSpPr/>
+              <p:nvPr/>
+            </p:nvSpPr>
+            <p:spPr>
+              <a:xfrm>
+                <a:off x="5708650" y="1253359"/>
+                <a:ext cx="774700" cy="4351281"/>
+              </a:xfrm>
+              <a:prstGeom prst="ellipse">
+                <a:avLst/>
+              </a:prstGeom>
+              <a:gradFill>
+                <a:gsLst>
+                  <a:gs pos="43000">
+                    <a:schemeClr val="accent1"/>
+                  </a:gs>
+                  <a:gs pos="91000">
+                    <a:schemeClr val="accent1">
+                      <a:lumMod val="45000"/>
+                      <a:lumOff val="55000"/>
+                    </a:schemeClr>
+                  </a:gs>
+                  <a:gs pos="9000">
+                    <a:schemeClr val="accent1">
+                      <a:lumMod val="30000"/>
+                      <a:lumOff val="70000"/>
+                    </a:schemeClr>
+                  </a:gs>
+                </a:gsLst>
+                <a:lin ang="5400000" scaled="1"/>
+              </a:gradFill>
+            </p:spPr>
+            <p:style>
+              <a:lnRef idx="2">
+                <a:schemeClr val="accent1">
+                  <a:shade val="15000"/>
+                </a:schemeClr>
+              </a:lnRef>
+              <a:fillRef idx="1">
+                <a:schemeClr val="accent1"/>
+              </a:fillRef>
+              <a:effectRef idx="0">
+                <a:schemeClr val="accent1"/>
+              </a:effectRef>
+              <a:fontRef idx="minor">
+                <a:schemeClr val="lt1"/>
+              </a:fontRef>
+            </p:style>
+            <p:txBody>
+              <a:bodyPr rtlCol="0" anchor="ctr"/>
+              <a:lstStyle/>
+              <a:p>
+                <a:pPr algn="ctr"/>
+                <a:endParaRPr lang="en-ID" dirty="0"/>
+              </a:p>
+            </p:txBody>
+          </p:sp>
+          <p:cxnSp>
+            <p:nvCxnSpPr>
+              <p:cNvPr id="6" name="Straight Connector 5">
+                <a:extLst>
+                  <a:ext uri="{FF2B5EF4-FFF2-40B4-BE49-F238E27FC236}">
+                    <a16:creationId xmlns:a16="http://schemas.microsoft.com/office/drawing/2014/main" id="{3C1B6FA1-E876-64D0-0BD7-9CF82BAA95EF}"/>
+                  </a:ext>
+                </a:extLst>
+              </p:cNvPr>
+              <p:cNvCxnSpPr>
+                <a:cxnSpLocks/>
+              </p:cNvCxnSpPr>
+              <p:nvPr/>
+            </p:nvCxnSpPr>
+            <p:spPr>
+              <a:xfrm>
+                <a:off x="1776248" y="3429000"/>
+                <a:ext cx="8681545" cy="0"/>
+              </a:xfrm>
+              <a:prstGeom prst="line">
+                <a:avLst/>
+              </a:prstGeom>
+              <a:ln w="50800">
+                <a:solidFill>
+                  <a:srgbClr val="FF0000"/>
+                </a:solidFill>
+                <a:prstDash val="sysDash"/>
+              </a:ln>
+            </p:spPr>
+            <p:style>
+              <a:lnRef idx="1">
+                <a:schemeClr val="accent1"/>
+              </a:lnRef>
+              <a:fillRef idx="0">
+                <a:schemeClr val="accent1"/>
+              </a:fillRef>
+              <a:effectRef idx="0">
+                <a:schemeClr val="accent1"/>
+              </a:effectRef>
+              <a:fontRef idx="minor">
+                <a:schemeClr val="tx1"/>
+              </a:fontRef>
+            </p:style>
+          </p:cxnSp>
+          <p:pic>
+            <p:nvPicPr>
+              <p:cNvPr id="7" name="Picture 6">
+                <a:extLst>
+                  <a:ext uri="{FF2B5EF4-FFF2-40B4-BE49-F238E27FC236}">
+                    <a16:creationId xmlns:a16="http://schemas.microsoft.com/office/drawing/2014/main" id="{D7DE8A44-D189-5F0E-3BC0-16CDE22F27A2}"/>
+                  </a:ext>
+                </a:extLst>
+              </p:cNvPr>
+              <p:cNvPicPr>
+                <a:picLocks noChangeAspect="1"/>
+              </p:cNvPicPr>
+              <p:nvPr/>
+            </p:nvPicPr>
+            <p:blipFill rotWithShape="1">
+              <a:blip r:embed="rId2">
+                <a:extLst>
+                  <a:ext uri="{28A0092B-C50C-407E-A947-70E740481C1C}">
+                    <a14:useLocalDpi xmlns:a14="http://schemas.microsoft.com/office/drawing/2010/main" val="0"/>
+                  </a:ext>
+                </a:extLst>
+              </a:blip>
+              <a:srcRect l="25333" t="21466" r="51467" b="3466"/>
+              <a:stretch/>
+            </p:blipFill>
+            <p:spPr bwMode="auto">
+              <a:xfrm>
+                <a:off x="1734207" y="1873248"/>
+                <a:ext cx="480818" cy="1555750"/>
+              </a:xfrm>
+              <a:prstGeom prst="rect">
+                <a:avLst/>
+              </a:prstGeom>
+              <a:ln>
+                <a:noFill/>
+              </a:ln>
+              <a:extLst>
+                <a:ext uri="{53640926-AAD7-44D8-BBD7-CCE9431645EC}">
+                  <a14:shadowObscured xmlns:a14="http://schemas.microsoft.com/office/drawing/2010/main"/>
+                </a:ext>
+              </a:extLst>
+            </p:spPr>
+          </p:pic>
+          <p:cxnSp>
+            <p:nvCxnSpPr>
+              <p:cNvPr id="9" name="Straight Arrow Connector 8">
+                <a:extLst>
+                  <a:ext uri="{FF2B5EF4-FFF2-40B4-BE49-F238E27FC236}">
+                    <a16:creationId xmlns:a16="http://schemas.microsoft.com/office/drawing/2014/main" id="{BA4B8D28-DE18-9A9C-5497-B788FEE88C23}"/>
+                  </a:ext>
+                </a:extLst>
+              </p:cNvPr>
+              <p:cNvCxnSpPr>
+                <a:stCxn id="7" idx="0"/>
+                <a:endCxn id="2" idx="1"/>
+              </p:cNvCxnSpPr>
+              <p:nvPr/>
+            </p:nvCxnSpPr>
+            <p:spPr>
+              <a:xfrm>
+                <a:off x="1974616" y="1873248"/>
+                <a:ext cx="3847486" cy="17341"/>
+              </a:xfrm>
+              <a:prstGeom prst="straightConnector1">
+                <a:avLst/>
+              </a:prstGeom>
+              <a:ln w="50800">
+                <a:solidFill>
+                  <a:srgbClr val="FFFF00"/>
+                </a:solidFill>
+                <a:tailEnd type="triangle"/>
+              </a:ln>
+            </p:spPr>
+            <p:style>
+              <a:lnRef idx="1">
+                <a:schemeClr val="accent1"/>
+              </a:lnRef>
+              <a:fillRef idx="0">
+                <a:schemeClr val="accent1"/>
+              </a:fillRef>
+              <a:effectRef idx="0">
+                <a:schemeClr val="accent1"/>
+              </a:effectRef>
+              <a:fontRef idx="minor">
+                <a:schemeClr val="tx1"/>
+              </a:fontRef>
+            </p:style>
+          </p:cxnSp>
+          <p:sp>
+            <p:nvSpPr>
+              <p:cNvPr id="14" name="Flowchart: Connector 13">
+                <a:extLst>
+                  <a:ext uri="{FF2B5EF4-FFF2-40B4-BE49-F238E27FC236}">
+                    <a16:creationId xmlns:a16="http://schemas.microsoft.com/office/drawing/2014/main" id="{6051DA6A-6C38-899E-1BFC-17EE8359900F}"/>
+                  </a:ext>
+                </a:extLst>
+              </p:cNvPr>
+              <p:cNvSpPr/>
+              <p:nvPr/>
+            </p:nvSpPr>
+            <p:spPr>
+              <a:xfrm>
+                <a:off x="4134417" y="3356767"/>
+                <a:ext cx="144000" cy="144463"/>
+              </a:xfrm>
+              <a:prstGeom prst="flowChartConnector">
+                <a:avLst/>
+              </a:prstGeom>
+              <a:solidFill>
+                <a:srgbClr val="FFC000"/>
+              </a:solidFill>
+            </p:spPr>
+            <p:style>
+              <a:lnRef idx="2">
+                <a:schemeClr val="accent1">
+                  <a:shade val="15000"/>
+                </a:schemeClr>
+              </a:lnRef>
+              <a:fillRef idx="1">
+                <a:schemeClr val="accent1"/>
+              </a:fillRef>
+              <a:effectRef idx="0">
+                <a:schemeClr val="accent1"/>
+              </a:effectRef>
+              <a:fontRef idx="minor">
+                <a:schemeClr val="lt1"/>
+              </a:fontRef>
+            </p:style>
+            <p:txBody>
+              <a:bodyPr rtlCol="0" anchor="ctr"/>
+              <a:lstStyle/>
+              <a:p>
+                <a:pPr algn="ctr"/>
+                <a:endParaRPr lang="en-ID"/>
+              </a:p>
+            </p:txBody>
+          </p:sp>
+          <p:sp>
+            <p:nvSpPr>
+              <p:cNvPr id="15" name="TextBox 14">
+                <a:extLst>
+                  <a:ext uri="{FF2B5EF4-FFF2-40B4-BE49-F238E27FC236}">
+                    <a16:creationId xmlns:a16="http://schemas.microsoft.com/office/drawing/2014/main" id="{326FC9E5-027D-F94A-E937-F920614BD874}"/>
+                  </a:ext>
+                </a:extLst>
+              </p:cNvPr>
+              <p:cNvSpPr txBox="1"/>
+              <p:nvPr/>
+            </p:nvSpPr>
+            <p:spPr>
+              <a:xfrm>
+                <a:off x="4041395" y="3558714"/>
+                <a:ext cx="360594" cy="369322"/>
+              </a:xfrm>
+              <a:prstGeom prst="rect">
+                <a:avLst/>
+              </a:prstGeom>
+              <a:noFill/>
+            </p:spPr>
+            <p:txBody>
+              <a:bodyPr wrap="square" rtlCol="0">
+                <a:spAutoFit/>
+              </a:bodyPr>
+              <a:lstStyle/>
+              <a:p>
+                <a:pPr algn="ctr"/>
+                <a:r>
+                  <a:rPr lang="en-US" dirty="0">
+                    <a:solidFill>
+                      <a:schemeClr val="bg1"/>
+                    </a:solidFill>
+                    <a:latin typeface="Times New Roman" panose="02020603050405020304" pitchFamily="18" charset="0"/>
+                    <a:cs typeface="Times New Roman" panose="02020603050405020304" pitchFamily="18" charset="0"/>
+                  </a:rPr>
+                  <a:t>F</a:t>
+                </a:r>
+                <a:endParaRPr lang="en-ID" dirty="0">
+                  <a:solidFill>
+                    <a:schemeClr val="bg1"/>
+                  </a:solidFill>
+                  <a:latin typeface="Times New Roman" panose="02020603050405020304" pitchFamily="18" charset="0"/>
+                  <a:cs typeface="Times New Roman" panose="02020603050405020304" pitchFamily="18" charset="0"/>
+                </a:endParaRPr>
+              </a:p>
+            </p:txBody>
+          </p:sp>
+          <p:sp>
+            <p:nvSpPr>
+              <p:cNvPr id="17" name="Flowchart: Connector 16">
+                <a:extLst>
+                  <a:ext uri="{FF2B5EF4-FFF2-40B4-BE49-F238E27FC236}">
+                    <a16:creationId xmlns:a16="http://schemas.microsoft.com/office/drawing/2014/main" id="{CAAFEAFC-7009-E48A-8984-DF74C87E1892}"/>
+                  </a:ext>
+                </a:extLst>
+              </p:cNvPr>
+              <p:cNvSpPr/>
+              <p:nvPr/>
+            </p:nvSpPr>
+            <p:spPr>
+              <a:xfrm>
+                <a:off x="2364717" y="3356767"/>
+                <a:ext cx="144000" cy="144463"/>
+              </a:xfrm>
+              <a:prstGeom prst="flowChartConnector">
+                <a:avLst/>
+              </a:prstGeom>
+              <a:solidFill>
+                <a:srgbClr val="FFC000"/>
+              </a:solidFill>
+            </p:spPr>
+            <p:style>
+              <a:lnRef idx="2">
+                <a:schemeClr val="accent1">
+                  <a:shade val="15000"/>
+                </a:schemeClr>
+              </a:lnRef>
+              <a:fillRef idx="1">
+                <a:schemeClr val="accent1"/>
+              </a:fillRef>
+              <a:effectRef idx="0">
+                <a:schemeClr val="accent1"/>
+              </a:effectRef>
+              <a:fontRef idx="minor">
+                <a:schemeClr val="lt1"/>
+              </a:fontRef>
+            </p:style>
+            <p:txBody>
+              <a:bodyPr rtlCol="0" anchor="ctr"/>
+              <a:lstStyle/>
+              <a:p>
+                <a:pPr algn="ctr"/>
+                <a:endParaRPr lang="en-ID"/>
+              </a:p>
+            </p:txBody>
+          </p:sp>
+          <p:sp>
+            <p:nvSpPr>
+              <p:cNvPr id="18" name="TextBox 17">
+                <a:extLst>
+                  <a:ext uri="{FF2B5EF4-FFF2-40B4-BE49-F238E27FC236}">
+                    <a16:creationId xmlns:a16="http://schemas.microsoft.com/office/drawing/2014/main" id="{2FC1D997-E8C3-31D0-F21D-A8CAF8E8CEBA}"/>
+                  </a:ext>
+                </a:extLst>
+              </p:cNvPr>
+              <p:cNvSpPr txBox="1"/>
+              <p:nvPr/>
+            </p:nvSpPr>
+            <p:spPr>
+              <a:xfrm>
+                <a:off x="2181574" y="3573463"/>
+                <a:ext cx="519710" cy="369332"/>
+              </a:xfrm>
+              <a:prstGeom prst="rect">
+                <a:avLst/>
+              </a:prstGeom>
+              <a:noFill/>
+            </p:spPr>
+            <p:txBody>
+              <a:bodyPr wrap="square" rtlCol="0">
+                <a:spAutoFit/>
+              </a:bodyPr>
+              <a:lstStyle/>
+              <a:p>
+                <a:pPr algn="ctr"/>
+                <a:r>
+                  <a:rPr lang="en-US" dirty="0">
+                    <a:solidFill>
+                      <a:schemeClr val="bg1"/>
+                    </a:solidFill>
+                    <a:latin typeface="Times New Roman" panose="02020603050405020304" pitchFamily="18" charset="0"/>
+                    <a:cs typeface="Times New Roman" panose="02020603050405020304" pitchFamily="18" charset="0"/>
+                  </a:rPr>
+                  <a:t>2F</a:t>
+                </a:r>
+                <a:endParaRPr lang="en-ID" dirty="0">
+                  <a:solidFill>
+                    <a:schemeClr val="bg1"/>
+                  </a:solidFill>
+                  <a:latin typeface="Times New Roman" panose="02020603050405020304" pitchFamily="18" charset="0"/>
+                  <a:cs typeface="Times New Roman" panose="02020603050405020304" pitchFamily="18" charset="0"/>
+                </a:endParaRPr>
+              </a:p>
+            </p:txBody>
+          </p:sp>
+          <p:sp>
+            <p:nvSpPr>
+              <p:cNvPr id="20" name="TextBox 19">
+                <a:extLst>
+                  <a:ext uri="{FF2B5EF4-FFF2-40B4-BE49-F238E27FC236}">
+                    <a16:creationId xmlns:a16="http://schemas.microsoft.com/office/drawing/2014/main" id="{C40F2C65-2A3C-7CA6-1FE1-7B10FB34AF24}"/>
+                  </a:ext>
+                </a:extLst>
+              </p:cNvPr>
+              <p:cNvSpPr txBox="1"/>
+              <p:nvPr/>
+            </p:nvSpPr>
+            <p:spPr>
+              <a:xfrm>
+                <a:off x="7941224" y="3558714"/>
+                <a:ext cx="360594" cy="369322"/>
+              </a:xfrm>
+              <a:prstGeom prst="rect">
+                <a:avLst/>
+              </a:prstGeom>
+              <a:noFill/>
+            </p:spPr>
+            <p:txBody>
+              <a:bodyPr wrap="square" rtlCol="0">
+                <a:spAutoFit/>
+              </a:bodyPr>
+              <a:lstStyle/>
+              <a:p>
+                <a:pPr algn="ctr"/>
+                <a:r>
+                  <a:rPr lang="en-US" dirty="0">
+                    <a:solidFill>
+                      <a:schemeClr val="bg1"/>
+                    </a:solidFill>
+                    <a:latin typeface="Times New Roman" panose="02020603050405020304" pitchFamily="18" charset="0"/>
+                    <a:cs typeface="Times New Roman" panose="02020603050405020304" pitchFamily="18" charset="0"/>
+                  </a:rPr>
+                  <a:t>F</a:t>
+                </a:r>
+                <a:endParaRPr lang="en-ID" dirty="0">
+                  <a:solidFill>
+                    <a:schemeClr val="bg1"/>
+                  </a:solidFill>
+                  <a:latin typeface="Times New Roman" panose="02020603050405020304" pitchFamily="18" charset="0"/>
+                  <a:cs typeface="Times New Roman" panose="02020603050405020304" pitchFamily="18" charset="0"/>
+                </a:endParaRPr>
+              </a:p>
+            </p:txBody>
+          </p:sp>
+          <p:cxnSp>
+            <p:nvCxnSpPr>
+              <p:cNvPr id="22" name="Straight Arrow Connector 21">
+                <a:extLst>
+                  <a:ext uri="{FF2B5EF4-FFF2-40B4-BE49-F238E27FC236}">
+                    <a16:creationId xmlns:a16="http://schemas.microsoft.com/office/drawing/2014/main" id="{CD7631CC-6F70-B194-3764-058DF4945E92}"/>
+                  </a:ext>
+                </a:extLst>
+              </p:cNvPr>
+              <p:cNvCxnSpPr>
+                <a:cxnSpLocks/>
+                <a:stCxn id="2" idx="7"/>
+                <a:endCxn id="45" idx="0"/>
+              </p:cNvCxnSpPr>
+              <p:nvPr/>
+            </p:nvCxnSpPr>
+            <p:spPr>
+              <a:xfrm>
+                <a:off x="6369898" y="1890589"/>
+                <a:ext cx="3029805" cy="2698900"/>
+              </a:xfrm>
+              <a:prstGeom prst="straightConnector1">
+                <a:avLst/>
+              </a:prstGeom>
+              <a:ln w="50800">
+                <a:solidFill>
+                  <a:srgbClr val="FFFF00"/>
+                </a:solidFill>
+                <a:tailEnd type="triangle"/>
+              </a:ln>
+            </p:spPr>
+            <p:style>
+              <a:lnRef idx="1">
+                <a:schemeClr val="accent1"/>
+              </a:lnRef>
+              <a:fillRef idx="0">
+                <a:schemeClr val="accent1"/>
+              </a:fillRef>
+              <a:effectRef idx="0">
+                <a:schemeClr val="accent1"/>
+              </a:effectRef>
+              <a:fontRef idx="minor">
+                <a:schemeClr val="tx1"/>
+              </a:fontRef>
+            </p:style>
+          </p:cxnSp>
+          <p:cxnSp>
+            <p:nvCxnSpPr>
+              <p:cNvPr id="24" name="Straight Arrow Connector 23">
+                <a:extLst>
+                  <a:ext uri="{FF2B5EF4-FFF2-40B4-BE49-F238E27FC236}">
+                    <a16:creationId xmlns:a16="http://schemas.microsoft.com/office/drawing/2014/main" id="{27A54B7B-6AA3-9D55-59DC-BD7D08C80733}"/>
+                  </a:ext>
+                </a:extLst>
+              </p:cNvPr>
+              <p:cNvCxnSpPr>
+                <a:cxnSpLocks/>
+                <a:stCxn id="7" idx="0"/>
+              </p:cNvCxnSpPr>
+              <p:nvPr/>
+            </p:nvCxnSpPr>
+            <p:spPr>
+              <a:xfrm>
+                <a:off x="1974616" y="1873248"/>
+                <a:ext cx="3734034" cy="1184626"/>
+              </a:xfrm>
+              <a:prstGeom prst="straightConnector1">
+                <a:avLst/>
+              </a:prstGeom>
+              <a:ln w="50800">
+                <a:solidFill>
+                  <a:srgbClr val="FFFF00"/>
+                </a:solidFill>
+                <a:tailEnd type="triangle"/>
+              </a:ln>
+            </p:spPr>
+            <p:style>
+              <a:lnRef idx="1">
+                <a:schemeClr val="accent1"/>
+              </a:lnRef>
+              <a:fillRef idx="0">
+                <a:schemeClr val="accent1"/>
+              </a:fillRef>
+              <a:effectRef idx="0">
+                <a:schemeClr val="accent1"/>
+              </a:effectRef>
+              <a:fontRef idx="minor">
+                <a:schemeClr val="tx1"/>
+              </a:fontRef>
+            </p:style>
+          </p:cxnSp>
+          <p:cxnSp>
+            <p:nvCxnSpPr>
+              <p:cNvPr id="31" name="Straight Arrow Connector 30">
+                <a:extLst>
+                  <a:ext uri="{FF2B5EF4-FFF2-40B4-BE49-F238E27FC236}">
+                    <a16:creationId xmlns:a16="http://schemas.microsoft.com/office/drawing/2014/main" id="{8A365A0A-AC98-8FC2-FAEC-9E2F99625642}"/>
+                  </a:ext>
+                </a:extLst>
+              </p:cNvPr>
+              <p:cNvCxnSpPr>
+                <a:cxnSpLocks/>
+                <a:stCxn id="2" idx="6"/>
+                <a:endCxn id="45" idx="0"/>
+              </p:cNvCxnSpPr>
+              <p:nvPr/>
+            </p:nvCxnSpPr>
+            <p:spPr>
+              <a:xfrm>
+                <a:off x="6483350" y="3429000"/>
+                <a:ext cx="2916353" cy="1160489"/>
+              </a:xfrm>
+              <a:prstGeom prst="straightConnector1">
+                <a:avLst/>
+              </a:prstGeom>
+              <a:ln w="50800">
+                <a:solidFill>
+                  <a:srgbClr val="FFFF00"/>
+                </a:solidFill>
+                <a:tailEnd type="triangle"/>
+              </a:ln>
+            </p:spPr>
+            <p:style>
+              <a:lnRef idx="1">
+                <a:schemeClr val="accent1"/>
+              </a:lnRef>
+              <a:fillRef idx="0">
+                <a:schemeClr val="accent1"/>
+              </a:fillRef>
+              <a:effectRef idx="0">
+                <a:schemeClr val="accent1"/>
+              </a:effectRef>
+              <a:fontRef idx="minor">
+                <a:schemeClr val="tx1"/>
+              </a:fontRef>
+            </p:style>
+          </p:cxnSp>
+          <p:cxnSp>
+            <p:nvCxnSpPr>
+              <p:cNvPr id="36" name="Straight Arrow Connector 35">
+                <a:extLst>
+                  <a:ext uri="{FF2B5EF4-FFF2-40B4-BE49-F238E27FC236}">
+                    <a16:creationId xmlns:a16="http://schemas.microsoft.com/office/drawing/2014/main" id="{22D7E75C-9721-F04D-7F81-A2D89C43E564}"/>
+                  </a:ext>
+                </a:extLst>
+              </p:cNvPr>
+              <p:cNvCxnSpPr>
+                <a:cxnSpLocks/>
+                <a:stCxn id="7" idx="0"/>
+              </p:cNvCxnSpPr>
+              <p:nvPr/>
+            </p:nvCxnSpPr>
+            <p:spPr>
+              <a:xfrm>
+                <a:off x="1974616" y="1873248"/>
+                <a:ext cx="3776075" cy="2593649"/>
+              </a:xfrm>
+              <a:prstGeom prst="straightConnector1">
+                <a:avLst/>
+              </a:prstGeom>
+              <a:ln w="50800">
+                <a:solidFill>
+                  <a:srgbClr val="FFFF00"/>
+                </a:solidFill>
+                <a:tailEnd type="triangle"/>
+              </a:ln>
+            </p:spPr>
+            <p:style>
+              <a:lnRef idx="1">
+                <a:schemeClr val="accent1"/>
+              </a:lnRef>
+              <a:fillRef idx="0">
+                <a:schemeClr val="accent1"/>
+              </a:fillRef>
+              <a:effectRef idx="0">
+                <a:schemeClr val="accent1"/>
+              </a:effectRef>
+              <a:fontRef idx="minor">
+                <a:schemeClr val="tx1"/>
+              </a:fontRef>
+            </p:style>
+          </p:cxnSp>
+          <p:cxnSp>
+            <p:nvCxnSpPr>
+              <p:cNvPr id="43" name="Straight Arrow Connector 42">
+                <a:extLst>
+                  <a:ext uri="{FF2B5EF4-FFF2-40B4-BE49-F238E27FC236}">
+                    <a16:creationId xmlns:a16="http://schemas.microsoft.com/office/drawing/2014/main" id="{4F509DC9-F07F-916C-6C8C-83FBAE72377C}"/>
+                  </a:ext>
+                </a:extLst>
+              </p:cNvPr>
+              <p:cNvCxnSpPr>
+                <a:cxnSpLocks/>
+                <a:endCxn id="45" idx="0"/>
+              </p:cNvCxnSpPr>
+              <p:nvPr/>
+            </p:nvCxnSpPr>
+            <p:spPr>
+              <a:xfrm>
+                <a:off x="6438352" y="4542324"/>
+                <a:ext cx="2961351" cy="47165"/>
+              </a:xfrm>
+              <a:prstGeom prst="straightConnector1">
+                <a:avLst/>
+              </a:prstGeom>
+              <a:ln w="50800">
+                <a:solidFill>
+                  <a:srgbClr val="FFFF00"/>
+                </a:solidFill>
+                <a:tailEnd type="triangle"/>
+              </a:ln>
+            </p:spPr>
+            <p:style>
+              <a:lnRef idx="1">
+                <a:schemeClr val="accent1"/>
+              </a:lnRef>
+              <a:fillRef idx="0">
+                <a:schemeClr val="accent1"/>
+              </a:fillRef>
+              <a:effectRef idx="0">
+                <a:schemeClr val="accent1"/>
+              </a:effectRef>
+              <a:fontRef idx="minor">
+                <a:schemeClr val="tx1"/>
+              </a:fontRef>
+            </p:style>
+          </p:cxnSp>
+          <p:pic>
+            <p:nvPicPr>
+              <p:cNvPr id="45" name="Picture 44">
+                <a:extLst>
+                  <a:ext uri="{FF2B5EF4-FFF2-40B4-BE49-F238E27FC236}">
+                    <a16:creationId xmlns:a16="http://schemas.microsoft.com/office/drawing/2014/main" id="{286AE151-347A-8374-7A1D-56970007B809}"/>
+                  </a:ext>
+                </a:extLst>
+              </p:cNvPr>
+              <p:cNvPicPr>
+                <a:picLocks noChangeAspect="1"/>
+              </p:cNvPicPr>
+              <p:nvPr/>
+            </p:nvPicPr>
+            <p:blipFill rotWithShape="1">
+              <a:blip r:embed="rId2">
+                <a:extLst>
+                  <a:ext uri="{28A0092B-C50C-407E-A947-70E740481C1C}">
+                    <a14:useLocalDpi xmlns:a14="http://schemas.microsoft.com/office/drawing/2010/main" val="0"/>
+                  </a:ext>
+                </a:extLst>
+              </a:blip>
+              <a:srcRect l="53200" t="24266" r="26533" b="10400"/>
+              <a:stretch/>
+            </p:blipFill>
+            <p:spPr bwMode="auto">
+              <a:xfrm flipV="1">
+                <a:off x="9219708" y="3428996"/>
+                <a:ext cx="359990" cy="1160493"/>
+              </a:xfrm>
+              <a:prstGeom prst="rect">
+                <a:avLst/>
+              </a:prstGeom>
+              <a:ln>
+                <a:noFill/>
+              </a:ln>
+              <a:extLst>
+                <a:ext uri="{53640926-AAD7-44D8-BBD7-CCE9431645EC}">
+                  <a14:shadowObscured xmlns:a14="http://schemas.microsoft.com/office/drawing/2010/main"/>
+                </a:ext>
+              </a:extLst>
+            </p:spPr>
+          </p:pic>
+          <p:sp>
+            <p:nvSpPr>
+              <p:cNvPr id="56" name="Flowchart: Connector 55">
+                <a:extLst>
+                  <a:ext uri="{FF2B5EF4-FFF2-40B4-BE49-F238E27FC236}">
+                    <a16:creationId xmlns:a16="http://schemas.microsoft.com/office/drawing/2014/main" id="{39167B34-BB00-C742-6796-337E2697DC31}"/>
+                  </a:ext>
+                </a:extLst>
+              </p:cNvPr>
+              <p:cNvSpPr/>
+              <p:nvPr/>
+            </p:nvSpPr>
+            <p:spPr>
+              <a:xfrm>
+                <a:off x="9640408" y="3356767"/>
+                <a:ext cx="144000" cy="144463"/>
+              </a:xfrm>
+              <a:prstGeom prst="flowChartConnector">
+                <a:avLst/>
+              </a:prstGeom>
+              <a:solidFill>
+                <a:srgbClr val="FFC000"/>
+              </a:solidFill>
+            </p:spPr>
+            <p:style>
+              <a:lnRef idx="2">
+                <a:schemeClr val="accent1">
+                  <a:shade val="15000"/>
+                </a:schemeClr>
+              </a:lnRef>
+              <a:fillRef idx="1">
+                <a:schemeClr val="accent1"/>
+              </a:fillRef>
+              <a:effectRef idx="0">
+                <a:schemeClr val="accent1"/>
+              </a:effectRef>
+              <a:fontRef idx="minor">
+                <a:schemeClr val="lt1"/>
+              </a:fontRef>
+            </p:style>
+            <p:txBody>
+              <a:bodyPr rtlCol="0" anchor="ctr"/>
+              <a:lstStyle/>
+              <a:p>
+                <a:pPr algn="ctr"/>
+                <a:endParaRPr lang="en-ID"/>
+              </a:p>
+            </p:txBody>
+          </p:sp>
+          <p:sp>
+            <p:nvSpPr>
+              <p:cNvPr id="57" name="TextBox 56">
+                <a:extLst>
+                  <a:ext uri="{FF2B5EF4-FFF2-40B4-BE49-F238E27FC236}">
+                    <a16:creationId xmlns:a16="http://schemas.microsoft.com/office/drawing/2014/main" id="{2BC6ED32-52E3-5DA8-3283-57E44EE6CCC9}"/>
+                  </a:ext>
+                </a:extLst>
+              </p:cNvPr>
+              <p:cNvSpPr txBox="1"/>
+              <p:nvPr/>
+            </p:nvSpPr>
+            <p:spPr>
+              <a:xfrm>
+                <a:off x="9457265" y="3573463"/>
+                <a:ext cx="519710" cy="369332"/>
+              </a:xfrm>
+              <a:prstGeom prst="rect">
+                <a:avLst/>
+              </a:prstGeom>
+              <a:noFill/>
+            </p:spPr>
+            <p:txBody>
+              <a:bodyPr wrap="square" rtlCol="0">
+                <a:spAutoFit/>
+              </a:bodyPr>
+              <a:lstStyle/>
+              <a:p>
+                <a:pPr algn="ctr"/>
+                <a:r>
+                  <a:rPr lang="en-US" dirty="0">
+                    <a:solidFill>
+                      <a:schemeClr val="bg1"/>
+                    </a:solidFill>
+                    <a:latin typeface="Times New Roman" panose="02020603050405020304" pitchFamily="18" charset="0"/>
+                    <a:cs typeface="Times New Roman" panose="02020603050405020304" pitchFamily="18" charset="0"/>
+                  </a:rPr>
+                  <a:t>2F</a:t>
+                </a:r>
+                <a:endParaRPr lang="en-ID" dirty="0">
+                  <a:solidFill>
+                    <a:schemeClr val="bg1"/>
+                  </a:solidFill>
+                  <a:latin typeface="Times New Roman" panose="02020603050405020304" pitchFamily="18" charset="0"/>
+                  <a:cs typeface="Times New Roman" panose="02020603050405020304" pitchFamily="18" charset="0"/>
+                </a:endParaRPr>
+              </a:p>
+            </p:txBody>
+          </p:sp>
+          <p:sp>
+            <p:nvSpPr>
+              <p:cNvPr id="3" name="TextBox 2">
+                <a:extLst>
+                  <a:ext uri="{FF2B5EF4-FFF2-40B4-BE49-F238E27FC236}">
+                    <a16:creationId xmlns:a16="http://schemas.microsoft.com/office/drawing/2014/main" id="{692E7BBB-4AF2-7C23-4250-F81E39033AF7}"/>
+                  </a:ext>
+                </a:extLst>
+              </p:cNvPr>
+              <p:cNvSpPr txBox="1"/>
+              <p:nvPr/>
+            </p:nvSpPr>
+            <p:spPr>
+              <a:xfrm>
+                <a:off x="8199222" y="2877904"/>
+                <a:ext cx="1761224" cy="369332"/>
+              </a:xfrm>
+              <a:prstGeom prst="rect">
+                <a:avLst/>
+              </a:prstGeom>
+              <a:noFill/>
+            </p:spPr>
+            <p:txBody>
+              <a:bodyPr wrap="square" rtlCol="0">
+                <a:spAutoFit/>
+              </a:bodyPr>
+              <a:lstStyle/>
+              <a:p>
+                <a:pPr algn="ctr"/>
+                <a:r>
+                  <a:rPr lang="en-US" dirty="0" err="1">
+                    <a:solidFill>
+                      <a:schemeClr val="bg1"/>
+                    </a:solidFill>
+                    <a:latin typeface="Times New Roman" panose="02020603050405020304" pitchFamily="18" charset="0"/>
+                    <a:cs typeface="Times New Roman" panose="02020603050405020304" pitchFamily="18" charset="0"/>
+                  </a:rPr>
+                  <a:t>Sumbu</a:t>
+                </a:r>
+                <a:r>
+                  <a:rPr lang="en-US" dirty="0">
+                    <a:solidFill>
+                      <a:schemeClr val="bg1"/>
+                    </a:solidFill>
+                    <a:latin typeface="Times New Roman" panose="02020603050405020304" pitchFamily="18" charset="0"/>
+                    <a:cs typeface="Times New Roman" panose="02020603050405020304" pitchFamily="18" charset="0"/>
+                  </a:rPr>
+                  <a:t> Utama</a:t>
+                </a:r>
+                <a:endParaRPr lang="en-ID" dirty="0">
+                  <a:solidFill>
+                    <a:schemeClr val="bg1"/>
+                  </a:solidFill>
+                  <a:latin typeface="Times New Roman" panose="02020603050405020304" pitchFamily="18" charset="0"/>
+                  <a:cs typeface="Times New Roman" panose="02020603050405020304" pitchFamily="18" charset="0"/>
+                </a:endParaRPr>
+              </a:p>
+            </p:txBody>
+          </p:sp>
+          <p:sp>
+            <p:nvSpPr>
+              <p:cNvPr id="4" name="TextBox 3">
+                <a:extLst>
+                  <a:ext uri="{FF2B5EF4-FFF2-40B4-BE49-F238E27FC236}">
+                    <a16:creationId xmlns:a16="http://schemas.microsoft.com/office/drawing/2014/main" id="{449D3761-F891-AD91-34C6-E249A6A3CBCA}"/>
+                  </a:ext>
+                </a:extLst>
+              </p:cNvPr>
+              <p:cNvSpPr txBox="1"/>
+              <p:nvPr/>
+            </p:nvSpPr>
+            <p:spPr>
+              <a:xfrm>
+                <a:off x="1031073" y="1443642"/>
+                <a:ext cx="1761224" cy="369332"/>
+              </a:xfrm>
+              <a:prstGeom prst="rect">
+                <a:avLst/>
+              </a:prstGeom>
+              <a:noFill/>
+            </p:spPr>
+            <p:txBody>
+              <a:bodyPr wrap="square" rtlCol="0">
+                <a:spAutoFit/>
+              </a:bodyPr>
+              <a:lstStyle/>
+              <a:p>
+                <a:pPr algn="ctr"/>
+                <a:r>
+                  <a:rPr lang="en-US" dirty="0" err="1">
+                    <a:solidFill>
+                      <a:schemeClr val="bg1"/>
+                    </a:solidFill>
+                    <a:latin typeface="Times New Roman" panose="02020603050405020304" pitchFamily="18" charset="0"/>
+                    <a:cs typeface="Times New Roman" panose="02020603050405020304" pitchFamily="18" charset="0"/>
+                  </a:rPr>
+                  <a:t>Objek</a:t>
+                </a:r>
+                <a:endParaRPr lang="en-ID" dirty="0">
+                  <a:solidFill>
+                    <a:schemeClr val="bg1"/>
+                  </a:solidFill>
+                  <a:latin typeface="Times New Roman" panose="02020603050405020304" pitchFamily="18" charset="0"/>
+                  <a:cs typeface="Times New Roman" panose="02020603050405020304" pitchFamily="18" charset="0"/>
+                </a:endParaRPr>
+              </a:p>
+            </p:txBody>
+          </p:sp>
+          <p:sp>
+            <p:nvSpPr>
+              <p:cNvPr id="8" name="TextBox 7">
+                <a:extLst>
+                  <a:ext uri="{FF2B5EF4-FFF2-40B4-BE49-F238E27FC236}">
+                    <a16:creationId xmlns:a16="http://schemas.microsoft.com/office/drawing/2014/main" id="{7BA4F0DF-E37F-E227-4EE8-092AD24842A6}"/>
+                  </a:ext>
+                </a:extLst>
+              </p:cNvPr>
+              <p:cNvSpPr txBox="1"/>
+              <p:nvPr/>
+            </p:nvSpPr>
+            <p:spPr>
+              <a:xfrm>
+                <a:off x="8456160" y="4727732"/>
+                <a:ext cx="1761224" cy="369332"/>
+              </a:xfrm>
+              <a:prstGeom prst="rect">
+                <a:avLst/>
+              </a:prstGeom>
+              <a:noFill/>
+            </p:spPr>
+            <p:txBody>
+              <a:bodyPr wrap="square" rtlCol="0">
+                <a:spAutoFit/>
+              </a:bodyPr>
+              <a:lstStyle/>
+              <a:p>
+                <a:pPr algn="ctr"/>
+                <a:r>
+                  <a:rPr lang="en-US" dirty="0" err="1">
+                    <a:solidFill>
+                      <a:schemeClr val="bg1"/>
+                    </a:solidFill>
+                    <a:latin typeface="Times New Roman" panose="02020603050405020304" pitchFamily="18" charset="0"/>
+                    <a:cs typeface="Times New Roman" panose="02020603050405020304" pitchFamily="18" charset="0"/>
+                  </a:rPr>
+                  <a:t>Bayangan</a:t>
+                </a:r>
+                <a:endParaRPr lang="en-ID" dirty="0">
+                  <a:solidFill>
+                    <a:schemeClr val="bg1"/>
+                  </a:solidFill>
+                  <a:latin typeface="Times New Roman" panose="02020603050405020304" pitchFamily="18" charset="0"/>
+                  <a:cs typeface="Times New Roman" panose="02020603050405020304" pitchFamily="18" charset="0"/>
+                </a:endParaRPr>
+              </a:p>
+            </p:txBody>
+          </p:sp>
+        </p:grpSp>
+      </p:grpSp>
+    </p:spTree>
+    <p:extLst>
+      <p:ext uri="{BB962C8B-B14F-4D97-AF65-F5344CB8AC3E}">
+        <p14:creationId xmlns:p14="http://schemas.microsoft.com/office/powerpoint/2010/main" val="2351924824"/>
+      </p:ext>
+    </p:extLst>
+  </p:cSld>
+  <p:clrMapOvr>
+    <a:masterClrMapping/>
+  </p:clrMapOvr>
+</p:sld>
+</file>
+
+<file path=ppt/slides/slide7.xml><?xml version="1.0" encoding="utf-8"?>
+<p:sld xmlns:a="http://schemas.openxmlformats.org/drawingml/2006/main" xmlns:r="http://schemas.openxmlformats.org/officeDocument/2006/relationships" xmlns:p="http://schemas.openxmlformats.org/presentationml/2006/main">
+  <p:cSld>
+    <p:spTree>
+      <p:nvGrpSpPr>
+        <p:cNvPr id="1" name=""/>
+        <p:cNvGrpSpPr/>
+        <p:nvPr/>
+      </p:nvGrpSpPr>
+      <p:grpSpPr>
+        <a:xfrm>
+          <a:off x="0" y="0"/>
+          <a:ext cx="0" cy="0"/>
+          <a:chOff x="0" y="0"/>
+          <a:chExt cx="0" cy="0"/>
+        </a:xfrm>
+      </p:grpSpPr>
+      <p:grpSp>
+        <p:nvGrpSpPr>
+          <p:cNvPr id="61" name="Group 60">
+            <a:extLst>
+              <a:ext uri="{FF2B5EF4-FFF2-40B4-BE49-F238E27FC236}">
+                <a16:creationId xmlns:a16="http://schemas.microsoft.com/office/drawing/2014/main" id="{84FD5A06-E512-6A8A-6186-004D70779116}"/>
+              </a:ext>
+            </a:extLst>
+          </p:cNvPr>
+          <p:cNvGrpSpPr/>
+          <p:nvPr/>
+        </p:nvGrpSpPr>
+        <p:grpSpPr>
+          <a:xfrm>
+            <a:off x="804931" y="1253359"/>
+            <a:ext cx="9426720" cy="4351281"/>
+            <a:chOff x="1031073" y="1253359"/>
+            <a:chExt cx="9426720" cy="4351281"/>
+          </a:xfrm>
+        </p:grpSpPr>
+        <p:sp>
+          <p:nvSpPr>
+            <p:cNvPr id="19" name="Flowchart: Connector 18">
+              <a:extLst>
+                <a:ext uri="{FF2B5EF4-FFF2-40B4-BE49-F238E27FC236}">
+                  <a16:creationId xmlns:a16="http://schemas.microsoft.com/office/drawing/2014/main" id="{1A13C06F-7F98-5A6A-49CE-2EAF5ED0E3E9}"/>
+                </a:ext>
+              </a:extLst>
+            </p:cNvPr>
+            <p:cNvSpPr/>
+            <p:nvPr/>
+          </p:nvSpPr>
+          <p:spPr>
+            <a:xfrm>
+              <a:off x="8034246" y="3356767"/>
+              <a:ext cx="144000" cy="144463"/>
+            </a:xfrm>
+            <a:prstGeom prst="flowChartConnector">
+              <a:avLst/>
+            </a:prstGeom>
+            <a:solidFill>
+              <a:srgbClr val="FFC000"/>
+            </a:solidFill>
+          </p:spPr>
+          <p:style>
+            <a:lnRef idx="2">
+              <a:schemeClr val="accent1">
+                <a:shade val="15000"/>
+              </a:schemeClr>
+            </a:lnRef>
+            <a:fillRef idx="1">
+              <a:schemeClr val="accent1"/>
+            </a:fillRef>
+            <a:effectRef idx="0">
+              <a:schemeClr val="accent1"/>
+            </a:effectRef>
+            <a:fontRef idx="minor">
+              <a:schemeClr val="lt1"/>
+            </a:fontRef>
+          </p:style>
+          <p:txBody>
+            <a:bodyPr rtlCol="0" anchor="ctr"/>
+            <a:lstStyle/>
+            <a:p>
+              <a:pPr algn="ctr"/>
+              <a:endParaRPr lang="en-ID"/>
+            </a:p>
+          </p:txBody>
+        </p:sp>
+        <p:grpSp>
+          <p:nvGrpSpPr>
+            <p:cNvPr id="60" name="Group 59">
+              <a:extLst>
+                <a:ext uri="{FF2B5EF4-FFF2-40B4-BE49-F238E27FC236}">
+                  <a16:creationId xmlns:a16="http://schemas.microsoft.com/office/drawing/2014/main" id="{DE8D1383-4904-D18D-D85C-4A58210FAF53}"/>
+                </a:ext>
+              </a:extLst>
+            </p:cNvPr>
+            <p:cNvGrpSpPr/>
+            <p:nvPr/>
+          </p:nvGrpSpPr>
+          <p:grpSpPr>
+            <a:xfrm>
+              <a:off x="1031073" y="1253359"/>
+              <a:ext cx="9426720" cy="4351281"/>
+              <a:chOff x="1031073" y="1253359"/>
+              <a:chExt cx="9426720" cy="4351281"/>
+            </a:xfrm>
+          </p:grpSpPr>
+          <p:sp>
+            <p:nvSpPr>
+              <p:cNvPr id="2" name="Oval 1">
+                <a:extLst>
+                  <a:ext uri="{FF2B5EF4-FFF2-40B4-BE49-F238E27FC236}">
+                    <a16:creationId xmlns:a16="http://schemas.microsoft.com/office/drawing/2014/main" id="{5D9BC32F-91A7-B37F-DE80-FEBB0DA74606}"/>
+                  </a:ext>
+                </a:extLst>
+              </p:cNvPr>
+              <p:cNvSpPr/>
+              <p:nvPr/>
+            </p:nvSpPr>
+            <p:spPr>
+              <a:xfrm>
+                <a:off x="5708650" y="1253359"/>
+                <a:ext cx="774700" cy="4351281"/>
+              </a:xfrm>
+              <a:prstGeom prst="ellipse">
+                <a:avLst/>
+              </a:prstGeom>
+              <a:gradFill>
+                <a:gsLst>
+                  <a:gs pos="43000">
+                    <a:schemeClr val="accent1"/>
+                  </a:gs>
+                  <a:gs pos="91000">
+                    <a:schemeClr val="accent1">
+                      <a:lumMod val="45000"/>
+                      <a:lumOff val="55000"/>
+                    </a:schemeClr>
+                  </a:gs>
+                  <a:gs pos="9000">
+                    <a:schemeClr val="accent1">
+                      <a:lumMod val="30000"/>
+                      <a:lumOff val="70000"/>
+                    </a:schemeClr>
+                  </a:gs>
+                </a:gsLst>
+                <a:lin ang="5400000" scaled="1"/>
+              </a:gradFill>
+            </p:spPr>
+            <p:style>
+              <a:lnRef idx="2">
+                <a:schemeClr val="accent1">
+                  <a:shade val="15000"/>
+                </a:schemeClr>
+              </a:lnRef>
+              <a:fillRef idx="1">
+                <a:schemeClr val="accent1"/>
+              </a:fillRef>
+              <a:effectRef idx="0">
+                <a:schemeClr val="accent1"/>
+              </a:effectRef>
+              <a:fontRef idx="minor">
+                <a:schemeClr val="lt1"/>
+              </a:fontRef>
+            </p:style>
+            <p:txBody>
+              <a:bodyPr rtlCol="0" anchor="ctr"/>
+              <a:lstStyle/>
+              <a:p>
+                <a:pPr algn="ctr"/>
+                <a:endParaRPr lang="en-ID" dirty="0"/>
+              </a:p>
+            </p:txBody>
+          </p:sp>
+          <p:cxnSp>
+            <p:nvCxnSpPr>
+              <p:cNvPr id="6" name="Straight Connector 5">
+                <a:extLst>
+                  <a:ext uri="{FF2B5EF4-FFF2-40B4-BE49-F238E27FC236}">
+                    <a16:creationId xmlns:a16="http://schemas.microsoft.com/office/drawing/2014/main" id="{3C1B6FA1-E876-64D0-0BD7-9CF82BAA95EF}"/>
+                  </a:ext>
+                </a:extLst>
+              </p:cNvPr>
+              <p:cNvCxnSpPr>
+                <a:cxnSpLocks/>
+              </p:cNvCxnSpPr>
+              <p:nvPr/>
+            </p:nvCxnSpPr>
+            <p:spPr>
+              <a:xfrm>
+                <a:off x="1776248" y="3429000"/>
+                <a:ext cx="8681545" cy="0"/>
+              </a:xfrm>
+              <a:prstGeom prst="line">
+                <a:avLst/>
+              </a:prstGeom>
+              <a:ln w="50800">
+                <a:solidFill>
+                  <a:srgbClr val="FF0000"/>
+                </a:solidFill>
+                <a:prstDash val="sysDash"/>
+              </a:ln>
+            </p:spPr>
+            <p:style>
+              <a:lnRef idx="1">
+                <a:schemeClr val="accent1"/>
+              </a:lnRef>
+              <a:fillRef idx="0">
+                <a:schemeClr val="accent1"/>
+              </a:fillRef>
+              <a:effectRef idx="0">
+                <a:schemeClr val="accent1"/>
+              </a:effectRef>
+              <a:fontRef idx="minor">
+                <a:schemeClr val="tx1"/>
+              </a:fontRef>
+            </p:style>
+          </p:cxnSp>
+          <p:pic>
+            <p:nvPicPr>
+              <p:cNvPr id="7" name="Picture 6">
+                <a:extLst>
+                  <a:ext uri="{FF2B5EF4-FFF2-40B4-BE49-F238E27FC236}">
+                    <a16:creationId xmlns:a16="http://schemas.microsoft.com/office/drawing/2014/main" id="{D7DE8A44-D189-5F0E-3BC0-16CDE22F27A2}"/>
+                  </a:ext>
+                </a:extLst>
+              </p:cNvPr>
+              <p:cNvPicPr>
+                <a:picLocks noChangeAspect="1"/>
+              </p:cNvPicPr>
+              <p:nvPr/>
+            </p:nvPicPr>
+            <p:blipFill rotWithShape="1">
+              <a:blip r:embed="rId2">
+                <a:extLst>
+                  <a:ext uri="{28A0092B-C50C-407E-A947-70E740481C1C}">
+                    <a14:useLocalDpi xmlns:a14="http://schemas.microsoft.com/office/drawing/2010/main" val="0"/>
+                  </a:ext>
+                </a:extLst>
+              </a:blip>
+              <a:srcRect l="25333" t="21466" r="51467" b="3466"/>
+              <a:stretch/>
+            </p:blipFill>
+            <p:spPr bwMode="auto">
+              <a:xfrm>
+                <a:off x="1734207" y="1873248"/>
+                <a:ext cx="480818" cy="1555750"/>
+              </a:xfrm>
+              <a:prstGeom prst="rect">
+                <a:avLst/>
+              </a:prstGeom>
+              <a:ln>
+                <a:noFill/>
+              </a:ln>
+              <a:extLst>
+                <a:ext uri="{53640926-AAD7-44D8-BBD7-CCE9431645EC}">
+                  <a14:shadowObscured xmlns:a14="http://schemas.microsoft.com/office/drawing/2010/main"/>
+                </a:ext>
+              </a:extLst>
+            </p:spPr>
+          </p:pic>
+          <p:cxnSp>
+            <p:nvCxnSpPr>
+              <p:cNvPr id="9" name="Straight Arrow Connector 8">
+                <a:extLst>
+                  <a:ext uri="{FF2B5EF4-FFF2-40B4-BE49-F238E27FC236}">
+                    <a16:creationId xmlns:a16="http://schemas.microsoft.com/office/drawing/2014/main" id="{BA4B8D28-DE18-9A9C-5497-B788FEE88C23}"/>
+                  </a:ext>
+                </a:extLst>
+              </p:cNvPr>
+              <p:cNvCxnSpPr>
+                <a:stCxn id="7" idx="0"/>
+                <a:endCxn id="2" idx="1"/>
+              </p:cNvCxnSpPr>
+              <p:nvPr/>
+            </p:nvCxnSpPr>
+            <p:spPr>
+              <a:xfrm>
+                <a:off x="1974616" y="1873248"/>
+                <a:ext cx="3847486" cy="17341"/>
+              </a:xfrm>
+              <a:prstGeom prst="straightConnector1">
+                <a:avLst/>
+              </a:prstGeom>
+              <a:ln w="50800">
+                <a:solidFill>
+                  <a:srgbClr val="FFFF00"/>
+                </a:solidFill>
+                <a:tailEnd type="triangle"/>
+              </a:ln>
+            </p:spPr>
+            <p:style>
+              <a:lnRef idx="1">
+                <a:schemeClr val="accent1"/>
+              </a:lnRef>
+              <a:fillRef idx="0">
+                <a:schemeClr val="accent1"/>
+              </a:fillRef>
+              <a:effectRef idx="0">
+                <a:schemeClr val="accent1"/>
+              </a:effectRef>
+              <a:fontRef idx="minor">
+                <a:schemeClr val="tx1"/>
+              </a:fontRef>
+            </p:style>
+          </p:cxnSp>
+          <p:sp>
+            <p:nvSpPr>
+              <p:cNvPr id="14" name="Flowchart: Connector 13">
+                <a:extLst>
+                  <a:ext uri="{FF2B5EF4-FFF2-40B4-BE49-F238E27FC236}">
+                    <a16:creationId xmlns:a16="http://schemas.microsoft.com/office/drawing/2014/main" id="{6051DA6A-6C38-899E-1BFC-17EE8359900F}"/>
+                  </a:ext>
+                </a:extLst>
+              </p:cNvPr>
+              <p:cNvSpPr/>
+              <p:nvPr/>
+            </p:nvSpPr>
+            <p:spPr>
+              <a:xfrm>
+                <a:off x="4134417" y="3356767"/>
+                <a:ext cx="144000" cy="144463"/>
+              </a:xfrm>
+              <a:prstGeom prst="flowChartConnector">
+                <a:avLst/>
+              </a:prstGeom>
+              <a:solidFill>
+                <a:srgbClr val="FFC000"/>
+              </a:solidFill>
+            </p:spPr>
+            <p:style>
+              <a:lnRef idx="2">
+                <a:schemeClr val="accent1">
+                  <a:shade val="15000"/>
+                </a:schemeClr>
+              </a:lnRef>
+              <a:fillRef idx="1">
+                <a:schemeClr val="accent1"/>
+              </a:fillRef>
+              <a:effectRef idx="0">
+                <a:schemeClr val="accent1"/>
+              </a:effectRef>
+              <a:fontRef idx="minor">
+                <a:schemeClr val="lt1"/>
+              </a:fontRef>
+            </p:style>
+            <p:txBody>
+              <a:bodyPr rtlCol="0" anchor="ctr"/>
+              <a:lstStyle/>
+              <a:p>
+                <a:pPr algn="ctr"/>
+                <a:endParaRPr lang="en-ID"/>
+              </a:p>
+            </p:txBody>
+          </p:sp>
+          <p:sp>
+            <p:nvSpPr>
+              <p:cNvPr id="15" name="TextBox 14">
+                <a:extLst>
+                  <a:ext uri="{FF2B5EF4-FFF2-40B4-BE49-F238E27FC236}">
+                    <a16:creationId xmlns:a16="http://schemas.microsoft.com/office/drawing/2014/main" id="{326FC9E5-027D-F94A-E937-F920614BD874}"/>
+                  </a:ext>
+                </a:extLst>
+              </p:cNvPr>
+              <p:cNvSpPr txBox="1"/>
+              <p:nvPr/>
+            </p:nvSpPr>
+            <p:spPr>
+              <a:xfrm>
+                <a:off x="4041395" y="3558714"/>
+                <a:ext cx="360594" cy="369322"/>
+              </a:xfrm>
+              <a:prstGeom prst="rect">
+                <a:avLst/>
+              </a:prstGeom>
+              <a:noFill/>
+            </p:spPr>
+            <p:txBody>
+              <a:bodyPr wrap="square" rtlCol="0">
+                <a:spAutoFit/>
+              </a:bodyPr>
+              <a:lstStyle/>
+              <a:p>
+                <a:pPr algn="ctr"/>
+                <a:r>
+                  <a:rPr lang="en-US" dirty="0">
+                    <a:solidFill>
+                      <a:schemeClr val="bg1"/>
+                    </a:solidFill>
+                    <a:latin typeface="Times New Roman" panose="02020603050405020304" pitchFamily="18" charset="0"/>
+                    <a:cs typeface="Times New Roman" panose="02020603050405020304" pitchFamily="18" charset="0"/>
+                  </a:rPr>
+                  <a:t>F</a:t>
+                </a:r>
+                <a:endParaRPr lang="en-ID" dirty="0">
+                  <a:solidFill>
+                    <a:schemeClr val="bg1"/>
+                  </a:solidFill>
+                  <a:latin typeface="Times New Roman" panose="02020603050405020304" pitchFamily="18" charset="0"/>
+                  <a:cs typeface="Times New Roman" panose="02020603050405020304" pitchFamily="18" charset="0"/>
+                </a:endParaRPr>
+              </a:p>
+            </p:txBody>
+          </p:sp>
+          <p:sp>
+            <p:nvSpPr>
+              <p:cNvPr id="17" name="Flowchart: Connector 16">
+                <a:extLst>
+                  <a:ext uri="{FF2B5EF4-FFF2-40B4-BE49-F238E27FC236}">
+                    <a16:creationId xmlns:a16="http://schemas.microsoft.com/office/drawing/2014/main" id="{CAAFEAFC-7009-E48A-8984-DF74C87E1892}"/>
+                  </a:ext>
+                </a:extLst>
+              </p:cNvPr>
+              <p:cNvSpPr/>
+              <p:nvPr/>
+            </p:nvSpPr>
+            <p:spPr>
+              <a:xfrm>
+                <a:off x="2364717" y="3356767"/>
+                <a:ext cx="144000" cy="144463"/>
+              </a:xfrm>
+              <a:prstGeom prst="flowChartConnector">
+                <a:avLst/>
+              </a:prstGeom>
+              <a:solidFill>
+                <a:srgbClr val="FFC000"/>
+              </a:solidFill>
+            </p:spPr>
+            <p:style>
+              <a:lnRef idx="2">
+                <a:schemeClr val="accent1">
+                  <a:shade val="15000"/>
+                </a:schemeClr>
+              </a:lnRef>
+              <a:fillRef idx="1">
+                <a:schemeClr val="accent1"/>
+              </a:fillRef>
+              <a:effectRef idx="0">
+                <a:schemeClr val="accent1"/>
+              </a:effectRef>
+              <a:fontRef idx="minor">
+                <a:schemeClr val="lt1"/>
+              </a:fontRef>
+            </p:style>
+            <p:txBody>
+              <a:bodyPr rtlCol="0" anchor="ctr"/>
+              <a:lstStyle/>
+              <a:p>
+                <a:pPr algn="ctr"/>
+                <a:endParaRPr lang="en-ID"/>
+              </a:p>
+            </p:txBody>
+          </p:sp>
+          <p:sp>
+            <p:nvSpPr>
+              <p:cNvPr id="18" name="TextBox 17">
+                <a:extLst>
+                  <a:ext uri="{FF2B5EF4-FFF2-40B4-BE49-F238E27FC236}">
+                    <a16:creationId xmlns:a16="http://schemas.microsoft.com/office/drawing/2014/main" id="{2FC1D997-E8C3-31D0-F21D-A8CAF8E8CEBA}"/>
+                  </a:ext>
+                </a:extLst>
+              </p:cNvPr>
+              <p:cNvSpPr txBox="1"/>
+              <p:nvPr/>
+            </p:nvSpPr>
+            <p:spPr>
+              <a:xfrm>
+                <a:off x="2181574" y="3573463"/>
+                <a:ext cx="519710" cy="369332"/>
+              </a:xfrm>
+              <a:prstGeom prst="rect">
+                <a:avLst/>
+              </a:prstGeom>
+              <a:noFill/>
+            </p:spPr>
+            <p:txBody>
+              <a:bodyPr wrap="square" rtlCol="0">
+                <a:spAutoFit/>
+              </a:bodyPr>
+              <a:lstStyle/>
+              <a:p>
+                <a:pPr algn="ctr"/>
+                <a:r>
+                  <a:rPr lang="en-US" dirty="0">
+                    <a:solidFill>
+                      <a:schemeClr val="bg1"/>
+                    </a:solidFill>
+                    <a:latin typeface="Times New Roman" panose="02020603050405020304" pitchFamily="18" charset="0"/>
+                    <a:cs typeface="Times New Roman" panose="02020603050405020304" pitchFamily="18" charset="0"/>
+                  </a:rPr>
+                  <a:t>2F</a:t>
+                </a:r>
+                <a:endParaRPr lang="en-ID" dirty="0">
+                  <a:solidFill>
+                    <a:schemeClr val="bg1"/>
+                  </a:solidFill>
+                  <a:latin typeface="Times New Roman" panose="02020603050405020304" pitchFamily="18" charset="0"/>
+                  <a:cs typeface="Times New Roman" panose="02020603050405020304" pitchFamily="18" charset="0"/>
+                </a:endParaRPr>
+              </a:p>
+            </p:txBody>
+          </p:sp>
+          <p:sp>
+            <p:nvSpPr>
+              <p:cNvPr id="20" name="TextBox 19">
+                <a:extLst>
+                  <a:ext uri="{FF2B5EF4-FFF2-40B4-BE49-F238E27FC236}">
+                    <a16:creationId xmlns:a16="http://schemas.microsoft.com/office/drawing/2014/main" id="{C40F2C65-2A3C-7CA6-1FE1-7B10FB34AF24}"/>
+                  </a:ext>
+                </a:extLst>
+              </p:cNvPr>
+              <p:cNvSpPr txBox="1"/>
+              <p:nvPr/>
+            </p:nvSpPr>
+            <p:spPr>
+              <a:xfrm>
+                <a:off x="7941224" y="3558714"/>
+                <a:ext cx="360594" cy="369322"/>
+              </a:xfrm>
+              <a:prstGeom prst="rect">
+                <a:avLst/>
+              </a:prstGeom>
+              <a:noFill/>
+            </p:spPr>
+            <p:txBody>
+              <a:bodyPr wrap="square" rtlCol="0">
+                <a:spAutoFit/>
+              </a:bodyPr>
+              <a:lstStyle/>
+              <a:p>
+                <a:pPr algn="ctr"/>
+                <a:r>
+                  <a:rPr lang="en-US" dirty="0">
+                    <a:solidFill>
+                      <a:schemeClr val="bg1"/>
+                    </a:solidFill>
+                    <a:latin typeface="Times New Roman" panose="02020603050405020304" pitchFamily="18" charset="0"/>
+                    <a:cs typeface="Times New Roman" panose="02020603050405020304" pitchFamily="18" charset="0"/>
+                  </a:rPr>
+                  <a:t>F</a:t>
+                </a:r>
+                <a:endParaRPr lang="en-ID" dirty="0">
+                  <a:solidFill>
+                    <a:schemeClr val="bg1"/>
+                  </a:solidFill>
+                  <a:latin typeface="Times New Roman" panose="02020603050405020304" pitchFamily="18" charset="0"/>
+                  <a:cs typeface="Times New Roman" panose="02020603050405020304" pitchFamily="18" charset="0"/>
+                </a:endParaRPr>
+              </a:p>
+            </p:txBody>
+          </p:sp>
+          <p:cxnSp>
+            <p:nvCxnSpPr>
+              <p:cNvPr id="22" name="Straight Arrow Connector 21">
+                <a:extLst>
+                  <a:ext uri="{FF2B5EF4-FFF2-40B4-BE49-F238E27FC236}">
+                    <a16:creationId xmlns:a16="http://schemas.microsoft.com/office/drawing/2014/main" id="{CD7631CC-6F70-B194-3764-058DF4945E92}"/>
+                  </a:ext>
+                </a:extLst>
+              </p:cNvPr>
+              <p:cNvCxnSpPr>
+                <a:cxnSpLocks/>
+                <a:stCxn id="2" idx="7"/>
+                <a:endCxn id="45" idx="0"/>
+              </p:cNvCxnSpPr>
+              <p:nvPr/>
+            </p:nvCxnSpPr>
+            <p:spPr>
+              <a:xfrm>
+                <a:off x="6369898" y="1890589"/>
+                <a:ext cx="3029805" cy="2698900"/>
+              </a:xfrm>
+              <a:prstGeom prst="straightConnector1">
+                <a:avLst/>
+              </a:prstGeom>
+              <a:ln w="50800">
+                <a:solidFill>
+                  <a:srgbClr val="FFFF00"/>
+                </a:solidFill>
+                <a:tailEnd type="triangle"/>
+              </a:ln>
+            </p:spPr>
+            <p:style>
+              <a:lnRef idx="1">
+                <a:schemeClr val="accent1"/>
+              </a:lnRef>
+              <a:fillRef idx="0">
+                <a:schemeClr val="accent1"/>
+              </a:fillRef>
+              <a:effectRef idx="0">
+                <a:schemeClr val="accent1"/>
+              </a:effectRef>
+              <a:fontRef idx="minor">
+                <a:schemeClr val="tx1"/>
+              </a:fontRef>
+            </p:style>
+          </p:cxnSp>
+          <p:cxnSp>
+            <p:nvCxnSpPr>
+              <p:cNvPr id="24" name="Straight Arrow Connector 23">
+                <a:extLst>
+                  <a:ext uri="{FF2B5EF4-FFF2-40B4-BE49-F238E27FC236}">
+                    <a16:creationId xmlns:a16="http://schemas.microsoft.com/office/drawing/2014/main" id="{27A54B7B-6AA3-9D55-59DC-BD7D08C80733}"/>
+                  </a:ext>
+                </a:extLst>
+              </p:cNvPr>
+              <p:cNvCxnSpPr>
+                <a:cxnSpLocks/>
+                <a:stCxn id="7" idx="0"/>
+              </p:cNvCxnSpPr>
+              <p:nvPr/>
+            </p:nvCxnSpPr>
+            <p:spPr>
+              <a:xfrm>
+                <a:off x="1974616" y="1873248"/>
+                <a:ext cx="3734034" cy="1184626"/>
+              </a:xfrm>
+              <a:prstGeom prst="straightConnector1">
+                <a:avLst/>
+              </a:prstGeom>
+              <a:ln w="50800">
+                <a:solidFill>
+                  <a:srgbClr val="FFFF00"/>
+                </a:solidFill>
+                <a:tailEnd type="triangle"/>
+              </a:ln>
+            </p:spPr>
+            <p:style>
+              <a:lnRef idx="1">
+                <a:schemeClr val="accent1"/>
+              </a:lnRef>
+              <a:fillRef idx="0">
+                <a:schemeClr val="accent1"/>
+              </a:fillRef>
+              <a:effectRef idx="0">
+                <a:schemeClr val="accent1"/>
+              </a:effectRef>
+              <a:fontRef idx="minor">
+                <a:schemeClr val="tx1"/>
+              </a:fontRef>
+            </p:style>
+          </p:cxnSp>
+          <p:cxnSp>
+            <p:nvCxnSpPr>
+              <p:cNvPr id="31" name="Straight Arrow Connector 30">
+                <a:extLst>
+                  <a:ext uri="{FF2B5EF4-FFF2-40B4-BE49-F238E27FC236}">
+                    <a16:creationId xmlns:a16="http://schemas.microsoft.com/office/drawing/2014/main" id="{8A365A0A-AC98-8FC2-FAEC-9E2F99625642}"/>
+                  </a:ext>
+                </a:extLst>
+              </p:cNvPr>
+              <p:cNvCxnSpPr>
+                <a:cxnSpLocks/>
+                <a:stCxn id="2" idx="6"/>
+                <a:endCxn id="45" idx="0"/>
+              </p:cNvCxnSpPr>
+              <p:nvPr/>
+            </p:nvCxnSpPr>
+            <p:spPr>
+              <a:xfrm>
+                <a:off x="6483350" y="3429000"/>
+                <a:ext cx="2916353" cy="1160489"/>
+              </a:xfrm>
+              <a:prstGeom prst="straightConnector1">
+                <a:avLst/>
+              </a:prstGeom>
+              <a:ln w="50800">
+                <a:solidFill>
+                  <a:srgbClr val="FFFF00"/>
+                </a:solidFill>
+                <a:tailEnd type="triangle"/>
+              </a:ln>
+            </p:spPr>
+            <p:style>
+              <a:lnRef idx="1">
+                <a:schemeClr val="accent1"/>
+              </a:lnRef>
+              <a:fillRef idx="0">
+                <a:schemeClr val="accent1"/>
+              </a:fillRef>
+              <a:effectRef idx="0">
+                <a:schemeClr val="accent1"/>
+              </a:effectRef>
+              <a:fontRef idx="minor">
+                <a:schemeClr val="tx1"/>
+              </a:fontRef>
+            </p:style>
+          </p:cxnSp>
+          <p:cxnSp>
+            <p:nvCxnSpPr>
+              <p:cNvPr id="36" name="Straight Arrow Connector 35">
+                <a:extLst>
+                  <a:ext uri="{FF2B5EF4-FFF2-40B4-BE49-F238E27FC236}">
+                    <a16:creationId xmlns:a16="http://schemas.microsoft.com/office/drawing/2014/main" id="{22D7E75C-9721-F04D-7F81-A2D89C43E564}"/>
+                  </a:ext>
+                </a:extLst>
+              </p:cNvPr>
+              <p:cNvCxnSpPr>
+                <a:cxnSpLocks/>
+                <a:stCxn id="7" idx="0"/>
+              </p:cNvCxnSpPr>
+              <p:nvPr/>
+            </p:nvCxnSpPr>
+            <p:spPr>
+              <a:xfrm>
+                <a:off x="1974616" y="1873248"/>
+                <a:ext cx="3776075" cy="2593649"/>
+              </a:xfrm>
+              <a:prstGeom prst="straightConnector1">
+                <a:avLst/>
+              </a:prstGeom>
+              <a:ln w="50800">
+                <a:solidFill>
+                  <a:srgbClr val="FFFF00"/>
+                </a:solidFill>
+                <a:tailEnd type="triangle"/>
+              </a:ln>
+            </p:spPr>
+            <p:style>
+              <a:lnRef idx="1">
+                <a:schemeClr val="accent1"/>
+              </a:lnRef>
+              <a:fillRef idx="0">
+                <a:schemeClr val="accent1"/>
+              </a:fillRef>
+              <a:effectRef idx="0">
+                <a:schemeClr val="accent1"/>
+              </a:effectRef>
+              <a:fontRef idx="minor">
+                <a:schemeClr val="tx1"/>
+              </a:fontRef>
+            </p:style>
+          </p:cxnSp>
+          <p:cxnSp>
+            <p:nvCxnSpPr>
+              <p:cNvPr id="43" name="Straight Arrow Connector 42">
+                <a:extLst>
+                  <a:ext uri="{FF2B5EF4-FFF2-40B4-BE49-F238E27FC236}">
+                    <a16:creationId xmlns:a16="http://schemas.microsoft.com/office/drawing/2014/main" id="{4F509DC9-F07F-916C-6C8C-83FBAE72377C}"/>
+                  </a:ext>
+                </a:extLst>
+              </p:cNvPr>
+              <p:cNvCxnSpPr>
+                <a:cxnSpLocks/>
+                <a:endCxn id="45" idx="0"/>
+              </p:cNvCxnSpPr>
+              <p:nvPr/>
+            </p:nvCxnSpPr>
+            <p:spPr>
+              <a:xfrm>
+                <a:off x="6438352" y="4542324"/>
+                <a:ext cx="2961351" cy="47165"/>
+              </a:xfrm>
+              <a:prstGeom prst="straightConnector1">
+                <a:avLst/>
+              </a:prstGeom>
+              <a:ln w="50800">
+                <a:solidFill>
+                  <a:srgbClr val="FFFF00"/>
+                </a:solidFill>
+                <a:tailEnd type="triangle"/>
+              </a:ln>
+            </p:spPr>
+            <p:style>
+              <a:lnRef idx="1">
+                <a:schemeClr val="accent1"/>
+              </a:lnRef>
+              <a:fillRef idx="0">
+                <a:schemeClr val="accent1"/>
+              </a:fillRef>
+              <a:effectRef idx="0">
+                <a:schemeClr val="accent1"/>
+              </a:effectRef>
+              <a:fontRef idx="minor">
+                <a:schemeClr val="tx1"/>
+              </a:fontRef>
+            </p:style>
+          </p:cxnSp>
+          <p:pic>
+            <p:nvPicPr>
+              <p:cNvPr id="45" name="Picture 44">
+                <a:extLst>
+                  <a:ext uri="{FF2B5EF4-FFF2-40B4-BE49-F238E27FC236}">
+                    <a16:creationId xmlns:a16="http://schemas.microsoft.com/office/drawing/2014/main" id="{286AE151-347A-8374-7A1D-56970007B809}"/>
+                  </a:ext>
+                </a:extLst>
+              </p:cNvPr>
+              <p:cNvPicPr>
+                <a:picLocks noChangeAspect="1"/>
+              </p:cNvPicPr>
+              <p:nvPr/>
+            </p:nvPicPr>
+            <p:blipFill rotWithShape="1">
+              <a:blip r:embed="rId2">
+                <a:extLst>
+                  <a:ext uri="{28A0092B-C50C-407E-A947-70E740481C1C}">
+                    <a14:useLocalDpi xmlns:a14="http://schemas.microsoft.com/office/drawing/2010/main" val="0"/>
+                  </a:ext>
+                </a:extLst>
+              </a:blip>
+              <a:srcRect l="53200" t="24266" r="26533" b="10400"/>
+              <a:stretch/>
+            </p:blipFill>
+            <p:spPr bwMode="auto">
+              <a:xfrm flipV="1">
+                <a:off x="9219708" y="3428996"/>
+                <a:ext cx="359990" cy="1160493"/>
+              </a:xfrm>
+              <a:prstGeom prst="rect">
+                <a:avLst/>
+              </a:prstGeom>
+              <a:ln>
+                <a:noFill/>
+              </a:ln>
+              <a:extLst>
+                <a:ext uri="{53640926-AAD7-44D8-BBD7-CCE9431645EC}">
+                  <a14:shadowObscured xmlns:a14="http://schemas.microsoft.com/office/drawing/2010/main"/>
+                </a:ext>
+              </a:extLst>
+            </p:spPr>
+          </p:pic>
+          <p:sp>
+            <p:nvSpPr>
+              <p:cNvPr id="56" name="Flowchart: Connector 55">
+                <a:extLst>
+                  <a:ext uri="{FF2B5EF4-FFF2-40B4-BE49-F238E27FC236}">
+                    <a16:creationId xmlns:a16="http://schemas.microsoft.com/office/drawing/2014/main" id="{39167B34-BB00-C742-6796-337E2697DC31}"/>
+                  </a:ext>
+                </a:extLst>
+              </p:cNvPr>
+              <p:cNvSpPr/>
+              <p:nvPr/>
+            </p:nvSpPr>
+            <p:spPr>
+              <a:xfrm>
+                <a:off x="9640408" y="3356767"/>
+                <a:ext cx="144000" cy="144463"/>
+              </a:xfrm>
+              <a:prstGeom prst="flowChartConnector">
+                <a:avLst/>
+              </a:prstGeom>
+              <a:solidFill>
+                <a:srgbClr val="FFC000"/>
+              </a:solidFill>
+            </p:spPr>
+            <p:style>
+              <a:lnRef idx="2">
+                <a:schemeClr val="accent1">
+                  <a:shade val="15000"/>
+                </a:schemeClr>
+              </a:lnRef>
+              <a:fillRef idx="1">
+                <a:schemeClr val="accent1"/>
+              </a:fillRef>
+              <a:effectRef idx="0">
+                <a:schemeClr val="accent1"/>
+              </a:effectRef>
+              <a:fontRef idx="minor">
+                <a:schemeClr val="lt1"/>
+              </a:fontRef>
+            </p:style>
+            <p:txBody>
+              <a:bodyPr rtlCol="0" anchor="ctr"/>
+              <a:lstStyle/>
+              <a:p>
+                <a:pPr algn="ctr"/>
+                <a:endParaRPr lang="en-ID"/>
+              </a:p>
+            </p:txBody>
+          </p:sp>
+          <p:sp>
+            <p:nvSpPr>
+              <p:cNvPr id="57" name="TextBox 56">
+                <a:extLst>
+                  <a:ext uri="{FF2B5EF4-FFF2-40B4-BE49-F238E27FC236}">
+                    <a16:creationId xmlns:a16="http://schemas.microsoft.com/office/drawing/2014/main" id="{2BC6ED32-52E3-5DA8-3283-57E44EE6CCC9}"/>
+                  </a:ext>
+                </a:extLst>
+              </p:cNvPr>
+              <p:cNvSpPr txBox="1"/>
+              <p:nvPr/>
+            </p:nvSpPr>
+            <p:spPr>
+              <a:xfrm>
+                <a:off x="9457265" y="3573463"/>
+                <a:ext cx="519710" cy="369332"/>
+              </a:xfrm>
+              <a:prstGeom prst="rect">
+                <a:avLst/>
+              </a:prstGeom>
+              <a:noFill/>
+            </p:spPr>
+            <p:txBody>
+              <a:bodyPr wrap="square" rtlCol="0">
+                <a:spAutoFit/>
+              </a:bodyPr>
+              <a:lstStyle/>
+              <a:p>
+                <a:pPr algn="ctr"/>
+                <a:r>
+                  <a:rPr lang="en-US" dirty="0">
+                    <a:solidFill>
+                      <a:schemeClr val="bg1"/>
+                    </a:solidFill>
+                    <a:latin typeface="Times New Roman" panose="02020603050405020304" pitchFamily="18" charset="0"/>
+                    <a:cs typeface="Times New Roman" panose="02020603050405020304" pitchFamily="18" charset="0"/>
+                  </a:rPr>
+                  <a:t>2F</a:t>
+                </a:r>
+                <a:endParaRPr lang="en-ID" dirty="0">
+                  <a:solidFill>
+                    <a:schemeClr val="bg1"/>
+                  </a:solidFill>
+                  <a:latin typeface="Times New Roman" panose="02020603050405020304" pitchFamily="18" charset="0"/>
+                  <a:cs typeface="Times New Roman" panose="02020603050405020304" pitchFamily="18" charset="0"/>
+                </a:endParaRPr>
+              </a:p>
+            </p:txBody>
+          </p:sp>
+          <p:sp>
+            <p:nvSpPr>
+              <p:cNvPr id="3" name="TextBox 2">
+                <a:extLst>
+                  <a:ext uri="{FF2B5EF4-FFF2-40B4-BE49-F238E27FC236}">
+                    <a16:creationId xmlns:a16="http://schemas.microsoft.com/office/drawing/2014/main" id="{692E7BBB-4AF2-7C23-4250-F81E39033AF7}"/>
+                  </a:ext>
+                </a:extLst>
+              </p:cNvPr>
+              <p:cNvSpPr txBox="1"/>
+              <p:nvPr/>
+            </p:nvSpPr>
+            <p:spPr>
+              <a:xfrm>
+                <a:off x="8199222" y="2877904"/>
+                <a:ext cx="1761224" cy="369332"/>
+              </a:xfrm>
+              <a:prstGeom prst="rect">
+                <a:avLst/>
+              </a:prstGeom>
+              <a:noFill/>
+            </p:spPr>
+            <p:txBody>
+              <a:bodyPr wrap="square" rtlCol="0">
+                <a:spAutoFit/>
+              </a:bodyPr>
+              <a:lstStyle/>
+              <a:p>
+                <a:pPr algn="ctr"/>
+                <a:r>
+                  <a:rPr lang="en-US" dirty="0" err="1">
+                    <a:solidFill>
+                      <a:schemeClr val="bg1"/>
+                    </a:solidFill>
+                    <a:latin typeface="Times New Roman" panose="02020603050405020304" pitchFamily="18" charset="0"/>
+                    <a:cs typeface="Times New Roman" panose="02020603050405020304" pitchFamily="18" charset="0"/>
+                  </a:rPr>
+                  <a:t>Sumbu</a:t>
+                </a:r>
+                <a:r>
+                  <a:rPr lang="en-US" dirty="0">
+                    <a:solidFill>
+                      <a:schemeClr val="bg1"/>
+                    </a:solidFill>
+                    <a:latin typeface="Times New Roman" panose="02020603050405020304" pitchFamily="18" charset="0"/>
+                    <a:cs typeface="Times New Roman" panose="02020603050405020304" pitchFamily="18" charset="0"/>
+                  </a:rPr>
+                  <a:t> Utama</a:t>
+                </a:r>
+                <a:endParaRPr lang="en-ID" dirty="0">
+                  <a:solidFill>
+                    <a:schemeClr val="bg1"/>
+                  </a:solidFill>
+                  <a:latin typeface="Times New Roman" panose="02020603050405020304" pitchFamily="18" charset="0"/>
+                  <a:cs typeface="Times New Roman" panose="02020603050405020304" pitchFamily="18" charset="0"/>
+                </a:endParaRPr>
+              </a:p>
+            </p:txBody>
+          </p:sp>
+          <p:sp>
+            <p:nvSpPr>
+              <p:cNvPr id="4" name="TextBox 3">
+                <a:extLst>
+                  <a:ext uri="{FF2B5EF4-FFF2-40B4-BE49-F238E27FC236}">
+                    <a16:creationId xmlns:a16="http://schemas.microsoft.com/office/drawing/2014/main" id="{449D3761-F891-AD91-34C6-E249A6A3CBCA}"/>
+                  </a:ext>
+                </a:extLst>
+              </p:cNvPr>
+              <p:cNvSpPr txBox="1"/>
+              <p:nvPr/>
+            </p:nvSpPr>
+            <p:spPr>
+              <a:xfrm>
+                <a:off x="1031073" y="1443642"/>
+                <a:ext cx="1761224" cy="369332"/>
+              </a:xfrm>
+              <a:prstGeom prst="rect">
+                <a:avLst/>
+              </a:prstGeom>
+              <a:noFill/>
+            </p:spPr>
+            <p:txBody>
+              <a:bodyPr wrap="square" rtlCol="0">
+                <a:spAutoFit/>
+              </a:bodyPr>
+              <a:lstStyle/>
+              <a:p>
+                <a:pPr algn="ctr"/>
+                <a:r>
+                  <a:rPr lang="en-US" dirty="0" err="1">
+                    <a:solidFill>
+                      <a:schemeClr val="bg1"/>
+                    </a:solidFill>
+                    <a:latin typeface="Times New Roman" panose="02020603050405020304" pitchFamily="18" charset="0"/>
+                    <a:cs typeface="Times New Roman" panose="02020603050405020304" pitchFamily="18" charset="0"/>
+                  </a:rPr>
+                  <a:t>Objek</a:t>
+                </a:r>
+                <a:endParaRPr lang="en-ID" dirty="0">
+                  <a:solidFill>
+                    <a:schemeClr val="bg1"/>
+                  </a:solidFill>
+                  <a:latin typeface="Times New Roman" panose="02020603050405020304" pitchFamily="18" charset="0"/>
+                  <a:cs typeface="Times New Roman" panose="02020603050405020304" pitchFamily="18" charset="0"/>
+                </a:endParaRPr>
+              </a:p>
+            </p:txBody>
+          </p:sp>
+          <p:sp>
+            <p:nvSpPr>
+              <p:cNvPr id="8" name="TextBox 7">
+                <a:extLst>
+                  <a:ext uri="{FF2B5EF4-FFF2-40B4-BE49-F238E27FC236}">
+                    <a16:creationId xmlns:a16="http://schemas.microsoft.com/office/drawing/2014/main" id="{7BA4F0DF-E37F-E227-4EE8-092AD24842A6}"/>
+                  </a:ext>
+                </a:extLst>
+              </p:cNvPr>
+              <p:cNvSpPr txBox="1"/>
+              <p:nvPr/>
+            </p:nvSpPr>
+            <p:spPr>
+              <a:xfrm>
+                <a:off x="8456160" y="4727732"/>
+                <a:ext cx="1761224" cy="369332"/>
+              </a:xfrm>
+              <a:prstGeom prst="rect">
+                <a:avLst/>
+              </a:prstGeom>
+              <a:noFill/>
+            </p:spPr>
+            <p:txBody>
+              <a:bodyPr wrap="square" rtlCol="0">
+                <a:spAutoFit/>
+              </a:bodyPr>
+              <a:lstStyle/>
+              <a:p>
+                <a:pPr algn="ctr"/>
+                <a:r>
+                  <a:rPr lang="en-US" dirty="0" err="1">
+                    <a:solidFill>
+                      <a:schemeClr val="bg1"/>
+                    </a:solidFill>
+                    <a:latin typeface="Times New Roman" panose="02020603050405020304" pitchFamily="18" charset="0"/>
+                    <a:cs typeface="Times New Roman" panose="02020603050405020304" pitchFamily="18" charset="0"/>
+                  </a:rPr>
+                  <a:t>Bayangan</a:t>
+                </a:r>
+                <a:endParaRPr lang="en-ID" dirty="0">
+                  <a:solidFill>
+                    <a:schemeClr val="bg1"/>
+                  </a:solidFill>
+                  <a:latin typeface="Times New Roman" panose="02020603050405020304" pitchFamily="18" charset="0"/>
+                  <a:cs typeface="Times New Roman" panose="02020603050405020304" pitchFamily="18" charset="0"/>
+                </a:endParaRPr>
+              </a:p>
+            </p:txBody>
+          </p:sp>
+        </p:grpSp>
+      </p:grpSp>
+    </p:spTree>
+    <p:extLst>
+      <p:ext uri="{BB962C8B-B14F-4D97-AF65-F5344CB8AC3E}">
+        <p14:creationId xmlns:p14="http://schemas.microsoft.com/office/powerpoint/2010/main" val="721454909"/>
+      </p:ext>
+    </p:extLst>
+  </p:cSld>
+  <p:clrMapOvr>
+    <a:masterClrMapping/>
+  </p:clrMapOvr>
+</p:sld>
+</file>
+
+<file path=ppt/slides/slide8.xml><?xml version="1.0" encoding="utf-8"?>
+<p:sld xmlns:a="http://schemas.openxmlformats.org/drawingml/2006/main" xmlns:r="http://schemas.openxmlformats.org/officeDocument/2006/relationships" xmlns:p="http://schemas.openxmlformats.org/presentationml/2006/main">
+  <p:cSld>
+    <p:spTree>
+      <p:nvGrpSpPr>
+        <p:cNvPr id="1" name=""/>
+        <p:cNvGrpSpPr/>
+        <p:nvPr/>
+      </p:nvGrpSpPr>
+      <p:grpSpPr>
+        <a:xfrm>
+          <a:off x="0" y="0"/>
+          <a:ext cx="0" cy="0"/>
+          <a:chOff x="0" y="0"/>
+          <a:chExt cx="0" cy="0"/>
+        </a:xfrm>
+      </p:grpSpPr>
+      <p:grpSp>
+        <p:nvGrpSpPr>
           <p:cNvPr id="6" name="Group 5">
             <a:extLst>
               <a:ext uri="{FF2B5EF4-FFF2-40B4-BE49-F238E27FC236}">
@@ -33613,7 +36477,7 @@
 </p:sld>
 </file>
 
-<file path=ppt/slides/slide7.xml><?xml version="1.0" encoding="utf-8"?>
+<file path=ppt/slides/slide9.xml><?xml version="1.0" encoding="utf-8"?>
 <p:sld xmlns:a="http://schemas.openxmlformats.org/drawingml/2006/main" xmlns:r="http://schemas.openxmlformats.org/officeDocument/2006/relationships" xmlns:p="http://schemas.openxmlformats.org/presentationml/2006/main">
   <p:cSld>
     <p:spTree>
@@ -33793,690 +36657,6 @@
     <p:extLst>
       <p:ext uri="{BB962C8B-B14F-4D97-AF65-F5344CB8AC3E}">
         <p14:creationId xmlns:p14="http://schemas.microsoft.com/office/powerpoint/2010/main" val="2015505144"/>
-      </p:ext>
-    </p:extLst>
-  </p:cSld>
-  <p:clrMapOvr>
-    <a:masterClrMapping/>
-  </p:clrMapOvr>
-</p:sld>
-</file>
-
-<file path=ppt/slides/slide8.xml><?xml version="1.0" encoding="utf-8"?>
-<p:sld xmlns:a="http://schemas.openxmlformats.org/drawingml/2006/main" xmlns:r="http://schemas.openxmlformats.org/officeDocument/2006/relationships" xmlns:p="http://schemas.openxmlformats.org/presentationml/2006/main">
-  <p:cSld>
-    <p:spTree>
-      <p:nvGrpSpPr>
-        <p:cNvPr id="1" name=""/>
-        <p:cNvGrpSpPr/>
-        <p:nvPr/>
-      </p:nvGrpSpPr>
-      <p:grpSpPr>
-        <a:xfrm>
-          <a:off x="0" y="0"/>
-          <a:ext cx="0" cy="0"/>
-          <a:chOff x="0" y="0"/>
-          <a:chExt cx="0" cy="0"/>
-        </a:xfrm>
-      </p:grpSpPr>
-      <p:grpSp>
-        <p:nvGrpSpPr>
-          <p:cNvPr id="6" name="Group 5">
-            <a:extLst>
-              <a:ext uri="{FF2B5EF4-FFF2-40B4-BE49-F238E27FC236}">
-                <a16:creationId xmlns:a16="http://schemas.microsoft.com/office/drawing/2014/main" id="{A225F196-520A-6F5D-263A-328CB008D7D5}"/>
-              </a:ext>
-            </a:extLst>
-          </p:cNvPr>
-          <p:cNvGrpSpPr/>
-          <p:nvPr/>
-        </p:nvGrpSpPr>
-        <p:grpSpPr>
-          <a:xfrm>
-            <a:off x="3135367" y="0"/>
-            <a:ext cx="6858000" cy="6858000"/>
-            <a:chOff x="3135367" y="0"/>
-            <a:chExt cx="6858000" cy="6858000"/>
-          </a:xfrm>
-        </p:grpSpPr>
-        <p:pic>
-          <p:nvPicPr>
-            <p:cNvPr id="3" name="Picture 2">
-              <a:extLst>
-                <a:ext uri="{FF2B5EF4-FFF2-40B4-BE49-F238E27FC236}">
-                  <a16:creationId xmlns:a16="http://schemas.microsoft.com/office/drawing/2014/main" id="{9E923D3C-27B1-35BF-AF0A-42942B41148C}"/>
-                </a:ext>
-              </a:extLst>
-            </p:cNvPr>
-            <p:cNvPicPr>
-              <a:picLocks noChangeAspect="1"/>
-            </p:cNvPicPr>
-            <p:nvPr/>
-          </p:nvPicPr>
-          <p:blipFill rotWithShape="1">
-            <a:blip r:embed="rId2">
-              <a:extLst>
-                <a:ext uri="{28A0092B-C50C-407E-A947-70E740481C1C}">
-                  <a14:useLocalDpi xmlns:a14="http://schemas.microsoft.com/office/drawing/2010/main" val="0"/>
-                </a:ext>
-              </a:extLst>
-            </a:blip>
-            <a:srcRect l="305" r="355" b="23544"/>
-            <a:stretch/>
-          </p:blipFill>
-          <p:spPr>
-            <a:xfrm>
-              <a:off x="3135367" y="0"/>
-              <a:ext cx="6858000" cy="6858000"/>
-            </a:xfrm>
-            <a:prstGeom prst="rect">
-              <a:avLst/>
-            </a:prstGeom>
-          </p:spPr>
-        </p:pic>
-        <p:sp>
-          <p:nvSpPr>
-            <p:cNvPr id="4" name="Rectangle 3">
-              <a:extLst>
-                <a:ext uri="{FF2B5EF4-FFF2-40B4-BE49-F238E27FC236}">
-                  <a16:creationId xmlns:a16="http://schemas.microsoft.com/office/drawing/2014/main" id="{6A53FC7C-D66F-2E0A-8236-B272C4F978F9}"/>
-                </a:ext>
-              </a:extLst>
-            </p:cNvPr>
-            <p:cNvSpPr/>
-            <p:nvPr/>
-          </p:nvSpPr>
-          <p:spPr>
-            <a:xfrm>
-              <a:off x="4661677" y="1636902"/>
-              <a:ext cx="3057832" cy="3057832"/>
-            </a:xfrm>
-            <a:prstGeom prst="rect">
-              <a:avLst/>
-            </a:prstGeom>
-            <a:noFill/>
-            <a:ln w="79375">
-              <a:solidFill>
-                <a:srgbClr val="FF0000"/>
-              </a:solidFill>
-              <a:prstDash val="sysDash"/>
-            </a:ln>
-          </p:spPr>
-          <p:style>
-            <a:lnRef idx="2">
-              <a:schemeClr val="accent1">
-                <a:shade val="15000"/>
-              </a:schemeClr>
-            </a:lnRef>
-            <a:fillRef idx="1">
-              <a:schemeClr val="accent1"/>
-            </a:fillRef>
-            <a:effectRef idx="0">
-              <a:schemeClr val="accent1"/>
-            </a:effectRef>
-            <a:fontRef idx="minor">
-              <a:schemeClr val="lt1"/>
-            </a:fontRef>
-          </p:style>
-          <p:txBody>
-            <a:bodyPr rtlCol="0" anchor="ctr"/>
-            <a:lstStyle/>
-            <a:p>
-              <a:pPr algn="ctr"/>
-              <a:endParaRPr lang="en-ID"/>
-            </a:p>
-          </p:txBody>
-        </p:sp>
-        <p:sp>
-          <p:nvSpPr>
-            <p:cNvPr id="5" name="TextBox 4">
-              <a:extLst>
-                <a:ext uri="{FF2B5EF4-FFF2-40B4-BE49-F238E27FC236}">
-                  <a16:creationId xmlns:a16="http://schemas.microsoft.com/office/drawing/2014/main" id="{6D72D240-C05E-A3E3-6F52-9D96A3C4B387}"/>
-                </a:ext>
-              </a:extLst>
-            </p:cNvPr>
-            <p:cNvSpPr txBox="1"/>
-            <p:nvPr/>
-          </p:nvSpPr>
-          <p:spPr>
-            <a:xfrm>
-              <a:off x="4661677" y="1025494"/>
-              <a:ext cx="3057832" cy="461665"/>
-            </a:xfrm>
-            <a:prstGeom prst="rect">
-              <a:avLst/>
-            </a:prstGeom>
-            <a:noFill/>
-          </p:spPr>
-          <p:txBody>
-            <a:bodyPr wrap="square" rtlCol="0">
-              <a:spAutoFit/>
-            </a:bodyPr>
-            <a:lstStyle/>
-            <a:p>
-              <a:pPr algn="ctr"/>
-              <a:r>
-                <a:rPr lang="en-US" sz="2400" dirty="0" err="1">
-                  <a:solidFill>
-                    <a:schemeClr val="bg1"/>
-                  </a:solidFill>
-                  <a:latin typeface="Times New Roman" panose="02020603050405020304" pitchFamily="18" charset="0"/>
-                  <a:cs typeface="Times New Roman" panose="02020603050405020304" pitchFamily="18" charset="0"/>
-                </a:rPr>
-                <a:t>Bayangan</a:t>
-              </a:r>
-              <a:r>
-                <a:rPr lang="en-US" sz="2400" dirty="0">
-                  <a:solidFill>
-                    <a:schemeClr val="bg1"/>
-                  </a:solidFill>
-                  <a:latin typeface="Times New Roman" panose="02020603050405020304" pitchFamily="18" charset="0"/>
-                  <a:cs typeface="Times New Roman" panose="02020603050405020304" pitchFamily="18" charset="0"/>
-                </a:rPr>
-                <a:t> </a:t>
-              </a:r>
-              <a:r>
-                <a:rPr lang="en-US" sz="2400" dirty="0" err="1">
-                  <a:solidFill>
-                    <a:schemeClr val="bg1"/>
-                  </a:solidFill>
-                  <a:latin typeface="Times New Roman" panose="02020603050405020304" pitchFamily="18" charset="0"/>
-                  <a:cs typeface="Times New Roman" panose="02020603050405020304" pitchFamily="18" charset="0"/>
-                </a:rPr>
-                <a:t>Nyata</a:t>
-              </a:r>
-              <a:endParaRPr lang="en-ID" sz="2400" dirty="0">
-                <a:solidFill>
-                  <a:schemeClr val="bg1"/>
-                </a:solidFill>
-                <a:latin typeface="Times New Roman" panose="02020603050405020304" pitchFamily="18" charset="0"/>
-                <a:cs typeface="Times New Roman" panose="02020603050405020304" pitchFamily="18" charset="0"/>
-              </a:endParaRPr>
-            </a:p>
-          </p:txBody>
-        </p:sp>
-        <p:sp>
-          <p:nvSpPr>
-            <p:cNvPr id="7" name="TextBox 6">
-              <a:extLst>
-                <a:ext uri="{FF2B5EF4-FFF2-40B4-BE49-F238E27FC236}">
-                  <a16:creationId xmlns:a16="http://schemas.microsoft.com/office/drawing/2014/main" id="{AE5AB466-44CF-4418-E0AF-6856D6AD1679}"/>
-                </a:ext>
-              </a:extLst>
-            </p:cNvPr>
-            <p:cNvSpPr txBox="1"/>
-            <p:nvPr/>
-          </p:nvSpPr>
-          <p:spPr>
-            <a:xfrm>
-              <a:off x="7833830" y="2598003"/>
-              <a:ext cx="1884954" cy="923330"/>
-            </a:xfrm>
-            <a:prstGeom prst="rect">
-              <a:avLst/>
-            </a:prstGeom>
-            <a:noFill/>
-          </p:spPr>
-          <p:txBody>
-            <a:bodyPr wrap="square" rtlCol="0">
-              <a:spAutoFit/>
-            </a:bodyPr>
-            <a:lstStyle/>
-            <a:p>
-              <a:pPr algn="ctr"/>
-              <a:r>
-                <a:rPr lang="en-US" dirty="0" err="1">
-                  <a:solidFill>
-                    <a:schemeClr val="bg1"/>
-                  </a:solidFill>
-                  <a:latin typeface="Times New Roman" panose="02020603050405020304" pitchFamily="18" charset="0"/>
-                  <a:cs typeface="Times New Roman" panose="02020603050405020304" pitchFamily="18" charset="0"/>
-                </a:rPr>
-                <a:t>Bulan</a:t>
-              </a:r>
-              <a:r>
-                <a:rPr lang="en-US" dirty="0">
-                  <a:solidFill>
-                    <a:schemeClr val="bg1"/>
-                  </a:solidFill>
-                  <a:latin typeface="Times New Roman" panose="02020603050405020304" pitchFamily="18" charset="0"/>
-                  <a:cs typeface="Times New Roman" panose="02020603050405020304" pitchFamily="18" charset="0"/>
-                </a:rPr>
-                <a:t> dan </a:t>
-              </a:r>
-              <a:r>
-                <a:rPr lang="en-US" dirty="0" err="1">
-                  <a:solidFill>
-                    <a:schemeClr val="bg1"/>
-                  </a:solidFill>
-                  <a:latin typeface="Times New Roman" panose="02020603050405020304" pitchFamily="18" charset="0"/>
-                  <a:cs typeface="Times New Roman" panose="02020603050405020304" pitchFamily="18" charset="0"/>
-                </a:rPr>
-                <a:t>Matahari</a:t>
-              </a:r>
-              <a:r>
-                <a:rPr lang="en-US" dirty="0">
-                  <a:solidFill>
-                    <a:schemeClr val="bg1"/>
-                  </a:solidFill>
-                  <a:latin typeface="Times New Roman" panose="02020603050405020304" pitchFamily="18" charset="0"/>
-                  <a:cs typeface="Times New Roman" panose="02020603050405020304" pitchFamily="18" charset="0"/>
-                </a:rPr>
-                <a:t> </a:t>
-              </a:r>
-              <a:r>
-                <a:rPr lang="en-US" dirty="0" err="1">
-                  <a:solidFill>
-                    <a:schemeClr val="bg1"/>
-                  </a:solidFill>
-                  <a:latin typeface="Times New Roman" panose="02020603050405020304" pitchFamily="18" charset="0"/>
-                  <a:cs typeface="Times New Roman" panose="02020603050405020304" pitchFamily="18" charset="0"/>
-                </a:rPr>
-                <a:t>tampak</a:t>
-              </a:r>
-              <a:r>
-                <a:rPr lang="en-US" dirty="0">
-                  <a:solidFill>
-                    <a:schemeClr val="bg1"/>
-                  </a:solidFill>
-                  <a:latin typeface="Times New Roman" panose="02020603050405020304" pitchFamily="18" charset="0"/>
-                  <a:cs typeface="Times New Roman" panose="02020603050405020304" pitchFamily="18" charset="0"/>
-                </a:rPr>
-                <a:t> </a:t>
-              </a:r>
-              <a:r>
-                <a:rPr lang="en-US" dirty="0" err="1">
-                  <a:solidFill>
-                    <a:schemeClr val="bg1"/>
-                  </a:solidFill>
-                  <a:latin typeface="Times New Roman" panose="02020603050405020304" pitchFamily="18" charset="0"/>
-                  <a:cs typeface="Times New Roman" panose="02020603050405020304" pitchFamily="18" charset="0"/>
-                </a:rPr>
-                <a:t>lebih</a:t>
-              </a:r>
-              <a:r>
-                <a:rPr lang="en-US" dirty="0">
-                  <a:solidFill>
-                    <a:schemeClr val="bg1"/>
-                  </a:solidFill>
-                  <a:latin typeface="Times New Roman" panose="02020603050405020304" pitchFamily="18" charset="0"/>
-                  <a:cs typeface="Times New Roman" panose="02020603050405020304" pitchFamily="18" charset="0"/>
-                </a:rPr>
-                <a:t> </a:t>
-              </a:r>
-              <a:r>
-                <a:rPr lang="en-US" dirty="0" err="1">
-                  <a:solidFill>
-                    <a:schemeClr val="bg1"/>
-                  </a:solidFill>
-                  <a:latin typeface="Times New Roman" panose="02020603050405020304" pitchFamily="18" charset="0"/>
-                  <a:cs typeface="Times New Roman" panose="02020603050405020304" pitchFamily="18" charset="0"/>
-                </a:rPr>
-                <a:t>kecil</a:t>
-              </a:r>
-              <a:endParaRPr lang="en-ID" dirty="0">
-                <a:solidFill>
-                  <a:schemeClr val="bg1"/>
-                </a:solidFill>
-                <a:latin typeface="Times New Roman" panose="02020603050405020304" pitchFamily="18" charset="0"/>
-                <a:cs typeface="Times New Roman" panose="02020603050405020304" pitchFamily="18" charset="0"/>
-              </a:endParaRPr>
-            </a:p>
-          </p:txBody>
-        </p:sp>
-      </p:grpSp>
-    </p:spTree>
-    <p:extLst>
-      <p:ext uri="{BB962C8B-B14F-4D97-AF65-F5344CB8AC3E}">
-        <p14:creationId xmlns:p14="http://schemas.microsoft.com/office/powerpoint/2010/main" val="2325565469"/>
-      </p:ext>
-    </p:extLst>
-  </p:cSld>
-  <p:clrMapOvr>
-    <a:masterClrMapping/>
-  </p:clrMapOvr>
-</p:sld>
-</file>
-
-<file path=ppt/slides/slide9.xml><?xml version="1.0" encoding="utf-8"?>
-<p:sld xmlns:a="http://schemas.openxmlformats.org/drawingml/2006/main" xmlns:r="http://schemas.openxmlformats.org/officeDocument/2006/relationships" xmlns:p="http://schemas.openxmlformats.org/presentationml/2006/main">
-  <p:cSld>
-    <p:spTree>
-      <p:nvGrpSpPr>
-        <p:cNvPr id="1" name=""/>
-        <p:cNvGrpSpPr/>
-        <p:nvPr/>
-      </p:nvGrpSpPr>
-      <p:grpSpPr>
-        <a:xfrm>
-          <a:off x="0" y="0"/>
-          <a:ext cx="0" cy="0"/>
-          <a:chOff x="0" y="0"/>
-          <a:chExt cx="0" cy="0"/>
-        </a:xfrm>
-      </p:grpSpPr>
-      <p:grpSp>
-        <p:nvGrpSpPr>
-          <p:cNvPr id="6" name="Group 5">
-            <a:extLst>
-              <a:ext uri="{FF2B5EF4-FFF2-40B4-BE49-F238E27FC236}">
-                <a16:creationId xmlns:a16="http://schemas.microsoft.com/office/drawing/2014/main" id="{A225F196-520A-6F5D-263A-328CB008D7D5}"/>
-              </a:ext>
-            </a:extLst>
-          </p:cNvPr>
-          <p:cNvGrpSpPr/>
-          <p:nvPr/>
-        </p:nvGrpSpPr>
-        <p:grpSpPr>
-          <a:xfrm>
-            <a:off x="3135367" y="0"/>
-            <a:ext cx="6858000" cy="6858000"/>
-            <a:chOff x="3135367" y="0"/>
-            <a:chExt cx="6858000" cy="6858000"/>
-          </a:xfrm>
-        </p:grpSpPr>
-        <p:pic>
-          <p:nvPicPr>
-            <p:cNvPr id="3" name="Picture 2">
-              <a:extLst>
-                <a:ext uri="{FF2B5EF4-FFF2-40B4-BE49-F238E27FC236}">
-                  <a16:creationId xmlns:a16="http://schemas.microsoft.com/office/drawing/2014/main" id="{9E923D3C-27B1-35BF-AF0A-42942B41148C}"/>
-                </a:ext>
-              </a:extLst>
-            </p:cNvPr>
-            <p:cNvPicPr>
-              <a:picLocks noChangeAspect="1"/>
-            </p:cNvPicPr>
-            <p:nvPr/>
-          </p:nvPicPr>
-          <p:blipFill rotWithShape="1">
-            <a:blip r:embed="rId2">
-              <a:extLst>
-                <a:ext uri="{28A0092B-C50C-407E-A947-70E740481C1C}">
-                  <a14:useLocalDpi xmlns:a14="http://schemas.microsoft.com/office/drawing/2010/main" val="0"/>
-                </a:ext>
-              </a:extLst>
-            </a:blip>
-            <a:srcRect l="305" r="355" b="23544"/>
-            <a:stretch/>
-          </p:blipFill>
-          <p:spPr>
-            <a:xfrm>
-              <a:off x="3135367" y="0"/>
-              <a:ext cx="6858000" cy="6858000"/>
-            </a:xfrm>
-            <a:prstGeom prst="rect">
-              <a:avLst/>
-            </a:prstGeom>
-          </p:spPr>
-        </p:pic>
-        <p:sp>
-          <p:nvSpPr>
-            <p:cNvPr id="4" name="Rectangle 3">
-              <a:extLst>
-                <a:ext uri="{FF2B5EF4-FFF2-40B4-BE49-F238E27FC236}">
-                  <a16:creationId xmlns:a16="http://schemas.microsoft.com/office/drawing/2014/main" id="{6A53FC7C-D66F-2E0A-8236-B272C4F978F9}"/>
-                </a:ext>
-              </a:extLst>
-            </p:cNvPr>
-            <p:cNvSpPr/>
-            <p:nvPr/>
-          </p:nvSpPr>
-          <p:spPr>
-            <a:xfrm>
-              <a:off x="4661677" y="1636902"/>
-              <a:ext cx="3057832" cy="3057832"/>
-            </a:xfrm>
-            <a:prstGeom prst="rect">
-              <a:avLst/>
-            </a:prstGeom>
-            <a:noFill/>
-            <a:ln w="79375">
-              <a:solidFill>
-                <a:srgbClr val="FF0000"/>
-              </a:solidFill>
-              <a:prstDash val="sysDash"/>
-            </a:ln>
-          </p:spPr>
-          <p:style>
-            <a:lnRef idx="2">
-              <a:schemeClr val="accent1">
-                <a:shade val="15000"/>
-              </a:schemeClr>
-            </a:lnRef>
-            <a:fillRef idx="1">
-              <a:schemeClr val="accent1"/>
-            </a:fillRef>
-            <a:effectRef idx="0">
-              <a:schemeClr val="accent1"/>
-            </a:effectRef>
-            <a:fontRef idx="minor">
-              <a:schemeClr val="lt1"/>
-            </a:fontRef>
-          </p:style>
-          <p:txBody>
-            <a:bodyPr rtlCol="0" anchor="ctr"/>
-            <a:lstStyle/>
-            <a:p>
-              <a:pPr algn="ctr"/>
-              <a:endParaRPr lang="en-ID"/>
-            </a:p>
-          </p:txBody>
-        </p:sp>
-        <p:sp>
-          <p:nvSpPr>
-            <p:cNvPr id="5" name="TextBox 4">
-              <a:extLst>
-                <a:ext uri="{FF2B5EF4-FFF2-40B4-BE49-F238E27FC236}">
-                  <a16:creationId xmlns:a16="http://schemas.microsoft.com/office/drawing/2014/main" id="{6D72D240-C05E-A3E3-6F52-9D96A3C4B387}"/>
-                </a:ext>
-              </a:extLst>
-            </p:cNvPr>
-            <p:cNvSpPr txBox="1"/>
-            <p:nvPr/>
-          </p:nvSpPr>
-          <p:spPr>
-            <a:xfrm>
-              <a:off x="4661677" y="1025494"/>
-              <a:ext cx="3057832" cy="461665"/>
-            </a:xfrm>
-            <a:prstGeom prst="rect">
-              <a:avLst/>
-            </a:prstGeom>
-            <a:noFill/>
-          </p:spPr>
-          <p:txBody>
-            <a:bodyPr wrap="square" rtlCol="0">
-              <a:spAutoFit/>
-            </a:bodyPr>
-            <a:lstStyle/>
-            <a:p>
-              <a:pPr algn="ctr"/>
-              <a:r>
-                <a:rPr lang="en-US" sz="2400" dirty="0" err="1">
-                  <a:solidFill>
-                    <a:schemeClr val="bg1"/>
-                  </a:solidFill>
-                  <a:latin typeface="Times New Roman" panose="02020603050405020304" pitchFamily="18" charset="0"/>
-                  <a:cs typeface="Times New Roman" panose="02020603050405020304" pitchFamily="18" charset="0"/>
-                </a:rPr>
-                <a:t>Gerçek</a:t>
-              </a:r>
-              <a:r>
-                <a:rPr lang="en-US" sz="2400" dirty="0">
-                  <a:solidFill>
-                    <a:schemeClr val="bg1"/>
-                  </a:solidFill>
-                  <a:latin typeface="Times New Roman" panose="02020603050405020304" pitchFamily="18" charset="0"/>
-                  <a:cs typeface="Times New Roman" panose="02020603050405020304" pitchFamily="18" charset="0"/>
-                </a:rPr>
-                <a:t> </a:t>
-              </a:r>
-              <a:r>
-                <a:rPr lang="en-US" sz="2400" dirty="0" err="1">
-                  <a:solidFill>
-                    <a:schemeClr val="bg1"/>
-                  </a:solidFill>
-                  <a:latin typeface="Times New Roman" panose="02020603050405020304" pitchFamily="18" charset="0"/>
-                  <a:cs typeface="Times New Roman" panose="02020603050405020304" pitchFamily="18" charset="0"/>
-                </a:rPr>
-                <a:t>Görüntü</a:t>
-              </a:r>
-              <a:endParaRPr lang="en-ID" sz="2400" dirty="0">
-                <a:solidFill>
-                  <a:schemeClr val="bg1"/>
-                </a:solidFill>
-                <a:latin typeface="Times New Roman" panose="02020603050405020304" pitchFamily="18" charset="0"/>
-                <a:cs typeface="Times New Roman" panose="02020603050405020304" pitchFamily="18" charset="0"/>
-              </a:endParaRPr>
-            </a:p>
-          </p:txBody>
-        </p:sp>
-        <p:sp>
-          <p:nvSpPr>
-            <p:cNvPr id="7" name="TextBox 6">
-              <a:extLst>
-                <a:ext uri="{FF2B5EF4-FFF2-40B4-BE49-F238E27FC236}">
-                  <a16:creationId xmlns:a16="http://schemas.microsoft.com/office/drawing/2014/main" id="{AE5AB466-44CF-4418-E0AF-6856D6AD1679}"/>
-                </a:ext>
-              </a:extLst>
-            </p:cNvPr>
-            <p:cNvSpPr txBox="1"/>
-            <p:nvPr/>
-          </p:nvSpPr>
-          <p:spPr>
-            <a:xfrm>
-              <a:off x="7833830" y="2598003"/>
-              <a:ext cx="1884954" cy="646331"/>
-            </a:xfrm>
-            <a:prstGeom prst="rect">
-              <a:avLst/>
-            </a:prstGeom>
-            <a:noFill/>
-          </p:spPr>
-          <p:txBody>
-            <a:bodyPr wrap="square" rtlCol="0">
-              <a:spAutoFit/>
-            </a:bodyPr>
-            <a:lstStyle/>
-            <a:p>
-              <a:pPr algn="ctr"/>
-              <a:r>
-                <a:rPr lang="en-US" dirty="0">
-                  <a:solidFill>
-                    <a:schemeClr val="bg1"/>
-                  </a:solidFill>
-                  <a:latin typeface="Times New Roman" panose="02020603050405020304" pitchFamily="18" charset="0"/>
-                  <a:cs typeface="Times New Roman" panose="02020603050405020304" pitchFamily="18" charset="0"/>
-                </a:rPr>
-                <a:t>Ay </a:t>
-              </a:r>
-              <a:r>
-                <a:rPr lang="en-US" dirty="0" err="1">
-                  <a:solidFill>
-                    <a:schemeClr val="bg1"/>
-                  </a:solidFill>
-                  <a:latin typeface="Times New Roman" panose="02020603050405020304" pitchFamily="18" charset="0"/>
-                  <a:cs typeface="Times New Roman" panose="02020603050405020304" pitchFamily="18" charset="0"/>
-                </a:rPr>
-                <a:t>ve</a:t>
-              </a:r>
-              <a:r>
-                <a:rPr lang="en-US" dirty="0">
-                  <a:solidFill>
-                    <a:schemeClr val="bg1"/>
-                  </a:solidFill>
-                  <a:latin typeface="Times New Roman" panose="02020603050405020304" pitchFamily="18" charset="0"/>
-                  <a:cs typeface="Times New Roman" panose="02020603050405020304" pitchFamily="18" charset="0"/>
-                </a:rPr>
-                <a:t> </a:t>
-              </a:r>
-              <a:r>
-                <a:rPr lang="en-US" dirty="0" err="1">
-                  <a:solidFill>
-                    <a:schemeClr val="bg1"/>
-                  </a:solidFill>
-                  <a:latin typeface="Times New Roman" panose="02020603050405020304" pitchFamily="18" charset="0"/>
-                  <a:cs typeface="Times New Roman" panose="02020603050405020304" pitchFamily="18" charset="0"/>
-                </a:rPr>
-                <a:t>Güneş</a:t>
-              </a:r>
-              <a:r>
-                <a:rPr lang="en-US" dirty="0">
-                  <a:solidFill>
-                    <a:schemeClr val="bg1"/>
-                  </a:solidFill>
-                  <a:latin typeface="Times New Roman" panose="02020603050405020304" pitchFamily="18" charset="0"/>
-                  <a:cs typeface="Times New Roman" panose="02020603050405020304" pitchFamily="18" charset="0"/>
-                </a:rPr>
-                <a:t> </a:t>
-              </a:r>
-              <a:r>
-                <a:rPr lang="en-US" dirty="0" err="1">
-                  <a:solidFill>
-                    <a:schemeClr val="bg1"/>
-                  </a:solidFill>
-                  <a:latin typeface="Times New Roman" panose="02020603050405020304" pitchFamily="18" charset="0"/>
-                  <a:cs typeface="Times New Roman" panose="02020603050405020304" pitchFamily="18" charset="0"/>
-                </a:rPr>
-                <a:t>daha</a:t>
-              </a:r>
-              <a:r>
-                <a:rPr lang="en-US" dirty="0">
-                  <a:solidFill>
-                    <a:schemeClr val="bg1"/>
-                  </a:solidFill>
-                  <a:latin typeface="Times New Roman" panose="02020603050405020304" pitchFamily="18" charset="0"/>
-                  <a:cs typeface="Times New Roman" panose="02020603050405020304" pitchFamily="18" charset="0"/>
-                </a:rPr>
-                <a:t> </a:t>
-              </a:r>
-              <a:r>
-                <a:rPr lang="en-US" dirty="0" err="1">
-                  <a:solidFill>
-                    <a:schemeClr val="bg1"/>
-                  </a:solidFill>
-                  <a:latin typeface="Times New Roman" panose="02020603050405020304" pitchFamily="18" charset="0"/>
-                  <a:cs typeface="Times New Roman" panose="02020603050405020304" pitchFamily="18" charset="0"/>
-                </a:rPr>
-                <a:t>küçük</a:t>
-              </a:r>
-              <a:r>
-                <a:rPr lang="en-US" dirty="0">
-                  <a:solidFill>
-                    <a:schemeClr val="bg1"/>
-                  </a:solidFill>
-                  <a:latin typeface="Times New Roman" panose="02020603050405020304" pitchFamily="18" charset="0"/>
-                  <a:cs typeface="Times New Roman" panose="02020603050405020304" pitchFamily="18" charset="0"/>
-                </a:rPr>
-                <a:t> </a:t>
-              </a:r>
-              <a:r>
-                <a:rPr lang="en-US" dirty="0" err="1">
-                  <a:solidFill>
-                    <a:schemeClr val="bg1"/>
-                  </a:solidFill>
-                  <a:latin typeface="Times New Roman" panose="02020603050405020304" pitchFamily="18" charset="0"/>
-                  <a:cs typeface="Times New Roman" panose="02020603050405020304" pitchFamily="18" charset="0"/>
-                </a:rPr>
-                <a:t>görünür</a:t>
-              </a:r>
-              <a:endParaRPr lang="en-ID" dirty="0">
-                <a:solidFill>
-                  <a:schemeClr val="bg1"/>
-                </a:solidFill>
-                <a:latin typeface="Times New Roman" panose="02020603050405020304" pitchFamily="18" charset="0"/>
-                <a:cs typeface="Times New Roman" panose="02020603050405020304" pitchFamily="18" charset="0"/>
-              </a:endParaRPr>
-            </a:p>
-          </p:txBody>
-        </p:sp>
-      </p:grpSp>
-    </p:spTree>
-    <p:extLst>
-      <p:ext uri="{BB962C8B-B14F-4D97-AF65-F5344CB8AC3E}">
-        <p14:creationId xmlns:p14="http://schemas.microsoft.com/office/powerpoint/2010/main" val="296217716"/>
       </p:ext>
     </p:extLst>
   </p:cSld>

--- a/Presentation1.pptx
+++ b/Presentation1.pptx
@@ -6,33 +6,36 @@
   </p:sldMasterIdLst>
   <p:sldIdLst>
     <p:sldId id="256" r:id="rId2"/>
-    <p:sldId id="278" r:id="rId3"/>
-    <p:sldId id="279" r:id="rId4"/>
-    <p:sldId id="280" r:id="rId5"/>
-    <p:sldId id="281" r:id="rId6"/>
-    <p:sldId id="282" r:id="rId7"/>
-    <p:sldId id="283" r:id="rId8"/>
-    <p:sldId id="263" r:id="rId9"/>
-    <p:sldId id="268" r:id="rId10"/>
-    <p:sldId id="264" r:id="rId11"/>
-    <p:sldId id="269" r:id="rId12"/>
-    <p:sldId id="260" r:id="rId13"/>
-    <p:sldId id="262" r:id="rId14"/>
-    <p:sldId id="270" r:id="rId15"/>
-    <p:sldId id="261" r:id="rId16"/>
-    <p:sldId id="265" r:id="rId17"/>
-    <p:sldId id="271" r:id="rId18"/>
-    <p:sldId id="267" r:id="rId19"/>
-    <p:sldId id="272" r:id="rId20"/>
-    <p:sldId id="266" r:id="rId21"/>
-    <p:sldId id="257" r:id="rId22"/>
-    <p:sldId id="273" r:id="rId23"/>
-    <p:sldId id="258" r:id="rId24"/>
-    <p:sldId id="274" r:id="rId25"/>
-    <p:sldId id="259" r:id="rId26"/>
-    <p:sldId id="275" r:id="rId27"/>
-    <p:sldId id="276" r:id="rId28"/>
-    <p:sldId id="277" r:id="rId29"/>
+    <p:sldId id="284" r:id="rId3"/>
+    <p:sldId id="285" r:id="rId4"/>
+    <p:sldId id="286" r:id="rId5"/>
+    <p:sldId id="278" r:id="rId6"/>
+    <p:sldId id="279" r:id="rId7"/>
+    <p:sldId id="280" r:id="rId8"/>
+    <p:sldId id="281" r:id="rId9"/>
+    <p:sldId id="282" r:id="rId10"/>
+    <p:sldId id="283" r:id="rId11"/>
+    <p:sldId id="263" r:id="rId12"/>
+    <p:sldId id="268" r:id="rId13"/>
+    <p:sldId id="264" r:id="rId14"/>
+    <p:sldId id="269" r:id="rId15"/>
+    <p:sldId id="260" r:id="rId16"/>
+    <p:sldId id="262" r:id="rId17"/>
+    <p:sldId id="270" r:id="rId18"/>
+    <p:sldId id="261" r:id="rId19"/>
+    <p:sldId id="265" r:id="rId20"/>
+    <p:sldId id="271" r:id="rId21"/>
+    <p:sldId id="267" r:id="rId22"/>
+    <p:sldId id="272" r:id="rId23"/>
+    <p:sldId id="266" r:id="rId24"/>
+    <p:sldId id="257" r:id="rId25"/>
+    <p:sldId id="273" r:id="rId26"/>
+    <p:sldId id="258" r:id="rId27"/>
+    <p:sldId id="274" r:id="rId28"/>
+    <p:sldId id="259" r:id="rId29"/>
+    <p:sldId id="275" r:id="rId30"/>
+    <p:sldId id="276" r:id="rId31"/>
+    <p:sldId id="277" r:id="rId32"/>
   </p:sldIdLst>
   <p:sldSz cx="12192000" cy="6858000"/>
   <p:notesSz cx="6858000" cy="9144000"/>
@@ -288,7 +291,7 @@
           <a:p>
             <a:fld id="{A5358068-B55E-472E-8EF6-2EE20D143D55}" type="datetimeFigureOut">
               <a:rPr lang="en-ID" smtClean="0"/>
-              <a:t>20/08/2024</a:t>
+              <a:t>22/08/2024</a:t>
             </a:fld>
             <a:endParaRPr lang="en-ID"/>
           </a:p>
@@ -488,7 +491,7 @@
           <a:p>
             <a:fld id="{A5358068-B55E-472E-8EF6-2EE20D143D55}" type="datetimeFigureOut">
               <a:rPr lang="en-ID" smtClean="0"/>
-              <a:t>20/08/2024</a:t>
+              <a:t>22/08/2024</a:t>
             </a:fld>
             <a:endParaRPr lang="en-ID"/>
           </a:p>
@@ -698,7 +701,7 @@
           <a:p>
             <a:fld id="{A5358068-B55E-472E-8EF6-2EE20D143D55}" type="datetimeFigureOut">
               <a:rPr lang="en-ID" smtClean="0"/>
-              <a:t>20/08/2024</a:t>
+              <a:t>22/08/2024</a:t>
             </a:fld>
             <a:endParaRPr lang="en-ID"/>
           </a:p>
@@ -898,7 +901,7 @@
           <a:p>
             <a:fld id="{A5358068-B55E-472E-8EF6-2EE20D143D55}" type="datetimeFigureOut">
               <a:rPr lang="en-ID" smtClean="0"/>
-              <a:t>20/08/2024</a:t>
+              <a:t>22/08/2024</a:t>
             </a:fld>
             <a:endParaRPr lang="en-ID"/>
           </a:p>
@@ -1174,7 +1177,7 @@
           <a:p>
             <a:fld id="{A5358068-B55E-472E-8EF6-2EE20D143D55}" type="datetimeFigureOut">
               <a:rPr lang="en-ID" smtClean="0"/>
-              <a:t>20/08/2024</a:t>
+              <a:t>22/08/2024</a:t>
             </a:fld>
             <a:endParaRPr lang="en-ID"/>
           </a:p>
@@ -1442,7 +1445,7 @@
           <a:p>
             <a:fld id="{A5358068-B55E-472E-8EF6-2EE20D143D55}" type="datetimeFigureOut">
               <a:rPr lang="en-ID" smtClean="0"/>
-              <a:t>20/08/2024</a:t>
+              <a:t>22/08/2024</a:t>
             </a:fld>
             <a:endParaRPr lang="en-ID"/>
           </a:p>
@@ -1857,7 +1860,7 @@
           <a:p>
             <a:fld id="{A5358068-B55E-472E-8EF6-2EE20D143D55}" type="datetimeFigureOut">
               <a:rPr lang="en-ID" smtClean="0"/>
-              <a:t>20/08/2024</a:t>
+              <a:t>22/08/2024</a:t>
             </a:fld>
             <a:endParaRPr lang="en-ID"/>
           </a:p>
@@ -1999,7 +2002,7 @@
           <a:p>
             <a:fld id="{A5358068-B55E-472E-8EF6-2EE20D143D55}" type="datetimeFigureOut">
               <a:rPr lang="en-ID" smtClean="0"/>
-              <a:t>20/08/2024</a:t>
+              <a:t>22/08/2024</a:t>
             </a:fld>
             <a:endParaRPr lang="en-ID"/>
           </a:p>
@@ -2112,7 +2115,7 @@
           <a:p>
             <a:fld id="{A5358068-B55E-472E-8EF6-2EE20D143D55}" type="datetimeFigureOut">
               <a:rPr lang="en-ID" smtClean="0"/>
-              <a:t>20/08/2024</a:t>
+              <a:t>22/08/2024</a:t>
             </a:fld>
             <a:endParaRPr lang="en-ID"/>
           </a:p>
@@ -2425,7 +2428,7 @@
           <a:p>
             <a:fld id="{A5358068-B55E-472E-8EF6-2EE20D143D55}" type="datetimeFigureOut">
               <a:rPr lang="en-ID" smtClean="0"/>
-              <a:t>20/08/2024</a:t>
+              <a:t>22/08/2024</a:t>
             </a:fld>
             <a:endParaRPr lang="en-ID"/>
           </a:p>
@@ -2714,7 +2717,7 @@
           <a:p>
             <a:fld id="{A5358068-B55E-472E-8EF6-2EE20D143D55}" type="datetimeFigureOut">
               <a:rPr lang="en-ID" smtClean="0"/>
-              <a:t>20/08/2024</a:t>
+              <a:t>22/08/2024</a:t>
             </a:fld>
             <a:endParaRPr lang="en-ID"/>
           </a:p>
@@ -2957,7 +2960,7 @@
           <a:p>
             <a:fld id="{A5358068-B55E-472E-8EF6-2EE20D143D55}" type="datetimeFigureOut">
               <a:rPr lang="en-ID" smtClean="0"/>
-              <a:t>20/08/2024</a:t>
+              <a:t>22/08/2024</a:t>
             </a:fld>
             <a:endParaRPr lang="en-ID"/>
           </a:p>
@@ -3456,6 +3459,1483 @@
       </p:grpSpPr>
       <p:grpSp>
         <p:nvGrpSpPr>
+          <p:cNvPr id="61" name="Group 60">
+            <a:extLst>
+              <a:ext uri="{FF2B5EF4-FFF2-40B4-BE49-F238E27FC236}">
+                <a16:creationId xmlns:a16="http://schemas.microsoft.com/office/drawing/2014/main" id="{84FD5A06-E512-6A8A-6186-004D70779116}"/>
+              </a:ext>
+            </a:extLst>
+          </p:cNvPr>
+          <p:cNvGrpSpPr/>
+          <p:nvPr/>
+        </p:nvGrpSpPr>
+        <p:grpSpPr>
+          <a:xfrm>
+            <a:off x="804931" y="1253359"/>
+            <a:ext cx="9426720" cy="4351281"/>
+            <a:chOff x="1031073" y="1253359"/>
+            <a:chExt cx="9426720" cy="4351281"/>
+          </a:xfrm>
+        </p:grpSpPr>
+        <p:sp>
+          <p:nvSpPr>
+            <p:cNvPr id="19" name="Flowchart: Connector 18">
+              <a:extLst>
+                <a:ext uri="{FF2B5EF4-FFF2-40B4-BE49-F238E27FC236}">
+                  <a16:creationId xmlns:a16="http://schemas.microsoft.com/office/drawing/2014/main" id="{1A13C06F-7F98-5A6A-49CE-2EAF5ED0E3E9}"/>
+                </a:ext>
+              </a:extLst>
+            </p:cNvPr>
+            <p:cNvSpPr/>
+            <p:nvPr/>
+          </p:nvSpPr>
+          <p:spPr>
+            <a:xfrm>
+              <a:off x="8034246" y="3356767"/>
+              <a:ext cx="144000" cy="144463"/>
+            </a:xfrm>
+            <a:prstGeom prst="flowChartConnector">
+              <a:avLst/>
+            </a:prstGeom>
+            <a:solidFill>
+              <a:srgbClr val="FFC000"/>
+            </a:solidFill>
+          </p:spPr>
+          <p:style>
+            <a:lnRef idx="2">
+              <a:schemeClr val="accent1">
+                <a:shade val="15000"/>
+              </a:schemeClr>
+            </a:lnRef>
+            <a:fillRef idx="1">
+              <a:schemeClr val="accent1"/>
+            </a:fillRef>
+            <a:effectRef idx="0">
+              <a:schemeClr val="accent1"/>
+            </a:effectRef>
+            <a:fontRef idx="minor">
+              <a:schemeClr val="lt1"/>
+            </a:fontRef>
+          </p:style>
+          <p:txBody>
+            <a:bodyPr rtlCol="0" anchor="ctr"/>
+            <a:lstStyle/>
+            <a:p>
+              <a:pPr algn="ctr"/>
+              <a:endParaRPr lang="en-ID"/>
+            </a:p>
+          </p:txBody>
+        </p:sp>
+        <p:grpSp>
+          <p:nvGrpSpPr>
+            <p:cNvPr id="60" name="Group 59">
+              <a:extLst>
+                <a:ext uri="{FF2B5EF4-FFF2-40B4-BE49-F238E27FC236}">
+                  <a16:creationId xmlns:a16="http://schemas.microsoft.com/office/drawing/2014/main" id="{DE8D1383-4904-D18D-D85C-4A58210FAF53}"/>
+                </a:ext>
+              </a:extLst>
+            </p:cNvPr>
+            <p:cNvGrpSpPr/>
+            <p:nvPr/>
+          </p:nvGrpSpPr>
+          <p:grpSpPr>
+            <a:xfrm>
+              <a:off x="1031073" y="1253359"/>
+              <a:ext cx="9426720" cy="4351281"/>
+              <a:chOff x="1031073" y="1253359"/>
+              <a:chExt cx="9426720" cy="4351281"/>
+            </a:xfrm>
+          </p:grpSpPr>
+          <p:sp>
+            <p:nvSpPr>
+              <p:cNvPr id="2" name="Oval 1">
+                <a:extLst>
+                  <a:ext uri="{FF2B5EF4-FFF2-40B4-BE49-F238E27FC236}">
+                    <a16:creationId xmlns:a16="http://schemas.microsoft.com/office/drawing/2014/main" id="{5D9BC32F-91A7-B37F-DE80-FEBB0DA74606}"/>
+                  </a:ext>
+                </a:extLst>
+              </p:cNvPr>
+              <p:cNvSpPr/>
+              <p:nvPr/>
+            </p:nvSpPr>
+            <p:spPr>
+              <a:xfrm>
+                <a:off x="5708650" y="1253359"/>
+                <a:ext cx="774700" cy="4351281"/>
+              </a:xfrm>
+              <a:prstGeom prst="ellipse">
+                <a:avLst/>
+              </a:prstGeom>
+              <a:gradFill>
+                <a:gsLst>
+                  <a:gs pos="43000">
+                    <a:schemeClr val="accent1"/>
+                  </a:gs>
+                  <a:gs pos="91000">
+                    <a:schemeClr val="accent1">
+                      <a:lumMod val="45000"/>
+                      <a:lumOff val="55000"/>
+                    </a:schemeClr>
+                  </a:gs>
+                  <a:gs pos="9000">
+                    <a:schemeClr val="accent1">
+                      <a:lumMod val="30000"/>
+                      <a:lumOff val="70000"/>
+                    </a:schemeClr>
+                  </a:gs>
+                </a:gsLst>
+                <a:lin ang="5400000" scaled="1"/>
+              </a:gradFill>
+            </p:spPr>
+            <p:style>
+              <a:lnRef idx="2">
+                <a:schemeClr val="accent1">
+                  <a:shade val="15000"/>
+                </a:schemeClr>
+              </a:lnRef>
+              <a:fillRef idx="1">
+                <a:schemeClr val="accent1"/>
+              </a:fillRef>
+              <a:effectRef idx="0">
+                <a:schemeClr val="accent1"/>
+              </a:effectRef>
+              <a:fontRef idx="minor">
+                <a:schemeClr val="lt1"/>
+              </a:fontRef>
+            </p:style>
+            <p:txBody>
+              <a:bodyPr rtlCol="0" anchor="ctr"/>
+              <a:lstStyle/>
+              <a:p>
+                <a:pPr algn="ctr"/>
+                <a:endParaRPr lang="en-ID" dirty="0"/>
+              </a:p>
+            </p:txBody>
+          </p:sp>
+          <p:cxnSp>
+            <p:nvCxnSpPr>
+              <p:cNvPr id="6" name="Straight Connector 5">
+                <a:extLst>
+                  <a:ext uri="{FF2B5EF4-FFF2-40B4-BE49-F238E27FC236}">
+                    <a16:creationId xmlns:a16="http://schemas.microsoft.com/office/drawing/2014/main" id="{3C1B6FA1-E876-64D0-0BD7-9CF82BAA95EF}"/>
+                  </a:ext>
+                </a:extLst>
+              </p:cNvPr>
+              <p:cNvCxnSpPr>
+                <a:cxnSpLocks/>
+              </p:cNvCxnSpPr>
+              <p:nvPr/>
+            </p:nvCxnSpPr>
+            <p:spPr>
+              <a:xfrm>
+                <a:off x="1776248" y="3429000"/>
+                <a:ext cx="8681545" cy="0"/>
+              </a:xfrm>
+              <a:prstGeom prst="line">
+                <a:avLst/>
+              </a:prstGeom>
+              <a:ln w="50800">
+                <a:solidFill>
+                  <a:srgbClr val="FF0000"/>
+                </a:solidFill>
+                <a:prstDash val="sysDash"/>
+              </a:ln>
+            </p:spPr>
+            <p:style>
+              <a:lnRef idx="1">
+                <a:schemeClr val="accent1"/>
+              </a:lnRef>
+              <a:fillRef idx="0">
+                <a:schemeClr val="accent1"/>
+              </a:fillRef>
+              <a:effectRef idx="0">
+                <a:schemeClr val="accent1"/>
+              </a:effectRef>
+              <a:fontRef idx="minor">
+                <a:schemeClr val="tx1"/>
+              </a:fontRef>
+            </p:style>
+          </p:cxnSp>
+          <p:pic>
+            <p:nvPicPr>
+              <p:cNvPr id="7" name="Picture 6">
+                <a:extLst>
+                  <a:ext uri="{FF2B5EF4-FFF2-40B4-BE49-F238E27FC236}">
+                    <a16:creationId xmlns:a16="http://schemas.microsoft.com/office/drawing/2014/main" id="{D7DE8A44-D189-5F0E-3BC0-16CDE22F27A2}"/>
+                  </a:ext>
+                </a:extLst>
+              </p:cNvPr>
+              <p:cNvPicPr>
+                <a:picLocks noChangeAspect="1"/>
+              </p:cNvPicPr>
+              <p:nvPr/>
+            </p:nvPicPr>
+            <p:blipFill rotWithShape="1">
+              <a:blip r:embed="rId2">
+                <a:extLst>
+                  <a:ext uri="{28A0092B-C50C-407E-A947-70E740481C1C}">
+                    <a14:useLocalDpi xmlns:a14="http://schemas.microsoft.com/office/drawing/2010/main" val="0"/>
+                  </a:ext>
+                </a:extLst>
+              </a:blip>
+              <a:srcRect l="25333" t="21466" r="51467" b="3466"/>
+              <a:stretch/>
+            </p:blipFill>
+            <p:spPr bwMode="auto">
+              <a:xfrm>
+                <a:off x="1734207" y="1873248"/>
+                <a:ext cx="480818" cy="1555750"/>
+              </a:xfrm>
+              <a:prstGeom prst="rect">
+                <a:avLst/>
+              </a:prstGeom>
+              <a:ln>
+                <a:noFill/>
+              </a:ln>
+              <a:extLst>
+                <a:ext uri="{53640926-AAD7-44D8-BBD7-CCE9431645EC}">
+                  <a14:shadowObscured xmlns:a14="http://schemas.microsoft.com/office/drawing/2010/main"/>
+                </a:ext>
+              </a:extLst>
+            </p:spPr>
+          </p:pic>
+          <p:cxnSp>
+            <p:nvCxnSpPr>
+              <p:cNvPr id="9" name="Straight Arrow Connector 8">
+                <a:extLst>
+                  <a:ext uri="{FF2B5EF4-FFF2-40B4-BE49-F238E27FC236}">
+                    <a16:creationId xmlns:a16="http://schemas.microsoft.com/office/drawing/2014/main" id="{BA4B8D28-DE18-9A9C-5497-B788FEE88C23}"/>
+                  </a:ext>
+                </a:extLst>
+              </p:cNvPr>
+              <p:cNvCxnSpPr>
+                <a:stCxn id="7" idx="0"/>
+                <a:endCxn id="2" idx="1"/>
+              </p:cNvCxnSpPr>
+              <p:nvPr/>
+            </p:nvCxnSpPr>
+            <p:spPr>
+              <a:xfrm>
+                <a:off x="1974616" y="1873248"/>
+                <a:ext cx="3847486" cy="17341"/>
+              </a:xfrm>
+              <a:prstGeom prst="straightConnector1">
+                <a:avLst/>
+              </a:prstGeom>
+              <a:ln w="50800">
+                <a:solidFill>
+                  <a:srgbClr val="FFFF00"/>
+                </a:solidFill>
+                <a:tailEnd type="triangle"/>
+              </a:ln>
+            </p:spPr>
+            <p:style>
+              <a:lnRef idx="1">
+                <a:schemeClr val="accent1"/>
+              </a:lnRef>
+              <a:fillRef idx="0">
+                <a:schemeClr val="accent1"/>
+              </a:fillRef>
+              <a:effectRef idx="0">
+                <a:schemeClr val="accent1"/>
+              </a:effectRef>
+              <a:fontRef idx="minor">
+                <a:schemeClr val="tx1"/>
+              </a:fontRef>
+            </p:style>
+          </p:cxnSp>
+          <p:sp>
+            <p:nvSpPr>
+              <p:cNvPr id="14" name="Flowchart: Connector 13">
+                <a:extLst>
+                  <a:ext uri="{FF2B5EF4-FFF2-40B4-BE49-F238E27FC236}">
+                    <a16:creationId xmlns:a16="http://schemas.microsoft.com/office/drawing/2014/main" id="{6051DA6A-6C38-899E-1BFC-17EE8359900F}"/>
+                  </a:ext>
+                </a:extLst>
+              </p:cNvPr>
+              <p:cNvSpPr/>
+              <p:nvPr/>
+            </p:nvSpPr>
+            <p:spPr>
+              <a:xfrm>
+                <a:off x="4134417" y="3356767"/>
+                <a:ext cx="144000" cy="144463"/>
+              </a:xfrm>
+              <a:prstGeom prst="flowChartConnector">
+                <a:avLst/>
+              </a:prstGeom>
+              <a:solidFill>
+                <a:srgbClr val="FFC000"/>
+              </a:solidFill>
+            </p:spPr>
+            <p:style>
+              <a:lnRef idx="2">
+                <a:schemeClr val="accent1">
+                  <a:shade val="15000"/>
+                </a:schemeClr>
+              </a:lnRef>
+              <a:fillRef idx="1">
+                <a:schemeClr val="accent1"/>
+              </a:fillRef>
+              <a:effectRef idx="0">
+                <a:schemeClr val="accent1"/>
+              </a:effectRef>
+              <a:fontRef idx="minor">
+                <a:schemeClr val="lt1"/>
+              </a:fontRef>
+            </p:style>
+            <p:txBody>
+              <a:bodyPr rtlCol="0" anchor="ctr"/>
+              <a:lstStyle/>
+              <a:p>
+                <a:pPr algn="ctr"/>
+                <a:endParaRPr lang="en-ID"/>
+              </a:p>
+            </p:txBody>
+          </p:sp>
+          <p:sp>
+            <p:nvSpPr>
+              <p:cNvPr id="15" name="TextBox 14">
+                <a:extLst>
+                  <a:ext uri="{FF2B5EF4-FFF2-40B4-BE49-F238E27FC236}">
+                    <a16:creationId xmlns:a16="http://schemas.microsoft.com/office/drawing/2014/main" id="{326FC9E5-027D-F94A-E937-F920614BD874}"/>
+                  </a:ext>
+                </a:extLst>
+              </p:cNvPr>
+              <p:cNvSpPr txBox="1"/>
+              <p:nvPr/>
+            </p:nvSpPr>
+            <p:spPr>
+              <a:xfrm>
+                <a:off x="4041395" y="3558714"/>
+                <a:ext cx="360594" cy="369322"/>
+              </a:xfrm>
+              <a:prstGeom prst="rect">
+                <a:avLst/>
+              </a:prstGeom>
+              <a:noFill/>
+            </p:spPr>
+            <p:txBody>
+              <a:bodyPr wrap="square" rtlCol="0">
+                <a:spAutoFit/>
+              </a:bodyPr>
+              <a:lstStyle/>
+              <a:p>
+                <a:pPr algn="ctr"/>
+                <a:r>
+                  <a:rPr lang="en-US" dirty="0">
+                    <a:solidFill>
+                      <a:schemeClr val="bg1"/>
+                    </a:solidFill>
+                    <a:latin typeface="Times New Roman" panose="02020603050405020304" pitchFamily="18" charset="0"/>
+                    <a:cs typeface="Times New Roman" panose="02020603050405020304" pitchFamily="18" charset="0"/>
+                  </a:rPr>
+                  <a:t>F</a:t>
+                </a:r>
+                <a:endParaRPr lang="en-ID" dirty="0">
+                  <a:solidFill>
+                    <a:schemeClr val="bg1"/>
+                  </a:solidFill>
+                  <a:latin typeface="Times New Roman" panose="02020603050405020304" pitchFamily="18" charset="0"/>
+                  <a:cs typeface="Times New Roman" panose="02020603050405020304" pitchFamily="18" charset="0"/>
+                </a:endParaRPr>
+              </a:p>
+            </p:txBody>
+          </p:sp>
+          <p:sp>
+            <p:nvSpPr>
+              <p:cNvPr id="17" name="Flowchart: Connector 16">
+                <a:extLst>
+                  <a:ext uri="{FF2B5EF4-FFF2-40B4-BE49-F238E27FC236}">
+                    <a16:creationId xmlns:a16="http://schemas.microsoft.com/office/drawing/2014/main" id="{CAAFEAFC-7009-E48A-8984-DF74C87E1892}"/>
+                  </a:ext>
+                </a:extLst>
+              </p:cNvPr>
+              <p:cNvSpPr/>
+              <p:nvPr/>
+            </p:nvSpPr>
+            <p:spPr>
+              <a:xfrm>
+                <a:off x="2364717" y="3356767"/>
+                <a:ext cx="144000" cy="144463"/>
+              </a:xfrm>
+              <a:prstGeom prst="flowChartConnector">
+                <a:avLst/>
+              </a:prstGeom>
+              <a:solidFill>
+                <a:srgbClr val="FFC000"/>
+              </a:solidFill>
+            </p:spPr>
+            <p:style>
+              <a:lnRef idx="2">
+                <a:schemeClr val="accent1">
+                  <a:shade val="15000"/>
+                </a:schemeClr>
+              </a:lnRef>
+              <a:fillRef idx="1">
+                <a:schemeClr val="accent1"/>
+              </a:fillRef>
+              <a:effectRef idx="0">
+                <a:schemeClr val="accent1"/>
+              </a:effectRef>
+              <a:fontRef idx="minor">
+                <a:schemeClr val="lt1"/>
+              </a:fontRef>
+            </p:style>
+            <p:txBody>
+              <a:bodyPr rtlCol="0" anchor="ctr"/>
+              <a:lstStyle/>
+              <a:p>
+                <a:pPr algn="ctr"/>
+                <a:endParaRPr lang="en-ID"/>
+              </a:p>
+            </p:txBody>
+          </p:sp>
+          <p:sp>
+            <p:nvSpPr>
+              <p:cNvPr id="18" name="TextBox 17">
+                <a:extLst>
+                  <a:ext uri="{FF2B5EF4-FFF2-40B4-BE49-F238E27FC236}">
+                    <a16:creationId xmlns:a16="http://schemas.microsoft.com/office/drawing/2014/main" id="{2FC1D997-E8C3-31D0-F21D-A8CAF8E8CEBA}"/>
+                  </a:ext>
+                </a:extLst>
+              </p:cNvPr>
+              <p:cNvSpPr txBox="1"/>
+              <p:nvPr/>
+            </p:nvSpPr>
+            <p:spPr>
+              <a:xfrm>
+                <a:off x="2181574" y="3573463"/>
+                <a:ext cx="519710" cy="369332"/>
+              </a:xfrm>
+              <a:prstGeom prst="rect">
+                <a:avLst/>
+              </a:prstGeom>
+              <a:noFill/>
+            </p:spPr>
+            <p:txBody>
+              <a:bodyPr wrap="square" rtlCol="0">
+                <a:spAutoFit/>
+              </a:bodyPr>
+              <a:lstStyle/>
+              <a:p>
+                <a:pPr algn="ctr"/>
+                <a:r>
+                  <a:rPr lang="en-US" dirty="0">
+                    <a:solidFill>
+                      <a:schemeClr val="bg1"/>
+                    </a:solidFill>
+                    <a:latin typeface="Times New Roman" panose="02020603050405020304" pitchFamily="18" charset="0"/>
+                    <a:cs typeface="Times New Roman" panose="02020603050405020304" pitchFamily="18" charset="0"/>
+                  </a:rPr>
+                  <a:t>2F</a:t>
+                </a:r>
+                <a:endParaRPr lang="en-ID" dirty="0">
+                  <a:solidFill>
+                    <a:schemeClr val="bg1"/>
+                  </a:solidFill>
+                  <a:latin typeface="Times New Roman" panose="02020603050405020304" pitchFamily="18" charset="0"/>
+                  <a:cs typeface="Times New Roman" panose="02020603050405020304" pitchFamily="18" charset="0"/>
+                </a:endParaRPr>
+              </a:p>
+            </p:txBody>
+          </p:sp>
+          <p:sp>
+            <p:nvSpPr>
+              <p:cNvPr id="20" name="TextBox 19">
+                <a:extLst>
+                  <a:ext uri="{FF2B5EF4-FFF2-40B4-BE49-F238E27FC236}">
+                    <a16:creationId xmlns:a16="http://schemas.microsoft.com/office/drawing/2014/main" id="{C40F2C65-2A3C-7CA6-1FE1-7B10FB34AF24}"/>
+                  </a:ext>
+                </a:extLst>
+              </p:cNvPr>
+              <p:cNvSpPr txBox="1"/>
+              <p:nvPr/>
+            </p:nvSpPr>
+            <p:spPr>
+              <a:xfrm>
+                <a:off x="7941224" y="3558714"/>
+                <a:ext cx="360594" cy="369322"/>
+              </a:xfrm>
+              <a:prstGeom prst="rect">
+                <a:avLst/>
+              </a:prstGeom>
+              <a:noFill/>
+            </p:spPr>
+            <p:txBody>
+              <a:bodyPr wrap="square" rtlCol="0">
+                <a:spAutoFit/>
+              </a:bodyPr>
+              <a:lstStyle/>
+              <a:p>
+                <a:pPr algn="ctr"/>
+                <a:r>
+                  <a:rPr lang="en-US" dirty="0">
+                    <a:solidFill>
+                      <a:schemeClr val="bg1"/>
+                    </a:solidFill>
+                    <a:latin typeface="Times New Roman" panose="02020603050405020304" pitchFamily="18" charset="0"/>
+                    <a:cs typeface="Times New Roman" panose="02020603050405020304" pitchFamily="18" charset="0"/>
+                  </a:rPr>
+                  <a:t>F</a:t>
+                </a:r>
+                <a:endParaRPr lang="en-ID" dirty="0">
+                  <a:solidFill>
+                    <a:schemeClr val="bg1"/>
+                  </a:solidFill>
+                  <a:latin typeface="Times New Roman" panose="02020603050405020304" pitchFamily="18" charset="0"/>
+                  <a:cs typeface="Times New Roman" panose="02020603050405020304" pitchFamily="18" charset="0"/>
+                </a:endParaRPr>
+              </a:p>
+            </p:txBody>
+          </p:sp>
+          <p:cxnSp>
+            <p:nvCxnSpPr>
+              <p:cNvPr id="22" name="Straight Arrow Connector 21">
+                <a:extLst>
+                  <a:ext uri="{FF2B5EF4-FFF2-40B4-BE49-F238E27FC236}">
+                    <a16:creationId xmlns:a16="http://schemas.microsoft.com/office/drawing/2014/main" id="{CD7631CC-6F70-B194-3764-058DF4945E92}"/>
+                  </a:ext>
+                </a:extLst>
+              </p:cNvPr>
+              <p:cNvCxnSpPr>
+                <a:cxnSpLocks/>
+                <a:stCxn id="2" idx="7"/>
+                <a:endCxn id="45" idx="0"/>
+              </p:cNvCxnSpPr>
+              <p:nvPr/>
+            </p:nvCxnSpPr>
+            <p:spPr>
+              <a:xfrm>
+                <a:off x="6369898" y="1890589"/>
+                <a:ext cx="3029805" cy="2698900"/>
+              </a:xfrm>
+              <a:prstGeom prst="straightConnector1">
+                <a:avLst/>
+              </a:prstGeom>
+              <a:ln w="50800">
+                <a:solidFill>
+                  <a:srgbClr val="FFFF00"/>
+                </a:solidFill>
+                <a:tailEnd type="triangle"/>
+              </a:ln>
+            </p:spPr>
+            <p:style>
+              <a:lnRef idx="1">
+                <a:schemeClr val="accent1"/>
+              </a:lnRef>
+              <a:fillRef idx="0">
+                <a:schemeClr val="accent1"/>
+              </a:fillRef>
+              <a:effectRef idx="0">
+                <a:schemeClr val="accent1"/>
+              </a:effectRef>
+              <a:fontRef idx="minor">
+                <a:schemeClr val="tx1"/>
+              </a:fontRef>
+            </p:style>
+          </p:cxnSp>
+          <p:cxnSp>
+            <p:nvCxnSpPr>
+              <p:cNvPr id="24" name="Straight Arrow Connector 23">
+                <a:extLst>
+                  <a:ext uri="{FF2B5EF4-FFF2-40B4-BE49-F238E27FC236}">
+                    <a16:creationId xmlns:a16="http://schemas.microsoft.com/office/drawing/2014/main" id="{27A54B7B-6AA3-9D55-59DC-BD7D08C80733}"/>
+                  </a:ext>
+                </a:extLst>
+              </p:cNvPr>
+              <p:cNvCxnSpPr>
+                <a:cxnSpLocks/>
+                <a:stCxn id="7" idx="0"/>
+              </p:cNvCxnSpPr>
+              <p:nvPr/>
+            </p:nvCxnSpPr>
+            <p:spPr>
+              <a:xfrm>
+                <a:off x="1974616" y="1873248"/>
+                <a:ext cx="3734034" cy="1184626"/>
+              </a:xfrm>
+              <a:prstGeom prst="straightConnector1">
+                <a:avLst/>
+              </a:prstGeom>
+              <a:ln w="50800">
+                <a:solidFill>
+                  <a:srgbClr val="FFFF00"/>
+                </a:solidFill>
+                <a:tailEnd type="triangle"/>
+              </a:ln>
+            </p:spPr>
+            <p:style>
+              <a:lnRef idx="1">
+                <a:schemeClr val="accent1"/>
+              </a:lnRef>
+              <a:fillRef idx="0">
+                <a:schemeClr val="accent1"/>
+              </a:fillRef>
+              <a:effectRef idx="0">
+                <a:schemeClr val="accent1"/>
+              </a:effectRef>
+              <a:fontRef idx="minor">
+                <a:schemeClr val="tx1"/>
+              </a:fontRef>
+            </p:style>
+          </p:cxnSp>
+          <p:cxnSp>
+            <p:nvCxnSpPr>
+              <p:cNvPr id="31" name="Straight Arrow Connector 30">
+                <a:extLst>
+                  <a:ext uri="{FF2B5EF4-FFF2-40B4-BE49-F238E27FC236}">
+                    <a16:creationId xmlns:a16="http://schemas.microsoft.com/office/drawing/2014/main" id="{8A365A0A-AC98-8FC2-FAEC-9E2F99625642}"/>
+                  </a:ext>
+                </a:extLst>
+              </p:cNvPr>
+              <p:cNvCxnSpPr>
+                <a:cxnSpLocks/>
+                <a:stCxn id="2" idx="6"/>
+                <a:endCxn id="45" idx="0"/>
+              </p:cNvCxnSpPr>
+              <p:nvPr/>
+            </p:nvCxnSpPr>
+            <p:spPr>
+              <a:xfrm>
+                <a:off x="6483350" y="3429000"/>
+                <a:ext cx="2916353" cy="1160489"/>
+              </a:xfrm>
+              <a:prstGeom prst="straightConnector1">
+                <a:avLst/>
+              </a:prstGeom>
+              <a:ln w="50800">
+                <a:solidFill>
+                  <a:srgbClr val="FFFF00"/>
+                </a:solidFill>
+                <a:tailEnd type="triangle"/>
+              </a:ln>
+            </p:spPr>
+            <p:style>
+              <a:lnRef idx="1">
+                <a:schemeClr val="accent1"/>
+              </a:lnRef>
+              <a:fillRef idx="0">
+                <a:schemeClr val="accent1"/>
+              </a:fillRef>
+              <a:effectRef idx="0">
+                <a:schemeClr val="accent1"/>
+              </a:effectRef>
+              <a:fontRef idx="minor">
+                <a:schemeClr val="tx1"/>
+              </a:fontRef>
+            </p:style>
+          </p:cxnSp>
+          <p:cxnSp>
+            <p:nvCxnSpPr>
+              <p:cNvPr id="36" name="Straight Arrow Connector 35">
+                <a:extLst>
+                  <a:ext uri="{FF2B5EF4-FFF2-40B4-BE49-F238E27FC236}">
+                    <a16:creationId xmlns:a16="http://schemas.microsoft.com/office/drawing/2014/main" id="{22D7E75C-9721-F04D-7F81-A2D89C43E564}"/>
+                  </a:ext>
+                </a:extLst>
+              </p:cNvPr>
+              <p:cNvCxnSpPr>
+                <a:cxnSpLocks/>
+                <a:stCxn id="7" idx="0"/>
+              </p:cNvCxnSpPr>
+              <p:nvPr/>
+            </p:nvCxnSpPr>
+            <p:spPr>
+              <a:xfrm>
+                <a:off x="1974616" y="1873248"/>
+                <a:ext cx="3776075" cy="2593649"/>
+              </a:xfrm>
+              <a:prstGeom prst="straightConnector1">
+                <a:avLst/>
+              </a:prstGeom>
+              <a:ln w="50800">
+                <a:solidFill>
+                  <a:srgbClr val="FFFF00"/>
+                </a:solidFill>
+                <a:tailEnd type="triangle"/>
+              </a:ln>
+            </p:spPr>
+            <p:style>
+              <a:lnRef idx="1">
+                <a:schemeClr val="accent1"/>
+              </a:lnRef>
+              <a:fillRef idx="0">
+                <a:schemeClr val="accent1"/>
+              </a:fillRef>
+              <a:effectRef idx="0">
+                <a:schemeClr val="accent1"/>
+              </a:effectRef>
+              <a:fontRef idx="minor">
+                <a:schemeClr val="tx1"/>
+              </a:fontRef>
+            </p:style>
+          </p:cxnSp>
+          <p:cxnSp>
+            <p:nvCxnSpPr>
+              <p:cNvPr id="43" name="Straight Arrow Connector 42">
+                <a:extLst>
+                  <a:ext uri="{FF2B5EF4-FFF2-40B4-BE49-F238E27FC236}">
+                    <a16:creationId xmlns:a16="http://schemas.microsoft.com/office/drawing/2014/main" id="{4F509DC9-F07F-916C-6C8C-83FBAE72377C}"/>
+                  </a:ext>
+                </a:extLst>
+              </p:cNvPr>
+              <p:cNvCxnSpPr>
+                <a:cxnSpLocks/>
+                <a:endCxn id="45" idx="0"/>
+              </p:cNvCxnSpPr>
+              <p:nvPr/>
+            </p:nvCxnSpPr>
+            <p:spPr>
+              <a:xfrm>
+                <a:off x="6438352" y="4542324"/>
+                <a:ext cx="2961351" cy="47165"/>
+              </a:xfrm>
+              <a:prstGeom prst="straightConnector1">
+                <a:avLst/>
+              </a:prstGeom>
+              <a:ln w="50800">
+                <a:solidFill>
+                  <a:srgbClr val="FFFF00"/>
+                </a:solidFill>
+                <a:tailEnd type="triangle"/>
+              </a:ln>
+            </p:spPr>
+            <p:style>
+              <a:lnRef idx="1">
+                <a:schemeClr val="accent1"/>
+              </a:lnRef>
+              <a:fillRef idx="0">
+                <a:schemeClr val="accent1"/>
+              </a:fillRef>
+              <a:effectRef idx="0">
+                <a:schemeClr val="accent1"/>
+              </a:effectRef>
+              <a:fontRef idx="minor">
+                <a:schemeClr val="tx1"/>
+              </a:fontRef>
+            </p:style>
+          </p:cxnSp>
+          <p:pic>
+            <p:nvPicPr>
+              <p:cNvPr id="45" name="Picture 44">
+                <a:extLst>
+                  <a:ext uri="{FF2B5EF4-FFF2-40B4-BE49-F238E27FC236}">
+                    <a16:creationId xmlns:a16="http://schemas.microsoft.com/office/drawing/2014/main" id="{286AE151-347A-8374-7A1D-56970007B809}"/>
+                  </a:ext>
+                </a:extLst>
+              </p:cNvPr>
+              <p:cNvPicPr>
+                <a:picLocks noChangeAspect="1"/>
+              </p:cNvPicPr>
+              <p:nvPr/>
+            </p:nvPicPr>
+            <p:blipFill rotWithShape="1">
+              <a:blip r:embed="rId2">
+                <a:extLst>
+                  <a:ext uri="{28A0092B-C50C-407E-A947-70E740481C1C}">
+                    <a14:useLocalDpi xmlns:a14="http://schemas.microsoft.com/office/drawing/2010/main" val="0"/>
+                  </a:ext>
+                </a:extLst>
+              </a:blip>
+              <a:srcRect l="53200" t="24266" r="26533" b="10400"/>
+              <a:stretch/>
+            </p:blipFill>
+            <p:spPr bwMode="auto">
+              <a:xfrm flipV="1">
+                <a:off x="9219708" y="3428996"/>
+                <a:ext cx="359990" cy="1160493"/>
+              </a:xfrm>
+              <a:prstGeom prst="rect">
+                <a:avLst/>
+              </a:prstGeom>
+              <a:ln>
+                <a:noFill/>
+              </a:ln>
+              <a:extLst>
+                <a:ext uri="{53640926-AAD7-44D8-BBD7-CCE9431645EC}">
+                  <a14:shadowObscured xmlns:a14="http://schemas.microsoft.com/office/drawing/2010/main"/>
+                </a:ext>
+              </a:extLst>
+            </p:spPr>
+          </p:pic>
+          <p:sp>
+            <p:nvSpPr>
+              <p:cNvPr id="56" name="Flowchart: Connector 55">
+                <a:extLst>
+                  <a:ext uri="{FF2B5EF4-FFF2-40B4-BE49-F238E27FC236}">
+                    <a16:creationId xmlns:a16="http://schemas.microsoft.com/office/drawing/2014/main" id="{39167B34-BB00-C742-6796-337E2697DC31}"/>
+                  </a:ext>
+                </a:extLst>
+              </p:cNvPr>
+              <p:cNvSpPr/>
+              <p:nvPr/>
+            </p:nvSpPr>
+            <p:spPr>
+              <a:xfrm>
+                <a:off x="9640408" y="3356767"/>
+                <a:ext cx="144000" cy="144463"/>
+              </a:xfrm>
+              <a:prstGeom prst="flowChartConnector">
+                <a:avLst/>
+              </a:prstGeom>
+              <a:solidFill>
+                <a:srgbClr val="FFC000"/>
+              </a:solidFill>
+            </p:spPr>
+            <p:style>
+              <a:lnRef idx="2">
+                <a:schemeClr val="accent1">
+                  <a:shade val="15000"/>
+                </a:schemeClr>
+              </a:lnRef>
+              <a:fillRef idx="1">
+                <a:schemeClr val="accent1"/>
+              </a:fillRef>
+              <a:effectRef idx="0">
+                <a:schemeClr val="accent1"/>
+              </a:effectRef>
+              <a:fontRef idx="minor">
+                <a:schemeClr val="lt1"/>
+              </a:fontRef>
+            </p:style>
+            <p:txBody>
+              <a:bodyPr rtlCol="0" anchor="ctr"/>
+              <a:lstStyle/>
+              <a:p>
+                <a:pPr algn="ctr"/>
+                <a:endParaRPr lang="en-ID"/>
+              </a:p>
+            </p:txBody>
+          </p:sp>
+          <p:sp>
+            <p:nvSpPr>
+              <p:cNvPr id="57" name="TextBox 56">
+                <a:extLst>
+                  <a:ext uri="{FF2B5EF4-FFF2-40B4-BE49-F238E27FC236}">
+                    <a16:creationId xmlns:a16="http://schemas.microsoft.com/office/drawing/2014/main" id="{2BC6ED32-52E3-5DA8-3283-57E44EE6CCC9}"/>
+                  </a:ext>
+                </a:extLst>
+              </p:cNvPr>
+              <p:cNvSpPr txBox="1"/>
+              <p:nvPr/>
+            </p:nvSpPr>
+            <p:spPr>
+              <a:xfrm>
+                <a:off x="9457265" y="3573463"/>
+                <a:ext cx="519710" cy="369332"/>
+              </a:xfrm>
+              <a:prstGeom prst="rect">
+                <a:avLst/>
+              </a:prstGeom>
+              <a:noFill/>
+            </p:spPr>
+            <p:txBody>
+              <a:bodyPr wrap="square" rtlCol="0">
+                <a:spAutoFit/>
+              </a:bodyPr>
+              <a:lstStyle/>
+              <a:p>
+                <a:pPr algn="ctr"/>
+                <a:r>
+                  <a:rPr lang="en-US" dirty="0">
+                    <a:solidFill>
+                      <a:schemeClr val="bg1"/>
+                    </a:solidFill>
+                    <a:latin typeface="Times New Roman" panose="02020603050405020304" pitchFamily="18" charset="0"/>
+                    <a:cs typeface="Times New Roman" panose="02020603050405020304" pitchFamily="18" charset="0"/>
+                  </a:rPr>
+                  <a:t>2F</a:t>
+                </a:r>
+                <a:endParaRPr lang="en-ID" dirty="0">
+                  <a:solidFill>
+                    <a:schemeClr val="bg1"/>
+                  </a:solidFill>
+                  <a:latin typeface="Times New Roman" panose="02020603050405020304" pitchFamily="18" charset="0"/>
+                  <a:cs typeface="Times New Roman" panose="02020603050405020304" pitchFamily="18" charset="0"/>
+                </a:endParaRPr>
+              </a:p>
+            </p:txBody>
+          </p:sp>
+          <p:sp>
+            <p:nvSpPr>
+              <p:cNvPr id="3" name="TextBox 2">
+                <a:extLst>
+                  <a:ext uri="{FF2B5EF4-FFF2-40B4-BE49-F238E27FC236}">
+                    <a16:creationId xmlns:a16="http://schemas.microsoft.com/office/drawing/2014/main" id="{692E7BBB-4AF2-7C23-4250-F81E39033AF7}"/>
+                  </a:ext>
+                </a:extLst>
+              </p:cNvPr>
+              <p:cNvSpPr txBox="1"/>
+              <p:nvPr/>
+            </p:nvSpPr>
+            <p:spPr>
+              <a:xfrm>
+                <a:off x="8199222" y="2877904"/>
+                <a:ext cx="1761224" cy="369332"/>
+              </a:xfrm>
+              <a:prstGeom prst="rect">
+                <a:avLst/>
+              </a:prstGeom>
+              <a:noFill/>
+            </p:spPr>
+            <p:txBody>
+              <a:bodyPr wrap="square" rtlCol="0">
+                <a:spAutoFit/>
+              </a:bodyPr>
+              <a:lstStyle/>
+              <a:p>
+                <a:pPr algn="ctr"/>
+                <a:r>
+                  <a:rPr lang="en-US" dirty="0" err="1">
+                    <a:solidFill>
+                      <a:schemeClr val="bg1"/>
+                    </a:solidFill>
+                    <a:latin typeface="Times New Roman" panose="02020603050405020304" pitchFamily="18" charset="0"/>
+                    <a:cs typeface="Times New Roman" panose="02020603050405020304" pitchFamily="18" charset="0"/>
+                  </a:rPr>
+                  <a:t>Sumbu</a:t>
+                </a:r>
+                <a:r>
+                  <a:rPr lang="en-US" dirty="0">
+                    <a:solidFill>
+                      <a:schemeClr val="bg1"/>
+                    </a:solidFill>
+                    <a:latin typeface="Times New Roman" panose="02020603050405020304" pitchFamily="18" charset="0"/>
+                    <a:cs typeface="Times New Roman" panose="02020603050405020304" pitchFamily="18" charset="0"/>
+                  </a:rPr>
+                  <a:t> Utama</a:t>
+                </a:r>
+                <a:endParaRPr lang="en-ID" dirty="0">
+                  <a:solidFill>
+                    <a:schemeClr val="bg1"/>
+                  </a:solidFill>
+                  <a:latin typeface="Times New Roman" panose="02020603050405020304" pitchFamily="18" charset="0"/>
+                  <a:cs typeface="Times New Roman" panose="02020603050405020304" pitchFamily="18" charset="0"/>
+                </a:endParaRPr>
+              </a:p>
+            </p:txBody>
+          </p:sp>
+          <p:sp>
+            <p:nvSpPr>
+              <p:cNvPr id="4" name="TextBox 3">
+                <a:extLst>
+                  <a:ext uri="{FF2B5EF4-FFF2-40B4-BE49-F238E27FC236}">
+                    <a16:creationId xmlns:a16="http://schemas.microsoft.com/office/drawing/2014/main" id="{449D3761-F891-AD91-34C6-E249A6A3CBCA}"/>
+                  </a:ext>
+                </a:extLst>
+              </p:cNvPr>
+              <p:cNvSpPr txBox="1"/>
+              <p:nvPr/>
+            </p:nvSpPr>
+            <p:spPr>
+              <a:xfrm>
+                <a:off x="1031073" y="1443642"/>
+                <a:ext cx="1761224" cy="369332"/>
+              </a:xfrm>
+              <a:prstGeom prst="rect">
+                <a:avLst/>
+              </a:prstGeom>
+              <a:noFill/>
+            </p:spPr>
+            <p:txBody>
+              <a:bodyPr wrap="square" rtlCol="0">
+                <a:spAutoFit/>
+              </a:bodyPr>
+              <a:lstStyle/>
+              <a:p>
+                <a:pPr algn="ctr"/>
+                <a:r>
+                  <a:rPr lang="en-US" dirty="0" err="1">
+                    <a:solidFill>
+                      <a:schemeClr val="bg1"/>
+                    </a:solidFill>
+                    <a:latin typeface="Times New Roman" panose="02020603050405020304" pitchFamily="18" charset="0"/>
+                    <a:cs typeface="Times New Roman" panose="02020603050405020304" pitchFamily="18" charset="0"/>
+                  </a:rPr>
+                  <a:t>Objek</a:t>
+                </a:r>
+                <a:endParaRPr lang="en-ID" dirty="0">
+                  <a:solidFill>
+                    <a:schemeClr val="bg1"/>
+                  </a:solidFill>
+                  <a:latin typeface="Times New Roman" panose="02020603050405020304" pitchFamily="18" charset="0"/>
+                  <a:cs typeface="Times New Roman" panose="02020603050405020304" pitchFamily="18" charset="0"/>
+                </a:endParaRPr>
+              </a:p>
+            </p:txBody>
+          </p:sp>
+          <p:sp>
+            <p:nvSpPr>
+              <p:cNvPr id="8" name="TextBox 7">
+                <a:extLst>
+                  <a:ext uri="{FF2B5EF4-FFF2-40B4-BE49-F238E27FC236}">
+                    <a16:creationId xmlns:a16="http://schemas.microsoft.com/office/drawing/2014/main" id="{7BA4F0DF-E37F-E227-4EE8-092AD24842A6}"/>
+                  </a:ext>
+                </a:extLst>
+              </p:cNvPr>
+              <p:cNvSpPr txBox="1"/>
+              <p:nvPr/>
+            </p:nvSpPr>
+            <p:spPr>
+              <a:xfrm>
+                <a:off x="8456160" y="4727732"/>
+                <a:ext cx="1761224" cy="369332"/>
+              </a:xfrm>
+              <a:prstGeom prst="rect">
+                <a:avLst/>
+              </a:prstGeom>
+              <a:noFill/>
+            </p:spPr>
+            <p:txBody>
+              <a:bodyPr wrap="square" rtlCol="0">
+                <a:spAutoFit/>
+              </a:bodyPr>
+              <a:lstStyle/>
+              <a:p>
+                <a:pPr algn="ctr"/>
+                <a:r>
+                  <a:rPr lang="en-US" dirty="0" err="1">
+                    <a:solidFill>
+                      <a:schemeClr val="bg1"/>
+                    </a:solidFill>
+                    <a:latin typeface="Times New Roman" panose="02020603050405020304" pitchFamily="18" charset="0"/>
+                    <a:cs typeface="Times New Roman" panose="02020603050405020304" pitchFamily="18" charset="0"/>
+                  </a:rPr>
+                  <a:t>Bayangan</a:t>
+                </a:r>
+                <a:endParaRPr lang="en-ID" dirty="0">
+                  <a:solidFill>
+                    <a:schemeClr val="bg1"/>
+                  </a:solidFill>
+                  <a:latin typeface="Times New Roman" panose="02020603050405020304" pitchFamily="18" charset="0"/>
+                  <a:cs typeface="Times New Roman" panose="02020603050405020304" pitchFamily="18" charset="0"/>
+                </a:endParaRPr>
+              </a:p>
+            </p:txBody>
+          </p:sp>
+        </p:grpSp>
+      </p:grpSp>
+    </p:spTree>
+    <p:extLst>
+      <p:ext uri="{BB962C8B-B14F-4D97-AF65-F5344CB8AC3E}">
+        <p14:creationId xmlns:p14="http://schemas.microsoft.com/office/powerpoint/2010/main" val="721454909"/>
+      </p:ext>
+    </p:extLst>
+  </p:cSld>
+  <p:clrMapOvr>
+    <a:masterClrMapping/>
+  </p:clrMapOvr>
+</p:sld>
+</file>
+
+<file path=ppt/slides/slide11.xml><?xml version="1.0" encoding="utf-8"?>
+<p:sld xmlns:a="http://schemas.openxmlformats.org/drawingml/2006/main" xmlns:r="http://schemas.openxmlformats.org/officeDocument/2006/relationships" xmlns:p="http://schemas.openxmlformats.org/presentationml/2006/main">
+  <p:cSld>
+    <p:spTree>
+      <p:nvGrpSpPr>
+        <p:cNvPr id="1" name=""/>
+        <p:cNvGrpSpPr/>
+        <p:nvPr/>
+      </p:nvGrpSpPr>
+      <p:grpSpPr>
+        <a:xfrm>
+          <a:off x="0" y="0"/>
+          <a:ext cx="0" cy="0"/>
+          <a:chOff x="0" y="0"/>
+          <a:chExt cx="0" cy="0"/>
+        </a:xfrm>
+      </p:grpSpPr>
+      <p:grpSp>
+        <p:nvGrpSpPr>
+          <p:cNvPr id="6" name="Group 5">
+            <a:extLst>
+              <a:ext uri="{FF2B5EF4-FFF2-40B4-BE49-F238E27FC236}">
+                <a16:creationId xmlns:a16="http://schemas.microsoft.com/office/drawing/2014/main" id="{83322A1E-1F09-EE44-D500-2A7BC3215508}"/>
+              </a:ext>
+            </a:extLst>
+          </p:cNvPr>
+          <p:cNvGrpSpPr/>
+          <p:nvPr/>
+        </p:nvGrpSpPr>
+        <p:grpSpPr>
+          <a:xfrm>
+            <a:off x="2667000" y="0"/>
+            <a:ext cx="6858000" cy="6858000"/>
+            <a:chOff x="2667000" y="0"/>
+            <a:chExt cx="6858000" cy="6858000"/>
+          </a:xfrm>
+        </p:grpSpPr>
+        <p:pic>
+          <p:nvPicPr>
+            <p:cNvPr id="3" name="Picture 2">
+              <a:extLst>
+                <a:ext uri="{FF2B5EF4-FFF2-40B4-BE49-F238E27FC236}">
+                  <a16:creationId xmlns:a16="http://schemas.microsoft.com/office/drawing/2014/main" id="{C485EB77-8C95-DB97-8861-6384D65F4845}"/>
+                </a:ext>
+              </a:extLst>
+            </p:cNvPr>
+            <p:cNvPicPr>
+              <a:picLocks noChangeAspect="1"/>
+            </p:cNvPicPr>
+            <p:nvPr/>
+          </p:nvPicPr>
+          <p:blipFill>
+            <a:blip r:embed="rId2">
+              <a:extLst>
+                <a:ext uri="{28A0092B-C50C-407E-A947-70E740481C1C}">
+                  <a14:useLocalDpi xmlns:a14="http://schemas.microsoft.com/office/drawing/2010/main" val="0"/>
+                </a:ext>
+              </a:extLst>
+            </a:blip>
+            <a:stretch>
+              <a:fillRect/>
+            </a:stretch>
+          </p:blipFill>
+          <p:spPr>
+            <a:xfrm>
+              <a:off x="2667000" y="0"/>
+              <a:ext cx="6858000" cy="6858000"/>
+            </a:xfrm>
+            <a:prstGeom prst="rect">
+              <a:avLst/>
+            </a:prstGeom>
+          </p:spPr>
+        </p:pic>
+        <p:sp>
+          <p:nvSpPr>
+            <p:cNvPr id="4" name="Rectangle 3">
+              <a:extLst>
+                <a:ext uri="{FF2B5EF4-FFF2-40B4-BE49-F238E27FC236}">
+                  <a16:creationId xmlns:a16="http://schemas.microsoft.com/office/drawing/2014/main" id="{E59EB618-9A18-AD95-4A7A-09E2B986AE2F}"/>
+                </a:ext>
+              </a:extLst>
+            </p:cNvPr>
+            <p:cNvSpPr/>
+            <p:nvPr/>
+          </p:nvSpPr>
+          <p:spPr>
+            <a:xfrm>
+              <a:off x="4567084" y="1258529"/>
+              <a:ext cx="3057832" cy="3057832"/>
+            </a:xfrm>
+            <a:prstGeom prst="rect">
+              <a:avLst/>
+            </a:prstGeom>
+            <a:noFill/>
+            <a:ln w="79375">
+              <a:solidFill>
+                <a:srgbClr val="FF0000"/>
+              </a:solidFill>
+              <a:prstDash val="sysDash"/>
+            </a:ln>
+          </p:spPr>
+          <p:style>
+            <a:lnRef idx="2">
+              <a:schemeClr val="accent1">
+                <a:shade val="15000"/>
+              </a:schemeClr>
+            </a:lnRef>
+            <a:fillRef idx="1">
+              <a:schemeClr val="accent1"/>
+            </a:fillRef>
+            <a:effectRef idx="0">
+              <a:schemeClr val="accent1"/>
+            </a:effectRef>
+            <a:fontRef idx="minor">
+              <a:schemeClr val="lt1"/>
+            </a:fontRef>
+          </p:style>
+          <p:txBody>
+            <a:bodyPr rtlCol="0" anchor="ctr"/>
+            <a:lstStyle/>
+            <a:p>
+              <a:pPr algn="ctr"/>
+              <a:endParaRPr lang="en-ID"/>
+            </a:p>
+          </p:txBody>
+        </p:sp>
+        <p:sp>
+          <p:nvSpPr>
+            <p:cNvPr id="5" name="TextBox 4">
+              <a:extLst>
+                <a:ext uri="{FF2B5EF4-FFF2-40B4-BE49-F238E27FC236}">
+                  <a16:creationId xmlns:a16="http://schemas.microsoft.com/office/drawing/2014/main" id="{7F800804-40CF-B866-18AA-F6E90238295D}"/>
+                </a:ext>
+              </a:extLst>
+            </p:cNvPr>
+            <p:cNvSpPr txBox="1"/>
+            <p:nvPr/>
+          </p:nvSpPr>
+          <p:spPr>
+            <a:xfrm>
+              <a:off x="4567084" y="647121"/>
+              <a:ext cx="3057832" cy="461665"/>
+            </a:xfrm>
+            <a:prstGeom prst="rect">
+              <a:avLst/>
+            </a:prstGeom>
+            <a:noFill/>
+          </p:spPr>
+          <p:txBody>
+            <a:bodyPr wrap="square" rtlCol="0">
+              <a:spAutoFit/>
+            </a:bodyPr>
+            <a:lstStyle/>
+            <a:p>
+              <a:pPr algn="ctr"/>
+              <a:r>
+                <a:rPr lang="en-US" sz="2400" dirty="0" err="1">
+                  <a:solidFill>
+                    <a:schemeClr val="bg1"/>
+                  </a:solidFill>
+                  <a:latin typeface="Times New Roman" panose="02020603050405020304" pitchFamily="18" charset="0"/>
+                  <a:cs typeface="Times New Roman" panose="02020603050405020304" pitchFamily="18" charset="0"/>
+                </a:rPr>
+                <a:t>Bayangan</a:t>
+              </a:r>
+              <a:r>
+                <a:rPr lang="en-US" sz="2400" dirty="0">
+                  <a:solidFill>
+                    <a:schemeClr val="bg1"/>
+                  </a:solidFill>
+                  <a:latin typeface="Times New Roman" panose="02020603050405020304" pitchFamily="18" charset="0"/>
+                  <a:cs typeface="Times New Roman" panose="02020603050405020304" pitchFamily="18" charset="0"/>
+                </a:rPr>
+                <a:t> Maya</a:t>
+              </a:r>
+              <a:endParaRPr lang="en-ID" sz="2400" dirty="0">
+                <a:solidFill>
+                  <a:schemeClr val="bg1"/>
+                </a:solidFill>
+                <a:latin typeface="Times New Roman" panose="02020603050405020304" pitchFamily="18" charset="0"/>
+                <a:cs typeface="Times New Roman" panose="02020603050405020304" pitchFamily="18" charset="0"/>
+              </a:endParaRPr>
+            </a:p>
+          </p:txBody>
+        </p:sp>
+      </p:grpSp>
+    </p:spTree>
+    <p:extLst>
+      <p:ext uri="{BB962C8B-B14F-4D97-AF65-F5344CB8AC3E}">
+        <p14:creationId xmlns:p14="http://schemas.microsoft.com/office/powerpoint/2010/main" val="1578011518"/>
+      </p:ext>
+    </p:extLst>
+  </p:cSld>
+  <p:clrMapOvr>
+    <a:masterClrMapping/>
+  </p:clrMapOvr>
+</p:sld>
+</file>
+
+<file path=ppt/slides/slide12.xml><?xml version="1.0" encoding="utf-8"?>
+<p:sld xmlns:a="http://schemas.openxmlformats.org/drawingml/2006/main" xmlns:r="http://schemas.openxmlformats.org/officeDocument/2006/relationships" xmlns:p="http://schemas.openxmlformats.org/presentationml/2006/main">
+  <p:cSld>
+    <p:spTree>
+      <p:nvGrpSpPr>
+        <p:cNvPr id="1" name=""/>
+        <p:cNvGrpSpPr/>
+        <p:nvPr/>
+      </p:nvGrpSpPr>
+      <p:grpSpPr>
+        <a:xfrm>
+          <a:off x="0" y="0"/>
+          <a:ext cx="0" cy="0"/>
+          <a:chOff x="0" y="0"/>
+          <a:chExt cx="0" cy="0"/>
+        </a:xfrm>
+      </p:grpSpPr>
+      <p:grpSp>
+        <p:nvGrpSpPr>
+          <p:cNvPr id="6" name="Group 5">
+            <a:extLst>
+              <a:ext uri="{FF2B5EF4-FFF2-40B4-BE49-F238E27FC236}">
+                <a16:creationId xmlns:a16="http://schemas.microsoft.com/office/drawing/2014/main" id="{83322A1E-1F09-EE44-D500-2A7BC3215508}"/>
+              </a:ext>
+            </a:extLst>
+          </p:cNvPr>
+          <p:cNvGrpSpPr/>
+          <p:nvPr/>
+        </p:nvGrpSpPr>
+        <p:grpSpPr>
+          <a:xfrm>
+            <a:off x="2667000" y="0"/>
+            <a:ext cx="6858000" cy="6858000"/>
+            <a:chOff x="2667000" y="0"/>
+            <a:chExt cx="6858000" cy="6858000"/>
+          </a:xfrm>
+        </p:grpSpPr>
+        <p:pic>
+          <p:nvPicPr>
+            <p:cNvPr id="3" name="Picture 2">
+              <a:extLst>
+                <a:ext uri="{FF2B5EF4-FFF2-40B4-BE49-F238E27FC236}">
+                  <a16:creationId xmlns:a16="http://schemas.microsoft.com/office/drawing/2014/main" id="{C485EB77-8C95-DB97-8861-6384D65F4845}"/>
+                </a:ext>
+              </a:extLst>
+            </p:cNvPr>
+            <p:cNvPicPr>
+              <a:picLocks noChangeAspect="1"/>
+            </p:cNvPicPr>
+            <p:nvPr/>
+          </p:nvPicPr>
+          <p:blipFill>
+            <a:blip r:embed="rId2">
+              <a:extLst>
+                <a:ext uri="{28A0092B-C50C-407E-A947-70E740481C1C}">
+                  <a14:useLocalDpi xmlns:a14="http://schemas.microsoft.com/office/drawing/2010/main" val="0"/>
+                </a:ext>
+              </a:extLst>
+            </a:blip>
+            <a:stretch>
+              <a:fillRect/>
+            </a:stretch>
+          </p:blipFill>
+          <p:spPr>
+            <a:xfrm>
+              <a:off x="2667000" y="0"/>
+              <a:ext cx="6858000" cy="6858000"/>
+            </a:xfrm>
+            <a:prstGeom prst="rect">
+              <a:avLst/>
+            </a:prstGeom>
+          </p:spPr>
+        </p:pic>
+        <p:sp>
+          <p:nvSpPr>
+            <p:cNvPr id="4" name="Rectangle 3">
+              <a:extLst>
+                <a:ext uri="{FF2B5EF4-FFF2-40B4-BE49-F238E27FC236}">
+                  <a16:creationId xmlns:a16="http://schemas.microsoft.com/office/drawing/2014/main" id="{E59EB618-9A18-AD95-4A7A-09E2B986AE2F}"/>
+                </a:ext>
+              </a:extLst>
+            </p:cNvPr>
+            <p:cNvSpPr/>
+            <p:nvPr/>
+          </p:nvSpPr>
+          <p:spPr>
+            <a:xfrm>
+              <a:off x="4567084" y="1258529"/>
+              <a:ext cx="3057832" cy="3057832"/>
+            </a:xfrm>
+            <a:prstGeom prst="rect">
+              <a:avLst/>
+            </a:prstGeom>
+            <a:noFill/>
+            <a:ln w="79375">
+              <a:solidFill>
+                <a:srgbClr val="FF0000"/>
+              </a:solidFill>
+              <a:prstDash val="sysDash"/>
+            </a:ln>
+          </p:spPr>
+          <p:style>
+            <a:lnRef idx="2">
+              <a:schemeClr val="accent1">
+                <a:shade val="15000"/>
+              </a:schemeClr>
+            </a:lnRef>
+            <a:fillRef idx="1">
+              <a:schemeClr val="accent1"/>
+            </a:fillRef>
+            <a:effectRef idx="0">
+              <a:schemeClr val="accent1"/>
+            </a:effectRef>
+            <a:fontRef idx="minor">
+              <a:schemeClr val="lt1"/>
+            </a:fontRef>
+          </p:style>
+          <p:txBody>
+            <a:bodyPr rtlCol="0" anchor="ctr"/>
+            <a:lstStyle/>
+            <a:p>
+              <a:pPr algn="ctr"/>
+              <a:endParaRPr lang="en-ID"/>
+            </a:p>
+          </p:txBody>
+        </p:sp>
+        <p:sp>
+          <p:nvSpPr>
+            <p:cNvPr id="5" name="TextBox 4">
+              <a:extLst>
+                <a:ext uri="{FF2B5EF4-FFF2-40B4-BE49-F238E27FC236}">
+                  <a16:creationId xmlns:a16="http://schemas.microsoft.com/office/drawing/2014/main" id="{7F800804-40CF-B866-18AA-F6E90238295D}"/>
+                </a:ext>
+              </a:extLst>
+            </p:cNvPr>
+            <p:cNvSpPr txBox="1"/>
+            <p:nvPr/>
+          </p:nvSpPr>
+          <p:spPr>
+            <a:xfrm>
+              <a:off x="4567084" y="647121"/>
+              <a:ext cx="3057832" cy="461665"/>
+            </a:xfrm>
+            <a:prstGeom prst="rect">
+              <a:avLst/>
+            </a:prstGeom>
+            <a:noFill/>
+          </p:spPr>
+          <p:txBody>
+            <a:bodyPr wrap="square" rtlCol="0">
+              <a:spAutoFit/>
+            </a:bodyPr>
+            <a:lstStyle/>
+            <a:p>
+              <a:pPr algn="ctr"/>
+              <a:r>
+                <a:rPr lang="en-US" sz="2400" dirty="0" err="1">
+                  <a:solidFill>
+                    <a:schemeClr val="bg1"/>
+                  </a:solidFill>
+                  <a:latin typeface="Times New Roman" panose="02020603050405020304" pitchFamily="18" charset="0"/>
+                  <a:cs typeface="Times New Roman" panose="02020603050405020304" pitchFamily="18" charset="0"/>
+                </a:rPr>
+                <a:t>Görüntü</a:t>
+              </a:r>
+              <a:endParaRPr lang="en-ID" sz="2400" dirty="0">
+                <a:solidFill>
+                  <a:schemeClr val="bg1"/>
+                </a:solidFill>
+                <a:latin typeface="Times New Roman" panose="02020603050405020304" pitchFamily="18" charset="0"/>
+                <a:cs typeface="Times New Roman" panose="02020603050405020304" pitchFamily="18" charset="0"/>
+              </a:endParaRPr>
+            </a:p>
+          </p:txBody>
+        </p:sp>
+      </p:grpSp>
+    </p:spTree>
+    <p:extLst>
+      <p:ext uri="{BB962C8B-B14F-4D97-AF65-F5344CB8AC3E}">
+        <p14:creationId xmlns:p14="http://schemas.microsoft.com/office/powerpoint/2010/main" val="2015505144"/>
+      </p:ext>
+    </p:extLst>
+  </p:cSld>
+  <p:clrMapOvr>
+    <a:masterClrMapping/>
+  </p:clrMapOvr>
+</p:sld>
+</file>
+
+<file path=ppt/slides/slide13.xml><?xml version="1.0" encoding="utf-8"?>
+<p:sld xmlns:a="http://schemas.openxmlformats.org/drawingml/2006/main" xmlns:r="http://schemas.openxmlformats.org/officeDocument/2006/relationships" xmlns:p="http://schemas.openxmlformats.org/presentationml/2006/main">
+  <p:cSld>
+    <p:spTree>
+      <p:nvGrpSpPr>
+        <p:cNvPr id="1" name=""/>
+        <p:cNvGrpSpPr/>
+        <p:nvPr/>
+      </p:nvGrpSpPr>
+      <p:grpSpPr>
+        <a:xfrm>
+          <a:off x="0" y="0"/>
+          <a:ext cx="0" cy="0"/>
+          <a:chOff x="0" y="0"/>
+          <a:chExt cx="0" cy="0"/>
+        </a:xfrm>
+      </p:grpSpPr>
+      <p:grpSp>
+        <p:nvGrpSpPr>
           <p:cNvPr id="6" name="Group 5">
             <a:extLst>
               <a:ext uri="{FF2B5EF4-FFF2-40B4-BE49-F238E27FC236}">
@@ -3774,7 +5254,7 @@
 </p:sld>
 </file>
 
-<file path=ppt/slides/slide11.xml><?xml version="1.0" encoding="utf-8"?>
+<file path=ppt/slides/slide14.xml><?xml version="1.0" encoding="utf-8"?>
 <p:sld xmlns:a="http://schemas.openxmlformats.org/drawingml/2006/main" xmlns:r="http://schemas.openxmlformats.org/officeDocument/2006/relationships" xmlns:p="http://schemas.openxmlformats.org/presentationml/2006/main">
   <p:cSld>
     <p:spTree>
@@ -4121,7 +5601,7 @@
 </p:sld>
 </file>
 
-<file path=ppt/slides/slide12.xml><?xml version="1.0" encoding="utf-8"?>
+<file path=ppt/slides/slide15.xml><?xml version="1.0" encoding="utf-8"?>
 <p:sld xmlns:a="http://schemas.openxmlformats.org/drawingml/2006/main" xmlns:r="http://schemas.openxmlformats.org/officeDocument/2006/relationships" xmlns:p="http://schemas.openxmlformats.org/presentationml/2006/main">
   <p:cSld>
     <p:spTree>
@@ -5123,7 +6603,7 @@
 </p:sld>
 </file>
 
-<file path=ppt/slides/slide13.xml><?xml version="1.0" encoding="utf-8"?>
+<file path=ppt/slides/slide16.xml><?xml version="1.0" encoding="utf-8"?>
 <p:sld xmlns:a="http://schemas.openxmlformats.org/drawingml/2006/main" xmlns:r="http://schemas.openxmlformats.org/officeDocument/2006/relationships" xmlns:p="http://schemas.openxmlformats.org/presentationml/2006/main">
   <p:cSld>
     <p:spTree>
@@ -6422,7 +7902,7 @@
 </p:sld>
 </file>
 
-<file path=ppt/slides/slide14.xml><?xml version="1.0" encoding="utf-8"?>
+<file path=ppt/slides/slide17.xml><?xml version="1.0" encoding="utf-8"?>
 <p:sld xmlns:a="http://schemas.openxmlformats.org/drawingml/2006/main" xmlns:r="http://schemas.openxmlformats.org/officeDocument/2006/relationships" xmlns:p="http://schemas.openxmlformats.org/presentationml/2006/main">
   <p:cSld>
     <p:spTree>
@@ -7765,7 +9245,7 @@
 </p:sld>
 </file>
 
-<file path=ppt/slides/slide15.xml><?xml version="1.0" encoding="utf-8"?>
+<file path=ppt/slides/slide18.xml><?xml version="1.0" encoding="utf-8"?>
 <p:sld xmlns:a="http://schemas.openxmlformats.org/drawingml/2006/main" xmlns:r="http://schemas.openxmlformats.org/officeDocument/2006/relationships" xmlns:p="http://schemas.openxmlformats.org/presentationml/2006/main">
   <p:cSld>
     <p:spTree>
@@ -8551,7 +10031,7 @@
 </p:sld>
 </file>
 
-<file path=ppt/slides/slide16.xml><?xml version="1.0" encoding="utf-8"?>
+<file path=ppt/slides/slide19.xml><?xml version="1.0" encoding="utf-8"?>
 <p:sld xmlns:a="http://schemas.openxmlformats.org/drawingml/2006/main" xmlns:r="http://schemas.openxmlformats.org/officeDocument/2006/relationships" xmlns:p="http://schemas.openxmlformats.org/presentationml/2006/main">
   <p:cSld>
     <p:spTree>
@@ -10147,7 +11627,545 @@
 </p:sld>
 </file>
 
-<file path=ppt/slides/slide17.xml><?xml version="1.0" encoding="utf-8"?>
+<file path=ppt/slides/slide2.xml><?xml version="1.0" encoding="utf-8"?>
+<p:sld xmlns:a="http://schemas.openxmlformats.org/drawingml/2006/main" xmlns:r="http://schemas.openxmlformats.org/officeDocument/2006/relationships" xmlns:p="http://schemas.openxmlformats.org/presentationml/2006/main">
+  <p:cSld>
+    <p:spTree>
+      <p:nvGrpSpPr>
+        <p:cNvPr id="1" name=""/>
+        <p:cNvGrpSpPr/>
+        <p:nvPr/>
+      </p:nvGrpSpPr>
+      <p:grpSpPr>
+        <a:xfrm>
+          <a:off x="0" y="0"/>
+          <a:ext cx="0" cy="0"/>
+          <a:chOff x="0" y="0"/>
+          <a:chExt cx="0" cy="0"/>
+        </a:xfrm>
+      </p:grpSpPr>
+      <p:grpSp>
+        <p:nvGrpSpPr>
+          <p:cNvPr id="2" name="Group 1">
+            <a:extLst>
+              <a:ext uri="{FF2B5EF4-FFF2-40B4-BE49-F238E27FC236}">
+                <a16:creationId xmlns:a16="http://schemas.microsoft.com/office/drawing/2014/main" id="{563319B1-7464-A4C9-E347-5D386DACC12F}"/>
+              </a:ext>
+            </a:extLst>
+          </p:cNvPr>
+          <p:cNvGrpSpPr/>
+          <p:nvPr/>
+        </p:nvGrpSpPr>
+        <p:grpSpPr>
+          <a:xfrm>
+            <a:off x="3576002" y="2101215"/>
+            <a:ext cx="5039995" cy="2655570"/>
+            <a:chOff x="0" y="0"/>
+            <a:chExt cx="5039995" cy="2655570"/>
+          </a:xfrm>
+        </p:grpSpPr>
+        <p:grpSp>
+          <p:nvGrpSpPr>
+            <p:cNvPr id="3" name="Group 2">
+              <a:extLst>
+                <a:ext uri="{FF2B5EF4-FFF2-40B4-BE49-F238E27FC236}">
+                  <a16:creationId xmlns:a16="http://schemas.microsoft.com/office/drawing/2014/main" id="{BF64C74F-DB1C-64BF-03E0-4D7C0D908E89}"/>
+                </a:ext>
+              </a:extLst>
+            </p:cNvPr>
+            <p:cNvGrpSpPr/>
+            <p:nvPr/>
+          </p:nvGrpSpPr>
+          <p:grpSpPr>
+            <a:xfrm>
+              <a:off x="0" y="0"/>
+              <a:ext cx="5039995" cy="2655570"/>
+              <a:chOff x="0" y="0"/>
+              <a:chExt cx="5039995" cy="2655570"/>
+            </a:xfrm>
+          </p:grpSpPr>
+          <p:pic>
+            <p:nvPicPr>
+              <p:cNvPr id="9" name="Picture 8">
+                <a:extLst>
+                  <a:ext uri="{FF2B5EF4-FFF2-40B4-BE49-F238E27FC236}">
+                    <a16:creationId xmlns:a16="http://schemas.microsoft.com/office/drawing/2014/main" id="{150AE3B8-8E0C-3F34-3B35-09D4A832EE57}"/>
+                  </a:ext>
+                </a:extLst>
+              </p:cNvPr>
+              <p:cNvPicPr>
+                <a:picLocks noChangeAspect="1"/>
+              </p:cNvPicPr>
+              <p:nvPr/>
+            </p:nvPicPr>
+            <p:blipFill>
+              <a:blip r:embed="rId2" cstate="print">
+                <a:extLst>
+                  <a:ext uri="{28A0092B-C50C-407E-A947-70E740481C1C}">
+                    <a14:useLocalDpi xmlns:a14="http://schemas.microsoft.com/office/drawing/2010/main" val="0"/>
+                  </a:ext>
+                </a:extLst>
+              </a:blip>
+              <a:stretch>
+                <a:fillRect/>
+              </a:stretch>
+            </p:blipFill>
+            <p:spPr>
+              <a:xfrm>
+                <a:off x="0" y="0"/>
+                <a:ext cx="5039995" cy="2655570"/>
+              </a:xfrm>
+              <a:prstGeom prst="rect">
+                <a:avLst/>
+              </a:prstGeom>
+              <a:ln>
+                <a:solidFill>
+                  <a:schemeClr val="tx1"/>
+                </a:solidFill>
+              </a:ln>
+            </p:spPr>
+          </p:pic>
+          <p:grpSp>
+            <p:nvGrpSpPr>
+              <p:cNvPr id="10" name="Group 9">
+                <a:extLst>
+                  <a:ext uri="{FF2B5EF4-FFF2-40B4-BE49-F238E27FC236}">
+                    <a16:creationId xmlns:a16="http://schemas.microsoft.com/office/drawing/2014/main" id="{19BF7B4B-FFC8-228E-22CE-98CFA1D3788B}"/>
+                  </a:ext>
+                </a:extLst>
+              </p:cNvPr>
+              <p:cNvGrpSpPr/>
+              <p:nvPr/>
+            </p:nvGrpSpPr>
+            <p:grpSpPr>
+              <a:xfrm>
+                <a:off x="292100" y="0"/>
+                <a:ext cx="4508500" cy="1765300"/>
+                <a:chOff x="0" y="0"/>
+                <a:chExt cx="4508500" cy="1765300"/>
+              </a:xfrm>
+            </p:grpSpPr>
+            <p:sp>
+              <p:nvSpPr>
+                <p:cNvPr id="11" name="Rectangle 10">
+                  <a:extLst>
+                    <a:ext uri="{FF2B5EF4-FFF2-40B4-BE49-F238E27FC236}">
+                      <a16:creationId xmlns:a16="http://schemas.microsoft.com/office/drawing/2014/main" id="{06585989-39BA-D452-DADF-9BE3B60CFCA8}"/>
+                    </a:ext>
+                  </a:extLst>
+                </p:cNvPr>
+                <p:cNvSpPr/>
+                <p:nvPr/>
+              </p:nvSpPr>
+              <p:spPr>
+                <a:xfrm>
+                  <a:off x="1536700" y="0"/>
+                  <a:ext cx="1441450" cy="260350"/>
+                </a:xfrm>
+                <a:prstGeom prst="rect">
+                  <a:avLst/>
+                </a:prstGeom>
+                <a:noFill/>
+                <a:ln w="34925">
+                  <a:solidFill>
+                    <a:srgbClr val="FF0000"/>
+                  </a:solidFill>
+                </a:ln>
+              </p:spPr>
+              <p:style>
+                <a:lnRef idx="2">
+                  <a:schemeClr val="accent2"/>
+                </a:lnRef>
+                <a:fillRef idx="1">
+                  <a:schemeClr val="lt1"/>
+                </a:fillRef>
+                <a:effectRef idx="0">
+                  <a:schemeClr val="accent2"/>
+                </a:effectRef>
+                <a:fontRef idx="minor">
+                  <a:schemeClr val="dk1"/>
+                </a:fontRef>
+              </p:style>
+              <p:txBody>
+                <a:bodyPr rot="0" spcFirstLastPara="0" vert="horz" wrap="square" lIns="91440" tIns="45720" rIns="91440" bIns="45720" numCol="1" spcCol="0" rtlCol="0" fromWordArt="0" anchor="ctr" anchorCtr="0" forceAA="0" compatLnSpc="1">
+                  <a:prstTxWarp prst="textNoShape">
+                    <a:avLst/>
+                  </a:prstTxWarp>
+                  <a:noAutofit/>
+                </a:bodyPr>
+                <a:lstStyle/>
+                <a:p>
+                  <a:endParaRPr lang="en-ID"/>
+                </a:p>
+              </p:txBody>
+            </p:sp>
+            <p:sp>
+              <p:nvSpPr>
+                <p:cNvPr id="12" name="Rectangle 11">
+                  <a:extLst>
+                    <a:ext uri="{FF2B5EF4-FFF2-40B4-BE49-F238E27FC236}">
+                      <a16:creationId xmlns:a16="http://schemas.microsoft.com/office/drawing/2014/main" id="{2BD15C08-4CFA-BDFE-6057-541B1CFBDB97}"/>
+                    </a:ext>
+                  </a:extLst>
+                </p:cNvPr>
+                <p:cNvSpPr/>
+                <p:nvPr/>
+              </p:nvSpPr>
+              <p:spPr>
+                <a:xfrm>
+                  <a:off x="3879850" y="0"/>
+                  <a:ext cx="628650" cy="260350"/>
+                </a:xfrm>
+                <a:prstGeom prst="rect">
+                  <a:avLst/>
+                </a:prstGeom>
+                <a:noFill/>
+                <a:ln w="34925">
+                  <a:solidFill>
+                    <a:srgbClr val="FF0000"/>
+                  </a:solidFill>
+                </a:ln>
+              </p:spPr>
+              <p:style>
+                <a:lnRef idx="2">
+                  <a:schemeClr val="accent2"/>
+                </a:lnRef>
+                <a:fillRef idx="1">
+                  <a:schemeClr val="lt1"/>
+                </a:fillRef>
+                <a:effectRef idx="0">
+                  <a:schemeClr val="accent2"/>
+                </a:effectRef>
+                <a:fontRef idx="minor">
+                  <a:schemeClr val="dk1"/>
+                </a:fontRef>
+              </p:style>
+              <p:txBody>
+                <a:bodyPr rot="0" spcFirstLastPara="0" vert="horz" wrap="square" lIns="91440" tIns="45720" rIns="91440" bIns="45720" numCol="1" spcCol="0" rtlCol="0" fromWordArt="0" anchor="ctr" anchorCtr="0" forceAA="0" compatLnSpc="1">
+                  <a:prstTxWarp prst="textNoShape">
+                    <a:avLst/>
+                  </a:prstTxWarp>
+                  <a:noAutofit/>
+                </a:bodyPr>
+                <a:lstStyle/>
+                <a:p>
+                  <a:endParaRPr lang="en-ID"/>
+                </a:p>
+              </p:txBody>
+            </p:sp>
+            <p:sp>
+              <p:nvSpPr>
+                <p:cNvPr id="13" name="Rectangle 12">
+                  <a:extLst>
+                    <a:ext uri="{FF2B5EF4-FFF2-40B4-BE49-F238E27FC236}">
+                      <a16:creationId xmlns:a16="http://schemas.microsoft.com/office/drawing/2014/main" id="{9A1325D0-6C5A-2DA8-350A-2492E74441FE}"/>
+                    </a:ext>
+                  </a:extLst>
+                </p:cNvPr>
+                <p:cNvSpPr/>
+                <p:nvPr/>
+              </p:nvSpPr>
+              <p:spPr>
+                <a:xfrm>
+                  <a:off x="0" y="1504950"/>
+                  <a:ext cx="857250" cy="260350"/>
+                </a:xfrm>
+                <a:prstGeom prst="rect">
+                  <a:avLst/>
+                </a:prstGeom>
+                <a:noFill/>
+                <a:ln w="34925">
+                  <a:solidFill>
+                    <a:srgbClr val="FF0000"/>
+                  </a:solidFill>
+                </a:ln>
+              </p:spPr>
+              <p:style>
+                <a:lnRef idx="2">
+                  <a:schemeClr val="accent2"/>
+                </a:lnRef>
+                <a:fillRef idx="1">
+                  <a:schemeClr val="lt1"/>
+                </a:fillRef>
+                <a:effectRef idx="0">
+                  <a:schemeClr val="accent2"/>
+                </a:effectRef>
+                <a:fontRef idx="minor">
+                  <a:schemeClr val="dk1"/>
+                </a:fontRef>
+              </p:style>
+              <p:txBody>
+                <a:bodyPr rot="0" spcFirstLastPara="0" vert="horz" wrap="square" lIns="91440" tIns="45720" rIns="91440" bIns="45720" numCol="1" spcCol="0" rtlCol="0" fromWordArt="0" anchor="ctr" anchorCtr="0" forceAA="0" compatLnSpc="1">
+                  <a:prstTxWarp prst="textNoShape">
+                    <a:avLst/>
+                  </a:prstTxWarp>
+                  <a:noAutofit/>
+                </a:bodyPr>
+                <a:lstStyle/>
+                <a:p>
+                  <a:endParaRPr lang="en-ID"/>
+                </a:p>
+              </p:txBody>
+            </p:sp>
+          </p:grpSp>
+        </p:grpSp>
+        <p:cxnSp>
+          <p:nvCxnSpPr>
+            <p:cNvPr id="4" name="Straight Arrow Connector 3">
+              <a:extLst>
+                <a:ext uri="{FF2B5EF4-FFF2-40B4-BE49-F238E27FC236}">
+                  <a16:creationId xmlns:a16="http://schemas.microsoft.com/office/drawing/2014/main" id="{0E58F785-FD4C-CE0A-4915-0361FB8039E1}"/>
+                </a:ext>
+              </a:extLst>
+            </p:cNvPr>
+            <p:cNvCxnSpPr/>
+            <p:nvPr/>
+          </p:nvCxnSpPr>
+          <p:spPr>
+            <a:xfrm>
+              <a:off x="2419350" y="260350"/>
+              <a:ext cx="514350" cy="292100"/>
+            </a:xfrm>
+            <a:prstGeom prst="straightConnector1">
+              <a:avLst/>
+            </a:prstGeom>
+            <a:ln>
+              <a:solidFill>
+                <a:srgbClr val="FF0000"/>
+              </a:solidFill>
+              <a:tailEnd type="triangle"/>
+            </a:ln>
+          </p:spPr>
+          <p:style>
+            <a:lnRef idx="1">
+              <a:schemeClr val="accent1"/>
+            </a:lnRef>
+            <a:fillRef idx="0">
+              <a:schemeClr val="accent1"/>
+            </a:fillRef>
+            <a:effectRef idx="0">
+              <a:schemeClr val="accent1"/>
+            </a:effectRef>
+            <a:fontRef idx="minor">
+              <a:schemeClr val="tx1"/>
+            </a:fontRef>
+          </p:style>
+        </p:cxnSp>
+        <p:cxnSp>
+          <p:nvCxnSpPr>
+            <p:cNvPr id="5" name="Straight Arrow Connector 4">
+              <a:extLst>
+                <a:ext uri="{FF2B5EF4-FFF2-40B4-BE49-F238E27FC236}">
+                  <a16:creationId xmlns:a16="http://schemas.microsoft.com/office/drawing/2014/main" id="{BFEBFCFF-9679-8B15-5E44-2A48B4AF8887}"/>
+                </a:ext>
+              </a:extLst>
+            </p:cNvPr>
+            <p:cNvCxnSpPr/>
+            <p:nvPr/>
+          </p:nvCxnSpPr>
+          <p:spPr>
+            <a:xfrm flipH="1">
+              <a:off x="4216400" y="260350"/>
+              <a:ext cx="298450" cy="247650"/>
+            </a:xfrm>
+            <a:prstGeom prst="straightConnector1">
+              <a:avLst/>
+            </a:prstGeom>
+            <a:ln>
+              <a:solidFill>
+                <a:srgbClr val="FF0000"/>
+              </a:solidFill>
+              <a:tailEnd type="triangle"/>
+            </a:ln>
+          </p:spPr>
+          <p:style>
+            <a:lnRef idx="1">
+              <a:schemeClr val="accent1"/>
+            </a:lnRef>
+            <a:fillRef idx="0">
+              <a:schemeClr val="accent1"/>
+            </a:fillRef>
+            <a:effectRef idx="0">
+              <a:schemeClr val="accent1"/>
+            </a:effectRef>
+            <a:fontRef idx="minor">
+              <a:schemeClr val="tx1"/>
+            </a:fontRef>
+          </p:style>
+        </p:cxnSp>
+        <p:sp>
+          <p:nvSpPr>
+            <p:cNvPr id="6" name="Text Box 88">
+              <a:extLst>
+                <a:ext uri="{FF2B5EF4-FFF2-40B4-BE49-F238E27FC236}">
+                  <a16:creationId xmlns:a16="http://schemas.microsoft.com/office/drawing/2014/main" id="{B7C9742E-49C2-8EED-E5E5-000C5C972DB9}"/>
+                </a:ext>
+              </a:extLst>
+            </p:cNvPr>
+            <p:cNvSpPr txBox="1"/>
+            <p:nvPr/>
+          </p:nvSpPr>
+          <p:spPr>
+            <a:xfrm>
+              <a:off x="2990850" y="450850"/>
+              <a:ext cx="1168400" cy="304800"/>
+            </a:xfrm>
+            <a:prstGeom prst="rect">
+              <a:avLst/>
+            </a:prstGeom>
+            <a:solidFill>
+              <a:schemeClr val="lt1"/>
+            </a:solidFill>
+            <a:ln w="15875">
+              <a:solidFill>
+                <a:srgbClr val="FF0000"/>
+              </a:solidFill>
+            </a:ln>
+          </p:spPr>
+          <p:txBody>
+            <a:bodyPr rot="0" spcFirstLastPara="0" vert="horz" wrap="square" lIns="91440" tIns="45720" rIns="91440" bIns="45720" numCol="1" spcCol="0" rtlCol="0" fromWordArt="0" anchor="t" anchorCtr="0" forceAA="0" compatLnSpc="1">
+              <a:prstTxWarp prst="textNoShape">
+                <a:avLst/>
+              </a:prstTxWarp>
+              <a:noAutofit/>
+            </a:bodyPr>
+            <a:lstStyle/>
+            <a:p>
+              <a:pPr algn="ctr">
+                <a:lnSpc>
+                  <a:spcPct val="107000"/>
+                </a:lnSpc>
+                <a:spcAft>
+                  <a:spcPts val="800"/>
+                </a:spcAft>
+              </a:pPr>
+              <a:r>
+                <a:rPr lang="en-ID" sz="1200" kern="100">
+                  <a:effectLst/>
+                  <a:latin typeface="Times New Roman" panose="02020603050405020304" pitchFamily="18" charset="0"/>
+                  <a:ea typeface="Calibri" panose="020F0502020204030204" pitchFamily="34" charset="0"/>
+                  <a:cs typeface="Times New Roman" panose="02020603050405020304" pitchFamily="18" charset="0"/>
+                </a:rPr>
+                <a:t>Menu Navigasi</a:t>
+              </a:r>
+            </a:p>
+          </p:txBody>
+        </p:sp>
+        <p:cxnSp>
+          <p:nvCxnSpPr>
+            <p:cNvPr id="7" name="Straight Arrow Connector 6">
+              <a:extLst>
+                <a:ext uri="{FF2B5EF4-FFF2-40B4-BE49-F238E27FC236}">
+                  <a16:creationId xmlns:a16="http://schemas.microsoft.com/office/drawing/2014/main" id="{E0FCE623-E3D4-83EF-E71D-94DBE4EE69B9}"/>
+                </a:ext>
+              </a:extLst>
+            </p:cNvPr>
+            <p:cNvCxnSpPr/>
+            <p:nvPr/>
+          </p:nvCxnSpPr>
+          <p:spPr>
+            <a:xfrm>
+              <a:off x="1149350" y="1625600"/>
+              <a:ext cx="317500" cy="0"/>
+            </a:xfrm>
+            <a:prstGeom prst="straightConnector1">
+              <a:avLst/>
+            </a:prstGeom>
+            <a:ln>
+              <a:solidFill>
+                <a:srgbClr val="FF0000"/>
+              </a:solidFill>
+              <a:tailEnd type="triangle"/>
+            </a:ln>
+          </p:spPr>
+          <p:style>
+            <a:lnRef idx="1">
+              <a:schemeClr val="accent1"/>
+            </a:lnRef>
+            <a:fillRef idx="0">
+              <a:schemeClr val="accent1"/>
+            </a:fillRef>
+            <a:effectRef idx="0">
+              <a:schemeClr val="accent1"/>
+            </a:effectRef>
+            <a:fontRef idx="minor">
+              <a:schemeClr val="tx1"/>
+            </a:fontRef>
+          </p:style>
+        </p:cxnSp>
+        <p:sp>
+          <p:nvSpPr>
+            <p:cNvPr id="8" name="Text Box 88">
+              <a:extLst>
+                <a:ext uri="{FF2B5EF4-FFF2-40B4-BE49-F238E27FC236}">
+                  <a16:creationId xmlns:a16="http://schemas.microsoft.com/office/drawing/2014/main" id="{B5D9FBF9-5775-841A-C40C-9D8043DE9277}"/>
+                </a:ext>
+              </a:extLst>
+            </p:cNvPr>
+            <p:cNvSpPr txBox="1"/>
+            <p:nvPr/>
+          </p:nvSpPr>
+          <p:spPr>
+            <a:xfrm>
+              <a:off x="1504950" y="1473200"/>
+              <a:ext cx="1168400" cy="304800"/>
+            </a:xfrm>
+            <a:prstGeom prst="rect">
+              <a:avLst/>
+            </a:prstGeom>
+            <a:solidFill>
+              <a:schemeClr val="lt1"/>
+            </a:solidFill>
+            <a:ln w="15875">
+              <a:solidFill>
+                <a:srgbClr val="FF0000"/>
+              </a:solidFill>
+            </a:ln>
+          </p:spPr>
+          <p:txBody>
+            <a:bodyPr rot="0" spcFirstLastPara="0" vert="horz" wrap="square" lIns="91440" tIns="45720" rIns="91440" bIns="45720" numCol="1" spcCol="0" rtlCol="0" fromWordArt="0" anchor="t" anchorCtr="0" forceAA="0" compatLnSpc="1">
+              <a:prstTxWarp prst="textNoShape">
+                <a:avLst/>
+              </a:prstTxWarp>
+              <a:noAutofit/>
+            </a:bodyPr>
+            <a:lstStyle/>
+            <a:p>
+              <a:pPr algn="ctr">
+                <a:lnSpc>
+                  <a:spcPct val="107000"/>
+                </a:lnSpc>
+                <a:spcAft>
+                  <a:spcPts val="800"/>
+                </a:spcAft>
+              </a:pPr>
+              <a:r>
+                <a:rPr lang="en-ID" sz="1200" kern="100">
+                  <a:effectLst/>
+                  <a:latin typeface="Times New Roman" panose="02020603050405020304" pitchFamily="18" charset="0"/>
+                  <a:ea typeface="Calibri" panose="020F0502020204030204" pitchFamily="34" charset="0"/>
+                  <a:cs typeface="Times New Roman" panose="02020603050405020304" pitchFamily="18" charset="0"/>
+                </a:rPr>
+                <a:t>Tombol</a:t>
+              </a:r>
+            </a:p>
+          </p:txBody>
+        </p:sp>
+      </p:grpSp>
+    </p:spTree>
+    <p:extLst>
+      <p:ext uri="{BB962C8B-B14F-4D97-AF65-F5344CB8AC3E}">
+        <p14:creationId xmlns:p14="http://schemas.microsoft.com/office/powerpoint/2010/main" val="755776602"/>
+      </p:ext>
+    </p:extLst>
+  </p:cSld>
+  <p:clrMapOvr>
+    <a:masterClrMapping/>
+  </p:clrMapOvr>
+</p:sld>
+</file>
+
+<file path=ppt/slides/slide20.xml><?xml version="1.0" encoding="utf-8"?>
 <p:sld xmlns:a="http://schemas.openxmlformats.org/drawingml/2006/main" xmlns:r="http://schemas.openxmlformats.org/officeDocument/2006/relationships" xmlns:p="http://schemas.openxmlformats.org/presentationml/2006/main">
   <p:cSld>
     <p:spTree>
@@ -11773,7 +13791,7 @@
 </p:sld>
 </file>
 
-<file path=ppt/slides/slide18.xml><?xml version="1.0" encoding="utf-8"?>
+<file path=ppt/slides/slide21.xml><?xml version="1.0" encoding="utf-8"?>
 <p:sld xmlns:a="http://schemas.openxmlformats.org/drawingml/2006/main" xmlns:r="http://schemas.openxmlformats.org/officeDocument/2006/relationships" xmlns:p="http://schemas.openxmlformats.org/presentationml/2006/main">
   <p:cSld>
     <p:spTree>
@@ -13480,7 +15498,7 @@
 </p:sld>
 </file>
 
-<file path=ppt/slides/slide19.xml><?xml version="1.0" encoding="utf-8"?>
+<file path=ppt/slides/slide22.xml><?xml version="1.0" encoding="utf-8"?>
 <p:sld xmlns:a="http://schemas.openxmlformats.org/drawingml/2006/main" xmlns:r="http://schemas.openxmlformats.org/officeDocument/2006/relationships" xmlns:p="http://schemas.openxmlformats.org/presentationml/2006/main">
   <p:cSld>
     <p:spTree>
@@ -15237,1348 +17255,7 @@
 </p:sld>
 </file>
 
-<file path=ppt/slides/slide2.xml><?xml version="1.0" encoding="utf-8"?>
-<p:sld xmlns:a="http://schemas.openxmlformats.org/drawingml/2006/main" xmlns:r="http://schemas.openxmlformats.org/officeDocument/2006/relationships" xmlns:p="http://schemas.openxmlformats.org/presentationml/2006/main">
-  <p:cSld>
-    <p:spTree>
-      <p:nvGrpSpPr>
-        <p:cNvPr id="1" name=""/>
-        <p:cNvGrpSpPr/>
-        <p:nvPr/>
-      </p:nvGrpSpPr>
-      <p:grpSpPr>
-        <a:xfrm>
-          <a:off x="0" y="0"/>
-          <a:ext cx="0" cy="0"/>
-          <a:chOff x="0" y="0"/>
-          <a:chExt cx="0" cy="0"/>
-        </a:xfrm>
-      </p:grpSpPr>
-      <mc:AlternateContent xmlns:mc="http://schemas.openxmlformats.org/markup-compatibility/2006" xmlns:a14="http://schemas.microsoft.com/office/drawing/2010/main">
-        <mc:Choice Requires="a14">
-          <p:sp>
-            <p:nvSpPr>
-              <p:cNvPr id="19" name="TextBox 18">
-                <a:extLst>
-                  <a:ext uri="{FF2B5EF4-FFF2-40B4-BE49-F238E27FC236}">
-                    <a16:creationId xmlns:a16="http://schemas.microsoft.com/office/drawing/2014/main" id="{56C4512B-8D4E-B6D6-8B9E-0629537EB8AD}"/>
-                  </a:ext>
-                </a:extLst>
-              </p:cNvPr>
-              <p:cNvSpPr txBox="1"/>
-              <p:nvPr/>
-            </p:nvSpPr>
-            <p:spPr>
-              <a:xfrm>
-                <a:off x="6083302" y="4757528"/>
-                <a:ext cx="292097" cy="369332"/>
-              </a:xfrm>
-              <a:prstGeom prst="rect">
-                <a:avLst/>
-              </a:prstGeom>
-              <a:noFill/>
-            </p:spPr>
-            <p:txBody>
-              <a:bodyPr wrap="square" rtlCol="0">
-                <a:spAutoFit/>
-              </a:bodyPr>
-              <a:lstStyle/>
-              <a:p>
-                <a:pPr/>
-                <a14:m>
-                  <m:oMathPara xmlns:m="http://schemas.openxmlformats.org/officeDocument/2006/math">
-                    <m:oMathParaPr>
-                      <m:jc m:val="centerGroup"/>
-                    </m:oMathParaPr>
-                    <m:oMath xmlns:m="http://schemas.openxmlformats.org/officeDocument/2006/math">
-                      <m:sSub>
-                        <m:sSubPr>
-                          <m:ctrlPr>
-                            <a:rPr lang="en-US" b="0" i="1" smtClean="0">
-                              <a:solidFill>
-                                <a:schemeClr val="bg1"/>
-                              </a:solidFill>
-                              <a:latin typeface="Cambria Math" panose="02040503050406030204" pitchFamily="18" charset="0"/>
-                            </a:rPr>
-                          </m:ctrlPr>
-                        </m:sSubPr>
-                        <m:e>
-                          <m:r>
-                            <a:rPr lang="en-US" b="0" i="1" smtClean="0">
-                              <a:solidFill>
-                                <a:schemeClr val="bg1"/>
-                              </a:solidFill>
-                              <a:latin typeface="Cambria Math" panose="02040503050406030204" pitchFamily="18" charset="0"/>
-                            </a:rPr>
-                            <m:t>𝜃</m:t>
-                          </m:r>
-                        </m:e>
-                        <m:sub>
-                          <m:r>
-                            <a:rPr lang="en-US" b="0" i="1" smtClean="0">
-                              <a:solidFill>
-                                <a:schemeClr val="bg1"/>
-                              </a:solidFill>
-                              <a:latin typeface="Cambria Math" panose="02040503050406030204" pitchFamily="18" charset="0"/>
-                            </a:rPr>
-                            <m:t>2</m:t>
-                          </m:r>
-                        </m:sub>
-                      </m:sSub>
-                    </m:oMath>
-                  </m:oMathPara>
-                </a14:m>
-                <a:endParaRPr lang="en-ID" dirty="0">
-                  <a:solidFill>
-                    <a:schemeClr val="bg1"/>
-                  </a:solidFill>
-                </a:endParaRPr>
-              </a:p>
-            </p:txBody>
-          </p:sp>
-        </mc:Choice>
-        <mc:Fallback xmlns="">
-          <p:sp>
-            <p:nvSpPr>
-              <p:cNvPr id="19" name="TextBox 18">
-                <a:extLst>
-                  <a:ext uri="{FF2B5EF4-FFF2-40B4-BE49-F238E27FC236}">
-                    <a16:creationId xmlns:a16="http://schemas.microsoft.com/office/drawing/2014/main" id="{56C4512B-8D4E-B6D6-8B9E-0629537EB8AD}"/>
-                  </a:ext>
-                </a:extLst>
-              </p:cNvPr>
-              <p:cNvSpPr txBox="1">
-                <a:spLocks noRot="1" noChangeAspect="1" noMove="1" noResize="1" noEditPoints="1" noAdjustHandles="1" noChangeArrowheads="1" noChangeShapeType="1" noTextEdit="1"/>
-              </p:cNvSpPr>
-              <p:nvPr/>
-            </p:nvSpPr>
-            <p:spPr>
-              <a:xfrm>
-                <a:off x="6083302" y="4757528"/>
-                <a:ext cx="292097" cy="369332"/>
-              </a:xfrm>
-              <a:prstGeom prst="rect">
-                <a:avLst/>
-              </a:prstGeom>
-              <a:blipFill>
-                <a:blip r:embed="rId2"/>
-                <a:stretch>
-                  <a:fillRect r="-25000"/>
-                </a:stretch>
-              </a:blipFill>
-            </p:spPr>
-            <p:txBody>
-              <a:bodyPr/>
-              <a:lstStyle/>
-              <a:p>
-                <a:r>
-                  <a:rPr lang="en-ID">
-                    <a:noFill/>
-                  </a:rPr>
-                  <a:t> </a:t>
-                </a:r>
-              </a:p>
-            </p:txBody>
-          </p:sp>
-        </mc:Fallback>
-      </mc:AlternateContent>
-      <p:grpSp>
-        <p:nvGrpSpPr>
-          <p:cNvPr id="25" name="Group 24">
-            <a:extLst>
-              <a:ext uri="{FF2B5EF4-FFF2-40B4-BE49-F238E27FC236}">
-                <a16:creationId xmlns:a16="http://schemas.microsoft.com/office/drawing/2014/main" id="{06B9D07A-848B-A6EF-23B3-E0C194B2068B}"/>
-              </a:ext>
-            </a:extLst>
-          </p:cNvPr>
-          <p:cNvGrpSpPr/>
-          <p:nvPr/>
-        </p:nvGrpSpPr>
-        <p:grpSpPr>
-          <a:xfrm>
-            <a:off x="3954800" y="1307826"/>
-            <a:ext cx="5400000" cy="4680000"/>
-            <a:chOff x="3396000" y="1853926"/>
-            <a:chExt cx="5400000" cy="4680000"/>
-          </a:xfrm>
-        </p:grpSpPr>
-        <p:grpSp>
-          <p:nvGrpSpPr>
-            <p:cNvPr id="4" name="Group 3">
-              <a:extLst>
-                <a:ext uri="{FF2B5EF4-FFF2-40B4-BE49-F238E27FC236}">
-                  <a16:creationId xmlns:a16="http://schemas.microsoft.com/office/drawing/2014/main" id="{A95BDC08-9B77-01EE-B511-5E50A6EEC7D0}"/>
-                </a:ext>
-              </a:extLst>
-            </p:cNvPr>
-            <p:cNvGrpSpPr/>
-            <p:nvPr/>
-          </p:nvGrpSpPr>
-          <p:grpSpPr>
-            <a:xfrm>
-              <a:off x="3396000" y="1853926"/>
-              <a:ext cx="5400000" cy="4673600"/>
-              <a:chOff x="3396000" y="1853926"/>
-              <a:chExt cx="5400000" cy="4673600"/>
-            </a:xfrm>
-          </p:grpSpPr>
-          <p:sp>
-            <p:nvSpPr>
-              <p:cNvPr id="2" name="Rectangle 1">
-                <a:extLst>
-                  <a:ext uri="{FF2B5EF4-FFF2-40B4-BE49-F238E27FC236}">
-                    <a16:creationId xmlns:a16="http://schemas.microsoft.com/office/drawing/2014/main" id="{3C648ADE-B621-8C4F-E56C-12F27C747A4F}"/>
-                  </a:ext>
-                </a:extLst>
-              </p:cNvPr>
-              <p:cNvSpPr/>
-              <p:nvPr/>
-            </p:nvSpPr>
-            <p:spPr>
-              <a:xfrm>
-                <a:off x="3396000" y="4190726"/>
-                <a:ext cx="5400000" cy="2336800"/>
-              </a:xfrm>
-              <a:prstGeom prst="rect">
-                <a:avLst/>
-              </a:prstGeom>
-              <a:gradFill>
-                <a:gsLst>
-                  <a:gs pos="53000">
-                    <a:schemeClr val="accent1"/>
-                  </a:gs>
-                  <a:gs pos="97000">
-                    <a:schemeClr val="accent1">
-                      <a:lumMod val="45000"/>
-                      <a:lumOff val="55000"/>
-                    </a:schemeClr>
-                  </a:gs>
-                  <a:gs pos="100000">
-                    <a:schemeClr val="accent1">
-                      <a:lumMod val="30000"/>
-                      <a:lumOff val="70000"/>
-                    </a:schemeClr>
-                  </a:gs>
-                </a:gsLst>
-                <a:lin ang="5400000" scaled="1"/>
-              </a:gradFill>
-              <a:ln>
-                <a:solidFill>
-                  <a:srgbClr val="0070C0"/>
-                </a:solidFill>
-              </a:ln>
-            </p:spPr>
-            <p:style>
-              <a:lnRef idx="2">
-                <a:schemeClr val="accent1">
-                  <a:shade val="15000"/>
-                </a:schemeClr>
-              </a:lnRef>
-              <a:fillRef idx="1">
-                <a:schemeClr val="accent1"/>
-              </a:fillRef>
-              <a:effectRef idx="0">
-                <a:schemeClr val="accent1"/>
-              </a:effectRef>
-              <a:fontRef idx="minor">
-                <a:schemeClr val="lt1"/>
-              </a:fontRef>
-            </p:style>
-            <p:txBody>
-              <a:bodyPr rtlCol="0" anchor="ctr"/>
-              <a:lstStyle/>
-              <a:p>
-                <a:pPr algn="ctr"/>
-                <a:endParaRPr lang="en-ID" dirty="0"/>
-              </a:p>
-            </p:txBody>
-          </p:sp>
-          <p:sp>
-            <p:nvSpPr>
-              <p:cNvPr id="3" name="Rectangle 2">
-                <a:extLst>
-                  <a:ext uri="{FF2B5EF4-FFF2-40B4-BE49-F238E27FC236}">
-                    <a16:creationId xmlns:a16="http://schemas.microsoft.com/office/drawing/2014/main" id="{B3A822D6-BEE7-8582-041B-C27E43E8F5A3}"/>
-                  </a:ext>
-                </a:extLst>
-              </p:cNvPr>
-              <p:cNvSpPr/>
-              <p:nvPr/>
-            </p:nvSpPr>
-            <p:spPr>
-              <a:xfrm>
-                <a:off x="3396000" y="1853926"/>
-                <a:ext cx="5400000" cy="2336800"/>
-              </a:xfrm>
-              <a:prstGeom prst="rect">
-                <a:avLst/>
-              </a:prstGeom>
-              <a:solidFill>
-                <a:schemeClr val="tx1"/>
-              </a:solidFill>
-              <a:ln>
-                <a:solidFill>
-                  <a:schemeClr val="tx1"/>
-                </a:solidFill>
-              </a:ln>
-            </p:spPr>
-            <p:style>
-              <a:lnRef idx="2">
-                <a:schemeClr val="accent1">
-                  <a:shade val="15000"/>
-                </a:schemeClr>
-              </a:lnRef>
-              <a:fillRef idx="1">
-                <a:schemeClr val="accent1"/>
-              </a:fillRef>
-              <a:effectRef idx="0">
-                <a:schemeClr val="accent1"/>
-              </a:effectRef>
-              <a:fontRef idx="minor">
-                <a:schemeClr val="lt1"/>
-              </a:fontRef>
-            </p:style>
-            <p:txBody>
-              <a:bodyPr rtlCol="0" anchor="ctr"/>
-              <a:lstStyle/>
-              <a:p>
-                <a:pPr algn="ctr"/>
-                <a:endParaRPr lang="en-ID" dirty="0"/>
-              </a:p>
-            </p:txBody>
-          </p:sp>
-        </p:grpSp>
-        <p:cxnSp>
-          <p:nvCxnSpPr>
-            <p:cNvPr id="6" name="Straight Connector 5">
-              <a:extLst>
-                <a:ext uri="{FF2B5EF4-FFF2-40B4-BE49-F238E27FC236}">
-                  <a16:creationId xmlns:a16="http://schemas.microsoft.com/office/drawing/2014/main" id="{2038E3EB-28BD-1E49-8669-89DED1F4D2F4}"/>
-                </a:ext>
-              </a:extLst>
-            </p:cNvPr>
-            <p:cNvCxnSpPr>
-              <a:stCxn id="2" idx="0"/>
-              <a:endCxn id="3" idx="0"/>
-            </p:cNvCxnSpPr>
-            <p:nvPr/>
-          </p:nvCxnSpPr>
-          <p:spPr>
-            <a:xfrm flipV="1">
-              <a:off x="6096000" y="1853926"/>
-              <a:ext cx="0" cy="4680000"/>
-            </a:xfrm>
-            <a:prstGeom prst="line">
-              <a:avLst/>
-            </a:prstGeom>
-            <a:ln w="44450">
-              <a:solidFill>
-                <a:srgbClr val="FF0000"/>
-              </a:solidFill>
-              <a:prstDash val="sysDash"/>
-            </a:ln>
-          </p:spPr>
-          <p:style>
-            <a:lnRef idx="1">
-              <a:schemeClr val="accent1"/>
-            </a:lnRef>
-            <a:fillRef idx="0">
-              <a:schemeClr val="accent1"/>
-            </a:fillRef>
-            <a:effectRef idx="0">
-              <a:schemeClr val="accent1"/>
-            </a:effectRef>
-            <a:fontRef idx="minor">
-              <a:schemeClr val="tx1"/>
-            </a:fontRef>
-          </p:style>
-        </p:cxnSp>
-        <p:cxnSp>
-          <p:nvCxnSpPr>
-            <p:cNvPr id="8" name="Straight Arrow Connector 7">
-              <a:extLst>
-                <a:ext uri="{FF2B5EF4-FFF2-40B4-BE49-F238E27FC236}">
-                  <a16:creationId xmlns:a16="http://schemas.microsoft.com/office/drawing/2014/main" id="{CBC1D993-F567-1C82-B74A-BDD45FDEE7AF}"/>
-                </a:ext>
-              </a:extLst>
-            </p:cNvPr>
-            <p:cNvCxnSpPr>
-              <a:cxnSpLocks/>
-              <a:endCxn id="3" idx="2"/>
-            </p:cNvCxnSpPr>
-            <p:nvPr/>
-          </p:nvCxnSpPr>
-          <p:spPr>
-            <a:xfrm>
-              <a:off x="4498428" y="3022326"/>
-              <a:ext cx="1597572" cy="1168400"/>
-            </a:xfrm>
-            <a:prstGeom prst="straightConnector1">
-              <a:avLst/>
-            </a:prstGeom>
-            <a:ln w="38100">
-              <a:solidFill>
-                <a:srgbClr val="01FF74"/>
-              </a:solidFill>
-              <a:tailEnd type="triangle"/>
-            </a:ln>
-          </p:spPr>
-          <p:style>
-            <a:lnRef idx="1">
-              <a:schemeClr val="accent1"/>
-            </a:lnRef>
-            <a:fillRef idx="0">
-              <a:schemeClr val="accent1"/>
-            </a:fillRef>
-            <a:effectRef idx="0">
-              <a:schemeClr val="accent1"/>
-            </a:effectRef>
-            <a:fontRef idx="minor">
-              <a:schemeClr val="tx1"/>
-            </a:fontRef>
-          </p:style>
-        </p:cxnSp>
-        <p:pic>
-          <p:nvPicPr>
-            <p:cNvPr id="13" name="Picture 12">
-              <a:extLst>
-                <a:ext uri="{FF2B5EF4-FFF2-40B4-BE49-F238E27FC236}">
-                  <a16:creationId xmlns:a16="http://schemas.microsoft.com/office/drawing/2014/main" id="{06C7E8F9-C17A-CAE1-3604-AA4E0C0103DE}"/>
-                </a:ext>
-              </a:extLst>
-            </p:cNvPr>
-            <p:cNvPicPr>
-              <a:picLocks noChangeAspect="1"/>
-            </p:cNvPicPr>
-            <p:nvPr/>
-          </p:nvPicPr>
-          <p:blipFill>
-            <a:blip r:embed="rId3">
-              <a:extLst>
-                <a:ext uri="{28A0092B-C50C-407E-A947-70E740481C1C}">
-                  <a14:useLocalDpi xmlns:a14="http://schemas.microsoft.com/office/drawing/2010/main" val="0"/>
-                </a:ext>
-              </a:extLst>
-            </a:blip>
-            <a:stretch>
-              <a:fillRect/>
-            </a:stretch>
-          </p:blipFill>
-          <p:spPr>
-            <a:xfrm rot="15705243">
-              <a:off x="3487459" y="2028874"/>
-              <a:ext cx="1409263" cy="1409263"/>
-            </a:xfrm>
-            <a:prstGeom prst="rect">
-              <a:avLst/>
-            </a:prstGeom>
-          </p:spPr>
-        </p:pic>
-        <p:cxnSp>
-          <p:nvCxnSpPr>
-            <p:cNvPr id="14" name="Straight Arrow Connector 13">
-              <a:extLst>
-                <a:ext uri="{FF2B5EF4-FFF2-40B4-BE49-F238E27FC236}">
-                  <a16:creationId xmlns:a16="http://schemas.microsoft.com/office/drawing/2014/main" id="{62B2B470-AEAD-6DE1-DBC7-892DA9BB2859}"/>
-                </a:ext>
-              </a:extLst>
-            </p:cNvPr>
-            <p:cNvCxnSpPr>
-              <a:cxnSpLocks/>
-            </p:cNvCxnSpPr>
-            <p:nvPr/>
-          </p:nvCxnSpPr>
-          <p:spPr>
-            <a:xfrm flipV="1">
-              <a:off x="6096000" y="3022326"/>
-              <a:ext cx="1597572" cy="1168400"/>
-            </a:xfrm>
-            <a:prstGeom prst="straightConnector1">
-              <a:avLst/>
-            </a:prstGeom>
-            <a:ln w="38100">
-              <a:solidFill>
-                <a:srgbClr val="01FF74"/>
-              </a:solidFill>
-              <a:tailEnd type="triangle"/>
-            </a:ln>
-          </p:spPr>
-          <p:style>
-            <a:lnRef idx="1">
-              <a:schemeClr val="accent1"/>
-            </a:lnRef>
-            <a:fillRef idx="0">
-              <a:schemeClr val="accent1"/>
-            </a:fillRef>
-            <a:effectRef idx="0">
-              <a:schemeClr val="accent1"/>
-            </a:effectRef>
-            <a:fontRef idx="minor">
-              <a:schemeClr val="tx1"/>
-            </a:fontRef>
-          </p:style>
-        </p:cxnSp>
-        <p:cxnSp>
-          <p:nvCxnSpPr>
-            <p:cNvPr id="15" name="Straight Arrow Connector 14">
-              <a:extLst>
-                <a:ext uri="{FF2B5EF4-FFF2-40B4-BE49-F238E27FC236}">
-                  <a16:creationId xmlns:a16="http://schemas.microsoft.com/office/drawing/2014/main" id="{1D92FE50-8F8D-5F3C-BEF5-39E125C9E157}"/>
-                </a:ext>
-              </a:extLst>
-            </p:cNvPr>
-            <p:cNvCxnSpPr>
-              <a:cxnSpLocks/>
-            </p:cNvCxnSpPr>
-            <p:nvPr/>
-          </p:nvCxnSpPr>
-          <p:spPr>
-            <a:xfrm>
-              <a:off x="6096000" y="4190726"/>
-              <a:ext cx="798786" cy="1663974"/>
-            </a:xfrm>
-            <a:prstGeom prst="straightConnector1">
-              <a:avLst/>
-            </a:prstGeom>
-            <a:ln w="38100">
-              <a:solidFill>
-                <a:srgbClr val="01FF74"/>
-              </a:solidFill>
-              <a:tailEnd type="triangle"/>
-            </a:ln>
-          </p:spPr>
-          <p:style>
-            <a:lnRef idx="1">
-              <a:schemeClr val="accent1"/>
-            </a:lnRef>
-            <a:fillRef idx="0">
-              <a:schemeClr val="accent1"/>
-            </a:fillRef>
-            <a:effectRef idx="0">
-              <a:schemeClr val="accent1"/>
-            </a:effectRef>
-            <a:fontRef idx="minor">
-              <a:schemeClr val="tx1"/>
-            </a:fontRef>
-          </p:style>
-        </p:cxnSp>
-        <mc:AlternateContent xmlns:mc="http://schemas.openxmlformats.org/markup-compatibility/2006" xmlns:a14="http://schemas.microsoft.com/office/drawing/2010/main">
-          <mc:Choice Requires="a14">
-            <p:sp>
-              <p:nvSpPr>
-                <p:cNvPr id="17" name="TextBox 16">
-                  <a:extLst>
-                    <a:ext uri="{FF2B5EF4-FFF2-40B4-BE49-F238E27FC236}">
-                      <a16:creationId xmlns:a16="http://schemas.microsoft.com/office/drawing/2014/main" id="{D2865BC8-DD15-367A-7AC7-062870FAD735}"/>
-                    </a:ext>
-                  </a:extLst>
-                </p:cNvPr>
-                <p:cNvSpPr txBox="1"/>
-                <p:nvPr/>
-              </p:nvSpPr>
-              <p:spPr>
-                <a:xfrm>
-                  <a:off x="5693005" y="3581126"/>
-                  <a:ext cx="292097" cy="369332"/>
-                </a:xfrm>
-                <a:prstGeom prst="rect">
-                  <a:avLst/>
-                </a:prstGeom>
-                <a:noFill/>
-              </p:spPr>
-              <p:txBody>
-                <a:bodyPr wrap="square" rtlCol="0">
-                  <a:spAutoFit/>
-                </a:bodyPr>
-                <a:lstStyle/>
-                <a:p>
-                  <a:pPr/>
-                  <a14:m>
-                    <m:oMathPara xmlns:m="http://schemas.openxmlformats.org/officeDocument/2006/math">
-                      <m:oMathParaPr>
-                        <m:jc m:val="centerGroup"/>
-                      </m:oMathParaPr>
-                      <m:oMath xmlns:m="http://schemas.openxmlformats.org/officeDocument/2006/math">
-                        <m:sSub>
-                          <m:sSubPr>
-                            <m:ctrlPr>
-                              <a:rPr lang="en-US" b="0" i="1" smtClean="0">
-                                <a:solidFill>
-                                  <a:schemeClr val="bg1"/>
-                                </a:solidFill>
-                                <a:latin typeface="Cambria Math" panose="02040503050406030204" pitchFamily="18" charset="0"/>
-                              </a:rPr>
-                            </m:ctrlPr>
-                          </m:sSubPr>
-                          <m:e>
-                            <m:r>
-                              <a:rPr lang="en-US" b="0" i="1" smtClean="0">
-                                <a:solidFill>
-                                  <a:schemeClr val="bg1"/>
-                                </a:solidFill>
-                                <a:latin typeface="Cambria Math" panose="02040503050406030204" pitchFamily="18" charset="0"/>
-                              </a:rPr>
-                              <m:t>𝜃</m:t>
-                            </m:r>
-                          </m:e>
-                          <m:sub>
-                            <m:r>
-                              <a:rPr lang="en-US" b="0" i="1" smtClean="0">
-                                <a:solidFill>
-                                  <a:schemeClr val="bg1"/>
-                                </a:solidFill>
-                                <a:latin typeface="Cambria Math" panose="02040503050406030204" pitchFamily="18" charset="0"/>
-                              </a:rPr>
-                              <m:t>1</m:t>
-                            </m:r>
-                          </m:sub>
-                        </m:sSub>
-                      </m:oMath>
-                    </m:oMathPara>
-                  </a14:m>
-                  <a:endParaRPr lang="en-ID" dirty="0">
-                    <a:solidFill>
-                      <a:schemeClr val="bg1"/>
-                    </a:solidFill>
-                  </a:endParaRPr>
-                </a:p>
-              </p:txBody>
-            </p:sp>
-          </mc:Choice>
-          <mc:Fallback xmlns="">
-            <p:sp>
-              <p:nvSpPr>
-                <p:cNvPr id="17" name="TextBox 16">
-                  <a:extLst>
-                    <a:ext uri="{FF2B5EF4-FFF2-40B4-BE49-F238E27FC236}">
-                      <a16:creationId xmlns:a16="http://schemas.microsoft.com/office/drawing/2014/main" id="{D2865BC8-DD15-367A-7AC7-062870FAD735}"/>
-                    </a:ext>
-                  </a:extLst>
-                </p:cNvPr>
-                <p:cNvSpPr txBox="1">
-                  <a:spLocks noRot="1" noChangeAspect="1" noMove="1" noResize="1" noEditPoints="1" noAdjustHandles="1" noChangeArrowheads="1" noChangeShapeType="1" noTextEdit="1"/>
-                </p:cNvSpPr>
-                <p:nvPr/>
-              </p:nvSpPr>
-              <p:spPr>
-                <a:xfrm>
-                  <a:off x="5693005" y="3581126"/>
-                  <a:ext cx="292097" cy="369332"/>
-                </a:xfrm>
-                <a:prstGeom prst="rect">
-                  <a:avLst/>
-                </a:prstGeom>
-                <a:blipFill>
-                  <a:blip r:embed="rId4"/>
-                  <a:stretch>
-                    <a:fillRect r="-25532"/>
-                  </a:stretch>
-                </a:blipFill>
-              </p:spPr>
-              <p:txBody>
-                <a:bodyPr/>
-                <a:lstStyle/>
-                <a:p>
-                  <a:r>
-                    <a:rPr lang="en-ID">
-                      <a:noFill/>
-                    </a:rPr>
-                    <a:t> </a:t>
-                  </a:r>
-                </a:p>
-              </p:txBody>
-            </p:sp>
-          </mc:Fallback>
-        </mc:AlternateContent>
-        <mc:AlternateContent xmlns:mc="http://schemas.openxmlformats.org/markup-compatibility/2006" xmlns:a14="http://schemas.microsoft.com/office/drawing/2010/main">
-          <mc:Choice Requires="a14">
-            <p:sp>
-              <p:nvSpPr>
-                <p:cNvPr id="18" name="TextBox 17">
-                  <a:extLst>
-                    <a:ext uri="{FF2B5EF4-FFF2-40B4-BE49-F238E27FC236}">
-                      <a16:creationId xmlns:a16="http://schemas.microsoft.com/office/drawing/2014/main" id="{11399640-4554-2227-1B3D-E952F2E4C540}"/>
-                    </a:ext>
-                  </a:extLst>
-                </p:cNvPr>
-                <p:cNvSpPr txBox="1"/>
-                <p:nvPr/>
-              </p:nvSpPr>
-              <p:spPr>
-                <a:xfrm>
-                  <a:off x="6108699" y="3589128"/>
-                  <a:ext cx="292097" cy="369332"/>
-                </a:xfrm>
-                <a:prstGeom prst="rect">
-                  <a:avLst/>
-                </a:prstGeom>
-                <a:noFill/>
-              </p:spPr>
-              <p:txBody>
-                <a:bodyPr wrap="square" rtlCol="0">
-                  <a:spAutoFit/>
-                </a:bodyPr>
-                <a:lstStyle/>
-                <a:p>
-                  <a:pPr/>
-                  <a14:m>
-                    <m:oMathPara xmlns:m="http://schemas.openxmlformats.org/officeDocument/2006/math">
-                      <m:oMathParaPr>
-                        <m:jc m:val="centerGroup"/>
-                      </m:oMathParaPr>
-                      <m:oMath xmlns:m="http://schemas.openxmlformats.org/officeDocument/2006/math">
-                        <m:sSub>
-                          <m:sSubPr>
-                            <m:ctrlPr>
-                              <a:rPr lang="en-US" b="0" i="1" smtClean="0">
-                                <a:solidFill>
-                                  <a:schemeClr val="bg1"/>
-                                </a:solidFill>
-                                <a:latin typeface="Cambria Math" panose="02040503050406030204" pitchFamily="18" charset="0"/>
-                              </a:rPr>
-                            </m:ctrlPr>
-                          </m:sSubPr>
-                          <m:e>
-                            <m:r>
-                              <a:rPr lang="en-US" b="0" i="1" smtClean="0">
-                                <a:solidFill>
-                                  <a:schemeClr val="bg1"/>
-                                </a:solidFill>
-                                <a:latin typeface="Cambria Math" panose="02040503050406030204" pitchFamily="18" charset="0"/>
-                              </a:rPr>
-                              <m:t>𝜃</m:t>
-                            </m:r>
-                          </m:e>
-                          <m:sub>
-                            <m:r>
-                              <a:rPr lang="en-US" b="0" i="1" smtClean="0">
-                                <a:solidFill>
-                                  <a:schemeClr val="bg1"/>
-                                </a:solidFill>
-                                <a:latin typeface="Cambria Math" panose="02040503050406030204" pitchFamily="18" charset="0"/>
-                              </a:rPr>
-                              <m:t>1</m:t>
-                            </m:r>
-                          </m:sub>
-                        </m:sSub>
-                      </m:oMath>
-                    </m:oMathPara>
-                  </a14:m>
-                  <a:endParaRPr lang="en-ID" dirty="0">
-                    <a:solidFill>
-                      <a:schemeClr val="bg1"/>
-                    </a:solidFill>
-                  </a:endParaRPr>
-                </a:p>
-              </p:txBody>
-            </p:sp>
-          </mc:Choice>
-          <mc:Fallback xmlns="">
-            <p:sp>
-              <p:nvSpPr>
-                <p:cNvPr id="18" name="TextBox 17">
-                  <a:extLst>
-                    <a:ext uri="{FF2B5EF4-FFF2-40B4-BE49-F238E27FC236}">
-                      <a16:creationId xmlns:a16="http://schemas.microsoft.com/office/drawing/2014/main" id="{11399640-4554-2227-1B3D-E952F2E4C540}"/>
-                    </a:ext>
-                  </a:extLst>
-                </p:cNvPr>
-                <p:cNvSpPr txBox="1">
-                  <a:spLocks noRot="1" noChangeAspect="1" noMove="1" noResize="1" noEditPoints="1" noAdjustHandles="1" noChangeArrowheads="1" noChangeShapeType="1" noTextEdit="1"/>
-                </p:cNvSpPr>
-                <p:nvPr/>
-              </p:nvSpPr>
-              <p:spPr>
-                <a:xfrm>
-                  <a:off x="6108699" y="3589128"/>
-                  <a:ext cx="292097" cy="369332"/>
-                </a:xfrm>
-                <a:prstGeom prst="rect">
-                  <a:avLst/>
-                </a:prstGeom>
-                <a:blipFill>
-                  <a:blip r:embed="rId5"/>
-                  <a:stretch>
-                    <a:fillRect r="-22917"/>
-                  </a:stretch>
-                </a:blipFill>
-              </p:spPr>
-              <p:txBody>
-                <a:bodyPr/>
-                <a:lstStyle/>
-                <a:p>
-                  <a:r>
-                    <a:rPr lang="en-ID">
-                      <a:noFill/>
-                    </a:rPr>
-                    <a:t> </a:t>
-                  </a:r>
-                </a:p>
-              </p:txBody>
-            </p:sp>
-          </mc:Fallback>
-        </mc:AlternateContent>
-        <mc:AlternateContent xmlns:mc="http://schemas.openxmlformats.org/markup-compatibility/2006" xmlns:a14="http://schemas.microsoft.com/office/drawing/2010/main">
-          <mc:Choice Requires="a14">
-            <p:sp>
-              <p:nvSpPr>
-                <p:cNvPr id="20" name="TextBox 19">
-                  <a:extLst>
-                    <a:ext uri="{FF2B5EF4-FFF2-40B4-BE49-F238E27FC236}">
-                      <a16:creationId xmlns:a16="http://schemas.microsoft.com/office/drawing/2014/main" id="{9983DE6E-77E6-BFBA-CB5A-85444EB10302}"/>
-                    </a:ext>
-                  </a:extLst>
-                </p:cNvPr>
-                <p:cNvSpPr txBox="1"/>
-                <p:nvPr/>
-              </p:nvSpPr>
-              <p:spPr>
-                <a:xfrm>
-                  <a:off x="3407544" y="4209452"/>
-                  <a:ext cx="1876972" cy="369332"/>
-                </a:xfrm>
-                <a:prstGeom prst="rect">
-                  <a:avLst/>
-                </a:prstGeom>
-                <a:noFill/>
-              </p:spPr>
-              <p:txBody>
-                <a:bodyPr wrap="square" rtlCol="0">
-                  <a:spAutoFit/>
-                </a:bodyPr>
-                <a:lstStyle/>
-                <a:p>
-                  <a:r>
-                    <a:rPr lang="en-US" dirty="0">
-                      <a:solidFill>
-                        <a:schemeClr val="bg1"/>
-                      </a:solidFill>
-                      <a:latin typeface="Times New Roman" panose="02020603050405020304" pitchFamily="18" charset="0"/>
-                      <a:cs typeface="Times New Roman" panose="02020603050405020304" pitchFamily="18" charset="0"/>
-                    </a:rPr>
-                    <a:t>Air </a:t>
-                  </a:r>
-                  <a14:m>
-                    <m:oMath xmlns:m="http://schemas.openxmlformats.org/officeDocument/2006/math">
-                      <m:r>
-                        <a:rPr lang="en-US" b="0" i="0" smtClean="0">
-                          <a:solidFill>
-                            <a:schemeClr val="bg1"/>
-                          </a:solidFill>
-                          <a:latin typeface="Cambria Math" panose="02040503050406030204" pitchFamily="18" charset="0"/>
-                        </a:rPr>
-                        <m:t>(</m:t>
-                      </m:r>
-                      <m:sSub>
-                        <m:sSubPr>
-                          <m:ctrlPr>
-                            <a:rPr lang="en-US" b="0" i="1" smtClean="0">
-                              <a:solidFill>
-                                <a:schemeClr val="bg1"/>
-                              </a:solidFill>
-                              <a:latin typeface="Cambria Math" panose="02040503050406030204" pitchFamily="18" charset="0"/>
-                            </a:rPr>
-                          </m:ctrlPr>
-                        </m:sSubPr>
-                        <m:e>
-                          <m:r>
-                            <a:rPr lang="en-US" b="0" i="1" smtClean="0">
-                              <a:solidFill>
-                                <a:schemeClr val="bg1"/>
-                              </a:solidFill>
-                              <a:latin typeface="Cambria Math" panose="02040503050406030204" pitchFamily="18" charset="0"/>
-                            </a:rPr>
-                            <m:t>𝑛</m:t>
-                          </m:r>
-                        </m:e>
-                        <m:sub>
-                          <m:r>
-                            <a:rPr lang="en-US" b="0" i="1" smtClean="0">
-                              <a:solidFill>
-                                <a:schemeClr val="bg1"/>
-                              </a:solidFill>
-                              <a:latin typeface="Cambria Math" panose="02040503050406030204" pitchFamily="18" charset="0"/>
-                            </a:rPr>
-                            <m:t>2</m:t>
-                          </m:r>
-                        </m:sub>
-                      </m:sSub>
-                      <m:r>
-                        <a:rPr lang="en-US" b="0" i="1" smtClean="0">
-                          <a:solidFill>
-                            <a:schemeClr val="bg1"/>
-                          </a:solidFill>
-                          <a:latin typeface="Cambria Math" panose="02040503050406030204" pitchFamily="18" charset="0"/>
-                        </a:rPr>
-                        <m:t>=1.33)</m:t>
-                      </m:r>
-                    </m:oMath>
-                  </a14:m>
-                  <a:endParaRPr lang="en-ID" dirty="0">
-                    <a:solidFill>
-                      <a:schemeClr val="bg1"/>
-                    </a:solidFill>
-                    <a:latin typeface="Times New Roman" panose="02020603050405020304" pitchFamily="18" charset="0"/>
-                    <a:cs typeface="Times New Roman" panose="02020603050405020304" pitchFamily="18" charset="0"/>
-                  </a:endParaRPr>
-                </a:p>
-              </p:txBody>
-            </p:sp>
-          </mc:Choice>
-          <mc:Fallback xmlns="">
-            <p:sp>
-              <p:nvSpPr>
-                <p:cNvPr id="20" name="TextBox 19">
-                  <a:extLst>
-                    <a:ext uri="{FF2B5EF4-FFF2-40B4-BE49-F238E27FC236}">
-                      <a16:creationId xmlns:a16="http://schemas.microsoft.com/office/drawing/2014/main" id="{9983DE6E-77E6-BFBA-CB5A-85444EB10302}"/>
-                    </a:ext>
-                  </a:extLst>
-                </p:cNvPr>
-                <p:cNvSpPr txBox="1">
-                  <a:spLocks noRot="1" noChangeAspect="1" noMove="1" noResize="1" noEditPoints="1" noAdjustHandles="1" noChangeArrowheads="1" noChangeShapeType="1" noTextEdit="1"/>
-                </p:cNvSpPr>
-                <p:nvPr/>
-              </p:nvSpPr>
-              <p:spPr>
-                <a:xfrm>
-                  <a:off x="3407544" y="4209452"/>
-                  <a:ext cx="1876972" cy="369332"/>
-                </a:xfrm>
-                <a:prstGeom prst="rect">
-                  <a:avLst/>
-                </a:prstGeom>
-                <a:blipFill>
-                  <a:blip r:embed="rId6"/>
-                  <a:stretch>
-                    <a:fillRect l="-2922" t="-9836" b="-24590"/>
-                  </a:stretch>
-                </a:blipFill>
-              </p:spPr>
-              <p:txBody>
-                <a:bodyPr/>
-                <a:lstStyle/>
-                <a:p>
-                  <a:r>
-                    <a:rPr lang="en-ID">
-                      <a:noFill/>
-                    </a:rPr>
-                    <a:t> </a:t>
-                  </a:r>
-                </a:p>
-              </p:txBody>
-            </p:sp>
-          </mc:Fallback>
-        </mc:AlternateContent>
-        <mc:AlternateContent xmlns:mc="http://schemas.openxmlformats.org/markup-compatibility/2006" xmlns:a14="http://schemas.microsoft.com/office/drawing/2010/main">
-          <mc:Choice Requires="a14">
-            <p:sp>
-              <p:nvSpPr>
-                <p:cNvPr id="21" name="TextBox 20">
-                  <a:extLst>
-                    <a:ext uri="{FF2B5EF4-FFF2-40B4-BE49-F238E27FC236}">
-                      <a16:creationId xmlns:a16="http://schemas.microsoft.com/office/drawing/2014/main" id="{D4EF301B-E64C-A888-E030-69EE6B3F4056}"/>
-                    </a:ext>
-                  </a:extLst>
-                </p:cNvPr>
-                <p:cNvSpPr txBox="1"/>
-                <p:nvPr/>
-              </p:nvSpPr>
-              <p:spPr>
-                <a:xfrm>
-                  <a:off x="3407543" y="3788958"/>
-                  <a:ext cx="2174563" cy="369332"/>
-                </a:xfrm>
-                <a:prstGeom prst="rect">
-                  <a:avLst/>
-                </a:prstGeom>
-                <a:noFill/>
-              </p:spPr>
-              <p:txBody>
-                <a:bodyPr wrap="square" rtlCol="0">
-                  <a:spAutoFit/>
-                </a:bodyPr>
-                <a:lstStyle/>
-                <a:p>
-                  <a:r>
-                    <a:rPr lang="en-US" dirty="0">
-                      <a:solidFill>
-                        <a:schemeClr val="bg1"/>
-                      </a:solidFill>
-                      <a:latin typeface="Times New Roman" panose="02020603050405020304" pitchFamily="18" charset="0"/>
-                      <a:cs typeface="Times New Roman" panose="02020603050405020304" pitchFamily="18" charset="0"/>
-                    </a:rPr>
-                    <a:t>Udara </a:t>
-                  </a:r>
-                  <a14:m>
-                    <m:oMath xmlns:m="http://schemas.openxmlformats.org/officeDocument/2006/math">
-                      <m:r>
-                        <a:rPr lang="en-US" b="0" i="0" smtClean="0">
-                          <a:solidFill>
-                            <a:schemeClr val="bg1"/>
-                          </a:solidFill>
-                          <a:latin typeface="Cambria Math" panose="02040503050406030204" pitchFamily="18" charset="0"/>
-                        </a:rPr>
-                        <m:t>(</m:t>
-                      </m:r>
-                      <m:sSub>
-                        <m:sSubPr>
-                          <m:ctrlPr>
-                            <a:rPr lang="en-US" b="0" i="1" smtClean="0">
-                              <a:solidFill>
-                                <a:schemeClr val="bg1"/>
-                              </a:solidFill>
-                              <a:latin typeface="Cambria Math" panose="02040503050406030204" pitchFamily="18" charset="0"/>
-                            </a:rPr>
-                          </m:ctrlPr>
-                        </m:sSubPr>
-                        <m:e>
-                          <m:r>
-                            <a:rPr lang="en-US" b="0" i="1" smtClean="0">
-                              <a:solidFill>
-                                <a:schemeClr val="bg1"/>
-                              </a:solidFill>
-                              <a:latin typeface="Cambria Math" panose="02040503050406030204" pitchFamily="18" charset="0"/>
-                            </a:rPr>
-                            <m:t>𝑛</m:t>
-                          </m:r>
-                        </m:e>
-                        <m:sub>
-                          <m:r>
-                            <a:rPr lang="en-US" b="0" i="1" smtClean="0">
-                              <a:solidFill>
-                                <a:schemeClr val="bg1"/>
-                              </a:solidFill>
-                              <a:latin typeface="Cambria Math" panose="02040503050406030204" pitchFamily="18" charset="0"/>
-                            </a:rPr>
-                            <m:t>1</m:t>
-                          </m:r>
-                        </m:sub>
-                      </m:sSub>
-                      <m:r>
-                        <a:rPr lang="en-US" b="0" i="1" smtClean="0">
-                          <a:solidFill>
-                            <a:schemeClr val="bg1"/>
-                          </a:solidFill>
-                          <a:latin typeface="Cambria Math" panose="02040503050406030204" pitchFamily="18" charset="0"/>
-                        </a:rPr>
-                        <m:t>=1.00)</m:t>
-                      </m:r>
-                    </m:oMath>
-                  </a14:m>
-                  <a:endParaRPr lang="en-ID" dirty="0">
-                    <a:solidFill>
-                      <a:schemeClr val="bg1"/>
-                    </a:solidFill>
-                    <a:latin typeface="Times New Roman" panose="02020603050405020304" pitchFamily="18" charset="0"/>
-                    <a:cs typeface="Times New Roman" panose="02020603050405020304" pitchFamily="18" charset="0"/>
-                  </a:endParaRPr>
-                </a:p>
-              </p:txBody>
-            </p:sp>
-          </mc:Choice>
-          <mc:Fallback xmlns="">
-            <p:sp>
-              <p:nvSpPr>
-                <p:cNvPr id="21" name="TextBox 20">
-                  <a:extLst>
-                    <a:ext uri="{FF2B5EF4-FFF2-40B4-BE49-F238E27FC236}">
-                      <a16:creationId xmlns:a16="http://schemas.microsoft.com/office/drawing/2014/main" id="{D4EF301B-E64C-A888-E030-69EE6B3F4056}"/>
-                    </a:ext>
-                  </a:extLst>
-                </p:cNvPr>
-                <p:cNvSpPr txBox="1">
-                  <a:spLocks noRot="1" noChangeAspect="1" noMove="1" noResize="1" noEditPoints="1" noAdjustHandles="1" noChangeArrowheads="1" noChangeShapeType="1" noTextEdit="1"/>
-                </p:cNvSpPr>
-                <p:nvPr/>
-              </p:nvSpPr>
-              <p:spPr>
-                <a:xfrm>
-                  <a:off x="3407543" y="3788958"/>
-                  <a:ext cx="2174563" cy="369332"/>
-                </a:xfrm>
-                <a:prstGeom prst="rect">
-                  <a:avLst/>
-                </a:prstGeom>
-                <a:blipFill>
-                  <a:blip r:embed="rId7"/>
-                  <a:stretch>
-                    <a:fillRect l="-2528" t="-9836" b="-24590"/>
-                  </a:stretch>
-                </a:blipFill>
-              </p:spPr>
-              <p:txBody>
-                <a:bodyPr/>
-                <a:lstStyle/>
-                <a:p>
-                  <a:r>
-                    <a:rPr lang="en-ID">
-                      <a:noFill/>
-                    </a:rPr>
-                    <a:t> </a:t>
-                  </a:r>
-                </a:p>
-              </p:txBody>
-            </p:sp>
-          </mc:Fallback>
-        </mc:AlternateContent>
-        <p:sp>
-          <p:nvSpPr>
-            <p:cNvPr id="22" name="TextBox 21">
-              <a:extLst>
-                <a:ext uri="{FF2B5EF4-FFF2-40B4-BE49-F238E27FC236}">
-                  <a16:creationId xmlns:a16="http://schemas.microsoft.com/office/drawing/2014/main" id="{46FADC14-736C-9855-3E9E-73F3F731F811}"/>
-                </a:ext>
-              </a:extLst>
-            </p:cNvPr>
-            <p:cNvSpPr txBox="1"/>
-            <p:nvPr/>
-          </p:nvSpPr>
-          <p:spPr>
-            <a:xfrm>
-              <a:off x="4940836" y="2628537"/>
-              <a:ext cx="1044266" cy="646331"/>
-            </a:xfrm>
-            <a:prstGeom prst="rect">
-              <a:avLst/>
-            </a:prstGeom>
-            <a:noFill/>
-          </p:spPr>
-          <p:txBody>
-            <a:bodyPr wrap="square" rtlCol="0">
-              <a:spAutoFit/>
-            </a:bodyPr>
-            <a:lstStyle/>
-            <a:p>
-              <a:r>
-                <a:rPr lang="en-US" dirty="0" err="1">
-                  <a:solidFill>
-                    <a:schemeClr val="bg1"/>
-                  </a:solidFill>
-                  <a:latin typeface="Times New Roman" panose="02020603050405020304" pitchFamily="18" charset="0"/>
-                  <a:cs typeface="Times New Roman" panose="02020603050405020304" pitchFamily="18" charset="0"/>
-                </a:rPr>
-                <a:t>Sinar</a:t>
-              </a:r>
-              <a:r>
-                <a:rPr lang="en-US" dirty="0">
-                  <a:solidFill>
-                    <a:schemeClr val="bg1"/>
-                  </a:solidFill>
-                  <a:latin typeface="Times New Roman" panose="02020603050405020304" pitchFamily="18" charset="0"/>
-                  <a:cs typeface="Times New Roman" panose="02020603050405020304" pitchFamily="18" charset="0"/>
-                </a:rPr>
-                <a:t> </a:t>
-              </a:r>
-              <a:r>
-                <a:rPr lang="en-US" dirty="0" err="1">
-                  <a:solidFill>
-                    <a:schemeClr val="bg1"/>
-                  </a:solidFill>
-                  <a:latin typeface="Times New Roman" panose="02020603050405020304" pitchFamily="18" charset="0"/>
-                  <a:cs typeface="Times New Roman" panose="02020603050405020304" pitchFamily="18" charset="0"/>
-                </a:rPr>
-                <a:t>datang</a:t>
-              </a:r>
-              <a:endParaRPr lang="en-ID" dirty="0">
-                <a:solidFill>
-                  <a:schemeClr val="bg1"/>
-                </a:solidFill>
-                <a:latin typeface="Times New Roman" panose="02020603050405020304" pitchFamily="18" charset="0"/>
-                <a:cs typeface="Times New Roman" panose="02020603050405020304" pitchFamily="18" charset="0"/>
-              </a:endParaRPr>
-            </a:p>
-          </p:txBody>
-        </p:sp>
-        <p:sp>
-          <p:nvSpPr>
-            <p:cNvPr id="23" name="TextBox 22">
-              <a:extLst>
-                <a:ext uri="{FF2B5EF4-FFF2-40B4-BE49-F238E27FC236}">
-                  <a16:creationId xmlns:a16="http://schemas.microsoft.com/office/drawing/2014/main" id="{FD120F1F-8FF4-4F33-11B2-55726A6B554F}"/>
-                </a:ext>
-              </a:extLst>
-            </p:cNvPr>
-            <p:cNvSpPr txBox="1"/>
-            <p:nvPr/>
-          </p:nvSpPr>
-          <p:spPr>
-            <a:xfrm>
-              <a:off x="6538408" y="2526752"/>
-              <a:ext cx="1044266" cy="646331"/>
-            </a:xfrm>
-            <a:prstGeom prst="rect">
-              <a:avLst/>
-            </a:prstGeom>
-            <a:noFill/>
-          </p:spPr>
-          <p:txBody>
-            <a:bodyPr wrap="square" rtlCol="0">
-              <a:spAutoFit/>
-            </a:bodyPr>
-            <a:lstStyle/>
-            <a:p>
-              <a:r>
-                <a:rPr lang="en-US" dirty="0" err="1">
-                  <a:solidFill>
-                    <a:schemeClr val="bg1"/>
-                  </a:solidFill>
-                  <a:latin typeface="Times New Roman" panose="02020603050405020304" pitchFamily="18" charset="0"/>
-                  <a:cs typeface="Times New Roman" panose="02020603050405020304" pitchFamily="18" charset="0"/>
-                </a:rPr>
-                <a:t>Sinar</a:t>
-              </a:r>
-              <a:r>
-                <a:rPr lang="en-US" dirty="0">
-                  <a:solidFill>
-                    <a:schemeClr val="bg1"/>
-                  </a:solidFill>
-                  <a:latin typeface="Times New Roman" panose="02020603050405020304" pitchFamily="18" charset="0"/>
-                  <a:cs typeface="Times New Roman" panose="02020603050405020304" pitchFamily="18" charset="0"/>
-                </a:rPr>
-                <a:t> </a:t>
-              </a:r>
-              <a:r>
-                <a:rPr lang="en-US" dirty="0" err="1">
-                  <a:solidFill>
-                    <a:schemeClr val="bg1"/>
-                  </a:solidFill>
-                  <a:latin typeface="Times New Roman" panose="02020603050405020304" pitchFamily="18" charset="0"/>
-                  <a:cs typeface="Times New Roman" panose="02020603050405020304" pitchFamily="18" charset="0"/>
-                </a:rPr>
-                <a:t>pantul</a:t>
-              </a:r>
-              <a:endParaRPr lang="en-ID" dirty="0">
-                <a:solidFill>
-                  <a:schemeClr val="bg1"/>
-                </a:solidFill>
-                <a:latin typeface="Times New Roman" panose="02020603050405020304" pitchFamily="18" charset="0"/>
-                <a:cs typeface="Times New Roman" panose="02020603050405020304" pitchFamily="18" charset="0"/>
-              </a:endParaRPr>
-            </a:p>
-          </p:txBody>
-        </p:sp>
-        <p:sp>
-          <p:nvSpPr>
-            <p:cNvPr id="24" name="TextBox 23">
-              <a:extLst>
-                <a:ext uri="{FF2B5EF4-FFF2-40B4-BE49-F238E27FC236}">
-                  <a16:creationId xmlns:a16="http://schemas.microsoft.com/office/drawing/2014/main" id="{C28EC783-0DDE-FCE2-E3AB-41AC7C20A2D5}"/>
-                </a:ext>
-              </a:extLst>
-            </p:cNvPr>
-            <p:cNvSpPr txBox="1"/>
-            <p:nvPr/>
-          </p:nvSpPr>
-          <p:spPr>
-            <a:xfrm>
-              <a:off x="6772046" y="4757528"/>
-              <a:ext cx="1044266" cy="646331"/>
-            </a:xfrm>
-            <a:prstGeom prst="rect">
-              <a:avLst/>
-            </a:prstGeom>
-            <a:noFill/>
-          </p:spPr>
-          <p:txBody>
-            <a:bodyPr wrap="square" rtlCol="0">
-              <a:spAutoFit/>
-            </a:bodyPr>
-            <a:lstStyle/>
-            <a:p>
-              <a:r>
-                <a:rPr lang="en-US" dirty="0" err="1">
-                  <a:solidFill>
-                    <a:schemeClr val="bg1"/>
-                  </a:solidFill>
-                  <a:latin typeface="Times New Roman" panose="02020603050405020304" pitchFamily="18" charset="0"/>
-                  <a:cs typeface="Times New Roman" panose="02020603050405020304" pitchFamily="18" charset="0"/>
-                </a:rPr>
-                <a:t>Sinar</a:t>
-              </a:r>
-              <a:r>
-                <a:rPr lang="en-US" dirty="0">
-                  <a:solidFill>
-                    <a:schemeClr val="bg1"/>
-                  </a:solidFill>
-                  <a:latin typeface="Times New Roman" panose="02020603050405020304" pitchFamily="18" charset="0"/>
-                  <a:cs typeface="Times New Roman" panose="02020603050405020304" pitchFamily="18" charset="0"/>
-                </a:rPr>
-                <a:t> bias</a:t>
-              </a:r>
-              <a:endParaRPr lang="en-ID" dirty="0">
-                <a:solidFill>
-                  <a:schemeClr val="bg1"/>
-                </a:solidFill>
-                <a:latin typeface="Times New Roman" panose="02020603050405020304" pitchFamily="18" charset="0"/>
-                <a:cs typeface="Times New Roman" panose="02020603050405020304" pitchFamily="18" charset="0"/>
-              </a:endParaRPr>
-            </a:p>
-          </p:txBody>
-        </p:sp>
-        <p:sp>
-          <p:nvSpPr>
-            <p:cNvPr id="26" name="TextBox 25">
-              <a:extLst>
-                <a:ext uri="{FF2B5EF4-FFF2-40B4-BE49-F238E27FC236}">
-                  <a16:creationId xmlns:a16="http://schemas.microsoft.com/office/drawing/2014/main" id="{FDB3A0B5-F209-0401-06ED-659A79FA3CA5}"/>
-                </a:ext>
-              </a:extLst>
-            </p:cNvPr>
-            <p:cNvSpPr txBox="1"/>
-            <p:nvPr/>
-          </p:nvSpPr>
-          <p:spPr>
-            <a:xfrm>
-              <a:off x="5687588" y="5887998"/>
-              <a:ext cx="1044266" cy="369332"/>
-            </a:xfrm>
-            <a:prstGeom prst="rect">
-              <a:avLst/>
-            </a:prstGeom>
-            <a:noFill/>
-          </p:spPr>
-          <p:txBody>
-            <a:bodyPr wrap="square" rtlCol="0">
-              <a:spAutoFit/>
-            </a:bodyPr>
-            <a:lstStyle/>
-            <a:p>
-              <a:r>
-                <a:rPr lang="en-US" dirty="0">
-                  <a:solidFill>
-                    <a:schemeClr val="bg1"/>
-                  </a:solidFill>
-                  <a:latin typeface="Times New Roman" panose="02020603050405020304" pitchFamily="18" charset="0"/>
-                  <a:cs typeface="Times New Roman" panose="02020603050405020304" pitchFamily="18" charset="0"/>
-                </a:rPr>
-                <a:t>Normal</a:t>
-              </a:r>
-              <a:endParaRPr lang="en-ID" dirty="0">
-                <a:solidFill>
-                  <a:schemeClr val="bg1"/>
-                </a:solidFill>
-                <a:latin typeface="Times New Roman" panose="02020603050405020304" pitchFamily="18" charset="0"/>
-                <a:cs typeface="Times New Roman" panose="02020603050405020304" pitchFamily="18" charset="0"/>
-              </a:endParaRPr>
-            </a:p>
-          </p:txBody>
-        </p:sp>
-      </p:grpSp>
-    </p:spTree>
-    <p:extLst>
-      <p:ext uri="{BB962C8B-B14F-4D97-AF65-F5344CB8AC3E}">
-        <p14:creationId xmlns:p14="http://schemas.microsoft.com/office/powerpoint/2010/main" val="111849577"/>
-      </p:ext>
-    </p:extLst>
-  </p:cSld>
-  <p:clrMapOvr>
-    <a:masterClrMapping/>
-  </p:clrMapOvr>
-</p:sld>
-</file>
-
-<file path=ppt/slides/slide20.xml><?xml version="1.0" encoding="utf-8"?>
+<file path=ppt/slides/slide23.xml><?xml version="1.0" encoding="utf-8"?>
 <p:sld xmlns:a="http://schemas.openxmlformats.org/drawingml/2006/main" xmlns:r="http://schemas.openxmlformats.org/officeDocument/2006/relationships" xmlns:p="http://schemas.openxmlformats.org/presentationml/2006/main">
   <p:cSld>
     <p:spTree>
@@ -17843,7 +18520,7 @@
 </p:sld>
 </file>
 
-<file path=ppt/slides/slide21.xml><?xml version="1.0" encoding="utf-8"?>
+<file path=ppt/slides/slide24.xml><?xml version="1.0" encoding="utf-8"?>
 <p:sld xmlns:a="http://schemas.openxmlformats.org/drawingml/2006/main" xmlns:r="http://schemas.openxmlformats.org/officeDocument/2006/relationships" xmlns:p="http://schemas.openxmlformats.org/presentationml/2006/main">
   <p:cSld>
     <p:spTree>
@@ -20400,7 +21077,7 @@
 </p:sld>
 </file>
 
-<file path=ppt/slides/slide22.xml><?xml version="1.0" encoding="utf-8"?>
+<file path=ppt/slides/slide25.xml><?xml version="1.0" encoding="utf-8"?>
 <p:sld xmlns:a="http://schemas.openxmlformats.org/drawingml/2006/main" xmlns:r="http://schemas.openxmlformats.org/officeDocument/2006/relationships" xmlns:p="http://schemas.openxmlformats.org/presentationml/2006/main">
   <p:cSld>
     <p:spTree>
@@ -22933,7 +23610,7 @@
 </p:sld>
 </file>
 
-<file path=ppt/slides/slide23.xml><?xml version="1.0" encoding="utf-8"?>
+<file path=ppt/slides/slide26.xml><?xml version="1.0" encoding="utf-8"?>
 <p:sld xmlns:a="http://schemas.openxmlformats.org/drawingml/2006/main" xmlns:r="http://schemas.openxmlformats.org/officeDocument/2006/relationships" xmlns:p="http://schemas.openxmlformats.org/presentationml/2006/main">
   <p:cSld>
     <p:spTree>
@@ -24417,7 +25094,7 @@
 </p:sld>
 </file>
 
-<file path=ppt/slides/slide24.xml><?xml version="1.0" encoding="utf-8"?>
+<file path=ppt/slides/slide27.xml><?xml version="1.0" encoding="utf-8"?>
 <p:sld xmlns:a="http://schemas.openxmlformats.org/drawingml/2006/main" xmlns:r="http://schemas.openxmlformats.org/officeDocument/2006/relationships" xmlns:p="http://schemas.openxmlformats.org/presentationml/2006/main">
   <p:cSld>
     <p:spTree>
@@ -25948,7 +26625,7 @@
 </p:sld>
 </file>
 
-<file path=ppt/slides/slide25.xml><?xml version="1.0" encoding="utf-8"?>
+<file path=ppt/slides/slide28.xml><?xml version="1.0" encoding="utf-8"?>
 <p:sld xmlns:a="http://schemas.openxmlformats.org/drawingml/2006/main" xmlns:r="http://schemas.openxmlformats.org/officeDocument/2006/relationships" xmlns:p="http://schemas.openxmlformats.org/presentationml/2006/main">
   <p:cSld>
     <p:spTree>
@@ -26938,7 +27615,7 @@
 </p:sld>
 </file>
 
-<file path=ppt/slides/slide26.xml><?xml version="1.0" encoding="utf-8"?>
+<file path=ppt/slides/slide29.xml><?xml version="1.0" encoding="utf-8"?>
 <p:sld xmlns:a="http://schemas.openxmlformats.org/drawingml/2006/main" xmlns:r="http://schemas.openxmlformats.org/officeDocument/2006/relationships" xmlns:p="http://schemas.openxmlformats.org/presentationml/2006/main">
   <p:cSld>
     <p:spTree>
@@ -27928,7 +28605,282 @@
 </p:sld>
 </file>
 
-<file path=ppt/slides/slide27.xml><?xml version="1.0" encoding="utf-8"?>
+<file path=ppt/slides/slide3.xml><?xml version="1.0" encoding="utf-8"?>
+<p:sld xmlns:a="http://schemas.openxmlformats.org/drawingml/2006/main" xmlns:r="http://schemas.openxmlformats.org/officeDocument/2006/relationships" xmlns:p="http://schemas.openxmlformats.org/presentationml/2006/main">
+  <p:cSld>
+    <p:spTree>
+      <p:nvGrpSpPr>
+        <p:cNvPr id="1" name=""/>
+        <p:cNvGrpSpPr/>
+        <p:nvPr/>
+      </p:nvGrpSpPr>
+      <p:grpSpPr>
+        <a:xfrm>
+          <a:off x="0" y="0"/>
+          <a:ext cx="0" cy="0"/>
+          <a:chOff x="0" y="0"/>
+          <a:chExt cx="0" cy="0"/>
+        </a:xfrm>
+      </p:grpSpPr>
+      <p:grpSp>
+        <p:nvGrpSpPr>
+          <p:cNvPr id="2" name="Group 1">
+            <a:extLst>
+              <a:ext uri="{FF2B5EF4-FFF2-40B4-BE49-F238E27FC236}">
+                <a16:creationId xmlns:a16="http://schemas.microsoft.com/office/drawing/2014/main" id="{F867EB9F-EC72-C9B9-C658-05753C812A24}"/>
+              </a:ext>
+            </a:extLst>
+          </p:cNvPr>
+          <p:cNvGrpSpPr/>
+          <p:nvPr/>
+        </p:nvGrpSpPr>
+        <p:grpSpPr>
+          <a:xfrm>
+            <a:off x="4829492" y="1620203"/>
+            <a:ext cx="2533015" cy="3617595"/>
+            <a:chOff x="0" y="0"/>
+            <a:chExt cx="2533015" cy="3617595"/>
+          </a:xfrm>
+        </p:grpSpPr>
+        <p:pic>
+          <p:nvPicPr>
+            <p:cNvPr id="3" name="Picture 2">
+              <a:extLst>
+                <a:ext uri="{FF2B5EF4-FFF2-40B4-BE49-F238E27FC236}">
+                  <a16:creationId xmlns:a16="http://schemas.microsoft.com/office/drawing/2014/main" id="{745ED1A0-5A42-F535-5089-47818CA41409}"/>
+                </a:ext>
+              </a:extLst>
+            </p:cNvPr>
+            <p:cNvPicPr>
+              <a:picLocks noChangeAspect="1"/>
+            </p:cNvPicPr>
+            <p:nvPr/>
+          </p:nvPicPr>
+          <p:blipFill>
+            <a:blip r:embed="rId2" cstate="print">
+              <a:extLst>
+                <a:ext uri="{28A0092B-C50C-407E-A947-70E740481C1C}">
+                  <a14:useLocalDpi xmlns:a14="http://schemas.microsoft.com/office/drawing/2010/main" val="0"/>
+                </a:ext>
+              </a:extLst>
+            </a:blip>
+            <a:stretch>
+              <a:fillRect/>
+            </a:stretch>
+          </p:blipFill>
+          <p:spPr>
+            <a:xfrm>
+              <a:off x="0" y="0"/>
+              <a:ext cx="2533015" cy="3617595"/>
+            </a:xfrm>
+            <a:prstGeom prst="rect">
+              <a:avLst/>
+            </a:prstGeom>
+            <a:ln>
+              <a:solidFill>
+                <a:schemeClr val="tx1"/>
+              </a:solidFill>
+            </a:ln>
+          </p:spPr>
+        </p:pic>
+        <p:grpSp>
+          <p:nvGrpSpPr>
+            <p:cNvPr id="4" name="Group 3">
+              <a:extLst>
+                <a:ext uri="{FF2B5EF4-FFF2-40B4-BE49-F238E27FC236}">
+                  <a16:creationId xmlns:a16="http://schemas.microsoft.com/office/drawing/2014/main" id="{9FE7C91F-CDB6-DDF2-FB4E-63E4E37FB1CC}"/>
+                </a:ext>
+              </a:extLst>
+            </p:cNvPr>
+            <p:cNvGrpSpPr/>
+            <p:nvPr/>
+          </p:nvGrpSpPr>
+          <p:grpSpPr>
+            <a:xfrm>
+              <a:off x="863600" y="387350"/>
+              <a:ext cx="1511300" cy="1162050"/>
+              <a:chOff x="0" y="0"/>
+              <a:chExt cx="1511300" cy="1162050"/>
+            </a:xfrm>
+          </p:grpSpPr>
+          <p:sp>
+            <p:nvSpPr>
+              <p:cNvPr id="5" name="Rectangle 4">
+                <a:extLst>
+                  <a:ext uri="{FF2B5EF4-FFF2-40B4-BE49-F238E27FC236}">
+                    <a16:creationId xmlns:a16="http://schemas.microsoft.com/office/drawing/2014/main" id="{67A29557-FF80-59B9-BC17-FED8CEA544F3}"/>
+                  </a:ext>
+                </a:extLst>
+              </p:cNvPr>
+              <p:cNvSpPr/>
+              <p:nvPr/>
+            </p:nvSpPr>
+            <p:spPr>
+              <a:xfrm>
+                <a:off x="0" y="0"/>
+                <a:ext cx="628650" cy="1162050"/>
+              </a:xfrm>
+              <a:prstGeom prst="rect">
+                <a:avLst/>
+              </a:prstGeom>
+              <a:noFill/>
+              <a:ln w="31750">
+                <a:solidFill>
+                  <a:srgbClr val="FF0000"/>
+                </a:solidFill>
+              </a:ln>
+            </p:spPr>
+            <p:style>
+              <a:lnRef idx="2">
+                <a:schemeClr val="accent1">
+                  <a:shade val="15000"/>
+                </a:schemeClr>
+              </a:lnRef>
+              <a:fillRef idx="1">
+                <a:schemeClr val="accent1"/>
+              </a:fillRef>
+              <a:effectRef idx="0">
+                <a:schemeClr val="accent1"/>
+              </a:effectRef>
+              <a:fontRef idx="minor">
+                <a:schemeClr val="lt1"/>
+              </a:fontRef>
+            </p:style>
+            <p:txBody>
+              <a:bodyPr rot="0" spcFirstLastPara="0" vert="horz" wrap="square" lIns="91440" tIns="45720" rIns="91440" bIns="45720" numCol="1" spcCol="0" rtlCol="0" fromWordArt="0" anchor="ctr" anchorCtr="0" forceAA="0" compatLnSpc="1">
+                <a:prstTxWarp prst="textNoShape">
+                  <a:avLst/>
+                </a:prstTxWarp>
+                <a:noAutofit/>
+              </a:bodyPr>
+              <a:lstStyle/>
+              <a:p>
+                <a:endParaRPr lang="en-ID"/>
+              </a:p>
+            </p:txBody>
+          </p:sp>
+          <p:cxnSp>
+            <p:nvCxnSpPr>
+              <p:cNvPr id="6" name="Straight Arrow Connector 5">
+                <a:extLst>
+                  <a:ext uri="{FF2B5EF4-FFF2-40B4-BE49-F238E27FC236}">
+                    <a16:creationId xmlns:a16="http://schemas.microsoft.com/office/drawing/2014/main" id="{4E3D144E-C779-168F-6D83-7B0BD436F88E}"/>
+                  </a:ext>
+                </a:extLst>
+              </p:cNvPr>
+              <p:cNvCxnSpPr/>
+              <p:nvPr/>
+            </p:nvCxnSpPr>
+            <p:spPr>
+              <a:xfrm>
+                <a:off x="628650" y="584200"/>
+                <a:ext cx="216000" cy="0"/>
+              </a:xfrm>
+              <a:prstGeom prst="straightConnector1">
+                <a:avLst/>
+              </a:prstGeom>
+              <a:ln w="25400">
+                <a:solidFill>
+                  <a:srgbClr val="FF0000"/>
+                </a:solidFill>
+                <a:tailEnd type="triangle"/>
+              </a:ln>
+            </p:spPr>
+            <p:style>
+              <a:lnRef idx="1">
+                <a:schemeClr val="accent1"/>
+              </a:lnRef>
+              <a:fillRef idx="0">
+                <a:schemeClr val="accent1"/>
+              </a:fillRef>
+              <a:effectRef idx="0">
+                <a:schemeClr val="accent1"/>
+              </a:effectRef>
+              <a:fontRef idx="minor">
+                <a:schemeClr val="tx1"/>
+              </a:fontRef>
+            </p:style>
+          </p:cxnSp>
+          <p:sp>
+            <p:nvSpPr>
+              <p:cNvPr id="7" name="Text Box 14">
+                <a:extLst>
+                  <a:ext uri="{FF2B5EF4-FFF2-40B4-BE49-F238E27FC236}">
+                    <a16:creationId xmlns:a16="http://schemas.microsoft.com/office/drawing/2014/main" id="{D647BA7A-F1B7-9525-C91D-E3BDDFEE212E}"/>
+                  </a:ext>
+                </a:extLst>
+              </p:cNvPr>
+              <p:cNvSpPr txBox="1"/>
+              <p:nvPr/>
+            </p:nvSpPr>
+            <p:spPr>
+              <a:xfrm>
+                <a:off x="831850" y="349250"/>
+                <a:ext cx="679450" cy="425450"/>
+              </a:xfrm>
+              <a:prstGeom prst="rect">
+                <a:avLst/>
+              </a:prstGeom>
+              <a:solidFill>
+                <a:schemeClr val="lt1"/>
+              </a:solidFill>
+              <a:ln w="25400">
+                <a:solidFill>
+                  <a:srgbClr val="FF0000"/>
+                </a:solidFill>
+              </a:ln>
+            </p:spPr>
+            <p:txBody>
+              <a:bodyPr rot="0" spcFirstLastPara="0" vert="horz" wrap="square" lIns="91440" tIns="45720" rIns="91440" bIns="45720" numCol="1" spcCol="0" rtlCol="0" fromWordArt="0" anchor="t" anchorCtr="0" forceAA="0" compatLnSpc="1">
+                <a:prstTxWarp prst="textNoShape">
+                  <a:avLst/>
+                </a:prstTxWarp>
+                <a:noAutofit/>
+              </a:bodyPr>
+              <a:lstStyle/>
+              <a:p>
+                <a:pPr>
+                  <a:lnSpc>
+                    <a:spcPct val="107000"/>
+                  </a:lnSpc>
+                  <a:spcAft>
+                    <a:spcPts val="800"/>
+                  </a:spcAft>
+                </a:pPr>
+                <a:r>
+                  <a:rPr lang="en-ID" sz="1000" kern="100">
+                    <a:effectLst/>
+                    <a:latin typeface="Times New Roman" panose="02020603050405020304" pitchFamily="18" charset="0"/>
+                    <a:ea typeface="Calibri" panose="020F0502020204030204" pitchFamily="34" charset="0"/>
+                    <a:cs typeface="Times New Roman" panose="02020603050405020304" pitchFamily="18" charset="0"/>
+                  </a:rPr>
+                  <a:t>Menu Navigasi</a:t>
+                </a:r>
+                <a:endParaRPr lang="en-ID" sz="1200" kern="100">
+                  <a:effectLst/>
+                  <a:latin typeface="Times New Roman" panose="02020603050405020304" pitchFamily="18" charset="0"/>
+                  <a:ea typeface="Calibri" panose="020F0502020204030204" pitchFamily="34" charset="0"/>
+                  <a:cs typeface="Times New Roman" panose="02020603050405020304" pitchFamily="18" charset="0"/>
+                </a:endParaRPr>
+              </a:p>
+            </p:txBody>
+          </p:sp>
+        </p:grpSp>
+      </p:grpSp>
+    </p:spTree>
+    <p:extLst>
+      <p:ext uri="{BB962C8B-B14F-4D97-AF65-F5344CB8AC3E}">
+        <p14:creationId xmlns:p14="http://schemas.microsoft.com/office/powerpoint/2010/main" val="887730156"/>
+      </p:ext>
+    </p:extLst>
+  </p:cSld>
+  <p:clrMapOvr>
+    <a:masterClrMapping/>
+  </p:clrMapOvr>
+</p:sld>
+</file>
+
+<file path=ppt/slides/slide30.xml><?xml version="1.0" encoding="utf-8"?>
 <p:sld xmlns:a="http://schemas.openxmlformats.org/drawingml/2006/main" xmlns:r="http://schemas.openxmlformats.org/officeDocument/2006/relationships" xmlns:p="http://schemas.openxmlformats.org/presentationml/2006/main">
   <p:cSld>
     <p:spTree>
@@ -28795,7 +29747,7 @@
 </p:sld>
 </file>
 
-<file path=ppt/slides/slide28.xml><?xml version="1.0" encoding="utf-8"?>
+<file path=ppt/slides/slide31.xml><?xml version="1.0" encoding="utf-8"?>
 <p:sld xmlns:a="http://schemas.openxmlformats.org/drawingml/2006/main" xmlns:r="http://schemas.openxmlformats.org/officeDocument/2006/relationships" xmlns:p="http://schemas.openxmlformats.org/presentationml/2006/main">
   <p:cSld>
     <p:spTree>
@@ -29720,7 +30672,1850 @@
 </p:sld>
 </file>
 
-<file path=ppt/slides/slide3.xml><?xml version="1.0" encoding="utf-8"?>
+<file path=ppt/slides/slide4.xml><?xml version="1.0" encoding="utf-8"?>
+<p:sld xmlns:a="http://schemas.openxmlformats.org/drawingml/2006/main" xmlns:r="http://schemas.openxmlformats.org/officeDocument/2006/relationships" xmlns:p="http://schemas.openxmlformats.org/presentationml/2006/main">
+  <p:cSld>
+    <p:spTree>
+      <p:nvGrpSpPr>
+        <p:cNvPr id="1" name=""/>
+        <p:cNvGrpSpPr/>
+        <p:nvPr/>
+      </p:nvGrpSpPr>
+      <p:grpSpPr>
+        <a:xfrm>
+          <a:off x="0" y="0"/>
+          <a:ext cx="0" cy="0"/>
+          <a:chOff x="0" y="0"/>
+          <a:chExt cx="0" cy="0"/>
+        </a:xfrm>
+      </p:grpSpPr>
+      <p:grpSp>
+        <p:nvGrpSpPr>
+          <p:cNvPr id="2" name="Group 1">
+            <a:extLst>
+              <a:ext uri="{FF2B5EF4-FFF2-40B4-BE49-F238E27FC236}">
+                <a16:creationId xmlns:a16="http://schemas.microsoft.com/office/drawing/2014/main" id="{7FAD1EBE-0698-BD91-93DA-D5BDCD568A09}"/>
+              </a:ext>
+            </a:extLst>
+          </p:cNvPr>
+          <p:cNvGrpSpPr/>
+          <p:nvPr/>
+        </p:nvGrpSpPr>
+        <p:grpSpPr>
+          <a:xfrm>
+            <a:off x="4908550" y="1619568"/>
+            <a:ext cx="2374900" cy="3618865"/>
+            <a:chOff x="0" y="0"/>
+            <a:chExt cx="2374900" cy="3618865"/>
+          </a:xfrm>
+        </p:grpSpPr>
+        <p:grpSp>
+          <p:nvGrpSpPr>
+            <p:cNvPr id="3" name="Group 2">
+              <a:extLst>
+                <a:ext uri="{FF2B5EF4-FFF2-40B4-BE49-F238E27FC236}">
+                  <a16:creationId xmlns:a16="http://schemas.microsoft.com/office/drawing/2014/main" id="{E7BFC95D-A362-1304-25F5-54964195A43E}"/>
+                </a:ext>
+              </a:extLst>
+            </p:cNvPr>
+            <p:cNvGrpSpPr/>
+            <p:nvPr/>
+          </p:nvGrpSpPr>
+          <p:grpSpPr>
+            <a:xfrm>
+              <a:off x="0" y="0"/>
+              <a:ext cx="2374900" cy="3618865"/>
+              <a:chOff x="0" y="0"/>
+              <a:chExt cx="2374900" cy="3618865"/>
+            </a:xfrm>
+          </p:grpSpPr>
+          <p:pic>
+            <p:nvPicPr>
+              <p:cNvPr id="8" name="Picture 7">
+                <a:extLst>
+                  <a:ext uri="{FF2B5EF4-FFF2-40B4-BE49-F238E27FC236}">
+                    <a16:creationId xmlns:a16="http://schemas.microsoft.com/office/drawing/2014/main" id="{87D5B6C1-339D-7807-3205-61D66D137D1C}"/>
+                  </a:ext>
+                </a:extLst>
+              </p:cNvPr>
+              <p:cNvPicPr>
+                <a:picLocks noChangeAspect="1"/>
+              </p:cNvPicPr>
+              <p:nvPr/>
+            </p:nvPicPr>
+            <p:blipFill>
+              <a:blip r:embed="rId2" cstate="print">
+                <a:extLst>
+                  <a:ext uri="{28A0092B-C50C-407E-A947-70E740481C1C}">
+                    <a14:useLocalDpi xmlns:a14="http://schemas.microsoft.com/office/drawing/2010/main" val="0"/>
+                  </a:ext>
+                </a:extLst>
+              </a:blip>
+              <a:stretch>
+                <a:fillRect/>
+              </a:stretch>
+            </p:blipFill>
+            <p:spPr>
+              <a:xfrm>
+                <a:off x="0" y="0"/>
+                <a:ext cx="2374900" cy="3618865"/>
+              </a:xfrm>
+              <a:prstGeom prst="rect">
+                <a:avLst/>
+              </a:prstGeom>
+              <a:ln>
+                <a:solidFill>
+                  <a:schemeClr val="tx1"/>
+                </a:solidFill>
+              </a:ln>
+            </p:spPr>
+          </p:pic>
+          <p:sp>
+            <p:nvSpPr>
+              <p:cNvPr id="9" name="Rectangle 8">
+                <a:extLst>
+                  <a:ext uri="{FF2B5EF4-FFF2-40B4-BE49-F238E27FC236}">
+                    <a16:creationId xmlns:a16="http://schemas.microsoft.com/office/drawing/2014/main" id="{2D161D23-1976-AC01-2716-BC2515430E8F}"/>
+                  </a:ext>
+                </a:extLst>
+              </p:cNvPr>
+              <p:cNvSpPr/>
+              <p:nvPr/>
+            </p:nvSpPr>
+            <p:spPr>
+              <a:xfrm>
+                <a:off x="1993900" y="57150"/>
+                <a:ext cx="304800" cy="209550"/>
+              </a:xfrm>
+              <a:prstGeom prst="rect">
+                <a:avLst/>
+              </a:prstGeom>
+              <a:noFill/>
+              <a:ln w="34925">
+                <a:solidFill>
+                  <a:srgbClr val="FF0000"/>
+                </a:solidFill>
+              </a:ln>
+            </p:spPr>
+            <p:style>
+              <a:lnRef idx="2">
+                <a:schemeClr val="accent1">
+                  <a:shade val="15000"/>
+                </a:schemeClr>
+              </a:lnRef>
+              <a:fillRef idx="1">
+                <a:schemeClr val="accent1"/>
+              </a:fillRef>
+              <a:effectRef idx="0">
+                <a:schemeClr val="accent1"/>
+              </a:effectRef>
+              <a:fontRef idx="minor">
+                <a:schemeClr val="lt1"/>
+              </a:fontRef>
+            </p:style>
+            <p:txBody>
+              <a:bodyPr rot="0" spcFirstLastPara="0" vert="horz" wrap="square" lIns="91440" tIns="45720" rIns="91440" bIns="45720" numCol="1" spcCol="0" rtlCol="0" fromWordArt="0" anchor="ctr" anchorCtr="0" forceAA="0" compatLnSpc="1">
+                <a:prstTxWarp prst="textNoShape">
+                  <a:avLst/>
+                </a:prstTxWarp>
+                <a:noAutofit/>
+              </a:bodyPr>
+              <a:lstStyle/>
+              <a:p>
+                <a:endParaRPr lang="en-ID"/>
+              </a:p>
+            </p:txBody>
+          </p:sp>
+          <p:sp>
+            <p:nvSpPr>
+              <p:cNvPr id="10" name="Rectangle 9">
+                <a:extLst>
+                  <a:ext uri="{FF2B5EF4-FFF2-40B4-BE49-F238E27FC236}">
+                    <a16:creationId xmlns:a16="http://schemas.microsoft.com/office/drawing/2014/main" id="{F0D9856F-7718-020A-F50B-2083B9D88DED}"/>
+                  </a:ext>
+                </a:extLst>
+              </p:cNvPr>
+              <p:cNvSpPr/>
+              <p:nvPr/>
+            </p:nvSpPr>
+            <p:spPr>
+              <a:xfrm>
+                <a:off x="1054100" y="50800"/>
+                <a:ext cx="577850" cy="247650"/>
+              </a:xfrm>
+              <a:prstGeom prst="rect">
+                <a:avLst/>
+              </a:prstGeom>
+              <a:noFill/>
+              <a:ln w="34925">
+                <a:solidFill>
+                  <a:srgbClr val="FF0000"/>
+                </a:solidFill>
+              </a:ln>
+            </p:spPr>
+            <p:style>
+              <a:lnRef idx="2">
+                <a:schemeClr val="accent1">
+                  <a:shade val="15000"/>
+                </a:schemeClr>
+              </a:lnRef>
+              <a:fillRef idx="1">
+                <a:schemeClr val="accent1"/>
+              </a:fillRef>
+              <a:effectRef idx="0">
+                <a:schemeClr val="accent1"/>
+              </a:effectRef>
+              <a:fontRef idx="minor">
+                <a:schemeClr val="lt1"/>
+              </a:fontRef>
+            </p:style>
+            <p:txBody>
+              <a:bodyPr rot="0" spcFirstLastPara="0" vert="horz" wrap="square" lIns="91440" tIns="45720" rIns="91440" bIns="45720" numCol="1" spcCol="0" rtlCol="0" fromWordArt="0" anchor="ctr" anchorCtr="0" forceAA="0" compatLnSpc="1">
+                <a:prstTxWarp prst="textNoShape">
+                  <a:avLst/>
+                </a:prstTxWarp>
+                <a:noAutofit/>
+              </a:bodyPr>
+              <a:lstStyle/>
+              <a:p>
+                <a:endParaRPr lang="en-ID"/>
+              </a:p>
+            </p:txBody>
+          </p:sp>
+          <p:sp>
+            <p:nvSpPr>
+              <p:cNvPr id="11" name="Rectangle 10">
+                <a:extLst>
+                  <a:ext uri="{FF2B5EF4-FFF2-40B4-BE49-F238E27FC236}">
+                    <a16:creationId xmlns:a16="http://schemas.microsoft.com/office/drawing/2014/main" id="{99AA9574-B5AF-67DE-D182-9AD85AD5AA3D}"/>
+                  </a:ext>
+                </a:extLst>
+              </p:cNvPr>
+              <p:cNvSpPr/>
+              <p:nvPr/>
+            </p:nvSpPr>
+            <p:spPr>
+              <a:xfrm>
+                <a:off x="120650" y="2266950"/>
+                <a:ext cx="831850" cy="247650"/>
+              </a:xfrm>
+              <a:prstGeom prst="rect">
+                <a:avLst/>
+              </a:prstGeom>
+              <a:noFill/>
+              <a:ln w="34925">
+                <a:solidFill>
+                  <a:srgbClr val="FF0000"/>
+                </a:solidFill>
+              </a:ln>
+            </p:spPr>
+            <p:style>
+              <a:lnRef idx="2">
+                <a:schemeClr val="accent1">
+                  <a:shade val="15000"/>
+                </a:schemeClr>
+              </a:lnRef>
+              <a:fillRef idx="1">
+                <a:schemeClr val="accent1"/>
+              </a:fillRef>
+              <a:effectRef idx="0">
+                <a:schemeClr val="accent1"/>
+              </a:effectRef>
+              <a:fontRef idx="minor">
+                <a:schemeClr val="lt1"/>
+              </a:fontRef>
+            </p:style>
+            <p:txBody>
+              <a:bodyPr rot="0" spcFirstLastPara="0" vert="horz" wrap="square" lIns="91440" tIns="45720" rIns="91440" bIns="45720" numCol="1" spcCol="0" rtlCol="0" fromWordArt="0" anchor="ctr" anchorCtr="0" forceAA="0" compatLnSpc="1">
+                <a:prstTxWarp prst="textNoShape">
+                  <a:avLst/>
+                </a:prstTxWarp>
+                <a:noAutofit/>
+              </a:bodyPr>
+              <a:lstStyle/>
+              <a:p>
+                <a:endParaRPr lang="en-ID"/>
+              </a:p>
+            </p:txBody>
+          </p:sp>
+        </p:grpSp>
+        <p:cxnSp>
+          <p:nvCxnSpPr>
+            <p:cNvPr id="4" name="Straight Arrow Connector 3">
+              <a:extLst>
+                <a:ext uri="{FF2B5EF4-FFF2-40B4-BE49-F238E27FC236}">
+                  <a16:creationId xmlns:a16="http://schemas.microsoft.com/office/drawing/2014/main" id="{1FDB5864-182D-272D-250C-3E89647007EB}"/>
+                </a:ext>
+              </a:extLst>
+            </p:cNvPr>
+            <p:cNvCxnSpPr/>
+            <p:nvPr/>
+          </p:nvCxnSpPr>
+          <p:spPr>
+            <a:xfrm flipH="1">
+              <a:off x="1536700" y="266700"/>
+              <a:ext cx="622300" cy="292100"/>
+            </a:xfrm>
+            <a:prstGeom prst="straightConnector1">
+              <a:avLst/>
+            </a:prstGeom>
+            <a:ln w="19050">
+              <a:solidFill>
+                <a:srgbClr val="FF0000"/>
+              </a:solidFill>
+              <a:tailEnd type="triangle"/>
+            </a:ln>
+          </p:spPr>
+          <p:style>
+            <a:lnRef idx="1">
+              <a:schemeClr val="accent1"/>
+            </a:lnRef>
+            <a:fillRef idx="0">
+              <a:schemeClr val="accent1"/>
+            </a:fillRef>
+            <a:effectRef idx="0">
+              <a:schemeClr val="accent1"/>
+            </a:effectRef>
+            <a:fontRef idx="minor">
+              <a:schemeClr val="tx1"/>
+            </a:fontRef>
+          </p:style>
+        </p:cxnSp>
+        <p:sp>
+          <p:nvSpPr>
+            <p:cNvPr id="5" name="Text Box 14">
+              <a:extLst>
+                <a:ext uri="{FF2B5EF4-FFF2-40B4-BE49-F238E27FC236}">
+                  <a16:creationId xmlns:a16="http://schemas.microsoft.com/office/drawing/2014/main" id="{B11BEC66-8455-2663-91AC-915004AEE928}"/>
+                </a:ext>
+              </a:extLst>
+            </p:cNvPr>
+            <p:cNvSpPr txBox="1"/>
+            <p:nvPr/>
+          </p:nvSpPr>
+          <p:spPr>
+            <a:xfrm>
+              <a:off x="742950" y="558800"/>
+              <a:ext cx="1397000" cy="266700"/>
+            </a:xfrm>
+            <a:prstGeom prst="rect">
+              <a:avLst/>
+            </a:prstGeom>
+            <a:solidFill>
+              <a:schemeClr val="lt1"/>
+            </a:solidFill>
+            <a:ln w="25400">
+              <a:solidFill>
+                <a:srgbClr val="FF0000"/>
+              </a:solidFill>
+            </a:ln>
+          </p:spPr>
+          <p:txBody>
+            <a:bodyPr rot="0" spcFirstLastPara="0" vert="horz" wrap="square" lIns="91440" tIns="45720" rIns="91440" bIns="45720" numCol="1" spcCol="0" rtlCol="0" fromWordArt="0" anchor="t" anchorCtr="0" forceAA="0" compatLnSpc="1">
+              <a:prstTxWarp prst="textNoShape">
+                <a:avLst/>
+              </a:prstTxWarp>
+              <a:noAutofit/>
+            </a:bodyPr>
+            <a:lstStyle/>
+            <a:p>
+              <a:pPr>
+                <a:lnSpc>
+                  <a:spcPct val="107000"/>
+                </a:lnSpc>
+                <a:spcAft>
+                  <a:spcPts val="800"/>
+                </a:spcAft>
+              </a:pPr>
+              <a:r>
+                <a:rPr lang="en-ID" sz="1000" kern="100">
+                  <a:effectLst/>
+                  <a:latin typeface="Times New Roman" panose="02020603050405020304" pitchFamily="18" charset="0"/>
+                  <a:ea typeface="Calibri" panose="020F0502020204030204" pitchFamily="34" charset="0"/>
+                  <a:cs typeface="Times New Roman" panose="02020603050405020304" pitchFamily="18" charset="0"/>
+                </a:rPr>
+                <a:t>Ikon </a:t>
+              </a:r>
+              <a:r>
+                <a:rPr lang="en-ID" sz="1000" i="1" kern="100">
+                  <a:effectLst/>
+                  <a:latin typeface="Times New Roman" panose="02020603050405020304" pitchFamily="18" charset="0"/>
+                  <a:ea typeface="Calibri" panose="020F0502020204030204" pitchFamily="34" charset="0"/>
+                  <a:cs typeface="Times New Roman" panose="02020603050405020304" pitchFamily="18" charset="0"/>
+                </a:rPr>
+                <a:t>Hamberger Menu</a:t>
+              </a:r>
+              <a:endParaRPr lang="en-ID" sz="1200" kern="100">
+                <a:effectLst/>
+                <a:latin typeface="Times New Roman" panose="02020603050405020304" pitchFamily="18" charset="0"/>
+                <a:ea typeface="Calibri" panose="020F0502020204030204" pitchFamily="34" charset="0"/>
+                <a:cs typeface="Times New Roman" panose="02020603050405020304" pitchFamily="18" charset="0"/>
+              </a:endParaRPr>
+            </a:p>
+          </p:txBody>
+        </p:sp>
+        <p:sp>
+          <p:nvSpPr>
+            <p:cNvPr id="6" name="Text Box 14">
+              <a:extLst>
+                <a:ext uri="{FF2B5EF4-FFF2-40B4-BE49-F238E27FC236}">
+                  <a16:creationId xmlns:a16="http://schemas.microsoft.com/office/drawing/2014/main" id="{DA3EB2BD-18BD-EAE2-AD29-CE8AD7CA7F13}"/>
+                </a:ext>
+              </a:extLst>
+            </p:cNvPr>
+            <p:cNvSpPr txBox="1"/>
+            <p:nvPr/>
+          </p:nvSpPr>
+          <p:spPr>
+            <a:xfrm>
+              <a:off x="596900" y="2800350"/>
+              <a:ext cx="603250" cy="266700"/>
+            </a:xfrm>
+            <a:prstGeom prst="rect">
+              <a:avLst/>
+            </a:prstGeom>
+            <a:solidFill>
+              <a:schemeClr val="lt1"/>
+            </a:solidFill>
+            <a:ln w="25400">
+              <a:solidFill>
+                <a:srgbClr val="FF0000"/>
+              </a:solidFill>
+            </a:ln>
+          </p:spPr>
+          <p:txBody>
+            <a:bodyPr rot="0" spcFirstLastPara="0" vert="horz" wrap="square" lIns="91440" tIns="45720" rIns="91440" bIns="45720" numCol="1" spcCol="0" rtlCol="0" fromWordArt="0" anchor="t" anchorCtr="0" forceAA="0" compatLnSpc="1">
+              <a:prstTxWarp prst="textNoShape">
+                <a:avLst/>
+              </a:prstTxWarp>
+              <a:noAutofit/>
+            </a:bodyPr>
+            <a:lstStyle/>
+            <a:p>
+              <a:pPr algn="ctr">
+                <a:lnSpc>
+                  <a:spcPct val="107000"/>
+                </a:lnSpc>
+                <a:spcAft>
+                  <a:spcPts val="800"/>
+                </a:spcAft>
+              </a:pPr>
+              <a:r>
+                <a:rPr lang="en-ID" sz="1000" kern="100">
+                  <a:effectLst/>
+                  <a:latin typeface="Times New Roman" panose="02020603050405020304" pitchFamily="18" charset="0"/>
+                  <a:ea typeface="Calibri" panose="020F0502020204030204" pitchFamily="34" charset="0"/>
+                  <a:cs typeface="Times New Roman" panose="02020603050405020304" pitchFamily="18" charset="0"/>
+                </a:rPr>
+                <a:t>Tombol</a:t>
+              </a:r>
+              <a:endParaRPr lang="en-ID" sz="1200" kern="100">
+                <a:effectLst/>
+                <a:latin typeface="Times New Roman" panose="02020603050405020304" pitchFamily="18" charset="0"/>
+                <a:ea typeface="Calibri" panose="020F0502020204030204" pitchFamily="34" charset="0"/>
+                <a:cs typeface="Times New Roman" panose="02020603050405020304" pitchFamily="18" charset="0"/>
+              </a:endParaRPr>
+            </a:p>
+          </p:txBody>
+        </p:sp>
+        <p:cxnSp>
+          <p:nvCxnSpPr>
+            <p:cNvPr id="7" name="Straight Arrow Connector 6">
+              <a:extLst>
+                <a:ext uri="{FF2B5EF4-FFF2-40B4-BE49-F238E27FC236}">
+                  <a16:creationId xmlns:a16="http://schemas.microsoft.com/office/drawing/2014/main" id="{6610DDA8-BD4E-96B9-DE6C-E2DD43567756}"/>
+                </a:ext>
+              </a:extLst>
+            </p:cNvPr>
+            <p:cNvCxnSpPr/>
+            <p:nvPr/>
+          </p:nvCxnSpPr>
+          <p:spPr>
+            <a:xfrm>
+              <a:off x="596900" y="2508250"/>
+              <a:ext cx="254000" cy="292100"/>
+            </a:xfrm>
+            <a:prstGeom prst="straightConnector1">
+              <a:avLst/>
+            </a:prstGeom>
+            <a:ln w="19050">
+              <a:solidFill>
+                <a:srgbClr val="FF0000"/>
+              </a:solidFill>
+              <a:tailEnd type="triangle"/>
+            </a:ln>
+          </p:spPr>
+          <p:style>
+            <a:lnRef idx="1">
+              <a:schemeClr val="accent1"/>
+            </a:lnRef>
+            <a:fillRef idx="0">
+              <a:schemeClr val="accent1"/>
+            </a:fillRef>
+            <a:effectRef idx="0">
+              <a:schemeClr val="accent1"/>
+            </a:effectRef>
+            <a:fontRef idx="minor">
+              <a:schemeClr val="tx1"/>
+            </a:fontRef>
+          </p:style>
+        </p:cxnSp>
+      </p:grpSp>
+    </p:spTree>
+    <p:extLst>
+      <p:ext uri="{BB962C8B-B14F-4D97-AF65-F5344CB8AC3E}">
+        <p14:creationId xmlns:p14="http://schemas.microsoft.com/office/powerpoint/2010/main" val="2011530357"/>
+      </p:ext>
+    </p:extLst>
+  </p:cSld>
+  <p:clrMapOvr>
+    <a:masterClrMapping/>
+  </p:clrMapOvr>
+</p:sld>
+</file>
+
+<file path=ppt/slides/slide5.xml><?xml version="1.0" encoding="utf-8"?>
+<p:sld xmlns:a="http://schemas.openxmlformats.org/drawingml/2006/main" xmlns:r="http://schemas.openxmlformats.org/officeDocument/2006/relationships" xmlns:p="http://schemas.openxmlformats.org/presentationml/2006/main">
+  <p:cSld>
+    <p:spTree>
+      <p:nvGrpSpPr>
+        <p:cNvPr id="1" name=""/>
+        <p:cNvGrpSpPr/>
+        <p:nvPr/>
+      </p:nvGrpSpPr>
+      <p:grpSpPr>
+        <a:xfrm>
+          <a:off x="0" y="0"/>
+          <a:ext cx="0" cy="0"/>
+          <a:chOff x="0" y="0"/>
+          <a:chExt cx="0" cy="0"/>
+        </a:xfrm>
+      </p:grpSpPr>
+      <mc:AlternateContent xmlns:mc="http://schemas.openxmlformats.org/markup-compatibility/2006" xmlns:a14="http://schemas.microsoft.com/office/drawing/2010/main">
+        <mc:Choice Requires="a14">
+          <p:sp>
+            <p:nvSpPr>
+              <p:cNvPr id="19" name="TextBox 18">
+                <a:extLst>
+                  <a:ext uri="{FF2B5EF4-FFF2-40B4-BE49-F238E27FC236}">
+                    <a16:creationId xmlns:a16="http://schemas.microsoft.com/office/drawing/2014/main" id="{56C4512B-8D4E-B6D6-8B9E-0629537EB8AD}"/>
+                  </a:ext>
+                </a:extLst>
+              </p:cNvPr>
+              <p:cNvSpPr txBox="1"/>
+              <p:nvPr/>
+            </p:nvSpPr>
+            <p:spPr>
+              <a:xfrm>
+                <a:off x="6083302" y="4757528"/>
+                <a:ext cx="292097" cy="369332"/>
+              </a:xfrm>
+              <a:prstGeom prst="rect">
+                <a:avLst/>
+              </a:prstGeom>
+              <a:noFill/>
+            </p:spPr>
+            <p:txBody>
+              <a:bodyPr wrap="square" rtlCol="0">
+                <a:spAutoFit/>
+              </a:bodyPr>
+              <a:lstStyle/>
+              <a:p>
+                <a:pPr/>
+                <a14:m>
+                  <m:oMathPara xmlns:m="http://schemas.openxmlformats.org/officeDocument/2006/math">
+                    <m:oMathParaPr>
+                      <m:jc m:val="centerGroup"/>
+                    </m:oMathParaPr>
+                    <m:oMath xmlns:m="http://schemas.openxmlformats.org/officeDocument/2006/math">
+                      <m:sSub>
+                        <m:sSubPr>
+                          <m:ctrlPr>
+                            <a:rPr lang="en-US" b="0" i="1" smtClean="0">
+                              <a:solidFill>
+                                <a:schemeClr val="bg1"/>
+                              </a:solidFill>
+                              <a:latin typeface="Cambria Math" panose="02040503050406030204" pitchFamily="18" charset="0"/>
+                            </a:rPr>
+                          </m:ctrlPr>
+                        </m:sSubPr>
+                        <m:e>
+                          <m:r>
+                            <a:rPr lang="en-US" b="0" i="1" smtClean="0">
+                              <a:solidFill>
+                                <a:schemeClr val="bg1"/>
+                              </a:solidFill>
+                              <a:latin typeface="Cambria Math" panose="02040503050406030204" pitchFamily="18" charset="0"/>
+                            </a:rPr>
+                            <m:t>𝜃</m:t>
+                          </m:r>
+                        </m:e>
+                        <m:sub>
+                          <m:r>
+                            <a:rPr lang="en-US" b="0" i="1" smtClean="0">
+                              <a:solidFill>
+                                <a:schemeClr val="bg1"/>
+                              </a:solidFill>
+                              <a:latin typeface="Cambria Math" panose="02040503050406030204" pitchFamily="18" charset="0"/>
+                            </a:rPr>
+                            <m:t>2</m:t>
+                          </m:r>
+                        </m:sub>
+                      </m:sSub>
+                    </m:oMath>
+                  </m:oMathPara>
+                </a14:m>
+                <a:endParaRPr lang="en-ID" dirty="0">
+                  <a:solidFill>
+                    <a:schemeClr val="bg1"/>
+                  </a:solidFill>
+                </a:endParaRPr>
+              </a:p>
+            </p:txBody>
+          </p:sp>
+        </mc:Choice>
+        <mc:Fallback xmlns="">
+          <p:sp>
+            <p:nvSpPr>
+              <p:cNvPr id="19" name="TextBox 18">
+                <a:extLst>
+                  <a:ext uri="{FF2B5EF4-FFF2-40B4-BE49-F238E27FC236}">
+                    <a16:creationId xmlns:a16="http://schemas.microsoft.com/office/drawing/2014/main" id="{56C4512B-8D4E-B6D6-8B9E-0629537EB8AD}"/>
+                  </a:ext>
+                </a:extLst>
+              </p:cNvPr>
+              <p:cNvSpPr txBox="1">
+                <a:spLocks noRot="1" noChangeAspect="1" noMove="1" noResize="1" noEditPoints="1" noAdjustHandles="1" noChangeArrowheads="1" noChangeShapeType="1" noTextEdit="1"/>
+              </p:cNvSpPr>
+              <p:nvPr/>
+            </p:nvSpPr>
+            <p:spPr>
+              <a:xfrm>
+                <a:off x="6083302" y="4757528"/>
+                <a:ext cx="292097" cy="369332"/>
+              </a:xfrm>
+              <a:prstGeom prst="rect">
+                <a:avLst/>
+              </a:prstGeom>
+              <a:blipFill>
+                <a:blip r:embed="rId2"/>
+                <a:stretch>
+                  <a:fillRect r="-25000"/>
+                </a:stretch>
+              </a:blipFill>
+            </p:spPr>
+            <p:txBody>
+              <a:bodyPr/>
+              <a:lstStyle/>
+              <a:p>
+                <a:r>
+                  <a:rPr lang="en-ID">
+                    <a:noFill/>
+                  </a:rPr>
+                  <a:t> </a:t>
+                </a:r>
+              </a:p>
+            </p:txBody>
+          </p:sp>
+        </mc:Fallback>
+      </mc:AlternateContent>
+      <p:grpSp>
+        <p:nvGrpSpPr>
+          <p:cNvPr id="25" name="Group 24">
+            <a:extLst>
+              <a:ext uri="{FF2B5EF4-FFF2-40B4-BE49-F238E27FC236}">
+                <a16:creationId xmlns:a16="http://schemas.microsoft.com/office/drawing/2014/main" id="{06B9D07A-848B-A6EF-23B3-E0C194B2068B}"/>
+              </a:ext>
+            </a:extLst>
+          </p:cNvPr>
+          <p:cNvGrpSpPr/>
+          <p:nvPr/>
+        </p:nvGrpSpPr>
+        <p:grpSpPr>
+          <a:xfrm>
+            <a:off x="3954800" y="1307826"/>
+            <a:ext cx="5400000" cy="4680000"/>
+            <a:chOff x="3396000" y="1853926"/>
+            <a:chExt cx="5400000" cy="4680000"/>
+          </a:xfrm>
+        </p:grpSpPr>
+        <p:grpSp>
+          <p:nvGrpSpPr>
+            <p:cNvPr id="4" name="Group 3">
+              <a:extLst>
+                <a:ext uri="{FF2B5EF4-FFF2-40B4-BE49-F238E27FC236}">
+                  <a16:creationId xmlns:a16="http://schemas.microsoft.com/office/drawing/2014/main" id="{A95BDC08-9B77-01EE-B511-5E50A6EEC7D0}"/>
+                </a:ext>
+              </a:extLst>
+            </p:cNvPr>
+            <p:cNvGrpSpPr/>
+            <p:nvPr/>
+          </p:nvGrpSpPr>
+          <p:grpSpPr>
+            <a:xfrm>
+              <a:off x="3396000" y="1853926"/>
+              <a:ext cx="5400000" cy="4673600"/>
+              <a:chOff x="3396000" y="1853926"/>
+              <a:chExt cx="5400000" cy="4673600"/>
+            </a:xfrm>
+          </p:grpSpPr>
+          <p:sp>
+            <p:nvSpPr>
+              <p:cNvPr id="2" name="Rectangle 1">
+                <a:extLst>
+                  <a:ext uri="{FF2B5EF4-FFF2-40B4-BE49-F238E27FC236}">
+                    <a16:creationId xmlns:a16="http://schemas.microsoft.com/office/drawing/2014/main" id="{3C648ADE-B621-8C4F-E56C-12F27C747A4F}"/>
+                  </a:ext>
+                </a:extLst>
+              </p:cNvPr>
+              <p:cNvSpPr/>
+              <p:nvPr/>
+            </p:nvSpPr>
+            <p:spPr>
+              <a:xfrm>
+                <a:off x="3396000" y="4190726"/>
+                <a:ext cx="5400000" cy="2336800"/>
+              </a:xfrm>
+              <a:prstGeom prst="rect">
+                <a:avLst/>
+              </a:prstGeom>
+              <a:gradFill>
+                <a:gsLst>
+                  <a:gs pos="53000">
+                    <a:schemeClr val="accent1"/>
+                  </a:gs>
+                  <a:gs pos="97000">
+                    <a:schemeClr val="accent1">
+                      <a:lumMod val="45000"/>
+                      <a:lumOff val="55000"/>
+                    </a:schemeClr>
+                  </a:gs>
+                  <a:gs pos="100000">
+                    <a:schemeClr val="accent1">
+                      <a:lumMod val="30000"/>
+                      <a:lumOff val="70000"/>
+                    </a:schemeClr>
+                  </a:gs>
+                </a:gsLst>
+                <a:lin ang="5400000" scaled="1"/>
+              </a:gradFill>
+              <a:ln>
+                <a:solidFill>
+                  <a:srgbClr val="0070C0"/>
+                </a:solidFill>
+              </a:ln>
+            </p:spPr>
+            <p:style>
+              <a:lnRef idx="2">
+                <a:schemeClr val="accent1">
+                  <a:shade val="15000"/>
+                </a:schemeClr>
+              </a:lnRef>
+              <a:fillRef idx="1">
+                <a:schemeClr val="accent1"/>
+              </a:fillRef>
+              <a:effectRef idx="0">
+                <a:schemeClr val="accent1"/>
+              </a:effectRef>
+              <a:fontRef idx="minor">
+                <a:schemeClr val="lt1"/>
+              </a:fontRef>
+            </p:style>
+            <p:txBody>
+              <a:bodyPr rtlCol="0" anchor="ctr"/>
+              <a:lstStyle/>
+              <a:p>
+                <a:pPr algn="ctr"/>
+                <a:endParaRPr lang="en-ID" dirty="0"/>
+              </a:p>
+            </p:txBody>
+          </p:sp>
+          <p:sp>
+            <p:nvSpPr>
+              <p:cNvPr id="3" name="Rectangle 2">
+                <a:extLst>
+                  <a:ext uri="{FF2B5EF4-FFF2-40B4-BE49-F238E27FC236}">
+                    <a16:creationId xmlns:a16="http://schemas.microsoft.com/office/drawing/2014/main" id="{B3A822D6-BEE7-8582-041B-C27E43E8F5A3}"/>
+                  </a:ext>
+                </a:extLst>
+              </p:cNvPr>
+              <p:cNvSpPr/>
+              <p:nvPr/>
+            </p:nvSpPr>
+            <p:spPr>
+              <a:xfrm>
+                <a:off x="3396000" y="1853926"/>
+                <a:ext cx="5400000" cy="2336800"/>
+              </a:xfrm>
+              <a:prstGeom prst="rect">
+                <a:avLst/>
+              </a:prstGeom>
+              <a:solidFill>
+                <a:schemeClr val="tx1"/>
+              </a:solidFill>
+              <a:ln>
+                <a:solidFill>
+                  <a:schemeClr val="tx1"/>
+                </a:solidFill>
+              </a:ln>
+            </p:spPr>
+            <p:style>
+              <a:lnRef idx="2">
+                <a:schemeClr val="accent1">
+                  <a:shade val="15000"/>
+                </a:schemeClr>
+              </a:lnRef>
+              <a:fillRef idx="1">
+                <a:schemeClr val="accent1"/>
+              </a:fillRef>
+              <a:effectRef idx="0">
+                <a:schemeClr val="accent1"/>
+              </a:effectRef>
+              <a:fontRef idx="minor">
+                <a:schemeClr val="lt1"/>
+              </a:fontRef>
+            </p:style>
+            <p:txBody>
+              <a:bodyPr rtlCol="0" anchor="ctr"/>
+              <a:lstStyle/>
+              <a:p>
+                <a:pPr algn="ctr"/>
+                <a:endParaRPr lang="en-ID" dirty="0"/>
+              </a:p>
+            </p:txBody>
+          </p:sp>
+        </p:grpSp>
+        <p:cxnSp>
+          <p:nvCxnSpPr>
+            <p:cNvPr id="6" name="Straight Connector 5">
+              <a:extLst>
+                <a:ext uri="{FF2B5EF4-FFF2-40B4-BE49-F238E27FC236}">
+                  <a16:creationId xmlns:a16="http://schemas.microsoft.com/office/drawing/2014/main" id="{2038E3EB-28BD-1E49-8669-89DED1F4D2F4}"/>
+                </a:ext>
+              </a:extLst>
+            </p:cNvPr>
+            <p:cNvCxnSpPr>
+              <a:stCxn id="2" idx="0"/>
+              <a:endCxn id="3" idx="0"/>
+            </p:cNvCxnSpPr>
+            <p:nvPr/>
+          </p:nvCxnSpPr>
+          <p:spPr>
+            <a:xfrm flipV="1">
+              <a:off x="6096000" y="1853926"/>
+              <a:ext cx="0" cy="4680000"/>
+            </a:xfrm>
+            <a:prstGeom prst="line">
+              <a:avLst/>
+            </a:prstGeom>
+            <a:ln w="44450">
+              <a:solidFill>
+                <a:srgbClr val="FF0000"/>
+              </a:solidFill>
+              <a:prstDash val="sysDash"/>
+            </a:ln>
+          </p:spPr>
+          <p:style>
+            <a:lnRef idx="1">
+              <a:schemeClr val="accent1"/>
+            </a:lnRef>
+            <a:fillRef idx="0">
+              <a:schemeClr val="accent1"/>
+            </a:fillRef>
+            <a:effectRef idx="0">
+              <a:schemeClr val="accent1"/>
+            </a:effectRef>
+            <a:fontRef idx="minor">
+              <a:schemeClr val="tx1"/>
+            </a:fontRef>
+          </p:style>
+        </p:cxnSp>
+        <p:cxnSp>
+          <p:nvCxnSpPr>
+            <p:cNvPr id="8" name="Straight Arrow Connector 7">
+              <a:extLst>
+                <a:ext uri="{FF2B5EF4-FFF2-40B4-BE49-F238E27FC236}">
+                  <a16:creationId xmlns:a16="http://schemas.microsoft.com/office/drawing/2014/main" id="{CBC1D993-F567-1C82-B74A-BDD45FDEE7AF}"/>
+                </a:ext>
+              </a:extLst>
+            </p:cNvPr>
+            <p:cNvCxnSpPr>
+              <a:cxnSpLocks/>
+              <a:endCxn id="3" idx="2"/>
+            </p:cNvCxnSpPr>
+            <p:nvPr/>
+          </p:nvCxnSpPr>
+          <p:spPr>
+            <a:xfrm>
+              <a:off x="4498428" y="3022326"/>
+              <a:ext cx="1597572" cy="1168400"/>
+            </a:xfrm>
+            <a:prstGeom prst="straightConnector1">
+              <a:avLst/>
+            </a:prstGeom>
+            <a:ln w="38100">
+              <a:solidFill>
+                <a:srgbClr val="01FF74"/>
+              </a:solidFill>
+              <a:tailEnd type="triangle"/>
+            </a:ln>
+          </p:spPr>
+          <p:style>
+            <a:lnRef idx="1">
+              <a:schemeClr val="accent1"/>
+            </a:lnRef>
+            <a:fillRef idx="0">
+              <a:schemeClr val="accent1"/>
+            </a:fillRef>
+            <a:effectRef idx="0">
+              <a:schemeClr val="accent1"/>
+            </a:effectRef>
+            <a:fontRef idx="minor">
+              <a:schemeClr val="tx1"/>
+            </a:fontRef>
+          </p:style>
+        </p:cxnSp>
+        <p:pic>
+          <p:nvPicPr>
+            <p:cNvPr id="13" name="Picture 12">
+              <a:extLst>
+                <a:ext uri="{FF2B5EF4-FFF2-40B4-BE49-F238E27FC236}">
+                  <a16:creationId xmlns:a16="http://schemas.microsoft.com/office/drawing/2014/main" id="{06C7E8F9-C17A-CAE1-3604-AA4E0C0103DE}"/>
+                </a:ext>
+              </a:extLst>
+            </p:cNvPr>
+            <p:cNvPicPr>
+              <a:picLocks noChangeAspect="1"/>
+            </p:cNvPicPr>
+            <p:nvPr/>
+          </p:nvPicPr>
+          <p:blipFill>
+            <a:blip r:embed="rId3">
+              <a:extLst>
+                <a:ext uri="{28A0092B-C50C-407E-A947-70E740481C1C}">
+                  <a14:useLocalDpi xmlns:a14="http://schemas.microsoft.com/office/drawing/2010/main" val="0"/>
+                </a:ext>
+              </a:extLst>
+            </a:blip>
+            <a:stretch>
+              <a:fillRect/>
+            </a:stretch>
+          </p:blipFill>
+          <p:spPr>
+            <a:xfrm rot="15705243">
+              <a:off x="3487459" y="2028874"/>
+              <a:ext cx="1409263" cy="1409263"/>
+            </a:xfrm>
+            <a:prstGeom prst="rect">
+              <a:avLst/>
+            </a:prstGeom>
+          </p:spPr>
+        </p:pic>
+        <p:cxnSp>
+          <p:nvCxnSpPr>
+            <p:cNvPr id="14" name="Straight Arrow Connector 13">
+              <a:extLst>
+                <a:ext uri="{FF2B5EF4-FFF2-40B4-BE49-F238E27FC236}">
+                  <a16:creationId xmlns:a16="http://schemas.microsoft.com/office/drawing/2014/main" id="{62B2B470-AEAD-6DE1-DBC7-892DA9BB2859}"/>
+                </a:ext>
+              </a:extLst>
+            </p:cNvPr>
+            <p:cNvCxnSpPr>
+              <a:cxnSpLocks/>
+            </p:cNvCxnSpPr>
+            <p:nvPr/>
+          </p:nvCxnSpPr>
+          <p:spPr>
+            <a:xfrm flipV="1">
+              <a:off x="6096000" y="3022326"/>
+              <a:ext cx="1597572" cy="1168400"/>
+            </a:xfrm>
+            <a:prstGeom prst="straightConnector1">
+              <a:avLst/>
+            </a:prstGeom>
+            <a:ln w="38100">
+              <a:solidFill>
+                <a:srgbClr val="01FF74"/>
+              </a:solidFill>
+              <a:tailEnd type="triangle"/>
+            </a:ln>
+          </p:spPr>
+          <p:style>
+            <a:lnRef idx="1">
+              <a:schemeClr val="accent1"/>
+            </a:lnRef>
+            <a:fillRef idx="0">
+              <a:schemeClr val="accent1"/>
+            </a:fillRef>
+            <a:effectRef idx="0">
+              <a:schemeClr val="accent1"/>
+            </a:effectRef>
+            <a:fontRef idx="minor">
+              <a:schemeClr val="tx1"/>
+            </a:fontRef>
+          </p:style>
+        </p:cxnSp>
+        <p:cxnSp>
+          <p:nvCxnSpPr>
+            <p:cNvPr id="15" name="Straight Arrow Connector 14">
+              <a:extLst>
+                <a:ext uri="{FF2B5EF4-FFF2-40B4-BE49-F238E27FC236}">
+                  <a16:creationId xmlns:a16="http://schemas.microsoft.com/office/drawing/2014/main" id="{1D92FE50-8F8D-5F3C-BEF5-39E125C9E157}"/>
+                </a:ext>
+              </a:extLst>
+            </p:cNvPr>
+            <p:cNvCxnSpPr>
+              <a:cxnSpLocks/>
+            </p:cNvCxnSpPr>
+            <p:nvPr/>
+          </p:nvCxnSpPr>
+          <p:spPr>
+            <a:xfrm>
+              <a:off x="6096000" y="4190726"/>
+              <a:ext cx="798786" cy="1663974"/>
+            </a:xfrm>
+            <a:prstGeom prst="straightConnector1">
+              <a:avLst/>
+            </a:prstGeom>
+            <a:ln w="38100">
+              <a:solidFill>
+                <a:srgbClr val="01FF74"/>
+              </a:solidFill>
+              <a:tailEnd type="triangle"/>
+            </a:ln>
+          </p:spPr>
+          <p:style>
+            <a:lnRef idx="1">
+              <a:schemeClr val="accent1"/>
+            </a:lnRef>
+            <a:fillRef idx="0">
+              <a:schemeClr val="accent1"/>
+            </a:fillRef>
+            <a:effectRef idx="0">
+              <a:schemeClr val="accent1"/>
+            </a:effectRef>
+            <a:fontRef idx="minor">
+              <a:schemeClr val="tx1"/>
+            </a:fontRef>
+          </p:style>
+        </p:cxnSp>
+        <mc:AlternateContent xmlns:mc="http://schemas.openxmlformats.org/markup-compatibility/2006" xmlns:a14="http://schemas.microsoft.com/office/drawing/2010/main">
+          <mc:Choice Requires="a14">
+            <p:sp>
+              <p:nvSpPr>
+                <p:cNvPr id="17" name="TextBox 16">
+                  <a:extLst>
+                    <a:ext uri="{FF2B5EF4-FFF2-40B4-BE49-F238E27FC236}">
+                      <a16:creationId xmlns:a16="http://schemas.microsoft.com/office/drawing/2014/main" id="{D2865BC8-DD15-367A-7AC7-062870FAD735}"/>
+                    </a:ext>
+                  </a:extLst>
+                </p:cNvPr>
+                <p:cNvSpPr txBox="1"/>
+                <p:nvPr/>
+              </p:nvSpPr>
+              <p:spPr>
+                <a:xfrm>
+                  <a:off x="5693005" y="3581126"/>
+                  <a:ext cx="292097" cy="369332"/>
+                </a:xfrm>
+                <a:prstGeom prst="rect">
+                  <a:avLst/>
+                </a:prstGeom>
+                <a:noFill/>
+              </p:spPr>
+              <p:txBody>
+                <a:bodyPr wrap="square" rtlCol="0">
+                  <a:spAutoFit/>
+                </a:bodyPr>
+                <a:lstStyle/>
+                <a:p>
+                  <a:pPr/>
+                  <a14:m>
+                    <m:oMathPara xmlns:m="http://schemas.openxmlformats.org/officeDocument/2006/math">
+                      <m:oMathParaPr>
+                        <m:jc m:val="centerGroup"/>
+                      </m:oMathParaPr>
+                      <m:oMath xmlns:m="http://schemas.openxmlformats.org/officeDocument/2006/math">
+                        <m:sSub>
+                          <m:sSubPr>
+                            <m:ctrlPr>
+                              <a:rPr lang="en-US" b="0" i="1" smtClean="0">
+                                <a:solidFill>
+                                  <a:schemeClr val="bg1"/>
+                                </a:solidFill>
+                                <a:latin typeface="Cambria Math" panose="02040503050406030204" pitchFamily="18" charset="0"/>
+                              </a:rPr>
+                            </m:ctrlPr>
+                          </m:sSubPr>
+                          <m:e>
+                            <m:r>
+                              <a:rPr lang="en-US" b="0" i="1" smtClean="0">
+                                <a:solidFill>
+                                  <a:schemeClr val="bg1"/>
+                                </a:solidFill>
+                                <a:latin typeface="Cambria Math" panose="02040503050406030204" pitchFamily="18" charset="0"/>
+                              </a:rPr>
+                              <m:t>𝜃</m:t>
+                            </m:r>
+                          </m:e>
+                          <m:sub>
+                            <m:r>
+                              <a:rPr lang="en-US" b="0" i="1" smtClean="0">
+                                <a:solidFill>
+                                  <a:schemeClr val="bg1"/>
+                                </a:solidFill>
+                                <a:latin typeface="Cambria Math" panose="02040503050406030204" pitchFamily="18" charset="0"/>
+                              </a:rPr>
+                              <m:t>1</m:t>
+                            </m:r>
+                          </m:sub>
+                        </m:sSub>
+                      </m:oMath>
+                    </m:oMathPara>
+                  </a14:m>
+                  <a:endParaRPr lang="en-ID" dirty="0">
+                    <a:solidFill>
+                      <a:schemeClr val="bg1"/>
+                    </a:solidFill>
+                  </a:endParaRPr>
+                </a:p>
+              </p:txBody>
+            </p:sp>
+          </mc:Choice>
+          <mc:Fallback xmlns="">
+            <p:sp>
+              <p:nvSpPr>
+                <p:cNvPr id="17" name="TextBox 16">
+                  <a:extLst>
+                    <a:ext uri="{FF2B5EF4-FFF2-40B4-BE49-F238E27FC236}">
+                      <a16:creationId xmlns:a16="http://schemas.microsoft.com/office/drawing/2014/main" id="{D2865BC8-DD15-367A-7AC7-062870FAD735}"/>
+                    </a:ext>
+                  </a:extLst>
+                </p:cNvPr>
+                <p:cNvSpPr txBox="1">
+                  <a:spLocks noRot="1" noChangeAspect="1" noMove="1" noResize="1" noEditPoints="1" noAdjustHandles="1" noChangeArrowheads="1" noChangeShapeType="1" noTextEdit="1"/>
+                </p:cNvSpPr>
+                <p:nvPr/>
+              </p:nvSpPr>
+              <p:spPr>
+                <a:xfrm>
+                  <a:off x="5693005" y="3581126"/>
+                  <a:ext cx="292097" cy="369332"/>
+                </a:xfrm>
+                <a:prstGeom prst="rect">
+                  <a:avLst/>
+                </a:prstGeom>
+                <a:blipFill>
+                  <a:blip r:embed="rId4"/>
+                  <a:stretch>
+                    <a:fillRect r="-25532"/>
+                  </a:stretch>
+                </a:blipFill>
+              </p:spPr>
+              <p:txBody>
+                <a:bodyPr/>
+                <a:lstStyle/>
+                <a:p>
+                  <a:r>
+                    <a:rPr lang="en-ID">
+                      <a:noFill/>
+                    </a:rPr>
+                    <a:t> </a:t>
+                  </a:r>
+                </a:p>
+              </p:txBody>
+            </p:sp>
+          </mc:Fallback>
+        </mc:AlternateContent>
+        <mc:AlternateContent xmlns:mc="http://schemas.openxmlformats.org/markup-compatibility/2006" xmlns:a14="http://schemas.microsoft.com/office/drawing/2010/main">
+          <mc:Choice Requires="a14">
+            <p:sp>
+              <p:nvSpPr>
+                <p:cNvPr id="18" name="TextBox 17">
+                  <a:extLst>
+                    <a:ext uri="{FF2B5EF4-FFF2-40B4-BE49-F238E27FC236}">
+                      <a16:creationId xmlns:a16="http://schemas.microsoft.com/office/drawing/2014/main" id="{11399640-4554-2227-1B3D-E952F2E4C540}"/>
+                    </a:ext>
+                  </a:extLst>
+                </p:cNvPr>
+                <p:cNvSpPr txBox="1"/>
+                <p:nvPr/>
+              </p:nvSpPr>
+              <p:spPr>
+                <a:xfrm>
+                  <a:off x="6108699" y="3589128"/>
+                  <a:ext cx="292097" cy="369332"/>
+                </a:xfrm>
+                <a:prstGeom prst="rect">
+                  <a:avLst/>
+                </a:prstGeom>
+                <a:noFill/>
+              </p:spPr>
+              <p:txBody>
+                <a:bodyPr wrap="square" rtlCol="0">
+                  <a:spAutoFit/>
+                </a:bodyPr>
+                <a:lstStyle/>
+                <a:p>
+                  <a:pPr/>
+                  <a14:m>
+                    <m:oMathPara xmlns:m="http://schemas.openxmlformats.org/officeDocument/2006/math">
+                      <m:oMathParaPr>
+                        <m:jc m:val="centerGroup"/>
+                      </m:oMathParaPr>
+                      <m:oMath xmlns:m="http://schemas.openxmlformats.org/officeDocument/2006/math">
+                        <m:sSub>
+                          <m:sSubPr>
+                            <m:ctrlPr>
+                              <a:rPr lang="en-US" b="0" i="1" smtClean="0">
+                                <a:solidFill>
+                                  <a:schemeClr val="bg1"/>
+                                </a:solidFill>
+                                <a:latin typeface="Cambria Math" panose="02040503050406030204" pitchFamily="18" charset="0"/>
+                              </a:rPr>
+                            </m:ctrlPr>
+                          </m:sSubPr>
+                          <m:e>
+                            <m:r>
+                              <a:rPr lang="en-US" b="0" i="1" smtClean="0">
+                                <a:solidFill>
+                                  <a:schemeClr val="bg1"/>
+                                </a:solidFill>
+                                <a:latin typeface="Cambria Math" panose="02040503050406030204" pitchFamily="18" charset="0"/>
+                              </a:rPr>
+                              <m:t>𝜃</m:t>
+                            </m:r>
+                          </m:e>
+                          <m:sub>
+                            <m:r>
+                              <a:rPr lang="en-US" b="0" i="1" smtClean="0">
+                                <a:solidFill>
+                                  <a:schemeClr val="bg1"/>
+                                </a:solidFill>
+                                <a:latin typeface="Cambria Math" panose="02040503050406030204" pitchFamily="18" charset="0"/>
+                              </a:rPr>
+                              <m:t>1</m:t>
+                            </m:r>
+                          </m:sub>
+                        </m:sSub>
+                      </m:oMath>
+                    </m:oMathPara>
+                  </a14:m>
+                  <a:endParaRPr lang="en-ID" dirty="0">
+                    <a:solidFill>
+                      <a:schemeClr val="bg1"/>
+                    </a:solidFill>
+                  </a:endParaRPr>
+                </a:p>
+              </p:txBody>
+            </p:sp>
+          </mc:Choice>
+          <mc:Fallback xmlns="">
+            <p:sp>
+              <p:nvSpPr>
+                <p:cNvPr id="18" name="TextBox 17">
+                  <a:extLst>
+                    <a:ext uri="{FF2B5EF4-FFF2-40B4-BE49-F238E27FC236}">
+                      <a16:creationId xmlns:a16="http://schemas.microsoft.com/office/drawing/2014/main" id="{11399640-4554-2227-1B3D-E952F2E4C540}"/>
+                    </a:ext>
+                  </a:extLst>
+                </p:cNvPr>
+                <p:cNvSpPr txBox="1">
+                  <a:spLocks noRot="1" noChangeAspect="1" noMove="1" noResize="1" noEditPoints="1" noAdjustHandles="1" noChangeArrowheads="1" noChangeShapeType="1" noTextEdit="1"/>
+                </p:cNvSpPr>
+                <p:nvPr/>
+              </p:nvSpPr>
+              <p:spPr>
+                <a:xfrm>
+                  <a:off x="6108699" y="3589128"/>
+                  <a:ext cx="292097" cy="369332"/>
+                </a:xfrm>
+                <a:prstGeom prst="rect">
+                  <a:avLst/>
+                </a:prstGeom>
+                <a:blipFill>
+                  <a:blip r:embed="rId5"/>
+                  <a:stretch>
+                    <a:fillRect r="-22917"/>
+                  </a:stretch>
+                </a:blipFill>
+              </p:spPr>
+              <p:txBody>
+                <a:bodyPr/>
+                <a:lstStyle/>
+                <a:p>
+                  <a:r>
+                    <a:rPr lang="en-ID">
+                      <a:noFill/>
+                    </a:rPr>
+                    <a:t> </a:t>
+                  </a:r>
+                </a:p>
+              </p:txBody>
+            </p:sp>
+          </mc:Fallback>
+        </mc:AlternateContent>
+        <mc:AlternateContent xmlns:mc="http://schemas.openxmlformats.org/markup-compatibility/2006" xmlns:a14="http://schemas.microsoft.com/office/drawing/2010/main">
+          <mc:Choice Requires="a14">
+            <p:sp>
+              <p:nvSpPr>
+                <p:cNvPr id="20" name="TextBox 19">
+                  <a:extLst>
+                    <a:ext uri="{FF2B5EF4-FFF2-40B4-BE49-F238E27FC236}">
+                      <a16:creationId xmlns:a16="http://schemas.microsoft.com/office/drawing/2014/main" id="{9983DE6E-77E6-BFBA-CB5A-85444EB10302}"/>
+                    </a:ext>
+                  </a:extLst>
+                </p:cNvPr>
+                <p:cNvSpPr txBox="1"/>
+                <p:nvPr/>
+              </p:nvSpPr>
+              <p:spPr>
+                <a:xfrm>
+                  <a:off x="3407544" y="4209452"/>
+                  <a:ext cx="1876972" cy="369332"/>
+                </a:xfrm>
+                <a:prstGeom prst="rect">
+                  <a:avLst/>
+                </a:prstGeom>
+                <a:noFill/>
+              </p:spPr>
+              <p:txBody>
+                <a:bodyPr wrap="square" rtlCol="0">
+                  <a:spAutoFit/>
+                </a:bodyPr>
+                <a:lstStyle/>
+                <a:p>
+                  <a:r>
+                    <a:rPr lang="en-US" dirty="0">
+                      <a:solidFill>
+                        <a:schemeClr val="bg1"/>
+                      </a:solidFill>
+                      <a:latin typeface="Times New Roman" panose="02020603050405020304" pitchFamily="18" charset="0"/>
+                      <a:cs typeface="Times New Roman" panose="02020603050405020304" pitchFamily="18" charset="0"/>
+                    </a:rPr>
+                    <a:t>Air </a:t>
+                  </a:r>
+                  <a14:m>
+                    <m:oMath xmlns:m="http://schemas.openxmlformats.org/officeDocument/2006/math">
+                      <m:r>
+                        <a:rPr lang="en-US" b="0" i="0" smtClean="0">
+                          <a:solidFill>
+                            <a:schemeClr val="bg1"/>
+                          </a:solidFill>
+                          <a:latin typeface="Cambria Math" panose="02040503050406030204" pitchFamily="18" charset="0"/>
+                        </a:rPr>
+                        <m:t>(</m:t>
+                      </m:r>
+                      <m:sSub>
+                        <m:sSubPr>
+                          <m:ctrlPr>
+                            <a:rPr lang="en-US" b="0" i="1" smtClean="0">
+                              <a:solidFill>
+                                <a:schemeClr val="bg1"/>
+                              </a:solidFill>
+                              <a:latin typeface="Cambria Math" panose="02040503050406030204" pitchFamily="18" charset="0"/>
+                            </a:rPr>
+                          </m:ctrlPr>
+                        </m:sSubPr>
+                        <m:e>
+                          <m:r>
+                            <a:rPr lang="en-US" b="0" i="1" smtClean="0">
+                              <a:solidFill>
+                                <a:schemeClr val="bg1"/>
+                              </a:solidFill>
+                              <a:latin typeface="Cambria Math" panose="02040503050406030204" pitchFamily="18" charset="0"/>
+                            </a:rPr>
+                            <m:t>𝑛</m:t>
+                          </m:r>
+                        </m:e>
+                        <m:sub>
+                          <m:r>
+                            <a:rPr lang="en-US" b="0" i="1" smtClean="0">
+                              <a:solidFill>
+                                <a:schemeClr val="bg1"/>
+                              </a:solidFill>
+                              <a:latin typeface="Cambria Math" panose="02040503050406030204" pitchFamily="18" charset="0"/>
+                            </a:rPr>
+                            <m:t>2</m:t>
+                          </m:r>
+                        </m:sub>
+                      </m:sSub>
+                      <m:r>
+                        <a:rPr lang="en-US" b="0" i="1" smtClean="0">
+                          <a:solidFill>
+                            <a:schemeClr val="bg1"/>
+                          </a:solidFill>
+                          <a:latin typeface="Cambria Math" panose="02040503050406030204" pitchFamily="18" charset="0"/>
+                        </a:rPr>
+                        <m:t>=1.33)</m:t>
+                      </m:r>
+                    </m:oMath>
+                  </a14:m>
+                  <a:endParaRPr lang="en-ID" dirty="0">
+                    <a:solidFill>
+                      <a:schemeClr val="bg1"/>
+                    </a:solidFill>
+                    <a:latin typeface="Times New Roman" panose="02020603050405020304" pitchFamily="18" charset="0"/>
+                    <a:cs typeface="Times New Roman" panose="02020603050405020304" pitchFamily="18" charset="0"/>
+                  </a:endParaRPr>
+                </a:p>
+              </p:txBody>
+            </p:sp>
+          </mc:Choice>
+          <mc:Fallback xmlns="">
+            <p:sp>
+              <p:nvSpPr>
+                <p:cNvPr id="20" name="TextBox 19">
+                  <a:extLst>
+                    <a:ext uri="{FF2B5EF4-FFF2-40B4-BE49-F238E27FC236}">
+                      <a16:creationId xmlns:a16="http://schemas.microsoft.com/office/drawing/2014/main" id="{9983DE6E-77E6-BFBA-CB5A-85444EB10302}"/>
+                    </a:ext>
+                  </a:extLst>
+                </p:cNvPr>
+                <p:cNvSpPr txBox="1">
+                  <a:spLocks noRot="1" noChangeAspect="1" noMove="1" noResize="1" noEditPoints="1" noAdjustHandles="1" noChangeArrowheads="1" noChangeShapeType="1" noTextEdit="1"/>
+                </p:cNvSpPr>
+                <p:nvPr/>
+              </p:nvSpPr>
+              <p:spPr>
+                <a:xfrm>
+                  <a:off x="3407544" y="4209452"/>
+                  <a:ext cx="1876972" cy="369332"/>
+                </a:xfrm>
+                <a:prstGeom prst="rect">
+                  <a:avLst/>
+                </a:prstGeom>
+                <a:blipFill>
+                  <a:blip r:embed="rId6"/>
+                  <a:stretch>
+                    <a:fillRect l="-2922" t="-9836" b="-24590"/>
+                  </a:stretch>
+                </a:blipFill>
+              </p:spPr>
+              <p:txBody>
+                <a:bodyPr/>
+                <a:lstStyle/>
+                <a:p>
+                  <a:r>
+                    <a:rPr lang="en-ID">
+                      <a:noFill/>
+                    </a:rPr>
+                    <a:t> </a:t>
+                  </a:r>
+                </a:p>
+              </p:txBody>
+            </p:sp>
+          </mc:Fallback>
+        </mc:AlternateContent>
+        <mc:AlternateContent xmlns:mc="http://schemas.openxmlformats.org/markup-compatibility/2006" xmlns:a14="http://schemas.microsoft.com/office/drawing/2010/main">
+          <mc:Choice Requires="a14">
+            <p:sp>
+              <p:nvSpPr>
+                <p:cNvPr id="21" name="TextBox 20">
+                  <a:extLst>
+                    <a:ext uri="{FF2B5EF4-FFF2-40B4-BE49-F238E27FC236}">
+                      <a16:creationId xmlns:a16="http://schemas.microsoft.com/office/drawing/2014/main" id="{D4EF301B-E64C-A888-E030-69EE6B3F4056}"/>
+                    </a:ext>
+                  </a:extLst>
+                </p:cNvPr>
+                <p:cNvSpPr txBox="1"/>
+                <p:nvPr/>
+              </p:nvSpPr>
+              <p:spPr>
+                <a:xfrm>
+                  <a:off x="3407543" y="3788958"/>
+                  <a:ext cx="2174563" cy="369332"/>
+                </a:xfrm>
+                <a:prstGeom prst="rect">
+                  <a:avLst/>
+                </a:prstGeom>
+                <a:noFill/>
+              </p:spPr>
+              <p:txBody>
+                <a:bodyPr wrap="square" rtlCol="0">
+                  <a:spAutoFit/>
+                </a:bodyPr>
+                <a:lstStyle/>
+                <a:p>
+                  <a:r>
+                    <a:rPr lang="en-US" dirty="0">
+                      <a:solidFill>
+                        <a:schemeClr val="bg1"/>
+                      </a:solidFill>
+                      <a:latin typeface="Times New Roman" panose="02020603050405020304" pitchFamily="18" charset="0"/>
+                      <a:cs typeface="Times New Roman" panose="02020603050405020304" pitchFamily="18" charset="0"/>
+                    </a:rPr>
+                    <a:t>Udara </a:t>
+                  </a:r>
+                  <a14:m>
+                    <m:oMath xmlns:m="http://schemas.openxmlformats.org/officeDocument/2006/math">
+                      <m:r>
+                        <a:rPr lang="en-US" b="0" i="0" smtClean="0">
+                          <a:solidFill>
+                            <a:schemeClr val="bg1"/>
+                          </a:solidFill>
+                          <a:latin typeface="Cambria Math" panose="02040503050406030204" pitchFamily="18" charset="0"/>
+                        </a:rPr>
+                        <m:t>(</m:t>
+                      </m:r>
+                      <m:sSub>
+                        <m:sSubPr>
+                          <m:ctrlPr>
+                            <a:rPr lang="en-US" b="0" i="1" smtClean="0">
+                              <a:solidFill>
+                                <a:schemeClr val="bg1"/>
+                              </a:solidFill>
+                              <a:latin typeface="Cambria Math" panose="02040503050406030204" pitchFamily="18" charset="0"/>
+                            </a:rPr>
+                          </m:ctrlPr>
+                        </m:sSubPr>
+                        <m:e>
+                          <m:r>
+                            <a:rPr lang="en-US" b="0" i="1" smtClean="0">
+                              <a:solidFill>
+                                <a:schemeClr val="bg1"/>
+                              </a:solidFill>
+                              <a:latin typeface="Cambria Math" panose="02040503050406030204" pitchFamily="18" charset="0"/>
+                            </a:rPr>
+                            <m:t>𝑛</m:t>
+                          </m:r>
+                        </m:e>
+                        <m:sub>
+                          <m:r>
+                            <a:rPr lang="en-US" b="0" i="1" smtClean="0">
+                              <a:solidFill>
+                                <a:schemeClr val="bg1"/>
+                              </a:solidFill>
+                              <a:latin typeface="Cambria Math" panose="02040503050406030204" pitchFamily="18" charset="0"/>
+                            </a:rPr>
+                            <m:t>1</m:t>
+                          </m:r>
+                        </m:sub>
+                      </m:sSub>
+                      <m:r>
+                        <a:rPr lang="en-US" b="0" i="1" smtClean="0">
+                          <a:solidFill>
+                            <a:schemeClr val="bg1"/>
+                          </a:solidFill>
+                          <a:latin typeface="Cambria Math" panose="02040503050406030204" pitchFamily="18" charset="0"/>
+                        </a:rPr>
+                        <m:t>=1.00)</m:t>
+                      </m:r>
+                    </m:oMath>
+                  </a14:m>
+                  <a:endParaRPr lang="en-ID" dirty="0">
+                    <a:solidFill>
+                      <a:schemeClr val="bg1"/>
+                    </a:solidFill>
+                    <a:latin typeface="Times New Roman" panose="02020603050405020304" pitchFamily="18" charset="0"/>
+                    <a:cs typeface="Times New Roman" panose="02020603050405020304" pitchFamily="18" charset="0"/>
+                  </a:endParaRPr>
+                </a:p>
+              </p:txBody>
+            </p:sp>
+          </mc:Choice>
+          <mc:Fallback xmlns="">
+            <p:sp>
+              <p:nvSpPr>
+                <p:cNvPr id="21" name="TextBox 20">
+                  <a:extLst>
+                    <a:ext uri="{FF2B5EF4-FFF2-40B4-BE49-F238E27FC236}">
+                      <a16:creationId xmlns:a16="http://schemas.microsoft.com/office/drawing/2014/main" id="{D4EF301B-E64C-A888-E030-69EE6B3F4056}"/>
+                    </a:ext>
+                  </a:extLst>
+                </p:cNvPr>
+                <p:cNvSpPr txBox="1">
+                  <a:spLocks noRot="1" noChangeAspect="1" noMove="1" noResize="1" noEditPoints="1" noAdjustHandles="1" noChangeArrowheads="1" noChangeShapeType="1" noTextEdit="1"/>
+                </p:cNvSpPr>
+                <p:nvPr/>
+              </p:nvSpPr>
+              <p:spPr>
+                <a:xfrm>
+                  <a:off x="3407543" y="3788958"/>
+                  <a:ext cx="2174563" cy="369332"/>
+                </a:xfrm>
+                <a:prstGeom prst="rect">
+                  <a:avLst/>
+                </a:prstGeom>
+                <a:blipFill>
+                  <a:blip r:embed="rId7"/>
+                  <a:stretch>
+                    <a:fillRect l="-2528" t="-9836" b="-24590"/>
+                  </a:stretch>
+                </a:blipFill>
+              </p:spPr>
+              <p:txBody>
+                <a:bodyPr/>
+                <a:lstStyle/>
+                <a:p>
+                  <a:r>
+                    <a:rPr lang="en-ID">
+                      <a:noFill/>
+                    </a:rPr>
+                    <a:t> </a:t>
+                  </a:r>
+                </a:p>
+              </p:txBody>
+            </p:sp>
+          </mc:Fallback>
+        </mc:AlternateContent>
+        <p:sp>
+          <p:nvSpPr>
+            <p:cNvPr id="22" name="TextBox 21">
+              <a:extLst>
+                <a:ext uri="{FF2B5EF4-FFF2-40B4-BE49-F238E27FC236}">
+                  <a16:creationId xmlns:a16="http://schemas.microsoft.com/office/drawing/2014/main" id="{46FADC14-736C-9855-3E9E-73F3F731F811}"/>
+                </a:ext>
+              </a:extLst>
+            </p:cNvPr>
+            <p:cNvSpPr txBox="1"/>
+            <p:nvPr/>
+          </p:nvSpPr>
+          <p:spPr>
+            <a:xfrm>
+              <a:off x="4940836" y="2628537"/>
+              <a:ext cx="1044266" cy="646331"/>
+            </a:xfrm>
+            <a:prstGeom prst="rect">
+              <a:avLst/>
+            </a:prstGeom>
+            <a:noFill/>
+          </p:spPr>
+          <p:txBody>
+            <a:bodyPr wrap="square" rtlCol="0">
+              <a:spAutoFit/>
+            </a:bodyPr>
+            <a:lstStyle/>
+            <a:p>
+              <a:r>
+                <a:rPr lang="en-US" dirty="0" err="1">
+                  <a:solidFill>
+                    <a:schemeClr val="bg1"/>
+                  </a:solidFill>
+                  <a:latin typeface="Times New Roman" panose="02020603050405020304" pitchFamily="18" charset="0"/>
+                  <a:cs typeface="Times New Roman" panose="02020603050405020304" pitchFamily="18" charset="0"/>
+                </a:rPr>
+                <a:t>Sinar</a:t>
+              </a:r>
+              <a:r>
+                <a:rPr lang="en-US" dirty="0">
+                  <a:solidFill>
+                    <a:schemeClr val="bg1"/>
+                  </a:solidFill>
+                  <a:latin typeface="Times New Roman" panose="02020603050405020304" pitchFamily="18" charset="0"/>
+                  <a:cs typeface="Times New Roman" panose="02020603050405020304" pitchFamily="18" charset="0"/>
+                </a:rPr>
+                <a:t> </a:t>
+              </a:r>
+              <a:r>
+                <a:rPr lang="en-US" dirty="0" err="1">
+                  <a:solidFill>
+                    <a:schemeClr val="bg1"/>
+                  </a:solidFill>
+                  <a:latin typeface="Times New Roman" panose="02020603050405020304" pitchFamily="18" charset="0"/>
+                  <a:cs typeface="Times New Roman" panose="02020603050405020304" pitchFamily="18" charset="0"/>
+                </a:rPr>
+                <a:t>datang</a:t>
+              </a:r>
+              <a:endParaRPr lang="en-ID" dirty="0">
+                <a:solidFill>
+                  <a:schemeClr val="bg1"/>
+                </a:solidFill>
+                <a:latin typeface="Times New Roman" panose="02020603050405020304" pitchFamily="18" charset="0"/>
+                <a:cs typeface="Times New Roman" panose="02020603050405020304" pitchFamily="18" charset="0"/>
+              </a:endParaRPr>
+            </a:p>
+          </p:txBody>
+        </p:sp>
+        <p:sp>
+          <p:nvSpPr>
+            <p:cNvPr id="23" name="TextBox 22">
+              <a:extLst>
+                <a:ext uri="{FF2B5EF4-FFF2-40B4-BE49-F238E27FC236}">
+                  <a16:creationId xmlns:a16="http://schemas.microsoft.com/office/drawing/2014/main" id="{FD120F1F-8FF4-4F33-11B2-55726A6B554F}"/>
+                </a:ext>
+              </a:extLst>
+            </p:cNvPr>
+            <p:cNvSpPr txBox="1"/>
+            <p:nvPr/>
+          </p:nvSpPr>
+          <p:spPr>
+            <a:xfrm>
+              <a:off x="6538408" y="2526752"/>
+              <a:ext cx="1044266" cy="646331"/>
+            </a:xfrm>
+            <a:prstGeom prst="rect">
+              <a:avLst/>
+            </a:prstGeom>
+            <a:noFill/>
+          </p:spPr>
+          <p:txBody>
+            <a:bodyPr wrap="square" rtlCol="0">
+              <a:spAutoFit/>
+            </a:bodyPr>
+            <a:lstStyle/>
+            <a:p>
+              <a:r>
+                <a:rPr lang="en-US" dirty="0" err="1">
+                  <a:solidFill>
+                    <a:schemeClr val="bg1"/>
+                  </a:solidFill>
+                  <a:latin typeface="Times New Roman" panose="02020603050405020304" pitchFamily="18" charset="0"/>
+                  <a:cs typeface="Times New Roman" panose="02020603050405020304" pitchFamily="18" charset="0"/>
+                </a:rPr>
+                <a:t>Sinar</a:t>
+              </a:r>
+              <a:r>
+                <a:rPr lang="en-US" dirty="0">
+                  <a:solidFill>
+                    <a:schemeClr val="bg1"/>
+                  </a:solidFill>
+                  <a:latin typeface="Times New Roman" panose="02020603050405020304" pitchFamily="18" charset="0"/>
+                  <a:cs typeface="Times New Roman" panose="02020603050405020304" pitchFamily="18" charset="0"/>
+                </a:rPr>
+                <a:t> </a:t>
+              </a:r>
+              <a:r>
+                <a:rPr lang="en-US" dirty="0" err="1">
+                  <a:solidFill>
+                    <a:schemeClr val="bg1"/>
+                  </a:solidFill>
+                  <a:latin typeface="Times New Roman" panose="02020603050405020304" pitchFamily="18" charset="0"/>
+                  <a:cs typeface="Times New Roman" panose="02020603050405020304" pitchFamily="18" charset="0"/>
+                </a:rPr>
+                <a:t>pantul</a:t>
+              </a:r>
+              <a:endParaRPr lang="en-ID" dirty="0">
+                <a:solidFill>
+                  <a:schemeClr val="bg1"/>
+                </a:solidFill>
+                <a:latin typeface="Times New Roman" panose="02020603050405020304" pitchFamily="18" charset="0"/>
+                <a:cs typeface="Times New Roman" panose="02020603050405020304" pitchFamily="18" charset="0"/>
+              </a:endParaRPr>
+            </a:p>
+          </p:txBody>
+        </p:sp>
+        <p:sp>
+          <p:nvSpPr>
+            <p:cNvPr id="24" name="TextBox 23">
+              <a:extLst>
+                <a:ext uri="{FF2B5EF4-FFF2-40B4-BE49-F238E27FC236}">
+                  <a16:creationId xmlns:a16="http://schemas.microsoft.com/office/drawing/2014/main" id="{C28EC783-0DDE-FCE2-E3AB-41AC7C20A2D5}"/>
+                </a:ext>
+              </a:extLst>
+            </p:cNvPr>
+            <p:cNvSpPr txBox="1"/>
+            <p:nvPr/>
+          </p:nvSpPr>
+          <p:spPr>
+            <a:xfrm>
+              <a:off x="6772046" y="4757528"/>
+              <a:ext cx="1044266" cy="646331"/>
+            </a:xfrm>
+            <a:prstGeom prst="rect">
+              <a:avLst/>
+            </a:prstGeom>
+            <a:noFill/>
+          </p:spPr>
+          <p:txBody>
+            <a:bodyPr wrap="square" rtlCol="0">
+              <a:spAutoFit/>
+            </a:bodyPr>
+            <a:lstStyle/>
+            <a:p>
+              <a:r>
+                <a:rPr lang="en-US" dirty="0" err="1">
+                  <a:solidFill>
+                    <a:schemeClr val="bg1"/>
+                  </a:solidFill>
+                  <a:latin typeface="Times New Roman" panose="02020603050405020304" pitchFamily="18" charset="0"/>
+                  <a:cs typeface="Times New Roman" panose="02020603050405020304" pitchFamily="18" charset="0"/>
+                </a:rPr>
+                <a:t>Sinar</a:t>
+              </a:r>
+              <a:r>
+                <a:rPr lang="en-US" dirty="0">
+                  <a:solidFill>
+                    <a:schemeClr val="bg1"/>
+                  </a:solidFill>
+                  <a:latin typeface="Times New Roman" panose="02020603050405020304" pitchFamily="18" charset="0"/>
+                  <a:cs typeface="Times New Roman" panose="02020603050405020304" pitchFamily="18" charset="0"/>
+                </a:rPr>
+                <a:t> bias</a:t>
+              </a:r>
+              <a:endParaRPr lang="en-ID" dirty="0">
+                <a:solidFill>
+                  <a:schemeClr val="bg1"/>
+                </a:solidFill>
+                <a:latin typeface="Times New Roman" panose="02020603050405020304" pitchFamily="18" charset="0"/>
+                <a:cs typeface="Times New Roman" panose="02020603050405020304" pitchFamily="18" charset="0"/>
+              </a:endParaRPr>
+            </a:p>
+          </p:txBody>
+        </p:sp>
+        <p:sp>
+          <p:nvSpPr>
+            <p:cNvPr id="26" name="TextBox 25">
+              <a:extLst>
+                <a:ext uri="{FF2B5EF4-FFF2-40B4-BE49-F238E27FC236}">
+                  <a16:creationId xmlns:a16="http://schemas.microsoft.com/office/drawing/2014/main" id="{FDB3A0B5-F209-0401-06ED-659A79FA3CA5}"/>
+                </a:ext>
+              </a:extLst>
+            </p:cNvPr>
+            <p:cNvSpPr txBox="1"/>
+            <p:nvPr/>
+          </p:nvSpPr>
+          <p:spPr>
+            <a:xfrm>
+              <a:off x="5687588" y="5887998"/>
+              <a:ext cx="1044266" cy="369332"/>
+            </a:xfrm>
+            <a:prstGeom prst="rect">
+              <a:avLst/>
+            </a:prstGeom>
+            <a:noFill/>
+          </p:spPr>
+          <p:txBody>
+            <a:bodyPr wrap="square" rtlCol="0">
+              <a:spAutoFit/>
+            </a:bodyPr>
+            <a:lstStyle/>
+            <a:p>
+              <a:r>
+                <a:rPr lang="en-US" dirty="0">
+                  <a:solidFill>
+                    <a:schemeClr val="bg1"/>
+                  </a:solidFill>
+                  <a:latin typeface="Times New Roman" panose="02020603050405020304" pitchFamily="18" charset="0"/>
+                  <a:cs typeface="Times New Roman" panose="02020603050405020304" pitchFamily="18" charset="0"/>
+                </a:rPr>
+                <a:t>Normal</a:t>
+              </a:r>
+              <a:endParaRPr lang="en-ID" dirty="0">
+                <a:solidFill>
+                  <a:schemeClr val="bg1"/>
+                </a:solidFill>
+                <a:latin typeface="Times New Roman" panose="02020603050405020304" pitchFamily="18" charset="0"/>
+                <a:cs typeface="Times New Roman" panose="02020603050405020304" pitchFamily="18" charset="0"/>
+              </a:endParaRPr>
+            </a:p>
+          </p:txBody>
+        </p:sp>
+      </p:grpSp>
+    </p:spTree>
+    <p:extLst>
+      <p:ext uri="{BB962C8B-B14F-4D97-AF65-F5344CB8AC3E}">
+        <p14:creationId xmlns:p14="http://schemas.microsoft.com/office/powerpoint/2010/main" val="111849577"/>
+      </p:ext>
+    </p:extLst>
+  </p:cSld>
+  <p:clrMapOvr>
+    <a:masterClrMapping/>
+  </p:clrMapOvr>
+</p:sld>
+</file>
+
+<file path=ppt/slides/slide6.xml><?xml version="1.0" encoding="utf-8"?>
 <p:sld xmlns:a="http://schemas.openxmlformats.org/drawingml/2006/main" xmlns:r="http://schemas.openxmlformats.org/officeDocument/2006/relationships" xmlns:p="http://schemas.openxmlformats.org/presentationml/2006/main">
   <p:cSld>
     <p:spTree>
@@ -31192,7 +33987,7 @@
 </p:sld>
 </file>
 
-<file path=ppt/slides/slide4.xml><?xml version="1.0" encoding="utf-8"?>
+<file path=ppt/slides/slide7.xml><?xml version="1.0" encoding="utf-8"?>
 <p:sld xmlns:a="http://schemas.openxmlformats.org/drawingml/2006/main" xmlns:r="http://schemas.openxmlformats.org/officeDocument/2006/relationships" xmlns:p="http://schemas.openxmlformats.org/presentationml/2006/main">
   <p:cSld>
     <p:spTree>
@@ -32675,7 +35470,7 @@
 </p:sld>
 </file>
 
-<file path=ppt/slides/slide5.xml><?xml version="1.0" encoding="utf-8"?>
+<file path=ppt/slides/slide8.xml><?xml version="1.0" encoding="utf-8"?>
 <p:sld xmlns:a="http://schemas.openxmlformats.org/drawingml/2006/main" xmlns:r="http://schemas.openxmlformats.org/officeDocument/2006/relationships" xmlns:p="http://schemas.openxmlformats.org/presentationml/2006/main">
   <p:cSld>
     <p:spTree>
@@ -34100,7 +36895,7 @@
 </p:sld>
 </file>
 
-<file path=ppt/slides/slide6.xml><?xml version="1.0" encoding="utf-8"?>
+<file path=ppt/slides/slide9.xml><?xml version="1.0" encoding="utf-8"?>
 <p:sld xmlns:a="http://schemas.openxmlformats.org/drawingml/2006/main" xmlns:r="http://schemas.openxmlformats.org/officeDocument/2006/relationships" xmlns:p="http://schemas.openxmlformats.org/presentationml/2006/main">
   <p:cSld>
     <p:spTree>
@@ -35189,1483 +37984,6 @@
 </p:sld>
 </file>
 
-<file path=ppt/slides/slide7.xml><?xml version="1.0" encoding="utf-8"?>
-<p:sld xmlns:a="http://schemas.openxmlformats.org/drawingml/2006/main" xmlns:r="http://schemas.openxmlformats.org/officeDocument/2006/relationships" xmlns:p="http://schemas.openxmlformats.org/presentationml/2006/main">
-  <p:cSld>
-    <p:spTree>
-      <p:nvGrpSpPr>
-        <p:cNvPr id="1" name=""/>
-        <p:cNvGrpSpPr/>
-        <p:nvPr/>
-      </p:nvGrpSpPr>
-      <p:grpSpPr>
-        <a:xfrm>
-          <a:off x="0" y="0"/>
-          <a:ext cx="0" cy="0"/>
-          <a:chOff x="0" y="0"/>
-          <a:chExt cx="0" cy="0"/>
-        </a:xfrm>
-      </p:grpSpPr>
-      <p:grpSp>
-        <p:nvGrpSpPr>
-          <p:cNvPr id="61" name="Group 60">
-            <a:extLst>
-              <a:ext uri="{FF2B5EF4-FFF2-40B4-BE49-F238E27FC236}">
-                <a16:creationId xmlns:a16="http://schemas.microsoft.com/office/drawing/2014/main" id="{84FD5A06-E512-6A8A-6186-004D70779116}"/>
-              </a:ext>
-            </a:extLst>
-          </p:cNvPr>
-          <p:cNvGrpSpPr/>
-          <p:nvPr/>
-        </p:nvGrpSpPr>
-        <p:grpSpPr>
-          <a:xfrm>
-            <a:off x="804931" y="1253359"/>
-            <a:ext cx="9426720" cy="4351281"/>
-            <a:chOff x="1031073" y="1253359"/>
-            <a:chExt cx="9426720" cy="4351281"/>
-          </a:xfrm>
-        </p:grpSpPr>
-        <p:sp>
-          <p:nvSpPr>
-            <p:cNvPr id="19" name="Flowchart: Connector 18">
-              <a:extLst>
-                <a:ext uri="{FF2B5EF4-FFF2-40B4-BE49-F238E27FC236}">
-                  <a16:creationId xmlns:a16="http://schemas.microsoft.com/office/drawing/2014/main" id="{1A13C06F-7F98-5A6A-49CE-2EAF5ED0E3E9}"/>
-                </a:ext>
-              </a:extLst>
-            </p:cNvPr>
-            <p:cNvSpPr/>
-            <p:nvPr/>
-          </p:nvSpPr>
-          <p:spPr>
-            <a:xfrm>
-              <a:off x="8034246" y="3356767"/>
-              <a:ext cx="144000" cy="144463"/>
-            </a:xfrm>
-            <a:prstGeom prst="flowChartConnector">
-              <a:avLst/>
-            </a:prstGeom>
-            <a:solidFill>
-              <a:srgbClr val="FFC000"/>
-            </a:solidFill>
-          </p:spPr>
-          <p:style>
-            <a:lnRef idx="2">
-              <a:schemeClr val="accent1">
-                <a:shade val="15000"/>
-              </a:schemeClr>
-            </a:lnRef>
-            <a:fillRef idx="1">
-              <a:schemeClr val="accent1"/>
-            </a:fillRef>
-            <a:effectRef idx="0">
-              <a:schemeClr val="accent1"/>
-            </a:effectRef>
-            <a:fontRef idx="minor">
-              <a:schemeClr val="lt1"/>
-            </a:fontRef>
-          </p:style>
-          <p:txBody>
-            <a:bodyPr rtlCol="0" anchor="ctr"/>
-            <a:lstStyle/>
-            <a:p>
-              <a:pPr algn="ctr"/>
-              <a:endParaRPr lang="en-ID"/>
-            </a:p>
-          </p:txBody>
-        </p:sp>
-        <p:grpSp>
-          <p:nvGrpSpPr>
-            <p:cNvPr id="60" name="Group 59">
-              <a:extLst>
-                <a:ext uri="{FF2B5EF4-FFF2-40B4-BE49-F238E27FC236}">
-                  <a16:creationId xmlns:a16="http://schemas.microsoft.com/office/drawing/2014/main" id="{DE8D1383-4904-D18D-D85C-4A58210FAF53}"/>
-                </a:ext>
-              </a:extLst>
-            </p:cNvPr>
-            <p:cNvGrpSpPr/>
-            <p:nvPr/>
-          </p:nvGrpSpPr>
-          <p:grpSpPr>
-            <a:xfrm>
-              <a:off x="1031073" y="1253359"/>
-              <a:ext cx="9426720" cy="4351281"/>
-              <a:chOff x="1031073" y="1253359"/>
-              <a:chExt cx="9426720" cy="4351281"/>
-            </a:xfrm>
-          </p:grpSpPr>
-          <p:sp>
-            <p:nvSpPr>
-              <p:cNvPr id="2" name="Oval 1">
-                <a:extLst>
-                  <a:ext uri="{FF2B5EF4-FFF2-40B4-BE49-F238E27FC236}">
-                    <a16:creationId xmlns:a16="http://schemas.microsoft.com/office/drawing/2014/main" id="{5D9BC32F-91A7-B37F-DE80-FEBB0DA74606}"/>
-                  </a:ext>
-                </a:extLst>
-              </p:cNvPr>
-              <p:cNvSpPr/>
-              <p:nvPr/>
-            </p:nvSpPr>
-            <p:spPr>
-              <a:xfrm>
-                <a:off x="5708650" y="1253359"/>
-                <a:ext cx="774700" cy="4351281"/>
-              </a:xfrm>
-              <a:prstGeom prst="ellipse">
-                <a:avLst/>
-              </a:prstGeom>
-              <a:gradFill>
-                <a:gsLst>
-                  <a:gs pos="43000">
-                    <a:schemeClr val="accent1"/>
-                  </a:gs>
-                  <a:gs pos="91000">
-                    <a:schemeClr val="accent1">
-                      <a:lumMod val="45000"/>
-                      <a:lumOff val="55000"/>
-                    </a:schemeClr>
-                  </a:gs>
-                  <a:gs pos="9000">
-                    <a:schemeClr val="accent1">
-                      <a:lumMod val="30000"/>
-                      <a:lumOff val="70000"/>
-                    </a:schemeClr>
-                  </a:gs>
-                </a:gsLst>
-                <a:lin ang="5400000" scaled="1"/>
-              </a:gradFill>
-            </p:spPr>
-            <p:style>
-              <a:lnRef idx="2">
-                <a:schemeClr val="accent1">
-                  <a:shade val="15000"/>
-                </a:schemeClr>
-              </a:lnRef>
-              <a:fillRef idx="1">
-                <a:schemeClr val="accent1"/>
-              </a:fillRef>
-              <a:effectRef idx="0">
-                <a:schemeClr val="accent1"/>
-              </a:effectRef>
-              <a:fontRef idx="minor">
-                <a:schemeClr val="lt1"/>
-              </a:fontRef>
-            </p:style>
-            <p:txBody>
-              <a:bodyPr rtlCol="0" anchor="ctr"/>
-              <a:lstStyle/>
-              <a:p>
-                <a:pPr algn="ctr"/>
-                <a:endParaRPr lang="en-ID" dirty="0"/>
-              </a:p>
-            </p:txBody>
-          </p:sp>
-          <p:cxnSp>
-            <p:nvCxnSpPr>
-              <p:cNvPr id="6" name="Straight Connector 5">
-                <a:extLst>
-                  <a:ext uri="{FF2B5EF4-FFF2-40B4-BE49-F238E27FC236}">
-                    <a16:creationId xmlns:a16="http://schemas.microsoft.com/office/drawing/2014/main" id="{3C1B6FA1-E876-64D0-0BD7-9CF82BAA95EF}"/>
-                  </a:ext>
-                </a:extLst>
-              </p:cNvPr>
-              <p:cNvCxnSpPr>
-                <a:cxnSpLocks/>
-              </p:cNvCxnSpPr>
-              <p:nvPr/>
-            </p:nvCxnSpPr>
-            <p:spPr>
-              <a:xfrm>
-                <a:off x="1776248" y="3429000"/>
-                <a:ext cx="8681545" cy="0"/>
-              </a:xfrm>
-              <a:prstGeom prst="line">
-                <a:avLst/>
-              </a:prstGeom>
-              <a:ln w="50800">
-                <a:solidFill>
-                  <a:srgbClr val="FF0000"/>
-                </a:solidFill>
-                <a:prstDash val="sysDash"/>
-              </a:ln>
-            </p:spPr>
-            <p:style>
-              <a:lnRef idx="1">
-                <a:schemeClr val="accent1"/>
-              </a:lnRef>
-              <a:fillRef idx="0">
-                <a:schemeClr val="accent1"/>
-              </a:fillRef>
-              <a:effectRef idx="0">
-                <a:schemeClr val="accent1"/>
-              </a:effectRef>
-              <a:fontRef idx="minor">
-                <a:schemeClr val="tx1"/>
-              </a:fontRef>
-            </p:style>
-          </p:cxnSp>
-          <p:pic>
-            <p:nvPicPr>
-              <p:cNvPr id="7" name="Picture 6">
-                <a:extLst>
-                  <a:ext uri="{FF2B5EF4-FFF2-40B4-BE49-F238E27FC236}">
-                    <a16:creationId xmlns:a16="http://schemas.microsoft.com/office/drawing/2014/main" id="{D7DE8A44-D189-5F0E-3BC0-16CDE22F27A2}"/>
-                  </a:ext>
-                </a:extLst>
-              </p:cNvPr>
-              <p:cNvPicPr>
-                <a:picLocks noChangeAspect="1"/>
-              </p:cNvPicPr>
-              <p:nvPr/>
-            </p:nvPicPr>
-            <p:blipFill rotWithShape="1">
-              <a:blip r:embed="rId2">
-                <a:extLst>
-                  <a:ext uri="{28A0092B-C50C-407E-A947-70E740481C1C}">
-                    <a14:useLocalDpi xmlns:a14="http://schemas.microsoft.com/office/drawing/2010/main" val="0"/>
-                  </a:ext>
-                </a:extLst>
-              </a:blip>
-              <a:srcRect l="25333" t="21466" r="51467" b="3466"/>
-              <a:stretch/>
-            </p:blipFill>
-            <p:spPr bwMode="auto">
-              <a:xfrm>
-                <a:off x="1734207" y="1873248"/>
-                <a:ext cx="480818" cy="1555750"/>
-              </a:xfrm>
-              <a:prstGeom prst="rect">
-                <a:avLst/>
-              </a:prstGeom>
-              <a:ln>
-                <a:noFill/>
-              </a:ln>
-              <a:extLst>
-                <a:ext uri="{53640926-AAD7-44D8-BBD7-CCE9431645EC}">
-                  <a14:shadowObscured xmlns:a14="http://schemas.microsoft.com/office/drawing/2010/main"/>
-                </a:ext>
-              </a:extLst>
-            </p:spPr>
-          </p:pic>
-          <p:cxnSp>
-            <p:nvCxnSpPr>
-              <p:cNvPr id="9" name="Straight Arrow Connector 8">
-                <a:extLst>
-                  <a:ext uri="{FF2B5EF4-FFF2-40B4-BE49-F238E27FC236}">
-                    <a16:creationId xmlns:a16="http://schemas.microsoft.com/office/drawing/2014/main" id="{BA4B8D28-DE18-9A9C-5497-B788FEE88C23}"/>
-                  </a:ext>
-                </a:extLst>
-              </p:cNvPr>
-              <p:cNvCxnSpPr>
-                <a:stCxn id="7" idx="0"/>
-                <a:endCxn id="2" idx="1"/>
-              </p:cNvCxnSpPr>
-              <p:nvPr/>
-            </p:nvCxnSpPr>
-            <p:spPr>
-              <a:xfrm>
-                <a:off x="1974616" y="1873248"/>
-                <a:ext cx="3847486" cy="17341"/>
-              </a:xfrm>
-              <a:prstGeom prst="straightConnector1">
-                <a:avLst/>
-              </a:prstGeom>
-              <a:ln w="50800">
-                <a:solidFill>
-                  <a:srgbClr val="FFFF00"/>
-                </a:solidFill>
-                <a:tailEnd type="triangle"/>
-              </a:ln>
-            </p:spPr>
-            <p:style>
-              <a:lnRef idx="1">
-                <a:schemeClr val="accent1"/>
-              </a:lnRef>
-              <a:fillRef idx="0">
-                <a:schemeClr val="accent1"/>
-              </a:fillRef>
-              <a:effectRef idx="0">
-                <a:schemeClr val="accent1"/>
-              </a:effectRef>
-              <a:fontRef idx="minor">
-                <a:schemeClr val="tx1"/>
-              </a:fontRef>
-            </p:style>
-          </p:cxnSp>
-          <p:sp>
-            <p:nvSpPr>
-              <p:cNvPr id="14" name="Flowchart: Connector 13">
-                <a:extLst>
-                  <a:ext uri="{FF2B5EF4-FFF2-40B4-BE49-F238E27FC236}">
-                    <a16:creationId xmlns:a16="http://schemas.microsoft.com/office/drawing/2014/main" id="{6051DA6A-6C38-899E-1BFC-17EE8359900F}"/>
-                  </a:ext>
-                </a:extLst>
-              </p:cNvPr>
-              <p:cNvSpPr/>
-              <p:nvPr/>
-            </p:nvSpPr>
-            <p:spPr>
-              <a:xfrm>
-                <a:off x="4134417" y="3356767"/>
-                <a:ext cx="144000" cy="144463"/>
-              </a:xfrm>
-              <a:prstGeom prst="flowChartConnector">
-                <a:avLst/>
-              </a:prstGeom>
-              <a:solidFill>
-                <a:srgbClr val="FFC000"/>
-              </a:solidFill>
-            </p:spPr>
-            <p:style>
-              <a:lnRef idx="2">
-                <a:schemeClr val="accent1">
-                  <a:shade val="15000"/>
-                </a:schemeClr>
-              </a:lnRef>
-              <a:fillRef idx="1">
-                <a:schemeClr val="accent1"/>
-              </a:fillRef>
-              <a:effectRef idx="0">
-                <a:schemeClr val="accent1"/>
-              </a:effectRef>
-              <a:fontRef idx="minor">
-                <a:schemeClr val="lt1"/>
-              </a:fontRef>
-            </p:style>
-            <p:txBody>
-              <a:bodyPr rtlCol="0" anchor="ctr"/>
-              <a:lstStyle/>
-              <a:p>
-                <a:pPr algn="ctr"/>
-                <a:endParaRPr lang="en-ID"/>
-              </a:p>
-            </p:txBody>
-          </p:sp>
-          <p:sp>
-            <p:nvSpPr>
-              <p:cNvPr id="15" name="TextBox 14">
-                <a:extLst>
-                  <a:ext uri="{FF2B5EF4-FFF2-40B4-BE49-F238E27FC236}">
-                    <a16:creationId xmlns:a16="http://schemas.microsoft.com/office/drawing/2014/main" id="{326FC9E5-027D-F94A-E937-F920614BD874}"/>
-                  </a:ext>
-                </a:extLst>
-              </p:cNvPr>
-              <p:cNvSpPr txBox="1"/>
-              <p:nvPr/>
-            </p:nvSpPr>
-            <p:spPr>
-              <a:xfrm>
-                <a:off x="4041395" y="3558714"/>
-                <a:ext cx="360594" cy="369322"/>
-              </a:xfrm>
-              <a:prstGeom prst="rect">
-                <a:avLst/>
-              </a:prstGeom>
-              <a:noFill/>
-            </p:spPr>
-            <p:txBody>
-              <a:bodyPr wrap="square" rtlCol="0">
-                <a:spAutoFit/>
-              </a:bodyPr>
-              <a:lstStyle/>
-              <a:p>
-                <a:pPr algn="ctr"/>
-                <a:r>
-                  <a:rPr lang="en-US" dirty="0">
-                    <a:solidFill>
-                      <a:schemeClr val="bg1"/>
-                    </a:solidFill>
-                    <a:latin typeface="Times New Roman" panose="02020603050405020304" pitchFamily="18" charset="0"/>
-                    <a:cs typeface="Times New Roman" panose="02020603050405020304" pitchFamily="18" charset="0"/>
-                  </a:rPr>
-                  <a:t>F</a:t>
-                </a:r>
-                <a:endParaRPr lang="en-ID" dirty="0">
-                  <a:solidFill>
-                    <a:schemeClr val="bg1"/>
-                  </a:solidFill>
-                  <a:latin typeface="Times New Roman" panose="02020603050405020304" pitchFamily="18" charset="0"/>
-                  <a:cs typeface="Times New Roman" panose="02020603050405020304" pitchFamily="18" charset="0"/>
-                </a:endParaRPr>
-              </a:p>
-            </p:txBody>
-          </p:sp>
-          <p:sp>
-            <p:nvSpPr>
-              <p:cNvPr id="17" name="Flowchart: Connector 16">
-                <a:extLst>
-                  <a:ext uri="{FF2B5EF4-FFF2-40B4-BE49-F238E27FC236}">
-                    <a16:creationId xmlns:a16="http://schemas.microsoft.com/office/drawing/2014/main" id="{CAAFEAFC-7009-E48A-8984-DF74C87E1892}"/>
-                  </a:ext>
-                </a:extLst>
-              </p:cNvPr>
-              <p:cNvSpPr/>
-              <p:nvPr/>
-            </p:nvSpPr>
-            <p:spPr>
-              <a:xfrm>
-                <a:off x="2364717" y="3356767"/>
-                <a:ext cx="144000" cy="144463"/>
-              </a:xfrm>
-              <a:prstGeom prst="flowChartConnector">
-                <a:avLst/>
-              </a:prstGeom>
-              <a:solidFill>
-                <a:srgbClr val="FFC000"/>
-              </a:solidFill>
-            </p:spPr>
-            <p:style>
-              <a:lnRef idx="2">
-                <a:schemeClr val="accent1">
-                  <a:shade val="15000"/>
-                </a:schemeClr>
-              </a:lnRef>
-              <a:fillRef idx="1">
-                <a:schemeClr val="accent1"/>
-              </a:fillRef>
-              <a:effectRef idx="0">
-                <a:schemeClr val="accent1"/>
-              </a:effectRef>
-              <a:fontRef idx="minor">
-                <a:schemeClr val="lt1"/>
-              </a:fontRef>
-            </p:style>
-            <p:txBody>
-              <a:bodyPr rtlCol="0" anchor="ctr"/>
-              <a:lstStyle/>
-              <a:p>
-                <a:pPr algn="ctr"/>
-                <a:endParaRPr lang="en-ID"/>
-              </a:p>
-            </p:txBody>
-          </p:sp>
-          <p:sp>
-            <p:nvSpPr>
-              <p:cNvPr id="18" name="TextBox 17">
-                <a:extLst>
-                  <a:ext uri="{FF2B5EF4-FFF2-40B4-BE49-F238E27FC236}">
-                    <a16:creationId xmlns:a16="http://schemas.microsoft.com/office/drawing/2014/main" id="{2FC1D997-E8C3-31D0-F21D-A8CAF8E8CEBA}"/>
-                  </a:ext>
-                </a:extLst>
-              </p:cNvPr>
-              <p:cNvSpPr txBox="1"/>
-              <p:nvPr/>
-            </p:nvSpPr>
-            <p:spPr>
-              <a:xfrm>
-                <a:off x="2181574" y="3573463"/>
-                <a:ext cx="519710" cy="369332"/>
-              </a:xfrm>
-              <a:prstGeom prst="rect">
-                <a:avLst/>
-              </a:prstGeom>
-              <a:noFill/>
-            </p:spPr>
-            <p:txBody>
-              <a:bodyPr wrap="square" rtlCol="0">
-                <a:spAutoFit/>
-              </a:bodyPr>
-              <a:lstStyle/>
-              <a:p>
-                <a:pPr algn="ctr"/>
-                <a:r>
-                  <a:rPr lang="en-US" dirty="0">
-                    <a:solidFill>
-                      <a:schemeClr val="bg1"/>
-                    </a:solidFill>
-                    <a:latin typeface="Times New Roman" panose="02020603050405020304" pitchFamily="18" charset="0"/>
-                    <a:cs typeface="Times New Roman" panose="02020603050405020304" pitchFamily="18" charset="0"/>
-                  </a:rPr>
-                  <a:t>2F</a:t>
-                </a:r>
-                <a:endParaRPr lang="en-ID" dirty="0">
-                  <a:solidFill>
-                    <a:schemeClr val="bg1"/>
-                  </a:solidFill>
-                  <a:latin typeface="Times New Roman" panose="02020603050405020304" pitchFamily="18" charset="0"/>
-                  <a:cs typeface="Times New Roman" panose="02020603050405020304" pitchFamily="18" charset="0"/>
-                </a:endParaRPr>
-              </a:p>
-            </p:txBody>
-          </p:sp>
-          <p:sp>
-            <p:nvSpPr>
-              <p:cNvPr id="20" name="TextBox 19">
-                <a:extLst>
-                  <a:ext uri="{FF2B5EF4-FFF2-40B4-BE49-F238E27FC236}">
-                    <a16:creationId xmlns:a16="http://schemas.microsoft.com/office/drawing/2014/main" id="{C40F2C65-2A3C-7CA6-1FE1-7B10FB34AF24}"/>
-                  </a:ext>
-                </a:extLst>
-              </p:cNvPr>
-              <p:cNvSpPr txBox="1"/>
-              <p:nvPr/>
-            </p:nvSpPr>
-            <p:spPr>
-              <a:xfrm>
-                <a:off x="7941224" y="3558714"/>
-                <a:ext cx="360594" cy="369322"/>
-              </a:xfrm>
-              <a:prstGeom prst="rect">
-                <a:avLst/>
-              </a:prstGeom>
-              <a:noFill/>
-            </p:spPr>
-            <p:txBody>
-              <a:bodyPr wrap="square" rtlCol="0">
-                <a:spAutoFit/>
-              </a:bodyPr>
-              <a:lstStyle/>
-              <a:p>
-                <a:pPr algn="ctr"/>
-                <a:r>
-                  <a:rPr lang="en-US" dirty="0">
-                    <a:solidFill>
-                      <a:schemeClr val="bg1"/>
-                    </a:solidFill>
-                    <a:latin typeface="Times New Roman" panose="02020603050405020304" pitchFamily="18" charset="0"/>
-                    <a:cs typeface="Times New Roman" panose="02020603050405020304" pitchFamily="18" charset="0"/>
-                  </a:rPr>
-                  <a:t>F</a:t>
-                </a:r>
-                <a:endParaRPr lang="en-ID" dirty="0">
-                  <a:solidFill>
-                    <a:schemeClr val="bg1"/>
-                  </a:solidFill>
-                  <a:latin typeface="Times New Roman" panose="02020603050405020304" pitchFamily="18" charset="0"/>
-                  <a:cs typeface="Times New Roman" panose="02020603050405020304" pitchFamily="18" charset="0"/>
-                </a:endParaRPr>
-              </a:p>
-            </p:txBody>
-          </p:sp>
-          <p:cxnSp>
-            <p:nvCxnSpPr>
-              <p:cNvPr id="22" name="Straight Arrow Connector 21">
-                <a:extLst>
-                  <a:ext uri="{FF2B5EF4-FFF2-40B4-BE49-F238E27FC236}">
-                    <a16:creationId xmlns:a16="http://schemas.microsoft.com/office/drawing/2014/main" id="{CD7631CC-6F70-B194-3764-058DF4945E92}"/>
-                  </a:ext>
-                </a:extLst>
-              </p:cNvPr>
-              <p:cNvCxnSpPr>
-                <a:cxnSpLocks/>
-                <a:stCxn id="2" idx="7"/>
-                <a:endCxn id="45" idx="0"/>
-              </p:cNvCxnSpPr>
-              <p:nvPr/>
-            </p:nvCxnSpPr>
-            <p:spPr>
-              <a:xfrm>
-                <a:off x="6369898" y="1890589"/>
-                <a:ext cx="3029805" cy="2698900"/>
-              </a:xfrm>
-              <a:prstGeom prst="straightConnector1">
-                <a:avLst/>
-              </a:prstGeom>
-              <a:ln w="50800">
-                <a:solidFill>
-                  <a:srgbClr val="FFFF00"/>
-                </a:solidFill>
-                <a:tailEnd type="triangle"/>
-              </a:ln>
-            </p:spPr>
-            <p:style>
-              <a:lnRef idx="1">
-                <a:schemeClr val="accent1"/>
-              </a:lnRef>
-              <a:fillRef idx="0">
-                <a:schemeClr val="accent1"/>
-              </a:fillRef>
-              <a:effectRef idx="0">
-                <a:schemeClr val="accent1"/>
-              </a:effectRef>
-              <a:fontRef idx="minor">
-                <a:schemeClr val="tx1"/>
-              </a:fontRef>
-            </p:style>
-          </p:cxnSp>
-          <p:cxnSp>
-            <p:nvCxnSpPr>
-              <p:cNvPr id="24" name="Straight Arrow Connector 23">
-                <a:extLst>
-                  <a:ext uri="{FF2B5EF4-FFF2-40B4-BE49-F238E27FC236}">
-                    <a16:creationId xmlns:a16="http://schemas.microsoft.com/office/drawing/2014/main" id="{27A54B7B-6AA3-9D55-59DC-BD7D08C80733}"/>
-                  </a:ext>
-                </a:extLst>
-              </p:cNvPr>
-              <p:cNvCxnSpPr>
-                <a:cxnSpLocks/>
-                <a:stCxn id="7" idx="0"/>
-              </p:cNvCxnSpPr>
-              <p:nvPr/>
-            </p:nvCxnSpPr>
-            <p:spPr>
-              <a:xfrm>
-                <a:off x="1974616" y="1873248"/>
-                <a:ext cx="3734034" cy="1184626"/>
-              </a:xfrm>
-              <a:prstGeom prst="straightConnector1">
-                <a:avLst/>
-              </a:prstGeom>
-              <a:ln w="50800">
-                <a:solidFill>
-                  <a:srgbClr val="FFFF00"/>
-                </a:solidFill>
-                <a:tailEnd type="triangle"/>
-              </a:ln>
-            </p:spPr>
-            <p:style>
-              <a:lnRef idx="1">
-                <a:schemeClr val="accent1"/>
-              </a:lnRef>
-              <a:fillRef idx="0">
-                <a:schemeClr val="accent1"/>
-              </a:fillRef>
-              <a:effectRef idx="0">
-                <a:schemeClr val="accent1"/>
-              </a:effectRef>
-              <a:fontRef idx="minor">
-                <a:schemeClr val="tx1"/>
-              </a:fontRef>
-            </p:style>
-          </p:cxnSp>
-          <p:cxnSp>
-            <p:nvCxnSpPr>
-              <p:cNvPr id="31" name="Straight Arrow Connector 30">
-                <a:extLst>
-                  <a:ext uri="{FF2B5EF4-FFF2-40B4-BE49-F238E27FC236}">
-                    <a16:creationId xmlns:a16="http://schemas.microsoft.com/office/drawing/2014/main" id="{8A365A0A-AC98-8FC2-FAEC-9E2F99625642}"/>
-                  </a:ext>
-                </a:extLst>
-              </p:cNvPr>
-              <p:cNvCxnSpPr>
-                <a:cxnSpLocks/>
-                <a:stCxn id="2" idx="6"/>
-                <a:endCxn id="45" idx="0"/>
-              </p:cNvCxnSpPr>
-              <p:nvPr/>
-            </p:nvCxnSpPr>
-            <p:spPr>
-              <a:xfrm>
-                <a:off x="6483350" y="3429000"/>
-                <a:ext cx="2916353" cy="1160489"/>
-              </a:xfrm>
-              <a:prstGeom prst="straightConnector1">
-                <a:avLst/>
-              </a:prstGeom>
-              <a:ln w="50800">
-                <a:solidFill>
-                  <a:srgbClr val="FFFF00"/>
-                </a:solidFill>
-                <a:tailEnd type="triangle"/>
-              </a:ln>
-            </p:spPr>
-            <p:style>
-              <a:lnRef idx="1">
-                <a:schemeClr val="accent1"/>
-              </a:lnRef>
-              <a:fillRef idx="0">
-                <a:schemeClr val="accent1"/>
-              </a:fillRef>
-              <a:effectRef idx="0">
-                <a:schemeClr val="accent1"/>
-              </a:effectRef>
-              <a:fontRef idx="minor">
-                <a:schemeClr val="tx1"/>
-              </a:fontRef>
-            </p:style>
-          </p:cxnSp>
-          <p:cxnSp>
-            <p:nvCxnSpPr>
-              <p:cNvPr id="36" name="Straight Arrow Connector 35">
-                <a:extLst>
-                  <a:ext uri="{FF2B5EF4-FFF2-40B4-BE49-F238E27FC236}">
-                    <a16:creationId xmlns:a16="http://schemas.microsoft.com/office/drawing/2014/main" id="{22D7E75C-9721-F04D-7F81-A2D89C43E564}"/>
-                  </a:ext>
-                </a:extLst>
-              </p:cNvPr>
-              <p:cNvCxnSpPr>
-                <a:cxnSpLocks/>
-                <a:stCxn id="7" idx="0"/>
-              </p:cNvCxnSpPr>
-              <p:nvPr/>
-            </p:nvCxnSpPr>
-            <p:spPr>
-              <a:xfrm>
-                <a:off x="1974616" y="1873248"/>
-                <a:ext cx="3776075" cy="2593649"/>
-              </a:xfrm>
-              <a:prstGeom prst="straightConnector1">
-                <a:avLst/>
-              </a:prstGeom>
-              <a:ln w="50800">
-                <a:solidFill>
-                  <a:srgbClr val="FFFF00"/>
-                </a:solidFill>
-                <a:tailEnd type="triangle"/>
-              </a:ln>
-            </p:spPr>
-            <p:style>
-              <a:lnRef idx="1">
-                <a:schemeClr val="accent1"/>
-              </a:lnRef>
-              <a:fillRef idx="0">
-                <a:schemeClr val="accent1"/>
-              </a:fillRef>
-              <a:effectRef idx="0">
-                <a:schemeClr val="accent1"/>
-              </a:effectRef>
-              <a:fontRef idx="minor">
-                <a:schemeClr val="tx1"/>
-              </a:fontRef>
-            </p:style>
-          </p:cxnSp>
-          <p:cxnSp>
-            <p:nvCxnSpPr>
-              <p:cNvPr id="43" name="Straight Arrow Connector 42">
-                <a:extLst>
-                  <a:ext uri="{FF2B5EF4-FFF2-40B4-BE49-F238E27FC236}">
-                    <a16:creationId xmlns:a16="http://schemas.microsoft.com/office/drawing/2014/main" id="{4F509DC9-F07F-916C-6C8C-83FBAE72377C}"/>
-                  </a:ext>
-                </a:extLst>
-              </p:cNvPr>
-              <p:cNvCxnSpPr>
-                <a:cxnSpLocks/>
-                <a:endCxn id="45" idx="0"/>
-              </p:cNvCxnSpPr>
-              <p:nvPr/>
-            </p:nvCxnSpPr>
-            <p:spPr>
-              <a:xfrm>
-                <a:off x="6438352" y="4542324"/>
-                <a:ext cx="2961351" cy="47165"/>
-              </a:xfrm>
-              <a:prstGeom prst="straightConnector1">
-                <a:avLst/>
-              </a:prstGeom>
-              <a:ln w="50800">
-                <a:solidFill>
-                  <a:srgbClr val="FFFF00"/>
-                </a:solidFill>
-                <a:tailEnd type="triangle"/>
-              </a:ln>
-            </p:spPr>
-            <p:style>
-              <a:lnRef idx="1">
-                <a:schemeClr val="accent1"/>
-              </a:lnRef>
-              <a:fillRef idx="0">
-                <a:schemeClr val="accent1"/>
-              </a:fillRef>
-              <a:effectRef idx="0">
-                <a:schemeClr val="accent1"/>
-              </a:effectRef>
-              <a:fontRef idx="minor">
-                <a:schemeClr val="tx1"/>
-              </a:fontRef>
-            </p:style>
-          </p:cxnSp>
-          <p:pic>
-            <p:nvPicPr>
-              <p:cNvPr id="45" name="Picture 44">
-                <a:extLst>
-                  <a:ext uri="{FF2B5EF4-FFF2-40B4-BE49-F238E27FC236}">
-                    <a16:creationId xmlns:a16="http://schemas.microsoft.com/office/drawing/2014/main" id="{286AE151-347A-8374-7A1D-56970007B809}"/>
-                  </a:ext>
-                </a:extLst>
-              </p:cNvPr>
-              <p:cNvPicPr>
-                <a:picLocks noChangeAspect="1"/>
-              </p:cNvPicPr>
-              <p:nvPr/>
-            </p:nvPicPr>
-            <p:blipFill rotWithShape="1">
-              <a:blip r:embed="rId2">
-                <a:extLst>
-                  <a:ext uri="{28A0092B-C50C-407E-A947-70E740481C1C}">
-                    <a14:useLocalDpi xmlns:a14="http://schemas.microsoft.com/office/drawing/2010/main" val="0"/>
-                  </a:ext>
-                </a:extLst>
-              </a:blip>
-              <a:srcRect l="53200" t="24266" r="26533" b="10400"/>
-              <a:stretch/>
-            </p:blipFill>
-            <p:spPr bwMode="auto">
-              <a:xfrm flipV="1">
-                <a:off x="9219708" y="3428996"/>
-                <a:ext cx="359990" cy="1160493"/>
-              </a:xfrm>
-              <a:prstGeom prst="rect">
-                <a:avLst/>
-              </a:prstGeom>
-              <a:ln>
-                <a:noFill/>
-              </a:ln>
-              <a:extLst>
-                <a:ext uri="{53640926-AAD7-44D8-BBD7-CCE9431645EC}">
-                  <a14:shadowObscured xmlns:a14="http://schemas.microsoft.com/office/drawing/2010/main"/>
-                </a:ext>
-              </a:extLst>
-            </p:spPr>
-          </p:pic>
-          <p:sp>
-            <p:nvSpPr>
-              <p:cNvPr id="56" name="Flowchart: Connector 55">
-                <a:extLst>
-                  <a:ext uri="{FF2B5EF4-FFF2-40B4-BE49-F238E27FC236}">
-                    <a16:creationId xmlns:a16="http://schemas.microsoft.com/office/drawing/2014/main" id="{39167B34-BB00-C742-6796-337E2697DC31}"/>
-                  </a:ext>
-                </a:extLst>
-              </p:cNvPr>
-              <p:cNvSpPr/>
-              <p:nvPr/>
-            </p:nvSpPr>
-            <p:spPr>
-              <a:xfrm>
-                <a:off x="9640408" y="3356767"/>
-                <a:ext cx="144000" cy="144463"/>
-              </a:xfrm>
-              <a:prstGeom prst="flowChartConnector">
-                <a:avLst/>
-              </a:prstGeom>
-              <a:solidFill>
-                <a:srgbClr val="FFC000"/>
-              </a:solidFill>
-            </p:spPr>
-            <p:style>
-              <a:lnRef idx="2">
-                <a:schemeClr val="accent1">
-                  <a:shade val="15000"/>
-                </a:schemeClr>
-              </a:lnRef>
-              <a:fillRef idx="1">
-                <a:schemeClr val="accent1"/>
-              </a:fillRef>
-              <a:effectRef idx="0">
-                <a:schemeClr val="accent1"/>
-              </a:effectRef>
-              <a:fontRef idx="minor">
-                <a:schemeClr val="lt1"/>
-              </a:fontRef>
-            </p:style>
-            <p:txBody>
-              <a:bodyPr rtlCol="0" anchor="ctr"/>
-              <a:lstStyle/>
-              <a:p>
-                <a:pPr algn="ctr"/>
-                <a:endParaRPr lang="en-ID"/>
-              </a:p>
-            </p:txBody>
-          </p:sp>
-          <p:sp>
-            <p:nvSpPr>
-              <p:cNvPr id="57" name="TextBox 56">
-                <a:extLst>
-                  <a:ext uri="{FF2B5EF4-FFF2-40B4-BE49-F238E27FC236}">
-                    <a16:creationId xmlns:a16="http://schemas.microsoft.com/office/drawing/2014/main" id="{2BC6ED32-52E3-5DA8-3283-57E44EE6CCC9}"/>
-                  </a:ext>
-                </a:extLst>
-              </p:cNvPr>
-              <p:cNvSpPr txBox="1"/>
-              <p:nvPr/>
-            </p:nvSpPr>
-            <p:spPr>
-              <a:xfrm>
-                <a:off x="9457265" y="3573463"/>
-                <a:ext cx="519710" cy="369332"/>
-              </a:xfrm>
-              <a:prstGeom prst="rect">
-                <a:avLst/>
-              </a:prstGeom>
-              <a:noFill/>
-            </p:spPr>
-            <p:txBody>
-              <a:bodyPr wrap="square" rtlCol="0">
-                <a:spAutoFit/>
-              </a:bodyPr>
-              <a:lstStyle/>
-              <a:p>
-                <a:pPr algn="ctr"/>
-                <a:r>
-                  <a:rPr lang="en-US" dirty="0">
-                    <a:solidFill>
-                      <a:schemeClr val="bg1"/>
-                    </a:solidFill>
-                    <a:latin typeface="Times New Roman" panose="02020603050405020304" pitchFamily="18" charset="0"/>
-                    <a:cs typeface="Times New Roman" panose="02020603050405020304" pitchFamily="18" charset="0"/>
-                  </a:rPr>
-                  <a:t>2F</a:t>
-                </a:r>
-                <a:endParaRPr lang="en-ID" dirty="0">
-                  <a:solidFill>
-                    <a:schemeClr val="bg1"/>
-                  </a:solidFill>
-                  <a:latin typeface="Times New Roman" panose="02020603050405020304" pitchFamily="18" charset="0"/>
-                  <a:cs typeface="Times New Roman" panose="02020603050405020304" pitchFamily="18" charset="0"/>
-                </a:endParaRPr>
-              </a:p>
-            </p:txBody>
-          </p:sp>
-          <p:sp>
-            <p:nvSpPr>
-              <p:cNvPr id="3" name="TextBox 2">
-                <a:extLst>
-                  <a:ext uri="{FF2B5EF4-FFF2-40B4-BE49-F238E27FC236}">
-                    <a16:creationId xmlns:a16="http://schemas.microsoft.com/office/drawing/2014/main" id="{692E7BBB-4AF2-7C23-4250-F81E39033AF7}"/>
-                  </a:ext>
-                </a:extLst>
-              </p:cNvPr>
-              <p:cNvSpPr txBox="1"/>
-              <p:nvPr/>
-            </p:nvSpPr>
-            <p:spPr>
-              <a:xfrm>
-                <a:off x="8199222" y="2877904"/>
-                <a:ext cx="1761224" cy="369332"/>
-              </a:xfrm>
-              <a:prstGeom prst="rect">
-                <a:avLst/>
-              </a:prstGeom>
-              <a:noFill/>
-            </p:spPr>
-            <p:txBody>
-              <a:bodyPr wrap="square" rtlCol="0">
-                <a:spAutoFit/>
-              </a:bodyPr>
-              <a:lstStyle/>
-              <a:p>
-                <a:pPr algn="ctr"/>
-                <a:r>
-                  <a:rPr lang="en-US" dirty="0" err="1">
-                    <a:solidFill>
-                      <a:schemeClr val="bg1"/>
-                    </a:solidFill>
-                    <a:latin typeface="Times New Roman" panose="02020603050405020304" pitchFamily="18" charset="0"/>
-                    <a:cs typeface="Times New Roman" panose="02020603050405020304" pitchFamily="18" charset="0"/>
-                  </a:rPr>
-                  <a:t>Sumbu</a:t>
-                </a:r>
-                <a:r>
-                  <a:rPr lang="en-US" dirty="0">
-                    <a:solidFill>
-                      <a:schemeClr val="bg1"/>
-                    </a:solidFill>
-                    <a:latin typeface="Times New Roman" panose="02020603050405020304" pitchFamily="18" charset="0"/>
-                    <a:cs typeface="Times New Roman" panose="02020603050405020304" pitchFamily="18" charset="0"/>
-                  </a:rPr>
-                  <a:t> Utama</a:t>
-                </a:r>
-                <a:endParaRPr lang="en-ID" dirty="0">
-                  <a:solidFill>
-                    <a:schemeClr val="bg1"/>
-                  </a:solidFill>
-                  <a:latin typeface="Times New Roman" panose="02020603050405020304" pitchFamily="18" charset="0"/>
-                  <a:cs typeface="Times New Roman" panose="02020603050405020304" pitchFamily="18" charset="0"/>
-                </a:endParaRPr>
-              </a:p>
-            </p:txBody>
-          </p:sp>
-          <p:sp>
-            <p:nvSpPr>
-              <p:cNvPr id="4" name="TextBox 3">
-                <a:extLst>
-                  <a:ext uri="{FF2B5EF4-FFF2-40B4-BE49-F238E27FC236}">
-                    <a16:creationId xmlns:a16="http://schemas.microsoft.com/office/drawing/2014/main" id="{449D3761-F891-AD91-34C6-E249A6A3CBCA}"/>
-                  </a:ext>
-                </a:extLst>
-              </p:cNvPr>
-              <p:cNvSpPr txBox="1"/>
-              <p:nvPr/>
-            </p:nvSpPr>
-            <p:spPr>
-              <a:xfrm>
-                <a:off x="1031073" y="1443642"/>
-                <a:ext cx="1761224" cy="369332"/>
-              </a:xfrm>
-              <a:prstGeom prst="rect">
-                <a:avLst/>
-              </a:prstGeom>
-              <a:noFill/>
-            </p:spPr>
-            <p:txBody>
-              <a:bodyPr wrap="square" rtlCol="0">
-                <a:spAutoFit/>
-              </a:bodyPr>
-              <a:lstStyle/>
-              <a:p>
-                <a:pPr algn="ctr"/>
-                <a:r>
-                  <a:rPr lang="en-US" dirty="0" err="1">
-                    <a:solidFill>
-                      <a:schemeClr val="bg1"/>
-                    </a:solidFill>
-                    <a:latin typeface="Times New Roman" panose="02020603050405020304" pitchFamily="18" charset="0"/>
-                    <a:cs typeface="Times New Roman" panose="02020603050405020304" pitchFamily="18" charset="0"/>
-                  </a:rPr>
-                  <a:t>Objek</a:t>
-                </a:r>
-                <a:endParaRPr lang="en-ID" dirty="0">
-                  <a:solidFill>
-                    <a:schemeClr val="bg1"/>
-                  </a:solidFill>
-                  <a:latin typeface="Times New Roman" panose="02020603050405020304" pitchFamily="18" charset="0"/>
-                  <a:cs typeface="Times New Roman" panose="02020603050405020304" pitchFamily="18" charset="0"/>
-                </a:endParaRPr>
-              </a:p>
-            </p:txBody>
-          </p:sp>
-          <p:sp>
-            <p:nvSpPr>
-              <p:cNvPr id="8" name="TextBox 7">
-                <a:extLst>
-                  <a:ext uri="{FF2B5EF4-FFF2-40B4-BE49-F238E27FC236}">
-                    <a16:creationId xmlns:a16="http://schemas.microsoft.com/office/drawing/2014/main" id="{7BA4F0DF-E37F-E227-4EE8-092AD24842A6}"/>
-                  </a:ext>
-                </a:extLst>
-              </p:cNvPr>
-              <p:cNvSpPr txBox="1"/>
-              <p:nvPr/>
-            </p:nvSpPr>
-            <p:spPr>
-              <a:xfrm>
-                <a:off x="8456160" y="4727732"/>
-                <a:ext cx="1761224" cy="369332"/>
-              </a:xfrm>
-              <a:prstGeom prst="rect">
-                <a:avLst/>
-              </a:prstGeom>
-              <a:noFill/>
-            </p:spPr>
-            <p:txBody>
-              <a:bodyPr wrap="square" rtlCol="0">
-                <a:spAutoFit/>
-              </a:bodyPr>
-              <a:lstStyle/>
-              <a:p>
-                <a:pPr algn="ctr"/>
-                <a:r>
-                  <a:rPr lang="en-US" dirty="0" err="1">
-                    <a:solidFill>
-                      <a:schemeClr val="bg1"/>
-                    </a:solidFill>
-                    <a:latin typeface="Times New Roman" panose="02020603050405020304" pitchFamily="18" charset="0"/>
-                    <a:cs typeface="Times New Roman" panose="02020603050405020304" pitchFamily="18" charset="0"/>
-                  </a:rPr>
-                  <a:t>Bayangan</a:t>
-                </a:r>
-                <a:endParaRPr lang="en-ID" dirty="0">
-                  <a:solidFill>
-                    <a:schemeClr val="bg1"/>
-                  </a:solidFill>
-                  <a:latin typeface="Times New Roman" panose="02020603050405020304" pitchFamily="18" charset="0"/>
-                  <a:cs typeface="Times New Roman" panose="02020603050405020304" pitchFamily="18" charset="0"/>
-                </a:endParaRPr>
-              </a:p>
-            </p:txBody>
-          </p:sp>
-        </p:grpSp>
-      </p:grpSp>
-    </p:spTree>
-    <p:extLst>
-      <p:ext uri="{BB962C8B-B14F-4D97-AF65-F5344CB8AC3E}">
-        <p14:creationId xmlns:p14="http://schemas.microsoft.com/office/powerpoint/2010/main" val="721454909"/>
-      </p:ext>
-    </p:extLst>
-  </p:cSld>
-  <p:clrMapOvr>
-    <a:masterClrMapping/>
-  </p:clrMapOvr>
-</p:sld>
-</file>
-
-<file path=ppt/slides/slide8.xml><?xml version="1.0" encoding="utf-8"?>
-<p:sld xmlns:a="http://schemas.openxmlformats.org/drawingml/2006/main" xmlns:r="http://schemas.openxmlformats.org/officeDocument/2006/relationships" xmlns:p="http://schemas.openxmlformats.org/presentationml/2006/main">
-  <p:cSld>
-    <p:spTree>
-      <p:nvGrpSpPr>
-        <p:cNvPr id="1" name=""/>
-        <p:cNvGrpSpPr/>
-        <p:nvPr/>
-      </p:nvGrpSpPr>
-      <p:grpSpPr>
-        <a:xfrm>
-          <a:off x="0" y="0"/>
-          <a:ext cx="0" cy="0"/>
-          <a:chOff x="0" y="0"/>
-          <a:chExt cx="0" cy="0"/>
-        </a:xfrm>
-      </p:grpSpPr>
-      <p:grpSp>
-        <p:nvGrpSpPr>
-          <p:cNvPr id="6" name="Group 5">
-            <a:extLst>
-              <a:ext uri="{FF2B5EF4-FFF2-40B4-BE49-F238E27FC236}">
-                <a16:creationId xmlns:a16="http://schemas.microsoft.com/office/drawing/2014/main" id="{83322A1E-1F09-EE44-D500-2A7BC3215508}"/>
-              </a:ext>
-            </a:extLst>
-          </p:cNvPr>
-          <p:cNvGrpSpPr/>
-          <p:nvPr/>
-        </p:nvGrpSpPr>
-        <p:grpSpPr>
-          <a:xfrm>
-            <a:off x="2667000" y="0"/>
-            <a:ext cx="6858000" cy="6858000"/>
-            <a:chOff x="2667000" y="0"/>
-            <a:chExt cx="6858000" cy="6858000"/>
-          </a:xfrm>
-        </p:grpSpPr>
-        <p:pic>
-          <p:nvPicPr>
-            <p:cNvPr id="3" name="Picture 2">
-              <a:extLst>
-                <a:ext uri="{FF2B5EF4-FFF2-40B4-BE49-F238E27FC236}">
-                  <a16:creationId xmlns:a16="http://schemas.microsoft.com/office/drawing/2014/main" id="{C485EB77-8C95-DB97-8861-6384D65F4845}"/>
-                </a:ext>
-              </a:extLst>
-            </p:cNvPr>
-            <p:cNvPicPr>
-              <a:picLocks noChangeAspect="1"/>
-            </p:cNvPicPr>
-            <p:nvPr/>
-          </p:nvPicPr>
-          <p:blipFill>
-            <a:blip r:embed="rId2">
-              <a:extLst>
-                <a:ext uri="{28A0092B-C50C-407E-A947-70E740481C1C}">
-                  <a14:useLocalDpi xmlns:a14="http://schemas.microsoft.com/office/drawing/2010/main" val="0"/>
-                </a:ext>
-              </a:extLst>
-            </a:blip>
-            <a:stretch>
-              <a:fillRect/>
-            </a:stretch>
-          </p:blipFill>
-          <p:spPr>
-            <a:xfrm>
-              <a:off x="2667000" y="0"/>
-              <a:ext cx="6858000" cy="6858000"/>
-            </a:xfrm>
-            <a:prstGeom prst="rect">
-              <a:avLst/>
-            </a:prstGeom>
-          </p:spPr>
-        </p:pic>
-        <p:sp>
-          <p:nvSpPr>
-            <p:cNvPr id="4" name="Rectangle 3">
-              <a:extLst>
-                <a:ext uri="{FF2B5EF4-FFF2-40B4-BE49-F238E27FC236}">
-                  <a16:creationId xmlns:a16="http://schemas.microsoft.com/office/drawing/2014/main" id="{E59EB618-9A18-AD95-4A7A-09E2B986AE2F}"/>
-                </a:ext>
-              </a:extLst>
-            </p:cNvPr>
-            <p:cNvSpPr/>
-            <p:nvPr/>
-          </p:nvSpPr>
-          <p:spPr>
-            <a:xfrm>
-              <a:off x="4567084" y="1258529"/>
-              <a:ext cx="3057832" cy="3057832"/>
-            </a:xfrm>
-            <a:prstGeom prst="rect">
-              <a:avLst/>
-            </a:prstGeom>
-            <a:noFill/>
-            <a:ln w="79375">
-              <a:solidFill>
-                <a:srgbClr val="FF0000"/>
-              </a:solidFill>
-              <a:prstDash val="sysDash"/>
-            </a:ln>
-          </p:spPr>
-          <p:style>
-            <a:lnRef idx="2">
-              <a:schemeClr val="accent1">
-                <a:shade val="15000"/>
-              </a:schemeClr>
-            </a:lnRef>
-            <a:fillRef idx="1">
-              <a:schemeClr val="accent1"/>
-            </a:fillRef>
-            <a:effectRef idx="0">
-              <a:schemeClr val="accent1"/>
-            </a:effectRef>
-            <a:fontRef idx="minor">
-              <a:schemeClr val="lt1"/>
-            </a:fontRef>
-          </p:style>
-          <p:txBody>
-            <a:bodyPr rtlCol="0" anchor="ctr"/>
-            <a:lstStyle/>
-            <a:p>
-              <a:pPr algn="ctr"/>
-              <a:endParaRPr lang="en-ID"/>
-            </a:p>
-          </p:txBody>
-        </p:sp>
-        <p:sp>
-          <p:nvSpPr>
-            <p:cNvPr id="5" name="TextBox 4">
-              <a:extLst>
-                <a:ext uri="{FF2B5EF4-FFF2-40B4-BE49-F238E27FC236}">
-                  <a16:creationId xmlns:a16="http://schemas.microsoft.com/office/drawing/2014/main" id="{7F800804-40CF-B866-18AA-F6E90238295D}"/>
-                </a:ext>
-              </a:extLst>
-            </p:cNvPr>
-            <p:cNvSpPr txBox="1"/>
-            <p:nvPr/>
-          </p:nvSpPr>
-          <p:spPr>
-            <a:xfrm>
-              <a:off x="4567084" y="647121"/>
-              <a:ext cx="3057832" cy="461665"/>
-            </a:xfrm>
-            <a:prstGeom prst="rect">
-              <a:avLst/>
-            </a:prstGeom>
-            <a:noFill/>
-          </p:spPr>
-          <p:txBody>
-            <a:bodyPr wrap="square" rtlCol="0">
-              <a:spAutoFit/>
-            </a:bodyPr>
-            <a:lstStyle/>
-            <a:p>
-              <a:pPr algn="ctr"/>
-              <a:r>
-                <a:rPr lang="en-US" sz="2400" dirty="0" err="1">
-                  <a:solidFill>
-                    <a:schemeClr val="bg1"/>
-                  </a:solidFill>
-                  <a:latin typeface="Times New Roman" panose="02020603050405020304" pitchFamily="18" charset="0"/>
-                  <a:cs typeface="Times New Roman" panose="02020603050405020304" pitchFamily="18" charset="0"/>
-                </a:rPr>
-                <a:t>Bayangan</a:t>
-              </a:r>
-              <a:r>
-                <a:rPr lang="en-US" sz="2400" dirty="0">
-                  <a:solidFill>
-                    <a:schemeClr val="bg1"/>
-                  </a:solidFill>
-                  <a:latin typeface="Times New Roman" panose="02020603050405020304" pitchFamily="18" charset="0"/>
-                  <a:cs typeface="Times New Roman" panose="02020603050405020304" pitchFamily="18" charset="0"/>
-                </a:rPr>
-                <a:t> Maya</a:t>
-              </a:r>
-              <a:endParaRPr lang="en-ID" sz="2400" dirty="0">
-                <a:solidFill>
-                  <a:schemeClr val="bg1"/>
-                </a:solidFill>
-                <a:latin typeface="Times New Roman" panose="02020603050405020304" pitchFamily="18" charset="0"/>
-                <a:cs typeface="Times New Roman" panose="02020603050405020304" pitchFamily="18" charset="0"/>
-              </a:endParaRPr>
-            </a:p>
-          </p:txBody>
-        </p:sp>
-      </p:grpSp>
-    </p:spTree>
-    <p:extLst>
-      <p:ext uri="{BB962C8B-B14F-4D97-AF65-F5344CB8AC3E}">
-        <p14:creationId xmlns:p14="http://schemas.microsoft.com/office/powerpoint/2010/main" val="1578011518"/>
-      </p:ext>
-    </p:extLst>
-  </p:cSld>
-  <p:clrMapOvr>
-    <a:masterClrMapping/>
-  </p:clrMapOvr>
-</p:sld>
-</file>
-
-<file path=ppt/slides/slide9.xml><?xml version="1.0" encoding="utf-8"?>
-<p:sld xmlns:a="http://schemas.openxmlformats.org/drawingml/2006/main" xmlns:r="http://schemas.openxmlformats.org/officeDocument/2006/relationships" xmlns:p="http://schemas.openxmlformats.org/presentationml/2006/main">
-  <p:cSld>
-    <p:spTree>
-      <p:nvGrpSpPr>
-        <p:cNvPr id="1" name=""/>
-        <p:cNvGrpSpPr/>
-        <p:nvPr/>
-      </p:nvGrpSpPr>
-      <p:grpSpPr>
-        <a:xfrm>
-          <a:off x="0" y="0"/>
-          <a:ext cx="0" cy="0"/>
-          <a:chOff x="0" y="0"/>
-          <a:chExt cx="0" cy="0"/>
-        </a:xfrm>
-      </p:grpSpPr>
-      <p:grpSp>
-        <p:nvGrpSpPr>
-          <p:cNvPr id="6" name="Group 5">
-            <a:extLst>
-              <a:ext uri="{FF2B5EF4-FFF2-40B4-BE49-F238E27FC236}">
-                <a16:creationId xmlns:a16="http://schemas.microsoft.com/office/drawing/2014/main" id="{83322A1E-1F09-EE44-D500-2A7BC3215508}"/>
-              </a:ext>
-            </a:extLst>
-          </p:cNvPr>
-          <p:cNvGrpSpPr/>
-          <p:nvPr/>
-        </p:nvGrpSpPr>
-        <p:grpSpPr>
-          <a:xfrm>
-            <a:off x="2667000" y="0"/>
-            <a:ext cx="6858000" cy="6858000"/>
-            <a:chOff x="2667000" y="0"/>
-            <a:chExt cx="6858000" cy="6858000"/>
-          </a:xfrm>
-        </p:grpSpPr>
-        <p:pic>
-          <p:nvPicPr>
-            <p:cNvPr id="3" name="Picture 2">
-              <a:extLst>
-                <a:ext uri="{FF2B5EF4-FFF2-40B4-BE49-F238E27FC236}">
-                  <a16:creationId xmlns:a16="http://schemas.microsoft.com/office/drawing/2014/main" id="{C485EB77-8C95-DB97-8861-6384D65F4845}"/>
-                </a:ext>
-              </a:extLst>
-            </p:cNvPr>
-            <p:cNvPicPr>
-              <a:picLocks noChangeAspect="1"/>
-            </p:cNvPicPr>
-            <p:nvPr/>
-          </p:nvPicPr>
-          <p:blipFill>
-            <a:blip r:embed="rId2">
-              <a:extLst>
-                <a:ext uri="{28A0092B-C50C-407E-A947-70E740481C1C}">
-                  <a14:useLocalDpi xmlns:a14="http://schemas.microsoft.com/office/drawing/2010/main" val="0"/>
-                </a:ext>
-              </a:extLst>
-            </a:blip>
-            <a:stretch>
-              <a:fillRect/>
-            </a:stretch>
-          </p:blipFill>
-          <p:spPr>
-            <a:xfrm>
-              <a:off x="2667000" y="0"/>
-              <a:ext cx="6858000" cy="6858000"/>
-            </a:xfrm>
-            <a:prstGeom prst="rect">
-              <a:avLst/>
-            </a:prstGeom>
-          </p:spPr>
-        </p:pic>
-        <p:sp>
-          <p:nvSpPr>
-            <p:cNvPr id="4" name="Rectangle 3">
-              <a:extLst>
-                <a:ext uri="{FF2B5EF4-FFF2-40B4-BE49-F238E27FC236}">
-                  <a16:creationId xmlns:a16="http://schemas.microsoft.com/office/drawing/2014/main" id="{E59EB618-9A18-AD95-4A7A-09E2B986AE2F}"/>
-                </a:ext>
-              </a:extLst>
-            </p:cNvPr>
-            <p:cNvSpPr/>
-            <p:nvPr/>
-          </p:nvSpPr>
-          <p:spPr>
-            <a:xfrm>
-              <a:off x="4567084" y="1258529"/>
-              <a:ext cx="3057832" cy="3057832"/>
-            </a:xfrm>
-            <a:prstGeom prst="rect">
-              <a:avLst/>
-            </a:prstGeom>
-            <a:noFill/>
-            <a:ln w="79375">
-              <a:solidFill>
-                <a:srgbClr val="FF0000"/>
-              </a:solidFill>
-              <a:prstDash val="sysDash"/>
-            </a:ln>
-          </p:spPr>
-          <p:style>
-            <a:lnRef idx="2">
-              <a:schemeClr val="accent1">
-                <a:shade val="15000"/>
-              </a:schemeClr>
-            </a:lnRef>
-            <a:fillRef idx="1">
-              <a:schemeClr val="accent1"/>
-            </a:fillRef>
-            <a:effectRef idx="0">
-              <a:schemeClr val="accent1"/>
-            </a:effectRef>
-            <a:fontRef idx="minor">
-              <a:schemeClr val="lt1"/>
-            </a:fontRef>
-          </p:style>
-          <p:txBody>
-            <a:bodyPr rtlCol="0" anchor="ctr"/>
-            <a:lstStyle/>
-            <a:p>
-              <a:pPr algn="ctr"/>
-              <a:endParaRPr lang="en-ID"/>
-            </a:p>
-          </p:txBody>
-        </p:sp>
-        <p:sp>
-          <p:nvSpPr>
-            <p:cNvPr id="5" name="TextBox 4">
-              <a:extLst>
-                <a:ext uri="{FF2B5EF4-FFF2-40B4-BE49-F238E27FC236}">
-                  <a16:creationId xmlns:a16="http://schemas.microsoft.com/office/drawing/2014/main" id="{7F800804-40CF-B866-18AA-F6E90238295D}"/>
-                </a:ext>
-              </a:extLst>
-            </p:cNvPr>
-            <p:cNvSpPr txBox="1"/>
-            <p:nvPr/>
-          </p:nvSpPr>
-          <p:spPr>
-            <a:xfrm>
-              <a:off x="4567084" y="647121"/>
-              <a:ext cx="3057832" cy="461665"/>
-            </a:xfrm>
-            <a:prstGeom prst="rect">
-              <a:avLst/>
-            </a:prstGeom>
-            <a:noFill/>
-          </p:spPr>
-          <p:txBody>
-            <a:bodyPr wrap="square" rtlCol="0">
-              <a:spAutoFit/>
-            </a:bodyPr>
-            <a:lstStyle/>
-            <a:p>
-              <a:pPr algn="ctr"/>
-              <a:r>
-                <a:rPr lang="en-US" sz="2400" dirty="0" err="1">
-                  <a:solidFill>
-                    <a:schemeClr val="bg1"/>
-                  </a:solidFill>
-                  <a:latin typeface="Times New Roman" panose="02020603050405020304" pitchFamily="18" charset="0"/>
-                  <a:cs typeface="Times New Roman" panose="02020603050405020304" pitchFamily="18" charset="0"/>
-                </a:rPr>
-                <a:t>Görüntü</a:t>
-              </a:r>
-              <a:endParaRPr lang="en-ID" sz="2400" dirty="0">
-                <a:solidFill>
-                  <a:schemeClr val="bg1"/>
-                </a:solidFill>
-                <a:latin typeface="Times New Roman" panose="02020603050405020304" pitchFamily="18" charset="0"/>
-                <a:cs typeface="Times New Roman" panose="02020603050405020304" pitchFamily="18" charset="0"/>
-              </a:endParaRPr>
-            </a:p>
-          </p:txBody>
-        </p:sp>
-      </p:grpSp>
-    </p:spTree>
-    <p:extLst>
-      <p:ext uri="{BB962C8B-B14F-4D97-AF65-F5344CB8AC3E}">
-        <p14:creationId xmlns:p14="http://schemas.microsoft.com/office/powerpoint/2010/main" val="2015505144"/>
-      </p:ext>
-    </p:extLst>
-  </p:cSld>
-  <p:clrMapOvr>
-    <a:masterClrMapping/>
-  </p:clrMapOvr>
-</p:sld>
-</file>
-
 <file path=ppt/theme/theme1.xml><?xml version="1.0" encoding="utf-8"?>
 <a:theme xmlns:a="http://schemas.openxmlformats.org/drawingml/2006/main" name="Office Theme">
   <a:themeElements>
